--- a/PROGRAMACION/FOL/TEMA 3 FOL 2023 2024.pptx
+++ b/PROGRAMACION/FOL/TEMA 3 FOL 2023 2024.pptx
@@ -34936,7 +34936,7 @@
           <a:p>
             <a:fld id="{A7F438C5-03A1-463E-A49A-4590B5EA2CF5}" type="datetimeFigureOut">
               <a:rPr lang="es-ES" smtClean="0"/>
-              <a:t>08/11/2023</a:t>
+              <a:t>14/11/2023</a:t>
             </a:fld>
             <a:endParaRPr lang="es-ES"/>
           </a:p>
@@ -35134,7 +35134,7 @@
           <a:p>
             <a:fld id="{A7F438C5-03A1-463E-A49A-4590B5EA2CF5}" type="datetimeFigureOut">
               <a:rPr lang="es-ES" smtClean="0"/>
-              <a:t>08/11/2023</a:t>
+              <a:t>14/11/2023</a:t>
             </a:fld>
             <a:endParaRPr lang="es-ES"/>
           </a:p>
@@ -35342,7 +35342,7 @@
           <a:p>
             <a:fld id="{A7F438C5-03A1-463E-A49A-4590B5EA2CF5}" type="datetimeFigureOut">
               <a:rPr lang="es-ES" smtClean="0"/>
-              <a:t>08/11/2023</a:t>
+              <a:t>14/11/2023</a:t>
             </a:fld>
             <a:endParaRPr lang="es-ES"/>
           </a:p>
@@ -35529,7 +35529,7 @@
           <a:p>
             <a:fld id="{A7F438C5-03A1-463E-A49A-4590B5EA2CF5}" type="datetimeFigureOut">
               <a:rPr lang="es-ES" smtClean="0"/>
-              <a:t>08/11/2023</a:t>
+              <a:t>14/11/2023</a:t>
             </a:fld>
             <a:endParaRPr lang="es-ES"/>
           </a:p>
@@ -35715,7 +35715,7 @@
           <a:p>
             <a:fld id="{A7F438C5-03A1-463E-A49A-4590B5EA2CF5}" type="datetimeFigureOut">
               <a:rPr lang="es-ES" smtClean="0"/>
-              <a:t>08/11/2023</a:t>
+              <a:t>14/11/2023</a:t>
             </a:fld>
             <a:endParaRPr lang="es-ES"/>
           </a:p>
@@ -35990,7 +35990,7 @@
           <a:p>
             <a:fld id="{A7F438C5-03A1-463E-A49A-4590B5EA2CF5}" type="datetimeFigureOut">
               <a:rPr lang="es-ES" smtClean="0"/>
-              <a:t>08/11/2023</a:t>
+              <a:t>14/11/2023</a:t>
             </a:fld>
             <a:endParaRPr lang="es-ES"/>
           </a:p>
@@ -36255,7 +36255,7 @@
           <a:p>
             <a:fld id="{A7F438C5-03A1-463E-A49A-4590B5EA2CF5}" type="datetimeFigureOut">
               <a:rPr lang="es-ES" smtClean="0"/>
-              <a:t>08/11/2023</a:t>
+              <a:t>14/11/2023</a:t>
             </a:fld>
             <a:endParaRPr lang="es-ES"/>
           </a:p>
@@ -36667,7 +36667,7 @@
           <a:p>
             <a:fld id="{A7F438C5-03A1-463E-A49A-4590B5EA2CF5}" type="datetimeFigureOut">
               <a:rPr lang="es-ES" smtClean="0"/>
-              <a:t>08/11/2023</a:t>
+              <a:t>14/11/2023</a:t>
             </a:fld>
             <a:endParaRPr lang="es-ES"/>
           </a:p>
@@ -36808,7 +36808,7 @@
           <a:p>
             <a:fld id="{A7F438C5-03A1-463E-A49A-4590B5EA2CF5}" type="datetimeFigureOut">
               <a:rPr lang="es-ES" smtClean="0"/>
-              <a:t>08/11/2023</a:t>
+              <a:t>14/11/2023</a:t>
             </a:fld>
             <a:endParaRPr lang="es-ES"/>
           </a:p>
@@ -36921,7 +36921,7 @@
           <a:p>
             <a:fld id="{A7F438C5-03A1-463E-A49A-4590B5EA2CF5}" type="datetimeFigureOut">
               <a:rPr lang="es-ES" smtClean="0"/>
-              <a:t>08/11/2023</a:t>
+              <a:t>14/11/2023</a:t>
             </a:fld>
             <a:endParaRPr lang="es-ES"/>
           </a:p>
@@ -37232,7 +37232,7 @@
           <a:p>
             <a:fld id="{A7F438C5-03A1-463E-A49A-4590B5EA2CF5}" type="datetimeFigureOut">
               <a:rPr lang="es-ES" smtClean="0"/>
-              <a:t>08/11/2023</a:t>
+              <a:t>14/11/2023</a:t>
             </a:fld>
             <a:endParaRPr lang="es-ES"/>
           </a:p>
@@ -37520,7 +37520,7 @@
           <a:p>
             <a:fld id="{A7F438C5-03A1-463E-A49A-4590B5EA2CF5}" type="datetimeFigureOut">
               <a:rPr lang="es-ES" smtClean="0"/>
-              <a:t>08/11/2023</a:t>
+              <a:t>14/11/2023</a:t>
             </a:fld>
             <a:endParaRPr lang="es-ES"/>
           </a:p>
@@ -37764,7 +37764,7 @@
           <a:p>
             <a:fld id="{A7F438C5-03A1-463E-A49A-4590B5EA2CF5}" type="datetimeFigureOut">
               <a:rPr lang="es-ES" smtClean="0"/>
-              <a:t>08/11/2023</a:t>
+              <a:t>14/11/2023</a:t>
             </a:fld>
             <a:endParaRPr lang="es-ES"/>
           </a:p>
@@ -38198,7 +38198,7 @@
                 <a16:creationId xmlns:a16="http://schemas.microsoft.com/office/drawing/2014/main" id="{4D327EF6-1201-4218-AA98-3DA5A0F48981}"/>
               </a:ext>
               <a:ext uri="{C183D7F6-B498-43B3-948B-1728B52AA6E4}">
-                <adec:decorative xmlns:adec="http://schemas.microsoft.com/office/drawing/2017/decorative" xmlns="" val="1"/>
+                <adec:decorative xmlns="" xmlns:adec="http://schemas.microsoft.com/office/drawing/2017/decorative" val="1"/>
               </a:ext>
             </a:extLst>
           </p:cNvPr>
@@ -38352,7 +38352,7 @@
                 <a16:creationId xmlns:a16="http://schemas.microsoft.com/office/drawing/2014/main" id="{9864AAEA-8DC4-4D15-864C-B53C5B4CCEE0}"/>
               </a:ext>
               <a:ext uri="{C183D7F6-B498-43B3-948B-1728B52AA6E4}">
-                <adec:decorative xmlns:adec="http://schemas.microsoft.com/office/drawing/2017/decorative" xmlns="" val="1"/>
+                <adec:decorative xmlns="" xmlns:adec="http://schemas.microsoft.com/office/drawing/2017/decorative" val="1"/>
               </a:ext>
             </a:extLst>
           </p:cNvPr>
@@ -38412,7 +38412,7 @@
                 <a16:creationId xmlns:a16="http://schemas.microsoft.com/office/drawing/2014/main" id="{E82F361B-984A-43B6-AFE8-1F14394284E4}"/>
               </a:ext>
               <a:ext uri="{C183D7F6-B498-43B3-948B-1728B52AA6E4}">
-                <adec:decorative xmlns:adec="http://schemas.microsoft.com/office/drawing/2017/decorative" xmlns="" val="1"/>
+                <adec:decorative xmlns="" xmlns:adec="http://schemas.microsoft.com/office/drawing/2017/decorative" val="1"/>
               </a:ext>
             </a:extLst>
           </p:cNvPr>
@@ -38524,7 +38524,7 @@
                 <a16:creationId xmlns:a16="http://schemas.microsoft.com/office/drawing/2014/main" id="{4F2A6A32-9ADF-4DD4-AEA5-0D1FF0F8B490}"/>
               </a:ext>
               <a:ext uri="{C183D7F6-B498-43B3-948B-1728B52AA6E4}">
-                <adec:decorative xmlns:adec="http://schemas.microsoft.com/office/drawing/2017/decorative" xmlns="" val="1"/>
+                <adec:decorative xmlns="" xmlns:adec="http://schemas.microsoft.com/office/drawing/2017/decorative" val="1"/>
               </a:ext>
             </a:extLst>
           </p:cNvPr>
@@ -38738,7 +38738,7 @@
                 <a16:creationId xmlns:a16="http://schemas.microsoft.com/office/drawing/2014/main" id="{AFA67CD3-AB4E-4A7A-BEB8-53C445D8C44E}"/>
               </a:ext>
               <a:ext uri="{C183D7F6-B498-43B3-948B-1728B52AA6E4}">
-                <adec:decorative xmlns:adec="http://schemas.microsoft.com/office/drawing/2017/decorative" xmlns="" val="1"/>
+                <adec:decorative xmlns="" xmlns:adec="http://schemas.microsoft.com/office/drawing/2017/decorative" val="1"/>
               </a:ext>
             </a:extLst>
           </p:cNvPr>
@@ -38824,7 +38824,7 @@
                 <a16:creationId xmlns:a16="http://schemas.microsoft.com/office/drawing/2014/main" id="{07CF545F-9C2E-4446-97CD-AD92990C2B68}"/>
               </a:ext>
               <a:ext uri="{C183D7F6-B498-43B3-948B-1728B52AA6E4}">
-                <adec:decorative xmlns:adec="http://schemas.microsoft.com/office/drawing/2017/decorative" xmlns="" val="1"/>
+                <adec:decorative xmlns="" xmlns:adec="http://schemas.microsoft.com/office/drawing/2017/decorative" val="1"/>
               </a:ext>
             </a:extLst>
           </p:cNvPr>
@@ -38902,7 +38902,7 @@
                 <a16:creationId xmlns:a16="http://schemas.microsoft.com/office/drawing/2014/main" id="{339C8D78-A644-462F-B674-F440635E5353}"/>
               </a:ext>
               <a:ext uri="{C183D7F6-B498-43B3-948B-1728B52AA6E4}">
-                <adec:decorative xmlns:adec="http://schemas.microsoft.com/office/drawing/2017/decorative" xmlns="" val="1"/>
+                <adec:decorative xmlns="" xmlns:adec="http://schemas.microsoft.com/office/drawing/2017/decorative" val="1"/>
               </a:ext>
             </a:extLst>
           </p:cNvPr>
@@ -39089,7 +39089,7 @@
                 <a14:useLocalDpi xmlns:a14="http://schemas.microsoft.com/office/drawing/2010/main" val="0"/>
               </a:ext>
               <a:ext uri="{96DAC541-7B7A-43D3-8B79-37D633B846F1}">
-                <asvg:svgBlip xmlns:asvg="http://schemas.microsoft.com/office/drawing/2016/SVG/main" xmlns="" r:embed="rId4"/>
+                <asvg:svgBlip xmlns="" xmlns:asvg="http://schemas.microsoft.com/office/drawing/2016/SVG/main" r:embed="rId4"/>
               </a:ext>
             </a:extLst>
           </a:blip>
@@ -39256,7 +39256,7 @@
                 <a16:creationId xmlns:a16="http://schemas.microsoft.com/office/drawing/2014/main" id="{3C915414-2809-4735-A560-0D5FE66700D8}"/>
               </a:ext>
               <a:ext uri="{C183D7F6-B498-43B3-948B-1728B52AA6E4}">
-                <adec:decorative xmlns:adec="http://schemas.microsoft.com/office/drawing/2017/decorative" xmlns="" val="1"/>
+                <adec:decorative xmlns="" xmlns:adec="http://schemas.microsoft.com/office/drawing/2017/decorative" val="1"/>
               </a:ext>
             </a:extLst>
           </p:cNvPr>
@@ -39321,7 +39321,7 @@
                 <a16:creationId xmlns:a16="http://schemas.microsoft.com/office/drawing/2014/main" id="{24413201-85BF-4680-A7D4-10CDBD03569C}"/>
               </a:ext>
               <a:ext uri="{C183D7F6-B498-43B3-948B-1728B52AA6E4}">
-                <adec:decorative xmlns:adec="http://schemas.microsoft.com/office/drawing/2017/decorative" xmlns="" val="1"/>
+                <adec:decorative xmlns="" xmlns:adec="http://schemas.microsoft.com/office/drawing/2017/decorative" val="1"/>
               </a:ext>
             </a:extLst>
           </p:cNvPr>
@@ -39352,7 +39352,7 @@
                   <a16:creationId xmlns:a16="http://schemas.microsoft.com/office/drawing/2014/main" id="{1F819D8C-C8E5-4336-9882-79FBF6555189}"/>
                 </a:ext>
                 <a:ext uri="{C183D7F6-B498-43B3-948B-1728B52AA6E4}">
-                  <adec:decorative xmlns:adec="http://schemas.microsoft.com/office/drawing/2017/decorative" xmlns="" val="1"/>
+                  <adec:decorative xmlns="" xmlns:adec="http://schemas.microsoft.com/office/drawing/2017/decorative" val="1"/>
                 </a:ext>
               </a:extLst>
             </p:cNvPr>
@@ -39402,7 +39402,7 @@
                   <a16:creationId xmlns:a16="http://schemas.microsoft.com/office/drawing/2014/main" id="{7D732480-09E4-401A-B2D9-E6C662FBCA29}"/>
                 </a:ext>
                 <a:ext uri="{C183D7F6-B498-43B3-948B-1728B52AA6E4}">
-                  <adec:decorative xmlns:adec="http://schemas.microsoft.com/office/drawing/2017/decorative" xmlns="" val="1"/>
+                  <adec:decorative xmlns="" xmlns:adec="http://schemas.microsoft.com/office/drawing/2017/decorative" val="1"/>
                 </a:ext>
               </a:extLst>
             </p:cNvPr>
@@ -39454,7 +39454,7 @@
                   <a16:creationId xmlns:a16="http://schemas.microsoft.com/office/drawing/2014/main" id="{87D8355C-E417-4D36-91FF-2CC1E1FE9FF3}"/>
                 </a:ext>
                 <a:ext uri="{C183D7F6-B498-43B3-948B-1728B52AA6E4}">
-                  <adec:decorative xmlns:adec="http://schemas.microsoft.com/office/drawing/2017/decorative" xmlns="" val="1"/>
+                  <adec:decorative xmlns="" xmlns:adec="http://schemas.microsoft.com/office/drawing/2017/decorative" val="1"/>
                 </a:ext>
               </a:extLst>
             </p:cNvPr>
@@ -39506,7 +39506,7 @@
                   <a16:creationId xmlns:a16="http://schemas.microsoft.com/office/drawing/2014/main" id="{6ADF7267-EAAE-43CE-ACEF-608328FB1787}"/>
                 </a:ext>
                 <a:ext uri="{C183D7F6-B498-43B3-948B-1728B52AA6E4}">
-                  <adec:decorative xmlns:adec="http://schemas.microsoft.com/office/drawing/2017/decorative" xmlns="" val="1"/>
+                  <adec:decorative xmlns="" xmlns:adec="http://schemas.microsoft.com/office/drawing/2017/decorative" val="1"/>
                 </a:ext>
               </a:extLst>
             </p:cNvPr>
@@ -39558,7 +39558,7 @@
                   <a16:creationId xmlns:a16="http://schemas.microsoft.com/office/drawing/2014/main" id="{54C901E2-0CDB-4316-B262-3B9E68F33502}"/>
                 </a:ext>
                 <a:ext uri="{C183D7F6-B498-43B3-948B-1728B52AA6E4}">
-                  <adec:decorative xmlns:adec="http://schemas.microsoft.com/office/drawing/2017/decorative" xmlns="" val="1"/>
+                  <adec:decorative xmlns="" xmlns:adec="http://schemas.microsoft.com/office/drawing/2017/decorative" val="1"/>
                 </a:ext>
               </a:extLst>
             </p:cNvPr>
@@ -39610,7 +39610,7 @@
                   <a16:creationId xmlns:a16="http://schemas.microsoft.com/office/drawing/2014/main" id="{D8F6D31A-084C-4F10-9A8F-A9645DFB7150}"/>
                 </a:ext>
                 <a:ext uri="{C183D7F6-B498-43B3-948B-1728B52AA6E4}">
-                  <adec:decorative xmlns:adec="http://schemas.microsoft.com/office/drawing/2017/decorative" xmlns="" val="1"/>
+                  <adec:decorative xmlns="" xmlns:adec="http://schemas.microsoft.com/office/drawing/2017/decorative" val="1"/>
                 </a:ext>
               </a:extLst>
             </p:cNvPr>
@@ -39662,7 +39662,7 @@
                   <a16:creationId xmlns:a16="http://schemas.microsoft.com/office/drawing/2014/main" id="{E38E09F0-F130-45B5-B0AF-7EF3F0172AD5}"/>
                 </a:ext>
                 <a:ext uri="{C183D7F6-B498-43B3-948B-1728B52AA6E4}">
-                  <adec:decorative xmlns:adec="http://schemas.microsoft.com/office/drawing/2017/decorative" xmlns="" val="1"/>
+                  <adec:decorative xmlns="" xmlns:adec="http://schemas.microsoft.com/office/drawing/2017/decorative" val="1"/>
                 </a:ext>
               </a:extLst>
             </p:cNvPr>
@@ -39714,7 +39714,7 @@
                   <a16:creationId xmlns:a16="http://schemas.microsoft.com/office/drawing/2014/main" id="{569330E2-17DA-4F0D-B377-6E4499C79A15}"/>
                 </a:ext>
                 <a:ext uri="{C183D7F6-B498-43B3-948B-1728B52AA6E4}">
-                  <adec:decorative xmlns:adec="http://schemas.microsoft.com/office/drawing/2017/decorative" xmlns="" val="1"/>
+                  <adec:decorative xmlns="" xmlns:adec="http://schemas.microsoft.com/office/drawing/2017/decorative" val="1"/>
                 </a:ext>
               </a:extLst>
             </p:cNvPr>
@@ -39766,7 +39766,7 @@
                   <a16:creationId xmlns:a16="http://schemas.microsoft.com/office/drawing/2014/main" id="{A3192707-5744-4C77-8CD6-D682F908009A}"/>
                 </a:ext>
                 <a:ext uri="{C183D7F6-B498-43B3-948B-1728B52AA6E4}">
-                  <adec:decorative xmlns:adec="http://schemas.microsoft.com/office/drawing/2017/decorative" xmlns="" val="1"/>
+                  <adec:decorative xmlns="" xmlns:adec="http://schemas.microsoft.com/office/drawing/2017/decorative" val="1"/>
                 </a:ext>
               </a:extLst>
             </p:cNvPr>
@@ -39818,7 +39818,7 @@
                   <a16:creationId xmlns:a16="http://schemas.microsoft.com/office/drawing/2014/main" id="{E367A44A-5DD0-43B5-B6DB-1CA3BC5AF0B2}"/>
                 </a:ext>
                 <a:ext uri="{C183D7F6-B498-43B3-948B-1728B52AA6E4}">
-                  <adec:decorative xmlns:adec="http://schemas.microsoft.com/office/drawing/2017/decorative" xmlns="" val="1"/>
+                  <adec:decorative xmlns="" xmlns:adec="http://schemas.microsoft.com/office/drawing/2017/decorative" val="1"/>
                 </a:ext>
               </a:extLst>
             </p:cNvPr>
@@ -39870,7 +39870,7 @@
                   <a16:creationId xmlns:a16="http://schemas.microsoft.com/office/drawing/2014/main" id="{280809D1-164B-4A0C-84BB-2AC46F3BDE52}"/>
                 </a:ext>
                 <a:ext uri="{C183D7F6-B498-43B3-948B-1728B52AA6E4}">
-                  <adec:decorative xmlns:adec="http://schemas.microsoft.com/office/drawing/2017/decorative" xmlns="" val="1"/>
+                  <adec:decorative xmlns="" xmlns:adec="http://schemas.microsoft.com/office/drawing/2017/decorative" val="1"/>
                 </a:ext>
               </a:extLst>
             </p:cNvPr>
@@ -39922,7 +39922,7 @@
                   <a16:creationId xmlns:a16="http://schemas.microsoft.com/office/drawing/2014/main" id="{E379EC94-3698-4695-8CE7-61DBDF5EE654}"/>
                 </a:ext>
                 <a:ext uri="{C183D7F6-B498-43B3-948B-1728B52AA6E4}">
-                  <adec:decorative xmlns:adec="http://schemas.microsoft.com/office/drawing/2017/decorative" xmlns="" val="1"/>
+                  <adec:decorative xmlns="" xmlns:adec="http://schemas.microsoft.com/office/drawing/2017/decorative" val="1"/>
                 </a:ext>
               </a:extLst>
             </p:cNvPr>
@@ -39974,7 +39974,7 @@
                   <a16:creationId xmlns:a16="http://schemas.microsoft.com/office/drawing/2014/main" id="{8755B95C-6A71-4D4F-8F48-B21F893E6FB1}"/>
                 </a:ext>
                 <a:ext uri="{C183D7F6-B498-43B3-948B-1728B52AA6E4}">
-                  <adec:decorative xmlns:adec="http://schemas.microsoft.com/office/drawing/2017/decorative" xmlns="" val="1"/>
+                  <adec:decorative xmlns="" xmlns:adec="http://schemas.microsoft.com/office/drawing/2017/decorative" val="1"/>
                 </a:ext>
               </a:extLst>
             </p:cNvPr>
@@ -40026,7 +40026,7 @@
                   <a16:creationId xmlns:a16="http://schemas.microsoft.com/office/drawing/2014/main" id="{6099C53A-E394-462E-BF63-1639A8E28318}"/>
                 </a:ext>
                 <a:ext uri="{C183D7F6-B498-43B3-948B-1728B52AA6E4}">
-                  <adec:decorative xmlns:adec="http://schemas.microsoft.com/office/drawing/2017/decorative" xmlns="" val="1"/>
+                  <adec:decorative xmlns="" xmlns:adec="http://schemas.microsoft.com/office/drawing/2017/decorative" val="1"/>
                 </a:ext>
               </a:extLst>
             </p:cNvPr>
@@ -40078,7 +40078,7 @@
                   <a16:creationId xmlns:a16="http://schemas.microsoft.com/office/drawing/2014/main" id="{9AC427FF-C3BE-45A0-9FB1-A6A4C8C4CD85}"/>
                 </a:ext>
                 <a:ext uri="{C183D7F6-B498-43B3-948B-1728B52AA6E4}">
-                  <adec:decorative xmlns:adec="http://schemas.microsoft.com/office/drawing/2017/decorative" xmlns="" val="1"/>
+                  <adec:decorative xmlns="" xmlns:adec="http://schemas.microsoft.com/office/drawing/2017/decorative" val="1"/>
                 </a:ext>
               </a:extLst>
             </p:cNvPr>
@@ -40130,7 +40130,7 @@
                   <a16:creationId xmlns:a16="http://schemas.microsoft.com/office/drawing/2014/main" id="{2B15D91A-BF52-4704-8F6B-A7C474618191}"/>
                 </a:ext>
                 <a:ext uri="{C183D7F6-B498-43B3-948B-1728B52AA6E4}">
-                  <adec:decorative xmlns:adec="http://schemas.microsoft.com/office/drawing/2017/decorative" xmlns="" val="1"/>
+                  <adec:decorative xmlns="" xmlns:adec="http://schemas.microsoft.com/office/drawing/2017/decorative" val="1"/>
                 </a:ext>
               </a:extLst>
             </p:cNvPr>
@@ -40182,7 +40182,7 @@
                   <a16:creationId xmlns:a16="http://schemas.microsoft.com/office/drawing/2014/main" id="{1D9241FD-0E0D-409B-A2AF-8F06ACB75778}"/>
                 </a:ext>
                 <a:ext uri="{C183D7F6-B498-43B3-948B-1728B52AA6E4}">
-                  <adec:decorative xmlns:adec="http://schemas.microsoft.com/office/drawing/2017/decorative" xmlns="" val="1"/>
+                  <adec:decorative xmlns="" xmlns:adec="http://schemas.microsoft.com/office/drawing/2017/decorative" val="1"/>
                 </a:ext>
               </a:extLst>
             </p:cNvPr>
@@ -40234,7 +40234,7 @@
                   <a16:creationId xmlns:a16="http://schemas.microsoft.com/office/drawing/2014/main" id="{F8B3D884-11F6-4FF3-82C2-1C2311451C61}"/>
                 </a:ext>
                 <a:ext uri="{C183D7F6-B498-43B3-948B-1728B52AA6E4}">
-                  <adec:decorative xmlns:adec="http://schemas.microsoft.com/office/drawing/2017/decorative" xmlns="" val="1"/>
+                  <adec:decorative xmlns="" xmlns:adec="http://schemas.microsoft.com/office/drawing/2017/decorative" val="1"/>
                 </a:ext>
               </a:extLst>
             </p:cNvPr>
@@ -40286,7 +40286,7 @@
                   <a16:creationId xmlns:a16="http://schemas.microsoft.com/office/drawing/2014/main" id="{A15AB342-981A-44B4-846D-B0B2394ACF01}"/>
                 </a:ext>
                 <a:ext uri="{C183D7F6-B498-43B3-948B-1728B52AA6E4}">
-                  <adec:decorative xmlns:adec="http://schemas.microsoft.com/office/drawing/2017/decorative" xmlns="" val="1"/>
+                  <adec:decorative xmlns="" xmlns:adec="http://schemas.microsoft.com/office/drawing/2017/decorative" val="1"/>
                 </a:ext>
               </a:extLst>
             </p:cNvPr>
@@ -40338,7 +40338,7 @@
                   <a16:creationId xmlns:a16="http://schemas.microsoft.com/office/drawing/2014/main" id="{872C80E7-0A00-4063-BEE2-6B6B446A4A72}"/>
                 </a:ext>
                 <a:ext uri="{C183D7F6-B498-43B3-948B-1728B52AA6E4}">
-                  <adec:decorative xmlns:adec="http://schemas.microsoft.com/office/drawing/2017/decorative" xmlns="" val="1"/>
+                  <adec:decorative xmlns="" xmlns:adec="http://schemas.microsoft.com/office/drawing/2017/decorative" val="1"/>
                 </a:ext>
               </a:extLst>
             </p:cNvPr>
@@ -40390,7 +40390,7 @@
                   <a16:creationId xmlns:a16="http://schemas.microsoft.com/office/drawing/2014/main" id="{CDDFAF9B-F940-4E8C-905E-31851E6E716D}"/>
                 </a:ext>
                 <a:ext uri="{C183D7F6-B498-43B3-948B-1728B52AA6E4}">
-                  <adec:decorative xmlns:adec="http://schemas.microsoft.com/office/drawing/2017/decorative" xmlns="" val="1"/>
+                  <adec:decorative xmlns="" xmlns:adec="http://schemas.microsoft.com/office/drawing/2017/decorative" val="1"/>
                 </a:ext>
               </a:extLst>
             </p:cNvPr>
@@ -40442,7 +40442,7 @@
                   <a16:creationId xmlns:a16="http://schemas.microsoft.com/office/drawing/2014/main" id="{DE75405B-4987-4ED0-838B-B550E11C50A7}"/>
                 </a:ext>
                 <a:ext uri="{C183D7F6-B498-43B3-948B-1728B52AA6E4}">
-                  <adec:decorative xmlns:adec="http://schemas.microsoft.com/office/drawing/2017/decorative" xmlns="" val="1"/>
+                  <adec:decorative xmlns="" xmlns:adec="http://schemas.microsoft.com/office/drawing/2017/decorative" val="1"/>
                 </a:ext>
               </a:extLst>
             </p:cNvPr>
@@ -40494,7 +40494,7 @@
                   <a16:creationId xmlns:a16="http://schemas.microsoft.com/office/drawing/2014/main" id="{2D23C412-06C7-4364-B5C1-6492A9D36BCD}"/>
                 </a:ext>
                 <a:ext uri="{C183D7F6-B498-43B3-948B-1728B52AA6E4}">
-                  <adec:decorative xmlns:adec="http://schemas.microsoft.com/office/drawing/2017/decorative" xmlns="" val="1"/>
+                  <adec:decorative xmlns="" xmlns:adec="http://schemas.microsoft.com/office/drawing/2017/decorative" val="1"/>
                 </a:ext>
               </a:extLst>
             </p:cNvPr>
@@ -40546,7 +40546,7 @@
                   <a16:creationId xmlns:a16="http://schemas.microsoft.com/office/drawing/2014/main" id="{3E558B2C-BA31-4EF6-AA51-34C38C4FAC19}"/>
                 </a:ext>
                 <a:ext uri="{C183D7F6-B498-43B3-948B-1728B52AA6E4}">
-                  <adec:decorative xmlns:adec="http://schemas.microsoft.com/office/drawing/2017/decorative" xmlns="" val="1"/>
+                  <adec:decorative xmlns="" xmlns:adec="http://schemas.microsoft.com/office/drawing/2017/decorative" val="1"/>
                 </a:ext>
               </a:extLst>
             </p:cNvPr>
@@ -40598,7 +40598,7 @@
                   <a16:creationId xmlns:a16="http://schemas.microsoft.com/office/drawing/2014/main" id="{49BF6B7B-33CA-48B1-A1DC-E4917FB89D99}"/>
                 </a:ext>
                 <a:ext uri="{C183D7F6-B498-43B3-948B-1728B52AA6E4}">
-                  <adec:decorative xmlns:adec="http://schemas.microsoft.com/office/drawing/2017/decorative" xmlns="" val="1"/>
+                  <adec:decorative xmlns="" xmlns:adec="http://schemas.microsoft.com/office/drawing/2017/decorative" val="1"/>
                 </a:ext>
               </a:extLst>
             </p:cNvPr>
@@ -40650,7 +40650,7 @@
                   <a16:creationId xmlns:a16="http://schemas.microsoft.com/office/drawing/2014/main" id="{B91E8E40-9C42-4E16-980F-D9B38872F361}"/>
                 </a:ext>
                 <a:ext uri="{C183D7F6-B498-43B3-948B-1728B52AA6E4}">
-                  <adec:decorative xmlns:adec="http://schemas.microsoft.com/office/drawing/2017/decorative" xmlns="" val="1"/>
+                  <adec:decorative xmlns="" xmlns:adec="http://schemas.microsoft.com/office/drawing/2017/decorative" val="1"/>
                 </a:ext>
               </a:extLst>
             </p:cNvPr>
@@ -40702,7 +40702,7 @@
                   <a16:creationId xmlns:a16="http://schemas.microsoft.com/office/drawing/2014/main" id="{6B7E3690-D803-4CC7-BA93-B51ACF040FBF}"/>
                 </a:ext>
                 <a:ext uri="{C183D7F6-B498-43B3-948B-1728B52AA6E4}">
-                  <adec:decorative xmlns:adec="http://schemas.microsoft.com/office/drawing/2017/decorative" xmlns="" val="1"/>
+                  <adec:decorative xmlns="" xmlns:adec="http://schemas.microsoft.com/office/drawing/2017/decorative" val="1"/>
                 </a:ext>
               </a:extLst>
             </p:cNvPr>
@@ -40790,7 +40790,7 @@
                 <a16:creationId xmlns:a16="http://schemas.microsoft.com/office/drawing/2014/main" id="{473E2575-93BA-49BD-A0BB-EBD45F7382A2}"/>
               </a:ext>
               <a:ext uri="{C183D7F6-B498-43B3-948B-1728B52AA6E4}">
-                <adec:decorative xmlns:adec="http://schemas.microsoft.com/office/drawing/2017/decorative" xmlns="" val="1"/>
+                <adec:decorative xmlns="" xmlns:adec="http://schemas.microsoft.com/office/drawing/2017/decorative" val="1"/>
               </a:ext>
             </a:extLst>
           </p:cNvPr>
@@ -40844,7 +40844,7 @@
                 <a16:creationId xmlns:a16="http://schemas.microsoft.com/office/drawing/2014/main" id="{FE32AE2A-5F1E-4AB5-96CD-95BBC7E8CBB1}"/>
               </a:ext>
               <a:ext uri="{C183D7F6-B498-43B3-948B-1728B52AA6E4}">
-                <adec:decorative xmlns:adec="http://schemas.microsoft.com/office/drawing/2017/decorative" xmlns="" val="1"/>
+                <adec:decorative xmlns="" xmlns:adec="http://schemas.microsoft.com/office/drawing/2017/decorative" val="1"/>
               </a:ext>
             </a:extLst>
           </p:cNvPr>
@@ -40898,7 +40898,7 @@
                 <a16:creationId xmlns:a16="http://schemas.microsoft.com/office/drawing/2014/main" id="{151E1EE1-5760-4F9F-919D-BBBE95CE8ED0}"/>
               </a:ext>
               <a:ext uri="{C183D7F6-B498-43B3-948B-1728B52AA6E4}">
-                <adec:decorative xmlns:adec="http://schemas.microsoft.com/office/drawing/2017/decorative" xmlns="" val="1"/>
+                <adec:decorative xmlns="" xmlns:adec="http://schemas.microsoft.com/office/drawing/2017/decorative" val="1"/>
               </a:ext>
             </a:extLst>
           </p:cNvPr>
@@ -40992,7 +40992,7 @@
                 <a16:creationId xmlns:a16="http://schemas.microsoft.com/office/drawing/2014/main" id="{D665D759-2DF8-4D47-8386-4BA28901A79D}"/>
               </a:ext>
               <a:ext uri="{C183D7F6-B498-43B3-948B-1728B52AA6E4}">
-                <adec:decorative xmlns:adec="http://schemas.microsoft.com/office/drawing/2017/decorative" xmlns="" val="1"/>
+                <adec:decorative xmlns="" xmlns:adec="http://schemas.microsoft.com/office/drawing/2017/decorative" val="1"/>
               </a:ext>
             </a:extLst>
           </p:cNvPr>
@@ -41459,7 +41459,7 @@
                 <a16:creationId xmlns:a16="http://schemas.microsoft.com/office/drawing/2014/main" id="{16C73AF9-0D33-5C66-5D79-0D0129904B31}"/>
               </a:ext>
               <a:ext uri="{C183D7F6-B498-43B3-948B-1728B52AA6E4}">
-                <adec:decorative xmlns:adec="http://schemas.microsoft.com/office/drawing/2017/decorative" xmlns="" val="1"/>
+                <adec:decorative xmlns="" xmlns:adec="http://schemas.microsoft.com/office/drawing/2017/decorative" val="1"/>
               </a:ext>
             </a:extLst>
           </p:cNvPr>
@@ -41490,7 +41490,7 @@
                   <a16:creationId xmlns:a16="http://schemas.microsoft.com/office/drawing/2014/main" id="{ED96FD6F-5EE9-36C7-C200-3111EF6D0152}"/>
                 </a:ext>
                 <a:ext uri="{C183D7F6-B498-43B3-948B-1728B52AA6E4}">
-                  <adec:decorative xmlns:adec="http://schemas.microsoft.com/office/drawing/2017/decorative" xmlns="" val="1"/>
+                  <adec:decorative xmlns="" xmlns:adec="http://schemas.microsoft.com/office/drawing/2017/decorative" val="1"/>
                 </a:ext>
               </a:extLst>
             </p:cNvPr>
@@ -41559,7 +41559,7 @@
                   <a16:creationId xmlns:a16="http://schemas.microsoft.com/office/drawing/2014/main" id="{62A39BB2-02C1-8A8B-8021-68446E04747F}"/>
                 </a:ext>
                 <a:ext uri="{C183D7F6-B498-43B3-948B-1728B52AA6E4}">
-                  <adec:decorative xmlns:adec="http://schemas.microsoft.com/office/drawing/2017/decorative" xmlns="" val="1"/>
+                  <adec:decorative xmlns="" xmlns:adec="http://schemas.microsoft.com/office/drawing/2017/decorative" val="1"/>
                 </a:ext>
               </a:extLst>
             </p:cNvPr>
@@ -41795,7 +41795,7 @@
                 <a16:creationId xmlns:a16="http://schemas.microsoft.com/office/drawing/2014/main" id="{16C73AF9-0D33-5C66-5D79-0D0129904B31}"/>
               </a:ext>
               <a:ext uri="{C183D7F6-B498-43B3-948B-1728B52AA6E4}">
-                <adec:decorative xmlns:adec="http://schemas.microsoft.com/office/drawing/2017/decorative" xmlns="" val="1"/>
+                <adec:decorative xmlns="" xmlns:adec="http://schemas.microsoft.com/office/drawing/2017/decorative" val="1"/>
               </a:ext>
             </a:extLst>
           </p:cNvPr>
@@ -41826,7 +41826,7 @@
                   <a16:creationId xmlns:a16="http://schemas.microsoft.com/office/drawing/2014/main" id="{ED96FD6F-5EE9-36C7-C200-3111EF6D0152}"/>
                 </a:ext>
                 <a:ext uri="{C183D7F6-B498-43B3-948B-1728B52AA6E4}">
-                  <adec:decorative xmlns:adec="http://schemas.microsoft.com/office/drawing/2017/decorative" xmlns="" val="1"/>
+                  <adec:decorative xmlns="" xmlns:adec="http://schemas.microsoft.com/office/drawing/2017/decorative" val="1"/>
                 </a:ext>
               </a:extLst>
             </p:cNvPr>
@@ -41895,7 +41895,7 @@
                   <a16:creationId xmlns:a16="http://schemas.microsoft.com/office/drawing/2014/main" id="{62A39BB2-02C1-8A8B-8021-68446E04747F}"/>
                 </a:ext>
                 <a:ext uri="{C183D7F6-B498-43B3-948B-1728B52AA6E4}">
-                  <adec:decorative xmlns:adec="http://schemas.microsoft.com/office/drawing/2017/decorative" xmlns="" val="1"/>
+                  <adec:decorative xmlns="" xmlns:adec="http://schemas.microsoft.com/office/drawing/2017/decorative" val="1"/>
                 </a:ext>
               </a:extLst>
             </p:cNvPr>
@@ -42456,7 +42456,7 @@
                 <a16:creationId xmlns:a16="http://schemas.microsoft.com/office/drawing/2014/main" id="{9AF08BBE-71A7-AEFC-F970-93C6BF79B380}"/>
               </a:ext>
               <a:ext uri="{C183D7F6-B498-43B3-948B-1728B52AA6E4}">
-                <adec:decorative xmlns:adec="http://schemas.microsoft.com/office/drawing/2017/decorative" xmlns="" val="1"/>
+                <adec:decorative xmlns="" xmlns:adec="http://schemas.microsoft.com/office/drawing/2017/decorative" val="1"/>
               </a:ext>
             </a:extLst>
           </p:cNvPr>
@@ -42487,7 +42487,7 @@
                   <a16:creationId xmlns:a16="http://schemas.microsoft.com/office/drawing/2014/main" id="{31C42412-D66A-A89A-CBAD-067355BA7437}"/>
                 </a:ext>
                 <a:ext uri="{C183D7F6-B498-43B3-948B-1728B52AA6E4}">
-                  <adec:decorative xmlns:adec="http://schemas.microsoft.com/office/drawing/2017/decorative" xmlns="" val="1"/>
+                  <adec:decorative xmlns="" xmlns:adec="http://schemas.microsoft.com/office/drawing/2017/decorative" val="1"/>
                 </a:ext>
               </a:extLst>
             </p:cNvPr>
@@ -42556,7 +42556,7 @@
                   <a16:creationId xmlns:a16="http://schemas.microsoft.com/office/drawing/2014/main" id="{19F63095-BD54-33B2-6873-1DC4DF820D90}"/>
                 </a:ext>
                 <a:ext uri="{C183D7F6-B498-43B3-948B-1728B52AA6E4}">
-                  <adec:decorative xmlns:adec="http://schemas.microsoft.com/office/drawing/2017/decorative" xmlns="" val="1"/>
+                  <adec:decorative xmlns="" xmlns:adec="http://schemas.microsoft.com/office/drawing/2017/decorative" val="1"/>
                 </a:ext>
               </a:extLst>
             </p:cNvPr>
@@ -42697,7 +42697,7 @@
                 <a16:creationId xmlns:a16="http://schemas.microsoft.com/office/drawing/2014/main" id="{B775CD93-9DF2-48CB-9F57-1BCA9A46C7FA}"/>
               </a:ext>
               <a:ext uri="{C183D7F6-B498-43B3-948B-1728B52AA6E4}">
-                <adec:decorative xmlns:adec="http://schemas.microsoft.com/office/drawing/2017/decorative" xmlns="" val="1"/>
+                <adec:decorative xmlns="" xmlns:adec="http://schemas.microsoft.com/office/drawing/2017/decorative" val="1"/>
               </a:ext>
             </a:extLst>
           </p:cNvPr>
@@ -42803,7 +42803,7 @@
                 <a16:creationId xmlns:a16="http://schemas.microsoft.com/office/drawing/2014/main" id="{E186B68C-84BC-4A6E-99D1-EE87483C1349}"/>
               </a:ext>
               <a:ext uri="{C183D7F6-B498-43B3-948B-1728B52AA6E4}">
-                <adec:decorative xmlns:adec="http://schemas.microsoft.com/office/drawing/2017/decorative" xmlns="" val="1"/>
+                <adec:decorative xmlns="" xmlns:adec="http://schemas.microsoft.com/office/drawing/2017/decorative" val="1"/>
               </a:ext>
             </a:extLst>
           </p:cNvPr>
@@ -42872,7 +42872,7 @@
                 <a16:creationId xmlns:a16="http://schemas.microsoft.com/office/drawing/2014/main" id="{6166C6D1-23AC-49C4-BA07-238E4E9F8CEB}"/>
               </a:ext>
               <a:ext uri="{C183D7F6-B498-43B3-948B-1728B52AA6E4}">
-                <adec:decorative xmlns:adec="http://schemas.microsoft.com/office/drawing/2017/decorative" xmlns="" val="1"/>
+                <adec:decorative xmlns="" xmlns:adec="http://schemas.microsoft.com/office/drawing/2017/decorative" val="1"/>
               </a:ext>
             </a:extLst>
           </p:cNvPr>
@@ -42939,7 +42939,7 @@
                 <a16:creationId xmlns:a16="http://schemas.microsoft.com/office/drawing/2014/main" id="{33A87B69-D1B1-4DA7-B224-F220FC5235E6}"/>
               </a:ext>
               <a:ext uri="{C183D7F6-B498-43B3-948B-1728B52AA6E4}">
-                <adec:decorative xmlns:adec="http://schemas.microsoft.com/office/drawing/2017/decorative" xmlns="" val="1"/>
+                <adec:decorative xmlns="" xmlns:adec="http://schemas.microsoft.com/office/drawing/2017/decorative" val="1"/>
               </a:ext>
             </a:extLst>
           </p:cNvPr>
@@ -43063,7 +43063,7 @@
                 <a16:creationId xmlns:a16="http://schemas.microsoft.com/office/drawing/2014/main" id="{1C091803-41C2-48E0-9228-5148460C7479}"/>
               </a:ext>
               <a:ext uri="{C183D7F6-B498-43B3-948B-1728B52AA6E4}">
-                <adec:decorative xmlns:adec="http://schemas.microsoft.com/office/drawing/2017/decorative" xmlns="" val="1"/>
+                <adec:decorative xmlns="" xmlns:adec="http://schemas.microsoft.com/office/drawing/2017/decorative" val="1"/>
               </a:ext>
             </a:extLst>
           </p:cNvPr>
@@ -43209,7 +43209,7 @@
                 <a16:creationId xmlns:a16="http://schemas.microsoft.com/office/drawing/2014/main" id="{5C9B446A-6343-4E56-90BA-061E4DDF0FFB}"/>
               </a:ext>
               <a:ext uri="{C183D7F6-B498-43B3-948B-1728B52AA6E4}">
-                <adec:decorative xmlns:adec="http://schemas.microsoft.com/office/drawing/2017/decorative" xmlns="" val="1"/>
+                <adec:decorative xmlns="" xmlns:adec="http://schemas.microsoft.com/office/drawing/2017/decorative" val="1"/>
               </a:ext>
             </a:extLst>
           </p:cNvPr>
@@ -43269,7 +43269,7 @@
                 <a16:creationId xmlns:a16="http://schemas.microsoft.com/office/drawing/2014/main" id="{3EC72A1B-03D3-499C-B4BF-AC68EEC22B10}"/>
               </a:ext>
               <a:ext uri="{C183D7F6-B498-43B3-948B-1728B52AA6E4}">
-                <adec:decorative xmlns:adec="http://schemas.microsoft.com/office/drawing/2017/decorative" xmlns="" val="1"/>
+                <adec:decorative xmlns="" xmlns:adec="http://schemas.microsoft.com/office/drawing/2017/decorative" val="1"/>
               </a:ext>
             </a:extLst>
           </p:cNvPr>
@@ -43441,7 +43441,7 @@
                 <a16:creationId xmlns:a16="http://schemas.microsoft.com/office/drawing/2014/main" id="{216322C2-3CF0-4D33-BF90-3F384CF6D232}"/>
               </a:ext>
               <a:ext uri="{C183D7F6-B498-43B3-948B-1728B52AA6E4}">
-                <adec:decorative xmlns:adec="http://schemas.microsoft.com/office/drawing/2017/decorative" xmlns="" val="1"/>
+                <adec:decorative xmlns="" xmlns:adec="http://schemas.microsoft.com/office/drawing/2017/decorative" val="1"/>
               </a:ext>
             </a:extLst>
           </p:cNvPr>
@@ -43639,7 +43639,7 @@
                 <a16:creationId xmlns:a16="http://schemas.microsoft.com/office/drawing/2014/main" id="{55D4142C-5077-457F-A6AD-3FECFDB39685}"/>
               </a:ext>
               <a:ext uri="{C183D7F6-B498-43B3-948B-1728B52AA6E4}">
-                <adec:decorative xmlns:adec="http://schemas.microsoft.com/office/drawing/2017/decorative" xmlns="" val="1"/>
+                <adec:decorative xmlns="" xmlns:adec="http://schemas.microsoft.com/office/drawing/2017/decorative" val="1"/>
               </a:ext>
             </a:extLst>
           </p:cNvPr>
@@ -43707,7 +43707,7 @@
                 <a16:creationId xmlns:a16="http://schemas.microsoft.com/office/drawing/2014/main" id="{7A5F0580-5EE9-419F-96EE-B6529EF6E7D0}"/>
               </a:ext>
               <a:ext uri="{C183D7F6-B498-43B3-948B-1728B52AA6E4}">
-                <adec:decorative xmlns:adec="http://schemas.microsoft.com/office/drawing/2017/decorative" xmlns="" val="1"/>
+                <adec:decorative xmlns="" xmlns:adec="http://schemas.microsoft.com/office/drawing/2017/decorative" val="1"/>
               </a:ext>
             </a:extLst>
           </p:cNvPr>
@@ -43986,7 +43986,7 @@
                 <a16:creationId xmlns:a16="http://schemas.microsoft.com/office/drawing/2014/main" id="{BE589684-54CA-64D8-C963-5F19FF75BF72}"/>
               </a:ext>
               <a:ext uri="{C183D7F6-B498-43B3-948B-1728B52AA6E4}">
-                <adec:decorative xmlns:adec="http://schemas.microsoft.com/office/drawing/2017/decorative" xmlns="" val="1"/>
+                <adec:decorative xmlns="" xmlns:adec="http://schemas.microsoft.com/office/drawing/2017/decorative" val="1"/>
               </a:ext>
             </a:extLst>
           </p:cNvPr>
@@ -44017,7 +44017,7 @@
                   <a16:creationId xmlns:a16="http://schemas.microsoft.com/office/drawing/2014/main" id="{9B56B8E8-B789-DA4D-E4BE-03FA3165B3DE}"/>
                 </a:ext>
                 <a:ext uri="{C183D7F6-B498-43B3-948B-1728B52AA6E4}">
-                  <adec:decorative xmlns:adec="http://schemas.microsoft.com/office/drawing/2017/decorative" xmlns="" val="1"/>
+                  <adec:decorative xmlns="" xmlns:adec="http://schemas.microsoft.com/office/drawing/2017/decorative" val="1"/>
                 </a:ext>
               </a:extLst>
             </p:cNvPr>
@@ -44086,7 +44086,7 @@
                   <a16:creationId xmlns:a16="http://schemas.microsoft.com/office/drawing/2014/main" id="{2255D907-377D-0DF9-B4A4-4B44C46FBE3B}"/>
                 </a:ext>
                 <a:ext uri="{C183D7F6-B498-43B3-948B-1728B52AA6E4}">
-                  <adec:decorative xmlns:adec="http://schemas.microsoft.com/office/drawing/2017/decorative" xmlns="" val="1"/>
+                  <adec:decorative xmlns="" xmlns:adec="http://schemas.microsoft.com/office/drawing/2017/decorative" val="1"/>
                 </a:ext>
               </a:extLst>
             </p:cNvPr>
@@ -44669,7 +44669,7 @@
                 <a16:creationId xmlns:a16="http://schemas.microsoft.com/office/drawing/2014/main" id="{9AF08BBE-71A7-AEFC-F970-93C6BF79B380}"/>
               </a:ext>
               <a:ext uri="{C183D7F6-B498-43B3-948B-1728B52AA6E4}">
-                <adec:decorative xmlns:adec="http://schemas.microsoft.com/office/drawing/2017/decorative" xmlns="" val="1"/>
+                <adec:decorative xmlns="" xmlns:adec="http://schemas.microsoft.com/office/drawing/2017/decorative" val="1"/>
               </a:ext>
             </a:extLst>
           </p:cNvPr>
@@ -44700,7 +44700,7 @@
                   <a16:creationId xmlns:a16="http://schemas.microsoft.com/office/drawing/2014/main" id="{31C42412-D66A-A89A-CBAD-067355BA7437}"/>
                 </a:ext>
                 <a:ext uri="{C183D7F6-B498-43B3-948B-1728B52AA6E4}">
-                  <adec:decorative xmlns:adec="http://schemas.microsoft.com/office/drawing/2017/decorative" xmlns="" val="1"/>
+                  <adec:decorative xmlns="" xmlns:adec="http://schemas.microsoft.com/office/drawing/2017/decorative" val="1"/>
                 </a:ext>
               </a:extLst>
             </p:cNvPr>
@@ -44769,7 +44769,7 @@
                   <a16:creationId xmlns:a16="http://schemas.microsoft.com/office/drawing/2014/main" id="{19F63095-BD54-33B2-6873-1DC4DF820D90}"/>
                 </a:ext>
                 <a:ext uri="{C183D7F6-B498-43B3-948B-1728B52AA6E4}">
-                  <adec:decorative xmlns:adec="http://schemas.microsoft.com/office/drawing/2017/decorative" xmlns="" val="1"/>
+                  <adec:decorative xmlns="" xmlns:adec="http://schemas.microsoft.com/office/drawing/2017/decorative" val="1"/>
                 </a:ext>
               </a:extLst>
             </p:cNvPr>
@@ -44910,7 +44910,7 @@
                 <a16:creationId xmlns:a16="http://schemas.microsoft.com/office/drawing/2014/main" id="{3ECBE1F1-D69B-4AFA-ABD5-8E41720EF6DE}"/>
               </a:ext>
               <a:ext uri="{C183D7F6-B498-43B3-948B-1728B52AA6E4}">
-                <adec:decorative xmlns:adec="http://schemas.microsoft.com/office/drawing/2017/decorative" xmlns="" val="1"/>
+                <adec:decorative xmlns="" xmlns:adec="http://schemas.microsoft.com/office/drawing/2017/decorative" val="1"/>
               </a:ext>
             </a:extLst>
           </p:cNvPr>
@@ -44999,7 +44999,7 @@
                 <a16:creationId xmlns:a16="http://schemas.microsoft.com/office/drawing/2014/main" id="{603A6265-E10C-4B85-9C20-E75FCAF9CC63}"/>
               </a:ext>
               <a:ext uri="{C183D7F6-B498-43B3-948B-1728B52AA6E4}">
-                <adec:decorative xmlns:adec="http://schemas.microsoft.com/office/drawing/2017/decorative" xmlns="" val="1"/>
+                <adec:decorative xmlns="" xmlns:adec="http://schemas.microsoft.com/office/drawing/2017/decorative" val="1"/>
               </a:ext>
             </a:extLst>
           </p:cNvPr>
@@ -45342,7 +45342,7 @@
                 <a16:creationId xmlns:a16="http://schemas.microsoft.com/office/drawing/2014/main" id="{6753252F-4873-4F63-801D-CC719279A7D5}"/>
               </a:ext>
               <a:ext uri="{C183D7F6-B498-43B3-948B-1728B52AA6E4}">
-                <adec:decorative xmlns:adec="http://schemas.microsoft.com/office/drawing/2017/decorative" xmlns="" val="1"/>
+                <adec:decorative xmlns="" xmlns:adec="http://schemas.microsoft.com/office/drawing/2017/decorative" val="1"/>
               </a:ext>
             </a:extLst>
           </p:cNvPr>
@@ -45405,7 +45405,7 @@
                 <a16:creationId xmlns:a16="http://schemas.microsoft.com/office/drawing/2014/main" id="{047C8CCB-F95D-4249-92DD-651249D3535A}"/>
               </a:ext>
               <a:ext uri="{C183D7F6-B498-43B3-948B-1728B52AA6E4}">
-                <adec:decorative xmlns:adec="http://schemas.microsoft.com/office/drawing/2017/decorative" xmlns="" val="1"/>
+                <adec:decorative xmlns="" xmlns:adec="http://schemas.microsoft.com/office/drawing/2017/decorative" val="1"/>
               </a:ext>
             </a:extLst>
           </p:cNvPr>
@@ -45646,7 +45646,7 @@
                 <a16:creationId xmlns:a16="http://schemas.microsoft.com/office/drawing/2014/main" id="{6753252F-4873-4F63-801D-CC719279A7D5}"/>
               </a:ext>
               <a:ext uri="{C183D7F6-B498-43B3-948B-1728B52AA6E4}">
-                <adec:decorative xmlns:adec="http://schemas.microsoft.com/office/drawing/2017/decorative" xmlns="" val="1"/>
+                <adec:decorative xmlns="" xmlns:adec="http://schemas.microsoft.com/office/drawing/2017/decorative" val="1"/>
               </a:ext>
             </a:extLst>
           </p:cNvPr>
@@ -45709,7 +45709,7 @@
                 <a16:creationId xmlns:a16="http://schemas.microsoft.com/office/drawing/2014/main" id="{047C8CCB-F95D-4249-92DD-651249D3535A}"/>
               </a:ext>
               <a:ext uri="{C183D7F6-B498-43B3-948B-1728B52AA6E4}">
-                <adec:decorative xmlns:adec="http://schemas.microsoft.com/office/drawing/2017/decorative" xmlns="" val="1"/>
+                <adec:decorative xmlns="" xmlns:adec="http://schemas.microsoft.com/office/drawing/2017/decorative" val="1"/>
               </a:ext>
             </a:extLst>
           </p:cNvPr>
@@ -45922,7 +45922,7 @@
                 <a16:creationId xmlns:a16="http://schemas.microsoft.com/office/drawing/2014/main" id="{45D37F4E-DDB4-456B-97E0-9937730A039F}"/>
               </a:ext>
               <a:ext uri="{C183D7F6-B498-43B3-948B-1728B52AA6E4}">
-                <adec:decorative xmlns:adec="http://schemas.microsoft.com/office/drawing/2017/decorative" xmlns="" val="1"/>
+                <adec:decorative xmlns="" xmlns:adec="http://schemas.microsoft.com/office/drawing/2017/decorative" val="1"/>
               </a:ext>
             </a:extLst>
           </p:cNvPr>
@@ -46017,7 +46017,7 @@
                 <a16:creationId xmlns:a16="http://schemas.microsoft.com/office/drawing/2014/main" id="{B2DD41CD-8F47-4F56-AD12-4E2FF7696987}"/>
               </a:ext>
               <a:ext uri="{C183D7F6-B498-43B3-948B-1728B52AA6E4}">
-                <adec:decorative xmlns:adec="http://schemas.microsoft.com/office/drawing/2017/decorative" xmlns="" val="1"/>
+                <adec:decorative xmlns="" xmlns:adec="http://schemas.microsoft.com/office/drawing/2017/decorative" val="1"/>
               </a:ext>
             </a:extLst>
           </p:cNvPr>
@@ -46634,7 +46634,7 @@
             <a:round/>
             <a:extLst>
               <a:ext uri="{C807C97D-BFC1-408E-A445-0C87EB9F89A2}">
-                <ask:lineSketchStyleProps xmlns:ask="http://schemas.microsoft.com/office/drawing/2018/sketchyshapes" xmlns="" sd="2727557108">
+                <ask:lineSketchStyleProps xmlns="" xmlns:ask="http://schemas.microsoft.com/office/drawing/2018/sketchyshapes" sd="2727557108">
                   <a:prstGeom prst="rect">
                     <a:avLst/>
                   </a:prstGeom>
@@ -46737,7 +46737,7 @@
                 <a16:creationId xmlns:a16="http://schemas.microsoft.com/office/drawing/2014/main" id="{E02F3C71-C981-4614-98EA-D6C494F8091E}"/>
               </a:ext>
               <a:ext uri="{C183D7F6-B498-43B3-948B-1728B52AA6E4}">
-                <adec:decorative xmlns:adec="http://schemas.microsoft.com/office/drawing/2017/decorative" xmlns="" val="1"/>
+                <adec:decorative xmlns="" xmlns:adec="http://schemas.microsoft.com/office/drawing/2017/decorative" val="1"/>
               </a:ext>
             </a:extLst>
           </p:cNvPr>
@@ -47370,7 +47370,7 @@
                 <a16:creationId xmlns:a16="http://schemas.microsoft.com/office/drawing/2014/main" id="{B51F6560-D61C-400F-B71A-3FDEBF451B22}"/>
               </a:ext>
               <a:ext uri="{C183D7F6-B498-43B3-948B-1728B52AA6E4}">
-                <adec:decorative xmlns:adec="http://schemas.microsoft.com/office/drawing/2017/decorative" xmlns="" val="1"/>
+                <adec:decorative xmlns="" xmlns:adec="http://schemas.microsoft.com/office/drawing/2017/decorative" val="1"/>
               </a:ext>
             </a:extLst>
           </p:cNvPr>
@@ -47446,7 +47446,7 @@
                 <a16:creationId xmlns:a16="http://schemas.microsoft.com/office/drawing/2014/main" id="{F938B951-7EFC-40A2-B198-E73D39DFB3FC}"/>
               </a:ext>
               <a:ext uri="{C183D7F6-B498-43B3-948B-1728B52AA6E4}">
-                <adec:decorative xmlns:adec="http://schemas.microsoft.com/office/drawing/2017/decorative" xmlns="" val="1"/>
+                <adec:decorative xmlns="" xmlns:adec="http://schemas.microsoft.com/office/drawing/2017/decorative" val="1"/>
               </a:ext>
             </a:extLst>
           </p:cNvPr>
@@ -47477,7 +47477,7 @@
                   <a16:creationId xmlns:a16="http://schemas.microsoft.com/office/drawing/2014/main" id="{92E4506E-6A0E-49A0-BC31-8CADBFF3ECCF}"/>
                 </a:ext>
                 <a:ext uri="{C183D7F6-B498-43B3-948B-1728B52AA6E4}">
-                  <adec:decorative xmlns:adec="http://schemas.microsoft.com/office/drawing/2017/decorative" xmlns="" val="1"/>
+                  <adec:decorative xmlns="" xmlns:adec="http://schemas.microsoft.com/office/drawing/2017/decorative" val="1"/>
                 </a:ext>
               </a:extLst>
             </p:cNvPr>
@@ -47540,7 +47540,7 @@
                   <a16:creationId xmlns:a16="http://schemas.microsoft.com/office/drawing/2014/main" id="{EEED4D51-65BF-4AEE-B596-7CB61A70B966}"/>
                 </a:ext>
                 <a:ext uri="{C183D7F6-B498-43B3-948B-1728B52AA6E4}">
-                  <adec:decorative xmlns:adec="http://schemas.microsoft.com/office/drawing/2017/decorative" xmlns="" val="1"/>
+                  <adec:decorative xmlns="" xmlns:adec="http://schemas.microsoft.com/office/drawing/2017/decorative" val="1"/>
                 </a:ext>
               </a:extLst>
             </p:cNvPr>
@@ -47973,7 +47973,7 @@
                 <a16:creationId xmlns:a16="http://schemas.microsoft.com/office/drawing/2014/main" id="{AFA67CD3-AB4E-4A7A-BEB8-53C445D8C44E}"/>
               </a:ext>
               <a:ext uri="{C183D7F6-B498-43B3-948B-1728B52AA6E4}">
-                <adec:decorative xmlns:adec="http://schemas.microsoft.com/office/drawing/2017/decorative" xmlns="" val="1"/>
+                <adec:decorative xmlns="" xmlns:adec="http://schemas.microsoft.com/office/drawing/2017/decorative" val="1"/>
               </a:ext>
             </a:extLst>
           </p:cNvPr>
@@ -48059,7 +48059,7 @@
                 <a16:creationId xmlns:a16="http://schemas.microsoft.com/office/drawing/2014/main" id="{07CF545F-9C2E-4446-97CD-AD92990C2B68}"/>
               </a:ext>
               <a:ext uri="{C183D7F6-B498-43B3-948B-1728B52AA6E4}">
-                <adec:decorative xmlns:adec="http://schemas.microsoft.com/office/drawing/2017/decorative" xmlns="" val="1"/>
+                <adec:decorative xmlns="" xmlns:adec="http://schemas.microsoft.com/office/drawing/2017/decorative" val="1"/>
               </a:ext>
             </a:extLst>
           </p:cNvPr>
@@ -48153,7 +48153,7 @@
                 <a16:creationId xmlns:a16="http://schemas.microsoft.com/office/drawing/2014/main" id="{339C8D78-A644-462F-B674-F440635E5353}"/>
               </a:ext>
               <a:ext uri="{C183D7F6-B498-43B3-948B-1728B52AA6E4}">
-                <adec:decorative xmlns:adec="http://schemas.microsoft.com/office/drawing/2017/decorative" xmlns="" val="1"/>
+                <adec:decorative xmlns="" xmlns:adec="http://schemas.microsoft.com/office/drawing/2017/decorative" val="1"/>
               </a:ext>
             </a:extLst>
           </p:cNvPr>
@@ -48805,46 +48805,1086 @@
           </a:p>
         </p:txBody>
       </p:sp>
-      <p:sp>
-        <p:nvSpPr>
-          <p:cNvPr id="3" name="Marcador de contenido 2">
-            <a:extLst>
-              <a:ext uri="{FF2B5EF4-FFF2-40B4-BE49-F238E27FC236}">
-                <a16:creationId xmlns:a16="http://schemas.microsoft.com/office/drawing/2014/main" id="{31079E80-21F7-487B-B29E-F8AD43968A08}"/>
-              </a:ext>
-            </a:extLst>
-          </p:cNvPr>
-          <p:cNvSpPr>
-            <a:spLocks noGrp="1"/>
-          </p:cNvSpPr>
+      <p:graphicFrame>
+        <p:nvGraphicFramePr>
+          <p:cNvPr id="5" name="Marcador de contenido 4"/>
+          <p:cNvGraphicFramePr>
+            <a:graphicFrameLocks noGrp="1"/>
+          </p:cNvGraphicFramePr>
           <p:nvPr>
             <p:ph sz="quarter" idx="13"/>
+            <p:extLst>
+              <p:ext uri="{D42A27DB-BD31-4B8C-83A1-F6EECF244321}">
+                <p14:modId xmlns:p14="http://schemas.microsoft.com/office/powerpoint/2010/main" val="4055515269"/>
+              </p:ext>
+            </p:extLst>
           </p:nvPr>
-        </p:nvSpPr>
-        <p:spPr>
-          <a:xfrm>
-            <a:off x="562707" y="1690688"/>
-            <a:ext cx="4687957" cy="4351338"/>
-          </a:xfrm>
-          <a:solidFill>
-            <a:schemeClr val="bg1"/>
-          </a:solidFill>
-        </p:spPr>
-        <p:txBody>
-          <a:bodyPr anchor="ctr">
-            <a:normAutofit/>
-          </a:bodyPr>
-          <a:lstStyle/>
-          <a:p>
-            <a:pPr>
-              <a:lnSpc>
-                <a:spcPct val="150000"/>
-              </a:lnSpc>
-            </a:pPr>
-            <a:endParaRPr lang="es-ES" sz="2000" dirty="0"/>
-          </a:p>
-        </p:txBody>
-      </p:sp>
+        </p:nvGraphicFramePr>
+        <p:xfrm>
+          <a:off x="561974" y="1396538"/>
+          <a:ext cx="5622695" cy="5122883"/>
+        </p:xfrm>
+        <a:graphic>
+          <a:graphicData uri="http://schemas.openxmlformats.org/drawingml/2006/table">
+            <a:tbl>
+              <a:tblPr firstRow="1" firstCol="1" bandRow="1">
+                <a:tableStyleId>{F5AB1C69-6EDB-4FF4-983F-18BD219EF322}</a:tableStyleId>
+              </a:tblPr>
+              <a:tblGrid>
+                <a:gridCol w="1257948">
+                  <a:extLst>
+                    <a:ext uri="{9D8B030D-6E8A-4147-A177-3AD203B41FA5}">
+                      <a16:colId xmlns:a16="http://schemas.microsoft.com/office/drawing/2014/main" val="1466743422"/>
+                    </a:ext>
+                  </a:extLst>
+                </a:gridCol>
+                <a:gridCol w="1405416">
+                  <a:extLst>
+                    <a:ext uri="{9D8B030D-6E8A-4147-A177-3AD203B41FA5}">
+                      <a16:colId xmlns:a16="http://schemas.microsoft.com/office/drawing/2014/main" val="2472748397"/>
+                    </a:ext>
+                  </a:extLst>
+                </a:gridCol>
+                <a:gridCol w="1330037">
+                  <a:extLst>
+                    <a:ext uri="{9D8B030D-6E8A-4147-A177-3AD203B41FA5}">
+                      <a16:colId xmlns:a16="http://schemas.microsoft.com/office/drawing/2014/main" val="943709432"/>
+                    </a:ext>
+                  </a:extLst>
+                </a:gridCol>
+                <a:gridCol w="1629294">
+                  <a:extLst>
+                    <a:ext uri="{9D8B030D-6E8A-4147-A177-3AD203B41FA5}">
+                      <a16:colId xmlns:a16="http://schemas.microsoft.com/office/drawing/2014/main" val="2330959651"/>
+                    </a:ext>
+                  </a:extLst>
+                </a:gridCol>
+              </a:tblGrid>
+              <a:tr h="273171">
+                <a:tc>
+                  <a:txBody>
+                    <a:bodyPr/>
+                    <a:lstStyle/>
+                    <a:p>
+                      <a:pPr algn="ctr">
+                        <a:lnSpc>
+                          <a:spcPct val="107000"/>
+                        </a:lnSpc>
+                        <a:spcAft>
+                          <a:spcPts val="0"/>
+                        </a:spcAft>
+                      </a:pPr>
+                      <a:r>
+                        <a:rPr lang="es-ES" sz="1100" kern="100" dirty="0">
+                          <a:effectLst/>
+                        </a:rPr>
+                        <a:t>TIPO</a:t>
+                      </a:r>
+                      <a:endParaRPr lang="es-ES" sz="1100" kern="100" dirty="0">
+                        <a:effectLst/>
+                        <a:latin typeface="Calibri" panose="020F0502020204030204" pitchFamily="34" charset="0"/>
+                        <a:ea typeface="Calibri" panose="020F0502020204030204" pitchFamily="34" charset="0"/>
+                        <a:cs typeface="Arial" panose="020B0604020202020204" pitchFamily="34" charset="0"/>
+                      </a:endParaRPr>
+                    </a:p>
+                  </a:txBody>
+                  <a:tcPr marL="30584" marR="30584" marT="0" marB="0" anchor="ctr"/>
+                </a:tc>
+                <a:tc>
+                  <a:txBody>
+                    <a:bodyPr/>
+                    <a:lstStyle/>
+                    <a:p>
+                      <a:pPr algn="ctr">
+                        <a:lnSpc>
+                          <a:spcPct val="107000"/>
+                        </a:lnSpc>
+                        <a:spcAft>
+                          <a:spcPts val="0"/>
+                        </a:spcAft>
+                      </a:pPr>
+                      <a:r>
+                        <a:rPr lang="es-ES" sz="1100" kern="100">
+                          <a:effectLst/>
+                        </a:rPr>
+                        <a:t>CUANTÍA</a:t>
+                      </a:r>
+                      <a:endParaRPr lang="es-ES" sz="1100" kern="100">
+                        <a:effectLst/>
+                        <a:latin typeface="Calibri" panose="020F0502020204030204" pitchFamily="34" charset="0"/>
+                        <a:ea typeface="Calibri" panose="020F0502020204030204" pitchFamily="34" charset="0"/>
+                        <a:cs typeface="Arial" panose="020B0604020202020204" pitchFamily="34" charset="0"/>
+                      </a:endParaRPr>
+                    </a:p>
+                  </a:txBody>
+                  <a:tcPr marL="30584" marR="30584" marT="0" marB="0" anchor="ctr"/>
+                </a:tc>
+                <a:tc>
+                  <a:txBody>
+                    <a:bodyPr/>
+                    <a:lstStyle/>
+                    <a:p>
+                      <a:pPr algn="ctr">
+                        <a:lnSpc>
+                          <a:spcPct val="107000"/>
+                        </a:lnSpc>
+                        <a:spcAft>
+                          <a:spcPts val="0"/>
+                        </a:spcAft>
+                      </a:pPr>
+                      <a:r>
+                        <a:rPr lang="es-ES" sz="1100" kern="100">
+                          <a:effectLst/>
+                        </a:rPr>
+                        <a:t>REQUISITOS</a:t>
+                      </a:r>
+                      <a:endParaRPr lang="es-ES" sz="1100" kern="100">
+                        <a:effectLst/>
+                        <a:latin typeface="Calibri" panose="020F0502020204030204" pitchFamily="34" charset="0"/>
+                        <a:ea typeface="Calibri" panose="020F0502020204030204" pitchFamily="34" charset="0"/>
+                        <a:cs typeface="Arial" panose="020B0604020202020204" pitchFamily="34" charset="0"/>
+                      </a:endParaRPr>
+                    </a:p>
+                  </a:txBody>
+                  <a:tcPr marL="30584" marR="30584" marT="0" marB="0" anchor="ctr"/>
+                </a:tc>
+                <a:tc>
+                  <a:txBody>
+                    <a:bodyPr/>
+                    <a:lstStyle/>
+                    <a:p>
+                      <a:pPr algn="ctr">
+                        <a:lnSpc>
+                          <a:spcPct val="107000"/>
+                        </a:lnSpc>
+                        <a:spcAft>
+                          <a:spcPts val="0"/>
+                        </a:spcAft>
+                      </a:pPr>
+                      <a:r>
+                        <a:rPr lang="es-ES" sz="1100" kern="100">
+                          <a:effectLst/>
+                        </a:rPr>
+                        <a:t>PRESTACIONES SEGURIDAD SOCIAL</a:t>
+                      </a:r>
+                      <a:endParaRPr lang="es-ES" sz="1100" kern="100">
+                        <a:effectLst/>
+                        <a:latin typeface="Calibri" panose="020F0502020204030204" pitchFamily="34" charset="0"/>
+                        <a:ea typeface="Calibri" panose="020F0502020204030204" pitchFamily="34" charset="0"/>
+                        <a:cs typeface="Arial" panose="020B0604020202020204" pitchFamily="34" charset="0"/>
+                      </a:endParaRPr>
+                    </a:p>
+                  </a:txBody>
+                  <a:tcPr marL="30584" marR="30584" marT="0" marB="0" anchor="ctr"/>
+                </a:tc>
+                <a:extLst>
+                  <a:ext uri="{0D108BD9-81ED-4DB2-BD59-A6C34878D82A}">
+                    <a16:rowId xmlns:a16="http://schemas.microsoft.com/office/drawing/2014/main" val="4112657744"/>
+                  </a:ext>
+                </a:extLst>
+              </a:tr>
+              <a:tr h="822880">
+                <a:tc>
+                  <a:txBody>
+                    <a:bodyPr/>
+                    <a:lstStyle/>
+                    <a:p>
+                      <a:pPr algn="l">
+                        <a:lnSpc>
+                          <a:spcPct val="107000"/>
+                        </a:lnSpc>
+                        <a:spcAft>
+                          <a:spcPts val="0"/>
+                        </a:spcAft>
+                      </a:pPr>
+                      <a:r>
+                        <a:rPr lang="es-ES" sz="1100" kern="100" dirty="0">
+                          <a:effectLst/>
+                        </a:rPr>
+                        <a:t>Reducción general de la </a:t>
+                      </a:r>
+                      <a:r>
+                        <a:rPr lang="es-ES" sz="1100" kern="100" dirty="0" smtClean="0">
+                          <a:effectLst/>
+                        </a:rPr>
+                        <a:t>jornada ( Se aprobó en octubre)</a:t>
+                      </a:r>
+                      <a:endParaRPr lang="es-ES" sz="1100" kern="100" dirty="0">
+                        <a:effectLst/>
+                        <a:latin typeface="Calibri" panose="020F0502020204030204" pitchFamily="34" charset="0"/>
+                        <a:ea typeface="Calibri" panose="020F0502020204030204" pitchFamily="34" charset="0"/>
+                        <a:cs typeface="Arial" panose="020B0604020202020204" pitchFamily="34" charset="0"/>
+                      </a:endParaRPr>
+                    </a:p>
+                  </a:txBody>
+                  <a:tcPr marL="30584" marR="30584" marT="0" marB="0" anchor="ctr"/>
+                </a:tc>
+                <a:tc>
+                  <a:txBody>
+                    <a:bodyPr/>
+                    <a:lstStyle/>
+                    <a:p>
+                      <a:pPr algn="l">
+                        <a:lnSpc>
+                          <a:spcPct val="107000"/>
+                        </a:lnSpc>
+                        <a:spcAft>
+                          <a:spcPts val="0"/>
+                        </a:spcAft>
+                      </a:pPr>
+                      <a:r>
+                        <a:rPr lang="es-ES" sz="1100" kern="100" dirty="0">
+                          <a:effectLst/>
+                        </a:rPr>
+                        <a:t>2 horas y media a la semana (De 40 a 37,5 horas) 1,5 horas en 2024 y 2,5 en 2025</a:t>
+                      </a:r>
+                      <a:endParaRPr lang="es-ES" sz="1100" kern="100" dirty="0">
+                        <a:effectLst/>
+                        <a:latin typeface="Calibri" panose="020F0502020204030204" pitchFamily="34" charset="0"/>
+                        <a:ea typeface="Calibri" panose="020F0502020204030204" pitchFamily="34" charset="0"/>
+                        <a:cs typeface="Arial" panose="020B0604020202020204" pitchFamily="34" charset="0"/>
+                      </a:endParaRPr>
+                    </a:p>
+                  </a:txBody>
+                  <a:tcPr marL="30584" marR="30584" marT="0" marB="0" anchor="ctr"/>
+                </a:tc>
+                <a:tc>
+                  <a:txBody>
+                    <a:bodyPr/>
+                    <a:lstStyle/>
+                    <a:p>
+                      <a:pPr algn="l">
+                        <a:lnSpc>
+                          <a:spcPct val="107000"/>
+                        </a:lnSpc>
+                        <a:spcAft>
+                          <a:spcPts val="0"/>
+                        </a:spcAft>
+                      </a:pPr>
+                      <a:r>
+                        <a:rPr lang="es-ES" sz="1100" kern="100">
+                          <a:effectLst/>
+                        </a:rPr>
+                        <a:t>No habrá reducción proporcional del salario</a:t>
+                      </a:r>
+                      <a:endParaRPr lang="es-ES" sz="1100" kern="100">
+                        <a:effectLst/>
+                        <a:latin typeface="Calibri" panose="020F0502020204030204" pitchFamily="34" charset="0"/>
+                        <a:ea typeface="Calibri" panose="020F0502020204030204" pitchFamily="34" charset="0"/>
+                        <a:cs typeface="Arial" panose="020B0604020202020204" pitchFamily="34" charset="0"/>
+                      </a:endParaRPr>
+                    </a:p>
+                  </a:txBody>
+                  <a:tcPr marL="30584" marR="30584" marT="0" marB="0" anchor="ctr"/>
+                </a:tc>
+                <a:tc>
+                  <a:txBody>
+                    <a:bodyPr/>
+                    <a:lstStyle/>
+                    <a:p>
+                      <a:pPr algn="l">
+                        <a:lnSpc>
+                          <a:spcPct val="107000"/>
+                        </a:lnSpc>
+                        <a:spcAft>
+                          <a:spcPts val="0"/>
+                        </a:spcAft>
+                      </a:pPr>
+                      <a:r>
+                        <a:rPr lang="es-ES" sz="1100" kern="100">
+                          <a:effectLst/>
+                        </a:rPr>
+                        <a:t>No afecta</a:t>
+                      </a:r>
+                      <a:endParaRPr lang="es-ES" sz="1100" kern="100">
+                        <a:effectLst/>
+                        <a:latin typeface="Calibri" panose="020F0502020204030204" pitchFamily="34" charset="0"/>
+                        <a:ea typeface="Calibri" panose="020F0502020204030204" pitchFamily="34" charset="0"/>
+                        <a:cs typeface="Arial" panose="020B0604020202020204" pitchFamily="34" charset="0"/>
+                      </a:endParaRPr>
+                    </a:p>
+                  </a:txBody>
+                  <a:tcPr marL="30584" marR="30584" marT="0" marB="0" anchor="ctr"/>
+                </a:tc>
+                <a:extLst>
+                  <a:ext uri="{0D108BD9-81ED-4DB2-BD59-A6C34878D82A}">
+                    <a16:rowId xmlns:a16="http://schemas.microsoft.com/office/drawing/2014/main" val="2167701982"/>
+                  </a:ext>
+                </a:extLst>
+              </a:tr>
+              <a:tr h="1658120">
+                <a:tc>
+                  <a:txBody>
+                    <a:bodyPr/>
+                    <a:lstStyle/>
+                    <a:p>
+                      <a:pPr marL="342900" lvl="0" indent="-342900" algn="l">
+                        <a:lnSpc>
+                          <a:spcPct val="107000"/>
+                        </a:lnSpc>
+                        <a:spcAft>
+                          <a:spcPts val="0"/>
+                        </a:spcAft>
+                        <a:buFont typeface="Symbol" panose="05050102010706020507" pitchFamily="18" charset="2"/>
+                        <a:buChar char=""/>
+                      </a:pPr>
+                      <a:r>
+                        <a:rPr lang="es-ES" sz="1100" kern="100">
+                          <a:effectLst/>
+                        </a:rPr>
+                        <a:t>Cuidado de hijo menor de 12 años </a:t>
+                      </a:r>
+                    </a:p>
+                    <a:p>
+                      <a:pPr marL="342900" lvl="0" indent="-342900" algn="l">
+                        <a:lnSpc>
+                          <a:spcPct val="107000"/>
+                        </a:lnSpc>
+                        <a:spcAft>
+                          <a:spcPts val="0"/>
+                        </a:spcAft>
+                        <a:buFont typeface="Symbol" panose="05050102010706020507" pitchFamily="18" charset="2"/>
+                        <a:buChar char=""/>
+                      </a:pPr>
+                      <a:r>
+                        <a:rPr lang="es-ES" sz="1100" kern="100">
+                          <a:effectLst/>
+                        </a:rPr>
+                        <a:t>mayor con discapacidad,</a:t>
+                      </a:r>
+                    </a:p>
+                    <a:p>
+                      <a:pPr marL="342900" lvl="0" indent="-342900" algn="l">
+                        <a:lnSpc>
+                          <a:spcPct val="107000"/>
+                        </a:lnSpc>
+                        <a:spcAft>
+                          <a:spcPts val="0"/>
+                        </a:spcAft>
+                        <a:buFont typeface="Symbol" panose="05050102010706020507" pitchFamily="18" charset="2"/>
+                        <a:buChar char=""/>
+                      </a:pPr>
+                      <a:r>
+                        <a:rPr lang="es-ES" sz="1100" kern="100">
+                          <a:effectLst/>
+                        </a:rPr>
+                        <a:t>cuidado de hijo menor de edad por enfermedad grave.</a:t>
+                      </a:r>
+                      <a:endParaRPr lang="es-ES" sz="1100" kern="100">
+                        <a:effectLst/>
+                        <a:latin typeface="Calibri" panose="020F0502020204030204" pitchFamily="34" charset="0"/>
+                        <a:ea typeface="Calibri" panose="020F0502020204030204" pitchFamily="34" charset="0"/>
+                        <a:cs typeface="Arial" panose="020B0604020202020204" pitchFamily="34" charset="0"/>
+                      </a:endParaRPr>
+                    </a:p>
+                  </a:txBody>
+                  <a:tcPr marL="30584" marR="30584" marT="0" marB="0" anchor="ctr"/>
+                </a:tc>
+                <a:tc>
+                  <a:txBody>
+                    <a:bodyPr/>
+                    <a:lstStyle/>
+                    <a:p>
+                      <a:pPr marL="342900" lvl="0" indent="-342900" algn="l">
+                        <a:lnSpc>
+                          <a:spcPct val="107000"/>
+                        </a:lnSpc>
+                        <a:spcAft>
+                          <a:spcPts val="0"/>
+                        </a:spcAft>
+                        <a:buFont typeface="Symbol" panose="05050102010706020507" pitchFamily="18" charset="2"/>
+                        <a:buChar char=""/>
+                      </a:pPr>
+                      <a:r>
+                        <a:rPr lang="es-ES" sz="1100" kern="100" dirty="0">
+                          <a:effectLst/>
+                        </a:rPr>
+                        <a:t>Entre el 12,5 y el 50%</a:t>
+                      </a:r>
+                    </a:p>
+                    <a:p>
+                      <a:pPr marL="228600" algn="l">
+                        <a:lnSpc>
+                          <a:spcPct val="107000"/>
+                        </a:lnSpc>
+                        <a:spcAft>
+                          <a:spcPts val="0"/>
+                        </a:spcAft>
+                      </a:pPr>
+                      <a:r>
+                        <a:rPr lang="es-ES" sz="1100" kern="100" dirty="0">
+                          <a:effectLst/>
+                        </a:rPr>
+                        <a:t> </a:t>
+                      </a:r>
+                    </a:p>
+                    <a:p>
+                      <a:pPr marL="342900" lvl="0" indent="-342900" algn="l">
+                        <a:lnSpc>
+                          <a:spcPct val="107000"/>
+                        </a:lnSpc>
+                        <a:spcAft>
+                          <a:spcPts val="0"/>
+                        </a:spcAft>
+                        <a:buFont typeface="Symbol" panose="05050102010706020507" pitchFamily="18" charset="2"/>
+                        <a:buChar char=""/>
+                      </a:pPr>
+                      <a:r>
+                        <a:rPr lang="es-ES" sz="1100" kern="100" dirty="0">
+                          <a:effectLst/>
+                        </a:rPr>
+                        <a:t>Entre el 12,5 y el 50%</a:t>
+                      </a:r>
+                    </a:p>
+                    <a:p>
+                      <a:pPr marL="457200" algn="l">
+                        <a:lnSpc>
+                          <a:spcPct val="107000"/>
+                        </a:lnSpc>
+                        <a:spcAft>
+                          <a:spcPts val="0"/>
+                        </a:spcAft>
+                      </a:pPr>
+                      <a:r>
+                        <a:rPr lang="es-ES" sz="1100" kern="100" dirty="0">
+                          <a:effectLst/>
+                        </a:rPr>
+                        <a:t> </a:t>
+                      </a:r>
+                    </a:p>
+                    <a:p>
+                      <a:pPr marL="228600" algn="l">
+                        <a:lnSpc>
+                          <a:spcPct val="107000"/>
+                        </a:lnSpc>
+                        <a:spcAft>
+                          <a:spcPts val="0"/>
+                        </a:spcAft>
+                      </a:pPr>
+                      <a:r>
+                        <a:rPr lang="es-ES" sz="1100" kern="100" dirty="0">
+                          <a:effectLst/>
+                        </a:rPr>
+                        <a:t> </a:t>
+                      </a:r>
+                    </a:p>
+                    <a:p>
+                      <a:pPr marL="342900" lvl="0" indent="-342900" algn="l">
+                        <a:lnSpc>
+                          <a:spcPct val="107000"/>
+                        </a:lnSpc>
+                        <a:spcAft>
+                          <a:spcPts val="0"/>
+                        </a:spcAft>
+                        <a:buFont typeface="Symbol" panose="05050102010706020507" pitchFamily="18" charset="2"/>
+                        <a:buChar char=""/>
+                      </a:pPr>
+                      <a:r>
+                        <a:rPr lang="es-ES" sz="1100" kern="100" dirty="0">
+                          <a:effectLst/>
+                        </a:rPr>
+                        <a:t>Mínimo 50%</a:t>
+                      </a:r>
+                      <a:endParaRPr lang="es-ES" sz="1100" kern="100" dirty="0">
+                        <a:effectLst/>
+                        <a:latin typeface="Calibri" panose="020F0502020204030204" pitchFamily="34" charset="0"/>
+                        <a:ea typeface="Calibri" panose="020F0502020204030204" pitchFamily="34" charset="0"/>
+                        <a:cs typeface="Arial" panose="020B0604020202020204" pitchFamily="34" charset="0"/>
+                      </a:endParaRPr>
+                    </a:p>
+                  </a:txBody>
+                  <a:tcPr marL="30584" marR="30584" marT="0" marB="0" anchor="ctr"/>
+                </a:tc>
+                <a:tc>
+                  <a:txBody>
+                    <a:bodyPr/>
+                    <a:lstStyle/>
+                    <a:p>
+                      <a:pPr algn="l">
+                        <a:lnSpc>
+                          <a:spcPct val="107000"/>
+                        </a:lnSpc>
+                        <a:spcAft>
+                          <a:spcPts val="0"/>
+                        </a:spcAft>
+                      </a:pPr>
+                      <a:r>
+                        <a:rPr lang="es-ES" sz="1100" kern="100" dirty="0">
+                          <a:effectLst/>
+                        </a:rPr>
+                        <a:t>Reducción proporcional </a:t>
+                      </a:r>
+                      <a:r>
+                        <a:rPr lang="es-ES" sz="1100" kern="100" dirty="0" smtClean="0">
+                          <a:effectLst/>
+                        </a:rPr>
+                        <a:t>salario </a:t>
+                      </a:r>
+                      <a:r>
+                        <a:rPr lang="es-ES" sz="1100" kern="100" baseline="0" dirty="0" smtClean="0">
+                          <a:effectLst/>
+                        </a:rPr>
+                        <a:t>a la reducción de la jornada.</a:t>
+                      </a:r>
+                      <a:endParaRPr lang="es-ES" sz="1100" kern="100" dirty="0">
+                        <a:effectLst/>
+                        <a:latin typeface="Calibri" panose="020F0502020204030204" pitchFamily="34" charset="0"/>
+                        <a:ea typeface="Calibri" panose="020F0502020204030204" pitchFamily="34" charset="0"/>
+                        <a:cs typeface="Arial" panose="020B0604020202020204" pitchFamily="34" charset="0"/>
+                      </a:endParaRPr>
+                    </a:p>
+                  </a:txBody>
+                  <a:tcPr marL="30584" marR="30584" marT="0" marB="0" anchor="ctr"/>
+                </a:tc>
+                <a:tc>
+                  <a:txBody>
+                    <a:bodyPr/>
+                    <a:lstStyle/>
+                    <a:p>
+                      <a:pPr algn="l">
+                        <a:lnSpc>
+                          <a:spcPct val="107000"/>
+                        </a:lnSpc>
+                        <a:spcAft>
+                          <a:spcPts val="0"/>
+                        </a:spcAft>
+                      </a:pPr>
+                      <a:r>
+                        <a:rPr lang="es-ES" sz="1100" kern="100">
+                          <a:effectLst/>
+                        </a:rPr>
+                        <a:t>100 % los dos primeros años.</a:t>
+                      </a:r>
+                      <a:endParaRPr lang="es-ES" sz="1100" kern="100">
+                        <a:effectLst/>
+                        <a:latin typeface="Calibri" panose="020F0502020204030204" pitchFamily="34" charset="0"/>
+                        <a:ea typeface="Calibri" panose="020F0502020204030204" pitchFamily="34" charset="0"/>
+                        <a:cs typeface="Arial" panose="020B0604020202020204" pitchFamily="34" charset="0"/>
+                      </a:endParaRPr>
+                    </a:p>
+                  </a:txBody>
+                  <a:tcPr marL="30584" marR="30584" marT="0" marB="0" anchor="ctr"/>
+                </a:tc>
+                <a:extLst>
+                  <a:ext uri="{0D108BD9-81ED-4DB2-BD59-A6C34878D82A}">
+                    <a16:rowId xmlns:a16="http://schemas.microsoft.com/office/drawing/2014/main" val="3541350834"/>
+                  </a:ext>
+                </a:extLst>
+              </a:tr>
+              <a:tr h="273171">
+                <a:tc>
+                  <a:txBody>
+                    <a:bodyPr/>
+                    <a:lstStyle/>
+                    <a:p>
+                      <a:pPr algn="l">
+                        <a:lnSpc>
+                          <a:spcPct val="107000"/>
+                        </a:lnSpc>
+                        <a:spcAft>
+                          <a:spcPts val="0"/>
+                        </a:spcAft>
+                      </a:pPr>
+                      <a:r>
+                        <a:rPr lang="es-ES" sz="1100" kern="100">
+                          <a:effectLst/>
+                        </a:rPr>
+                        <a:t>Lactancia hijo menor de 9 meses</a:t>
+                      </a:r>
+                      <a:endParaRPr lang="es-ES" sz="1100" kern="100">
+                        <a:effectLst/>
+                        <a:latin typeface="Calibri" panose="020F0502020204030204" pitchFamily="34" charset="0"/>
+                        <a:ea typeface="Calibri" panose="020F0502020204030204" pitchFamily="34" charset="0"/>
+                        <a:cs typeface="Arial" panose="020B0604020202020204" pitchFamily="34" charset="0"/>
+                      </a:endParaRPr>
+                    </a:p>
+                  </a:txBody>
+                  <a:tcPr marL="30584" marR="30584" marT="0" marB="0" anchor="ctr"/>
+                </a:tc>
+                <a:tc>
+                  <a:txBody>
+                    <a:bodyPr/>
+                    <a:lstStyle/>
+                    <a:p>
+                      <a:pPr algn="l">
+                        <a:lnSpc>
+                          <a:spcPct val="107000"/>
+                        </a:lnSpc>
+                        <a:spcAft>
+                          <a:spcPts val="0"/>
+                        </a:spcAft>
+                      </a:pPr>
+                      <a:r>
+                        <a:rPr lang="es-ES" sz="1100" kern="100">
+                          <a:effectLst/>
+                        </a:rPr>
+                        <a:t>1 hora</a:t>
+                      </a:r>
+                      <a:endParaRPr lang="es-ES" sz="1100" kern="100">
+                        <a:effectLst/>
+                        <a:latin typeface="Calibri" panose="020F0502020204030204" pitchFamily="34" charset="0"/>
+                        <a:ea typeface="Calibri" panose="020F0502020204030204" pitchFamily="34" charset="0"/>
+                        <a:cs typeface="Arial" panose="020B0604020202020204" pitchFamily="34" charset="0"/>
+                      </a:endParaRPr>
+                    </a:p>
+                  </a:txBody>
+                  <a:tcPr marL="30584" marR="30584" marT="0" marB="0" anchor="ctr"/>
+                </a:tc>
+                <a:tc>
+                  <a:txBody>
+                    <a:bodyPr/>
+                    <a:lstStyle/>
+                    <a:p>
+                      <a:pPr algn="l">
+                        <a:lnSpc>
+                          <a:spcPct val="107000"/>
+                        </a:lnSpc>
+                        <a:spcAft>
+                          <a:spcPts val="0"/>
+                        </a:spcAft>
+                      </a:pPr>
+                      <a:r>
+                        <a:rPr lang="es-ES" sz="1100" kern="100" dirty="0">
+                          <a:effectLst/>
+                        </a:rPr>
+                        <a:t>No hay reducción de salario</a:t>
+                      </a:r>
+                      <a:endParaRPr lang="es-ES" sz="1100" kern="100" dirty="0">
+                        <a:effectLst/>
+                        <a:latin typeface="Calibri" panose="020F0502020204030204" pitchFamily="34" charset="0"/>
+                        <a:ea typeface="Calibri" panose="020F0502020204030204" pitchFamily="34" charset="0"/>
+                        <a:cs typeface="Arial" panose="020B0604020202020204" pitchFamily="34" charset="0"/>
+                      </a:endParaRPr>
+                    </a:p>
+                  </a:txBody>
+                  <a:tcPr marL="30584" marR="30584" marT="0" marB="0" anchor="ctr"/>
+                </a:tc>
+                <a:tc>
+                  <a:txBody>
+                    <a:bodyPr/>
+                    <a:lstStyle/>
+                    <a:p>
+                      <a:pPr algn="l">
+                        <a:lnSpc>
+                          <a:spcPct val="107000"/>
+                        </a:lnSpc>
+                        <a:spcAft>
+                          <a:spcPts val="0"/>
+                        </a:spcAft>
+                      </a:pPr>
+                      <a:r>
+                        <a:rPr lang="es-ES" sz="1100" kern="100">
+                          <a:effectLst/>
+                        </a:rPr>
+                        <a:t>100% durante todo el periodo</a:t>
+                      </a:r>
+                      <a:endParaRPr lang="es-ES" sz="1100" kern="100">
+                        <a:effectLst/>
+                        <a:latin typeface="Calibri" panose="020F0502020204030204" pitchFamily="34" charset="0"/>
+                        <a:ea typeface="Calibri" panose="020F0502020204030204" pitchFamily="34" charset="0"/>
+                        <a:cs typeface="Arial" panose="020B0604020202020204" pitchFamily="34" charset="0"/>
+                      </a:endParaRPr>
+                    </a:p>
+                  </a:txBody>
+                  <a:tcPr marL="30584" marR="30584" marT="0" marB="0" anchor="ctr"/>
+                </a:tc>
+                <a:extLst>
+                  <a:ext uri="{0D108BD9-81ED-4DB2-BD59-A6C34878D82A}">
+                    <a16:rowId xmlns:a16="http://schemas.microsoft.com/office/drawing/2014/main" val="1748418669"/>
+                  </a:ext>
+                </a:extLst>
+              </a:tr>
+              <a:tr h="546340">
+                <a:tc>
+                  <a:txBody>
+                    <a:bodyPr/>
+                    <a:lstStyle/>
+                    <a:p>
+                      <a:pPr algn="l">
+                        <a:lnSpc>
+                          <a:spcPct val="107000"/>
+                        </a:lnSpc>
+                        <a:spcAft>
+                          <a:spcPts val="0"/>
+                        </a:spcAft>
+                      </a:pPr>
+                      <a:r>
+                        <a:rPr lang="es-ES" sz="1100" kern="100">
+                          <a:effectLst/>
+                        </a:rPr>
+                        <a:t>Hospitalización de hijo nacido prematuro</a:t>
+                      </a:r>
+                      <a:endParaRPr lang="es-ES" sz="1100" kern="100">
+                        <a:effectLst/>
+                        <a:latin typeface="Calibri" panose="020F0502020204030204" pitchFamily="34" charset="0"/>
+                        <a:ea typeface="Calibri" panose="020F0502020204030204" pitchFamily="34" charset="0"/>
+                        <a:cs typeface="Arial" panose="020B0604020202020204" pitchFamily="34" charset="0"/>
+                      </a:endParaRPr>
+                    </a:p>
+                  </a:txBody>
+                  <a:tcPr marL="30584" marR="30584" marT="0" marB="0" anchor="ctr"/>
+                </a:tc>
+                <a:tc>
+                  <a:txBody>
+                    <a:bodyPr/>
+                    <a:lstStyle/>
+                    <a:p>
+                      <a:pPr algn="l">
+                        <a:lnSpc>
+                          <a:spcPct val="107000"/>
+                        </a:lnSpc>
+                        <a:spcAft>
+                          <a:spcPts val="0"/>
+                        </a:spcAft>
+                      </a:pPr>
+                      <a:r>
+                        <a:rPr lang="es-ES" sz="1100" kern="100">
+                          <a:effectLst/>
+                        </a:rPr>
+                        <a:t>1 horas + 1 hora</a:t>
+                      </a:r>
+                      <a:endParaRPr lang="es-ES" sz="1100" kern="100">
+                        <a:effectLst/>
+                        <a:latin typeface="Calibri" panose="020F0502020204030204" pitchFamily="34" charset="0"/>
+                        <a:ea typeface="Calibri" panose="020F0502020204030204" pitchFamily="34" charset="0"/>
+                        <a:cs typeface="Arial" panose="020B0604020202020204" pitchFamily="34" charset="0"/>
+                      </a:endParaRPr>
+                    </a:p>
+                  </a:txBody>
+                  <a:tcPr marL="30584" marR="30584" marT="0" marB="0" anchor="ctr"/>
+                </a:tc>
+                <a:tc>
+                  <a:txBody>
+                    <a:bodyPr/>
+                    <a:lstStyle/>
+                    <a:p>
+                      <a:pPr algn="l">
+                        <a:lnSpc>
+                          <a:spcPct val="107000"/>
+                        </a:lnSpc>
+                        <a:spcAft>
+                          <a:spcPts val="0"/>
+                        </a:spcAft>
+                      </a:pPr>
+                      <a:r>
+                        <a:rPr lang="es-ES" sz="1100" kern="100" dirty="0">
+                          <a:effectLst/>
+                        </a:rPr>
+                        <a:t>Primera hora sin reducción, segunda hora con reducción.</a:t>
+                      </a:r>
+                      <a:endParaRPr lang="es-ES" sz="1100" kern="100" dirty="0">
+                        <a:effectLst/>
+                        <a:latin typeface="Calibri" panose="020F0502020204030204" pitchFamily="34" charset="0"/>
+                        <a:ea typeface="Calibri" panose="020F0502020204030204" pitchFamily="34" charset="0"/>
+                        <a:cs typeface="Arial" panose="020B0604020202020204" pitchFamily="34" charset="0"/>
+                      </a:endParaRPr>
+                    </a:p>
+                  </a:txBody>
+                  <a:tcPr marL="30584" marR="30584" marT="0" marB="0" anchor="ctr"/>
+                </a:tc>
+                <a:tc>
+                  <a:txBody>
+                    <a:bodyPr/>
+                    <a:lstStyle/>
+                    <a:p>
+                      <a:pPr algn="l">
+                        <a:lnSpc>
+                          <a:spcPct val="107000"/>
+                        </a:lnSpc>
+                        <a:spcAft>
+                          <a:spcPts val="0"/>
+                        </a:spcAft>
+                      </a:pPr>
+                      <a:r>
+                        <a:rPr lang="es-ES" sz="1100" kern="100" dirty="0">
+                          <a:effectLst/>
+                        </a:rPr>
+                        <a:t>100% durante todo el periodo</a:t>
+                      </a:r>
+                      <a:endParaRPr lang="es-ES" sz="1100" kern="100" dirty="0">
+                        <a:effectLst/>
+                        <a:latin typeface="Calibri" panose="020F0502020204030204" pitchFamily="34" charset="0"/>
+                        <a:ea typeface="Calibri" panose="020F0502020204030204" pitchFamily="34" charset="0"/>
+                        <a:cs typeface="Arial" panose="020B0604020202020204" pitchFamily="34" charset="0"/>
+                      </a:endParaRPr>
+                    </a:p>
+                  </a:txBody>
+                  <a:tcPr marL="30584" marR="30584" marT="0" marB="0" anchor="ctr"/>
+                </a:tc>
+                <a:extLst>
+                  <a:ext uri="{0D108BD9-81ED-4DB2-BD59-A6C34878D82A}">
+                    <a16:rowId xmlns:a16="http://schemas.microsoft.com/office/drawing/2014/main" val="862362835"/>
+                  </a:ext>
+                </a:extLst>
+              </a:tr>
+              <a:tr h="891400">
+                <a:tc>
+                  <a:txBody>
+                    <a:bodyPr/>
+                    <a:lstStyle/>
+                    <a:p>
+                      <a:pPr algn="l">
+                        <a:lnSpc>
+                          <a:spcPct val="107000"/>
+                        </a:lnSpc>
+                        <a:spcAft>
+                          <a:spcPts val="0"/>
+                        </a:spcAft>
+                      </a:pPr>
+                      <a:r>
+                        <a:rPr lang="es-ES" sz="1100" kern="100">
+                          <a:effectLst/>
+                        </a:rPr>
+                        <a:t>Reducción por cuidado de familiar dependiente hasta 2º grado.</a:t>
+                      </a:r>
+                      <a:endParaRPr lang="es-ES" sz="1100" kern="100">
+                        <a:effectLst/>
+                        <a:latin typeface="Calibri" panose="020F0502020204030204" pitchFamily="34" charset="0"/>
+                        <a:ea typeface="Calibri" panose="020F0502020204030204" pitchFamily="34" charset="0"/>
+                        <a:cs typeface="Arial" panose="020B0604020202020204" pitchFamily="34" charset="0"/>
+                      </a:endParaRPr>
+                    </a:p>
+                  </a:txBody>
+                  <a:tcPr marL="30584" marR="30584" marT="0" marB="0" anchor="ctr"/>
+                </a:tc>
+                <a:tc>
+                  <a:txBody>
+                    <a:bodyPr/>
+                    <a:lstStyle/>
+                    <a:p>
+                      <a:pPr marL="342900" lvl="0" indent="-342900" algn="l">
+                        <a:lnSpc>
+                          <a:spcPct val="107000"/>
+                        </a:lnSpc>
+                        <a:spcAft>
+                          <a:spcPts val="800"/>
+                        </a:spcAft>
+                        <a:buFont typeface="Symbol" panose="05050102010706020507" pitchFamily="18" charset="2"/>
+                        <a:buChar char=""/>
+                      </a:pPr>
+                      <a:r>
+                        <a:rPr lang="es-ES" sz="1100" kern="100">
+                          <a:effectLst/>
+                        </a:rPr>
+                        <a:t>Entre el 12,5 y el 50%</a:t>
+                      </a:r>
+                    </a:p>
+                    <a:p>
+                      <a:pPr algn="l">
+                        <a:lnSpc>
+                          <a:spcPct val="107000"/>
+                        </a:lnSpc>
+                        <a:spcAft>
+                          <a:spcPts val="0"/>
+                        </a:spcAft>
+                      </a:pPr>
+                      <a:r>
+                        <a:rPr lang="es-ES" sz="1100" kern="100">
+                          <a:effectLst/>
+                        </a:rPr>
+                        <a:t> </a:t>
+                      </a:r>
+                      <a:endParaRPr lang="es-ES" sz="1100" kern="100">
+                        <a:effectLst/>
+                        <a:latin typeface="Calibri" panose="020F0502020204030204" pitchFamily="34" charset="0"/>
+                        <a:ea typeface="Calibri" panose="020F0502020204030204" pitchFamily="34" charset="0"/>
+                        <a:cs typeface="Arial" panose="020B0604020202020204" pitchFamily="34" charset="0"/>
+                      </a:endParaRPr>
+                    </a:p>
+                  </a:txBody>
+                  <a:tcPr marL="30584" marR="30584" marT="0" marB="0" anchor="ctr"/>
+                </a:tc>
+                <a:tc>
+                  <a:txBody>
+                    <a:bodyPr/>
+                    <a:lstStyle/>
+                    <a:p>
+                      <a:pPr algn="l">
+                        <a:lnSpc>
+                          <a:spcPct val="107000"/>
+                        </a:lnSpc>
+                        <a:spcAft>
+                          <a:spcPts val="0"/>
+                        </a:spcAft>
+                      </a:pPr>
+                      <a:r>
+                        <a:rPr lang="es-ES" sz="1100" kern="100" dirty="0">
+                          <a:effectLst/>
+                        </a:rPr>
+                        <a:t>Reducción proporcional salario</a:t>
+                      </a:r>
+                      <a:endParaRPr lang="es-ES" sz="1100" kern="100" dirty="0">
+                        <a:effectLst/>
+                        <a:latin typeface="Calibri" panose="020F0502020204030204" pitchFamily="34" charset="0"/>
+                        <a:ea typeface="Calibri" panose="020F0502020204030204" pitchFamily="34" charset="0"/>
+                        <a:cs typeface="Arial" panose="020B0604020202020204" pitchFamily="34" charset="0"/>
+                      </a:endParaRPr>
+                    </a:p>
+                  </a:txBody>
+                  <a:tcPr marL="30584" marR="30584" marT="0" marB="0" anchor="ctr"/>
+                </a:tc>
+                <a:tc>
+                  <a:txBody>
+                    <a:bodyPr/>
+                    <a:lstStyle/>
+                    <a:p>
+                      <a:pPr algn="l">
+                        <a:lnSpc>
+                          <a:spcPct val="107000"/>
+                        </a:lnSpc>
+                        <a:spcAft>
+                          <a:spcPts val="0"/>
+                        </a:spcAft>
+                      </a:pPr>
+                      <a:r>
+                        <a:rPr lang="es-ES" sz="1100" kern="100" dirty="0">
+                          <a:effectLst/>
+                        </a:rPr>
+                        <a:t>100 % primer año</a:t>
+                      </a:r>
+                      <a:endParaRPr lang="es-ES" sz="1100" kern="100" dirty="0">
+                        <a:effectLst/>
+                        <a:latin typeface="Calibri" panose="020F0502020204030204" pitchFamily="34" charset="0"/>
+                        <a:ea typeface="Calibri" panose="020F0502020204030204" pitchFamily="34" charset="0"/>
+                        <a:cs typeface="Arial" panose="020B0604020202020204" pitchFamily="34" charset="0"/>
+                      </a:endParaRPr>
+                    </a:p>
+                  </a:txBody>
+                  <a:tcPr marL="30584" marR="30584" marT="0" marB="0" anchor="ctr"/>
+                </a:tc>
+                <a:extLst>
+                  <a:ext uri="{0D108BD9-81ED-4DB2-BD59-A6C34878D82A}">
+                    <a16:rowId xmlns:a16="http://schemas.microsoft.com/office/drawing/2014/main" val="2918229933"/>
+                  </a:ext>
+                </a:extLst>
+              </a:tr>
+              <a:tr h="273171">
+                <a:tc>
+                  <a:txBody>
+                    <a:bodyPr/>
+                    <a:lstStyle/>
+                    <a:p>
+                      <a:pPr algn="l">
+                        <a:lnSpc>
+                          <a:spcPct val="107000"/>
+                        </a:lnSpc>
+                        <a:spcAft>
+                          <a:spcPts val="0"/>
+                        </a:spcAft>
+                      </a:pPr>
+                      <a:r>
+                        <a:rPr lang="es-ES" sz="1100" kern="100">
+                          <a:effectLst/>
+                        </a:rPr>
+                        <a:t>Reducción por violencia de género.</a:t>
+                      </a:r>
+                      <a:endParaRPr lang="es-ES" sz="1100" kern="100">
+                        <a:effectLst/>
+                        <a:latin typeface="Calibri" panose="020F0502020204030204" pitchFamily="34" charset="0"/>
+                        <a:ea typeface="Calibri" panose="020F0502020204030204" pitchFamily="34" charset="0"/>
+                        <a:cs typeface="Arial" panose="020B0604020202020204" pitchFamily="34" charset="0"/>
+                      </a:endParaRPr>
+                    </a:p>
+                  </a:txBody>
+                  <a:tcPr marL="30584" marR="30584" marT="0" marB="0" anchor="ctr"/>
+                </a:tc>
+                <a:tc>
+                  <a:txBody>
+                    <a:bodyPr/>
+                    <a:lstStyle/>
+                    <a:p>
+                      <a:pPr algn="l">
+                        <a:lnSpc>
+                          <a:spcPct val="107000"/>
+                        </a:lnSpc>
+                        <a:spcAft>
+                          <a:spcPts val="0"/>
+                        </a:spcAft>
+                      </a:pPr>
+                      <a:r>
+                        <a:rPr lang="es-ES" sz="1100" kern="100">
+                          <a:effectLst/>
+                        </a:rPr>
+                        <a:t>Según convenio colectivo</a:t>
+                      </a:r>
+                      <a:endParaRPr lang="es-ES" sz="1100" kern="100">
+                        <a:effectLst/>
+                        <a:latin typeface="Calibri" panose="020F0502020204030204" pitchFamily="34" charset="0"/>
+                        <a:ea typeface="Calibri" panose="020F0502020204030204" pitchFamily="34" charset="0"/>
+                        <a:cs typeface="Arial" panose="020B0604020202020204" pitchFamily="34" charset="0"/>
+                      </a:endParaRPr>
+                    </a:p>
+                  </a:txBody>
+                  <a:tcPr marL="30584" marR="30584" marT="0" marB="0" anchor="ctr"/>
+                </a:tc>
+                <a:tc>
+                  <a:txBody>
+                    <a:bodyPr/>
+                    <a:lstStyle/>
+                    <a:p>
+                      <a:pPr algn="l">
+                        <a:lnSpc>
+                          <a:spcPct val="107000"/>
+                        </a:lnSpc>
+                        <a:spcAft>
+                          <a:spcPts val="0"/>
+                        </a:spcAft>
+                      </a:pPr>
+                      <a:r>
+                        <a:rPr lang="es-ES" sz="1100" kern="100">
+                          <a:effectLst/>
+                        </a:rPr>
+                        <a:t>Necesidad de sentencia judicial.</a:t>
+                      </a:r>
+                      <a:endParaRPr lang="es-ES" sz="1100" kern="100">
+                        <a:effectLst/>
+                        <a:latin typeface="Calibri" panose="020F0502020204030204" pitchFamily="34" charset="0"/>
+                        <a:ea typeface="Calibri" panose="020F0502020204030204" pitchFamily="34" charset="0"/>
+                        <a:cs typeface="Arial" panose="020B0604020202020204" pitchFamily="34" charset="0"/>
+                      </a:endParaRPr>
+                    </a:p>
+                  </a:txBody>
+                  <a:tcPr marL="30584" marR="30584" marT="0" marB="0" anchor="ctr"/>
+                </a:tc>
+                <a:tc>
+                  <a:txBody>
+                    <a:bodyPr/>
+                    <a:lstStyle/>
+                    <a:p>
+                      <a:pPr algn="l">
+                        <a:lnSpc>
+                          <a:spcPct val="107000"/>
+                        </a:lnSpc>
+                        <a:spcAft>
+                          <a:spcPts val="0"/>
+                        </a:spcAft>
+                      </a:pPr>
+                      <a:r>
+                        <a:rPr lang="es-ES" sz="1100" kern="100" dirty="0">
+                          <a:effectLst/>
+                        </a:rPr>
+                        <a:t>100% durante todo el periodo</a:t>
+                      </a:r>
+                      <a:endParaRPr lang="es-ES" sz="1100" kern="100" dirty="0">
+                        <a:effectLst/>
+                        <a:latin typeface="Calibri" panose="020F0502020204030204" pitchFamily="34" charset="0"/>
+                        <a:ea typeface="Calibri" panose="020F0502020204030204" pitchFamily="34" charset="0"/>
+                        <a:cs typeface="Arial" panose="020B0604020202020204" pitchFamily="34" charset="0"/>
+                      </a:endParaRPr>
+                    </a:p>
+                  </a:txBody>
+                  <a:tcPr marL="30584" marR="30584" marT="0" marB="0" anchor="ctr"/>
+                </a:tc>
+                <a:extLst>
+                  <a:ext uri="{0D108BD9-81ED-4DB2-BD59-A6C34878D82A}">
+                    <a16:rowId xmlns:a16="http://schemas.microsoft.com/office/drawing/2014/main" val="2739757011"/>
+                  </a:ext>
+                </a:extLst>
+              </a:tr>
+            </a:tbl>
+          </a:graphicData>
+        </a:graphic>
+      </p:graphicFrame>
       <p:pic>
         <p:nvPicPr>
           <p:cNvPr id="4" name="Imagen 3">
@@ -48956,14 +49996,14 @@
           <p:nvPr>
             <p:extLst>
               <p:ext uri="{D42A27DB-BD31-4B8C-83A1-F6EECF244321}">
-                <p14:modId xmlns:p14="http://schemas.microsoft.com/office/powerpoint/2010/main" val="3149161331"/>
+                <p14:modId xmlns:p14="http://schemas.microsoft.com/office/powerpoint/2010/main" val="3605153680"/>
               </p:ext>
             </p:extLst>
           </p:nvPr>
         </p:nvGraphicFramePr>
         <p:xfrm>
-          <a:off x="705539" y="1046849"/>
-          <a:ext cx="5245736" cy="5442840"/>
+          <a:off x="124691" y="1046849"/>
+          <a:ext cx="7115693" cy="5579280"/>
         </p:xfrm>
         <a:graphic>
           <a:graphicData uri="http://schemas.openxmlformats.org/drawingml/2006/table">
@@ -48972,7 +50012,7 @@
                 <a:tableStyleId>{5C22544A-7EE6-4342-B048-85BDC9FD1C3A}</a:tableStyleId>
               </a:tblPr>
               <a:tblGrid>
-                <a:gridCol w="5245736">
+                <a:gridCol w="7115693">
                   <a:extLst>
                     <a:ext uri="{9D8B030D-6E8A-4147-A177-3AD203B41FA5}">
                       <a16:colId xmlns:a16="http://schemas.microsoft.com/office/drawing/2014/main" val="650239220"/>
@@ -48989,8 +50029,13 @@
                       <a:pPr algn="ctr"/>
                       <a:r>
                         <a:rPr lang="es-ES" dirty="0"/>
-                        <a:t>PERMISOS RETRIBUIDOS</a:t>
+                        <a:t>PERMISOS </a:t>
                       </a:r>
+                      <a:r>
+                        <a:rPr lang="es-ES" dirty="0" smtClean="0"/>
+                        <a:t>RETRIBUIDOS (Ha cambiado este verano)</a:t>
+                      </a:r>
+                      <a:endParaRPr lang="es-ES" dirty="0"/>
                     </a:p>
                   </a:txBody>
                   <a:tcPr anchor="ctr"/>
@@ -49012,9 +50057,36 @@
                         <a:buChar char="•"/>
                       </a:pPr>
                       <a:r>
-                        <a:rPr lang="es-ES" dirty="0"/>
-                        <a:t>Matrimonio</a:t>
+                        <a:rPr lang="es-ES" sz="1600" dirty="0" smtClean="0"/>
+                        <a:t>Matrimonio </a:t>
                       </a:r>
+                      <a:r>
+                        <a:rPr lang="es-ES" sz="1600" dirty="0" smtClean="0">
+                          <a:solidFill>
+                            <a:schemeClr val="accent3">
+                              <a:lumMod val="75000"/>
+                            </a:schemeClr>
+                          </a:solidFill>
+                        </a:rPr>
+                        <a:t>(quince días</a:t>
+                      </a:r>
+                      <a:r>
+                        <a:rPr lang="es-ES" sz="1600" baseline="0" dirty="0" smtClean="0">
+                          <a:solidFill>
+                            <a:schemeClr val="accent3">
+                              <a:lumMod val="75000"/>
+                            </a:schemeClr>
+                          </a:solidFill>
+                        </a:rPr>
+                        <a:t> y hay una equiparación como pareja de hecho-ojo, registrado-).</a:t>
+                      </a:r>
+                      <a:endParaRPr lang="es-ES" sz="1600" dirty="0">
+                        <a:solidFill>
+                          <a:schemeClr val="accent3">
+                            <a:lumMod val="75000"/>
+                          </a:schemeClr>
+                        </a:solidFill>
+                      </a:endParaRPr>
                     </a:p>
                   </a:txBody>
                   <a:tcPr/>
@@ -49031,14 +50103,49 @@
                     <a:bodyPr/>
                     <a:lstStyle/>
                     <a:p>
-                      <a:pPr marL="285750" indent="-285750" algn="l">
+                      <a:pPr marL="285750" indent="-285750" algn="just">
                         <a:buFont typeface="Arial" panose="020B0604020202020204" pitchFamily="34" charset="0"/>
                         <a:buChar char="•"/>
                       </a:pPr>
                       <a:r>
-                        <a:rPr lang="es-ES" dirty="0"/>
-                        <a:t>Accidente o enfermedad graves, hospitalización o intervención quirúrgica sin hospitalización que precise reposo domiciliario del cónyuge, pareja de hecho o parientes hasta el segundo grado por consanguineidad o afinidad</a:t>
+                        <a:rPr lang="es-ES" sz="1600" dirty="0"/>
+                        <a:t>Accidente o enfermedad graves, hospitalización o intervención quirúrgica sin hospitalización que precise reposo domiciliario del cónyuge, pareja de hecho o parientes hasta el segundo grado por consanguineidad o </a:t>
                       </a:r>
+                      <a:r>
+                        <a:rPr lang="es-ES" sz="1600" dirty="0" smtClean="0"/>
+                        <a:t>afinidad </a:t>
+                      </a:r>
+                      <a:r>
+                        <a:rPr lang="es-ES" sz="1600" dirty="0" smtClean="0">
+                          <a:solidFill>
+                            <a:schemeClr val="accent3">
+                              <a:lumMod val="75000"/>
+                            </a:schemeClr>
+                          </a:solidFill>
+                        </a:rPr>
+                        <a:t>(5 días, antes 2 o cuatro si</a:t>
+                      </a:r>
+                      <a:r>
+                        <a:rPr lang="es-ES" sz="1600" baseline="0" dirty="0" smtClean="0">
+                          <a:solidFill>
+                            <a:schemeClr val="accent3">
+                              <a:lumMod val="75000"/>
+                            </a:schemeClr>
+                          </a:solidFill>
+                        </a:rPr>
+                        <a:t> eran desplazamiento. Ahora además se cuentan días hábiles y puedo elegir cuándo cogerlos</a:t>
+                      </a:r>
+                      <a:r>
+                        <a:rPr lang="es-ES" sz="1600" dirty="0" smtClean="0">
+                          <a:solidFill>
+                            <a:schemeClr val="accent3">
+                              <a:lumMod val="75000"/>
+                            </a:schemeClr>
+                          </a:solidFill>
+                        </a:rPr>
+                        <a:t>).</a:t>
+                      </a:r>
+                      <a:endParaRPr lang="es-ES" sz="1600" dirty="0"/>
                     </a:p>
                   </a:txBody>
                   <a:tcPr/>
@@ -49060,9 +50167,40 @@
                         <a:buChar char="•"/>
                       </a:pPr>
                       <a:r>
-                        <a:rPr lang="es-ES" dirty="0"/>
-                        <a:t>Fallecimiento cónyuge, pareja de hecho o parientes hasta el segundo grado por consanguineidad o afinidad</a:t>
+                        <a:rPr lang="es-ES" sz="1600" dirty="0"/>
+                        <a:t>Fallecimiento cónyuge, pareja de hecho o parientes hasta el segundo grado por consanguineidad o </a:t>
                       </a:r>
+                      <a:r>
+                        <a:rPr lang="es-ES" sz="1600" dirty="0" smtClean="0"/>
+                        <a:t>afinidad </a:t>
+                      </a:r>
+                      <a:r>
+                        <a:rPr lang="es-ES" sz="1600" dirty="0" smtClean="0">
+                          <a:solidFill>
+                            <a:schemeClr val="accent3">
+                              <a:lumMod val="75000"/>
+                            </a:schemeClr>
+                          </a:solidFill>
+                        </a:rPr>
+                        <a:t>(2 o 4 días dependiendo de si</a:t>
+                      </a:r>
+                      <a:r>
+                        <a:rPr lang="es-ES" sz="1600" baseline="0" dirty="0" smtClean="0">
+                          <a:solidFill>
+                            <a:schemeClr val="accent3">
+                              <a:lumMod val="75000"/>
+                            </a:schemeClr>
+                          </a:solidFill>
+                        </a:rPr>
+                        <a:t> hay desplazamiento – cambio de comunidad autónoma??)</a:t>
+                      </a:r>
+                      <a:endParaRPr lang="es-ES" sz="1600" dirty="0">
+                        <a:solidFill>
+                          <a:schemeClr val="accent3">
+                            <a:lumMod val="75000"/>
+                          </a:schemeClr>
+                        </a:solidFill>
+                      </a:endParaRPr>
                     </a:p>
                   </a:txBody>
                   <a:tcPr/>
@@ -49084,9 +50222,30 @@
                         <a:buChar char="•"/>
                       </a:pPr>
                       <a:r>
-                        <a:rPr lang="es-ES" dirty="0"/>
-                        <a:t>Traslado de domicilio</a:t>
+                        <a:rPr lang="es-ES" sz="1600" dirty="0"/>
+                        <a:t>Traslado de </a:t>
                       </a:r>
+                      <a:r>
+                        <a:rPr lang="es-ES" sz="1600" dirty="0" smtClean="0"/>
+                        <a:t>domicilio </a:t>
+                      </a:r>
+                      <a:r>
+                        <a:rPr lang="es-ES" sz="1600" dirty="0" smtClean="0">
+                          <a:solidFill>
+                            <a:schemeClr val="accent3">
+                              <a:lumMod val="75000"/>
+                            </a:schemeClr>
+                          </a:solidFill>
+                        </a:rPr>
+                        <a:t>(1 día)</a:t>
+                      </a:r>
+                      <a:endParaRPr lang="es-ES" sz="1600" dirty="0">
+                        <a:solidFill>
+                          <a:schemeClr val="accent3">
+                            <a:lumMod val="75000"/>
+                          </a:schemeClr>
+                        </a:solidFill>
+                      </a:endParaRPr>
                     </a:p>
                   </a:txBody>
                   <a:tcPr/>
@@ -49108,9 +50267,40 @@
                         <a:buChar char="•"/>
                       </a:pPr>
                       <a:r>
-                        <a:rPr lang="es-ES" dirty="0"/>
-                        <a:t>Deber de carácter público</a:t>
+                        <a:rPr lang="es-ES" sz="1600" dirty="0"/>
+                        <a:t>Deber de carácter </a:t>
                       </a:r>
+                      <a:r>
+                        <a:rPr lang="es-ES" sz="1600" dirty="0" smtClean="0"/>
+                        <a:t>público </a:t>
+                      </a:r>
+                      <a:r>
+                        <a:rPr lang="es-ES" sz="1600" dirty="0" smtClean="0">
+                          <a:solidFill>
+                            <a:schemeClr val="accent3">
+                              <a:lumMod val="75000"/>
+                            </a:schemeClr>
+                          </a:solidFill>
+                        </a:rPr>
+                        <a:t>(mesa electoral,</a:t>
+                      </a:r>
+                      <a:r>
+                        <a:rPr lang="es-ES" sz="1600" baseline="0" dirty="0" smtClean="0">
+                          <a:solidFill>
+                            <a:schemeClr val="accent3">
+                              <a:lumMod val="75000"/>
+                            </a:schemeClr>
+                          </a:solidFill>
+                        </a:rPr>
+                        <a:t> miembro de un jurado… lo que dure)</a:t>
+                      </a:r>
+                      <a:endParaRPr lang="es-ES" sz="1600" dirty="0">
+                        <a:solidFill>
+                          <a:schemeClr val="accent3">
+                            <a:lumMod val="75000"/>
+                          </a:schemeClr>
+                        </a:solidFill>
+                      </a:endParaRPr>
                     </a:p>
                   </a:txBody>
                   <a:tcPr/>
@@ -49132,9 +50322,40 @@
                         <a:buChar char="•"/>
                       </a:pPr>
                       <a:r>
-                        <a:rPr lang="es-ES" dirty="0"/>
-                        <a:t>Funciones sindicales</a:t>
+                        <a:rPr lang="es-ES" sz="1600" dirty="0"/>
+                        <a:t>Funciones </a:t>
                       </a:r>
+                      <a:r>
+                        <a:rPr lang="es-ES" sz="1600" dirty="0" smtClean="0"/>
+                        <a:t>sindicales </a:t>
+                      </a:r>
+                      <a:r>
+                        <a:rPr lang="es-ES" sz="1600" dirty="0" smtClean="0">
+                          <a:solidFill>
+                            <a:schemeClr val="accent3">
+                              <a:lumMod val="75000"/>
+                            </a:schemeClr>
+                          </a:solidFill>
+                        </a:rPr>
+                        <a:t>( Lo que establezca</a:t>
+                      </a:r>
+                      <a:r>
+                        <a:rPr lang="es-ES" sz="1600" baseline="0" dirty="0" smtClean="0">
+                          <a:solidFill>
+                            <a:schemeClr val="accent3">
+                              <a:lumMod val="75000"/>
+                            </a:schemeClr>
+                          </a:solidFill>
+                        </a:rPr>
+                        <a:t> el convenio colectivo).</a:t>
+                      </a:r>
+                      <a:endParaRPr lang="es-ES" sz="1600" dirty="0">
+                        <a:solidFill>
+                          <a:schemeClr val="accent3">
+                            <a:lumMod val="75000"/>
+                          </a:schemeClr>
+                        </a:solidFill>
+                      </a:endParaRPr>
                     </a:p>
                   </a:txBody>
                   <a:tcPr/>
@@ -49156,9 +50377,34 @@
                         <a:buChar char="•"/>
                       </a:pPr>
                       <a:r>
-                        <a:rPr lang="es-ES" dirty="0"/>
-                        <a:t>Exámenes para la obtención de título académico.</a:t>
+                        <a:rPr lang="es-ES" sz="1600" dirty="0"/>
+                        <a:t>Exámenes para la obtención de título </a:t>
                       </a:r>
+                      <a:r>
+                        <a:rPr lang="es-ES" sz="1600" dirty="0" smtClean="0"/>
+                        <a:t>académico</a:t>
+                      </a:r>
+                      <a:r>
+                        <a:rPr lang="es-ES" sz="1600" baseline="0" dirty="0" smtClean="0"/>
+                        <a:t>. </a:t>
+                      </a:r>
+                      <a:r>
+                        <a:rPr lang="es-ES" sz="1600" baseline="0" dirty="0" smtClean="0">
+                          <a:solidFill>
+                            <a:schemeClr val="accent3">
+                              <a:lumMod val="75000"/>
+                            </a:schemeClr>
+                          </a:solidFill>
+                        </a:rPr>
+                        <a:t>( Hay que ir al convenio colectivo, pero normalmente, lo que dure el examen oficial –de conducir, título,…-)</a:t>
+                      </a:r>
+                      <a:endParaRPr lang="es-ES" sz="1600" dirty="0">
+                        <a:solidFill>
+                          <a:schemeClr val="accent3">
+                            <a:lumMod val="75000"/>
+                          </a:schemeClr>
+                        </a:solidFill>
+                      </a:endParaRPr>
                     </a:p>
                   </a:txBody>
                   <a:tcPr/>
@@ -49189,8 +50435,8 @@
         </p:blipFill>
         <p:spPr>
           <a:xfrm>
-            <a:off x="6286969" y="1492819"/>
-            <a:ext cx="5199492" cy="3866972"/>
+            <a:off x="7456516" y="1046849"/>
+            <a:ext cx="4621874" cy="5579280"/>
           </a:xfrm>
           <a:prstGeom prst="rect">
             <a:avLst/>
@@ -49250,8 +50496,8 @@
         </p:nvSpPr>
         <p:spPr>
           <a:xfrm>
-            <a:off x="685801" y="685801"/>
-            <a:ext cx="10396882" cy="520148"/>
+            <a:off x="365760" y="685801"/>
+            <a:ext cx="10716923" cy="520148"/>
           </a:xfrm>
           <a:solidFill>
             <a:schemeClr val="bg1"/>
@@ -49280,14 +50526,14 @@
           <p:nvPr>
             <p:extLst>
               <p:ext uri="{D42A27DB-BD31-4B8C-83A1-F6EECF244321}">
-                <p14:modId xmlns:p14="http://schemas.microsoft.com/office/powerpoint/2010/main" val="392059272"/>
+                <p14:modId xmlns:p14="http://schemas.microsoft.com/office/powerpoint/2010/main" val="2892489664"/>
               </p:ext>
             </p:extLst>
           </p:nvPr>
         </p:nvGraphicFramePr>
         <p:xfrm>
-          <a:off x="964096" y="1687074"/>
-          <a:ext cx="6655904" cy="2285998"/>
+          <a:off x="365760" y="1687074"/>
+          <a:ext cx="8079970" cy="2874633"/>
         </p:xfrm>
         <a:graphic>
           <a:graphicData uri="http://schemas.openxmlformats.org/drawingml/2006/table">
@@ -49296,14 +50542,14 @@
                 <a:tableStyleId>{5C22544A-7EE6-4342-B048-85BDC9FD1C3A}</a:tableStyleId>
               </a:tblPr>
               <a:tblGrid>
-                <a:gridCol w="3327952">
+                <a:gridCol w="2610196">
                   <a:extLst>
                     <a:ext uri="{9D8B030D-6E8A-4147-A177-3AD203B41FA5}">
                       <a16:colId xmlns:a16="http://schemas.microsoft.com/office/drawing/2014/main" val="1045913221"/>
                     </a:ext>
                   </a:extLst>
                 </a:gridCol>
-                <a:gridCol w="3327952">
+                <a:gridCol w="5469774">
                   <a:extLst>
                     <a:ext uri="{9D8B030D-6E8A-4147-A177-3AD203B41FA5}">
                       <a16:colId xmlns:a16="http://schemas.microsoft.com/office/drawing/2014/main" val="4119971334"/>
@@ -49373,9 +50619,22 @@
                     <a:bodyPr/>
                     <a:lstStyle/>
                     <a:p>
+                      <a:pPr algn="just"/>
+                      <a:r>
+                        <a:rPr lang="es-ES" dirty="0" smtClean="0">
+                          <a:solidFill>
+                            <a:schemeClr val="accent3">
+                              <a:lumMod val="75000"/>
+                            </a:schemeClr>
+                          </a:solidFill>
+                        </a:rPr>
+                        <a:t>30 días naturales (2,5 días por mes trabajado)</a:t>
+                      </a:r>
                       <a:endParaRPr lang="es-ES" dirty="0">
                         <a:solidFill>
-                          <a:schemeClr val="tx2"/>
+                          <a:schemeClr val="accent3">
+                            <a:lumMod val="75000"/>
+                          </a:schemeClr>
                         </a:solidFill>
                       </a:endParaRPr>
                     </a:p>
@@ -49415,9 +50674,32 @@
                     <a:bodyPr/>
                     <a:lstStyle/>
                     <a:p>
+                      <a:pPr algn="just"/>
+                      <a:r>
+                        <a:rPr lang="es-ES" dirty="0" smtClean="0">
+                          <a:solidFill>
+                            <a:schemeClr val="accent3">
+                              <a:lumMod val="75000"/>
+                            </a:schemeClr>
+                          </a:solidFill>
+                        </a:rPr>
+                        <a:t>Mismo año en el que se devengan, es decir, cuando se generan (algunos convenios</a:t>
+                      </a:r>
+                      <a:r>
+                        <a:rPr lang="es-ES" baseline="0" dirty="0" smtClean="0">
+                          <a:solidFill>
+                            <a:schemeClr val="accent3">
+                              <a:lumMod val="75000"/>
+                            </a:schemeClr>
+                          </a:solidFill>
+                        </a:rPr>
+                        <a:t> permiten disfrutarlo más adelante)</a:t>
+                      </a:r>
                       <a:endParaRPr lang="es-ES" dirty="0">
                         <a:solidFill>
-                          <a:schemeClr val="tx2"/>
+                          <a:schemeClr val="accent3">
+                            <a:lumMod val="75000"/>
+                          </a:schemeClr>
                         </a:solidFill>
                       </a:endParaRPr>
                     </a:p>
@@ -49457,9 +50739,22 @@
                     <a:bodyPr/>
                     <a:lstStyle/>
                     <a:p>
+                      <a:pPr algn="just"/>
+                      <a:r>
+                        <a:rPr lang="es-ES" dirty="0" smtClean="0">
+                          <a:solidFill>
+                            <a:schemeClr val="accent3">
+                              <a:lumMod val="75000"/>
+                            </a:schemeClr>
+                          </a:solidFill>
+                        </a:rPr>
+                        <a:t>Conocerlo al menos con dos meses de antelación.</a:t>
+                      </a:r>
                       <a:endParaRPr lang="es-ES" dirty="0">
                         <a:solidFill>
-                          <a:schemeClr val="tx2"/>
+                          <a:schemeClr val="accent3">
+                            <a:lumMod val="75000"/>
+                          </a:schemeClr>
                         </a:solidFill>
                       </a:endParaRPr>
                     </a:p>
@@ -49499,9 +50794,22 @@
                     <a:bodyPr/>
                     <a:lstStyle/>
                     <a:p>
+                      <a:pPr algn="just"/>
+                      <a:r>
+                        <a:rPr lang="es-ES" dirty="0" smtClean="0">
+                          <a:solidFill>
+                            <a:schemeClr val="accent3">
+                              <a:lumMod val="75000"/>
+                            </a:schemeClr>
+                          </a:solidFill>
+                        </a:rPr>
+                        <a:t>Son pagadas.</a:t>
+                      </a:r>
                       <a:endParaRPr lang="es-ES" dirty="0">
                         <a:solidFill>
-                          <a:schemeClr val="tx2"/>
+                          <a:schemeClr val="accent3">
+                            <a:lumMod val="75000"/>
+                          </a:schemeClr>
                         </a:solidFill>
                       </a:endParaRPr>
                     </a:p>
@@ -49527,14 +50835,14 @@
           <p:nvPr>
             <p:extLst>
               <p:ext uri="{D42A27DB-BD31-4B8C-83A1-F6EECF244321}">
-                <p14:modId xmlns:p14="http://schemas.microsoft.com/office/powerpoint/2010/main" val="2781387724"/>
+                <p14:modId xmlns:p14="http://schemas.microsoft.com/office/powerpoint/2010/main" val="1293158017"/>
               </p:ext>
             </p:extLst>
           </p:nvPr>
         </p:nvGraphicFramePr>
         <p:xfrm>
-          <a:off x="964096" y="4346346"/>
-          <a:ext cx="8128000" cy="2286000"/>
+          <a:off x="781216" y="4720419"/>
+          <a:ext cx="10150020" cy="2011680"/>
         </p:xfrm>
         <a:graphic>
           <a:graphicData uri="http://schemas.openxmlformats.org/drawingml/2006/table">
@@ -49543,7 +50851,7 @@
                 <a:tableStyleId>{5C22544A-7EE6-4342-B048-85BDC9FD1C3A}</a:tableStyleId>
               </a:tblPr>
               <a:tblGrid>
-                <a:gridCol w="8128000">
+                <a:gridCol w="10150020">
                   <a:extLst>
                     <a:ext uri="{9D8B030D-6E8A-4147-A177-3AD203B41FA5}">
                       <a16:colId xmlns:a16="http://schemas.microsoft.com/office/drawing/2014/main" val="251778457"/>

--- a/PROGRAMACION/FOL/TEMA 3 FOL 2023 2024.pptx
+++ b/PROGRAMACION/FOL/TEMA 3 FOL 2023 2024.pptx
@@ -9576,8 +9576,22 @@
         <a:lstStyle/>
         <a:p>
           <a:r>
+            <a:rPr lang="es-ES" dirty="0" smtClean="0">
+              <a:solidFill>
+                <a:schemeClr val="accent2"/>
+              </a:solidFill>
+            </a:rPr>
+            <a:t>Yo podría:</a:t>
+          </a:r>
+        </a:p>
+        <a:p>
+          <a:r>
+            <a:rPr lang="es-ES" dirty="0" smtClean="0"/>
+            <a:t>Aceptar </a:t>
+          </a:r>
+          <a:r>
             <a:rPr lang="es-ES" dirty="0"/>
-            <a:t>Aceptar el traslado</a:t>
+            <a:t>el traslado</a:t>
           </a:r>
         </a:p>
       </dgm:t>
@@ -9613,8 +9627,41 @@
         <a:p>
           <a:r>
             <a:rPr lang="es-ES" dirty="0"/>
-            <a:t>Oponerse y extinguir el contrato</a:t>
+            <a:t>Oponerse y extinguir el </a:t>
           </a:r>
+          <a:r>
+            <a:rPr lang="es-ES" dirty="0" smtClean="0"/>
+            <a:t>contrato </a:t>
+          </a:r>
+          <a:r>
+            <a:rPr lang="es-ES" dirty="0" smtClean="0">
+              <a:solidFill>
+                <a:schemeClr val="accent2"/>
+              </a:solidFill>
+            </a:rPr>
+            <a:t>Tengo derecho a indemnización de 20 días de salario por año trabajado. Necesito conocer antigüedad y salario diario. </a:t>
+          </a:r>
+          <a:r>
+            <a:rPr lang="es-ES" dirty="0" err="1" smtClean="0">
+              <a:solidFill>
+                <a:schemeClr val="accent2"/>
+              </a:solidFill>
+            </a:rPr>
+            <a:t>Ej</a:t>
+          </a:r>
+          <a:r>
+            <a:rPr lang="es-ES" dirty="0" smtClean="0">
+              <a:solidFill>
+                <a:schemeClr val="accent2"/>
+              </a:solidFill>
+            </a:rPr>
+            <a:t>: 100€diariosX10 años X20 días al año=20000€.</a:t>
+          </a:r>
+          <a:endParaRPr lang="es-ES" dirty="0">
+            <a:solidFill>
+              <a:schemeClr val="accent2"/>
+            </a:solidFill>
+          </a:endParaRPr>
         </a:p>
       </dgm:t>
     </dgm:pt>
@@ -9649,8 +9696,25 @@
         <a:p>
           <a:r>
             <a:rPr lang="es-ES" dirty="0"/>
-            <a:t>Oponerse y acudir a los tribunales</a:t>
+            <a:t>Oponerse y acudir a los </a:t>
           </a:r>
+          <a:r>
+            <a:rPr lang="es-ES" dirty="0" smtClean="0"/>
+            <a:t>tribunales: </a:t>
+          </a:r>
+          <a:r>
+            <a:rPr lang="es-ES" dirty="0" smtClean="0">
+              <a:solidFill>
+                <a:schemeClr val="accent2"/>
+              </a:solidFill>
+            </a:rPr>
+            <a:t>Podría volver a mi puesto original si me dan la razón los tribunales.</a:t>
+          </a:r>
+          <a:endParaRPr lang="es-ES" dirty="0">
+            <a:solidFill>
+              <a:schemeClr val="accent2"/>
+            </a:solidFill>
+          </a:endParaRPr>
         </a:p>
       </dgm:t>
     </dgm:pt>
@@ -10371,8 +10435,24 @@
             <a:t>A. </a:t>
           </a:r>
           <a:r>
+            <a:rPr lang="es-ES" dirty="0" smtClean="0"/>
+            <a:t>Aceptar </a:t>
+          </a:r>
+          <a:r>
+            <a:rPr lang="es-ES" u="sng" dirty="0" smtClean="0">
+              <a:solidFill>
+                <a:schemeClr val="accent2"/>
+              </a:solidFill>
+            </a:rPr>
+            <a:t>la modificación </a:t>
+          </a:r>
+          <a:r>
+            <a:rPr lang="es-ES" dirty="0" smtClean="0"/>
+            <a:t>y </a:t>
+          </a:r>
+          <a:r>
             <a:rPr lang="es-ES" dirty="0"/>
-            <a:t>Aceptar el traslado y no recurrir</a:t>
+            <a:t>no recurrir</a:t>
           </a:r>
         </a:p>
       </dgm:t>
@@ -10497,8 +10577,25 @@
           <a:pPr algn="just"/>
           <a:r>
             <a:rPr lang="es-ES" sz="1600" dirty="0"/>
-            <a:t>Cuando afecta a la jornada, el horario, los turnos o la remuneración o una movilidad funcional que excede los límites estudiados</a:t>
+            <a:t>Cuando afecta a la jornada, el horario, los turnos o la remuneración o una movilidad funcional que excede los límites </a:t>
           </a:r>
+          <a:r>
+            <a:rPr lang="es-ES" sz="1600" dirty="0" smtClean="0"/>
+            <a:t>estudiados. </a:t>
+          </a:r>
+          <a:r>
+            <a:rPr lang="es-ES" sz="1600" dirty="0" smtClean="0">
+              <a:solidFill>
+                <a:schemeClr val="accent2"/>
+              </a:solidFill>
+            </a:rPr>
+            <a:t>Con indemnización de 20 días por año trabajado.</a:t>
+          </a:r>
+          <a:endParaRPr lang="es-ES" sz="1600" dirty="0">
+            <a:solidFill>
+              <a:schemeClr val="accent2"/>
+            </a:solidFill>
+          </a:endParaRPr>
         </a:p>
       </dgm:t>
     </dgm:pt>
@@ -14587,8 +14684,8 @@
       </dsp:nvSpPr>
       <dsp:spPr>
         <a:xfrm>
-          <a:off x="1433" y="1334030"/>
-          <a:ext cx="2659135" cy="1213543"/>
+          <a:off x="1986" y="1385865"/>
+          <a:ext cx="2742587" cy="1251628"/>
         </a:xfrm>
         <a:prstGeom prst="roundRect">
           <a:avLst>
@@ -14633,12 +14730,12 @@
         </a:fontRef>
       </dsp:style>
       <dsp:txBody>
-        <a:bodyPr spcFirstLastPara="0" vert="horz" wrap="square" lIns="10795" tIns="10795" rIns="10795" bIns="10795" numCol="1" spcCol="1270" anchor="ctr" anchorCtr="0">
+        <a:bodyPr spcFirstLastPara="0" vert="horz" wrap="square" lIns="6350" tIns="6350" rIns="6350" bIns="6350" numCol="1" spcCol="1270" anchor="ctr" anchorCtr="0">
           <a:noAutofit/>
         </a:bodyPr>
         <a:lstStyle/>
         <a:p>
-          <a:pPr lvl="0" algn="ctr" defTabSz="755650">
+          <a:pPr lvl="0" algn="ctr" defTabSz="444500">
             <a:lnSpc>
               <a:spcPct val="90000"/>
             </a:lnSpc>
@@ -14650,12 +14747,12 @@
             </a:spcAft>
           </a:pPr>
           <a:r>
-            <a:rPr lang="es-ES" sz="1700" b="1" kern="1200" dirty="0"/>
+            <a:rPr lang="es-ES" sz="1000" b="1" kern="1200" dirty="0"/>
             <a:t>OPCIONES</a:t>
           </a:r>
         </a:p>
         <a:p>
-          <a:pPr lvl="0" algn="ctr" defTabSz="755650">
+          <a:pPr lvl="0" algn="ctr" defTabSz="444500">
             <a:lnSpc>
               <a:spcPct val="90000"/>
             </a:lnSpc>
@@ -14667,14 +14764,14 @@
             </a:spcAft>
           </a:pPr>
           <a:r>
-            <a:rPr lang="es-ES" sz="1700" kern="1200" dirty="0"/>
+            <a:rPr lang="es-ES" sz="1000" kern="1200" dirty="0"/>
             <a:t>(Debe ser notificado con una antelación mínima de 30 días)</a:t>
           </a:r>
         </a:p>
       </dsp:txBody>
       <dsp:txXfrm>
-        <a:off x="36976" y="1369573"/>
-        <a:ext cx="2588049" cy="1142457"/>
+        <a:off x="38645" y="1422524"/>
+        <a:ext cx="2669269" cy="1178310"/>
       </dsp:txXfrm>
     </dsp:sp>
     <dsp:sp modelId="{F88EAA99-1E1D-4FE8-9FAE-99F8C15B475D}">
@@ -14684,8 +14781,8 @@
       </dsp:nvSpPr>
       <dsp:spPr>
         <a:xfrm rot="18289469">
-          <a:off x="2373286" y="1368824"/>
-          <a:ext cx="1339514" cy="44340"/>
+          <a:off x="2448274" y="1422557"/>
+          <a:ext cx="1381552" cy="44121"/>
         </a:xfrm>
         <a:custGeom>
           <a:avLst/>
@@ -14696,10 +14793,10 @@
           <a:pathLst>
             <a:path>
               <a:moveTo>
-                <a:pt x="0" y="22170"/>
+                <a:pt x="0" y="22060"/>
               </a:moveTo>
               <a:lnTo>
-                <a:pt x="1339514" y="22170"/>
+                <a:pt x="1381552" y="22060"/>
               </a:lnTo>
             </a:path>
           </a:pathLst>
@@ -14753,8 +14850,8 @@
         </a:p>
       </dsp:txBody>
       <dsp:txXfrm>
-        <a:off x="3009555" y="1357507"/>
-        <a:ext cx="66975" cy="66975"/>
+        <a:off x="3104512" y="1410078"/>
+        <a:ext cx="69077" cy="69077"/>
       </dsp:txXfrm>
     </dsp:sp>
     <dsp:sp modelId="{C3257237-F1C9-4F4C-A955-5B6EA16F32D2}">
@@ -14764,8 +14861,8 @@
       </dsp:nvSpPr>
       <dsp:spPr>
         <a:xfrm>
-          <a:off x="3425517" y="363094"/>
-          <a:ext cx="2210989" cy="956186"/>
+          <a:off x="3533528" y="384458"/>
+          <a:ext cx="2280377" cy="986194"/>
         </a:xfrm>
         <a:prstGeom prst="roundRect">
           <a:avLst>
@@ -14810,12 +14907,12 @@
         </a:fontRef>
       </dsp:style>
       <dsp:txBody>
-        <a:bodyPr spcFirstLastPara="0" vert="horz" wrap="square" lIns="10795" tIns="10795" rIns="10795" bIns="10795" numCol="1" spcCol="1270" anchor="ctr" anchorCtr="0">
+        <a:bodyPr spcFirstLastPara="0" vert="horz" wrap="square" lIns="6350" tIns="6350" rIns="6350" bIns="6350" numCol="1" spcCol="1270" anchor="ctr" anchorCtr="0">
           <a:noAutofit/>
         </a:bodyPr>
         <a:lstStyle/>
         <a:p>
-          <a:pPr lvl="0" algn="ctr" defTabSz="755650">
+          <a:pPr lvl="0" algn="ctr" defTabSz="444500">
             <a:lnSpc>
               <a:spcPct val="90000"/>
             </a:lnSpc>
@@ -14827,14 +14924,39 @@
             </a:spcAft>
           </a:pPr>
           <a:r>
-            <a:rPr lang="es-ES" sz="1700" kern="1200" dirty="0"/>
-            <a:t>Aceptar el traslado</a:t>
+            <a:rPr lang="es-ES" sz="1000" kern="1200" dirty="0" smtClean="0">
+              <a:solidFill>
+                <a:schemeClr val="accent2"/>
+              </a:solidFill>
+            </a:rPr>
+            <a:t>Yo podría:</a:t>
+          </a:r>
+        </a:p>
+        <a:p>
+          <a:pPr lvl="0" algn="ctr" defTabSz="444500">
+            <a:lnSpc>
+              <a:spcPct val="90000"/>
+            </a:lnSpc>
+            <a:spcBef>
+              <a:spcPct val="0"/>
+            </a:spcBef>
+            <a:spcAft>
+              <a:spcPct val="35000"/>
+            </a:spcAft>
+          </a:pPr>
+          <a:r>
+            <a:rPr lang="es-ES" sz="1000" kern="1200" dirty="0" smtClean="0"/>
+            <a:t>Aceptar </a:t>
+          </a:r>
+          <a:r>
+            <a:rPr lang="es-ES" sz="1000" kern="1200" dirty="0"/>
+            <a:t>el traslado</a:t>
           </a:r>
         </a:p>
       </dsp:txBody>
       <dsp:txXfrm>
-        <a:off x="3453523" y="391100"/>
-        <a:ext cx="2154977" cy="900174"/>
+        <a:off x="3562413" y="413343"/>
+        <a:ext cx="2222607" cy="928424"/>
       </dsp:txXfrm>
     </dsp:sp>
     <dsp:sp modelId="{DD5FBFB2-866B-4DAB-9E5A-E187F7F7BA95}">
@@ -14844,8 +14966,8 @@
       </dsp:nvSpPr>
       <dsp:spPr>
         <a:xfrm>
-          <a:off x="2660568" y="1918632"/>
-          <a:ext cx="764949" cy="44340"/>
+          <a:off x="2744573" y="1989618"/>
+          <a:ext cx="788955" cy="44121"/>
         </a:xfrm>
         <a:custGeom>
           <a:avLst/>
@@ -14856,10 +14978,10 @@
           <a:pathLst>
             <a:path>
               <a:moveTo>
-                <a:pt x="0" y="22170"/>
+                <a:pt x="0" y="22060"/>
               </a:moveTo>
               <a:lnTo>
-                <a:pt x="764949" y="22170"/>
+                <a:pt x="788955" y="22060"/>
               </a:lnTo>
             </a:path>
           </a:pathLst>
@@ -14913,8 +15035,8 @@
         </a:p>
       </dsp:txBody>
       <dsp:txXfrm>
-        <a:off x="3023919" y="1921678"/>
-        <a:ext cx="38247" cy="38247"/>
+        <a:off x="3119327" y="1991955"/>
+        <a:ext cx="39447" cy="39447"/>
       </dsp:txXfrm>
     </dsp:sp>
     <dsp:sp modelId="{14D5E894-16A6-4B43-ACA7-4DFA85A6DD1D}">
@@ -14924,8 +15046,8 @@
       </dsp:nvSpPr>
       <dsp:spPr>
         <a:xfrm>
-          <a:off x="3425517" y="1462709"/>
-          <a:ext cx="2251493" cy="956186"/>
+          <a:off x="3533528" y="1518582"/>
+          <a:ext cx="2322152" cy="986194"/>
         </a:xfrm>
         <a:prstGeom prst="roundRect">
           <a:avLst>
@@ -14970,12 +15092,12 @@
         </a:fontRef>
       </dsp:style>
       <dsp:txBody>
-        <a:bodyPr spcFirstLastPara="0" vert="horz" wrap="square" lIns="10795" tIns="10795" rIns="10795" bIns="10795" numCol="1" spcCol="1270" anchor="ctr" anchorCtr="0">
+        <a:bodyPr spcFirstLastPara="0" vert="horz" wrap="square" lIns="6350" tIns="6350" rIns="6350" bIns="6350" numCol="1" spcCol="1270" anchor="ctr" anchorCtr="0">
           <a:noAutofit/>
         </a:bodyPr>
         <a:lstStyle/>
         <a:p>
-          <a:pPr lvl="0" algn="ctr" defTabSz="755650">
+          <a:pPr lvl="0" algn="ctr" defTabSz="444500">
             <a:lnSpc>
               <a:spcPct val="90000"/>
             </a:lnSpc>
@@ -14987,14 +15109,47 @@
             </a:spcAft>
           </a:pPr>
           <a:r>
-            <a:rPr lang="es-ES" sz="1700" kern="1200" dirty="0"/>
-            <a:t>Oponerse y extinguir el contrato</a:t>
+            <a:rPr lang="es-ES" sz="1000" kern="1200" dirty="0"/>
+            <a:t>Oponerse y extinguir el </a:t>
           </a:r>
+          <a:r>
+            <a:rPr lang="es-ES" sz="1000" kern="1200" dirty="0" smtClean="0"/>
+            <a:t>contrato </a:t>
+          </a:r>
+          <a:r>
+            <a:rPr lang="es-ES" sz="1000" kern="1200" dirty="0" smtClean="0">
+              <a:solidFill>
+                <a:schemeClr val="accent2"/>
+              </a:solidFill>
+            </a:rPr>
+            <a:t>Tengo derecho a indemnización de 20 días de salario por año trabajado. Necesito conocer antigüedad y salario diario. </a:t>
+          </a:r>
+          <a:r>
+            <a:rPr lang="es-ES" sz="1000" kern="1200" dirty="0" err="1" smtClean="0">
+              <a:solidFill>
+                <a:schemeClr val="accent2"/>
+              </a:solidFill>
+            </a:rPr>
+            <a:t>Ej</a:t>
+          </a:r>
+          <a:r>
+            <a:rPr lang="es-ES" sz="1000" kern="1200" dirty="0" smtClean="0">
+              <a:solidFill>
+                <a:schemeClr val="accent2"/>
+              </a:solidFill>
+            </a:rPr>
+            <a:t>: 100€diariosX10 años X20 días al año=20000€.</a:t>
+          </a:r>
+          <a:endParaRPr lang="es-ES" sz="1000" kern="1200" dirty="0">
+            <a:solidFill>
+              <a:schemeClr val="accent2"/>
+            </a:solidFill>
+          </a:endParaRPr>
         </a:p>
       </dsp:txBody>
       <dsp:txXfrm>
-        <a:off x="3453523" y="1490715"/>
-        <a:ext cx="2195481" cy="900174"/>
+        <a:off x="3562413" y="1547467"/>
+        <a:ext cx="2264382" cy="928424"/>
       </dsp:txXfrm>
     </dsp:sp>
     <dsp:sp modelId="{8EDAC3DC-D128-4D73-8129-9426DCA05A2B}">
@@ -15004,8 +15159,8 @@
       </dsp:nvSpPr>
       <dsp:spPr>
         <a:xfrm rot="3310531">
-          <a:off x="2373286" y="2468439"/>
-          <a:ext cx="1339514" cy="44340"/>
+          <a:off x="2448274" y="2556680"/>
+          <a:ext cx="1381552" cy="44121"/>
         </a:xfrm>
         <a:custGeom>
           <a:avLst/>
@@ -15016,10 +15171,10 @@
           <a:pathLst>
             <a:path>
               <a:moveTo>
-                <a:pt x="0" y="22170"/>
+                <a:pt x="0" y="22060"/>
               </a:moveTo>
               <a:lnTo>
-                <a:pt x="1339514" y="22170"/>
+                <a:pt x="1381552" y="22060"/>
               </a:lnTo>
             </a:path>
           </a:pathLst>
@@ -15073,8 +15228,8 @@
         </a:p>
       </dsp:txBody>
       <dsp:txXfrm>
-        <a:off x="3009555" y="2457121"/>
-        <a:ext cx="66975" cy="66975"/>
+        <a:off x="3104512" y="2544202"/>
+        <a:ext cx="69077" cy="69077"/>
       </dsp:txXfrm>
     </dsp:sp>
     <dsp:sp modelId="{367124F5-39B4-452A-B559-C800A5D27F1D}">
@@ -15084,8 +15239,8 @@
       </dsp:nvSpPr>
       <dsp:spPr>
         <a:xfrm>
-          <a:off x="3425517" y="2562323"/>
-          <a:ext cx="2295784" cy="956186"/>
+          <a:off x="3533528" y="2652705"/>
+          <a:ext cx="2367833" cy="986194"/>
         </a:xfrm>
         <a:prstGeom prst="roundRect">
           <a:avLst>
@@ -15130,12 +15285,12 @@
         </a:fontRef>
       </dsp:style>
       <dsp:txBody>
-        <a:bodyPr spcFirstLastPara="0" vert="horz" wrap="square" lIns="10795" tIns="10795" rIns="10795" bIns="10795" numCol="1" spcCol="1270" anchor="ctr" anchorCtr="0">
+        <a:bodyPr spcFirstLastPara="0" vert="horz" wrap="square" lIns="6350" tIns="6350" rIns="6350" bIns="6350" numCol="1" spcCol="1270" anchor="ctr" anchorCtr="0">
           <a:noAutofit/>
         </a:bodyPr>
         <a:lstStyle/>
         <a:p>
-          <a:pPr lvl="0" algn="ctr" defTabSz="755650">
+          <a:pPr lvl="0" algn="ctr" defTabSz="444500">
             <a:lnSpc>
               <a:spcPct val="90000"/>
             </a:lnSpc>
@@ -15147,14 +15302,31 @@
             </a:spcAft>
           </a:pPr>
           <a:r>
-            <a:rPr lang="es-ES" sz="1700" kern="1200" dirty="0"/>
-            <a:t>Oponerse y acudir a los tribunales</a:t>
+            <a:rPr lang="es-ES" sz="1000" kern="1200" dirty="0"/>
+            <a:t>Oponerse y acudir a los </a:t>
           </a:r>
+          <a:r>
+            <a:rPr lang="es-ES" sz="1000" kern="1200" dirty="0" smtClean="0"/>
+            <a:t>tribunales: </a:t>
+          </a:r>
+          <a:r>
+            <a:rPr lang="es-ES" sz="1000" kern="1200" dirty="0" smtClean="0">
+              <a:solidFill>
+                <a:schemeClr val="accent2"/>
+              </a:solidFill>
+            </a:rPr>
+            <a:t>Podría volver a mi puesto original si me dan la razón los tribunales.</a:t>
+          </a:r>
+          <a:endParaRPr lang="es-ES" sz="1000" kern="1200" dirty="0">
+            <a:solidFill>
+              <a:schemeClr val="accent2"/>
+            </a:solidFill>
+          </a:endParaRPr>
         </a:p>
       </dsp:txBody>
       <dsp:txXfrm>
-        <a:off x="3453523" y="2590329"/>
-        <a:ext cx="2239772" cy="900174"/>
+        <a:off x="3562413" y="2681590"/>
+        <a:ext cx="2310063" cy="928424"/>
       </dsp:txXfrm>
     </dsp:sp>
   </dsp:spTree>
@@ -16171,8 +16343,24 @@
             <a:t>A. </a:t>
           </a:r>
           <a:r>
+            <a:rPr lang="es-ES" sz="1700" kern="1200" dirty="0" smtClean="0"/>
+            <a:t>Aceptar </a:t>
+          </a:r>
+          <a:r>
+            <a:rPr lang="es-ES" sz="1700" u="sng" kern="1200" dirty="0" smtClean="0">
+              <a:solidFill>
+                <a:schemeClr val="accent2"/>
+              </a:solidFill>
+            </a:rPr>
+            <a:t>la modificación </a:t>
+          </a:r>
+          <a:r>
+            <a:rPr lang="es-ES" sz="1700" kern="1200" dirty="0" smtClean="0"/>
+            <a:t>y </a:t>
+          </a:r>
+          <a:r>
             <a:rPr lang="es-ES" sz="1700" kern="1200" dirty="0"/>
-            <a:t>Aceptar el traslado y no recurrir</a:t>
+            <a:t>no recurrir</a:t>
           </a:r>
         </a:p>
       </dsp:txBody>
@@ -16422,8 +16610,25 @@
           </a:pPr>
           <a:r>
             <a:rPr lang="es-ES" sz="1600" kern="1200" dirty="0"/>
-            <a:t>Cuando afecta a la jornada, el horario, los turnos o la remuneración o una movilidad funcional que excede los límites estudiados</a:t>
+            <a:t>Cuando afecta a la jornada, el horario, los turnos o la remuneración o una movilidad funcional que excede los límites </a:t>
           </a:r>
+          <a:r>
+            <a:rPr lang="es-ES" sz="1600" kern="1200" dirty="0" smtClean="0"/>
+            <a:t>estudiados. </a:t>
+          </a:r>
+          <a:r>
+            <a:rPr lang="es-ES" sz="1600" kern="1200" dirty="0" smtClean="0">
+              <a:solidFill>
+                <a:schemeClr val="accent2"/>
+              </a:solidFill>
+            </a:rPr>
+            <a:t>Con indemnización de 20 días por año trabajado.</a:t>
+          </a:r>
+          <a:endParaRPr lang="es-ES" sz="1600" kern="1200" dirty="0">
+            <a:solidFill>
+              <a:schemeClr val="accent2"/>
+            </a:solidFill>
+          </a:endParaRPr>
         </a:p>
       </dsp:txBody>
       <dsp:txXfrm>
@@ -34936,7 +35141,7 @@
           <a:p>
             <a:fld id="{A7F438C5-03A1-463E-A49A-4590B5EA2CF5}" type="datetimeFigureOut">
               <a:rPr lang="es-ES" smtClean="0"/>
-              <a:t>14/11/2023</a:t>
+              <a:t>15/11/2023</a:t>
             </a:fld>
             <a:endParaRPr lang="es-ES"/>
           </a:p>
@@ -35134,7 +35339,7 @@
           <a:p>
             <a:fld id="{A7F438C5-03A1-463E-A49A-4590B5EA2CF5}" type="datetimeFigureOut">
               <a:rPr lang="es-ES" smtClean="0"/>
-              <a:t>14/11/2023</a:t>
+              <a:t>15/11/2023</a:t>
             </a:fld>
             <a:endParaRPr lang="es-ES"/>
           </a:p>
@@ -35342,7 +35547,7 @@
           <a:p>
             <a:fld id="{A7F438C5-03A1-463E-A49A-4590B5EA2CF5}" type="datetimeFigureOut">
               <a:rPr lang="es-ES" smtClean="0"/>
-              <a:t>14/11/2023</a:t>
+              <a:t>15/11/2023</a:t>
             </a:fld>
             <a:endParaRPr lang="es-ES"/>
           </a:p>
@@ -35529,7 +35734,7 @@
           <a:p>
             <a:fld id="{A7F438C5-03A1-463E-A49A-4590B5EA2CF5}" type="datetimeFigureOut">
               <a:rPr lang="es-ES" smtClean="0"/>
-              <a:t>14/11/2023</a:t>
+              <a:t>15/11/2023</a:t>
             </a:fld>
             <a:endParaRPr lang="es-ES"/>
           </a:p>
@@ -35715,7 +35920,7 @@
           <a:p>
             <a:fld id="{A7F438C5-03A1-463E-A49A-4590B5EA2CF5}" type="datetimeFigureOut">
               <a:rPr lang="es-ES" smtClean="0"/>
-              <a:t>14/11/2023</a:t>
+              <a:t>15/11/2023</a:t>
             </a:fld>
             <a:endParaRPr lang="es-ES"/>
           </a:p>
@@ -35990,7 +36195,7 @@
           <a:p>
             <a:fld id="{A7F438C5-03A1-463E-A49A-4590B5EA2CF5}" type="datetimeFigureOut">
               <a:rPr lang="es-ES" smtClean="0"/>
-              <a:t>14/11/2023</a:t>
+              <a:t>15/11/2023</a:t>
             </a:fld>
             <a:endParaRPr lang="es-ES"/>
           </a:p>
@@ -36255,7 +36460,7 @@
           <a:p>
             <a:fld id="{A7F438C5-03A1-463E-A49A-4590B5EA2CF5}" type="datetimeFigureOut">
               <a:rPr lang="es-ES" smtClean="0"/>
-              <a:t>14/11/2023</a:t>
+              <a:t>15/11/2023</a:t>
             </a:fld>
             <a:endParaRPr lang="es-ES"/>
           </a:p>
@@ -36667,7 +36872,7 @@
           <a:p>
             <a:fld id="{A7F438C5-03A1-463E-A49A-4590B5EA2CF5}" type="datetimeFigureOut">
               <a:rPr lang="es-ES" smtClean="0"/>
-              <a:t>14/11/2023</a:t>
+              <a:t>15/11/2023</a:t>
             </a:fld>
             <a:endParaRPr lang="es-ES"/>
           </a:p>
@@ -36808,7 +37013,7 @@
           <a:p>
             <a:fld id="{A7F438C5-03A1-463E-A49A-4590B5EA2CF5}" type="datetimeFigureOut">
               <a:rPr lang="es-ES" smtClean="0"/>
-              <a:t>14/11/2023</a:t>
+              <a:t>15/11/2023</a:t>
             </a:fld>
             <a:endParaRPr lang="es-ES"/>
           </a:p>
@@ -36921,7 +37126,7 @@
           <a:p>
             <a:fld id="{A7F438C5-03A1-463E-A49A-4590B5EA2CF5}" type="datetimeFigureOut">
               <a:rPr lang="es-ES" smtClean="0"/>
-              <a:t>14/11/2023</a:t>
+              <a:t>15/11/2023</a:t>
             </a:fld>
             <a:endParaRPr lang="es-ES"/>
           </a:p>
@@ -37232,7 +37437,7 @@
           <a:p>
             <a:fld id="{A7F438C5-03A1-463E-A49A-4590B5EA2CF5}" type="datetimeFigureOut">
               <a:rPr lang="es-ES" smtClean="0"/>
-              <a:t>14/11/2023</a:t>
+              <a:t>15/11/2023</a:t>
             </a:fld>
             <a:endParaRPr lang="es-ES"/>
           </a:p>
@@ -37520,7 +37725,7 @@
           <a:p>
             <a:fld id="{A7F438C5-03A1-463E-A49A-4590B5EA2CF5}" type="datetimeFigureOut">
               <a:rPr lang="es-ES" smtClean="0"/>
-              <a:t>14/11/2023</a:t>
+              <a:t>15/11/2023</a:t>
             </a:fld>
             <a:endParaRPr lang="es-ES"/>
           </a:p>
@@ -37764,7 +37969,7 @@
           <a:p>
             <a:fld id="{A7F438C5-03A1-463E-A49A-4590B5EA2CF5}" type="datetimeFigureOut">
               <a:rPr lang="es-ES" smtClean="0"/>
-              <a:t>14/11/2023</a:t>
+              <a:t>15/11/2023</a:t>
             </a:fld>
             <a:endParaRPr lang="es-ES"/>
           </a:p>
@@ -38198,7 +38403,7 @@
                 <a16:creationId xmlns:a16="http://schemas.microsoft.com/office/drawing/2014/main" id="{4D327EF6-1201-4218-AA98-3DA5A0F48981}"/>
               </a:ext>
               <a:ext uri="{C183D7F6-B498-43B3-948B-1728B52AA6E4}">
-                <adec:decorative xmlns="" xmlns:adec="http://schemas.microsoft.com/office/drawing/2017/decorative" val="1"/>
+                <adec:decorative xmlns:adec="http://schemas.microsoft.com/office/drawing/2017/decorative" xmlns="" val="1"/>
               </a:ext>
             </a:extLst>
           </p:cNvPr>
@@ -38352,7 +38557,7 @@
                 <a16:creationId xmlns:a16="http://schemas.microsoft.com/office/drawing/2014/main" id="{9864AAEA-8DC4-4D15-864C-B53C5B4CCEE0}"/>
               </a:ext>
               <a:ext uri="{C183D7F6-B498-43B3-948B-1728B52AA6E4}">
-                <adec:decorative xmlns="" xmlns:adec="http://schemas.microsoft.com/office/drawing/2017/decorative" val="1"/>
+                <adec:decorative xmlns:adec="http://schemas.microsoft.com/office/drawing/2017/decorative" xmlns="" val="1"/>
               </a:ext>
             </a:extLst>
           </p:cNvPr>
@@ -38412,7 +38617,7 @@
                 <a16:creationId xmlns:a16="http://schemas.microsoft.com/office/drawing/2014/main" id="{E82F361B-984A-43B6-AFE8-1F14394284E4}"/>
               </a:ext>
               <a:ext uri="{C183D7F6-B498-43B3-948B-1728B52AA6E4}">
-                <adec:decorative xmlns="" xmlns:adec="http://schemas.microsoft.com/office/drawing/2017/decorative" val="1"/>
+                <adec:decorative xmlns:adec="http://schemas.microsoft.com/office/drawing/2017/decorative" xmlns="" val="1"/>
               </a:ext>
             </a:extLst>
           </p:cNvPr>
@@ -38524,7 +38729,7 @@
                 <a16:creationId xmlns:a16="http://schemas.microsoft.com/office/drawing/2014/main" id="{4F2A6A32-9ADF-4DD4-AEA5-0D1FF0F8B490}"/>
               </a:ext>
               <a:ext uri="{C183D7F6-B498-43B3-948B-1728B52AA6E4}">
-                <adec:decorative xmlns="" xmlns:adec="http://schemas.microsoft.com/office/drawing/2017/decorative" val="1"/>
+                <adec:decorative xmlns:adec="http://schemas.microsoft.com/office/drawing/2017/decorative" xmlns="" val="1"/>
               </a:ext>
             </a:extLst>
           </p:cNvPr>
@@ -38738,7 +38943,7 @@
                 <a16:creationId xmlns:a16="http://schemas.microsoft.com/office/drawing/2014/main" id="{AFA67CD3-AB4E-4A7A-BEB8-53C445D8C44E}"/>
               </a:ext>
               <a:ext uri="{C183D7F6-B498-43B3-948B-1728B52AA6E4}">
-                <adec:decorative xmlns="" xmlns:adec="http://schemas.microsoft.com/office/drawing/2017/decorative" val="1"/>
+                <adec:decorative xmlns:adec="http://schemas.microsoft.com/office/drawing/2017/decorative" xmlns="" val="1"/>
               </a:ext>
             </a:extLst>
           </p:cNvPr>
@@ -38824,7 +39029,7 @@
                 <a16:creationId xmlns:a16="http://schemas.microsoft.com/office/drawing/2014/main" id="{07CF545F-9C2E-4446-97CD-AD92990C2B68}"/>
               </a:ext>
               <a:ext uri="{C183D7F6-B498-43B3-948B-1728B52AA6E4}">
-                <adec:decorative xmlns="" xmlns:adec="http://schemas.microsoft.com/office/drawing/2017/decorative" val="1"/>
+                <adec:decorative xmlns:adec="http://schemas.microsoft.com/office/drawing/2017/decorative" xmlns="" val="1"/>
               </a:ext>
             </a:extLst>
           </p:cNvPr>
@@ -38902,7 +39107,7 @@
                 <a16:creationId xmlns:a16="http://schemas.microsoft.com/office/drawing/2014/main" id="{339C8D78-A644-462F-B674-F440635E5353}"/>
               </a:ext>
               <a:ext uri="{C183D7F6-B498-43B3-948B-1728B52AA6E4}">
-                <adec:decorative xmlns="" xmlns:adec="http://schemas.microsoft.com/office/drawing/2017/decorative" val="1"/>
+                <adec:decorative xmlns:adec="http://schemas.microsoft.com/office/drawing/2017/decorative" xmlns="" val="1"/>
               </a:ext>
             </a:extLst>
           </p:cNvPr>
@@ -39089,7 +39294,7 @@
                 <a14:useLocalDpi xmlns:a14="http://schemas.microsoft.com/office/drawing/2010/main" val="0"/>
               </a:ext>
               <a:ext uri="{96DAC541-7B7A-43D3-8B79-37D633B846F1}">
-                <asvg:svgBlip xmlns="" xmlns:asvg="http://schemas.microsoft.com/office/drawing/2016/SVG/main" r:embed="rId4"/>
+                <asvg:svgBlip xmlns:asvg="http://schemas.microsoft.com/office/drawing/2016/SVG/main" xmlns="" r:embed="rId4"/>
               </a:ext>
             </a:extLst>
           </a:blip>
@@ -39256,7 +39461,7 @@
                 <a16:creationId xmlns:a16="http://schemas.microsoft.com/office/drawing/2014/main" id="{3C915414-2809-4735-A560-0D5FE66700D8}"/>
               </a:ext>
               <a:ext uri="{C183D7F6-B498-43B3-948B-1728B52AA6E4}">
-                <adec:decorative xmlns="" xmlns:adec="http://schemas.microsoft.com/office/drawing/2017/decorative" val="1"/>
+                <adec:decorative xmlns:adec="http://schemas.microsoft.com/office/drawing/2017/decorative" xmlns="" val="1"/>
               </a:ext>
             </a:extLst>
           </p:cNvPr>
@@ -39321,7 +39526,7 @@
                 <a16:creationId xmlns:a16="http://schemas.microsoft.com/office/drawing/2014/main" id="{24413201-85BF-4680-A7D4-10CDBD03569C}"/>
               </a:ext>
               <a:ext uri="{C183D7F6-B498-43B3-948B-1728B52AA6E4}">
-                <adec:decorative xmlns="" xmlns:adec="http://schemas.microsoft.com/office/drawing/2017/decorative" val="1"/>
+                <adec:decorative xmlns:adec="http://schemas.microsoft.com/office/drawing/2017/decorative" xmlns="" val="1"/>
               </a:ext>
             </a:extLst>
           </p:cNvPr>
@@ -39352,7 +39557,7 @@
                   <a16:creationId xmlns:a16="http://schemas.microsoft.com/office/drawing/2014/main" id="{1F819D8C-C8E5-4336-9882-79FBF6555189}"/>
                 </a:ext>
                 <a:ext uri="{C183D7F6-B498-43B3-948B-1728B52AA6E4}">
-                  <adec:decorative xmlns="" xmlns:adec="http://schemas.microsoft.com/office/drawing/2017/decorative" val="1"/>
+                  <adec:decorative xmlns:adec="http://schemas.microsoft.com/office/drawing/2017/decorative" xmlns="" val="1"/>
                 </a:ext>
               </a:extLst>
             </p:cNvPr>
@@ -39402,7 +39607,7 @@
                   <a16:creationId xmlns:a16="http://schemas.microsoft.com/office/drawing/2014/main" id="{7D732480-09E4-401A-B2D9-E6C662FBCA29}"/>
                 </a:ext>
                 <a:ext uri="{C183D7F6-B498-43B3-948B-1728B52AA6E4}">
-                  <adec:decorative xmlns="" xmlns:adec="http://schemas.microsoft.com/office/drawing/2017/decorative" val="1"/>
+                  <adec:decorative xmlns:adec="http://schemas.microsoft.com/office/drawing/2017/decorative" xmlns="" val="1"/>
                 </a:ext>
               </a:extLst>
             </p:cNvPr>
@@ -39454,7 +39659,7 @@
                   <a16:creationId xmlns:a16="http://schemas.microsoft.com/office/drawing/2014/main" id="{87D8355C-E417-4D36-91FF-2CC1E1FE9FF3}"/>
                 </a:ext>
                 <a:ext uri="{C183D7F6-B498-43B3-948B-1728B52AA6E4}">
-                  <adec:decorative xmlns="" xmlns:adec="http://schemas.microsoft.com/office/drawing/2017/decorative" val="1"/>
+                  <adec:decorative xmlns:adec="http://schemas.microsoft.com/office/drawing/2017/decorative" xmlns="" val="1"/>
                 </a:ext>
               </a:extLst>
             </p:cNvPr>
@@ -39506,7 +39711,7 @@
                   <a16:creationId xmlns:a16="http://schemas.microsoft.com/office/drawing/2014/main" id="{6ADF7267-EAAE-43CE-ACEF-608328FB1787}"/>
                 </a:ext>
                 <a:ext uri="{C183D7F6-B498-43B3-948B-1728B52AA6E4}">
-                  <adec:decorative xmlns="" xmlns:adec="http://schemas.microsoft.com/office/drawing/2017/decorative" val="1"/>
+                  <adec:decorative xmlns:adec="http://schemas.microsoft.com/office/drawing/2017/decorative" xmlns="" val="1"/>
                 </a:ext>
               </a:extLst>
             </p:cNvPr>
@@ -39558,7 +39763,7 @@
                   <a16:creationId xmlns:a16="http://schemas.microsoft.com/office/drawing/2014/main" id="{54C901E2-0CDB-4316-B262-3B9E68F33502}"/>
                 </a:ext>
                 <a:ext uri="{C183D7F6-B498-43B3-948B-1728B52AA6E4}">
-                  <adec:decorative xmlns="" xmlns:adec="http://schemas.microsoft.com/office/drawing/2017/decorative" val="1"/>
+                  <adec:decorative xmlns:adec="http://schemas.microsoft.com/office/drawing/2017/decorative" xmlns="" val="1"/>
                 </a:ext>
               </a:extLst>
             </p:cNvPr>
@@ -39610,7 +39815,7 @@
                   <a16:creationId xmlns:a16="http://schemas.microsoft.com/office/drawing/2014/main" id="{D8F6D31A-084C-4F10-9A8F-A9645DFB7150}"/>
                 </a:ext>
                 <a:ext uri="{C183D7F6-B498-43B3-948B-1728B52AA6E4}">
-                  <adec:decorative xmlns="" xmlns:adec="http://schemas.microsoft.com/office/drawing/2017/decorative" val="1"/>
+                  <adec:decorative xmlns:adec="http://schemas.microsoft.com/office/drawing/2017/decorative" xmlns="" val="1"/>
                 </a:ext>
               </a:extLst>
             </p:cNvPr>
@@ -39662,7 +39867,7 @@
                   <a16:creationId xmlns:a16="http://schemas.microsoft.com/office/drawing/2014/main" id="{E38E09F0-F130-45B5-B0AF-7EF3F0172AD5}"/>
                 </a:ext>
                 <a:ext uri="{C183D7F6-B498-43B3-948B-1728B52AA6E4}">
-                  <adec:decorative xmlns="" xmlns:adec="http://schemas.microsoft.com/office/drawing/2017/decorative" val="1"/>
+                  <adec:decorative xmlns:adec="http://schemas.microsoft.com/office/drawing/2017/decorative" xmlns="" val="1"/>
                 </a:ext>
               </a:extLst>
             </p:cNvPr>
@@ -39714,7 +39919,7 @@
                   <a16:creationId xmlns:a16="http://schemas.microsoft.com/office/drawing/2014/main" id="{569330E2-17DA-4F0D-B377-6E4499C79A15}"/>
                 </a:ext>
                 <a:ext uri="{C183D7F6-B498-43B3-948B-1728B52AA6E4}">
-                  <adec:decorative xmlns="" xmlns:adec="http://schemas.microsoft.com/office/drawing/2017/decorative" val="1"/>
+                  <adec:decorative xmlns:adec="http://schemas.microsoft.com/office/drawing/2017/decorative" xmlns="" val="1"/>
                 </a:ext>
               </a:extLst>
             </p:cNvPr>
@@ -39766,7 +39971,7 @@
                   <a16:creationId xmlns:a16="http://schemas.microsoft.com/office/drawing/2014/main" id="{A3192707-5744-4C77-8CD6-D682F908009A}"/>
                 </a:ext>
                 <a:ext uri="{C183D7F6-B498-43B3-948B-1728B52AA6E4}">
-                  <adec:decorative xmlns="" xmlns:adec="http://schemas.microsoft.com/office/drawing/2017/decorative" val="1"/>
+                  <adec:decorative xmlns:adec="http://schemas.microsoft.com/office/drawing/2017/decorative" xmlns="" val="1"/>
                 </a:ext>
               </a:extLst>
             </p:cNvPr>
@@ -39818,7 +40023,7 @@
                   <a16:creationId xmlns:a16="http://schemas.microsoft.com/office/drawing/2014/main" id="{E367A44A-5DD0-43B5-B6DB-1CA3BC5AF0B2}"/>
                 </a:ext>
                 <a:ext uri="{C183D7F6-B498-43B3-948B-1728B52AA6E4}">
-                  <adec:decorative xmlns="" xmlns:adec="http://schemas.microsoft.com/office/drawing/2017/decorative" val="1"/>
+                  <adec:decorative xmlns:adec="http://schemas.microsoft.com/office/drawing/2017/decorative" xmlns="" val="1"/>
                 </a:ext>
               </a:extLst>
             </p:cNvPr>
@@ -39870,7 +40075,7 @@
                   <a16:creationId xmlns:a16="http://schemas.microsoft.com/office/drawing/2014/main" id="{280809D1-164B-4A0C-84BB-2AC46F3BDE52}"/>
                 </a:ext>
                 <a:ext uri="{C183D7F6-B498-43B3-948B-1728B52AA6E4}">
-                  <adec:decorative xmlns="" xmlns:adec="http://schemas.microsoft.com/office/drawing/2017/decorative" val="1"/>
+                  <adec:decorative xmlns:adec="http://schemas.microsoft.com/office/drawing/2017/decorative" xmlns="" val="1"/>
                 </a:ext>
               </a:extLst>
             </p:cNvPr>
@@ -39922,7 +40127,7 @@
                   <a16:creationId xmlns:a16="http://schemas.microsoft.com/office/drawing/2014/main" id="{E379EC94-3698-4695-8CE7-61DBDF5EE654}"/>
                 </a:ext>
                 <a:ext uri="{C183D7F6-B498-43B3-948B-1728B52AA6E4}">
-                  <adec:decorative xmlns="" xmlns:adec="http://schemas.microsoft.com/office/drawing/2017/decorative" val="1"/>
+                  <adec:decorative xmlns:adec="http://schemas.microsoft.com/office/drawing/2017/decorative" xmlns="" val="1"/>
                 </a:ext>
               </a:extLst>
             </p:cNvPr>
@@ -39974,7 +40179,7 @@
                   <a16:creationId xmlns:a16="http://schemas.microsoft.com/office/drawing/2014/main" id="{8755B95C-6A71-4D4F-8F48-B21F893E6FB1}"/>
                 </a:ext>
                 <a:ext uri="{C183D7F6-B498-43B3-948B-1728B52AA6E4}">
-                  <adec:decorative xmlns="" xmlns:adec="http://schemas.microsoft.com/office/drawing/2017/decorative" val="1"/>
+                  <adec:decorative xmlns:adec="http://schemas.microsoft.com/office/drawing/2017/decorative" xmlns="" val="1"/>
                 </a:ext>
               </a:extLst>
             </p:cNvPr>
@@ -40026,7 +40231,7 @@
                   <a16:creationId xmlns:a16="http://schemas.microsoft.com/office/drawing/2014/main" id="{6099C53A-E394-462E-BF63-1639A8E28318}"/>
                 </a:ext>
                 <a:ext uri="{C183D7F6-B498-43B3-948B-1728B52AA6E4}">
-                  <adec:decorative xmlns="" xmlns:adec="http://schemas.microsoft.com/office/drawing/2017/decorative" val="1"/>
+                  <adec:decorative xmlns:adec="http://schemas.microsoft.com/office/drawing/2017/decorative" xmlns="" val="1"/>
                 </a:ext>
               </a:extLst>
             </p:cNvPr>
@@ -40078,7 +40283,7 @@
                   <a16:creationId xmlns:a16="http://schemas.microsoft.com/office/drawing/2014/main" id="{9AC427FF-C3BE-45A0-9FB1-A6A4C8C4CD85}"/>
                 </a:ext>
                 <a:ext uri="{C183D7F6-B498-43B3-948B-1728B52AA6E4}">
-                  <adec:decorative xmlns="" xmlns:adec="http://schemas.microsoft.com/office/drawing/2017/decorative" val="1"/>
+                  <adec:decorative xmlns:adec="http://schemas.microsoft.com/office/drawing/2017/decorative" xmlns="" val="1"/>
                 </a:ext>
               </a:extLst>
             </p:cNvPr>
@@ -40130,7 +40335,7 @@
                   <a16:creationId xmlns:a16="http://schemas.microsoft.com/office/drawing/2014/main" id="{2B15D91A-BF52-4704-8F6B-A7C474618191}"/>
                 </a:ext>
                 <a:ext uri="{C183D7F6-B498-43B3-948B-1728B52AA6E4}">
-                  <adec:decorative xmlns="" xmlns:adec="http://schemas.microsoft.com/office/drawing/2017/decorative" val="1"/>
+                  <adec:decorative xmlns:adec="http://schemas.microsoft.com/office/drawing/2017/decorative" xmlns="" val="1"/>
                 </a:ext>
               </a:extLst>
             </p:cNvPr>
@@ -40182,7 +40387,7 @@
                   <a16:creationId xmlns:a16="http://schemas.microsoft.com/office/drawing/2014/main" id="{1D9241FD-0E0D-409B-A2AF-8F06ACB75778}"/>
                 </a:ext>
                 <a:ext uri="{C183D7F6-B498-43B3-948B-1728B52AA6E4}">
-                  <adec:decorative xmlns="" xmlns:adec="http://schemas.microsoft.com/office/drawing/2017/decorative" val="1"/>
+                  <adec:decorative xmlns:adec="http://schemas.microsoft.com/office/drawing/2017/decorative" xmlns="" val="1"/>
                 </a:ext>
               </a:extLst>
             </p:cNvPr>
@@ -40234,7 +40439,7 @@
                   <a16:creationId xmlns:a16="http://schemas.microsoft.com/office/drawing/2014/main" id="{F8B3D884-11F6-4FF3-82C2-1C2311451C61}"/>
                 </a:ext>
                 <a:ext uri="{C183D7F6-B498-43B3-948B-1728B52AA6E4}">
-                  <adec:decorative xmlns="" xmlns:adec="http://schemas.microsoft.com/office/drawing/2017/decorative" val="1"/>
+                  <adec:decorative xmlns:adec="http://schemas.microsoft.com/office/drawing/2017/decorative" xmlns="" val="1"/>
                 </a:ext>
               </a:extLst>
             </p:cNvPr>
@@ -40286,7 +40491,7 @@
                   <a16:creationId xmlns:a16="http://schemas.microsoft.com/office/drawing/2014/main" id="{A15AB342-981A-44B4-846D-B0B2394ACF01}"/>
                 </a:ext>
                 <a:ext uri="{C183D7F6-B498-43B3-948B-1728B52AA6E4}">
-                  <adec:decorative xmlns="" xmlns:adec="http://schemas.microsoft.com/office/drawing/2017/decorative" val="1"/>
+                  <adec:decorative xmlns:adec="http://schemas.microsoft.com/office/drawing/2017/decorative" xmlns="" val="1"/>
                 </a:ext>
               </a:extLst>
             </p:cNvPr>
@@ -40338,7 +40543,7 @@
                   <a16:creationId xmlns:a16="http://schemas.microsoft.com/office/drawing/2014/main" id="{872C80E7-0A00-4063-BEE2-6B6B446A4A72}"/>
                 </a:ext>
                 <a:ext uri="{C183D7F6-B498-43B3-948B-1728B52AA6E4}">
-                  <adec:decorative xmlns="" xmlns:adec="http://schemas.microsoft.com/office/drawing/2017/decorative" val="1"/>
+                  <adec:decorative xmlns:adec="http://schemas.microsoft.com/office/drawing/2017/decorative" xmlns="" val="1"/>
                 </a:ext>
               </a:extLst>
             </p:cNvPr>
@@ -40390,7 +40595,7 @@
                   <a16:creationId xmlns:a16="http://schemas.microsoft.com/office/drawing/2014/main" id="{CDDFAF9B-F940-4E8C-905E-31851E6E716D}"/>
                 </a:ext>
                 <a:ext uri="{C183D7F6-B498-43B3-948B-1728B52AA6E4}">
-                  <adec:decorative xmlns="" xmlns:adec="http://schemas.microsoft.com/office/drawing/2017/decorative" val="1"/>
+                  <adec:decorative xmlns:adec="http://schemas.microsoft.com/office/drawing/2017/decorative" xmlns="" val="1"/>
                 </a:ext>
               </a:extLst>
             </p:cNvPr>
@@ -40442,7 +40647,7 @@
                   <a16:creationId xmlns:a16="http://schemas.microsoft.com/office/drawing/2014/main" id="{DE75405B-4987-4ED0-838B-B550E11C50A7}"/>
                 </a:ext>
                 <a:ext uri="{C183D7F6-B498-43B3-948B-1728B52AA6E4}">
-                  <adec:decorative xmlns="" xmlns:adec="http://schemas.microsoft.com/office/drawing/2017/decorative" val="1"/>
+                  <adec:decorative xmlns:adec="http://schemas.microsoft.com/office/drawing/2017/decorative" xmlns="" val="1"/>
                 </a:ext>
               </a:extLst>
             </p:cNvPr>
@@ -40494,7 +40699,7 @@
                   <a16:creationId xmlns:a16="http://schemas.microsoft.com/office/drawing/2014/main" id="{2D23C412-06C7-4364-B5C1-6492A9D36BCD}"/>
                 </a:ext>
                 <a:ext uri="{C183D7F6-B498-43B3-948B-1728B52AA6E4}">
-                  <adec:decorative xmlns="" xmlns:adec="http://schemas.microsoft.com/office/drawing/2017/decorative" val="1"/>
+                  <adec:decorative xmlns:adec="http://schemas.microsoft.com/office/drawing/2017/decorative" xmlns="" val="1"/>
                 </a:ext>
               </a:extLst>
             </p:cNvPr>
@@ -40546,7 +40751,7 @@
                   <a16:creationId xmlns:a16="http://schemas.microsoft.com/office/drawing/2014/main" id="{3E558B2C-BA31-4EF6-AA51-34C38C4FAC19}"/>
                 </a:ext>
                 <a:ext uri="{C183D7F6-B498-43B3-948B-1728B52AA6E4}">
-                  <adec:decorative xmlns="" xmlns:adec="http://schemas.microsoft.com/office/drawing/2017/decorative" val="1"/>
+                  <adec:decorative xmlns:adec="http://schemas.microsoft.com/office/drawing/2017/decorative" xmlns="" val="1"/>
                 </a:ext>
               </a:extLst>
             </p:cNvPr>
@@ -40598,7 +40803,7 @@
                   <a16:creationId xmlns:a16="http://schemas.microsoft.com/office/drawing/2014/main" id="{49BF6B7B-33CA-48B1-A1DC-E4917FB89D99}"/>
                 </a:ext>
                 <a:ext uri="{C183D7F6-B498-43B3-948B-1728B52AA6E4}">
-                  <adec:decorative xmlns="" xmlns:adec="http://schemas.microsoft.com/office/drawing/2017/decorative" val="1"/>
+                  <adec:decorative xmlns:adec="http://schemas.microsoft.com/office/drawing/2017/decorative" xmlns="" val="1"/>
                 </a:ext>
               </a:extLst>
             </p:cNvPr>
@@ -40650,7 +40855,7 @@
                   <a16:creationId xmlns:a16="http://schemas.microsoft.com/office/drawing/2014/main" id="{B91E8E40-9C42-4E16-980F-D9B38872F361}"/>
                 </a:ext>
                 <a:ext uri="{C183D7F6-B498-43B3-948B-1728B52AA6E4}">
-                  <adec:decorative xmlns="" xmlns:adec="http://schemas.microsoft.com/office/drawing/2017/decorative" val="1"/>
+                  <adec:decorative xmlns:adec="http://schemas.microsoft.com/office/drawing/2017/decorative" xmlns="" val="1"/>
                 </a:ext>
               </a:extLst>
             </p:cNvPr>
@@ -40702,7 +40907,7 @@
                   <a16:creationId xmlns:a16="http://schemas.microsoft.com/office/drawing/2014/main" id="{6B7E3690-D803-4CC7-BA93-B51ACF040FBF}"/>
                 </a:ext>
                 <a:ext uri="{C183D7F6-B498-43B3-948B-1728B52AA6E4}">
-                  <adec:decorative xmlns="" xmlns:adec="http://schemas.microsoft.com/office/drawing/2017/decorative" val="1"/>
+                  <adec:decorative xmlns:adec="http://schemas.microsoft.com/office/drawing/2017/decorative" xmlns="" val="1"/>
                 </a:ext>
               </a:extLst>
             </p:cNvPr>
@@ -40790,7 +40995,7 @@
                 <a16:creationId xmlns:a16="http://schemas.microsoft.com/office/drawing/2014/main" id="{473E2575-93BA-49BD-A0BB-EBD45F7382A2}"/>
               </a:ext>
               <a:ext uri="{C183D7F6-B498-43B3-948B-1728B52AA6E4}">
-                <adec:decorative xmlns="" xmlns:adec="http://schemas.microsoft.com/office/drawing/2017/decorative" val="1"/>
+                <adec:decorative xmlns:adec="http://schemas.microsoft.com/office/drawing/2017/decorative" xmlns="" val="1"/>
               </a:ext>
             </a:extLst>
           </p:cNvPr>
@@ -40844,7 +41049,7 @@
                 <a16:creationId xmlns:a16="http://schemas.microsoft.com/office/drawing/2014/main" id="{FE32AE2A-5F1E-4AB5-96CD-95BBC7E8CBB1}"/>
               </a:ext>
               <a:ext uri="{C183D7F6-B498-43B3-948B-1728B52AA6E4}">
-                <adec:decorative xmlns="" xmlns:adec="http://schemas.microsoft.com/office/drawing/2017/decorative" val="1"/>
+                <adec:decorative xmlns:adec="http://schemas.microsoft.com/office/drawing/2017/decorative" xmlns="" val="1"/>
               </a:ext>
             </a:extLst>
           </p:cNvPr>
@@ -40898,7 +41103,7 @@
                 <a16:creationId xmlns:a16="http://schemas.microsoft.com/office/drawing/2014/main" id="{151E1EE1-5760-4F9F-919D-BBBE95CE8ED0}"/>
               </a:ext>
               <a:ext uri="{C183D7F6-B498-43B3-948B-1728B52AA6E4}">
-                <adec:decorative xmlns="" xmlns:adec="http://schemas.microsoft.com/office/drawing/2017/decorative" val="1"/>
+                <adec:decorative xmlns:adec="http://schemas.microsoft.com/office/drawing/2017/decorative" xmlns="" val="1"/>
               </a:ext>
             </a:extLst>
           </p:cNvPr>
@@ -40976,8 +41181,8 @@
         </p:blipFill>
         <p:spPr>
           <a:xfrm>
-            <a:off x="5333201" y="1851681"/>
-            <a:ext cx="5125526" cy="4872699"/>
+            <a:off x="5747671" y="1833971"/>
+            <a:ext cx="4190556" cy="3983848"/>
           </a:xfrm>
           <a:prstGeom prst="rect">
             <a:avLst/>
@@ -40992,7 +41197,7 @@
                 <a16:creationId xmlns:a16="http://schemas.microsoft.com/office/drawing/2014/main" id="{D665D759-2DF8-4D47-8386-4BA28901A79D}"/>
               </a:ext>
               <a:ext uri="{C183D7F6-B498-43B3-948B-1728B52AA6E4}">
-                <adec:decorative xmlns="" xmlns:adec="http://schemas.microsoft.com/office/drawing/2017/decorative" val="1"/>
+                <adec:decorative xmlns:adec="http://schemas.microsoft.com/office/drawing/2017/decorative" xmlns="" val="1"/>
               </a:ext>
             </a:extLst>
           </p:cNvPr>
@@ -41089,9 +41294,42 @@
               <a:buNone/>
             </a:pPr>
             <a:r>
+              <a:rPr lang="es-ES" sz="1800" dirty="0" smtClean="0"/>
+              <a:t>Pueden ser por 3 motivos:</a:t>
+            </a:r>
+          </a:p>
+          <a:p>
+            <a:pPr marL="0" indent="0">
+              <a:lnSpc>
+                <a:spcPct val="120000"/>
+              </a:lnSpc>
+              <a:buNone/>
+            </a:pPr>
+            <a:r>
+              <a:rPr lang="es-ES" sz="1800" dirty="0" smtClean="0"/>
+              <a:t>A</a:t>
+            </a:r>
+            <a:r>
               <a:rPr lang="es-ES" sz="1800" dirty="0"/>
-              <a:t>A. Movilidad funcional</a:t>
+              <a:t>. Movilidad </a:t>
             </a:r>
+            <a:r>
+              <a:rPr lang="es-ES" sz="1800" dirty="0" smtClean="0"/>
+              <a:t>funcional: </a:t>
+            </a:r>
+            <a:r>
+              <a:rPr lang="es-ES" sz="1800" dirty="0" smtClean="0">
+                <a:solidFill>
+                  <a:schemeClr val="accent2"/>
+                </a:solidFill>
+              </a:rPr>
+              <a:t>Cambio de actividad o funciones.</a:t>
+            </a:r>
+            <a:endParaRPr lang="es-ES" sz="1800" dirty="0">
+              <a:solidFill>
+                <a:schemeClr val="accent2"/>
+              </a:solidFill>
+            </a:endParaRPr>
           </a:p>
           <a:p>
             <a:pPr lvl="1">
@@ -41146,8 +41384,25 @@
             </a:pPr>
             <a:r>
               <a:rPr lang="es-ES" sz="1800" dirty="0"/>
-              <a:t>B. Movilidad geográfica</a:t>
+              <a:t>B. Movilidad </a:t>
             </a:r>
+            <a:r>
+              <a:rPr lang="es-ES" sz="1800" dirty="0" smtClean="0"/>
+              <a:t>geográfica: </a:t>
+            </a:r>
+            <a:r>
+              <a:rPr lang="es-ES" sz="1800" dirty="0" smtClean="0">
+                <a:solidFill>
+                  <a:schemeClr val="accent2"/>
+                </a:solidFill>
+              </a:rPr>
+              <a:t>desplazamiento</a:t>
+            </a:r>
+            <a:endParaRPr lang="es-ES" sz="1800" dirty="0">
+              <a:solidFill>
+                <a:schemeClr val="accent2"/>
+              </a:solidFill>
+            </a:endParaRPr>
           </a:p>
           <a:p>
             <a:pPr lvl="1">
@@ -41320,7 +41575,7 @@
         </p:spPr>
         <p:txBody>
           <a:bodyPr anchor="t">
-            <a:normAutofit/>
+            <a:normAutofit fontScale="77500" lnSpcReduction="20000"/>
           </a:bodyPr>
           <a:lstStyle/>
           <a:p>
@@ -41344,8 +41599,21 @@
             </a:pPr>
             <a:r>
               <a:rPr lang="es-ES" sz="1600" dirty="0"/>
-              <a:t>Causa:</a:t>
+              <a:t>Causa</a:t>
             </a:r>
+            <a:r>
+              <a:rPr lang="es-ES" sz="1600" dirty="0" smtClean="0"/>
+              <a:t>: </a:t>
+            </a:r>
+            <a:r>
+              <a:rPr lang="es-ES" sz="1600" dirty="0" smtClean="0">
+                <a:solidFill>
+                  <a:schemeClr val="accent2"/>
+                </a:solidFill>
+              </a:rPr>
+              <a:t>La empresa no necesita ninguna causa. Me pueden cambiar de proyecto.</a:t>
+            </a:r>
+            <a:endParaRPr lang="es-ES" sz="1600" dirty="0"/>
           </a:p>
           <a:p>
             <a:pPr lvl="1" algn="just">
@@ -41354,9 +41622,22 @@
               </a:lnSpc>
             </a:pPr>
             <a:r>
-              <a:rPr lang="es-ES" sz="1600" dirty="0"/>
-              <a:t>Retribución</a:t>
+              <a:rPr lang="es-ES" sz="1600" dirty="0" smtClean="0"/>
+              <a:t>Retribución: </a:t>
             </a:r>
+            <a:r>
+              <a:rPr lang="es-ES" sz="1600" dirty="0" smtClean="0">
+                <a:solidFill>
+                  <a:schemeClr val="accent2"/>
+                </a:solidFill>
+              </a:rPr>
+              <a:t>La misma, no afecta.</a:t>
+            </a:r>
+            <a:endParaRPr lang="es-ES" sz="1600" dirty="0">
+              <a:solidFill>
+                <a:schemeClr val="accent2"/>
+              </a:solidFill>
+            </a:endParaRPr>
           </a:p>
           <a:p>
             <a:pPr algn="just">
@@ -41379,8 +41660,21 @@
             </a:pPr>
             <a:r>
               <a:rPr lang="es-ES" sz="1600" dirty="0"/>
-              <a:t>Causas:</a:t>
+              <a:t>Causas</a:t>
             </a:r>
+            <a:r>
+              <a:rPr lang="es-ES" sz="1600" dirty="0" smtClean="0"/>
+              <a:t>: </a:t>
+            </a:r>
+            <a:r>
+              <a:rPr lang="es-ES" sz="1600" dirty="0" smtClean="0">
+                <a:solidFill>
+                  <a:schemeClr val="accent2"/>
+                </a:solidFill>
+              </a:rPr>
+              <a:t>Debe existir una causa real. Puede ser de carácter técnico u organizativo.</a:t>
+            </a:r>
+            <a:endParaRPr lang="es-ES" sz="1600" dirty="0"/>
           </a:p>
           <a:p>
             <a:pPr lvl="2" algn="just">
@@ -41390,8 +41684,21 @@
             </a:pPr>
             <a:r>
               <a:rPr lang="es-ES" sz="1600" dirty="0"/>
-              <a:t>Límite temporal:</a:t>
+              <a:t>Límite temporal</a:t>
             </a:r>
+            <a:r>
+              <a:rPr lang="es-ES" sz="1600" dirty="0" smtClean="0"/>
+              <a:t>: </a:t>
+            </a:r>
+            <a:r>
+              <a:rPr lang="es-ES" sz="1600" dirty="0" smtClean="0">
+                <a:solidFill>
+                  <a:schemeClr val="accent2"/>
+                </a:solidFill>
+              </a:rPr>
+              <a:t>El estrictamente necesario, no puede perdurar en el tiempo.</a:t>
+            </a:r>
+            <a:endParaRPr lang="es-ES" sz="1600" dirty="0"/>
           </a:p>
           <a:p>
             <a:pPr lvl="2" algn="just">
@@ -41401,8 +41708,21 @@
             </a:pPr>
             <a:r>
               <a:rPr lang="es-ES" sz="1600" dirty="0"/>
-              <a:t>Información:</a:t>
+              <a:t>Información</a:t>
             </a:r>
+            <a:r>
+              <a:rPr lang="es-ES" sz="1600" dirty="0" smtClean="0"/>
+              <a:t>: </a:t>
+            </a:r>
+            <a:r>
+              <a:rPr lang="es-ES" sz="1600" dirty="0" smtClean="0">
+                <a:solidFill>
+                  <a:schemeClr val="accent2"/>
+                </a:solidFill>
+              </a:rPr>
+              <a:t>Tiene que informarse a los representantes de los trabajadores.</a:t>
+            </a:r>
+            <a:endParaRPr lang="es-ES" sz="1600" dirty="0"/>
           </a:p>
           <a:p>
             <a:pPr lvl="2" algn="just">
@@ -41429,8 +41749,25 @@
             </a:r>
             <a:r>
               <a:rPr lang="es-ES" sz="1600" dirty="0"/>
-              <a:t>: duración y salario</a:t>
+              <a:t>: duración y </a:t>
             </a:r>
+            <a:r>
+              <a:rPr lang="es-ES" sz="1600" dirty="0" smtClean="0"/>
+              <a:t>salario. </a:t>
+            </a:r>
+            <a:r>
+              <a:rPr lang="es-ES" sz="1600" dirty="0" smtClean="0">
+                <a:solidFill>
+                  <a:schemeClr val="accent2"/>
+                </a:solidFill>
+              </a:rPr>
+              <a:t>Por el tiempo imprescindible pero el salario será el de mi grupo superior.</a:t>
+            </a:r>
+            <a:endParaRPr lang="es-ES" sz="1600" dirty="0">
+              <a:solidFill>
+                <a:schemeClr val="accent2"/>
+              </a:solidFill>
+            </a:endParaRPr>
           </a:p>
           <a:p>
             <a:pPr marL="1714500" lvl="3" indent="-342900" algn="just">
@@ -41446,8 +41783,57 @@
             </a:r>
             <a:r>
               <a:rPr lang="es-ES" sz="1600" dirty="0"/>
-              <a:t>: Salario y derechos cuando la movilidad sea superior a 6 meses en un año u 8 años durante dos.</a:t>
+              <a:t>: </a:t>
             </a:r>
+            <a:r>
+              <a:rPr lang="es-ES" sz="1600" dirty="0" smtClean="0"/>
+              <a:t>Salario </a:t>
+            </a:r>
+            <a:r>
+              <a:rPr lang="es-ES" sz="1600" dirty="0" smtClean="0">
+                <a:solidFill>
+                  <a:schemeClr val="accent2"/>
+                </a:solidFill>
+              </a:rPr>
+              <a:t>el del grupo superior y el trabajador tendrá derecho a un ascenso si la mo</a:t>
+            </a:r>
+            <a:r>
+              <a:rPr lang="es-ES" sz="1600" dirty="0" smtClean="0"/>
+              <a:t>vilidad es </a:t>
+            </a:r>
+            <a:r>
+              <a:rPr lang="es-ES" sz="1600" dirty="0"/>
+              <a:t>superior a 6 meses en un año u 8 </a:t>
+            </a:r>
+            <a:r>
+              <a:rPr lang="es-ES" sz="1600" dirty="0" smtClean="0">
+                <a:solidFill>
+                  <a:schemeClr val="accent2"/>
+                </a:solidFill>
+              </a:rPr>
+              <a:t>meses</a:t>
+            </a:r>
+            <a:r>
+              <a:rPr lang="es-ES" sz="1600" dirty="0" smtClean="0"/>
+              <a:t> </a:t>
+            </a:r>
+            <a:r>
+              <a:rPr lang="es-ES" sz="1600" dirty="0"/>
+              <a:t>durante </a:t>
+            </a:r>
+            <a:r>
+              <a:rPr lang="es-ES" sz="1600" dirty="0" smtClean="0"/>
+              <a:t>dos años.</a:t>
+            </a:r>
+            <a:r>
+              <a:rPr lang="es-ES" sz="1600" dirty="0" smtClean="0">
+                <a:solidFill>
+                  <a:schemeClr val="accent2"/>
+                </a:solidFill>
+              </a:rPr>
+              <a:t> </a:t>
+            </a:r>
+            <a:endParaRPr lang="es-ES" sz="1600" dirty="0"/>
           </a:p>
         </p:txBody>
       </p:sp>
@@ -41459,7 +41845,7 @@
                 <a16:creationId xmlns:a16="http://schemas.microsoft.com/office/drawing/2014/main" id="{16C73AF9-0D33-5C66-5D79-0D0129904B31}"/>
               </a:ext>
               <a:ext uri="{C183D7F6-B498-43B3-948B-1728B52AA6E4}">
-                <adec:decorative xmlns="" xmlns:adec="http://schemas.microsoft.com/office/drawing/2017/decorative" val="1"/>
+                <adec:decorative xmlns:adec="http://schemas.microsoft.com/office/drawing/2017/decorative" xmlns="" val="1"/>
               </a:ext>
             </a:extLst>
           </p:cNvPr>
@@ -41490,7 +41876,7 @@
                   <a16:creationId xmlns:a16="http://schemas.microsoft.com/office/drawing/2014/main" id="{ED96FD6F-5EE9-36C7-C200-3111EF6D0152}"/>
                 </a:ext>
                 <a:ext uri="{C183D7F6-B498-43B3-948B-1728B52AA6E4}">
-                  <adec:decorative xmlns="" xmlns:adec="http://schemas.microsoft.com/office/drawing/2017/decorative" val="1"/>
+                  <adec:decorative xmlns:adec="http://schemas.microsoft.com/office/drawing/2017/decorative" xmlns="" val="1"/>
                 </a:ext>
               </a:extLst>
             </p:cNvPr>
@@ -41559,7 +41945,7 @@
                   <a16:creationId xmlns:a16="http://schemas.microsoft.com/office/drawing/2014/main" id="{62A39BB2-02C1-8A8B-8021-68446E04747F}"/>
                 </a:ext>
                 <a:ext uri="{C183D7F6-B498-43B3-948B-1728B52AA6E4}">
-                  <adec:decorative xmlns="" xmlns:adec="http://schemas.microsoft.com/office/drawing/2017/decorative" val="1"/>
+                  <adec:decorative xmlns:adec="http://schemas.microsoft.com/office/drawing/2017/decorative" xmlns="" val="1"/>
                 </a:ext>
               </a:extLst>
             </p:cNvPr>
@@ -41693,7 +42079,7 @@
         </p:spPr>
         <p:txBody>
           <a:bodyPr anchor="ctr">
-            <a:normAutofit/>
+            <a:normAutofit fontScale="90000"/>
           </a:bodyPr>
           <a:lstStyle/>
           <a:p>
@@ -41702,8 +42088,25 @@
             </a:pPr>
             <a:r>
               <a:rPr lang="es-ES" sz="3200" b="1" dirty="0"/>
-              <a:t>B. Movilidad geográfica</a:t>
+              <a:t>B. Movilidad </a:t>
             </a:r>
+            <a:r>
+              <a:rPr lang="es-ES" sz="3200" b="1" dirty="0" smtClean="0"/>
+              <a:t>geográfica: </a:t>
+            </a:r>
+            <a:r>
+              <a:rPr lang="es-ES" sz="1800" b="1" dirty="0" smtClean="0">
+                <a:solidFill>
+                  <a:schemeClr val="accent2"/>
+                </a:solidFill>
+              </a:rPr>
+              <a:t>Motivos, pueden ser técnicos, organizativas o económicas</a:t>
+            </a:r>
+            <a:endParaRPr lang="es-ES" sz="1800" b="1" dirty="0">
+              <a:solidFill>
+                <a:schemeClr val="accent2"/>
+              </a:solidFill>
+            </a:endParaRPr>
           </a:p>
         </p:txBody>
       </p:sp>
@@ -41725,8 +42128,8 @@
         </p:nvSpPr>
         <p:spPr>
           <a:xfrm>
-            <a:off x="6445486" y="1248511"/>
-            <a:ext cx="5359044" cy="5191760"/>
+            <a:off x="6445486" y="1029728"/>
+            <a:ext cx="5359044" cy="5410543"/>
           </a:xfrm>
         </p:spPr>
         <p:txBody>
@@ -41766,6 +42169,19 @@
               <a:rPr lang="es-ES" sz="1600" b="1" dirty="0"/>
               <a:t>¿Cuándo se produce? </a:t>
             </a:r>
+            <a:r>
+              <a:rPr lang="es-ES" sz="1600" b="1" dirty="0" smtClean="0">
+                <a:solidFill>
+                  <a:schemeClr val="accent2"/>
+                </a:solidFill>
+              </a:rPr>
+              <a:t>Menos de 12 meses en un periodo de tres años.</a:t>
+            </a:r>
+            <a:endParaRPr lang="es-ES" sz="1600" b="1" dirty="0">
+              <a:solidFill>
+                <a:schemeClr val="accent2"/>
+              </a:solidFill>
+            </a:endParaRPr>
           </a:p>
           <a:p>
             <a:pPr marL="0" indent="0">
@@ -41795,7 +42211,7 @@
                 <a16:creationId xmlns:a16="http://schemas.microsoft.com/office/drawing/2014/main" id="{16C73AF9-0D33-5C66-5D79-0D0129904B31}"/>
               </a:ext>
               <a:ext uri="{C183D7F6-B498-43B3-948B-1728B52AA6E4}">
-                <adec:decorative xmlns="" xmlns:adec="http://schemas.microsoft.com/office/drawing/2017/decorative" val="1"/>
+                <adec:decorative xmlns:adec="http://schemas.microsoft.com/office/drawing/2017/decorative" xmlns="" val="1"/>
               </a:ext>
             </a:extLst>
           </p:cNvPr>
@@ -41826,7 +42242,7 @@
                   <a16:creationId xmlns:a16="http://schemas.microsoft.com/office/drawing/2014/main" id="{ED96FD6F-5EE9-36C7-C200-3111EF6D0152}"/>
                 </a:ext>
                 <a:ext uri="{C183D7F6-B498-43B3-948B-1728B52AA6E4}">
-                  <adec:decorative xmlns="" xmlns:adec="http://schemas.microsoft.com/office/drawing/2017/decorative" val="1"/>
+                  <adec:decorative xmlns:adec="http://schemas.microsoft.com/office/drawing/2017/decorative" xmlns="" val="1"/>
                 </a:ext>
               </a:extLst>
             </p:cNvPr>
@@ -41895,7 +42311,7 @@
                   <a16:creationId xmlns:a16="http://schemas.microsoft.com/office/drawing/2014/main" id="{62A39BB2-02C1-8A8B-8021-68446E04747F}"/>
                 </a:ext>
                 <a:ext uri="{C183D7F6-B498-43B3-948B-1728B52AA6E4}">
-                  <adec:decorative xmlns="" xmlns:adec="http://schemas.microsoft.com/office/drawing/2017/decorative" val="1"/>
+                  <adec:decorative xmlns:adec="http://schemas.microsoft.com/office/drawing/2017/decorative" xmlns="" val="1"/>
                 </a:ext>
               </a:extLst>
             </p:cNvPr>
@@ -41978,8 +42394,8 @@
         </p:nvSpPr>
         <p:spPr>
           <a:xfrm>
-            <a:off x="482955" y="1300964"/>
-            <a:ext cx="5722736" cy="5191761"/>
+            <a:off x="482955" y="1088968"/>
+            <a:ext cx="5722736" cy="5403758"/>
           </a:xfrm>
           <a:prstGeom prst="rect">
             <a:avLst/>
@@ -42181,8 +42597,25 @@
             </a:r>
             <a:r>
               <a:rPr lang="es-ES" sz="1600" dirty="0"/>
-              <a:t>+ 12 meses en un periodo de tres años.</a:t>
+              <a:t>+ 12 meses en un periodo de tres años</a:t>
             </a:r>
+            <a:r>
+              <a:rPr lang="es-ES" sz="1600" dirty="0" smtClean="0"/>
+              <a:t>. </a:t>
+            </a:r>
+            <a:r>
+              <a:rPr lang="es-ES" sz="1600" dirty="0" smtClean="0">
+                <a:solidFill>
+                  <a:schemeClr val="accent2"/>
+                </a:solidFill>
+              </a:rPr>
+              <a:t>Puedo ir y volver.</a:t>
+            </a:r>
+            <a:endParaRPr lang="es-ES" sz="1600" dirty="0">
+              <a:solidFill>
+                <a:schemeClr val="accent2"/>
+              </a:solidFill>
+            </a:endParaRPr>
           </a:p>
           <a:p>
             <a:pPr marL="457200" lvl="1" indent="0" algn="just">
@@ -42208,14 +42641,14 @@
           <p:nvPr>
             <p:extLst>
               <p:ext uri="{D42A27DB-BD31-4B8C-83A1-F6EECF244321}">
-                <p14:modId xmlns:p14="http://schemas.microsoft.com/office/powerpoint/2010/main" val="3696280914"/>
+                <p14:modId xmlns:p14="http://schemas.microsoft.com/office/powerpoint/2010/main" val="1125987931"/>
               </p:ext>
             </p:extLst>
           </p:nvPr>
         </p:nvGraphicFramePr>
         <p:xfrm>
-          <a:off x="158034" y="2611120"/>
-          <a:ext cx="5722736" cy="3881605"/>
+          <a:off x="158033" y="2552007"/>
+          <a:ext cx="5903348" cy="4023359"/>
         </p:xfrm>
         <a:graphic>
           <a:graphicData uri="http://schemas.openxmlformats.org/drawingml/2006/diagram">
@@ -42266,9 +42699,9 @@
           <p:nvPr/>
         </p:nvCxnSpPr>
         <p:spPr>
-          <a:xfrm>
-            <a:off x="6205691" y="1950720"/>
-            <a:ext cx="68307" cy="4175760"/>
+          <a:xfrm flipH="1">
+            <a:off x="6273998" y="1088968"/>
+            <a:ext cx="1" cy="5037512"/>
           </a:xfrm>
           <a:prstGeom prst="line">
             <a:avLst/>
@@ -42369,11 +42802,7 @@
               <a:buNone/>
             </a:pPr>
             <a:r>
-              <a:rPr lang="es-ES" sz="2000" b="1" dirty="0">
-                <a:solidFill>
-                  <a:schemeClr val="accent2"/>
-                </a:solidFill>
-              </a:rPr>
+              <a:rPr lang="es-ES" sz="2000" b="1" dirty="0"/>
               <a:t>C.- Modificación sustancial de las condiciones de trabajo</a:t>
             </a:r>
           </a:p>
@@ -42401,8 +42830,8 @@
         </p:blipFill>
         <p:spPr>
           <a:xfrm>
-            <a:off x="314960" y="2748663"/>
-            <a:ext cx="5310904" cy="2565018"/>
+            <a:off x="490904" y="2748663"/>
+            <a:ext cx="5134960" cy="2480042"/>
           </a:xfrm>
           <a:prstGeom prst="rect">
             <a:avLst/>
@@ -42443,8 +42872,21 @@
             </a:pPr>
             <a:r>
               <a:rPr lang="es-ES" sz="2000" b="1" dirty="0"/>
-              <a:t>¿Cuándo se produce?</a:t>
+              <a:t>¿Cuándo se produce</a:t>
             </a:r>
+            <a:r>
+              <a:rPr lang="es-ES" sz="2000" b="1" dirty="0" smtClean="0"/>
+              <a:t>? </a:t>
+            </a:r>
+            <a:r>
+              <a:rPr lang="es-ES" sz="1800" dirty="0" smtClean="0">
+                <a:solidFill>
+                  <a:schemeClr val="accent2"/>
+                </a:solidFill>
+              </a:rPr>
+              <a:t>Cuando al trabajador le modifican el horario, la jornada, la retribución… </a:t>
+            </a:r>
+            <a:endParaRPr lang="es-ES" sz="1800" dirty="0"/>
           </a:p>
         </p:txBody>
       </p:sp>
@@ -42456,7 +42898,7 @@
                 <a16:creationId xmlns:a16="http://schemas.microsoft.com/office/drawing/2014/main" id="{9AF08BBE-71A7-AEFC-F970-93C6BF79B380}"/>
               </a:ext>
               <a:ext uri="{C183D7F6-B498-43B3-948B-1728B52AA6E4}">
-                <adec:decorative xmlns="" xmlns:adec="http://schemas.microsoft.com/office/drawing/2017/decorative" val="1"/>
+                <adec:decorative xmlns:adec="http://schemas.microsoft.com/office/drawing/2017/decorative" xmlns="" val="1"/>
               </a:ext>
             </a:extLst>
           </p:cNvPr>
@@ -42487,7 +42929,7 @@
                   <a16:creationId xmlns:a16="http://schemas.microsoft.com/office/drawing/2014/main" id="{31C42412-D66A-A89A-CBAD-067355BA7437}"/>
                 </a:ext>
                 <a:ext uri="{C183D7F6-B498-43B3-948B-1728B52AA6E4}">
-                  <adec:decorative xmlns="" xmlns:adec="http://schemas.microsoft.com/office/drawing/2017/decorative" val="1"/>
+                  <adec:decorative xmlns:adec="http://schemas.microsoft.com/office/drawing/2017/decorative" xmlns="" val="1"/>
                 </a:ext>
               </a:extLst>
             </p:cNvPr>
@@ -42556,7 +42998,7 @@
                   <a16:creationId xmlns:a16="http://schemas.microsoft.com/office/drawing/2014/main" id="{19F63095-BD54-33B2-6873-1DC4DF820D90}"/>
                 </a:ext>
                 <a:ext uri="{C183D7F6-B498-43B3-948B-1728B52AA6E4}">
-                  <adec:decorative xmlns="" xmlns:adec="http://schemas.microsoft.com/office/drawing/2017/decorative" val="1"/>
+                  <adec:decorative xmlns:adec="http://schemas.microsoft.com/office/drawing/2017/decorative" xmlns="" val="1"/>
                 </a:ext>
               </a:extLst>
             </p:cNvPr>
@@ -42636,7 +43078,7 @@
           <p:nvPr>
             <p:extLst>
               <p:ext uri="{D42A27DB-BD31-4B8C-83A1-F6EECF244321}">
-                <p14:modId xmlns:p14="http://schemas.microsoft.com/office/powerpoint/2010/main" val="3307866682"/>
+                <p14:modId xmlns:p14="http://schemas.microsoft.com/office/powerpoint/2010/main" val="4018551530"/>
               </p:ext>
             </p:extLst>
           </p:nvPr>
@@ -42697,7 +43139,7 @@
                 <a16:creationId xmlns:a16="http://schemas.microsoft.com/office/drawing/2014/main" id="{B775CD93-9DF2-48CB-9F57-1BCA9A46C7FA}"/>
               </a:ext>
               <a:ext uri="{C183D7F6-B498-43B3-948B-1728B52AA6E4}">
-                <adec:decorative xmlns="" xmlns:adec="http://schemas.microsoft.com/office/drawing/2017/decorative" val="1"/>
+                <adec:decorative xmlns:adec="http://schemas.microsoft.com/office/drawing/2017/decorative" xmlns="" val="1"/>
               </a:ext>
             </a:extLst>
           </p:cNvPr>
@@ -42803,7 +43245,7 @@
                 <a16:creationId xmlns:a16="http://schemas.microsoft.com/office/drawing/2014/main" id="{E186B68C-84BC-4A6E-99D1-EE87483C1349}"/>
               </a:ext>
               <a:ext uri="{C183D7F6-B498-43B3-948B-1728B52AA6E4}">
-                <adec:decorative xmlns="" xmlns:adec="http://schemas.microsoft.com/office/drawing/2017/decorative" val="1"/>
+                <adec:decorative xmlns:adec="http://schemas.microsoft.com/office/drawing/2017/decorative" xmlns="" val="1"/>
               </a:ext>
             </a:extLst>
           </p:cNvPr>
@@ -42872,7 +43314,7 @@
                 <a16:creationId xmlns:a16="http://schemas.microsoft.com/office/drawing/2014/main" id="{6166C6D1-23AC-49C4-BA07-238E4E9F8CEB}"/>
               </a:ext>
               <a:ext uri="{C183D7F6-B498-43B3-948B-1728B52AA6E4}">
-                <adec:decorative xmlns="" xmlns:adec="http://schemas.microsoft.com/office/drawing/2017/decorative" val="1"/>
+                <adec:decorative xmlns:adec="http://schemas.microsoft.com/office/drawing/2017/decorative" xmlns="" val="1"/>
               </a:ext>
             </a:extLst>
           </p:cNvPr>
@@ -42939,7 +43381,7 @@
                 <a16:creationId xmlns:a16="http://schemas.microsoft.com/office/drawing/2014/main" id="{33A87B69-D1B1-4DA7-B224-F220FC5235E6}"/>
               </a:ext>
               <a:ext uri="{C183D7F6-B498-43B3-948B-1728B52AA6E4}">
-                <adec:decorative xmlns="" xmlns:adec="http://schemas.microsoft.com/office/drawing/2017/decorative" val="1"/>
+                <adec:decorative xmlns:adec="http://schemas.microsoft.com/office/drawing/2017/decorative" xmlns="" val="1"/>
               </a:ext>
             </a:extLst>
           </p:cNvPr>
@@ -43063,7 +43505,7 @@
                 <a16:creationId xmlns:a16="http://schemas.microsoft.com/office/drawing/2014/main" id="{1C091803-41C2-48E0-9228-5148460C7479}"/>
               </a:ext>
               <a:ext uri="{C183D7F6-B498-43B3-948B-1728B52AA6E4}">
-                <adec:decorative xmlns="" xmlns:adec="http://schemas.microsoft.com/office/drawing/2017/decorative" val="1"/>
+                <adec:decorative xmlns:adec="http://schemas.microsoft.com/office/drawing/2017/decorative" xmlns="" val="1"/>
               </a:ext>
             </a:extLst>
           </p:cNvPr>
@@ -43209,7 +43651,7 @@
                 <a16:creationId xmlns:a16="http://schemas.microsoft.com/office/drawing/2014/main" id="{5C9B446A-6343-4E56-90BA-061E4DDF0FFB}"/>
               </a:ext>
               <a:ext uri="{C183D7F6-B498-43B3-948B-1728B52AA6E4}">
-                <adec:decorative xmlns="" xmlns:adec="http://schemas.microsoft.com/office/drawing/2017/decorative" val="1"/>
+                <adec:decorative xmlns:adec="http://schemas.microsoft.com/office/drawing/2017/decorative" xmlns="" val="1"/>
               </a:ext>
             </a:extLst>
           </p:cNvPr>
@@ -43269,7 +43711,7 @@
                 <a16:creationId xmlns:a16="http://schemas.microsoft.com/office/drawing/2014/main" id="{3EC72A1B-03D3-499C-B4BF-AC68EEC22B10}"/>
               </a:ext>
               <a:ext uri="{C183D7F6-B498-43B3-948B-1728B52AA6E4}">
-                <adec:decorative xmlns="" xmlns:adec="http://schemas.microsoft.com/office/drawing/2017/decorative" val="1"/>
+                <adec:decorative xmlns:adec="http://schemas.microsoft.com/office/drawing/2017/decorative" xmlns="" val="1"/>
               </a:ext>
             </a:extLst>
           </p:cNvPr>
@@ -43441,7 +43883,7 @@
                 <a16:creationId xmlns:a16="http://schemas.microsoft.com/office/drawing/2014/main" id="{216322C2-3CF0-4D33-BF90-3F384CF6D232}"/>
               </a:ext>
               <a:ext uri="{C183D7F6-B498-43B3-948B-1728B52AA6E4}">
-                <adec:decorative xmlns="" xmlns:adec="http://schemas.microsoft.com/office/drawing/2017/decorative" val="1"/>
+                <adec:decorative xmlns:adec="http://schemas.microsoft.com/office/drawing/2017/decorative" xmlns="" val="1"/>
               </a:ext>
             </a:extLst>
           </p:cNvPr>
@@ -43639,7 +44081,7 @@
                 <a16:creationId xmlns:a16="http://schemas.microsoft.com/office/drawing/2014/main" id="{55D4142C-5077-457F-A6AD-3FECFDB39685}"/>
               </a:ext>
               <a:ext uri="{C183D7F6-B498-43B3-948B-1728B52AA6E4}">
-                <adec:decorative xmlns="" xmlns:adec="http://schemas.microsoft.com/office/drawing/2017/decorative" val="1"/>
+                <adec:decorative xmlns:adec="http://schemas.microsoft.com/office/drawing/2017/decorative" xmlns="" val="1"/>
               </a:ext>
             </a:extLst>
           </p:cNvPr>
@@ -43707,7 +44149,7 @@
                 <a16:creationId xmlns:a16="http://schemas.microsoft.com/office/drawing/2014/main" id="{7A5F0580-5EE9-419F-96EE-B6529EF6E7D0}"/>
               </a:ext>
               <a:ext uri="{C183D7F6-B498-43B3-948B-1728B52AA6E4}">
-                <adec:decorative xmlns="" xmlns:adec="http://schemas.microsoft.com/office/drawing/2017/decorative" val="1"/>
+                <adec:decorative xmlns:adec="http://schemas.microsoft.com/office/drawing/2017/decorative" xmlns="" val="1"/>
               </a:ext>
             </a:extLst>
           </p:cNvPr>
@@ -43986,7 +44428,7 @@
                 <a16:creationId xmlns:a16="http://schemas.microsoft.com/office/drawing/2014/main" id="{BE589684-54CA-64D8-C963-5F19FF75BF72}"/>
               </a:ext>
               <a:ext uri="{C183D7F6-B498-43B3-948B-1728B52AA6E4}">
-                <adec:decorative xmlns="" xmlns:adec="http://schemas.microsoft.com/office/drawing/2017/decorative" val="1"/>
+                <adec:decorative xmlns:adec="http://schemas.microsoft.com/office/drawing/2017/decorative" xmlns="" val="1"/>
               </a:ext>
             </a:extLst>
           </p:cNvPr>
@@ -44017,7 +44459,7 @@
                   <a16:creationId xmlns:a16="http://schemas.microsoft.com/office/drawing/2014/main" id="{9B56B8E8-B789-DA4D-E4BE-03FA3165B3DE}"/>
                 </a:ext>
                 <a:ext uri="{C183D7F6-B498-43B3-948B-1728B52AA6E4}">
-                  <adec:decorative xmlns="" xmlns:adec="http://schemas.microsoft.com/office/drawing/2017/decorative" val="1"/>
+                  <adec:decorative xmlns:adec="http://schemas.microsoft.com/office/drawing/2017/decorative" xmlns="" val="1"/>
                 </a:ext>
               </a:extLst>
             </p:cNvPr>
@@ -44086,7 +44528,7 @@
                   <a16:creationId xmlns:a16="http://schemas.microsoft.com/office/drawing/2014/main" id="{2255D907-377D-0DF9-B4A4-4B44C46FBE3B}"/>
                 </a:ext>
                 <a:ext uri="{C183D7F6-B498-43B3-948B-1728B52AA6E4}">
-                  <adec:decorative xmlns="" xmlns:adec="http://schemas.microsoft.com/office/drawing/2017/decorative" val="1"/>
+                  <adec:decorative xmlns:adec="http://schemas.microsoft.com/office/drawing/2017/decorative" xmlns="" val="1"/>
                 </a:ext>
               </a:extLst>
             </p:cNvPr>
@@ -44669,7 +45111,7 @@
                 <a16:creationId xmlns:a16="http://schemas.microsoft.com/office/drawing/2014/main" id="{9AF08BBE-71A7-AEFC-F970-93C6BF79B380}"/>
               </a:ext>
               <a:ext uri="{C183D7F6-B498-43B3-948B-1728B52AA6E4}">
-                <adec:decorative xmlns="" xmlns:adec="http://schemas.microsoft.com/office/drawing/2017/decorative" val="1"/>
+                <adec:decorative xmlns:adec="http://schemas.microsoft.com/office/drawing/2017/decorative" xmlns="" val="1"/>
               </a:ext>
             </a:extLst>
           </p:cNvPr>
@@ -44700,7 +45142,7 @@
                   <a16:creationId xmlns:a16="http://schemas.microsoft.com/office/drawing/2014/main" id="{31C42412-D66A-A89A-CBAD-067355BA7437}"/>
                 </a:ext>
                 <a:ext uri="{C183D7F6-B498-43B3-948B-1728B52AA6E4}">
-                  <adec:decorative xmlns="" xmlns:adec="http://schemas.microsoft.com/office/drawing/2017/decorative" val="1"/>
+                  <adec:decorative xmlns:adec="http://schemas.microsoft.com/office/drawing/2017/decorative" xmlns="" val="1"/>
                 </a:ext>
               </a:extLst>
             </p:cNvPr>
@@ -44769,7 +45211,7 @@
                   <a16:creationId xmlns:a16="http://schemas.microsoft.com/office/drawing/2014/main" id="{19F63095-BD54-33B2-6873-1DC4DF820D90}"/>
                 </a:ext>
                 <a:ext uri="{C183D7F6-B498-43B3-948B-1728B52AA6E4}">
-                  <adec:decorative xmlns="" xmlns:adec="http://schemas.microsoft.com/office/drawing/2017/decorative" val="1"/>
+                  <adec:decorative xmlns:adec="http://schemas.microsoft.com/office/drawing/2017/decorative" xmlns="" val="1"/>
                 </a:ext>
               </a:extLst>
             </p:cNvPr>
@@ -44910,7 +45352,7 @@
                 <a16:creationId xmlns:a16="http://schemas.microsoft.com/office/drawing/2014/main" id="{3ECBE1F1-D69B-4AFA-ABD5-8E41720EF6DE}"/>
               </a:ext>
               <a:ext uri="{C183D7F6-B498-43B3-948B-1728B52AA6E4}">
-                <adec:decorative xmlns="" xmlns:adec="http://schemas.microsoft.com/office/drawing/2017/decorative" val="1"/>
+                <adec:decorative xmlns:adec="http://schemas.microsoft.com/office/drawing/2017/decorative" xmlns="" val="1"/>
               </a:ext>
             </a:extLst>
           </p:cNvPr>
@@ -44999,7 +45441,7 @@
                 <a16:creationId xmlns:a16="http://schemas.microsoft.com/office/drawing/2014/main" id="{603A6265-E10C-4B85-9C20-E75FCAF9CC63}"/>
               </a:ext>
               <a:ext uri="{C183D7F6-B498-43B3-948B-1728B52AA6E4}">
-                <adec:decorative xmlns="" xmlns:adec="http://schemas.microsoft.com/office/drawing/2017/decorative" val="1"/>
+                <adec:decorative xmlns:adec="http://schemas.microsoft.com/office/drawing/2017/decorative" xmlns="" val="1"/>
               </a:ext>
             </a:extLst>
           </p:cNvPr>
@@ -45342,7 +45784,7 @@
                 <a16:creationId xmlns:a16="http://schemas.microsoft.com/office/drawing/2014/main" id="{6753252F-4873-4F63-801D-CC719279A7D5}"/>
               </a:ext>
               <a:ext uri="{C183D7F6-B498-43B3-948B-1728B52AA6E4}">
-                <adec:decorative xmlns="" xmlns:adec="http://schemas.microsoft.com/office/drawing/2017/decorative" val="1"/>
+                <adec:decorative xmlns:adec="http://schemas.microsoft.com/office/drawing/2017/decorative" xmlns="" val="1"/>
               </a:ext>
             </a:extLst>
           </p:cNvPr>
@@ -45405,7 +45847,7 @@
                 <a16:creationId xmlns:a16="http://schemas.microsoft.com/office/drawing/2014/main" id="{047C8CCB-F95D-4249-92DD-651249D3535A}"/>
               </a:ext>
               <a:ext uri="{C183D7F6-B498-43B3-948B-1728B52AA6E4}">
-                <adec:decorative xmlns="" xmlns:adec="http://schemas.microsoft.com/office/drawing/2017/decorative" val="1"/>
+                <adec:decorative xmlns:adec="http://schemas.microsoft.com/office/drawing/2017/decorative" xmlns="" val="1"/>
               </a:ext>
             </a:extLst>
           </p:cNvPr>
@@ -45646,7 +46088,7 @@
                 <a16:creationId xmlns:a16="http://schemas.microsoft.com/office/drawing/2014/main" id="{6753252F-4873-4F63-801D-CC719279A7D5}"/>
               </a:ext>
               <a:ext uri="{C183D7F6-B498-43B3-948B-1728B52AA6E4}">
-                <adec:decorative xmlns="" xmlns:adec="http://schemas.microsoft.com/office/drawing/2017/decorative" val="1"/>
+                <adec:decorative xmlns:adec="http://schemas.microsoft.com/office/drawing/2017/decorative" xmlns="" val="1"/>
               </a:ext>
             </a:extLst>
           </p:cNvPr>
@@ -45709,7 +46151,7 @@
                 <a16:creationId xmlns:a16="http://schemas.microsoft.com/office/drawing/2014/main" id="{047C8CCB-F95D-4249-92DD-651249D3535A}"/>
               </a:ext>
               <a:ext uri="{C183D7F6-B498-43B3-948B-1728B52AA6E4}">
-                <adec:decorative xmlns="" xmlns:adec="http://schemas.microsoft.com/office/drawing/2017/decorative" val="1"/>
+                <adec:decorative xmlns:adec="http://schemas.microsoft.com/office/drawing/2017/decorative" xmlns="" val="1"/>
               </a:ext>
             </a:extLst>
           </p:cNvPr>
@@ -45922,7 +46364,7 @@
                 <a16:creationId xmlns:a16="http://schemas.microsoft.com/office/drawing/2014/main" id="{45D37F4E-DDB4-456B-97E0-9937730A039F}"/>
               </a:ext>
               <a:ext uri="{C183D7F6-B498-43B3-948B-1728B52AA6E4}">
-                <adec:decorative xmlns="" xmlns:adec="http://schemas.microsoft.com/office/drawing/2017/decorative" val="1"/>
+                <adec:decorative xmlns:adec="http://schemas.microsoft.com/office/drawing/2017/decorative" xmlns="" val="1"/>
               </a:ext>
             </a:extLst>
           </p:cNvPr>
@@ -46017,7 +46459,7 @@
                 <a16:creationId xmlns:a16="http://schemas.microsoft.com/office/drawing/2014/main" id="{B2DD41CD-8F47-4F56-AD12-4E2FF7696987}"/>
               </a:ext>
               <a:ext uri="{C183D7F6-B498-43B3-948B-1728B52AA6E4}">
-                <adec:decorative xmlns="" xmlns:adec="http://schemas.microsoft.com/office/drawing/2017/decorative" val="1"/>
+                <adec:decorative xmlns:adec="http://schemas.microsoft.com/office/drawing/2017/decorative" xmlns="" val="1"/>
               </a:ext>
             </a:extLst>
           </p:cNvPr>
@@ -46634,7 +47076,7 @@
             <a:round/>
             <a:extLst>
               <a:ext uri="{C807C97D-BFC1-408E-A445-0C87EB9F89A2}">
-                <ask:lineSketchStyleProps xmlns="" xmlns:ask="http://schemas.microsoft.com/office/drawing/2018/sketchyshapes" sd="2727557108">
+                <ask:lineSketchStyleProps xmlns:ask="http://schemas.microsoft.com/office/drawing/2018/sketchyshapes" xmlns="" sd="2727557108">
                   <a:prstGeom prst="rect">
                     <a:avLst/>
                   </a:prstGeom>
@@ -46737,7 +47179,7 @@
                 <a16:creationId xmlns:a16="http://schemas.microsoft.com/office/drawing/2014/main" id="{E02F3C71-C981-4614-98EA-D6C494F8091E}"/>
               </a:ext>
               <a:ext uri="{C183D7F6-B498-43B3-948B-1728B52AA6E4}">
-                <adec:decorative xmlns="" xmlns:adec="http://schemas.microsoft.com/office/drawing/2017/decorative" val="1"/>
+                <adec:decorative xmlns:adec="http://schemas.microsoft.com/office/drawing/2017/decorative" xmlns="" val="1"/>
               </a:ext>
             </a:extLst>
           </p:cNvPr>
@@ -47370,7 +47812,7 @@
                 <a16:creationId xmlns:a16="http://schemas.microsoft.com/office/drawing/2014/main" id="{B51F6560-D61C-400F-B71A-3FDEBF451B22}"/>
               </a:ext>
               <a:ext uri="{C183D7F6-B498-43B3-948B-1728B52AA6E4}">
-                <adec:decorative xmlns="" xmlns:adec="http://schemas.microsoft.com/office/drawing/2017/decorative" val="1"/>
+                <adec:decorative xmlns:adec="http://schemas.microsoft.com/office/drawing/2017/decorative" xmlns="" val="1"/>
               </a:ext>
             </a:extLst>
           </p:cNvPr>
@@ -47446,7 +47888,7 @@
                 <a16:creationId xmlns:a16="http://schemas.microsoft.com/office/drawing/2014/main" id="{F938B951-7EFC-40A2-B198-E73D39DFB3FC}"/>
               </a:ext>
               <a:ext uri="{C183D7F6-B498-43B3-948B-1728B52AA6E4}">
-                <adec:decorative xmlns="" xmlns:adec="http://schemas.microsoft.com/office/drawing/2017/decorative" val="1"/>
+                <adec:decorative xmlns:adec="http://schemas.microsoft.com/office/drawing/2017/decorative" xmlns="" val="1"/>
               </a:ext>
             </a:extLst>
           </p:cNvPr>
@@ -47477,7 +47919,7 @@
                   <a16:creationId xmlns:a16="http://schemas.microsoft.com/office/drawing/2014/main" id="{92E4506E-6A0E-49A0-BC31-8CADBFF3ECCF}"/>
                 </a:ext>
                 <a:ext uri="{C183D7F6-B498-43B3-948B-1728B52AA6E4}">
-                  <adec:decorative xmlns="" xmlns:adec="http://schemas.microsoft.com/office/drawing/2017/decorative" val="1"/>
+                  <adec:decorative xmlns:adec="http://schemas.microsoft.com/office/drawing/2017/decorative" xmlns="" val="1"/>
                 </a:ext>
               </a:extLst>
             </p:cNvPr>
@@ -47540,7 +47982,7 @@
                   <a16:creationId xmlns:a16="http://schemas.microsoft.com/office/drawing/2014/main" id="{EEED4D51-65BF-4AEE-B596-7CB61A70B966}"/>
                 </a:ext>
                 <a:ext uri="{C183D7F6-B498-43B3-948B-1728B52AA6E4}">
-                  <adec:decorative xmlns="" xmlns:adec="http://schemas.microsoft.com/office/drawing/2017/decorative" val="1"/>
+                  <adec:decorative xmlns:adec="http://schemas.microsoft.com/office/drawing/2017/decorative" xmlns="" val="1"/>
                 </a:ext>
               </a:extLst>
             </p:cNvPr>
@@ -47973,7 +48415,7 @@
                 <a16:creationId xmlns:a16="http://schemas.microsoft.com/office/drawing/2014/main" id="{AFA67CD3-AB4E-4A7A-BEB8-53C445D8C44E}"/>
               </a:ext>
               <a:ext uri="{C183D7F6-B498-43B3-948B-1728B52AA6E4}">
-                <adec:decorative xmlns="" xmlns:adec="http://schemas.microsoft.com/office/drawing/2017/decorative" val="1"/>
+                <adec:decorative xmlns:adec="http://schemas.microsoft.com/office/drawing/2017/decorative" xmlns="" val="1"/>
               </a:ext>
             </a:extLst>
           </p:cNvPr>
@@ -48059,7 +48501,7 @@
                 <a16:creationId xmlns:a16="http://schemas.microsoft.com/office/drawing/2014/main" id="{07CF545F-9C2E-4446-97CD-AD92990C2B68}"/>
               </a:ext>
               <a:ext uri="{C183D7F6-B498-43B3-948B-1728B52AA6E4}">
-                <adec:decorative xmlns="" xmlns:adec="http://schemas.microsoft.com/office/drawing/2017/decorative" val="1"/>
+                <adec:decorative xmlns:adec="http://schemas.microsoft.com/office/drawing/2017/decorative" xmlns="" val="1"/>
               </a:ext>
             </a:extLst>
           </p:cNvPr>
@@ -48153,7 +48595,7 @@
                 <a16:creationId xmlns:a16="http://schemas.microsoft.com/office/drawing/2014/main" id="{339C8D78-A644-462F-B674-F440635E5353}"/>
               </a:ext>
               <a:ext uri="{C183D7F6-B498-43B3-948B-1728B52AA6E4}">
-                <adec:decorative xmlns="" xmlns:adec="http://schemas.microsoft.com/office/drawing/2017/decorative" val="1"/>
+                <adec:decorative xmlns:adec="http://schemas.microsoft.com/office/drawing/2017/decorative" xmlns="" val="1"/>
               </a:ext>
             </a:extLst>
           </p:cNvPr>
@@ -50526,13 +50968,13 @@
           <p:nvPr>
             <p:extLst>
               <p:ext uri="{D42A27DB-BD31-4B8C-83A1-F6EECF244321}">
-                <p14:modId xmlns:p14="http://schemas.microsoft.com/office/powerpoint/2010/main" val="2892489664"/>
+                <p14:modId xmlns:p14="http://schemas.microsoft.com/office/powerpoint/2010/main" val="304825654"/>
               </p:ext>
             </p:extLst>
           </p:nvPr>
         </p:nvGraphicFramePr>
         <p:xfrm>
-          <a:off x="365760" y="1687074"/>
+          <a:off x="271550" y="1371190"/>
           <a:ext cx="8079970" cy="2874633"/>
         </p:xfrm>
         <a:graphic>
@@ -50835,14 +51277,14 @@
           <p:nvPr>
             <p:extLst>
               <p:ext uri="{D42A27DB-BD31-4B8C-83A1-F6EECF244321}">
-                <p14:modId xmlns:p14="http://schemas.microsoft.com/office/powerpoint/2010/main" val="1293158017"/>
+                <p14:modId xmlns:p14="http://schemas.microsoft.com/office/powerpoint/2010/main" val="2547766466"/>
               </p:ext>
             </p:extLst>
           </p:nvPr>
         </p:nvGraphicFramePr>
         <p:xfrm>
-          <a:off x="781216" y="4720419"/>
-          <a:ext cx="10150020" cy="2011680"/>
+          <a:off x="271550" y="4411064"/>
+          <a:ext cx="11740341" cy="2286000"/>
         </p:xfrm>
         <a:graphic>
           <a:graphicData uri="http://schemas.openxmlformats.org/drawingml/2006/table">
@@ -50851,7 +51293,7 @@
                 <a:tableStyleId>{5C22544A-7EE6-4342-B048-85BDC9FD1C3A}</a:tableStyleId>
               </a:tblPr>
               <a:tblGrid>
-                <a:gridCol w="10150020">
+                <a:gridCol w="11740341">
                   <a:extLst>
                     <a:ext uri="{9D8B030D-6E8A-4147-A177-3AD203B41FA5}">
                       <a16:colId xmlns:a16="http://schemas.microsoft.com/office/drawing/2014/main" val="251778457"/>
@@ -50859,28 +51301,28 @@
                   </a:extLst>
                 </a:gridCol>
               </a:tblGrid>
-              <a:tr h="662245">
+              <a:tr h="2252749">
                 <a:tc>
                   <a:txBody>
                     <a:bodyPr/>
                     <a:lstStyle/>
                     <a:p>
-                      <a:pPr algn="ctr"/>
-                      <a:endParaRPr lang="es-ES" dirty="0">
-                        <a:solidFill>
-                          <a:schemeClr val="tx2"/>
-                        </a:solidFill>
-                      </a:endParaRPr>
-                    </a:p>
-                    <a:p>
                       <a:pPr algn="l"/>
+                      <a:r>
+                        <a:rPr lang="es-ES" dirty="0" smtClean="0">
+                          <a:solidFill>
+                            <a:schemeClr val="tx2"/>
+                          </a:solidFill>
+                        </a:rPr>
+                        <a:t>Pincha </a:t>
+                      </a:r>
                       <a:r>
                         <a:rPr lang="es-ES" dirty="0">
                           <a:solidFill>
                             <a:schemeClr val="tx2"/>
                           </a:solidFill>
                         </a:rPr>
-                        <a:t>Pincha en </a:t>
+                        <a:t>en </a:t>
                       </a:r>
                       <a:r>
                         <a:rPr lang="es-ES" dirty="0">
@@ -50897,11 +51339,43 @@
                             <a:schemeClr val="tx2"/>
                           </a:solidFill>
                         </a:rPr>
-                        <a:t>para conocer el calendario laboral en Andalucía para este año.</a:t>
+                        <a:t>para conocer el calendario laboral en Andalucía para este año</a:t>
+                      </a:r>
+                      <a:r>
+                        <a:rPr lang="es-ES" dirty="0" smtClean="0">
+                          <a:solidFill>
+                            <a:schemeClr val="tx2"/>
+                          </a:solidFill>
+                        </a:rPr>
+                        <a:t>.</a:t>
                       </a:r>
                     </a:p>
                     <a:p>
                       <a:pPr algn="l"/>
+                      <a:r>
+                        <a:rPr lang="es-ES" dirty="0" smtClean="0">
+                          <a:solidFill>
+                            <a:schemeClr val="accent2"/>
+                          </a:solidFill>
+                        </a:rPr>
+                        <a:t>Tenemos 14 festivos.</a:t>
+                      </a:r>
+                      <a:endParaRPr lang="es-ES" dirty="0">
+                        <a:solidFill>
+                          <a:schemeClr val="accent2"/>
+                        </a:solidFill>
+                      </a:endParaRPr>
+                    </a:p>
+                    <a:p>
+                      <a:pPr algn="l"/>
+                      <a:r>
+                        <a:rPr lang="es-ES" dirty="0" smtClean="0">
+                          <a:solidFill>
+                            <a:schemeClr val="tx2"/>
+                          </a:solidFill>
+                        </a:rPr>
+                        <a:t>En España</a:t>
+                      </a:r>
                       <a:endParaRPr lang="es-ES" dirty="0">
                         <a:solidFill>
                           <a:schemeClr val="tx2"/>
@@ -50916,8 +51390,64 @@
                             <a:schemeClr val="tx2"/>
                           </a:solidFill>
                         </a:rPr>
-                        <a:t>1.- ¿Qué días son festivos insustituibles en todo el territorio nacional?</a:t>
+                        <a:t>1.- ¿Qué días son festivos insustituibles en todo el territorio nacional</a:t>
                       </a:r>
+                      <a:r>
+                        <a:rPr lang="es-ES" dirty="0" smtClean="0">
+                          <a:solidFill>
+                            <a:schemeClr val="tx2"/>
+                          </a:solidFill>
+                        </a:rPr>
+                        <a:t>? </a:t>
+                      </a:r>
+                      <a:r>
+                        <a:rPr lang="es-ES" dirty="0" smtClean="0">
+                          <a:solidFill>
+                            <a:schemeClr val="accent2"/>
+                          </a:solidFill>
+                        </a:rPr>
+                        <a:t>(Estatuto de los</a:t>
+                      </a:r>
+                      <a:r>
+                        <a:rPr lang="es-ES" baseline="0" dirty="0" smtClean="0">
+                          <a:solidFill>
+                            <a:schemeClr val="accent2"/>
+                          </a:solidFill>
+                        </a:rPr>
+                        <a:t> trabajadores) </a:t>
+                      </a:r>
+                      <a:r>
+                        <a:rPr lang="es-ES" dirty="0" smtClean="0">
+                          <a:solidFill>
+                            <a:schemeClr val="accent2"/>
+                          </a:solidFill>
+                        </a:rPr>
+                        <a:t>25 diciembre, 1 enero, 1 mayo, 12 octubre. </a:t>
+                      </a:r>
+                    </a:p>
+                    <a:p>
+                      <a:pPr algn="l"/>
+                      <a:r>
+                        <a:rPr lang="es-ES" dirty="0" smtClean="0">
+                          <a:solidFill>
+                            <a:schemeClr val="accent2"/>
+                          </a:solidFill>
+                        </a:rPr>
+                        <a:t>(BOE 2024) 6 enero,</a:t>
+                      </a:r>
+                      <a:r>
+                        <a:rPr lang="es-ES" baseline="0" dirty="0" smtClean="0">
+                          <a:solidFill>
+                            <a:schemeClr val="accent2"/>
+                          </a:solidFill>
+                        </a:rPr>
+                        <a:t> 29 marzo (viernes santo), 15 agosto , 1 noviembre, 6 diciembre.</a:t>
+                      </a:r>
+                      <a:endParaRPr lang="es-ES" dirty="0">
+                        <a:solidFill>
+                          <a:schemeClr val="accent2"/>
+                        </a:solidFill>
+                      </a:endParaRPr>
                     </a:p>
                     <a:p>
                       <a:pPr algn="l"/>
@@ -50927,8 +51457,37 @@
                             <a:schemeClr val="tx2"/>
                           </a:solidFill>
                         </a:rPr>
-                        <a:t>2.- ¿Qué días son los festivos fijados por Andalucía?</a:t>
+                        <a:t>2.- ¿Qué días son los festivos fijados por Andalucía</a:t>
                       </a:r>
+                      <a:r>
+                        <a:rPr lang="es-ES" dirty="0" smtClean="0">
+                          <a:solidFill>
+                            <a:schemeClr val="tx2"/>
+                          </a:solidFill>
+                        </a:rPr>
+                        <a:t>? </a:t>
+                      </a:r>
+                      <a:r>
+                        <a:rPr lang="es-ES" dirty="0" smtClean="0">
+                          <a:solidFill>
+                            <a:schemeClr val="accent2"/>
+                          </a:solidFill>
+                        </a:rPr>
+                        <a:t>28 febrero, 28 marzo (jueves santo), 9 de</a:t>
+                      </a:r>
+                      <a:r>
+                        <a:rPr lang="es-ES" baseline="0" dirty="0" smtClean="0">
+                          <a:solidFill>
+                            <a:schemeClr val="accent2"/>
+                          </a:solidFill>
+                        </a:rPr>
+                        <a:t> diciembre.</a:t>
+                      </a:r>
+                      <a:endParaRPr lang="es-ES" dirty="0">
+                        <a:solidFill>
+                          <a:schemeClr val="accent2"/>
+                        </a:solidFill>
+                      </a:endParaRPr>
                     </a:p>
                     <a:p>
                       <a:pPr algn="l"/>
@@ -50940,9 +51499,22 @@
                         </a:rPr>
                         <a:t>3.- ¿Qué días son fiesta local en Sevilla? </a:t>
                       </a:r>
-                    </a:p>
-                    <a:p>
-                      <a:pPr algn="ctr"/>
+                      <a:r>
+                        <a:rPr lang="es-ES" dirty="0" smtClean="0">
+                          <a:solidFill>
+                            <a:schemeClr val="accent2"/>
+                          </a:solidFill>
+                        </a:rPr>
+                        <a:t>2 locales:</a:t>
+                      </a:r>
+                      <a:r>
+                        <a:rPr lang="es-ES" baseline="0" dirty="0" smtClean="0">
+                          <a:solidFill>
+                            <a:schemeClr val="accent2"/>
+                          </a:solidFill>
+                        </a:rPr>
+                        <a:t> Miércoles de Feria y Corpus.</a:t>
+                      </a:r>
                       <a:endParaRPr lang="es-ES" dirty="0">
                         <a:solidFill>
                           <a:schemeClr val="tx2"/>
@@ -50982,8 +51554,8 @@
         </p:blipFill>
         <p:spPr>
           <a:xfrm>
-            <a:off x="8560904" y="1683202"/>
-            <a:ext cx="3024808" cy="2379108"/>
+            <a:off x="8544277" y="1371191"/>
+            <a:ext cx="3467614" cy="2874632"/>
           </a:xfrm>
           <a:prstGeom prst="rect">
             <a:avLst/>

--- a/PROGRAMACION/FOL/TEMA 3 FOL 2023 2024.pptx
+++ b/PROGRAMACION/FOL/TEMA 3 FOL 2023 2024.pptx
@@ -20,13 +20,14 @@
     <p:sldId id="273" r:id="rId14"/>
     <p:sldId id="274" r:id="rId15"/>
     <p:sldId id="268" r:id="rId16"/>
-    <p:sldId id="269" r:id="rId17"/>
-    <p:sldId id="276" r:id="rId18"/>
-    <p:sldId id="277" r:id="rId19"/>
-    <p:sldId id="270" r:id="rId20"/>
-    <p:sldId id="278" r:id="rId21"/>
-    <p:sldId id="279" r:id="rId22"/>
-    <p:sldId id="280" r:id="rId23"/>
+    <p:sldId id="281" r:id="rId17"/>
+    <p:sldId id="269" r:id="rId18"/>
+    <p:sldId id="276" r:id="rId19"/>
+    <p:sldId id="277" r:id="rId20"/>
+    <p:sldId id="270" r:id="rId21"/>
+    <p:sldId id="278" r:id="rId22"/>
+    <p:sldId id="279" r:id="rId23"/>
+    <p:sldId id="280" r:id="rId24"/>
   </p:sldIdLst>
   <p:sldSz cx="12192000" cy="6858000"/>
   <p:notesSz cx="6858000" cy="9144000"/>
@@ -11478,9 +11479,22 @@
         <a:lstStyle/>
         <a:p>
           <a:r>
-            <a:rPr lang="es-ES" dirty="0"/>
-            <a:t>Causas</a:t>
+            <a:rPr lang="es-ES" dirty="0" smtClean="0"/>
+            <a:t>Causas: </a:t>
           </a:r>
+          <a:r>
+            <a:rPr lang="es-ES" dirty="0" smtClean="0">
+              <a:solidFill>
+                <a:schemeClr val="accent5"/>
+              </a:solidFill>
+            </a:rPr>
+            <a:t>Es constatable y demostrable, OBJETIVOS.</a:t>
+          </a:r>
+          <a:endParaRPr lang="es-ES" dirty="0">
+            <a:solidFill>
+              <a:schemeClr val="accent5"/>
+            </a:solidFill>
+          </a:endParaRPr>
         </a:p>
       </dgm:t>
     </dgm:pt>
@@ -11514,9 +11528,18 @@
         <a:lstStyle/>
         <a:p>
           <a:r>
-            <a:rPr lang="es-ES" dirty="0"/>
+            <a:rPr lang="es-ES" dirty="0" smtClean="0"/>
             <a:t>Ineptitud</a:t>
           </a:r>
+          <a:r>
+            <a:rPr lang="es-ES" dirty="0" smtClean="0">
+              <a:solidFill>
+                <a:schemeClr val="accent2"/>
+              </a:solidFill>
+            </a:rPr>
+            <a:t>: Por falta de valía. Si se observó en el periodo de prueba, no puede aplicarse luego como causa.</a:t>
+          </a:r>
+          <a:endParaRPr lang="es-ES" dirty="0"/>
         </a:p>
       </dgm:t>
     </dgm:pt>
@@ -11551,8 +11574,21 @@
         <a:p>
           <a:r>
             <a:rPr lang="es-ES" dirty="0"/>
-            <a:t>Falta de presupuesto</a:t>
+            <a:t>Falta de </a:t>
           </a:r>
+          <a:r>
+            <a:rPr lang="es-ES" dirty="0" smtClean="0"/>
+            <a:t>presupuesto: </a:t>
+          </a:r>
+          <a:r>
+            <a:rPr lang="es-ES" dirty="0" smtClean="0">
+              <a:solidFill>
+                <a:schemeClr val="accent2"/>
+              </a:solidFill>
+            </a:rPr>
+            <a:t>Falta de dotación presupuestaria.</a:t>
+          </a:r>
+          <a:endParaRPr lang="es-ES" dirty="0"/>
         </a:p>
       </dgm:t>
     </dgm:pt>
@@ -11587,8 +11623,25 @@
         <a:p>
           <a:r>
             <a:rPr lang="es-ES" dirty="0"/>
-            <a:t>Causas técnicas, económicas u organizativas</a:t>
+            <a:t>Causas técnicas, económicas u </a:t>
           </a:r>
+          <a:r>
+            <a:rPr lang="es-ES" dirty="0" smtClean="0"/>
+            <a:t>organizativas: </a:t>
+          </a:r>
+          <a:r>
+            <a:rPr lang="es-ES" dirty="0" smtClean="0">
+              <a:solidFill>
+                <a:schemeClr val="accent2"/>
+              </a:solidFill>
+            </a:rPr>
+            <a:t>ERES y ERTES, así como despidos por causas activas.</a:t>
+          </a:r>
+          <a:endParaRPr lang="es-ES" dirty="0">
+            <a:solidFill>
+              <a:schemeClr val="accent2"/>
+            </a:solidFill>
+          </a:endParaRPr>
         </a:p>
       </dgm:t>
     </dgm:pt>
@@ -11623,8 +11676,33 @@
         <a:p>
           <a:r>
             <a:rPr lang="es-ES" dirty="0"/>
-            <a:t>Falta de adaptación a modificaciones técnicas</a:t>
+            <a:t>Falta de adaptación a modificaciones </a:t>
           </a:r>
+          <a:r>
+            <a:rPr lang="es-ES" dirty="0" err="1" smtClean="0"/>
+            <a:t>técnicas:</a:t>
+          </a:r>
+          <a:r>
+            <a:rPr lang="es-ES" dirty="0" err="1" smtClean="0">
+              <a:solidFill>
+                <a:schemeClr val="accent2"/>
+              </a:solidFill>
+            </a:rPr>
+            <a:t>Tiene</a:t>
+          </a:r>
+          <a:r>
+            <a:rPr lang="es-ES" dirty="0" smtClean="0">
+              <a:solidFill>
+                <a:schemeClr val="accent2"/>
+              </a:solidFill>
+            </a:rPr>
+            <a:t> que haber transcurrido 2 meses entre la bonificación o el curso de formación que explique esa preparación.</a:t>
+          </a:r>
+          <a:r>
+            <a:rPr lang="es-ES" dirty="0" smtClean="0"/>
+            <a:t> </a:t>
+          </a:r>
+          <a:endParaRPr lang="es-ES" dirty="0"/>
         </a:p>
       </dgm:t>
     </dgm:pt>
@@ -11992,9 +12070,38 @@
         <a:lstStyle/>
         <a:p>
           <a:r>
+            <a:rPr lang="es-ES" dirty="0" smtClean="0"/>
+            <a:t>Comunicación </a:t>
+          </a:r>
+          <a:r>
+            <a:rPr lang="es-ES" dirty="0" smtClean="0">
+              <a:solidFill>
+                <a:schemeClr val="accent2"/>
+              </a:solidFill>
+            </a:rPr>
+            <a:t>POR ESCRITO </a:t>
+          </a:r>
+          <a:r>
             <a:rPr lang="es-ES" dirty="0"/>
-            <a:t>Comunicación y preaviso</a:t>
+            <a:t>y </a:t>
           </a:r>
+          <a:r>
+            <a:rPr lang="es-ES" dirty="0" smtClean="0"/>
+            <a:t>preaviso </a:t>
+          </a:r>
+          <a:r>
+            <a:rPr lang="es-ES" dirty="0" smtClean="0">
+              <a:solidFill>
+                <a:schemeClr val="accent2"/>
+              </a:solidFill>
+            </a:rPr>
+            <a:t>DE 15 DÍAS</a:t>
+          </a:r>
+          <a:endParaRPr lang="es-ES" dirty="0">
+            <a:solidFill>
+              <a:schemeClr val="accent2"/>
+            </a:solidFill>
+          </a:endParaRPr>
         </a:p>
       </dgm:t>
     </dgm:pt>
@@ -12028,9 +12135,22 @@
         <a:lstStyle/>
         <a:p>
           <a:r>
-            <a:rPr lang="es-ES" dirty="0"/>
+            <a:rPr lang="es-ES" dirty="0" smtClean="0"/>
             <a:t>Indemnización </a:t>
           </a:r>
+          <a:r>
+            <a:rPr lang="es-ES" dirty="0" smtClean="0">
+              <a:solidFill>
+                <a:schemeClr val="accent2"/>
+              </a:solidFill>
+            </a:rPr>
+            <a:t>20 DIAS DE SALARIO POR AÑO TRABAJADO </a:t>
+          </a:r>
+          <a:endParaRPr lang="es-ES" dirty="0">
+            <a:solidFill>
+              <a:schemeClr val="accent2"/>
+            </a:solidFill>
+          </a:endParaRPr>
         </a:p>
       </dgm:t>
     </dgm:pt>
@@ -12064,9 +12184,22 @@
         <a:lstStyle/>
         <a:p>
           <a:r>
-            <a:rPr lang="es-ES" dirty="0"/>
-            <a:t>Licencia</a:t>
+            <a:rPr lang="es-ES" dirty="0" smtClean="0"/>
+            <a:t>Licencia: </a:t>
           </a:r>
+          <a:r>
+            <a:rPr lang="es-ES" dirty="0" smtClean="0">
+              <a:solidFill>
+                <a:schemeClr val="accent2"/>
+              </a:solidFill>
+            </a:rPr>
+            <a:t>PERMISO RETRIBUIDO DE 6 HORAS A LA SEMANA PARA BÚSQUEDA DE TRABAJO DURANTE ESOS 15 DÍAS.</a:t>
+          </a:r>
+          <a:endParaRPr lang="es-ES" dirty="0">
+            <a:solidFill>
+              <a:schemeClr val="accent2"/>
+            </a:solidFill>
+          </a:endParaRPr>
         </a:p>
       </dgm:t>
     </dgm:pt>
@@ -12290,8 +12423,25 @@
         <a:p>
           <a:r>
             <a:rPr lang="es-ES" dirty="0"/>
-            <a:t>Faltas no justificadas de asistencia o puntualidad</a:t>
+            <a:t>Faltas no justificadas de asistencia o </a:t>
           </a:r>
+          <a:r>
+            <a:rPr lang="es-ES" dirty="0" smtClean="0"/>
+            <a:t>puntualidad </a:t>
+          </a:r>
+          <a:r>
+            <a:rPr lang="es-ES" dirty="0" smtClean="0">
+              <a:solidFill>
+                <a:schemeClr val="accent2"/>
+              </a:solidFill>
+            </a:rPr>
+            <a:t>TIENE QUE SER REITERADA</a:t>
+          </a:r>
+          <a:endParaRPr lang="es-ES" dirty="0">
+            <a:solidFill>
+              <a:schemeClr val="accent2"/>
+            </a:solidFill>
+          </a:endParaRPr>
         </a:p>
       </dgm:t>
     </dgm:pt>
@@ -12326,8 +12476,25 @@
         <a:p>
           <a:r>
             <a:rPr lang="es-ES" dirty="0"/>
-            <a:t>Lesión de la buena fe</a:t>
+            <a:t>Lesión de la buena </a:t>
           </a:r>
+          <a:r>
+            <a:rPr lang="es-ES" dirty="0" smtClean="0"/>
+            <a:t>fe: </a:t>
+          </a:r>
+          <a:r>
+            <a:rPr lang="es-ES" dirty="0" smtClean="0">
+              <a:solidFill>
+                <a:schemeClr val="accent2"/>
+              </a:solidFill>
+            </a:rPr>
+            <a:t>ENGAÑOS.</a:t>
+          </a:r>
+          <a:endParaRPr lang="es-ES" dirty="0">
+            <a:solidFill>
+              <a:schemeClr val="accent2"/>
+            </a:solidFill>
+          </a:endParaRPr>
         </a:p>
       </dgm:t>
     </dgm:pt>
@@ -12361,9 +12528,22 @@
         <a:lstStyle/>
         <a:p>
           <a:r>
-            <a:rPr lang="es-ES" dirty="0"/>
-            <a:t>Ofensas </a:t>
+            <a:rPr lang="es-ES" dirty="0" smtClean="0"/>
+            <a:t>Ofensas: </a:t>
           </a:r>
+          <a:r>
+            <a:rPr lang="es-ES" dirty="0" smtClean="0">
+              <a:solidFill>
+                <a:schemeClr val="accent2"/>
+              </a:solidFill>
+            </a:rPr>
+            <a:t>¡OJO! PUEDE SER FUERA DEL PUESTO DEL TRABAJO</a:t>
+          </a:r>
+          <a:endParaRPr lang="es-ES" dirty="0">
+            <a:solidFill>
+              <a:schemeClr val="accent2"/>
+            </a:solidFill>
+          </a:endParaRPr>
         </a:p>
       </dgm:t>
     </dgm:pt>
@@ -12397,9 +12577,18 @@
         <a:lstStyle/>
         <a:p>
           <a:r>
-            <a:rPr lang="es-ES" dirty="0"/>
-            <a:t>Desobediencia</a:t>
+            <a:rPr lang="es-ES" dirty="0" smtClean="0"/>
+            <a:t>Desobediencia: </a:t>
           </a:r>
+          <a:r>
+            <a:rPr lang="es-ES" dirty="0" smtClean="0">
+              <a:solidFill>
+                <a:schemeClr val="accent2"/>
+              </a:solidFill>
+            </a:rPr>
+            <a:t>ANTE INCUMPLIMIENTO DE ORDENES.</a:t>
+          </a:r>
+          <a:endParaRPr lang="es-ES" dirty="0"/>
         </a:p>
       </dgm:t>
     </dgm:pt>
@@ -12434,8 +12623,25 @@
         <a:p>
           <a:r>
             <a:rPr lang="es-ES" dirty="0"/>
-            <a:t>Disminución del rendimiento</a:t>
+            <a:t>Disminución del </a:t>
           </a:r>
+          <a:r>
+            <a:rPr lang="es-ES" dirty="0" smtClean="0"/>
+            <a:t>rendimiento: </a:t>
+          </a:r>
+          <a:r>
+            <a:rPr lang="es-ES" dirty="0" smtClean="0">
+              <a:solidFill>
+                <a:schemeClr val="accent2"/>
+              </a:solidFill>
+            </a:rPr>
+            <a:t>DEMOSTRABLE</a:t>
+          </a:r>
+          <a:r>
+            <a:rPr lang="es-ES" dirty="0" smtClean="0"/>
+            <a:t>.</a:t>
+          </a:r>
+          <a:endParaRPr lang="es-ES" dirty="0"/>
         </a:p>
       </dgm:t>
     </dgm:pt>
@@ -12469,8 +12675,20 @@
         <a:lstStyle/>
         <a:p>
           <a:r>
+            <a:rPr lang="es-ES" dirty="0" smtClean="0"/>
+            <a:t>Embriaguez </a:t>
+          </a:r>
+          <a:r>
+            <a:rPr lang="es-ES" dirty="0" smtClean="0">
+              <a:solidFill>
+                <a:schemeClr val="accent2"/>
+              </a:solidFill>
+            </a:rPr>
+            <a:t>(HABITUAL) </a:t>
+          </a:r>
+          <a:r>
             <a:rPr lang="es-ES" dirty="0"/>
-            <a:t>Embriaguez o toxicomanía</a:t>
+            <a:t>o toxicomanía</a:t>
           </a:r>
         </a:p>
       </dgm:t>
@@ -12505,9 +12723,10 @@
         <a:lstStyle/>
         <a:p>
           <a:r>
-            <a:rPr lang="es-ES" dirty="0"/>
-            <a:t>Acoso</a:t>
+            <a:rPr lang="es-ES" dirty="0" smtClean="0"/>
+            <a:t>Acoso: </a:t>
           </a:r>
+          <a:endParaRPr lang="es-ES" dirty="0"/>
         </a:p>
       </dgm:t>
     </dgm:pt>
@@ -17191,8 +17410,8 @@
       </dsp:nvSpPr>
       <dsp:spPr>
         <a:xfrm>
-          <a:off x="612056" y="1492535"/>
-          <a:ext cx="1729386" cy="864693"/>
+          <a:off x="618770" y="1644311"/>
+          <a:ext cx="1905247" cy="952623"/>
         </a:xfrm>
         <a:prstGeom prst="roundRect">
           <a:avLst>
@@ -17234,12 +17453,12 @@
         </a:fontRef>
       </dsp:style>
       <dsp:txBody>
-        <a:bodyPr spcFirstLastPara="0" vert="horz" wrap="square" lIns="10160" tIns="10160" rIns="10160" bIns="10160" numCol="1" spcCol="1270" anchor="ctr" anchorCtr="0">
+        <a:bodyPr spcFirstLastPara="0" vert="horz" wrap="square" lIns="6350" tIns="6350" rIns="6350" bIns="6350" numCol="1" spcCol="1270" anchor="ctr" anchorCtr="0">
           <a:noAutofit/>
         </a:bodyPr>
         <a:lstStyle/>
         <a:p>
-          <a:pPr lvl="0" algn="ctr" defTabSz="711200">
+          <a:pPr lvl="0" algn="ctr" defTabSz="444500">
             <a:lnSpc>
               <a:spcPct val="90000"/>
             </a:lnSpc>
@@ -17251,14 +17470,27 @@
             </a:spcAft>
           </a:pPr>
           <a:r>
-            <a:rPr lang="es-ES" sz="1600" kern="1200" dirty="0"/>
-            <a:t>Causas</a:t>
+            <a:rPr lang="es-ES" sz="1000" kern="1200" dirty="0" smtClean="0"/>
+            <a:t>Causas: </a:t>
           </a:r>
+          <a:r>
+            <a:rPr lang="es-ES" sz="1000" kern="1200" dirty="0" smtClean="0">
+              <a:solidFill>
+                <a:schemeClr val="accent5"/>
+              </a:solidFill>
+            </a:rPr>
+            <a:t>Es constatable y demostrable, OBJETIVOS.</a:t>
+          </a:r>
+          <a:endParaRPr lang="es-ES" sz="1000" kern="1200" dirty="0">
+            <a:solidFill>
+              <a:schemeClr val="accent5"/>
+            </a:solidFill>
+          </a:endParaRPr>
         </a:p>
       </dsp:txBody>
       <dsp:txXfrm>
-        <a:off x="637382" y="1517861"/>
-        <a:ext cx="1678734" cy="814041"/>
+        <a:off x="646671" y="1672212"/>
+        <a:ext cx="1849445" cy="896821"/>
       </dsp:txXfrm>
     </dsp:sp>
     <dsp:sp modelId="{ABE742C3-422F-478B-A44D-0E07C56E4967}">
@@ -17268,8 +17500,8 @@
       </dsp:nvSpPr>
       <dsp:spPr>
         <a:xfrm rot="17692822">
-          <a:off x="1865221" y="1158869"/>
-          <a:ext cx="1644196" cy="40429"/>
+          <a:off x="1999370" y="1278770"/>
+          <a:ext cx="1811394" cy="40429"/>
         </a:xfrm>
         <a:custGeom>
           <a:avLst/>
@@ -17283,7 +17515,176 @@
                 <a:pt x="0" y="20214"/>
               </a:moveTo>
               <a:lnTo>
-                <a:pt x="1644196" y="20214"/>
+                <a:pt x="1811394" y="20214"/>
+              </a:lnTo>
+            </a:path>
+          </a:pathLst>
+        </a:custGeom>
+        <a:noFill/>
+        <a:ln w="12700" cap="flat" cmpd="sng" algn="ctr">
+          <a:solidFill>
+            <a:schemeClr val="dk2">
+              <a:shade val="60000"/>
+              <a:hueOff val="0"/>
+              <a:satOff val="0"/>
+              <a:lumOff val="0"/>
+              <a:alphaOff val="0"/>
+            </a:schemeClr>
+          </a:solidFill>
+          <a:prstDash val="solid"/>
+          <a:miter lim="800000"/>
+        </a:ln>
+        <a:effectLst/>
+      </dsp:spPr>
+      <dsp:style>
+        <a:lnRef idx="2">
+          <a:scrgbClr r="0" g="0" b="0"/>
+        </a:lnRef>
+        <a:fillRef idx="0">
+          <a:scrgbClr r="0" g="0" b="0"/>
+        </a:fillRef>
+        <a:effectRef idx="0">
+          <a:scrgbClr r="0" g="0" b="0"/>
+        </a:effectRef>
+        <a:fontRef idx="minor"/>
+      </dsp:style>
+      <dsp:txBody>
+        <a:bodyPr spcFirstLastPara="0" vert="horz" wrap="square" lIns="12700" tIns="0" rIns="12700" bIns="0" numCol="1" spcCol="1270" anchor="ctr" anchorCtr="0">
+          <a:noAutofit/>
+        </a:bodyPr>
+        <a:lstStyle/>
+        <a:p>
+          <a:pPr lvl="0" algn="ctr" defTabSz="266700">
+            <a:lnSpc>
+              <a:spcPct val="90000"/>
+            </a:lnSpc>
+            <a:spcBef>
+              <a:spcPct val="0"/>
+            </a:spcBef>
+            <a:spcAft>
+              <a:spcPct val="35000"/>
+            </a:spcAft>
+          </a:pPr>
+          <a:endParaRPr lang="es-ES" sz="600" kern="1200"/>
+        </a:p>
+      </dsp:txBody>
+      <dsp:txXfrm>
+        <a:off x="2859782" y="1253700"/>
+        <a:ext cx="90569" cy="90569"/>
+      </dsp:txXfrm>
+    </dsp:sp>
+    <dsp:sp modelId="{122EEA67-1A19-47E7-9FC3-2E14C69B2870}">
+      <dsp:nvSpPr>
+        <dsp:cNvPr id="0" name=""/>
+        <dsp:cNvSpPr/>
+      </dsp:nvSpPr>
+      <dsp:spPr>
+        <a:xfrm>
+          <a:off x="3286117" y="1035"/>
+          <a:ext cx="1905247" cy="952623"/>
+        </a:xfrm>
+        <a:prstGeom prst="roundRect">
+          <a:avLst>
+            <a:gd name="adj" fmla="val 10000"/>
+          </a:avLst>
+        </a:prstGeom>
+        <a:solidFill>
+          <a:schemeClr val="lt1">
+            <a:hueOff val="0"/>
+            <a:satOff val="0"/>
+            <a:lumOff val="0"/>
+            <a:alphaOff val="0"/>
+          </a:schemeClr>
+        </a:solidFill>
+        <a:ln w="12700" cap="flat" cmpd="sng" algn="ctr">
+          <a:solidFill>
+            <a:schemeClr val="dk2">
+              <a:shade val="80000"/>
+              <a:hueOff val="0"/>
+              <a:satOff val="0"/>
+              <a:lumOff val="0"/>
+              <a:alphaOff val="0"/>
+            </a:schemeClr>
+          </a:solidFill>
+          <a:prstDash val="solid"/>
+          <a:miter lim="800000"/>
+        </a:ln>
+        <a:effectLst/>
+      </dsp:spPr>
+      <dsp:style>
+        <a:lnRef idx="2">
+          <a:scrgbClr r="0" g="0" b="0"/>
+        </a:lnRef>
+        <a:fillRef idx="1">
+          <a:scrgbClr r="0" g="0" b="0"/>
+        </a:fillRef>
+        <a:effectRef idx="0">
+          <a:scrgbClr r="0" g="0" b="0"/>
+        </a:effectRef>
+        <a:fontRef idx="minor">
+          <a:schemeClr val="lt1"/>
+        </a:fontRef>
+      </dsp:style>
+      <dsp:txBody>
+        <a:bodyPr spcFirstLastPara="0" vert="horz" wrap="square" lIns="6350" tIns="6350" rIns="6350" bIns="6350" numCol="1" spcCol="1270" anchor="ctr" anchorCtr="0">
+          <a:noAutofit/>
+        </a:bodyPr>
+        <a:lstStyle/>
+        <a:p>
+          <a:pPr lvl="0" algn="ctr" defTabSz="444500">
+            <a:lnSpc>
+              <a:spcPct val="90000"/>
+            </a:lnSpc>
+            <a:spcBef>
+              <a:spcPct val="0"/>
+            </a:spcBef>
+            <a:spcAft>
+              <a:spcPct val="35000"/>
+            </a:spcAft>
+          </a:pPr>
+          <a:r>
+            <a:rPr lang="es-ES" sz="1000" kern="1200" dirty="0" smtClean="0"/>
+            <a:t>Ineptitud</a:t>
+          </a:r>
+          <a:r>
+            <a:rPr lang="es-ES" sz="1000" kern="1200" dirty="0" smtClean="0">
+              <a:solidFill>
+                <a:schemeClr val="accent2"/>
+              </a:solidFill>
+            </a:rPr>
+            <a:t>: Por falta de valía. Si se observó en el periodo de prueba, no puede aplicarse luego como causa.</a:t>
+          </a:r>
+          <a:endParaRPr lang="es-ES" sz="1000" kern="1200" dirty="0"/>
+        </a:p>
+      </dsp:txBody>
+      <dsp:txXfrm>
+        <a:off x="3314018" y="28936"/>
+        <a:ext cx="1849445" cy="896821"/>
+      </dsp:txXfrm>
+    </dsp:sp>
+    <dsp:sp modelId="{1DE4D102-94AE-473F-B132-6BF5DB50AAF5}">
+      <dsp:nvSpPr>
+        <dsp:cNvPr id="0" name=""/>
+        <dsp:cNvSpPr/>
+      </dsp:nvSpPr>
+      <dsp:spPr>
+        <a:xfrm rot="19457599">
+          <a:off x="2435803" y="1826529"/>
+          <a:ext cx="938527" cy="40429"/>
+        </a:xfrm>
+        <a:custGeom>
+          <a:avLst/>
+          <a:gdLst/>
+          <a:ahLst/>
+          <a:cxnLst/>
+          <a:rect l="0" t="0" r="0" b="0"/>
+          <a:pathLst>
+            <a:path>
+              <a:moveTo>
+                <a:pt x="0" y="20214"/>
+              </a:moveTo>
+              <a:lnTo>
+                <a:pt x="938527" y="20214"/>
               </a:lnTo>
             </a:path>
           </a:pathLst>
@@ -17337,19 +17738,19 @@
         </a:p>
       </dsp:txBody>
       <dsp:txXfrm>
-        <a:off x="2646215" y="1137979"/>
-        <a:ext cx="82209" cy="82209"/>
+        <a:off x="2881604" y="1823280"/>
+        <a:ext cx="46926" cy="46926"/>
       </dsp:txXfrm>
     </dsp:sp>
-    <dsp:sp modelId="{122EEA67-1A19-47E7-9FC3-2E14C69B2870}">
+    <dsp:sp modelId="{AACB3B1A-F078-4493-A0A3-0B505AF88AC8}">
       <dsp:nvSpPr>
         <dsp:cNvPr id="0" name=""/>
         <dsp:cNvSpPr/>
       </dsp:nvSpPr>
       <dsp:spPr>
         <a:xfrm>
-          <a:off x="3033197" y="939"/>
-          <a:ext cx="1729386" cy="864693"/>
+          <a:off x="3286117" y="1096552"/>
+          <a:ext cx="1905247" cy="952623"/>
         </a:xfrm>
         <a:prstGeom prst="roundRect">
           <a:avLst>
@@ -17394,12 +17795,12 @@
         </a:fontRef>
       </dsp:style>
       <dsp:txBody>
-        <a:bodyPr spcFirstLastPara="0" vert="horz" wrap="square" lIns="10160" tIns="10160" rIns="10160" bIns="10160" numCol="1" spcCol="1270" anchor="ctr" anchorCtr="0">
+        <a:bodyPr spcFirstLastPara="0" vert="horz" wrap="square" lIns="6350" tIns="6350" rIns="6350" bIns="6350" numCol="1" spcCol="1270" anchor="ctr" anchorCtr="0">
           <a:noAutofit/>
         </a:bodyPr>
         <a:lstStyle/>
         <a:p>
-          <a:pPr lvl="0" algn="ctr" defTabSz="711200">
+          <a:pPr lvl="0" algn="ctr" defTabSz="444500">
             <a:lnSpc>
               <a:spcPct val="90000"/>
             </a:lnSpc>
@@ -17411,25 +17812,50 @@
             </a:spcAft>
           </a:pPr>
           <a:r>
-            <a:rPr lang="es-ES" sz="1600" kern="1200" dirty="0"/>
-            <a:t>Ineptitud</a:t>
+            <a:rPr lang="es-ES" sz="1000" kern="1200" dirty="0"/>
+            <a:t>Falta de adaptación a modificaciones </a:t>
           </a:r>
+          <a:r>
+            <a:rPr lang="es-ES" sz="1000" kern="1200" dirty="0" err="1" smtClean="0"/>
+            <a:t>técnicas:</a:t>
+          </a:r>
+          <a:r>
+            <a:rPr lang="es-ES" sz="1000" kern="1200" dirty="0" err="1" smtClean="0">
+              <a:solidFill>
+                <a:schemeClr val="accent2"/>
+              </a:solidFill>
+            </a:rPr>
+            <a:t>Tiene</a:t>
+          </a:r>
+          <a:r>
+            <a:rPr lang="es-ES" sz="1000" kern="1200" dirty="0" smtClean="0">
+              <a:solidFill>
+                <a:schemeClr val="accent2"/>
+              </a:solidFill>
+            </a:rPr>
+            <a:t> que haber transcurrido 2 meses entre la bonificación o el curso de formación que explique esa preparación.</a:t>
+          </a:r>
+          <a:r>
+            <a:rPr lang="es-ES" sz="1000" kern="1200" dirty="0" smtClean="0"/>
+            <a:t> </a:t>
+          </a:r>
+          <a:endParaRPr lang="es-ES" sz="1000" kern="1200" dirty="0"/>
         </a:p>
       </dsp:txBody>
       <dsp:txXfrm>
-        <a:off x="3058523" y="26265"/>
-        <a:ext cx="1678734" cy="814041"/>
+        <a:off x="3314018" y="1124453"/>
+        <a:ext cx="1849445" cy="896821"/>
       </dsp:txXfrm>
     </dsp:sp>
-    <dsp:sp modelId="{1DE4D102-94AE-473F-B132-6BF5DB50AAF5}">
+    <dsp:sp modelId="{93DF4630-DE7F-4E6B-9CD9-B412BB4FC092}">
       <dsp:nvSpPr>
         <dsp:cNvPr id="0" name=""/>
         <dsp:cNvSpPr/>
       </dsp:nvSpPr>
       <dsp:spPr>
-        <a:xfrm rot="19457599">
-          <a:off x="2261370" y="1656067"/>
-          <a:ext cx="851898" cy="40429"/>
+        <a:xfrm rot="2142401">
+          <a:off x="2435803" y="2374288"/>
+          <a:ext cx="938527" cy="40429"/>
         </a:xfrm>
         <a:custGeom>
           <a:avLst/>
@@ -17443,7 +17869,7 @@
                 <a:pt x="0" y="20214"/>
               </a:moveTo>
               <a:lnTo>
-                <a:pt x="851898" y="20214"/>
+                <a:pt x="938527" y="20214"/>
               </a:lnTo>
             </a:path>
           </a:pathLst>
@@ -17497,19 +17923,19 @@
         </a:p>
       </dsp:txBody>
       <dsp:txXfrm>
-        <a:off x="2666022" y="1654985"/>
-        <a:ext cx="42594" cy="42594"/>
+        <a:off x="2881604" y="2371039"/>
+        <a:ext cx="46926" cy="46926"/>
       </dsp:txXfrm>
     </dsp:sp>
-    <dsp:sp modelId="{AACB3B1A-F078-4493-A0A3-0B505AF88AC8}">
+    <dsp:sp modelId="{9B7F4E03-BCB2-448C-B434-D71934BB4E43}">
       <dsp:nvSpPr>
         <dsp:cNvPr id="0" name=""/>
         <dsp:cNvSpPr/>
       </dsp:nvSpPr>
       <dsp:spPr>
         <a:xfrm>
-          <a:off x="3033197" y="995336"/>
-          <a:ext cx="1729386" cy="864693"/>
+          <a:off x="3286117" y="2192070"/>
+          <a:ext cx="1905247" cy="952623"/>
         </a:xfrm>
         <a:prstGeom prst="roundRect">
           <a:avLst>
@@ -17554,12 +17980,12 @@
         </a:fontRef>
       </dsp:style>
       <dsp:txBody>
-        <a:bodyPr spcFirstLastPara="0" vert="horz" wrap="square" lIns="10160" tIns="10160" rIns="10160" bIns="10160" numCol="1" spcCol="1270" anchor="ctr" anchorCtr="0">
+        <a:bodyPr spcFirstLastPara="0" vert="horz" wrap="square" lIns="6350" tIns="6350" rIns="6350" bIns="6350" numCol="1" spcCol="1270" anchor="ctr" anchorCtr="0">
           <a:noAutofit/>
         </a:bodyPr>
         <a:lstStyle/>
         <a:p>
-          <a:pPr lvl="0" algn="ctr" defTabSz="711200">
+          <a:pPr lvl="0" algn="ctr" defTabSz="444500">
             <a:lnSpc>
               <a:spcPct val="90000"/>
             </a:lnSpc>
@@ -17571,25 +17997,42 @@
             </a:spcAft>
           </a:pPr>
           <a:r>
-            <a:rPr lang="es-ES" sz="1600" kern="1200" dirty="0"/>
-            <a:t>Falta de adaptación a modificaciones técnicas</a:t>
+            <a:rPr lang="es-ES" sz="1000" kern="1200" dirty="0"/>
+            <a:t>Causas técnicas, económicas u </a:t>
           </a:r>
+          <a:r>
+            <a:rPr lang="es-ES" sz="1000" kern="1200" dirty="0" smtClean="0"/>
+            <a:t>organizativas: </a:t>
+          </a:r>
+          <a:r>
+            <a:rPr lang="es-ES" sz="1000" kern="1200" dirty="0" smtClean="0">
+              <a:solidFill>
+                <a:schemeClr val="accent2"/>
+              </a:solidFill>
+            </a:rPr>
+            <a:t>ERES y ERTES, así como despidos por causas activas.</a:t>
+          </a:r>
+          <a:endParaRPr lang="es-ES" sz="1000" kern="1200" dirty="0">
+            <a:solidFill>
+              <a:schemeClr val="accent2"/>
+            </a:solidFill>
+          </a:endParaRPr>
         </a:p>
       </dsp:txBody>
       <dsp:txXfrm>
-        <a:off x="3058523" y="1020662"/>
-        <a:ext cx="1678734" cy="814041"/>
+        <a:off x="3314018" y="2219971"/>
+        <a:ext cx="1849445" cy="896821"/>
       </dsp:txXfrm>
     </dsp:sp>
-    <dsp:sp modelId="{93DF4630-DE7F-4E6B-9CD9-B412BB4FC092}">
+    <dsp:sp modelId="{A2567BC8-D663-42B5-BF0B-70DC3F0E0CA2}">
       <dsp:nvSpPr>
         <dsp:cNvPr id="0" name=""/>
         <dsp:cNvSpPr/>
       </dsp:nvSpPr>
       <dsp:spPr>
-        <a:xfrm rot="2142401">
-          <a:off x="2261370" y="2153266"/>
-          <a:ext cx="851898" cy="40429"/>
+        <a:xfrm rot="3907178">
+          <a:off x="1999370" y="2922046"/>
+          <a:ext cx="1811394" cy="40429"/>
         </a:xfrm>
         <a:custGeom>
           <a:avLst/>
@@ -17603,7 +18046,888 @@
                 <a:pt x="0" y="20214"/>
               </a:moveTo>
               <a:lnTo>
-                <a:pt x="851898" y="20214"/>
+                <a:pt x="1811394" y="20214"/>
+              </a:lnTo>
+            </a:path>
+          </a:pathLst>
+        </a:custGeom>
+        <a:noFill/>
+        <a:ln w="12700" cap="flat" cmpd="sng" algn="ctr">
+          <a:solidFill>
+            <a:schemeClr val="dk2">
+              <a:shade val="60000"/>
+              <a:hueOff val="0"/>
+              <a:satOff val="0"/>
+              <a:lumOff val="0"/>
+              <a:alphaOff val="0"/>
+            </a:schemeClr>
+          </a:solidFill>
+          <a:prstDash val="solid"/>
+          <a:miter lim="800000"/>
+        </a:ln>
+        <a:effectLst/>
+      </dsp:spPr>
+      <dsp:style>
+        <a:lnRef idx="2">
+          <a:scrgbClr r="0" g="0" b="0"/>
+        </a:lnRef>
+        <a:fillRef idx="0">
+          <a:scrgbClr r="0" g="0" b="0"/>
+        </a:fillRef>
+        <a:effectRef idx="0">
+          <a:scrgbClr r="0" g="0" b="0"/>
+        </a:effectRef>
+        <a:fontRef idx="minor"/>
+      </dsp:style>
+      <dsp:txBody>
+        <a:bodyPr spcFirstLastPara="0" vert="horz" wrap="square" lIns="12700" tIns="0" rIns="12700" bIns="0" numCol="1" spcCol="1270" anchor="ctr" anchorCtr="0">
+          <a:noAutofit/>
+        </a:bodyPr>
+        <a:lstStyle/>
+        <a:p>
+          <a:pPr lvl="0" algn="ctr" defTabSz="266700">
+            <a:lnSpc>
+              <a:spcPct val="90000"/>
+            </a:lnSpc>
+            <a:spcBef>
+              <a:spcPct val="0"/>
+            </a:spcBef>
+            <a:spcAft>
+              <a:spcPct val="35000"/>
+            </a:spcAft>
+          </a:pPr>
+          <a:endParaRPr lang="es-ES" sz="600" kern="1200"/>
+        </a:p>
+      </dsp:txBody>
+      <dsp:txXfrm>
+        <a:off x="2859782" y="2896976"/>
+        <a:ext cx="90569" cy="90569"/>
+      </dsp:txXfrm>
+    </dsp:sp>
+    <dsp:sp modelId="{AFC7AC5E-49DA-4ABA-B4CC-325B8F24C8C7}">
+      <dsp:nvSpPr>
+        <dsp:cNvPr id="0" name=""/>
+        <dsp:cNvSpPr/>
+      </dsp:nvSpPr>
+      <dsp:spPr>
+        <a:xfrm>
+          <a:off x="3286117" y="3287587"/>
+          <a:ext cx="1905247" cy="952623"/>
+        </a:xfrm>
+        <a:prstGeom prst="roundRect">
+          <a:avLst>
+            <a:gd name="adj" fmla="val 10000"/>
+          </a:avLst>
+        </a:prstGeom>
+        <a:solidFill>
+          <a:schemeClr val="lt1">
+            <a:hueOff val="0"/>
+            <a:satOff val="0"/>
+            <a:lumOff val="0"/>
+            <a:alphaOff val="0"/>
+          </a:schemeClr>
+        </a:solidFill>
+        <a:ln w="12700" cap="flat" cmpd="sng" algn="ctr">
+          <a:solidFill>
+            <a:schemeClr val="dk2">
+              <a:shade val="80000"/>
+              <a:hueOff val="0"/>
+              <a:satOff val="0"/>
+              <a:lumOff val="0"/>
+              <a:alphaOff val="0"/>
+            </a:schemeClr>
+          </a:solidFill>
+          <a:prstDash val="solid"/>
+          <a:miter lim="800000"/>
+        </a:ln>
+        <a:effectLst/>
+      </dsp:spPr>
+      <dsp:style>
+        <a:lnRef idx="2">
+          <a:scrgbClr r="0" g="0" b="0"/>
+        </a:lnRef>
+        <a:fillRef idx="1">
+          <a:scrgbClr r="0" g="0" b="0"/>
+        </a:fillRef>
+        <a:effectRef idx="0">
+          <a:scrgbClr r="0" g="0" b="0"/>
+        </a:effectRef>
+        <a:fontRef idx="minor">
+          <a:schemeClr val="lt1"/>
+        </a:fontRef>
+      </dsp:style>
+      <dsp:txBody>
+        <a:bodyPr spcFirstLastPara="0" vert="horz" wrap="square" lIns="6350" tIns="6350" rIns="6350" bIns="6350" numCol="1" spcCol="1270" anchor="ctr" anchorCtr="0">
+          <a:noAutofit/>
+        </a:bodyPr>
+        <a:lstStyle/>
+        <a:p>
+          <a:pPr lvl="0" algn="ctr" defTabSz="444500">
+            <a:lnSpc>
+              <a:spcPct val="90000"/>
+            </a:lnSpc>
+            <a:spcBef>
+              <a:spcPct val="0"/>
+            </a:spcBef>
+            <a:spcAft>
+              <a:spcPct val="35000"/>
+            </a:spcAft>
+          </a:pPr>
+          <a:r>
+            <a:rPr lang="es-ES" sz="1000" kern="1200" dirty="0"/>
+            <a:t>Falta de </a:t>
+          </a:r>
+          <a:r>
+            <a:rPr lang="es-ES" sz="1000" kern="1200" dirty="0" smtClean="0"/>
+            <a:t>presupuesto: </a:t>
+          </a:r>
+          <a:r>
+            <a:rPr lang="es-ES" sz="1000" kern="1200" dirty="0" smtClean="0">
+              <a:solidFill>
+                <a:schemeClr val="accent2"/>
+              </a:solidFill>
+            </a:rPr>
+            <a:t>Falta de dotación presupuestaria.</a:t>
+          </a:r>
+          <a:endParaRPr lang="es-ES" sz="1000" kern="1200" dirty="0"/>
+        </a:p>
+      </dsp:txBody>
+      <dsp:txXfrm>
+        <a:off x="3314018" y="3315488"/>
+        <a:ext cx="1849445" cy="896821"/>
+      </dsp:txXfrm>
+    </dsp:sp>
+  </dsp:spTree>
+</dsp:drawing>
+</file>
+
+<file path=ppt/diagrams/drawing8.xml><?xml version="1.0" encoding="utf-8"?>
+<dsp:drawing xmlns:dgm="http://schemas.openxmlformats.org/drawingml/2006/diagram" xmlns:dsp="http://schemas.microsoft.com/office/drawing/2008/diagram" xmlns:a="http://schemas.openxmlformats.org/drawingml/2006/main">
+  <dsp:spTree>
+    <dsp:nvGrpSpPr>
+      <dsp:cNvPr id="0" name=""/>
+      <dsp:cNvGrpSpPr/>
+    </dsp:nvGrpSpPr>
+    <dsp:grpSpPr/>
+    <dsp:sp modelId="{D3A26FA2-27B3-4376-986D-715278D394B5}">
+      <dsp:nvSpPr>
+        <dsp:cNvPr id="0" name=""/>
+        <dsp:cNvSpPr/>
+      </dsp:nvSpPr>
+      <dsp:spPr>
+        <a:xfrm>
+          <a:off x="1792692" y="1861057"/>
+          <a:ext cx="1484536" cy="1484536"/>
+        </a:xfrm>
+        <a:prstGeom prst="ellipse">
+          <a:avLst/>
+        </a:prstGeom>
+        <a:solidFill>
+          <a:schemeClr val="tx2">
+            <a:lumMod val="50000"/>
+            <a:lumOff val="50000"/>
+          </a:schemeClr>
+        </a:solidFill>
+        <a:ln w="12700" cap="flat" cmpd="sng" algn="ctr">
+          <a:solidFill>
+            <a:schemeClr val="dk2">
+              <a:shade val="80000"/>
+              <a:hueOff val="0"/>
+              <a:satOff val="0"/>
+              <a:lumOff val="0"/>
+              <a:alphaOff val="0"/>
+            </a:schemeClr>
+          </a:solidFill>
+          <a:prstDash val="solid"/>
+          <a:miter lim="800000"/>
+        </a:ln>
+        <a:effectLst/>
+      </dsp:spPr>
+      <dsp:style>
+        <a:lnRef idx="2">
+          <a:scrgbClr r="0" g="0" b="0"/>
+        </a:lnRef>
+        <a:fillRef idx="1">
+          <a:scrgbClr r="0" g="0" b="0"/>
+        </a:fillRef>
+        <a:effectRef idx="0">
+          <a:scrgbClr r="0" g="0" b="0"/>
+        </a:effectRef>
+        <a:fontRef idx="minor">
+          <a:schemeClr val="lt1"/>
+        </a:fontRef>
+      </dsp:style>
+      <dsp:txBody>
+        <a:bodyPr spcFirstLastPara="0" vert="horz" wrap="square" lIns="12065" tIns="12065" rIns="12065" bIns="12065" numCol="1" spcCol="1270" anchor="ctr" anchorCtr="0">
+          <a:noAutofit/>
+        </a:bodyPr>
+        <a:lstStyle/>
+        <a:p>
+          <a:pPr lvl="0" algn="ctr" defTabSz="844550">
+            <a:lnSpc>
+              <a:spcPct val="90000"/>
+            </a:lnSpc>
+            <a:spcBef>
+              <a:spcPct val="0"/>
+            </a:spcBef>
+            <a:spcAft>
+              <a:spcPct val="35000"/>
+            </a:spcAft>
+          </a:pPr>
+          <a:r>
+            <a:rPr lang="es-ES" sz="1900" kern="1200" dirty="0"/>
+            <a:t>Requisitos</a:t>
+          </a:r>
+        </a:p>
+      </dsp:txBody>
+      <dsp:txXfrm>
+        <a:off x="2010097" y="2078462"/>
+        <a:ext cx="1049726" cy="1049726"/>
+      </dsp:txXfrm>
+    </dsp:sp>
+    <dsp:sp modelId="{56F48C7C-3766-4EE1-9546-EFD3F38022F1}">
+      <dsp:nvSpPr>
+        <dsp:cNvPr id="0" name=""/>
+        <dsp:cNvSpPr/>
+      </dsp:nvSpPr>
+      <dsp:spPr>
+        <a:xfrm rot="12900000">
+          <a:off x="754499" y="1573890"/>
+          <a:ext cx="1224789" cy="423092"/>
+        </a:xfrm>
+        <a:prstGeom prst="leftArrow">
+          <a:avLst>
+            <a:gd name="adj1" fmla="val 60000"/>
+            <a:gd name="adj2" fmla="val 50000"/>
+          </a:avLst>
+        </a:prstGeom>
+        <a:solidFill>
+          <a:schemeClr val="dk2">
+            <a:tint val="60000"/>
+            <a:hueOff val="0"/>
+            <a:satOff val="0"/>
+            <a:lumOff val="0"/>
+            <a:alphaOff val="0"/>
+          </a:schemeClr>
+        </a:solidFill>
+        <a:ln>
+          <a:noFill/>
+        </a:ln>
+        <a:effectLst/>
+      </dsp:spPr>
+      <dsp:style>
+        <a:lnRef idx="0">
+          <a:scrgbClr r="0" g="0" b="0"/>
+        </a:lnRef>
+        <a:fillRef idx="1">
+          <a:scrgbClr r="0" g="0" b="0"/>
+        </a:fillRef>
+        <a:effectRef idx="0">
+          <a:scrgbClr r="0" g="0" b="0"/>
+        </a:effectRef>
+        <a:fontRef idx="minor">
+          <a:schemeClr val="lt1"/>
+        </a:fontRef>
+      </dsp:style>
+    </dsp:sp>
+    <dsp:sp modelId="{56940CCA-CBE3-43AD-8B20-B3636C30DF86}">
+      <dsp:nvSpPr>
+        <dsp:cNvPr id="0" name=""/>
+        <dsp:cNvSpPr/>
+      </dsp:nvSpPr>
+      <dsp:spPr>
+        <a:xfrm>
+          <a:off x="160094" y="870057"/>
+          <a:ext cx="1410309" cy="1128247"/>
+        </a:xfrm>
+        <a:prstGeom prst="roundRect">
+          <a:avLst>
+            <a:gd name="adj" fmla="val 10000"/>
+          </a:avLst>
+        </a:prstGeom>
+        <a:solidFill>
+          <a:schemeClr val="lt1">
+            <a:hueOff val="0"/>
+            <a:satOff val="0"/>
+            <a:lumOff val="0"/>
+            <a:alphaOff val="0"/>
+          </a:schemeClr>
+        </a:solidFill>
+        <a:ln w="12700" cap="flat" cmpd="sng" algn="ctr">
+          <a:solidFill>
+            <a:schemeClr val="dk2">
+              <a:shade val="80000"/>
+              <a:hueOff val="0"/>
+              <a:satOff val="0"/>
+              <a:lumOff val="0"/>
+              <a:alphaOff val="0"/>
+            </a:schemeClr>
+          </a:solidFill>
+          <a:prstDash val="solid"/>
+          <a:miter lim="800000"/>
+        </a:ln>
+        <a:effectLst/>
+      </dsp:spPr>
+      <dsp:style>
+        <a:lnRef idx="2">
+          <a:scrgbClr r="0" g="0" b="0"/>
+        </a:lnRef>
+        <a:fillRef idx="1">
+          <a:scrgbClr r="0" g="0" b="0"/>
+        </a:fillRef>
+        <a:effectRef idx="0">
+          <a:scrgbClr r="0" g="0" b="0"/>
+        </a:effectRef>
+        <a:fontRef idx="minor">
+          <a:schemeClr val="lt1"/>
+        </a:fontRef>
+      </dsp:style>
+      <dsp:txBody>
+        <a:bodyPr spcFirstLastPara="0" vert="horz" wrap="square" lIns="20955" tIns="20955" rIns="20955" bIns="20955" numCol="1" spcCol="1270" anchor="ctr" anchorCtr="0">
+          <a:noAutofit/>
+        </a:bodyPr>
+        <a:lstStyle/>
+        <a:p>
+          <a:pPr lvl="0" algn="ctr" defTabSz="488950">
+            <a:lnSpc>
+              <a:spcPct val="90000"/>
+            </a:lnSpc>
+            <a:spcBef>
+              <a:spcPct val="0"/>
+            </a:spcBef>
+            <a:spcAft>
+              <a:spcPct val="35000"/>
+            </a:spcAft>
+          </a:pPr>
+          <a:r>
+            <a:rPr lang="es-ES" sz="1100" kern="1200" dirty="0" smtClean="0"/>
+            <a:t>Comunicación </a:t>
+          </a:r>
+          <a:r>
+            <a:rPr lang="es-ES" sz="1100" kern="1200" dirty="0" smtClean="0">
+              <a:solidFill>
+                <a:schemeClr val="accent2"/>
+              </a:solidFill>
+            </a:rPr>
+            <a:t>POR ESCRITO </a:t>
+          </a:r>
+          <a:r>
+            <a:rPr lang="es-ES" sz="1100" kern="1200" dirty="0"/>
+            <a:t>y </a:t>
+          </a:r>
+          <a:r>
+            <a:rPr lang="es-ES" sz="1100" kern="1200" dirty="0" smtClean="0"/>
+            <a:t>preaviso </a:t>
+          </a:r>
+          <a:r>
+            <a:rPr lang="es-ES" sz="1100" kern="1200" dirty="0" smtClean="0">
+              <a:solidFill>
+                <a:schemeClr val="accent2"/>
+              </a:solidFill>
+            </a:rPr>
+            <a:t>DE 15 DÍAS</a:t>
+          </a:r>
+          <a:endParaRPr lang="es-ES" sz="1100" kern="1200" dirty="0">
+            <a:solidFill>
+              <a:schemeClr val="accent2"/>
+            </a:solidFill>
+          </a:endParaRPr>
+        </a:p>
+      </dsp:txBody>
+      <dsp:txXfrm>
+        <a:off x="193139" y="903102"/>
+        <a:ext cx="1344219" cy="1062157"/>
+      </dsp:txXfrm>
+    </dsp:sp>
+    <dsp:sp modelId="{610E5F45-9587-4524-801B-4F46BF8E0C6B}">
+      <dsp:nvSpPr>
+        <dsp:cNvPr id="0" name=""/>
+        <dsp:cNvSpPr/>
+      </dsp:nvSpPr>
+      <dsp:spPr>
+        <a:xfrm rot="16200000">
+          <a:off x="1922566" y="965832"/>
+          <a:ext cx="1224789" cy="423092"/>
+        </a:xfrm>
+        <a:prstGeom prst="leftArrow">
+          <a:avLst>
+            <a:gd name="adj1" fmla="val 60000"/>
+            <a:gd name="adj2" fmla="val 50000"/>
+          </a:avLst>
+        </a:prstGeom>
+        <a:solidFill>
+          <a:schemeClr val="dk2">
+            <a:tint val="60000"/>
+            <a:hueOff val="0"/>
+            <a:satOff val="0"/>
+            <a:lumOff val="0"/>
+            <a:alphaOff val="0"/>
+          </a:schemeClr>
+        </a:solidFill>
+        <a:ln>
+          <a:noFill/>
+        </a:ln>
+        <a:effectLst/>
+      </dsp:spPr>
+      <dsp:style>
+        <a:lnRef idx="0">
+          <a:scrgbClr r="0" g="0" b="0"/>
+        </a:lnRef>
+        <a:fillRef idx="1">
+          <a:scrgbClr r="0" g="0" b="0"/>
+        </a:fillRef>
+        <a:effectRef idx="0">
+          <a:scrgbClr r="0" g="0" b="0"/>
+        </a:effectRef>
+        <a:fontRef idx="minor">
+          <a:schemeClr val="lt1"/>
+        </a:fontRef>
+      </dsp:style>
+    </dsp:sp>
+    <dsp:sp modelId="{D48588B3-3050-4B77-9973-F0C030101CD4}">
+      <dsp:nvSpPr>
+        <dsp:cNvPr id="0" name=""/>
+        <dsp:cNvSpPr/>
+      </dsp:nvSpPr>
+      <dsp:spPr>
+        <a:xfrm>
+          <a:off x="1829806" y="860"/>
+          <a:ext cx="1410309" cy="1128247"/>
+        </a:xfrm>
+        <a:prstGeom prst="roundRect">
+          <a:avLst>
+            <a:gd name="adj" fmla="val 10000"/>
+          </a:avLst>
+        </a:prstGeom>
+        <a:solidFill>
+          <a:schemeClr val="lt1">
+            <a:hueOff val="0"/>
+            <a:satOff val="0"/>
+            <a:lumOff val="0"/>
+            <a:alphaOff val="0"/>
+          </a:schemeClr>
+        </a:solidFill>
+        <a:ln w="12700" cap="flat" cmpd="sng" algn="ctr">
+          <a:solidFill>
+            <a:schemeClr val="dk2">
+              <a:shade val="80000"/>
+              <a:hueOff val="0"/>
+              <a:satOff val="0"/>
+              <a:lumOff val="0"/>
+              <a:alphaOff val="0"/>
+            </a:schemeClr>
+          </a:solidFill>
+          <a:prstDash val="solid"/>
+          <a:miter lim="800000"/>
+        </a:ln>
+        <a:effectLst/>
+      </dsp:spPr>
+      <dsp:style>
+        <a:lnRef idx="2">
+          <a:scrgbClr r="0" g="0" b="0"/>
+        </a:lnRef>
+        <a:fillRef idx="1">
+          <a:scrgbClr r="0" g="0" b="0"/>
+        </a:fillRef>
+        <a:effectRef idx="0">
+          <a:scrgbClr r="0" g="0" b="0"/>
+        </a:effectRef>
+        <a:fontRef idx="minor">
+          <a:schemeClr val="lt1"/>
+        </a:fontRef>
+      </dsp:style>
+      <dsp:txBody>
+        <a:bodyPr spcFirstLastPara="0" vert="horz" wrap="square" lIns="20955" tIns="20955" rIns="20955" bIns="20955" numCol="1" spcCol="1270" anchor="ctr" anchorCtr="0">
+          <a:noAutofit/>
+        </a:bodyPr>
+        <a:lstStyle/>
+        <a:p>
+          <a:pPr lvl="0" algn="ctr" defTabSz="488950">
+            <a:lnSpc>
+              <a:spcPct val="90000"/>
+            </a:lnSpc>
+            <a:spcBef>
+              <a:spcPct val="0"/>
+            </a:spcBef>
+            <a:spcAft>
+              <a:spcPct val="35000"/>
+            </a:spcAft>
+          </a:pPr>
+          <a:r>
+            <a:rPr lang="es-ES" sz="1100" kern="1200" dirty="0" smtClean="0"/>
+            <a:t>Indemnización </a:t>
+          </a:r>
+          <a:r>
+            <a:rPr lang="es-ES" sz="1100" kern="1200" dirty="0" smtClean="0">
+              <a:solidFill>
+                <a:schemeClr val="accent2"/>
+              </a:solidFill>
+            </a:rPr>
+            <a:t>20 DIAS DE SALARIO POR AÑO TRABAJADO </a:t>
+          </a:r>
+          <a:endParaRPr lang="es-ES" sz="1100" kern="1200" dirty="0">
+            <a:solidFill>
+              <a:schemeClr val="accent2"/>
+            </a:solidFill>
+          </a:endParaRPr>
+        </a:p>
+      </dsp:txBody>
+      <dsp:txXfrm>
+        <a:off x="1862851" y="33905"/>
+        <a:ext cx="1344219" cy="1062157"/>
+      </dsp:txXfrm>
+    </dsp:sp>
+    <dsp:sp modelId="{35BEEC0D-7B93-4330-8AC1-D7B7DC3AD786}">
+      <dsp:nvSpPr>
+        <dsp:cNvPr id="0" name=""/>
+        <dsp:cNvSpPr/>
+      </dsp:nvSpPr>
+      <dsp:spPr>
+        <a:xfrm rot="19500000">
+          <a:off x="3090633" y="1573890"/>
+          <a:ext cx="1224789" cy="423092"/>
+        </a:xfrm>
+        <a:prstGeom prst="leftArrow">
+          <a:avLst>
+            <a:gd name="adj1" fmla="val 60000"/>
+            <a:gd name="adj2" fmla="val 50000"/>
+          </a:avLst>
+        </a:prstGeom>
+        <a:solidFill>
+          <a:schemeClr val="dk2">
+            <a:tint val="60000"/>
+            <a:hueOff val="0"/>
+            <a:satOff val="0"/>
+            <a:lumOff val="0"/>
+            <a:alphaOff val="0"/>
+          </a:schemeClr>
+        </a:solidFill>
+        <a:ln>
+          <a:noFill/>
+        </a:ln>
+        <a:effectLst/>
+      </dsp:spPr>
+      <dsp:style>
+        <a:lnRef idx="0">
+          <a:scrgbClr r="0" g="0" b="0"/>
+        </a:lnRef>
+        <a:fillRef idx="1">
+          <a:scrgbClr r="0" g="0" b="0"/>
+        </a:fillRef>
+        <a:effectRef idx="0">
+          <a:scrgbClr r="0" g="0" b="0"/>
+        </a:effectRef>
+        <a:fontRef idx="minor">
+          <a:schemeClr val="lt1"/>
+        </a:fontRef>
+      </dsp:style>
+    </dsp:sp>
+    <dsp:sp modelId="{7A505604-F98D-44AF-B12F-21FD336CAE5F}">
+      <dsp:nvSpPr>
+        <dsp:cNvPr id="0" name=""/>
+        <dsp:cNvSpPr/>
+      </dsp:nvSpPr>
+      <dsp:spPr>
+        <a:xfrm>
+          <a:off x="3499517" y="870057"/>
+          <a:ext cx="1410309" cy="1128247"/>
+        </a:xfrm>
+        <a:prstGeom prst="roundRect">
+          <a:avLst>
+            <a:gd name="adj" fmla="val 10000"/>
+          </a:avLst>
+        </a:prstGeom>
+        <a:solidFill>
+          <a:schemeClr val="lt1">
+            <a:hueOff val="0"/>
+            <a:satOff val="0"/>
+            <a:lumOff val="0"/>
+            <a:alphaOff val="0"/>
+          </a:schemeClr>
+        </a:solidFill>
+        <a:ln w="12700" cap="flat" cmpd="sng" algn="ctr">
+          <a:solidFill>
+            <a:schemeClr val="dk2">
+              <a:shade val="80000"/>
+              <a:hueOff val="0"/>
+              <a:satOff val="0"/>
+              <a:lumOff val="0"/>
+              <a:alphaOff val="0"/>
+            </a:schemeClr>
+          </a:solidFill>
+          <a:prstDash val="solid"/>
+          <a:miter lim="800000"/>
+        </a:ln>
+        <a:effectLst/>
+      </dsp:spPr>
+      <dsp:style>
+        <a:lnRef idx="2">
+          <a:scrgbClr r="0" g="0" b="0"/>
+        </a:lnRef>
+        <a:fillRef idx="1">
+          <a:scrgbClr r="0" g="0" b="0"/>
+        </a:fillRef>
+        <a:effectRef idx="0">
+          <a:scrgbClr r="0" g="0" b="0"/>
+        </a:effectRef>
+        <a:fontRef idx="minor">
+          <a:schemeClr val="lt1"/>
+        </a:fontRef>
+      </dsp:style>
+      <dsp:txBody>
+        <a:bodyPr spcFirstLastPara="0" vert="horz" wrap="square" lIns="20955" tIns="20955" rIns="20955" bIns="20955" numCol="1" spcCol="1270" anchor="ctr" anchorCtr="0">
+          <a:noAutofit/>
+        </a:bodyPr>
+        <a:lstStyle/>
+        <a:p>
+          <a:pPr lvl="0" algn="ctr" defTabSz="488950">
+            <a:lnSpc>
+              <a:spcPct val="90000"/>
+            </a:lnSpc>
+            <a:spcBef>
+              <a:spcPct val="0"/>
+            </a:spcBef>
+            <a:spcAft>
+              <a:spcPct val="35000"/>
+            </a:spcAft>
+          </a:pPr>
+          <a:r>
+            <a:rPr lang="es-ES" sz="1100" kern="1200" dirty="0" smtClean="0"/>
+            <a:t>Licencia: </a:t>
+          </a:r>
+          <a:r>
+            <a:rPr lang="es-ES" sz="1100" kern="1200" dirty="0" smtClean="0">
+              <a:solidFill>
+                <a:schemeClr val="accent2"/>
+              </a:solidFill>
+            </a:rPr>
+            <a:t>PERMISO RETRIBUIDO DE 6 HORAS A LA SEMANA PARA BÚSQUEDA DE TRABAJO DURANTE ESOS 15 DÍAS.</a:t>
+          </a:r>
+          <a:endParaRPr lang="es-ES" sz="1100" kern="1200" dirty="0">
+            <a:solidFill>
+              <a:schemeClr val="accent2"/>
+            </a:solidFill>
+          </a:endParaRPr>
+        </a:p>
+      </dsp:txBody>
+      <dsp:txXfrm>
+        <a:off x="3532562" y="903102"/>
+        <a:ext cx="1344219" cy="1062157"/>
+      </dsp:txXfrm>
+    </dsp:sp>
+  </dsp:spTree>
+</dsp:drawing>
+</file>
+
+<file path=ppt/diagrams/drawing9.xml><?xml version="1.0" encoding="utf-8"?>
+<dsp:drawing xmlns:dgm="http://schemas.openxmlformats.org/drawingml/2006/diagram" xmlns:dsp="http://schemas.microsoft.com/office/drawing/2008/diagram" xmlns:a="http://schemas.openxmlformats.org/drawingml/2006/main">
+  <dsp:spTree>
+    <dsp:nvGrpSpPr>
+      <dsp:cNvPr id="0" name=""/>
+      <dsp:cNvGrpSpPr/>
+    </dsp:nvGrpSpPr>
+    <dsp:grpSpPr/>
+    <dsp:sp modelId="{ED244053-CE8D-4B3C-8974-4FAB9A69FB9D}">
+      <dsp:nvSpPr>
+        <dsp:cNvPr id="0" name=""/>
+        <dsp:cNvSpPr/>
+      </dsp:nvSpPr>
+      <dsp:spPr>
+        <a:xfrm>
+          <a:off x="2684511" y="3146367"/>
+          <a:ext cx="485608" cy="2775962"/>
+        </a:xfrm>
+        <a:custGeom>
+          <a:avLst/>
+          <a:gdLst/>
+          <a:ahLst/>
+          <a:cxnLst/>
+          <a:rect l="0" t="0" r="0" b="0"/>
+          <a:pathLst>
+            <a:path>
+              <a:moveTo>
+                <a:pt x="0" y="0"/>
+              </a:moveTo>
+              <a:lnTo>
+                <a:pt x="242804" y="0"/>
+              </a:lnTo>
+              <a:lnTo>
+                <a:pt x="242804" y="2775962"/>
+              </a:lnTo>
+              <a:lnTo>
+                <a:pt x="485608" y="2775962"/>
+              </a:lnTo>
+            </a:path>
+          </a:pathLst>
+        </a:custGeom>
+        <a:noFill/>
+        <a:ln w="12700" cap="flat" cmpd="sng" algn="ctr">
+          <a:solidFill>
+            <a:schemeClr val="dk2">
+              <a:shade val="60000"/>
+              <a:hueOff val="0"/>
+              <a:satOff val="0"/>
+              <a:lumOff val="0"/>
+              <a:alphaOff val="0"/>
+            </a:schemeClr>
+          </a:solidFill>
+          <a:prstDash val="solid"/>
+          <a:miter lim="800000"/>
+        </a:ln>
+        <a:effectLst/>
+      </dsp:spPr>
+      <dsp:style>
+        <a:lnRef idx="2">
+          <a:scrgbClr r="0" g="0" b="0"/>
+        </a:lnRef>
+        <a:fillRef idx="0">
+          <a:scrgbClr r="0" g="0" b="0"/>
+        </a:fillRef>
+        <a:effectRef idx="0">
+          <a:scrgbClr r="0" g="0" b="0"/>
+        </a:effectRef>
+        <a:fontRef idx="minor"/>
+      </dsp:style>
+      <dsp:txBody>
+        <a:bodyPr spcFirstLastPara="0" vert="horz" wrap="square" lIns="12700" tIns="0" rIns="12700" bIns="0" numCol="1" spcCol="1270" anchor="ctr" anchorCtr="0">
+          <a:noAutofit/>
+        </a:bodyPr>
+        <a:lstStyle/>
+        <a:p>
+          <a:pPr lvl="0" algn="ctr" defTabSz="444500">
+            <a:lnSpc>
+              <a:spcPct val="90000"/>
+            </a:lnSpc>
+            <a:spcBef>
+              <a:spcPct val="0"/>
+            </a:spcBef>
+            <a:spcAft>
+              <a:spcPct val="35000"/>
+            </a:spcAft>
+          </a:pPr>
+          <a:endParaRPr lang="es-ES" sz="1000" kern="1200"/>
+        </a:p>
+      </dsp:txBody>
+      <dsp:txXfrm>
+        <a:off x="2856862" y="4463895"/>
+        <a:ext cx="140905" cy="140905"/>
+      </dsp:txXfrm>
+    </dsp:sp>
+    <dsp:sp modelId="{A96E31BE-B69D-4248-90E4-57FC884DC1AE}">
+      <dsp:nvSpPr>
+        <dsp:cNvPr id="0" name=""/>
+        <dsp:cNvSpPr/>
+      </dsp:nvSpPr>
+      <dsp:spPr>
+        <a:xfrm>
+          <a:off x="2684511" y="3146367"/>
+          <a:ext cx="485608" cy="1850641"/>
+        </a:xfrm>
+        <a:custGeom>
+          <a:avLst/>
+          <a:gdLst/>
+          <a:ahLst/>
+          <a:cxnLst/>
+          <a:rect l="0" t="0" r="0" b="0"/>
+          <a:pathLst>
+            <a:path>
+              <a:moveTo>
+                <a:pt x="0" y="0"/>
+              </a:moveTo>
+              <a:lnTo>
+                <a:pt x="242804" y="0"/>
+              </a:lnTo>
+              <a:lnTo>
+                <a:pt x="242804" y="1850641"/>
+              </a:lnTo>
+              <a:lnTo>
+                <a:pt x="485608" y="1850641"/>
+              </a:lnTo>
+            </a:path>
+          </a:pathLst>
+        </a:custGeom>
+        <a:noFill/>
+        <a:ln w="12700" cap="flat" cmpd="sng" algn="ctr">
+          <a:solidFill>
+            <a:schemeClr val="dk2">
+              <a:shade val="60000"/>
+              <a:hueOff val="0"/>
+              <a:satOff val="0"/>
+              <a:lumOff val="0"/>
+              <a:alphaOff val="0"/>
+            </a:schemeClr>
+          </a:solidFill>
+          <a:prstDash val="solid"/>
+          <a:miter lim="800000"/>
+        </a:ln>
+        <a:effectLst/>
+      </dsp:spPr>
+      <dsp:style>
+        <a:lnRef idx="2">
+          <a:scrgbClr r="0" g="0" b="0"/>
+        </a:lnRef>
+        <a:fillRef idx="0">
+          <a:scrgbClr r="0" g="0" b="0"/>
+        </a:fillRef>
+        <a:effectRef idx="0">
+          <a:scrgbClr r="0" g="0" b="0"/>
+        </a:effectRef>
+        <a:fontRef idx="minor"/>
+      </dsp:style>
+      <dsp:txBody>
+        <a:bodyPr spcFirstLastPara="0" vert="horz" wrap="square" lIns="12700" tIns="0" rIns="12700" bIns="0" numCol="1" spcCol="1270" anchor="ctr" anchorCtr="0">
+          <a:noAutofit/>
+        </a:bodyPr>
+        <a:lstStyle/>
+        <a:p>
+          <a:pPr lvl="0" algn="ctr" defTabSz="266700">
+            <a:lnSpc>
+              <a:spcPct val="90000"/>
+            </a:lnSpc>
+            <a:spcBef>
+              <a:spcPct val="0"/>
+            </a:spcBef>
+            <a:spcAft>
+              <a:spcPct val="35000"/>
+            </a:spcAft>
+          </a:pPr>
+          <a:endParaRPr lang="es-ES" sz="600" kern="1200"/>
+        </a:p>
+      </dsp:txBody>
+      <dsp:txXfrm>
+        <a:off x="2879483" y="4023856"/>
+        <a:ext cx="95664" cy="95664"/>
+      </dsp:txXfrm>
+    </dsp:sp>
+    <dsp:sp modelId="{D194056A-5F15-4263-B647-FE34B268BA1F}">
+      <dsp:nvSpPr>
+        <dsp:cNvPr id="0" name=""/>
+        <dsp:cNvSpPr/>
+      </dsp:nvSpPr>
+      <dsp:spPr>
+        <a:xfrm>
+          <a:off x="2684511" y="3146367"/>
+          <a:ext cx="485608" cy="925320"/>
+        </a:xfrm>
+        <a:custGeom>
+          <a:avLst/>
+          <a:gdLst/>
+          <a:ahLst/>
+          <a:cxnLst/>
+          <a:rect l="0" t="0" r="0" b="0"/>
+          <a:pathLst>
+            <a:path>
+              <a:moveTo>
+                <a:pt x="0" y="0"/>
+              </a:moveTo>
+              <a:lnTo>
+                <a:pt x="242804" y="0"/>
+              </a:lnTo>
+              <a:lnTo>
+                <a:pt x="242804" y="925320"/>
+              </a:lnTo>
+              <a:lnTo>
+                <a:pt x="485608" y="925320"/>
               </a:lnTo>
             </a:path>
           </a:pathLst>
@@ -17657,99 +18981,19 @@
         </a:p>
       </dsp:txBody>
       <dsp:txXfrm>
-        <a:off x="2666022" y="2152183"/>
-        <a:ext cx="42594" cy="42594"/>
+        <a:off x="2901190" y="3582902"/>
+        <a:ext cx="52250" cy="52250"/>
       </dsp:txXfrm>
     </dsp:sp>
-    <dsp:sp modelId="{9B7F4E03-BCB2-448C-B434-D71934BB4E43}">
+    <dsp:sp modelId="{41F54B91-BE45-4141-8C82-FAF4C52F39AC}">
       <dsp:nvSpPr>
         <dsp:cNvPr id="0" name=""/>
         <dsp:cNvSpPr/>
       </dsp:nvSpPr>
       <dsp:spPr>
         <a:xfrm>
-          <a:off x="3033197" y="1989733"/>
-          <a:ext cx="1729386" cy="864693"/>
-        </a:xfrm>
-        <a:prstGeom prst="roundRect">
-          <a:avLst>
-            <a:gd name="adj" fmla="val 10000"/>
-          </a:avLst>
-        </a:prstGeom>
-        <a:solidFill>
-          <a:schemeClr val="lt1">
-            <a:hueOff val="0"/>
-            <a:satOff val="0"/>
-            <a:lumOff val="0"/>
-            <a:alphaOff val="0"/>
-          </a:schemeClr>
-        </a:solidFill>
-        <a:ln w="12700" cap="flat" cmpd="sng" algn="ctr">
-          <a:solidFill>
-            <a:schemeClr val="dk2">
-              <a:shade val="80000"/>
-              <a:hueOff val="0"/>
-              <a:satOff val="0"/>
-              <a:lumOff val="0"/>
-              <a:alphaOff val="0"/>
-            </a:schemeClr>
-          </a:solidFill>
-          <a:prstDash val="solid"/>
-          <a:miter lim="800000"/>
-        </a:ln>
-        <a:effectLst/>
-      </dsp:spPr>
-      <dsp:style>
-        <a:lnRef idx="2">
-          <a:scrgbClr r="0" g="0" b="0"/>
-        </a:lnRef>
-        <a:fillRef idx="1">
-          <a:scrgbClr r="0" g="0" b="0"/>
-        </a:fillRef>
-        <a:effectRef idx="0">
-          <a:scrgbClr r="0" g="0" b="0"/>
-        </a:effectRef>
-        <a:fontRef idx="minor">
-          <a:schemeClr val="lt1"/>
-        </a:fontRef>
-      </dsp:style>
-      <dsp:txBody>
-        <a:bodyPr spcFirstLastPara="0" vert="horz" wrap="square" lIns="10160" tIns="10160" rIns="10160" bIns="10160" numCol="1" spcCol="1270" anchor="ctr" anchorCtr="0">
-          <a:noAutofit/>
-        </a:bodyPr>
-        <a:lstStyle/>
-        <a:p>
-          <a:pPr lvl="0" algn="ctr" defTabSz="711200">
-            <a:lnSpc>
-              <a:spcPct val="90000"/>
-            </a:lnSpc>
-            <a:spcBef>
-              <a:spcPct val="0"/>
-            </a:spcBef>
-            <a:spcAft>
-              <a:spcPct val="35000"/>
-            </a:spcAft>
-          </a:pPr>
-          <a:r>
-            <a:rPr lang="es-ES" sz="1600" kern="1200" dirty="0"/>
-            <a:t>Causas técnicas, económicas u organizativas</a:t>
-          </a:r>
-        </a:p>
-      </dsp:txBody>
-      <dsp:txXfrm>
-        <a:off x="3058523" y="2015059"/>
-        <a:ext cx="1678734" cy="814041"/>
-      </dsp:txXfrm>
-    </dsp:sp>
-    <dsp:sp modelId="{A2567BC8-D663-42B5-BF0B-70DC3F0E0CA2}">
-      <dsp:nvSpPr>
-        <dsp:cNvPr id="0" name=""/>
-        <dsp:cNvSpPr/>
-      </dsp:nvSpPr>
-      <dsp:spPr>
-        <a:xfrm rot="3907178">
-          <a:off x="1865221" y="2650464"/>
-          <a:ext cx="1644196" cy="40429"/>
+          <a:off x="2684511" y="3100647"/>
+          <a:ext cx="485608" cy="91440"/>
         </a:xfrm>
         <a:custGeom>
           <a:avLst/>
@@ -17760,10 +19004,10 @@
           <a:pathLst>
             <a:path>
               <a:moveTo>
-                <a:pt x="0" y="20214"/>
+                <a:pt x="0" y="45720"/>
               </a:moveTo>
               <a:lnTo>
-                <a:pt x="1644196" y="20214"/>
+                <a:pt x="485608" y="45720"/>
               </a:lnTo>
             </a:path>
           </a:pathLst>
@@ -17817,574 +19061,19 @@
         </a:p>
       </dsp:txBody>
       <dsp:txXfrm>
-        <a:off x="2646215" y="2629574"/>
-        <a:ext cx="82209" cy="82209"/>
+        <a:off x="2915175" y="3134227"/>
+        <a:ext cx="24280" cy="24280"/>
       </dsp:txXfrm>
     </dsp:sp>
-    <dsp:sp modelId="{AFC7AC5E-49DA-4ABA-B4CC-325B8F24C8C7}">
+    <dsp:sp modelId="{E4BDFBF6-CD3F-4EDC-84D4-945499D7E230}">
       <dsp:nvSpPr>
         <dsp:cNvPr id="0" name=""/>
         <dsp:cNvSpPr/>
       </dsp:nvSpPr>
       <dsp:spPr>
         <a:xfrm>
-          <a:off x="3033197" y="2984131"/>
-          <a:ext cx="1729386" cy="864693"/>
-        </a:xfrm>
-        <a:prstGeom prst="roundRect">
-          <a:avLst>
-            <a:gd name="adj" fmla="val 10000"/>
-          </a:avLst>
-        </a:prstGeom>
-        <a:solidFill>
-          <a:schemeClr val="lt1">
-            <a:hueOff val="0"/>
-            <a:satOff val="0"/>
-            <a:lumOff val="0"/>
-            <a:alphaOff val="0"/>
-          </a:schemeClr>
-        </a:solidFill>
-        <a:ln w="12700" cap="flat" cmpd="sng" algn="ctr">
-          <a:solidFill>
-            <a:schemeClr val="dk2">
-              <a:shade val="80000"/>
-              <a:hueOff val="0"/>
-              <a:satOff val="0"/>
-              <a:lumOff val="0"/>
-              <a:alphaOff val="0"/>
-            </a:schemeClr>
-          </a:solidFill>
-          <a:prstDash val="solid"/>
-          <a:miter lim="800000"/>
-        </a:ln>
-        <a:effectLst/>
-      </dsp:spPr>
-      <dsp:style>
-        <a:lnRef idx="2">
-          <a:scrgbClr r="0" g="0" b="0"/>
-        </a:lnRef>
-        <a:fillRef idx="1">
-          <a:scrgbClr r="0" g="0" b="0"/>
-        </a:fillRef>
-        <a:effectRef idx="0">
-          <a:scrgbClr r="0" g="0" b="0"/>
-        </a:effectRef>
-        <a:fontRef idx="minor">
-          <a:schemeClr val="lt1"/>
-        </a:fontRef>
-      </dsp:style>
-      <dsp:txBody>
-        <a:bodyPr spcFirstLastPara="0" vert="horz" wrap="square" lIns="10160" tIns="10160" rIns="10160" bIns="10160" numCol="1" spcCol="1270" anchor="ctr" anchorCtr="0">
-          <a:noAutofit/>
-        </a:bodyPr>
-        <a:lstStyle/>
-        <a:p>
-          <a:pPr lvl="0" algn="ctr" defTabSz="711200">
-            <a:lnSpc>
-              <a:spcPct val="90000"/>
-            </a:lnSpc>
-            <a:spcBef>
-              <a:spcPct val="0"/>
-            </a:spcBef>
-            <a:spcAft>
-              <a:spcPct val="35000"/>
-            </a:spcAft>
-          </a:pPr>
-          <a:r>
-            <a:rPr lang="es-ES" sz="1600" kern="1200" dirty="0"/>
-            <a:t>Falta de presupuesto</a:t>
-          </a:r>
-        </a:p>
-      </dsp:txBody>
-      <dsp:txXfrm>
-        <a:off x="3058523" y="3009457"/>
-        <a:ext cx="1678734" cy="814041"/>
-      </dsp:txXfrm>
-    </dsp:sp>
-  </dsp:spTree>
-</dsp:drawing>
-</file>
-
-<file path=ppt/diagrams/drawing8.xml><?xml version="1.0" encoding="utf-8"?>
-<dsp:drawing xmlns:dgm="http://schemas.openxmlformats.org/drawingml/2006/diagram" xmlns:dsp="http://schemas.microsoft.com/office/drawing/2008/diagram" xmlns:a="http://schemas.openxmlformats.org/drawingml/2006/main">
-  <dsp:spTree>
-    <dsp:nvGrpSpPr>
-      <dsp:cNvPr id="0" name=""/>
-      <dsp:cNvGrpSpPr/>
-    </dsp:nvGrpSpPr>
-    <dsp:grpSpPr/>
-    <dsp:sp modelId="{D3A26FA2-27B3-4376-986D-715278D394B5}">
-      <dsp:nvSpPr>
-        <dsp:cNvPr id="0" name=""/>
-        <dsp:cNvSpPr/>
-      </dsp:nvSpPr>
-      <dsp:spPr>
-        <a:xfrm>
-          <a:off x="1667524" y="1752247"/>
-          <a:ext cx="1380884" cy="1380884"/>
-        </a:xfrm>
-        <a:prstGeom prst="ellipse">
-          <a:avLst/>
-        </a:prstGeom>
-        <a:solidFill>
-          <a:schemeClr val="tx2">
-            <a:lumMod val="50000"/>
-            <a:lumOff val="50000"/>
-          </a:schemeClr>
-        </a:solidFill>
-        <a:ln w="12700" cap="flat" cmpd="sng" algn="ctr">
-          <a:solidFill>
-            <a:schemeClr val="dk2">
-              <a:shade val="80000"/>
-              <a:hueOff val="0"/>
-              <a:satOff val="0"/>
-              <a:lumOff val="0"/>
-              <a:alphaOff val="0"/>
-            </a:schemeClr>
-          </a:solidFill>
-          <a:prstDash val="solid"/>
-          <a:miter lim="800000"/>
-        </a:ln>
-        <a:effectLst/>
-      </dsp:spPr>
-      <dsp:style>
-        <a:lnRef idx="2">
-          <a:scrgbClr r="0" g="0" b="0"/>
-        </a:lnRef>
-        <a:fillRef idx="1">
-          <a:scrgbClr r="0" g="0" b="0"/>
-        </a:fillRef>
-        <a:effectRef idx="0">
-          <a:scrgbClr r="0" g="0" b="0"/>
-        </a:effectRef>
-        <a:fontRef idx="minor">
-          <a:schemeClr val="lt1"/>
-        </a:fontRef>
-      </dsp:style>
-      <dsp:txBody>
-        <a:bodyPr spcFirstLastPara="0" vert="horz" wrap="square" lIns="11430" tIns="11430" rIns="11430" bIns="11430" numCol="1" spcCol="1270" anchor="ctr" anchorCtr="0">
-          <a:noAutofit/>
-        </a:bodyPr>
-        <a:lstStyle/>
-        <a:p>
-          <a:pPr lvl="0" algn="ctr" defTabSz="800100">
-            <a:lnSpc>
-              <a:spcPct val="90000"/>
-            </a:lnSpc>
-            <a:spcBef>
-              <a:spcPct val="0"/>
-            </a:spcBef>
-            <a:spcAft>
-              <a:spcPct val="35000"/>
-            </a:spcAft>
-          </a:pPr>
-          <a:r>
-            <a:rPr lang="es-ES" sz="1800" kern="1200" dirty="0"/>
-            <a:t>Requisitos</a:t>
-          </a:r>
-        </a:p>
-      </dsp:txBody>
-      <dsp:txXfrm>
-        <a:off x="1869750" y="1954473"/>
-        <a:ext cx="976432" cy="976432"/>
-      </dsp:txXfrm>
-    </dsp:sp>
-    <dsp:sp modelId="{56F48C7C-3766-4EE1-9546-EFD3F38022F1}">
-      <dsp:nvSpPr>
-        <dsp:cNvPr id="0" name=""/>
-        <dsp:cNvSpPr/>
-      </dsp:nvSpPr>
-      <dsp:spPr>
-        <a:xfrm rot="12900000">
-          <a:off x="683199" y="1478902"/>
-          <a:ext cx="1158723" cy="393551"/>
-        </a:xfrm>
-        <a:prstGeom prst="leftArrow">
-          <a:avLst>
-            <a:gd name="adj1" fmla="val 60000"/>
-            <a:gd name="adj2" fmla="val 50000"/>
-          </a:avLst>
-        </a:prstGeom>
-        <a:solidFill>
-          <a:schemeClr val="dk2">
-            <a:tint val="60000"/>
-            <a:hueOff val="0"/>
-            <a:satOff val="0"/>
-            <a:lumOff val="0"/>
-            <a:alphaOff val="0"/>
-          </a:schemeClr>
-        </a:solidFill>
-        <a:ln>
-          <a:noFill/>
-        </a:ln>
-        <a:effectLst/>
-      </dsp:spPr>
-      <dsp:style>
-        <a:lnRef idx="0">
-          <a:scrgbClr r="0" g="0" b="0"/>
-        </a:lnRef>
-        <a:fillRef idx="1">
-          <a:scrgbClr r="0" g="0" b="0"/>
-        </a:fillRef>
-        <a:effectRef idx="0">
-          <a:scrgbClr r="0" g="0" b="0"/>
-        </a:effectRef>
-        <a:fontRef idx="minor">
-          <a:schemeClr val="lt1"/>
-        </a:fontRef>
-      </dsp:style>
-    </dsp:sp>
-    <dsp:sp modelId="{56940CCA-CBE3-43AD-8B20-B3636C30DF86}">
-      <dsp:nvSpPr>
-        <dsp:cNvPr id="0" name=""/>
-        <dsp:cNvSpPr/>
-      </dsp:nvSpPr>
-      <dsp:spPr>
-        <a:xfrm>
-          <a:off x="132055" y="818634"/>
-          <a:ext cx="1311839" cy="1049471"/>
-        </a:xfrm>
-        <a:prstGeom prst="roundRect">
-          <a:avLst>
-            <a:gd name="adj" fmla="val 10000"/>
-          </a:avLst>
-        </a:prstGeom>
-        <a:solidFill>
-          <a:schemeClr val="lt1">
-            <a:hueOff val="0"/>
-            <a:satOff val="0"/>
-            <a:lumOff val="0"/>
-            <a:alphaOff val="0"/>
-          </a:schemeClr>
-        </a:solidFill>
-        <a:ln w="12700" cap="flat" cmpd="sng" algn="ctr">
-          <a:solidFill>
-            <a:schemeClr val="dk2">
-              <a:shade val="80000"/>
-              <a:hueOff val="0"/>
-              <a:satOff val="0"/>
-              <a:lumOff val="0"/>
-              <a:alphaOff val="0"/>
-            </a:schemeClr>
-          </a:solidFill>
-          <a:prstDash val="solid"/>
-          <a:miter lim="800000"/>
-        </a:ln>
-        <a:effectLst/>
-      </dsp:spPr>
-      <dsp:style>
-        <a:lnRef idx="2">
-          <a:scrgbClr r="0" g="0" b="0"/>
-        </a:lnRef>
-        <a:fillRef idx="1">
-          <a:scrgbClr r="0" g="0" b="0"/>
-        </a:fillRef>
-        <a:effectRef idx="0">
-          <a:scrgbClr r="0" g="0" b="0"/>
-        </a:effectRef>
-        <a:fontRef idx="minor">
-          <a:schemeClr val="lt1"/>
-        </a:fontRef>
-      </dsp:style>
-      <dsp:txBody>
-        <a:bodyPr spcFirstLastPara="0" vert="horz" wrap="square" lIns="28575" tIns="28575" rIns="28575" bIns="28575" numCol="1" spcCol="1270" anchor="ctr" anchorCtr="0">
-          <a:noAutofit/>
-        </a:bodyPr>
-        <a:lstStyle/>
-        <a:p>
-          <a:pPr lvl="0" algn="ctr" defTabSz="666750">
-            <a:lnSpc>
-              <a:spcPct val="90000"/>
-            </a:lnSpc>
-            <a:spcBef>
-              <a:spcPct val="0"/>
-            </a:spcBef>
-            <a:spcAft>
-              <a:spcPct val="35000"/>
-            </a:spcAft>
-          </a:pPr>
-          <a:r>
-            <a:rPr lang="es-ES" sz="1500" kern="1200" dirty="0"/>
-            <a:t>Comunicación y preaviso</a:t>
-          </a:r>
-        </a:p>
-      </dsp:txBody>
-      <dsp:txXfrm>
-        <a:off x="162793" y="849372"/>
-        <a:ext cx="1250363" cy="987995"/>
-      </dsp:txXfrm>
-    </dsp:sp>
-    <dsp:sp modelId="{610E5F45-9587-4524-801B-4F46BF8E0C6B}">
-      <dsp:nvSpPr>
-        <dsp:cNvPr id="0" name=""/>
-        <dsp:cNvSpPr/>
-      </dsp:nvSpPr>
-      <dsp:spPr>
-        <a:xfrm rot="16200000">
-          <a:off x="1778604" y="908670"/>
-          <a:ext cx="1158723" cy="393551"/>
-        </a:xfrm>
-        <a:prstGeom prst="leftArrow">
-          <a:avLst>
-            <a:gd name="adj1" fmla="val 60000"/>
-            <a:gd name="adj2" fmla="val 50000"/>
-          </a:avLst>
-        </a:prstGeom>
-        <a:solidFill>
-          <a:schemeClr val="dk2">
-            <a:tint val="60000"/>
-            <a:hueOff val="0"/>
-            <a:satOff val="0"/>
-            <a:lumOff val="0"/>
-            <a:alphaOff val="0"/>
-          </a:schemeClr>
-        </a:solidFill>
-        <a:ln>
-          <a:noFill/>
-        </a:ln>
-        <a:effectLst/>
-      </dsp:spPr>
-      <dsp:style>
-        <a:lnRef idx="0">
-          <a:scrgbClr r="0" g="0" b="0"/>
-        </a:lnRef>
-        <a:fillRef idx="1">
-          <a:scrgbClr r="0" g="0" b="0"/>
-        </a:fillRef>
-        <a:effectRef idx="0">
-          <a:scrgbClr r="0" g="0" b="0"/>
-        </a:effectRef>
-        <a:fontRef idx="minor">
-          <a:schemeClr val="lt1"/>
-        </a:fontRef>
-      </dsp:style>
-    </dsp:sp>
-    <dsp:sp modelId="{D48588B3-3050-4B77-9973-F0C030101CD4}">
-      <dsp:nvSpPr>
-        <dsp:cNvPr id="0" name=""/>
-        <dsp:cNvSpPr/>
-      </dsp:nvSpPr>
-      <dsp:spPr>
-        <a:xfrm>
-          <a:off x="1702046" y="1348"/>
-          <a:ext cx="1311839" cy="1049471"/>
-        </a:xfrm>
-        <a:prstGeom prst="roundRect">
-          <a:avLst>
-            <a:gd name="adj" fmla="val 10000"/>
-          </a:avLst>
-        </a:prstGeom>
-        <a:solidFill>
-          <a:schemeClr val="lt1">
-            <a:hueOff val="0"/>
-            <a:satOff val="0"/>
-            <a:lumOff val="0"/>
-            <a:alphaOff val="0"/>
-          </a:schemeClr>
-        </a:solidFill>
-        <a:ln w="12700" cap="flat" cmpd="sng" algn="ctr">
-          <a:solidFill>
-            <a:schemeClr val="dk2">
-              <a:shade val="80000"/>
-              <a:hueOff val="0"/>
-              <a:satOff val="0"/>
-              <a:lumOff val="0"/>
-              <a:alphaOff val="0"/>
-            </a:schemeClr>
-          </a:solidFill>
-          <a:prstDash val="solid"/>
-          <a:miter lim="800000"/>
-        </a:ln>
-        <a:effectLst/>
-      </dsp:spPr>
-      <dsp:style>
-        <a:lnRef idx="2">
-          <a:scrgbClr r="0" g="0" b="0"/>
-        </a:lnRef>
-        <a:fillRef idx="1">
-          <a:scrgbClr r="0" g="0" b="0"/>
-        </a:fillRef>
-        <a:effectRef idx="0">
-          <a:scrgbClr r="0" g="0" b="0"/>
-        </a:effectRef>
-        <a:fontRef idx="minor">
-          <a:schemeClr val="lt1"/>
-        </a:fontRef>
-      </dsp:style>
-      <dsp:txBody>
-        <a:bodyPr spcFirstLastPara="0" vert="horz" wrap="square" lIns="28575" tIns="28575" rIns="28575" bIns="28575" numCol="1" spcCol="1270" anchor="ctr" anchorCtr="0">
-          <a:noAutofit/>
-        </a:bodyPr>
-        <a:lstStyle/>
-        <a:p>
-          <a:pPr lvl="0" algn="ctr" defTabSz="666750">
-            <a:lnSpc>
-              <a:spcPct val="90000"/>
-            </a:lnSpc>
-            <a:spcBef>
-              <a:spcPct val="0"/>
-            </a:spcBef>
-            <a:spcAft>
-              <a:spcPct val="35000"/>
-            </a:spcAft>
-          </a:pPr>
-          <a:r>
-            <a:rPr lang="es-ES" sz="1500" kern="1200" dirty="0"/>
-            <a:t>Indemnización </a:t>
-          </a:r>
-        </a:p>
-      </dsp:txBody>
-      <dsp:txXfrm>
-        <a:off x="1732784" y="32086"/>
-        <a:ext cx="1250363" cy="987995"/>
-      </dsp:txXfrm>
-    </dsp:sp>
-    <dsp:sp modelId="{35BEEC0D-7B93-4330-8AC1-D7B7DC3AD786}">
-      <dsp:nvSpPr>
-        <dsp:cNvPr id="0" name=""/>
-        <dsp:cNvSpPr/>
-      </dsp:nvSpPr>
-      <dsp:spPr>
-        <a:xfrm rot="19500000">
-          <a:off x="2874009" y="1478902"/>
-          <a:ext cx="1158723" cy="393551"/>
-        </a:xfrm>
-        <a:prstGeom prst="leftArrow">
-          <a:avLst>
-            <a:gd name="adj1" fmla="val 60000"/>
-            <a:gd name="adj2" fmla="val 50000"/>
-          </a:avLst>
-        </a:prstGeom>
-        <a:solidFill>
-          <a:schemeClr val="dk2">
-            <a:tint val="60000"/>
-            <a:hueOff val="0"/>
-            <a:satOff val="0"/>
-            <a:lumOff val="0"/>
-            <a:alphaOff val="0"/>
-          </a:schemeClr>
-        </a:solidFill>
-        <a:ln>
-          <a:noFill/>
-        </a:ln>
-        <a:effectLst/>
-      </dsp:spPr>
-      <dsp:style>
-        <a:lnRef idx="0">
-          <a:scrgbClr r="0" g="0" b="0"/>
-        </a:lnRef>
-        <a:fillRef idx="1">
-          <a:scrgbClr r="0" g="0" b="0"/>
-        </a:fillRef>
-        <a:effectRef idx="0">
-          <a:scrgbClr r="0" g="0" b="0"/>
-        </a:effectRef>
-        <a:fontRef idx="minor">
-          <a:schemeClr val="lt1"/>
-        </a:fontRef>
-      </dsp:style>
-    </dsp:sp>
-    <dsp:sp modelId="{7A505604-F98D-44AF-B12F-21FD336CAE5F}">
-      <dsp:nvSpPr>
-        <dsp:cNvPr id="0" name=""/>
-        <dsp:cNvSpPr/>
-      </dsp:nvSpPr>
-      <dsp:spPr>
-        <a:xfrm>
-          <a:off x="3272037" y="818634"/>
-          <a:ext cx="1311839" cy="1049471"/>
-        </a:xfrm>
-        <a:prstGeom prst="roundRect">
-          <a:avLst>
-            <a:gd name="adj" fmla="val 10000"/>
-          </a:avLst>
-        </a:prstGeom>
-        <a:solidFill>
-          <a:schemeClr val="lt1">
-            <a:hueOff val="0"/>
-            <a:satOff val="0"/>
-            <a:lumOff val="0"/>
-            <a:alphaOff val="0"/>
-          </a:schemeClr>
-        </a:solidFill>
-        <a:ln w="12700" cap="flat" cmpd="sng" algn="ctr">
-          <a:solidFill>
-            <a:schemeClr val="dk2">
-              <a:shade val="80000"/>
-              <a:hueOff val="0"/>
-              <a:satOff val="0"/>
-              <a:lumOff val="0"/>
-              <a:alphaOff val="0"/>
-            </a:schemeClr>
-          </a:solidFill>
-          <a:prstDash val="solid"/>
-          <a:miter lim="800000"/>
-        </a:ln>
-        <a:effectLst/>
-      </dsp:spPr>
-      <dsp:style>
-        <a:lnRef idx="2">
-          <a:scrgbClr r="0" g="0" b="0"/>
-        </a:lnRef>
-        <a:fillRef idx="1">
-          <a:scrgbClr r="0" g="0" b="0"/>
-        </a:fillRef>
-        <a:effectRef idx="0">
-          <a:scrgbClr r="0" g="0" b="0"/>
-        </a:effectRef>
-        <a:fontRef idx="minor">
-          <a:schemeClr val="lt1"/>
-        </a:fontRef>
-      </dsp:style>
-      <dsp:txBody>
-        <a:bodyPr spcFirstLastPara="0" vert="horz" wrap="square" lIns="28575" tIns="28575" rIns="28575" bIns="28575" numCol="1" spcCol="1270" anchor="ctr" anchorCtr="0">
-          <a:noAutofit/>
-        </a:bodyPr>
-        <a:lstStyle/>
-        <a:p>
-          <a:pPr lvl="0" algn="ctr" defTabSz="666750">
-            <a:lnSpc>
-              <a:spcPct val="90000"/>
-            </a:lnSpc>
-            <a:spcBef>
-              <a:spcPct val="0"/>
-            </a:spcBef>
-            <a:spcAft>
-              <a:spcPct val="35000"/>
-            </a:spcAft>
-          </a:pPr>
-          <a:r>
-            <a:rPr lang="es-ES" sz="1500" kern="1200" dirty="0"/>
-            <a:t>Licencia</a:t>
-          </a:r>
-        </a:p>
-      </dsp:txBody>
-      <dsp:txXfrm>
-        <a:off x="3302775" y="849372"/>
-        <a:ext cx="1250363" cy="987995"/>
-      </dsp:txXfrm>
-    </dsp:sp>
-  </dsp:spTree>
-</dsp:drawing>
-</file>
-
-<file path=ppt/diagrams/drawing9.xml><?xml version="1.0" encoding="utf-8"?>
-<dsp:drawing xmlns:dgm="http://schemas.openxmlformats.org/drawingml/2006/diagram" xmlns:dsp="http://schemas.microsoft.com/office/drawing/2008/diagram" xmlns:a="http://schemas.openxmlformats.org/drawingml/2006/main">
-  <dsp:spTree>
-    <dsp:nvGrpSpPr>
-      <dsp:cNvPr id="0" name=""/>
-      <dsp:cNvGrpSpPr/>
-    </dsp:nvGrpSpPr>
-    <dsp:grpSpPr/>
-    <dsp:sp modelId="{ED244053-CE8D-4B3C-8974-4FAB9A69FB9D}">
-      <dsp:nvSpPr>
-        <dsp:cNvPr id="0" name=""/>
-        <dsp:cNvSpPr/>
-      </dsp:nvSpPr>
-      <dsp:spPr>
-        <a:xfrm>
-          <a:off x="2163917" y="2824480"/>
-          <a:ext cx="435928" cy="2491969"/>
+          <a:off x="2684511" y="2221046"/>
+          <a:ext cx="485608" cy="925320"/>
         </a:xfrm>
         <a:custGeom>
           <a:avLst/>
@@ -18395,16 +19084,16 @@
           <a:pathLst>
             <a:path>
               <a:moveTo>
-                <a:pt x="0" y="0"/>
+                <a:pt x="0" y="925320"/>
               </a:moveTo>
               <a:lnTo>
-                <a:pt x="217964" y="0"/>
+                <a:pt x="242804" y="925320"/>
               </a:lnTo>
               <a:lnTo>
-                <a:pt x="217964" y="2491969"/>
+                <a:pt x="242804" y="0"/>
               </a:lnTo>
               <a:lnTo>
-                <a:pt x="435928" y="2491969"/>
+                <a:pt x="485608" y="0"/>
               </a:lnTo>
             </a:path>
           </a:pathLst>
@@ -18443,7 +19132,7 @@
         </a:bodyPr>
         <a:lstStyle/>
         <a:p>
-          <a:pPr lvl="0" algn="ctr" defTabSz="400050">
+          <a:pPr lvl="0" algn="ctr" defTabSz="222250">
             <a:lnSpc>
               <a:spcPct val="90000"/>
             </a:lnSpc>
@@ -18454,23 +19143,23 @@
               <a:spcPct val="35000"/>
             </a:spcAft>
           </a:pPr>
-          <a:endParaRPr lang="es-ES" sz="900" kern="1200"/>
+          <a:endParaRPr lang="es-ES" sz="500" kern="1200"/>
         </a:p>
       </dsp:txBody>
       <dsp:txXfrm>
-        <a:off x="2318636" y="4007219"/>
-        <a:ext cx="126490" cy="126490"/>
+        <a:off x="2901190" y="2657581"/>
+        <a:ext cx="52250" cy="52250"/>
       </dsp:txXfrm>
     </dsp:sp>
-    <dsp:sp modelId="{A96E31BE-B69D-4248-90E4-57FC884DC1AE}">
+    <dsp:sp modelId="{5427463C-2BF3-434A-8C26-87F0928F2452}">
       <dsp:nvSpPr>
         <dsp:cNvPr id="0" name=""/>
         <dsp:cNvSpPr/>
       </dsp:nvSpPr>
       <dsp:spPr>
         <a:xfrm>
-          <a:off x="2163917" y="2824480"/>
-          <a:ext cx="435928" cy="1661312"/>
+          <a:off x="2684511" y="1295725"/>
+          <a:ext cx="485608" cy="1850641"/>
         </a:xfrm>
         <a:custGeom>
           <a:avLst/>
@@ -18481,16 +19170,16 @@
           <a:pathLst>
             <a:path>
               <a:moveTo>
-                <a:pt x="0" y="0"/>
+                <a:pt x="0" y="1850641"/>
               </a:moveTo>
               <a:lnTo>
-                <a:pt x="217964" y="0"/>
+                <a:pt x="242804" y="1850641"/>
               </a:lnTo>
               <a:lnTo>
-                <a:pt x="217964" y="1661312"/>
+                <a:pt x="242804" y="0"/>
               </a:lnTo>
               <a:lnTo>
-                <a:pt x="435928" y="1661312"/>
+                <a:pt x="485608" y="0"/>
               </a:lnTo>
             </a:path>
           </a:pathLst>
@@ -18544,19 +19233,19 @@
         </a:p>
       </dsp:txBody>
       <dsp:txXfrm>
-        <a:off x="2338942" y="3612197"/>
-        <a:ext cx="85877" cy="85877"/>
+        <a:off x="2879483" y="2173214"/>
+        <a:ext cx="95664" cy="95664"/>
       </dsp:txXfrm>
     </dsp:sp>
-    <dsp:sp modelId="{D194056A-5F15-4263-B647-FE34B268BA1F}">
+    <dsp:sp modelId="{6C1542E1-61B5-454E-B9A5-B509F20820CB}">
       <dsp:nvSpPr>
         <dsp:cNvPr id="0" name=""/>
         <dsp:cNvSpPr/>
       </dsp:nvSpPr>
       <dsp:spPr>
         <a:xfrm>
-          <a:off x="2163917" y="2824480"/>
-          <a:ext cx="435928" cy="830656"/>
+          <a:off x="2684511" y="370404"/>
+          <a:ext cx="485608" cy="2775962"/>
         </a:xfrm>
         <a:custGeom>
           <a:avLst/>
@@ -18567,16 +19256,16 @@
           <a:pathLst>
             <a:path>
               <a:moveTo>
-                <a:pt x="0" y="0"/>
+                <a:pt x="0" y="2775962"/>
               </a:moveTo>
               <a:lnTo>
-                <a:pt x="217964" y="0"/>
+                <a:pt x="242804" y="2775962"/>
               </a:lnTo>
               <a:lnTo>
-                <a:pt x="217964" y="830656"/>
+                <a:pt x="242804" y="0"/>
               </a:lnTo>
               <a:lnTo>
-                <a:pt x="435928" y="830656"/>
+                <a:pt x="485608" y="0"/>
               </a:lnTo>
             </a:path>
           </a:pathLst>
@@ -18615,7 +19304,7 @@
         </a:bodyPr>
         <a:lstStyle/>
         <a:p>
-          <a:pPr lvl="0" algn="ctr" defTabSz="222250">
+          <a:pPr lvl="0" algn="ctr" defTabSz="444500">
             <a:lnSpc>
               <a:spcPct val="90000"/>
             </a:lnSpc>
@@ -18626,350 +19315,12 @@
               <a:spcPct val="35000"/>
             </a:spcAft>
           </a:pPr>
-          <a:endParaRPr lang="es-ES" sz="500" kern="1200"/>
+          <a:endParaRPr lang="es-ES" sz="1000" kern="1200"/>
         </a:p>
       </dsp:txBody>
       <dsp:txXfrm>
-        <a:off x="2358428" y="3216355"/>
-        <a:ext cx="46904" cy="46904"/>
-      </dsp:txXfrm>
-    </dsp:sp>
-    <dsp:sp modelId="{41F54B91-BE45-4141-8C82-FAF4C52F39AC}">
-      <dsp:nvSpPr>
-        <dsp:cNvPr id="0" name=""/>
-        <dsp:cNvSpPr/>
-      </dsp:nvSpPr>
-      <dsp:spPr>
-        <a:xfrm>
-          <a:off x="2163917" y="2778760"/>
-          <a:ext cx="435928" cy="91440"/>
-        </a:xfrm>
-        <a:custGeom>
-          <a:avLst/>
-          <a:gdLst/>
-          <a:ahLst/>
-          <a:cxnLst/>
-          <a:rect l="0" t="0" r="0" b="0"/>
-          <a:pathLst>
-            <a:path>
-              <a:moveTo>
-                <a:pt x="0" y="45720"/>
-              </a:moveTo>
-              <a:lnTo>
-                <a:pt x="435928" y="45720"/>
-              </a:lnTo>
-            </a:path>
-          </a:pathLst>
-        </a:custGeom>
-        <a:noFill/>
-        <a:ln w="12700" cap="flat" cmpd="sng" algn="ctr">
-          <a:solidFill>
-            <a:schemeClr val="dk2">
-              <a:shade val="60000"/>
-              <a:hueOff val="0"/>
-              <a:satOff val="0"/>
-              <a:lumOff val="0"/>
-              <a:alphaOff val="0"/>
-            </a:schemeClr>
-          </a:solidFill>
-          <a:prstDash val="solid"/>
-          <a:miter lim="800000"/>
-        </a:ln>
-        <a:effectLst/>
-      </dsp:spPr>
-      <dsp:style>
-        <a:lnRef idx="2">
-          <a:scrgbClr r="0" g="0" b="0"/>
-        </a:lnRef>
-        <a:fillRef idx="0">
-          <a:scrgbClr r="0" g="0" b="0"/>
-        </a:fillRef>
-        <a:effectRef idx="0">
-          <a:scrgbClr r="0" g="0" b="0"/>
-        </a:effectRef>
-        <a:fontRef idx="minor"/>
-      </dsp:style>
-      <dsp:txBody>
-        <a:bodyPr spcFirstLastPara="0" vert="horz" wrap="square" lIns="12700" tIns="0" rIns="12700" bIns="0" numCol="1" spcCol="1270" anchor="ctr" anchorCtr="0">
-          <a:noAutofit/>
-        </a:bodyPr>
-        <a:lstStyle/>
-        <a:p>
-          <a:pPr lvl="0" algn="ctr" defTabSz="222250">
-            <a:lnSpc>
-              <a:spcPct val="90000"/>
-            </a:lnSpc>
-            <a:spcBef>
-              <a:spcPct val="0"/>
-            </a:spcBef>
-            <a:spcAft>
-              <a:spcPct val="35000"/>
-            </a:spcAft>
-          </a:pPr>
-          <a:endParaRPr lang="es-ES" sz="500" kern="1200"/>
-        </a:p>
-      </dsp:txBody>
-      <dsp:txXfrm>
-        <a:off x="2370983" y="2813581"/>
-        <a:ext cx="21796" cy="21796"/>
-      </dsp:txXfrm>
-    </dsp:sp>
-    <dsp:sp modelId="{E4BDFBF6-CD3F-4EDC-84D4-945499D7E230}">
-      <dsp:nvSpPr>
-        <dsp:cNvPr id="0" name=""/>
-        <dsp:cNvSpPr/>
-      </dsp:nvSpPr>
-      <dsp:spPr>
-        <a:xfrm>
-          <a:off x="2163917" y="1993823"/>
-          <a:ext cx="435928" cy="830656"/>
-        </a:xfrm>
-        <a:custGeom>
-          <a:avLst/>
-          <a:gdLst/>
-          <a:ahLst/>
-          <a:cxnLst/>
-          <a:rect l="0" t="0" r="0" b="0"/>
-          <a:pathLst>
-            <a:path>
-              <a:moveTo>
-                <a:pt x="0" y="830656"/>
-              </a:moveTo>
-              <a:lnTo>
-                <a:pt x="217964" y="830656"/>
-              </a:lnTo>
-              <a:lnTo>
-                <a:pt x="217964" y="0"/>
-              </a:lnTo>
-              <a:lnTo>
-                <a:pt x="435928" y="0"/>
-              </a:lnTo>
-            </a:path>
-          </a:pathLst>
-        </a:custGeom>
-        <a:noFill/>
-        <a:ln w="12700" cap="flat" cmpd="sng" algn="ctr">
-          <a:solidFill>
-            <a:schemeClr val="dk2">
-              <a:shade val="60000"/>
-              <a:hueOff val="0"/>
-              <a:satOff val="0"/>
-              <a:lumOff val="0"/>
-              <a:alphaOff val="0"/>
-            </a:schemeClr>
-          </a:solidFill>
-          <a:prstDash val="solid"/>
-          <a:miter lim="800000"/>
-        </a:ln>
-        <a:effectLst/>
-      </dsp:spPr>
-      <dsp:style>
-        <a:lnRef idx="2">
-          <a:scrgbClr r="0" g="0" b="0"/>
-        </a:lnRef>
-        <a:fillRef idx="0">
-          <a:scrgbClr r="0" g="0" b="0"/>
-        </a:fillRef>
-        <a:effectRef idx="0">
-          <a:scrgbClr r="0" g="0" b="0"/>
-        </a:effectRef>
-        <a:fontRef idx="minor"/>
-      </dsp:style>
-      <dsp:txBody>
-        <a:bodyPr spcFirstLastPara="0" vert="horz" wrap="square" lIns="12700" tIns="0" rIns="12700" bIns="0" numCol="1" spcCol="1270" anchor="ctr" anchorCtr="0">
-          <a:noAutofit/>
-        </a:bodyPr>
-        <a:lstStyle/>
-        <a:p>
-          <a:pPr lvl="0" algn="ctr" defTabSz="222250">
-            <a:lnSpc>
-              <a:spcPct val="90000"/>
-            </a:lnSpc>
-            <a:spcBef>
-              <a:spcPct val="0"/>
-            </a:spcBef>
-            <a:spcAft>
-              <a:spcPct val="35000"/>
-            </a:spcAft>
-          </a:pPr>
-          <a:endParaRPr lang="es-ES" sz="500" kern="1200"/>
-        </a:p>
-      </dsp:txBody>
-      <dsp:txXfrm>
-        <a:off x="2358428" y="2385699"/>
-        <a:ext cx="46904" cy="46904"/>
-      </dsp:txXfrm>
-    </dsp:sp>
-    <dsp:sp modelId="{5427463C-2BF3-434A-8C26-87F0928F2452}">
-      <dsp:nvSpPr>
-        <dsp:cNvPr id="0" name=""/>
-        <dsp:cNvSpPr/>
-      </dsp:nvSpPr>
-      <dsp:spPr>
-        <a:xfrm>
-          <a:off x="2163917" y="1163167"/>
-          <a:ext cx="435928" cy="1661312"/>
-        </a:xfrm>
-        <a:custGeom>
-          <a:avLst/>
-          <a:gdLst/>
-          <a:ahLst/>
-          <a:cxnLst/>
-          <a:rect l="0" t="0" r="0" b="0"/>
-          <a:pathLst>
-            <a:path>
-              <a:moveTo>
-                <a:pt x="0" y="1661312"/>
-              </a:moveTo>
-              <a:lnTo>
-                <a:pt x="217964" y="1661312"/>
-              </a:lnTo>
-              <a:lnTo>
-                <a:pt x="217964" y="0"/>
-              </a:lnTo>
-              <a:lnTo>
-                <a:pt x="435928" y="0"/>
-              </a:lnTo>
-            </a:path>
-          </a:pathLst>
-        </a:custGeom>
-        <a:noFill/>
-        <a:ln w="12700" cap="flat" cmpd="sng" algn="ctr">
-          <a:solidFill>
-            <a:schemeClr val="dk2">
-              <a:shade val="60000"/>
-              <a:hueOff val="0"/>
-              <a:satOff val="0"/>
-              <a:lumOff val="0"/>
-              <a:alphaOff val="0"/>
-            </a:schemeClr>
-          </a:solidFill>
-          <a:prstDash val="solid"/>
-          <a:miter lim="800000"/>
-        </a:ln>
-        <a:effectLst/>
-      </dsp:spPr>
-      <dsp:style>
-        <a:lnRef idx="2">
-          <a:scrgbClr r="0" g="0" b="0"/>
-        </a:lnRef>
-        <a:fillRef idx="0">
-          <a:scrgbClr r="0" g="0" b="0"/>
-        </a:fillRef>
-        <a:effectRef idx="0">
-          <a:scrgbClr r="0" g="0" b="0"/>
-        </a:effectRef>
-        <a:fontRef idx="minor"/>
-      </dsp:style>
-      <dsp:txBody>
-        <a:bodyPr spcFirstLastPara="0" vert="horz" wrap="square" lIns="12700" tIns="0" rIns="12700" bIns="0" numCol="1" spcCol="1270" anchor="ctr" anchorCtr="0">
-          <a:noAutofit/>
-        </a:bodyPr>
-        <a:lstStyle/>
-        <a:p>
-          <a:pPr lvl="0" algn="ctr" defTabSz="266700">
-            <a:lnSpc>
-              <a:spcPct val="90000"/>
-            </a:lnSpc>
-            <a:spcBef>
-              <a:spcPct val="0"/>
-            </a:spcBef>
-            <a:spcAft>
-              <a:spcPct val="35000"/>
-            </a:spcAft>
-          </a:pPr>
-          <a:endParaRPr lang="es-ES" sz="600" kern="1200"/>
-        </a:p>
-      </dsp:txBody>
-      <dsp:txXfrm>
-        <a:off x="2338942" y="1950884"/>
-        <a:ext cx="85877" cy="85877"/>
-      </dsp:txXfrm>
-    </dsp:sp>
-    <dsp:sp modelId="{6C1542E1-61B5-454E-B9A5-B509F20820CB}">
-      <dsp:nvSpPr>
-        <dsp:cNvPr id="0" name=""/>
-        <dsp:cNvSpPr/>
-      </dsp:nvSpPr>
-      <dsp:spPr>
-        <a:xfrm>
-          <a:off x="2163917" y="332510"/>
-          <a:ext cx="435928" cy="2491969"/>
-        </a:xfrm>
-        <a:custGeom>
-          <a:avLst/>
-          <a:gdLst/>
-          <a:ahLst/>
-          <a:cxnLst/>
-          <a:rect l="0" t="0" r="0" b="0"/>
-          <a:pathLst>
-            <a:path>
-              <a:moveTo>
-                <a:pt x="0" y="2491969"/>
-              </a:moveTo>
-              <a:lnTo>
-                <a:pt x="217964" y="2491969"/>
-              </a:lnTo>
-              <a:lnTo>
-                <a:pt x="217964" y="0"/>
-              </a:lnTo>
-              <a:lnTo>
-                <a:pt x="435928" y="0"/>
-              </a:lnTo>
-            </a:path>
-          </a:pathLst>
-        </a:custGeom>
-        <a:noFill/>
-        <a:ln w="12700" cap="flat" cmpd="sng" algn="ctr">
-          <a:solidFill>
-            <a:schemeClr val="dk2">
-              <a:shade val="60000"/>
-              <a:hueOff val="0"/>
-              <a:satOff val="0"/>
-              <a:lumOff val="0"/>
-              <a:alphaOff val="0"/>
-            </a:schemeClr>
-          </a:solidFill>
-          <a:prstDash val="solid"/>
-          <a:miter lim="800000"/>
-        </a:ln>
-        <a:effectLst/>
-      </dsp:spPr>
-      <dsp:style>
-        <a:lnRef idx="2">
-          <a:scrgbClr r="0" g="0" b="0"/>
-        </a:lnRef>
-        <a:fillRef idx="0">
-          <a:scrgbClr r="0" g="0" b="0"/>
-        </a:fillRef>
-        <a:effectRef idx="0">
-          <a:scrgbClr r="0" g="0" b="0"/>
-        </a:effectRef>
-        <a:fontRef idx="minor"/>
-      </dsp:style>
-      <dsp:txBody>
-        <a:bodyPr spcFirstLastPara="0" vert="horz" wrap="square" lIns="12700" tIns="0" rIns="12700" bIns="0" numCol="1" spcCol="1270" anchor="ctr" anchorCtr="0">
-          <a:noAutofit/>
-        </a:bodyPr>
-        <a:lstStyle/>
-        <a:p>
-          <a:pPr lvl="0" algn="ctr" defTabSz="400050">
-            <a:lnSpc>
-              <a:spcPct val="90000"/>
-            </a:lnSpc>
-            <a:spcBef>
-              <a:spcPct val="0"/>
-            </a:spcBef>
-            <a:spcAft>
-              <a:spcPct val="35000"/>
-            </a:spcAft>
-          </a:pPr>
-          <a:endParaRPr lang="es-ES" sz="900" kern="1200"/>
-        </a:p>
-      </dsp:txBody>
-      <dsp:txXfrm>
-        <a:off x="2318636" y="1515250"/>
-        <a:ext cx="126490" cy="126490"/>
+        <a:off x="2856862" y="1687933"/>
+        <a:ext cx="140905" cy="140905"/>
       </dsp:txXfrm>
     </dsp:sp>
     <dsp:sp modelId="{AD63324D-7AD3-484F-8069-73923C0080C3}">
@@ -18979,8 +19330,8 @@
       </dsp:nvSpPr>
       <dsp:spPr>
         <a:xfrm rot="16200000">
-          <a:off x="82904" y="2492217"/>
-          <a:ext cx="3497500" cy="664525"/>
+          <a:off x="366338" y="2776239"/>
+          <a:ext cx="3896087" cy="740256"/>
         </a:xfrm>
         <a:prstGeom prst="rect">
           <a:avLst/>
@@ -19050,12 +19401,12 @@
         </a:fontRef>
       </dsp:style>
       <dsp:txBody>
-        <a:bodyPr spcFirstLastPara="0" vert="horz" wrap="square" lIns="27305" tIns="27305" rIns="27305" bIns="27305" numCol="1" spcCol="1270" anchor="ctr" anchorCtr="0">
+        <a:bodyPr spcFirstLastPara="0" vert="horz" wrap="square" lIns="30480" tIns="30480" rIns="30480" bIns="30480" numCol="1" spcCol="1270" anchor="ctr" anchorCtr="0">
           <a:noAutofit/>
         </a:bodyPr>
         <a:lstStyle/>
         <a:p>
-          <a:pPr lvl="0" algn="ctr" defTabSz="1911350">
+          <a:pPr lvl="0" algn="ctr" defTabSz="2133600">
             <a:lnSpc>
               <a:spcPct val="90000"/>
             </a:lnSpc>
@@ -19067,14 +19418,14 @@
             </a:spcAft>
           </a:pPr>
           <a:r>
-            <a:rPr lang="es-ES" sz="4300" kern="1200" dirty="0"/>
+            <a:rPr lang="es-ES" sz="4800" kern="1200" dirty="0"/>
             <a:t>Causas</a:t>
           </a:r>
         </a:p>
       </dsp:txBody>
       <dsp:txXfrm>
-        <a:off x="82904" y="2492217"/>
-        <a:ext cx="3497500" cy="664525"/>
+        <a:off x="366338" y="2776239"/>
+        <a:ext cx="3896087" cy="740256"/>
       </dsp:txXfrm>
     </dsp:sp>
     <dsp:sp modelId="{6272166E-FFDE-4E63-B5B5-F06FCA0B66AB}">
@@ -19084,8 +19435,8 @@
       </dsp:nvSpPr>
       <dsp:spPr>
         <a:xfrm>
-          <a:off x="2599845" y="248"/>
-          <a:ext cx="2179642" cy="664525"/>
+          <a:off x="3170119" y="276"/>
+          <a:ext cx="2428041" cy="740256"/>
         </a:xfrm>
         <a:prstGeom prst="rect">
           <a:avLst/>
@@ -19173,13 +19524,30 @@
           </a:pPr>
           <a:r>
             <a:rPr lang="es-ES" sz="1700" kern="1200" dirty="0"/>
-            <a:t>Faltas no justificadas de asistencia o puntualidad</a:t>
+            <a:t>Faltas no justificadas de asistencia o </a:t>
           </a:r>
+          <a:r>
+            <a:rPr lang="es-ES" sz="1700" kern="1200" dirty="0" smtClean="0"/>
+            <a:t>puntualidad </a:t>
+          </a:r>
+          <a:r>
+            <a:rPr lang="es-ES" sz="1700" kern="1200" dirty="0" smtClean="0">
+              <a:solidFill>
+                <a:schemeClr val="accent2"/>
+              </a:solidFill>
+            </a:rPr>
+            <a:t>TIENE QUE SER REITERADA</a:t>
+          </a:r>
+          <a:endParaRPr lang="es-ES" sz="1700" kern="1200" dirty="0">
+            <a:solidFill>
+              <a:schemeClr val="accent2"/>
+            </a:solidFill>
+          </a:endParaRPr>
         </a:p>
       </dsp:txBody>
       <dsp:txXfrm>
-        <a:off x="2599845" y="248"/>
-        <a:ext cx="2179642" cy="664525"/>
+        <a:off x="3170119" y="276"/>
+        <a:ext cx="2428041" cy="740256"/>
       </dsp:txXfrm>
     </dsp:sp>
     <dsp:sp modelId="{0E1F7500-632D-4ACA-82B3-CC81476BC5F0}">
@@ -19189,8 +19557,240 @@
       </dsp:nvSpPr>
       <dsp:spPr>
         <a:xfrm>
-          <a:off x="2599845" y="830904"/>
-          <a:ext cx="2179642" cy="664525"/>
+          <a:off x="3170119" y="925597"/>
+          <a:ext cx="2428041" cy="740256"/>
+        </a:xfrm>
+        <a:prstGeom prst="rect">
+          <a:avLst/>
+        </a:prstGeom>
+        <a:gradFill rotWithShape="0">
+          <a:gsLst>
+            <a:gs pos="0">
+              <a:schemeClr val="lt1">
+                <a:hueOff val="0"/>
+                <a:satOff val="0"/>
+                <a:lumOff val="0"/>
+                <a:alphaOff val="0"/>
+                <a:lumMod val="110000"/>
+                <a:satMod val="105000"/>
+                <a:tint val="67000"/>
+              </a:schemeClr>
+            </a:gs>
+            <a:gs pos="50000">
+              <a:schemeClr val="lt1">
+                <a:hueOff val="0"/>
+                <a:satOff val="0"/>
+                <a:lumOff val="0"/>
+                <a:alphaOff val="0"/>
+                <a:lumMod val="105000"/>
+                <a:satMod val="103000"/>
+                <a:tint val="73000"/>
+              </a:schemeClr>
+            </a:gs>
+            <a:gs pos="100000">
+              <a:schemeClr val="lt1">
+                <a:hueOff val="0"/>
+                <a:satOff val="0"/>
+                <a:lumOff val="0"/>
+                <a:alphaOff val="0"/>
+                <a:lumMod val="105000"/>
+                <a:satMod val="109000"/>
+                <a:tint val="81000"/>
+              </a:schemeClr>
+            </a:gs>
+          </a:gsLst>
+          <a:lin ang="5400000" scaled="0"/>
+        </a:gradFill>
+        <a:ln>
+          <a:noFill/>
+        </a:ln>
+        <a:effectLst/>
+        <a:scene3d>
+          <a:camera prst="orthographicFront"/>
+          <a:lightRig rig="flat" dir="t"/>
+        </a:scene3d>
+        <a:sp3d prstMaterial="dkEdge">
+          <a:bevelT w="8200" h="38100"/>
+        </a:sp3d>
+      </dsp:spPr>
+      <dsp:style>
+        <a:lnRef idx="0">
+          <a:scrgbClr r="0" g="0" b="0"/>
+        </a:lnRef>
+        <a:fillRef idx="2">
+          <a:scrgbClr r="0" g="0" b="0"/>
+        </a:fillRef>
+        <a:effectRef idx="1">
+          <a:scrgbClr r="0" g="0" b="0"/>
+        </a:effectRef>
+        <a:fontRef idx="minor">
+          <a:schemeClr val="dk1"/>
+        </a:fontRef>
+      </dsp:style>
+      <dsp:txBody>
+        <a:bodyPr spcFirstLastPara="0" vert="horz" wrap="square" lIns="10795" tIns="10795" rIns="10795" bIns="10795" numCol="1" spcCol="1270" anchor="ctr" anchorCtr="0">
+          <a:noAutofit/>
+        </a:bodyPr>
+        <a:lstStyle/>
+        <a:p>
+          <a:pPr lvl="0" algn="ctr" defTabSz="755650">
+            <a:lnSpc>
+              <a:spcPct val="90000"/>
+            </a:lnSpc>
+            <a:spcBef>
+              <a:spcPct val="0"/>
+            </a:spcBef>
+            <a:spcAft>
+              <a:spcPct val="35000"/>
+            </a:spcAft>
+          </a:pPr>
+          <a:r>
+            <a:rPr lang="es-ES" sz="1700" kern="1200" dirty="0" smtClean="0"/>
+            <a:t>Desobediencia: </a:t>
+          </a:r>
+          <a:r>
+            <a:rPr lang="es-ES" sz="1700" kern="1200" dirty="0" smtClean="0">
+              <a:solidFill>
+                <a:schemeClr val="accent2"/>
+              </a:solidFill>
+            </a:rPr>
+            <a:t>ANTE INCUMPLIMIENTO DE ORDENES.</a:t>
+          </a:r>
+          <a:endParaRPr lang="es-ES" sz="1700" kern="1200" dirty="0"/>
+        </a:p>
+      </dsp:txBody>
+      <dsp:txXfrm>
+        <a:off x="3170119" y="925597"/>
+        <a:ext cx="2428041" cy="740256"/>
+      </dsp:txXfrm>
+    </dsp:sp>
+    <dsp:sp modelId="{CCFF9BAA-4E64-470D-A99A-C0C2FA540B0A}">
+      <dsp:nvSpPr>
+        <dsp:cNvPr id="0" name=""/>
+        <dsp:cNvSpPr/>
+      </dsp:nvSpPr>
+      <dsp:spPr>
+        <a:xfrm>
+          <a:off x="3170119" y="1850918"/>
+          <a:ext cx="2428041" cy="740256"/>
+        </a:xfrm>
+        <a:prstGeom prst="rect">
+          <a:avLst/>
+        </a:prstGeom>
+        <a:gradFill rotWithShape="0">
+          <a:gsLst>
+            <a:gs pos="0">
+              <a:schemeClr val="lt1">
+                <a:hueOff val="0"/>
+                <a:satOff val="0"/>
+                <a:lumOff val="0"/>
+                <a:alphaOff val="0"/>
+                <a:lumMod val="110000"/>
+                <a:satMod val="105000"/>
+                <a:tint val="67000"/>
+              </a:schemeClr>
+            </a:gs>
+            <a:gs pos="50000">
+              <a:schemeClr val="lt1">
+                <a:hueOff val="0"/>
+                <a:satOff val="0"/>
+                <a:lumOff val="0"/>
+                <a:alphaOff val="0"/>
+                <a:lumMod val="105000"/>
+                <a:satMod val="103000"/>
+                <a:tint val="73000"/>
+              </a:schemeClr>
+            </a:gs>
+            <a:gs pos="100000">
+              <a:schemeClr val="lt1">
+                <a:hueOff val="0"/>
+                <a:satOff val="0"/>
+                <a:lumOff val="0"/>
+                <a:alphaOff val="0"/>
+                <a:lumMod val="105000"/>
+                <a:satMod val="109000"/>
+                <a:tint val="81000"/>
+              </a:schemeClr>
+            </a:gs>
+          </a:gsLst>
+          <a:lin ang="5400000" scaled="0"/>
+        </a:gradFill>
+        <a:ln>
+          <a:noFill/>
+        </a:ln>
+        <a:effectLst/>
+        <a:scene3d>
+          <a:camera prst="orthographicFront"/>
+          <a:lightRig rig="flat" dir="t"/>
+        </a:scene3d>
+        <a:sp3d prstMaterial="dkEdge">
+          <a:bevelT w="8200" h="38100"/>
+        </a:sp3d>
+      </dsp:spPr>
+      <dsp:style>
+        <a:lnRef idx="0">
+          <a:scrgbClr r="0" g="0" b="0"/>
+        </a:lnRef>
+        <a:fillRef idx="2">
+          <a:scrgbClr r="0" g="0" b="0"/>
+        </a:fillRef>
+        <a:effectRef idx="1">
+          <a:scrgbClr r="0" g="0" b="0"/>
+        </a:effectRef>
+        <a:fontRef idx="minor">
+          <a:schemeClr val="dk1"/>
+        </a:fontRef>
+      </dsp:style>
+      <dsp:txBody>
+        <a:bodyPr spcFirstLastPara="0" vert="horz" wrap="square" lIns="10795" tIns="10795" rIns="10795" bIns="10795" numCol="1" spcCol="1270" anchor="ctr" anchorCtr="0">
+          <a:noAutofit/>
+        </a:bodyPr>
+        <a:lstStyle/>
+        <a:p>
+          <a:pPr lvl="0" algn="ctr" defTabSz="755650">
+            <a:lnSpc>
+              <a:spcPct val="90000"/>
+            </a:lnSpc>
+            <a:spcBef>
+              <a:spcPct val="0"/>
+            </a:spcBef>
+            <a:spcAft>
+              <a:spcPct val="35000"/>
+            </a:spcAft>
+          </a:pPr>
+          <a:r>
+            <a:rPr lang="es-ES" sz="1700" kern="1200" dirty="0" smtClean="0"/>
+            <a:t>Ofensas: </a:t>
+          </a:r>
+          <a:r>
+            <a:rPr lang="es-ES" sz="1700" kern="1200" dirty="0" smtClean="0">
+              <a:solidFill>
+                <a:schemeClr val="accent2"/>
+              </a:solidFill>
+            </a:rPr>
+            <a:t>¡OJO! PUEDE SER FUERA DEL PUESTO DEL TRABAJO</a:t>
+          </a:r>
+          <a:endParaRPr lang="es-ES" sz="1700" kern="1200" dirty="0">
+            <a:solidFill>
+              <a:schemeClr val="accent2"/>
+            </a:solidFill>
+          </a:endParaRPr>
+        </a:p>
+      </dsp:txBody>
+      <dsp:txXfrm>
+        <a:off x="3170119" y="1850918"/>
+        <a:ext cx="2428041" cy="740256"/>
+      </dsp:txXfrm>
+    </dsp:sp>
+    <dsp:sp modelId="{0E62210B-19F9-4D72-A383-D3B57A9142B6}">
+      <dsp:nvSpPr>
+        <dsp:cNvPr id="0" name=""/>
+        <dsp:cNvSpPr/>
+      </dsp:nvSpPr>
+      <dsp:spPr>
+        <a:xfrm>
+          <a:off x="3170119" y="2776239"/>
+          <a:ext cx="2428041" cy="740256"/>
         </a:xfrm>
         <a:prstGeom prst="rect">
           <a:avLst/>
@@ -19278,24 +19878,41 @@
           </a:pPr>
           <a:r>
             <a:rPr lang="es-ES" sz="1700" kern="1200" dirty="0"/>
-            <a:t>Desobediencia</a:t>
+            <a:t>Lesión de la buena </a:t>
           </a:r>
+          <a:r>
+            <a:rPr lang="es-ES" sz="1700" kern="1200" dirty="0" smtClean="0"/>
+            <a:t>fe: </a:t>
+          </a:r>
+          <a:r>
+            <a:rPr lang="es-ES" sz="1700" kern="1200" dirty="0" smtClean="0">
+              <a:solidFill>
+                <a:schemeClr val="accent2"/>
+              </a:solidFill>
+            </a:rPr>
+            <a:t>ENGAÑOS.</a:t>
+          </a:r>
+          <a:endParaRPr lang="es-ES" sz="1700" kern="1200" dirty="0">
+            <a:solidFill>
+              <a:schemeClr val="accent2"/>
+            </a:solidFill>
+          </a:endParaRPr>
         </a:p>
       </dsp:txBody>
       <dsp:txXfrm>
-        <a:off x="2599845" y="830904"/>
-        <a:ext cx="2179642" cy="664525"/>
+        <a:off x="3170119" y="2776239"/>
+        <a:ext cx="2428041" cy="740256"/>
       </dsp:txXfrm>
     </dsp:sp>
-    <dsp:sp modelId="{CCFF9BAA-4E64-470D-A99A-C0C2FA540B0A}">
+    <dsp:sp modelId="{157698DD-AC31-4F2B-A2CD-B4CC4C59E579}">
       <dsp:nvSpPr>
         <dsp:cNvPr id="0" name=""/>
         <dsp:cNvSpPr/>
       </dsp:nvSpPr>
       <dsp:spPr>
         <a:xfrm>
-          <a:off x="2599845" y="1661561"/>
-          <a:ext cx="2179642" cy="664525"/>
+          <a:off x="3170119" y="3701560"/>
+          <a:ext cx="2428041" cy="740256"/>
         </a:xfrm>
         <a:prstGeom prst="rect">
           <a:avLst/>
@@ -19383,24 +20000,41 @@
           </a:pPr>
           <a:r>
             <a:rPr lang="es-ES" sz="1700" kern="1200" dirty="0"/>
-            <a:t>Ofensas </a:t>
+            <a:t>Disminución del </a:t>
           </a:r>
+          <a:r>
+            <a:rPr lang="es-ES" sz="1700" kern="1200" dirty="0" smtClean="0"/>
+            <a:t>rendimiento: </a:t>
+          </a:r>
+          <a:r>
+            <a:rPr lang="es-ES" sz="1700" kern="1200" dirty="0" smtClean="0">
+              <a:solidFill>
+                <a:schemeClr val="accent2"/>
+              </a:solidFill>
+            </a:rPr>
+            <a:t>DEMOSTRABLE</a:t>
+          </a:r>
+          <a:r>
+            <a:rPr lang="es-ES" sz="1700" kern="1200" dirty="0" smtClean="0"/>
+            <a:t>.</a:t>
+          </a:r>
+          <a:endParaRPr lang="es-ES" sz="1700" kern="1200" dirty="0"/>
         </a:p>
       </dsp:txBody>
       <dsp:txXfrm>
-        <a:off x="2599845" y="1661561"/>
-        <a:ext cx="2179642" cy="664525"/>
+        <a:off x="3170119" y="3701560"/>
+        <a:ext cx="2428041" cy="740256"/>
       </dsp:txXfrm>
     </dsp:sp>
-    <dsp:sp modelId="{0E62210B-19F9-4D72-A383-D3B57A9142B6}">
+    <dsp:sp modelId="{6ED76A72-053D-4BBF-A98C-B27E339DFB47}">
       <dsp:nvSpPr>
         <dsp:cNvPr id="0" name=""/>
         <dsp:cNvSpPr/>
       </dsp:nvSpPr>
       <dsp:spPr>
         <a:xfrm>
-          <a:off x="2599845" y="2492217"/>
-          <a:ext cx="2179642" cy="664525"/>
+          <a:off x="3170119" y="4626880"/>
+          <a:ext cx="2428041" cy="740256"/>
         </a:xfrm>
         <a:prstGeom prst="rect">
           <a:avLst/>
@@ -19487,25 +20121,37 @@
             </a:spcAft>
           </a:pPr>
           <a:r>
+            <a:rPr lang="es-ES" sz="1700" kern="1200" dirty="0" smtClean="0"/>
+            <a:t>Embriaguez </a:t>
+          </a:r>
+          <a:r>
+            <a:rPr lang="es-ES" sz="1700" kern="1200" dirty="0" smtClean="0">
+              <a:solidFill>
+                <a:schemeClr val="accent2"/>
+              </a:solidFill>
+            </a:rPr>
+            <a:t>(HABITUAL) </a:t>
+          </a:r>
+          <a:r>
             <a:rPr lang="es-ES" sz="1700" kern="1200" dirty="0"/>
-            <a:t>Lesión de la buena fe</a:t>
+            <a:t>o toxicomanía</a:t>
           </a:r>
         </a:p>
       </dsp:txBody>
       <dsp:txXfrm>
-        <a:off x="2599845" y="2492217"/>
-        <a:ext cx="2179642" cy="664525"/>
+        <a:off x="3170119" y="4626880"/>
+        <a:ext cx="2428041" cy="740256"/>
       </dsp:txXfrm>
     </dsp:sp>
-    <dsp:sp modelId="{157698DD-AC31-4F2B-A2CD-B4CC4C59E579}">
+    <dsp:sp modelId="{0A34673E-29D6-42DA-BCD7-FA9EB4708D74}">
       <dsp:nvSpPr>
         <dsp:cNvPr id="0" name=""/>
         <dsp:cNvSpPr/>
       </dsp:nvSpPr>
       <dsp:spPr>
         <a:xfrm>
-          <a:off x="2599845" y="3322873"/>
-          <a:ext cx="2179642" cy="664525"/>
+          <a:off x="3170119" y="5552201"/>
+          <a:ext cx="2428041" cy="740256"/>
         </a:xfrm>
         <a:prstGeom prst="rect">
           <a:avLst/>
@@ -19592,224 +20238,15 @@
             </a:spcAft>
           </a:pPr>
           <a:r>
-            <a:rPr lang="es-ES" sz="1700" kern="1200" dirty="0"/>
-            <a:t>Disminución del rendimiento</a:t>
+            <a:rPr lang="es-ES" sz="1700" kern="1200" dirty="0" smtClean="0"/>
+            <a:t>Acoso: </a:t>
           </a:r>
+          <a:endParaRPr lang="es-ES" sz="1700" kern="1200" dirty="0"/>
         </a:p>
       </dsp:txBody>
       <dsp:txXfrm>
-        <a:off x="2599845" y="3322873"/>
-        <a:ext cx="2179642" cy="664525"/>
-      </dsp:txXfrm>
-    </dsp:sp>
-    <dsp:sp modelId="{6ED76A72-053D-4BBF-A98C-B27E339DFB47}">
-      <dsp:nvSpPr>
-        <dsp:cNvPr id="0" name=""/>
-        <dsp:cNvSpPr/>
-      </dsp:nvSpPr>
-      <dsp:spPr>
-        <a:xfrm>
-          <a:off x="2599845" y="4153530"/>
-          <a:ext cx="2179642" cy="664525"/>
-        </a:xfrm>
-        <a:prstGeom prst="rect">
-          <a:avLst/>
-        </a:prstGeom>
-        <a:gradFill rotWithShape="0">
-          <a:gsLst>
-            <a:gs pos="0">
-              <a:schemeClr val="lt1">
-                <a:hueOff val="0"/>
-                <a:satOff val="0"/>
-                <a:lumOff val="0"/>
-                <a:alphaOff val="0"/>
-                <a:lumMod val="110000"/>
-                <a:satMod val="105000"/>
-                <a:tint val="67000"/>
-              </a:schemeClr>
-            </a:gs>
-            <a:gs pos="50000">
-              <a:schemeClr val="lt1">
-                <a:hueOff val="0"/>
-                <a:satOff val="0"/>
-                <a:lumOff val="0"/>
-                <a:alphaOff val="0"/>
-                <a:lumMod val="105000"/>
-                <a:satMod val="103000"/>
-                <a:tint val="73000"/>
-              </a:schemeClr>
-            </a:gs>
-            <a:gs pos="100000">
-              <a:schemeClr val="lt1">
-                <a:hueOff val="0"/>
-                <a:satOff val="0"/>
-                <a:lumOff val="0"/>
-                <a:alphaOff val="0"/>
-                <a:lumMod val="105000"/>
-                <a:satMod val="109000"/>
-                <a:tint val="81000"/>
-              </a:schemeClr>
-            </a:gs>
-          </a:gsLst>
-          <a:lin ang="5400000" scaled="0"/>
-        </a:gradFill>
-        <a:ln>
-          <a:noFill/>
-        </a:ln>
-        <a:effectLst/>
-        <a:scene3d>
-          <a:camera prst="orthographicFront"/>
-          <a:lightRig rig="flat" dir="t"/>
-        </a:scene3d>
-        <a:sp3d prstMaterial="dkEdge">
-          <a:bevelT w="8200" h="38100"/>
-        </a:sp3d>
-      </dsp:spPr>
-      <dsp:style>
-        <a:lnRef idx="0">
-          <a:scrgbClr r="0" g="0" b="0"/>
-        </a:lnRef>
-        <a:fillRef idx="2">
-          <a:scrgbClr r="0" g="0" b="0"/>
-        </a:fillRef>
-        <a:effectRef idx="1">
-          <a:scrgbClr r="0" g="0" b="0"/>
-        </a:effectRef>
-        <a:fontRef idx="minor">
-          <a:schemeClr val="dk1"/>
-        </a:fontRef>
-      </dsp:style>
-      <dsp:txBody>
-        <a:bodyPr spcFirstLastPara="0" vert="horz" wrap="square" lIns="10795" tIns="10795" rIns="10795" bIns="10795" numCol="1" spcCol="1270" anchor="ctr" anchorCtr="0">
-          <a:noAutofit/>
-        </a:bodyPr>
-        <a:lstStyle/>
-        <a:p>
-          <a:pPr lvl="0" algn="ctr" defTabSz="755650">
-            <a:lnSpc>
-              <a:spcPct val="90000"/>
-            </a:lnSpc>
-            <a:spcBef>
-              <a:spcPct val="0"/>
-            </a:spcBef>
-            <a:spcAft>
-              <a:spcPct val="35000"/>
-            </a:spcAft>
-          </a:pPr>
-          <a:r>
-            <a:rPr lang="es-ES" sz="1700" kern="1200" dirty="0"/>
-            <a:t>Embriaguez o toxicomanía</a:t>
-          </a:r>
-        </a:p>
-      </dsp:txBody>
-      <dsp:txXfrm>
-        <a:off x="2599845" y="4153530"/>
-        <a:ext cx="2179642" cy="664525"/>
-      </dsp:txXfrm>
-    </dsp:sp>
-    <dsp:sp modelId="{0A34673E-29D6-42DA-BCD7-FA9EB4708D74}">
-      <dsp:nvSpPr>
-        <dsp:cNvPr id="0" name=""/>
-        <dsp:cNvSpPr/>
-      </dsp:nvSpPr>
-      <dsp:spPr>
-        <a:xfrm>
-          <a:off x="2599845" y="4984186"/>
-          <a:ext cx="2179642" cy="664525"/>
-        </a:xfrm>
-        <a:prstGeom prst="rect">
-          <a:avLst/>
-        </a:prstGeom>
-        <a:gradFill rotWithShape="0">
-          <a:gsLst>
-            <a:gs pos="0">
-              <a:schemeClr val="lt1">
-                <a:hueOff val="0"/>
-                <a:satOff val="0"/>
-                <a:lumOff val="0"/>
-                <a:alphaOff val="0"/>
-                <a:lumMod val="110000"/>
-                <a:satMod val="105000"/>
-                <a:tint val="67000"/>
-              </a:schemeClr>
-            </a:gs>
-            <a:gs pos="50000">
-              <a:schemeClr val="lt1">
-                <a:hueOff val="0"/>
-                <a:satOff val="0"/>
-                <a:lumOff val="0"/>
-                <a:alphaOff val="0"/>
-                <a:lumMod val="105000"/>
-                <a:satMod val="103000"/>
-                <a:tint val="73000"/>
-              </a:schemeClr>
-            </a:gs>
-            <a:gs pos="100000">
-              <a:schemeClr val="lt1">
-                <a:hueOff val="0"/>
-                <a:satOff val="0"/>
-                <a:lumOff val="0"/>
-                <a:alphaOff val="0"/>
-                <a:lumMod val="105000"/>
-                <a:satMod val="109000"/>
-                <a:tint val="81000"/>
-              </a:schemeClr>
-            </a:gs>
-          </a:gsLst>
-          <a:lin ang="5400000" scaled="0"/>
-        </a:gradFill>
-        <a:ln>
-          <a:noFill/>
-        </a:ln>
-        <a:effectLst/>
-        <a:scene3d>
-          <a:camera prst="orthographicFront"/>
-          <a:lightRig rig="flat" dir="t"/>
-        </a:scene3d>
-        <a:sp3d prstMaterial="dkEdge">
-          <a:bevelT w="8200" h="38100"/>
-        </a:sp3d>
-      </dsp:spPr>
-      <dsp:style>
-        <a:lnRef idx="0">
-          <a:scrgbClr r="0" g="0" b="0"/>
-        </a:lnRef>
-        <a:fillRef idx="2">
-          <a:scrgbClr r="0" g="0" b="0"/>
-        </a:fillRef>
-        <a:effectRef idx="1">
-          <a:scrgbClr r="0" g="0" b="0"/>
-        </a:effectRef>
-        <a:fontRef idx="minor">
-          <a:schemeClr val="dk1"/>
-        </a:fontRef>
-      </dsp:style>
-      <dsp:txBody>
-        <a:bodyPr spcFirstLastPara="0" vert="horz" wrap="square" lIns="10795" tIns="10795" rIns="10795" bIns="10795" numCol="1" spcCol="1270" anchor="ctr" anchorCtr="0">
-          <a:noAutofit/>
-        </a:bodyPr>
-        <a:lstStyle/>
-        <a:p>
-          <a:pPr lvl="0" algn="ctr" defTabSz="755650">
-            <a:lnSpc>
-              <a:spcPct val="90000"/>
-            </a:lnSpc>
-            <a:spcBef>
-              <a:spcPct val="0"/>
-            </a:spcBef>
-            <a:spcAft>
-              <a:spcPct val="35000"/>
-            </a:spcAft>
-          </a:pPr>
-          <a:r>
-            <a:rPr lang="es-ES" sz="1700" kern="1200" dirty="0"/>
-            <a:t>Acoso</a:t>
-          </a:r>
-        </a:p>
-      </dsp:txBody>
-      <dsp:txXfrm>
-        <a:off x="2599845" y="4984186"/>
-        <a:ext cx="2179642" cy="664525"/>
+        <a:off x="3170119" y="5552201"/>
+        <a:ext cx="2428041" cy="740256"/>
       </dsp:txXfrm>
     </dsp:sp>
   </dsp:spTree>
@@ -35141,7 +35578,7 @@
           <a:p>
             <a:fld id="{A7F438C5-03A1-463E-A49A-4590B5EA2CF5}" type="datetimeFigureOut">
               <a:rPr lang="es-ES" smtClean="0"/>
-              <a:t>15/11/2023</a:t>
+              <a:t>21/11/2023</a:t>
             </a:fld>
             <a:endParaRPr lang="es-ES"/>
           </a:p>
@@ -35339,7 +35776,7 @@
           <a:p>
             <a:fld id="{A7F438C5-03A1-463E-A49A-4590B5EA2CF5}" type="datetimeFigureOut">
               <a:rPr lang="es-ES" smtClean="0"/>
-              <a:t>15/11/2023</a:t>
+              <a:t>21/11/2023</a:t>
             </a:fld>
             <a:endParaRPr lang="es-ES"/>
           </a:p>
@@ -35547,7 +35984,7 @@
           <a:p>
             <a:fld id="{A7F438C5-03A1-463E-A49A-4590B5EA2CF5}" type="datetimeFigureOut">
               <a:rPr lang="es-ES" smtClean="0"/>
-              <a:t>15/11/2023</a:t>
+              <a:t>21/11/2023</a:t>
             </a:fld>
             <a:endParaRPr lang="es-ES"/>
           </a:p>
@@ -35734,7 +36171,7 @@
           <a:p>
             <a:fld id="{A7F438C5-03A1-463E-A49A-4590B5EA2CF5}" type="datetimeFigureOut">
               <a:rPr lang="es-ES" smtClean="0"/>
-              <a:t>15/11/2023</a:t>
+              <a:t>21/11/2023</a:t>
             </a:fld>
             <a:endParaRPr lang="es-ES"/>
           </a:p>
@@ -35920,7 +36357,7 @@
           <a:p>
             <a:fld id="{A7F438C5-03A1-463E-A49A-4590B5EA2CF5}" type="datetimeFigureOut">
               <a:rPr lang="es-ES" smtClean="0"/>
-              <a:t>15/11/2023</a:t>
+              <a:t>21/11/2023</a:t>
             </a:fld>
             <a:endParaRPr lang="es-ES"/>
           </a:p>
@@ -36195,7 +36632,7 @@
           <a:p>
             <a:fld id="{A7F438C5-03A1-463E-A49A-4590B5EA2CF5}" type="datetimeFigureOut">
               <a:rPr lang="es-ES" smtClean="0"/>
-              <a:t>15/11/2023</a:t>
+              <a:t>21/11/2023</a:t>
             </a:fld>
             <a:endParaRPr lang="es-ES"/>
           </a:p>
@@ -36460,7 +36897,7 @@
           <a:p>
             <a:fld id="{A7F438C5-03A1-463E-A49A-4590B5EA2CF5}" type="datetimeFigureOut">
               <a:rPr lang="es-ES" smtClean="0"/>
-              <a:t>15/11/2023</a:t>
+              <a:t>21/11/2023</a:t>
             </a:fld>
             <a:endParaRPr lang="es-ES"/>
           </a:p>
@@ -36872,7 +37309,7 @@
           <a:p>
             <a:fld id="{A7F438C5-03A1-463E-A49A-4590B5EA2CF5}" type="datetimeFigureOut">
               <a:rPr lang="es-ES" smtClean="0"/>
-              <a:t>15/11/2023</a:t>
+              <a:t>21/11/2023</a:t>
             </a:fld>
             <a:endParaRPr lang="es-ES"/>
           </a:p>
@@ -37013,7 +37450,7 @@
           <a:p>
             <a:fld id="{A7F438C5-03A1-463E-A49A-4590B5EA2CF5}" type="datetimeFigureOut">
               <a:rPr lang="es-ES" smtClean="0"/>
-              <a:t>15/11/2023</a:t>
+              <a:t>21/11/2023</a:t>
             </a:fld>
             <a:endParaRPr lang="es-ES"/>
           </a:p>
@@ -37126,7 +37563,7 @@
           <a:p>
             <a:fld id="{A7F438C5-03A1-463E-A49A-4590B5EA2CF5}" type="datetimeFigureOut">
               <a:rPr lang="es-ES" smtClean="0"/>
-              <a:t>15/11/2023</a:t>
+              <a:t>21/11/2023</a:t>
             </a:fld>
             <a:endParaRPr lang="es-ES"/>
           </a:p>
@@ -37437,7 +37874,7 @@
           <a:p>
             <a:fld id="{A7F438C5-03A1-463E-A49A-4590B5EA2CF5}" type="datetimeFigureOut">
               <a:rPr lang="es-ES" smtClean="0"/>
-              <a:t>15/11/2023</a:t>
+              <a:t>21/11/2023</a:t>
             </a:fld>
             <a:endParaRPr lang="es-ES"/>
           </a:p>
@@ -37725,7 +38162,7 @@
           <a:p>
             <a:fld id="{A7F438C5-03A1-463E-A49A-4590B5EA2CF5}" type="datetimeFigureOut">
               <a:rPr lang="es-ES" smtClean="0"/>
-              <a:t>15/11/2023</a:t>
+              <a:t>21/11/2023</a:t>
             </a:fld>
             <a:endParaRPr lang="es-ES"/>
           </a:p>
@@ -37969,7 +38406,7 @@
           <a:p>
             <a:fld id="{A7F438C5-03A1-463E-A49A-4590B5EA2CF5}" type="datetimeFigureOut">
               <a:rPr lang="es-ES" smtClean="0"/>
-              <a:t>15/11/2023</a:t>
+              <a:t>21/11/2023</a:t>
             </a:fld>
             <a:endParaRPr lang="es-ES"/>
           </a:p>
@@ -38403,7 +38840,7 @@
                 <a16:creationId xmlns:a16="http://schemas.microsoft.com/office/drawing/2014/main" id="{4D327EF6-1201-4218-AA98-3DA5A0F48981}"/>
               </a:ext>
               <a:ext uri="{C183D7F6-B498-43B3-948B-1728B52AA6E4}">
-                <adec:decorative xmlns:adec="http://schemas.microsoft.com/office/drawing/2017/decorative" xmlns="" val="1"/>
+                <adec:decorative xmlns="" xmlns:adec="http://schemas.microsoft.com/office/drawing/2017/decorative" val="1"/>
               </a:ext>
             </a:extLst>
           </p:cNvPr>
@@ -38557,7 +38994,7 @@
                 <a16:creationId xmlns:a16="http://schemas.microsoft.com/office/drawing/2014/main" id="{9864AAEA-8DC4-4D15-864C-B53C5B4CCEE0}"/>
               </a:ext>
               <a:ext uri="{C183D7F6-B498-43B3-948B-1728B52AA6E4}">
-                <adec:decorative xmlns:adec="http://schemas.microsoft.com/office/drawing/2017/decorative" xmlns="" val="1"/>
+                <adec:decorative xmlns="" xmlns:adec="http://schemas.microsoft.com/office/drawing/2017/decorative" val="1"/>
               </a:ext>
             </a:extLst>
           </p:cNvPr>
@@ -38617,7 +39054,7 @@
                 <a16:creationId xmlns:a16="http://schemas.microsoft.com/office/drawing/2014/main" id="{E82F361B-984A-43B6-AFE8-1F14394284E4}"/>
               </a:ext>
               <a:ext uri="{C183D7F6-B498-43B3-948B-1728B52AA6E4}">
-                <adec:decorative xmlns:adec="http://schemas.microsoft.com/office/drawing/2017/decorative" xmlns="" val="1"/>
+                <adec:decorative xmlns="" xmlns:adec="http://schemas.microsoft.com/office/drawing/2017/decorative" val="1"/>
               </a:ext>
             </a:extLst>
           </p:cNvPr>
@@ -38729,7 +39166,7 @@
                 <a16:creationId xmlns:a16="http://schemas.microsoft.com/office/drawing/2014/main" id="{4F2A6A32-9ADF-4DD4-AEA5-0D1FF0F8B490}"/>
               </a:ext>
               <a:ext uri="{C183D7F6-B498-43B3-948B-1728B52AA6E4}">
-                <adec:decorative xmlns:adec="http://schemas.microsoft.com/office/drawing/2017/decorative" xmlns="" val="1"/>
+                <adec:decorative xmlns="" xmlns:adec="http://schemas.microsoft.com/office/drawing/2017/decorative" val="1"/>
               </a:ext>
             </a:extLst>
           </p:cNvPr>
@@ -38943,7 +39380,7 @@
                 <a16:creationId xmlns:a16="http://schemas.microsoft.com/office/drawing/2014/main" id="{AFA67CD3-AB4E-4A7A-BEB8-53C445D8C44E}"/>
               </a:ext>
               <a:ext uri="{C183D7F6-B498-43B3-948B-1728B52AA6E4}">
-                <adec:decorative xmlns:adec="http://schemas.microsoft.com/office/drawing/2017/decorative" xmlns="" val="1"/>
+                <adec:decorative xmlns="" xmlns:adec="http://schemas.microsoft.com/office/drawing/2017/decorative" val="1"/>
               </a:ext>
             </a:extLst>
           </p:cNvPr>
@@ -39029,7 +39466,7 @@
                 <a16:creationId xmlns:a16="http://schemas.microsoft.com/office/drawing/2014/main" id="{07CF545F-9C2E-4446-97CD-AD92990C2B68}"/>
               </a:ext>
               <a:ext uri="{C183D7F6-B498-43B3-948B-1728B52AA6E4}">
-                <adec:decorative xmlns:adec="http://schemas.microsoft.com/office/drawing/2017/decorative" xmlns="" val="1"/>
+                <adec:decorative xmlns="" xmlns:adec="http://schemas.microsoft.com/office/drawing/2017/decorative" val="1"/>
               </a:ext>
             </a:extLst>
           </p:cNvPr>
@@ -39107,7 +39544,7 @@
                 <a16:creationId xmlns:a16="http://schemas.microsoft.com/office/drawing/2014/main" id="{339C8D78-A644-462F-B674-F440635E5353}"/>
               </a:ext>
               <a:ext uri="{C183D7F6-B498-43B3-948B-1728B52AA6E4}">
-                <adec:decorative xmlns:adec="http://schemas.microsoft.com/office/drawing/2017/decorative" xmlns="" val="1"/>
+                <adec:decorative xmlns="" xmlns:adec="http://schemas.microsoft.com/office/drawing/2017/decorative" val="1"/>
               </a:ext>
             </a:extLst>
           </p:cNvPr>
@@ -39294,7 +39731,7 @@
                 <a14:useLocalDpi xmlns:a14="http://schemas.microsoft.com/office/drawing/2010/main" val="0"/>
               </a:ext>
               <a:ext uri="{96DAC541-7B7A-43D3-8B79-37D633B846F1}">
-                <asvg:svgBlip xmlns:asvg="http://schemas.microsoft.com/office/drawing/2016/SVG/main" xmlns="" r:embed="rId4"/>
+                <asvg:svgBlip xmlns="" xmlns:asvg="http://schemas.microsoft.com/office/drawing/2016/SVG/main" r:embed="rId4"/>
               </a:ext>
             </a:extLst>
           </a:blip>
@@ -39461,7 +39898,7 @@
                 <a16:creationId xmlns:a16="http://schemas.microsoft.com/office/drawing/2014/main" id="{3C915414-2809-4735-A560-0D5FE66700D8}"/>
               </a:ext>
               <a:ext uri="{C183D7F6-B498-43B3-948B-1728B52AA6E4}">
-                <adec:decorative xmlns:adec="http://schemas.microsoft.com/office/drawing/2017/decorative" xmlns="" val="1"/>
+                <adec:decorative xmlns="" xmlns:adec="http://schemas.microsoft.com/office/drawing/2017/decorative" val="1"/>
               </a:ext>
             </a:extLst>
           </p:cNvPr>
@@ -39526,7 +39963,7 @@
                 <a16:creationId xmlns:a16="http://schemas.microsoft.com/office/drawing/2014/main" id="{24413201-85BF-4680-A7D4-10CDBD03569C}"/>
               </a:ext>
               <a:ext uri="{C183D7F6-B498-43B3-948B-1728B52AA6E4}">
-                <adec:decorative xmlns:adec="http://schemas.microsoft.com/office/drawing/2017/decorative" xmlns="" val="1"/>
+                <adec:decorative xmlns="" xmlns:adec="http://schemas.microsoft.com/office/drawing/2017/decorative" val="1"/>
               </a:ext>
             </a:extLst>
           </p:cNvPr>
@@ -39557,7 +39994,7 @@
                   <a16:creationId xmlns:a16="http://schemas.microsoft.com/office/drawing/2014/main" id="{1F819D8C-C8E5-4336-9882-79FBF6555189}"/>
                 </a:ext>
                 <a:ext uri="{C183D7F6-B498-43B3-948B-1728B52AA6E4}">
-                  <adec:decorative xmlns:adec="http://schemas.microsoft.com/office/drawing/2017/decorative" xmlns="" val="1"/>
+                  <adec:decorative xmlns="" xmlns:adec="http://schemas.microsoft.com/office/drawing/2017/decorative" val="1"/>
                 </a:ext>
               </a:extLst>
             </p:cNvPr>
@@ -39607,7 +40044,7 @@
                   <a16:creationId xmlns:a16="http://schemas.microsoft.com/office/drawing/2014/main" id="{7D732480-09E4-401A-B2D9-E6C662FBCA29}"/>
                 </a:ext>
                 <a:ext uri="{C183D7F6-B498-43B3-948B-1728B52AA6E4}">
-                  <adec:decorative xmlns:adec="http://schemas.microsoft.com/office/drawing/2017/decorative" xmlns="" val="1"/>
+                  <adec:decorative xmlns="" xmlns:adec="http://schemas.microsoft.com/office/drawing/2017/decorative" val="1"/>
                 </a:ext>
               </a:extLst>
             </p:cNvPr>
@@ -39659,7 +40096,7 @@
                   <a16:creationId xmlns:a16="http://schemas.microsoft.com/office/drawing/2014/main" id="{87D8355C-E417-4D36-91FF-2CC1E1FE9FF3}"/>
                 </a:ext>
                 <a:ext uri="{C183D7F6-B498-43B3-948B-1728B52AA6E4}">
-                  <adec:decorative xmlns:adec="http://schemas.microsoft.com/office/drawing/2017/decorative" xmlns="" val="1"/>
+                  <adec:decorative xmlns="" xmlns:adec="http://schemas.microsoft.com/office/drawing/2017/decorative" val="1"/>
                 </a:ext>
               </a:extLst>
             </p:cNvPr>
@@ -39711,7 +40148,7 @@
                   <a16:creationId xmlns:a16="http://schemas.microsoft.com/office/drawing/2014/main" id="{6ADF7267-EAAE-43CE-ACEF-608328FB1787}"/>
                 </a:ext>
                 <a:ext uri="{C183D7F6-B498-43B3-948B-1728B52AA6E4}">
-                  <adec:decorative xmlns:adec="http://schemas.microsoft.com/office/drawing/2017/decorative" xmlns="" val="1"/>
+                  <adec:decorative xmlns="" xmlns:adec="http://schemas.microsoft.com/office/drawing/2017/decorative" val="1"/>
                 </a:ext>
               </a:extLst>
             </p:cNvPr>
@@ -39763,7 +40200,7 @@
                   <a16:creationId xmlns:a16="http://schemas.microsoft.com/office/drawing/2014/main" id="{54C901E2-0CDB-4316-B262-3B9E68F33502}"/>
                 </a:ext>
                 <a:ext uri="{C183D7F6-B498-43B3-948B-1728B52AA6E4}">
-                  <adec:decorative xmlns:adec="http://schemas.microsoft.com/office/drawing/2017/decorative" xmlns="" val="1"/>
+                  <adec:decorative xmlns="" xmlns:adec="http://schemas.microsoft.com/office/drawing/2017/decorative" val="1"/>
                 </a:ext>
               </a:extLst>
             </p:cNvPr>
@@ -39815,7 +40252,7 @@
                   <a16:creationId xmlns:a16="http://schemas.microsoft.com/office/drawing/2014/main" id="{D8F6D31A-084C-4F10-9A8F-A9645DFB7150}"/>
                 </a:ext>
                 <a:ext uri="{C183D7F6-B498-43B3-948B-1728B52AA6E4}">
-                  <adec:decorative xmlns:adec="http://schemas.microsoft.com/office/drawing/2017/decorative" xmlns="" val="1"/>
+                  <adec:decorative xmlns="" xmlns:adec="http://schemas.microsoft.com/office/drawing/2017/decorative" val="1"/>
                 </a:ext>
               </a:extLst>
             </p:cNvPr>
@@ -39867,7 +40304,7 @@
                   <a16:creationId xmlns:a16="http://schemas.microsoft.com/office/drawing/2014/main" id="{E38E09F0-F130-45B5-B0AF-7EF3F0172AD5}"/>
                 </a:ext>
                 <a:ext uri="{C183D7F6-B498-43B3-948B-1728B52AA6E4}">
-                  <adec:decorative xmlns:adec="http://schemas.microsoft.com/office/drawing/2017/decorative" xmlns="" val="1"/>
+                  <adec:decorative xmlns="" xmlns:adec="http://schemas.microsoft.com/office/drawing/2017/decorative" val="1"/>
                 </a:ext>
               </a:extLst>
             </p:cNvPr>
@@ -39919,7 +40356,7 @@
                   <a16:creationId xmlns:a16="http://schemas.microsoft.com/office/drawing/2014/main" id="{569330E2-17DA-4F0D-B377-6E4499C79A15}"/>
                 </a:ext>
                 <a:ext uri="{C183D7F6-B498-43B3-948B-1728B52AA6E4}">
-                  <adec:decorative xmlns:adec="http://schemas.microsoft.com/office/drawing/2017/decorative" xmlns="" val="1"/>
+                  <adec:decorative xmlns="" xmlns:adec="http://schemas.microsoft.com/office/drawing/2017/decorative" val="1"/>
                 </a:ext>
               </a:extLst>
             </p:cNvPr>
@@ -39971,7 +40408,7 @@
                   <a16:creationId xmlns:a16="http://schemas.microsoft.com/office/drawing/2014/main" id="{A3192707-5744-4C77-8CD6-D682F908009A}"/>
                 </a:ext>
                 <a:ext uri="{C183D7F6-B498-43B3-948B-1728B52AA6E4}">
-                  <adec:decorative xmlns:adec="http://schemas.microsoft.com/office/drawing/2017/decorative" xmlns="" val="1"/>
+                  <adec:decorative xmlns="" xmlns:adec="http://schemas.microsoft.com/office/drawing/2017/decorative" val="1"/>
                 </a:ext>
               </a:extLst>
             </p:cNvPr>
@@ -40023,7 +40460,7 @@
                   <a16:creationId xmlns:a16="http://schemas.microsoft.com/office/drawing/2014/main" id="{E367A44A-5DD0-43B5-B6DB-1CA3BC5AF0B2}"/>
                 </a:ext>
                 <a:ext uri="{C183D7F6-B498-43B3-948B-1728B52AA6E4}">
-                  <adec:decorative xmlns:adec="http://schemas.microsoft.com/office/drawing/2017/decorative" xmlns="" val="1"/>
+                  <adec:decorative xmlns="" xmlns:adec="http://schemas.microsoft.com/office/drawing/2017/decorative" val="1"/>
                 </a:ext>
               </a:extLst>
             </p:cNvPr>
@@ -40075,7 +40512,7 @@
                   <a16:creationId xmlns:a16="http://schemas.microsoft.com/office/drawing/2014/main" id="{280809D1-164B-4A0C-84BB-2AC46F3BDE52}"/>
                 </a:ext>
                 <a:ext uri="{C183D7F6-B498-43B3-948B-1728B52AA6E4}">
-                  <adec:decorative xmlns:adec="http://schemas.microsoft.com/office/drawing/2017/decorative" xmlns="" val="1"/>
+                  <adec:decorative xmlns="" xmlns:adec="http://schemas.microsoft.com/office/drawing/2017/decorative" val="1"/>
                 </a:ext>
               </a:extLst>
             </p:cNvPr>
@@ -40127,7 +40564,7 @@
                   <a16:creationId xmlns:a16="http://schemas.microsoft.com/office/drawing/2014/main" id="{E379EC94-3698-4695-8CE7-61DBDF5EE654}"/>
                 </a:ext>
                 <a:ext uri="{C183D7F6-B498-43B3-948B-1728B52AA6E4}">
-                  <adec:decorative xmlns:adec="http://schemas.microsoft.com/office/drawing/2017/decorative" xmlns="" val="1"/>
+                  <adec:decorative xmlns="" xmlns:adec="http://schemas.microsoft.com/office/drawing/2017/decorative" val="1"/>
                 </a:ext>
               </a:extLst>
             </p:cNvPr>
@@ -40179,7 +40616,7 @@
                   <a16:creationId xmlns:a16="http://schemas.microsoft.com/office/drawing/2014/main" id="{8755B95C-6A71-4D4F-8F48-B21F893E6FB1}"/>
                 </a:ext>
                 <a:ext uri="{C183D7F6-B498-43B3-948B-1728B52AA6E4}">
-                  <adec:decorative xmlns:adec="http://schemas.microsoft.com/office/drawing/2017/decorative" xmlns="" val="1"/>
+                  <adec:decorative xmlns="" xmlns:adec="http://schemas.microsoft.com/office/drawing/2017/decorative" val="1"/>
                 </a:ext>
               </a:extLst>
             </p:cNvPr>
@@ -40231,7 +40668,7 @@
                   <a16:creationId xmlns:a16="http://schemas.microsoft.com/office/drawing/2014/main" id="{6099C53A-E394-462E-BF63-1639A8E28318}"/>
                 </a:ext>
                 <a:ext uri="{C183D7F6-B498-43B3-948B-1728B52AA6E4}">
-                  <adec:decorative xmlns:adec="http://schemas.microsoft.com/office/drawing/2017/decorative" xmlns="" val="1"/>
+                  <adec:decorative xmlns="" xmlns:adec="http://schemas.microsoft.com/office/drawing/2017/decorative" val="1"/>
                 </a:ext>
               </a:extLst>
             </p:cNvPr>
@@ -40283,7 +40720,7 @@
                   <a16:creationId xmlns:a16="http://schemas.microsoft.com/office/drawing/2014/main" id="{9AC427FF-C3BE-45A0-9FB1-A6A4C8C4CD85}"/>
                 </a:ext>
                 <a:ext uri="{C183D7F6-B498-43B3-948B-1728B52AA6E4}">
-                  <adec:decorative xmlns:adec="http://schemas.microsoft.com/office/drawing/2017/decorative" xmlns="" val="1"/>
+                  <adec:decorative xmlns="" xmlns:adec="http://schemas.microsoft.com/office/drawing/2017/decorative" val="1"/>
                 </a:ext>
               </a:extLst>
             </p:cNvPr>
@@ -40335,7 +40772,7 @@
                   <a16:creationId xmlns:a16="http://schemas.microsoft.com/office/drawing/2014/main" id="{2B15D91A-BF52-4704-8F6B-A7C474618191}"/>
                 </a:ext>
                 <a:ext uri="{C183D7F6-B498-43B3-948B-1728B52AA6E4}">
-                  <adec:decorative xmlns:adec="http://schemas.microsoft.com/office/drawing/2017/decorative" xmlns="" val="1"/>
+                  <adec:decorative xmlns="" xmlns:adec="http://schemas.microsoft.com/office/drawing/2017/decorative" val="1"/>
                 </a:ext>
               </a:extLst>
             </p:cNvPr>
@@ -40387,7 +40824,7 @@
                   <a16:creationId xmlns:a16="http://schemas.microsoft.com/office/drawing/2014/main" id="{1D9241FD-0E0D-409B-A2AF-8F06ACB75778}"/>
                 </a:ext>
                 <a:ext uri="{C183D7F6-B498-43B3-948B-1728B52AA6E4}">
-                  <adec:decorative xmlns:adec="http://schemas.microsoft.com/office/drawing/2017/decorative" xmlns="" val="1"/>
+                  <adec:decorative xmlns="" xmlns:adec="http://schemas.microsoft.com/office/drawing/2017/decorative" val="1"/>
                 </a:ext>
               </a:extLst>
             </p:cNvPr>
@@ -40439,7 +40876,7 @@
                   <a16:creationId xmlns:a16="http://schemas.microsoft.com/office/drawing/2014/main" id="{F8B3D884-11F6-4FF3-82C2-1C2311451C61}"/>
                 </a:ext>
                 <a:ext uri="{C183D7F6-B498-43B3-948B-1728B52AA6E4}">
-                  <adec:decorative xmlns:adec="http://schemas.microsoft.com/office/drawing/2017/decorative" xmlns="" val="1"/>
+                  <adec:decorative xmlns="" xmlns:adec="http://schemas.microsoft.com/office/drawing/2017/decorative" val="1"/>
                 </a:ext>
               </a:extLst>
             </p:cNvPr>
@@ -40491,7 +40928,7 @@
                   <a16:creationId xmlns:a16="http://schemas.microsoft.com/office/drawing/2014/main" id="{A15AB342-981A-44B4-846D-B0B2394ACF01}"/>
                 </a:ext>
                 <a:ext uri="{C183D7F6-B498-43B3-948B-1728B52AA6E4}">
-                  <adec:decorative xmlns:adec="http://schemas.microsoft.com/office/drawing/2017/decorative" xmlns="" val="1"/>
+                  <adec:decorative xmlns="" xmlns:adec="http://schemas.microsoft.com/office/drawing/2017/decorative" val="1"/>
                 </a:ext>
               </a:extLst>
             </p:cNvPr>
@@ -40543,7 +40980,7 @@
                   <a16:creationId xmlns:a16="http://schemas.microsoft.com/office/drawing/2014/main" id="{872C80E7-0A00-4063-BEE2-6B6B446A4A72}"/>
                 </a:ext>
                 <a:ext uri="{C183D7F6-B498-43B3-948B-1728B52AA6E4}">
-                  <adec:decorative xmlns:adec="http://schemas.microsoft.com/office/drawing/2017/decorative" xmlns="" val="1"/>
+                  <adec:decorative xmlns="" xmlns:adec="http://schemas.microsoft.com/office/drawing/2017/decorative" val="1"/>
                 </a:ext>
               </a:extLst>
             </p:cNvPr>
@@ -40595,7 +41032,7 @@
                   <a16:creationId xmlns:a16="http://schemas.microsoft.com/office/drawing/2014/main" id="{CDDFAF9B-F940-4E8C-905E-31851E6E716D}"/>
                 </a:ext>
                 <a:ext uri="{C183D7F6-B498-43B3-948B-1728B52AA6E4}">
-                  <adec:decorative xmlns:adec="http://schemas.microsoft.com/office/drawing/2017/decorative" xmlns="" val="1"/>
+                  <adec:decorative xmlns="" xmlns:adec="http://schemas.microsoft.com/office/drawing/2017/decorative" val="1"/>
                 </a:ext>
               </a:extLst>
             </p:cNvPr>
@@ -40647,7 +41084,7 @@
                   <a16:creationId xmlns:a16="http://schemas.microsoft.com/office/drawing/2014/main" id="{DE75405B-4987-4ED0-838B-B550E11C50A7}"/>
                 </a:ext>
                 <a:ext uri="{C183D7F6-B498-43B3-948B-1728B52AA6E4}">
-                  <adec:decorative xmlns:adec="http://schemas.microsoft.com/office/drawing/2017/decorative" xmlns="" val="1"/>
+                  <adec:decorative xmlns="" xmlns:adec="http://schemas.microsoft.com/office/drawing/2017/decorative" val="1"/>
                 </a:ext>
               </a:extLst>
             </p:cNvPr>
@@ -40699,7 +41136,7 @@
                   <a16:creationId xmlns:a16="http://schemas.microsoft.com/office/drawing/2014/main" id="{2D23C412-06C7-4364-B5C1-6492A9D36BCD}"/>
                 </a:ext>
                 <a:ext uri="{C183D7F6-B498-43B3-948B-1728B52AA6E4}">
-                  <adec:decorative xmlns:adec="http://schemas.microsoft.com/office/drawing/2017/decorative" xmlns="" val="1"/>
+                  <adec:decorative xmlns="" xmlns:adec="http://schemas.microsoft.com/office/drawing/2017/decorative" val="1"/>
                 </a:ext>
               </a:extLst>
             </p:cNvPr>
@@ -40751,7 +41188,7 @@
                   <a16:creationId xmlns:a16="http://schemas.microsoft.com/office/drawing/2014/main" id="{3E558B2C-BA31-4EF6-AA51-34C38C4FAC19}"/>
                 </a:ext>
                 <a:ext uri="{C183D7F6-B498-43B3-948B-1728B52AA6E4}">
-                  <adec:decorative xmlns:adec="http://schemas.microsoft.com/office/drawing/2017/decorative" xmlns="" val="1"/>
+                  <adec:decorative xmlns="" xmlns:adec="http://schemas.microsoft.com/office/drawing/2017/decorative" val="1"/>
                 </a:ext>
               </a:extLst>
             </p:cNvPr>
@@ -40803,7 +41240,7 @@
                   <a16:creationId xmlns:a16="http://schemas.microsoft.com/office/drawing/2014/main" id="{49BF6B7B-33CA-48B1-A1DC-E4917FB89D99}"/>
                 </a:ext>
                 <a:ext uri="{C183D7F6-B498-43B3-948B-1728B52AA6E4}">
-                  <adec:decorative xmlns:adec="http://schemas.microsoft.com/office/drawing/2017/decorative" xmlns="" val="1"/>
+                  <adec:decorative xmlns="" xmlns:adec="http://schemas.microsoft.com/office/drawing/2017/decorative" val="1"/>
                 </a:ext>
               </a:extLst>
             </p:cNvPr>
@@ -40855,7 +41292,7 @@
                   <a16:creationId xmlns:a16="http://schemas.microsoft.com/office/drawing/2014/main" id="{B91E8E40-9C42-4E16-980F-D9B38872F361}"/>
                 </a:ext>
                 <a:ext uri="{C183D7F6-B498-43B3-948B-1728B52AA6E4}">
-                  <adec:decorative xmlns:adec="http://schemas.microsoft.com/office/drawing/2017/decorative" xmlns="" val="1"/>
+                  <adec:decorative xmlns="" xmlns:adec="http://schemas.microsoft.com/office/drawing/2017/decorative" val="1"/>
                 </a:ext>
               </a:extLst>
             </p:cNvPr>
@@ -40907,7 +41344,7 @@
                   <a16:creationId xmlns:a16="http://schemas.microsoft.com/office/drawing/2014/main" id="{6B7E3690-D803-4CC7-BA93-B51ACF040FBF}"/>
                 </a:ext>
                 <a:ext uri="{C183D7F6-B498-43B3-948B-1728B52AA6E4}">
-                  <adec:decorative xmlns:adec="http://schemas.microsoft.com/office/drawing/2017/decorative" xmlns="" val="1"/>
+                  <adec:decorative xmlns="" xmlns:adec="http://schemas.microsoft.com/office/drawing/2017/decorative" val="1"/>
                 </a:ext>
               </a:extLst>
             </p:cNvPr>
@@ -40995,7 +41432,7 @@
                 <a16:creationId xmlns:a16="http://schemas.microsoft.com/office/drawing/2014/main" id="{473E2575-93BA-49BD-A0BB-EBD45F7382A2}"/>
               </a:ext>
               <a:ext uri="{C183D7F6-B498-43B3-948B-1728B52AA6E4}">
-                <adec:decorative xmlns:adec="http://schemas.microsoft.com/office/drawing/2017/decorative" xmlns="" val="1"/>
+                <adec:decorative xmlns="" xmlns:adec="http://schemas.microsoft.com/office/drawing/2017/decorative" val="1"/>
               </a:ext>
             </a:extLst>
           </p:cNvPr>
@@ -41049,7 +41486,7 @@
                 <a16:creationId xmlns:a16="http://schemas.microsoft.com/office/drawing/2014/main" id="{FE32AE2A-5F1E-4AB5-96CD-95BBC7E8CBB1}"/>
               </a:ext>
               <a:ext uri="{C183D7F6-B498-43B3-948B-1728B52AA6E4}">
-                <adec:decorative xmlns:adec="http://schemas.microsoft.com/office/drawing/2017/decorative" xmlns="" val="1"/>
+                <adec:decorative xmlns="" xmlns:adec="http://schemas.microsoft.com/office/drawing/2017/decorative" val="1"/>
               </a:ext>
             </a:extLst>
           </p:cNvPr>
@@ -41103,7 +41540,7 @@
                 <a16:creationId xmlns:a16="http://schemas.microsoft.com/office/drawing/2014/main" id="{151E1EE1-5760-4F9F-919D-BBBE95CE8ED0}"/>
               </a:ext>
               <a:ext uri="{C183D7F6-B498-43B3-948B-1728B52AA6E4}">
-                <adec:decorative xmlns:adec="http://schemas.microsoft.com/office/drawing/2017/decorative" xmlns="" val="1"/>
+                <adec:decorative xmlns="" xmlns:adec="http://schemas.microsoft.com/office/drawing/2017/decorative" val="1"/>
               </a:ext>
             </a:extLst>
           </p:cNvPr>
@@ -41197,7 +41634,7 @@
                 <a16:creationId xmlns:a16="http://schemas.microsoft.com/office/drawing/2014/main" id="{D665D759-2DF8-4D47-8386-4BA28901A79D}"/>
               </a:ext>
               <a:ext uri="{C183D7F6-B498-43B3-948B-1728B52AA6E4}">
-                <adec:decorative xmlns:adec="http://schemas.microsoft.com/office/drawing/2017/decorative" xmlns="" val="1"/>
+                <adec:decorative xmlns="" xmlns:adec="http://schemas.microsoft.com/office/drawing/2017/decorative" val="1"/>
               </a:ext>
             </a:extLst>
           </p:cNvPr>
@@ -41845,7 +42282,7 @@
                 <a16:creationId xmlns:a16="http://schemas.microsoft.com/office/drawing/2014/main" id="{16C73AF9-0D33-5C66-5D79-0D0129904B31}"/>
               </a:ext>
               <a:ext uri="{C183D7F6-B498-43B3-948B-1728B52AA6E4}">
-                <adec:decorative xmlns:adec="http://schemas.microsoft.com/office/drawing/2017/decorative" xmlns="" val="1"/>
+                <adec:decorative xmlns="" xmlns:adec="http://schemas.microsoft.com/office/drawing/2017/decorative" val="1"/>
               </a:ext>
             </a:extLst>
           </p:cNvPr>
@@ -41876,7 +42313,7 @@
                   <a16:creationId xmlns:a16="http://schemas.microsoft.com/office/drawing/2014/main" id="{ED96FD6F-5EE9-36C7-C200-3111EF6D0152}"/>
                 </a:ext>
                 <a:ext uri="{C183D7F6-B498-43B3-948B-1728B52AA6E4}">
-                  <adec:decorative xmlns:adec="http://schemas.microsoft.com/office/drawing/2017/decorative" xmlns="" val="1"/>
+                  <adec:decorative xmlns="" xmlns:adec="http://schemas.microsoft.com/office/drawing/2017/decorative" val="1"/>
                 </a:ext>
               </a:extLst>
             </p:cNvPr>
@@ -41945,7 +42382,7 @@
                   <a16:creationId xmlns:a16="http://schemas.microsoft.com/office/drawing/2014/main" id="{62A39BB2-02C1-8A8B-8021-68446E04747F}"/>
                 </a:ext>
                 <a:ext uri="{C183D7F6-B498-43B3-948B-1728B52AA6E4}">
-                  <adec:decorative xmlns:adec="http://schemas.microsoft.com/office/drawing/2017/decorative" xmlns="" val="1"/>
+                  <adec:decorative xmlns="" xmlns:adec="http://schemas.microsoft.com/office/drawing/2017/decorative" val="1"/>
                 </a:ext>
               </a:extLst>
             </p:cNvPr>
@@ -42211,7 +42648,7 @@
                 <a16:creationId xmlns:a16="http://schemas.microsoft.com/office/drawing/2014/main" id="{16C73AF9-0D33-5C66-5D79-0D0129904B31}"/>
               </a:ext>
               <a:ext uri="{C183D7F6-B498-43B3-948B-1728B52AA6E4}">
-                <adec:decorative xmlns:adec="http://schemas.microsoft.com/office/drawing/2017/decorative" xmlns="" val="1"/>
+                <adec:decorative xmlns="" xmlns:adec="http://schemas.microsoft.com/office/drawing/2017/decorative" val="1"/>
               </a:ext>
             </a:extLst>
           </p:cNvPr>
@@ -42242,7 +42679,7 @@
                   <a16:creationId xmlns:a16="http://schemas.microsoft.com/office/drawing/2014/main" id="{ED96FD6F-5EE9-36C7-C200-3111EF6D0152}"/>
                 </a:ext>
                 <a:ext uri="{C183D7F6-B498-43B3-948B-1728B52AA6E4}">
-                  <adec:decorative xmlns:adec="http://schemas.microsoft.com/office/drawing/2017/decorative" xmlns="" val="1"/>
+                  <adec:decorative xmlns="" xmlns:adec="http://schemas.microsoft.com/office/drawing/2017/decorative" val="1"/>
                 </a:ext>
               </a:extLst>
             </p:cNvPr>
@@ -42311,7 +42748,7 @@
                   <a16:creationId xmlns:a16="http://schemas.microsoft.com/office/drawing/2014/main" id="{62A39BB2-02C1-8A8B-8021-68446E04747F}"/>
                 </a:ext>
                 <a:ext uri="{C183D7F6-B498-43B3-948B-1728B52AA6E4}">
-                  <adec:decorative xmlns:adec="http://schemas.microsoft.com/office/drawing/2017/decorative" xmlns="" val="1"/>
+                  <adec:decorative xmlns="" xmlns:adec="http://schemas.microsoft.com/office/drawing/2017/decorative" val="1"/>
                 </a:ext>
               </a:extLst>
             </p:cNvPr>
@@ -42898,7 +43335,7 @@
                 <a16:creationId xmlns:a16="http://schemas.microsoft.com/office/drawing/2014/main" id="{9AF08BBE-71A7-AEFC-F970-93C6BF79B380}"/>
               </a:ext>
               <a:ext uri="{C183D7F6-B498-43B3-948B-1728B52AA6E4}">
-                <adec:decorative xmlns:adec="http://schemas.microsoft.com/office/drawing/2017/decorative" xmlns="" val="1"/>
+                <adec:decorative xmlns="" xmlns:adec="http://schemas.microsoft.com/office/drawing/2017/decorative" val="1"/>
               </a:ext>
             </a:extLst>
           </p:cNvPr>
@@ -42929,7 +43366,7 @@
                   <a16:creationId xmlns:a16="http://schemas.microsoft.com/office/drawing/2014/main" id="{31C42412-D66A-A89A-CBAD-067355BA7437}"/>
                 </a:ext>
                 <a:ext uri="{C183D7F6-B498-43B3-948B-1728B52AA6E4}">
-                  <adec:decorative xmlns:adec="http://schemas.microsoft.com/office/drawing/2017/decorative" xmlns="" val="1"/>
+                  <adec:decorative xmlns="" xmlns:adec="http://schemas.microsoft.com/office/drawing/2017/decorative" val="1"/>
                 </a:ext>
               </a:extLst>
             </p:cNvPr>
@@ -42998,7 +43435,7 @@
                   <a16:creationId xmlns:a16="http://schemas.microsoft.com/office/drawing/2014/main" id="{19F63095-BD54-33B2-6873-1DC4DF820D90}"/>
                 </a:ext>
                 <a:ext uri="{C183D7F6-B498-43B3-948B-1728B52AA6E4}">
-                  <adec:decorative xmlns:adec="http://schemas.microsoft.com/office/drawing/2017/decorative" xmlns="" val="1"/>
+                  <adec:decorative xmlns="" xmlns:adec="http://schemas.microsoft.com/office/drawing/2017/decorative" val="1"/>
                 </a:ext>
               </a:extLst>
             </p:cNvPr>
@@ -43139,7 +43576,7 @@
                 <a16:creationId xmlns:a16="http://schemas.microsoft.com/office/drawing/2014/main" id="{B775CD93-9DF2-48CB-9F57-1BCA9A46C7FA}"/>
               </a:ext>
               <a:ext uri="{C183D7F6-B498-43B3-948B-1728B52AA6E4}">
-                <adec:decorative xmlns:adec="http://schemas.microsoft.com/office/drawing/2017/decorative" xmlns="" val="1"/>
+                <adec:decorative xmlns="" xmlns:adec="http://schemas.microsoft.com/office/drawing/2017/decorative" val="1"/>
               </a:ext>
             </a:extLst>
           </p:cNvPr>
@@ -43245,7 +43682,7 @@
                 <a16:creationId xmlns:a16="http://schemas.microsoft.com/office/drawing/2014/main" id="{E186B68C-84BC-4A6E-99D1-EE87483C1349}"/>
               </a:ext>
               <a:ext uri="{C183D7F6-B498-43B3-948B-1728B52AA6E4}">
-                <adec:decorative xmlns:adec="http://schemas.microsoft.com/office/drawing/2017/decorative" xmlns="" val="1"/>
+                <adec:decorative xmlns="" xmlns:adec="http://schemas.microsoft.com/office/drawing/2017/decorative" val="1"/>
               </a:ext>
             </a:extLst>
           </p:cNvPr>
@@ -43314,7 +43751,7 @@
                 <a16:creationId xmlns:a16="http://schemas.microsoft.com/office/drawing/2014/main" id="{6166C6D1-23AC-49C4-BA07-238E4E9F8CEB}"/>
               </a:ext>
               <a:ext uri="{C183D7F6-B498-43B3-948B-1728B52AA6E4}">
-                <adec:decorative xmlns:adec="http://schemas.microsoft.com/office/drawing/2017/decorative" xmlns="" val="1"/>
+                <adec:decorative xmlns="" xmlns:adec="http://schemas.microsoft.com/office/drawing/2017/decorative" val="1"/>
               </a:ext>
             </a:extLst>
           </p:cNvPr>
@@ -43381,7 +43818,7 @@
                 <a16:creationId xmlns:a16="http://schemas.microsoft.com/office/drawing/2014/main" id="{33A87B69-D1B1-4DA7-B224-F220FC5235E6}"/>
               </a:ext>
               <a:ext uri="{C183D7F6-B498-43B3-948B-1728B52AA6E4}">
-                <adec:decorative xmlns:adec="http://schemas.microsoft.com/office/drawing/2017/decorative" xmlns="" val="1"/>
+                <adec:decorative xmlns="" xmlns:adec="http://schemas.microsoft.com/office/drawing/2017/decorative" val="1"/>
               </a:ext>
             </a:extLst>
           </p:cNvPr>
@@ -43505,7 +43942,7 @@
                 <a16:creationId xmlns:a16="http://schemas.microsoft.com/office/drawing/2014/main" id="{1C091803-41C2-48E0-9228-5148460C7479}"/>
               </a:ext>
               <a:ext uri="{C183D7F6-B498-43B3-948B-1728B52AA6E4}">
-                <adec:decorative xmlns:adec="http://schemas.microsoft.com/office/drawing/2017/decorative" xmlns="" val="1"/>
+                <adec:decorative xmlns="" xmlns:adec="http://schemas.microsoft.com/office/drawing/2017/decorative" val="1"/>
               </a:ext>
             </a:extLst>
           </p:cNvPr>
@@ -43595,7 +44032,47 @@
           </a:bodyPr>
           <a:lstStyle/>
           <a:p>
-            <a:endParaRPr lang="es-ES" sz="1800" dirty="0"/>
+            <a:pPr algn="just"/>
+            <a:r>
+              <a:rPr lang="es-ES" sz="1800" dirty="0" smtClean="0"/>
+              <a:t>Interrupción temporal del contrato del trabajo, con la idea de que se reanude.</a:t>
+            </a:r>
+          </a:p>
+          <a:p>
+            <a:pPr algn="just"/>
+            <a:r>
+              <a:rPr lang="es-ES" sz="1800" dirty="0" smtClean="0"/>
+              <a:t>Las obligaciones quedan suspendidas durante la suspensión, por lo que ni el trabajador trabaja, ni la empresa paga.</a:t>
+            </a:r>
+          </a:p>
+          <a:p>
+            <a:pPr algn="just"/>
+            <a:r>
+              <a:rPr lang="es-ES" sz="1800" dirty="0" smtClean="0"/>
+              <a:t>Incapacidades, Huelgas, </a:t>
+            </a:r>
+            <a:r>
+              <a:rPr lang="es-ES" sz="1800" dirty="0" smtClean="0">
+                <a:solidFill>
+                  <a:schemeClr val="accent2"/>
+                </a:solidFill>
+              </a:rPr>
+              <a:t>excedencias</a:t>
+            </a:r>
+            <a:r>
+              <a:rPr lang="es-ES" sz="1800" dirty="0"/>
+              <a:t>.</a:t>
+            </a:r>
+            <a:r>
+              <a:rPr lang="es-ES" sz="1800" dirty="0" smtClean="0"/>
+              <a:t> </a:t>
+            </a:r>
+          </a:p>
+          <a:p>
+            <a:pPr marL="0" indent="0" algn="just">
+              <a:buNone/>
+            </a:pPr>
+            <a:endParaRPr lang="es-ES" sz="1800" dirty="0" smtClean="0"/>
           </a:p>
           <a:p>
             <a:endParaRPr lang="es-ES" sz="1800" dirty="0"/>
@@ -43619,6 +44096,922 @@
 </file>
 
 <file path=ppt/slides/slide16.xml><?xml version="1.0" encoding="utf-8"?>
+<p:sld xmlns:a="http://schemas.openxmlformats.org/drawingml/2006/main" xmlns:r="http://schemas.openxmlformats.org/officeDocument/2006/relationships" xmlns:p="http://schemas.openxmlformats.org/presentationml/2006/main">
+  <p:cSld>
+    <p:spTree>
+      <p:nvGrpSpPr>
+        <p:cNvPr id="1" name=""/>
+        <p:cNvGrpSpPr/>
+        <p:nvPr/>
+      </p:nvGrpSpPr>
+      <p:grpSpPr>
+        <a:xfrm>
+          <a:off x="0" y="0"/>
+          <a:ext cx="0" cy="0"/>
+          <a:chOff x="0" y="0"/>
+          <a:chExt cx="0" cy="0"/>
+        </a:xfrm>
+      </p:grpSpPr>
+      <p:sp>
+        <p:nvSpPr>
+          <p:cNvPr id="2" name="Título 1"/>
+          <p:cNvSpPr>
+            <a:spLocks noGrp="1"/>
+          </p:cNvSpPr>
+          <p:nvPr>
+            <p:ph type="title"/>
+          </p:nvPr>
+        </p:nvSpPr>
+        <p:spPr/>
+        <p:txBody>
+          <a:bodyPr/>
+          <a:lstStyle/>
+          <a:p>
+            <a:r>
+              <a:rPr lang="es-ES" dirty="0" smtClean="0"/>
+              <a:t>EXCEDENCIAS</a:t>
+            </a:r>
+            <a:endParaRPr lang="es-ES" dirty="0"/>
+          </a:p>
+        </p:txBody>
+      </p:sp>
+      <p:graphicFrame>
+        <p:nvGraphicFramePr>
+          <p:cNvPr id="4" name="Marcador de contenido 3"/>
+          <p:cNvGraphicFramePr>
+            <a:graphicFrameLocks noGrp="1"/>
+          </p:cNvGraphicFramePr>
+          <p:nvPr>
+            <p:ph sz="quarter" idx="13"/>
+            <p:extLst>
+              <p:ext uri="{D42A27DB-BD31-4B8C-83A1-F6EECF244321}">
+                <p14:modId xmlns:p14="http://schemas.microsoft.com/office/powerpoint/2010/main" val="1744466093"/>
+              </p:ext>
+            </p:extLst>
+          </p:nvPr>
+        </p:nvGraphicFramePr>
+        <p:xfrm>
+          <a:off x="947649" y="2463799"/>
+          <a:ext cx="10066716" cy="2491139"/>
+        </p:xfrm>
+        <a:graphic>
+          <a:graphicData uri="http://schemas.openxmlformats.org/drawingml/2006/table">
+            <a:tbl>
+              <a:tblPr firstRow="1" firstCol="1" bandRow="1">
+                <a:tableStyleId>{5C22544A-7EE6-4342-B048-85BDC9FD1C3A}</a:tableStyleId>
+              </a:tblPr>
+              <a:tblGrid>
+                <a:gridCol w="1712424">
+                  <a:extLst>
+                    <a:ext uri="{9D8B030D-6E8A-4147-A177-3AD203B41FA5}">
+                      <a16:colId xmlns:a16="http://schemas.microsoft.com/office/drawing/2014/main" val="2042351244"/>
+                    </a:ext>
+                  </a:extLst>
+                </a:gridCol>
+                <a:gridCol w="2784764">
+                  <a:extLst>
+                    <a:ext uri="{9D8B030D-6E8A-4147-A177-3AD203B41FA5}">
+                      <a16:colId xmlns:a16="http://schemas.microsoft.com/office/drawing/2014/main" val="2594602404"/>
+                    </a:ext>
+                  </a:extLst>
+                </a:gridCol>
+                <a:gridCol w="2011679">
+                  <a:extLst>
+                    <a:ext uri="{9D8B030D-6E8A-4147-A177-3AD203B41FA5}">
+                      <a16:colId xmlns:a16="http://schemas.microsoft.com/office/drawing/2014/main" val="2101602472"/>
+                    </a:ext>
+                  </a:extLst>
+                </a:gridCol>
+                <a:gridCol w="3557849">
+                  <a:extLst>
+                    <a:ext uri="{9D8B030D-6E8A-4147-A177-3AD203B41FA5}">
+                      <a16:colId xmlns:a16="http://schemas.microsoft.com/office/drawing/2014/main" val="550027907"/>
+                    </a:ext>
+                  </a:extLst>
+                </a:gridCol>
+              </a:tblGrid>
+              <a:tr h="531988">
+                <a:tc>
+                  <a:txBody>
+                    <a:bodyPr/>
+                    <a:lstStyle/>
+                    <a:p>
+                      <a:pPr algn="ctr">
+                        <a:lnSpc>
+                          <a:spcPct val="107000"/>
+                        </a:lnSpc>
+                        <a:spcAft>
+                          <a:spcPts val="0"/>
+                        </a:spcAft>
+                      </a:pPr>
+                      <a:r>
+                        <a:rPr lang="es-ES" sz="1100" kern="100" dirty="0">
+                          <a:effectLst/>
+                        </a:rPr>
+                        <a:t> </a:t>
+                      </a:r>
+                    </a:p>
+                    <a:p>
+                      <a:pPr algn="ctr">
+                        <a:lnSpc>
+                          <a:spcPct val="107000"/>
+                        </a:lnSpc>
+                        <a:spcAft>
+                          <a:spcPts val="0"/>
+                        </a:spcAft>
+                      </a:pPr>
+                      <a:r>
+                        <a:rPr lang="es-ES" sz="1100" kern="100" dirty="0">
+                          <a:effectLst/>
+                        </a:rPr>
+                        <a:t>TIPO</a:t>
+                      </a:r>
+                    </a:p>
+                    <a:p>
+                      <a:pPr algn="ctr">
+                        <a:lnSpc>
+                          <a:spcPct val="107000"/>
+                        </a:lnSpc>
+                        <a:spcAft>
+                          <a:spcPts val="0"/>
+                        </a:spcAft>
+                      </a:pPr>
+                      <a:r>
+                        <a:rPr lang="es-ES" sz="1100" kern="100" dirty="0">
+                          <a:effectLst/>
+                        </a:rPr>
+                        <a:t> </a:t>
+                      </a:r>
+                      <a:endParaRPr lang="es-ES" sz="1100" kern="100" dirty="0">
+                        <a:effectLst/>
+                        <a:latin typeface="Calibri" panose="020F0502020204030204" pitchFamily="34" charset="0"/>
+                        <a:ea typeface="Calibri" panose="020F0502020204030204" pitchFamily="34" charset="0"/>
+                        <a:cs typeface="Arial" panose="020B0604020202020204" pitchFamily="34" charset="0"/>
+                      </a:endParaRPr>
+                    </a:p>
+                  </a:txBody>
+                  <a:tcPr marL="67793" marR="67793" marT="0" marB="0" anchor="ctr">
+                    <a:solidFill>
+                      <a:schemeClr val="accent2"/>
+                    </a:solidFill>
+                  </a:tcPr>
+                </a:tc>
+                <a:tc>
+                  <a:txBody>
+                    <a:bodyPr/>
+                    <a:lstStyle/>
+                    <a:p>
+                      <a:pPr algn="ctr">
+                        <a:lnSpc>
+                          <a:spcPct val="107000"/>
+                        </a:lnSpc>
+                        <a:spcAft>
+                          <a:spcPts val="0"/>
+                        </a:spcAft>
+                      </a:pPr>
+                      <a:r>
+                        <a:rPr lang="es-ES" sz="1100" kern="100" dirty="0">
+                          <a:effectLst/>
+                        </a:rPr>
+                        <a:t>UTILIDAD</a:t>
+                      </a:r>
+                      <a:endParaRPr lang="es-ES" sz="1100" kern="100" dirty="0">
+                        <a:effectLst/>
+                        <a:latin typeface="Calibri" panose="020F0502020204030204" pitchFamily="34" charset="0"/>
+                        <a:ea typeface="Calibri" panose="020F0502020204030204" pitchFamily="34" charset="0"/>
+                        <a:cs typeface="Arial" panose="020B0604020202020204" pitchFamily="34" charset="0"/>
+                      </a:endParaRPr>
+                    </a:p>
+                  </a:txBody>
+                  <a:tcPr marL="67793" marR="67793" marT="0" marB="0" anchor="ctr">
+                    <a:solidFill>
+                      <a:schemeClr val="accent2"/>
+                    </a:solidFill>
+                  </a:tcPr>
+                </a:tc>
+                <a:tc>
+                  <a:txBody>
+                    <a:bodyPr/>
+                    <a:lstStyle/>
+                    <a:p>
+                      <a:pPr algn="ctr">
+                        <a:lnSpc>
+                          <a:spcPct val="107000"/>
+                        </a:lnSpc>
+                        <a:spcAft>
+                          <a:spcPts val="0"/>
+                        </a:spcAft>
+                      </a:pPr>
+                      <a:r>
+                        <a:rPr lang="es-ES" sz="1100" kern="100" dirty="0">
+                          <a:effectLst/>
+                        </a:rPr>
+                        <a:t>DURACIÓN</a:t>
+                      </a:r>
+                      <a:endParaRPr lang="es-ES" sz="1100" kern="100" dirty="0">
+                        <a:effectLst/>
+                        <a:latin typeface="Calibri" panose="020F0502020204030204" pitchFamily="34" charset="0"/>
+                        <a:ea typeface="Calibri" panose="020F0502020204030204" pitchFamily="34" charset="0"/>
+                        <a:cs typeface="Arial" panose="020B0604020202020204" pitchFamily="34" charset="0"/>
+                      </a:endParaRPr>
+                    </a:p>
+                  </a:txBody>
+                  <a:tcPr marL="67793" marR="67793" marT="0" marB="0" anchor="ctr">
+                    <a:solidFill>
+                      <a:schemeClr val="accent2"/>
+                    </a:solidFill>
+                  </a:tcPr>
+                </a:tc>
+                <a:tc>
+                  <a:txBody>
+                    <a:bodyPr/>
+                    <a:lstStyle/>
+                    <a:p>
+                      <a:pPr algn="ctr">
+                        <a:lnSpc>
+                          <a:spcPct val="107000"/>
+                        </a:lnSpc>
+                        <a:spcAft>
+                          <a:spcPts val="0"/>
+                        </a:spcAft>
+                      </a:pPr>
+                      <a:r>
+                        <a:rPr lang="es-ES" sz="1100" kern="100" dirty="0">
+                          <a:effectLst/>
+                        </a:rPr>
+                        <a:t>CARACTERÍSTICAS</a:t>
+                      </a:r>
+                      <a:endParaRPr lang="es-ES" sz="1100" kern="100" dirty="0">
+                        <a:effectLst/>
+                        <a:latin typeface="Calibri" panose="020F0502020204030204" pitchFamily="34" charset="0"/>
+                        <a:ea typeface="Calibri" panose="020F0502020204030204" pitchFamily="34" charset="0"/>
+                        <a:cs typeface="Arial" panose="020B0604020202020204" pitchFamily="34" charset="0"/>
+                      </a:endParaRPr>
+                    </a:p>
+                  </a:txBody>
+                  <a:tcPr marL="67793" marR="67793" marT="0" marB="0" anchor="ctr">
+                    <a:solidFill>
+                      <a:schemeClr val="accent2"/>
+                    </a:solidFill>
+                  </a:tcPr>
+                </a:tc>
+                <a:extLst>
+                  <a:ext uri="{0D108BD9-81ED-4DB2-BD59-A6C34878D82A}">
+                    <a16:rowId xmlns:a16="http://schemas.microsoft.com/office/drawing/2014/main" val="1801719912"/>
+                  </a:ext>
+                </a:extLst>
+              </a:tr>
+              <a:tr h="886647">
+                <a:tc>
+                  <a:txBody>
+                    <a:bodyPr/>
+                    <a:lstStyle/>
+                    <a:p>
+                      <a:pPr algn="ctr">
+                        <a:lnSpc>
+                          <a:spcPct val="107000"/>
+                        </a:lnSpc>
+                        <a:spcAft>
+                          <a:spcPts val="0"/>
+                        </a:spcAft>
+                      </a:pPr>
+                      <a:r>
+                        <a:rPr lang="es-ES" sz="1100" kern="100" dirty="0">
+                          <a:effectLst/>
+                        </a:rPr>
+                        <a:t>Voluntaria</a:t>
+                      </a:r>
+                      <a:endParaRPr lang="es-ES" sz="1100" kern="100" dirty="0">
+                        <a:effectLst/>
+                        <a:latin typeface="Calibri" panose="020F0502020204030204" pitchFamily="34" charset="0"/>
+                        <a:ea typeface="Calibri" panose="020F0502020204030204" pitchFamily="34" charset="0"/>
+                        <a:cs typeface="Arial" panose="020B0604020202020204" pitchFamily="34" charset="0"/>
+                      </a:endParaRPr>
+                    </a:p>
+                  </a:txBody>
+                  <a:tcPr marL="67793" marR="67793" marT="0" marB="0" anchor="ctr"/>
+                </a:tc>
+                <a:tc>
+                  <a:txBody>
+                    <a:bodyPr/>
+                    <a:lstStyle/>
+                    <a:p>
+                      <a:pPr algn="just">
+                        <a:lnSpc>
+                          <a:spcPct val="107000"/>
+                        </a:lnSpc>
+                        <a:spcAft>
+                          <a:spcPts val="0"/>
+                        </a:spcAft>
+                      </a:pPr>
+                      <a:r>
+                        <a:rPr lang="es-ES" sz="1100" kern="100">
+                          <a:effectLst/>
+                        </a:rPr>
+                        <a:t>Interés particular del trabajador</a:t>
+                      </a:r>
+                    </a:p>
+                    <a:p>
+                      <a:pPr algn="just">
+                        <a:lnSpc>
+                          <a:spcPct val="107000"/>
+                        </a:lnSpc>
+                        <a:spcAft>
+                          <a:spcPts val="0"/>
+                        </a:spcAft>
+                      </a:pPr>
+                      <a:r>
+                        <a:rPr lang="es-ES" sz="1100" kern="100">
+                          <a:effectLst/>
+                        </a:rPr>
+                        <a:t> </a:t>
+                      </a:r>
+                      <a:endParaRPr lang="es-ES" sz="1100" kern="100">
+                        <a:effectLst/>
+                        <a:latin typeface="Calibri" panose="020F0502020204030204" pitchFamily="34" charset="0"/>
+                        <a:ea typeface="Calibri" panose="020F0502020204030204" pitchFamily="34" charset="0"/>
+                        <a:cs typeface="Arial" panose="020B0604020202020204" pitchFamily="34" charset="0"/>
+                      </a:endParaRPr>
+                    </a:p>
+                  </a:txBody>
+                  <a:tcPr marL="67793" marR="67793" marT="0" marB="0" anchor="ctr"/>
+                </a:tc>
+                <a:tc>
+                  <a:txBody>
+                    <a:bodyPr/>
+                    <a:lstStyle/>
+                    <a:p>
+                      <a:pPr algn="just">
+                        <a:lnSpc>
+                          <a:spcPct val="107000"/>
+                        </a:lnSpc>
+                        <a:spcAft>
+                          <a:spcPts val="0"/>
+                        </a:spcAft>
+                      </a:pPr>
+                      <a:r>
+                        <a:rPr lang="es-ES" sz="1000" kern="100">
+                          <a:effectLst/>
+                        </a:rPr>
+                        <a:t>&gt;</a:t>
+                      </a:r>
+                      <a:r>
+                        <a:rPr lang="es-ES" sz="1100" kern="100">
+                          <a:effectLst/>
+                        </a:rPr>
+                        <a:t>4 meses</a:t>
+                      </a:r>
+                    </a:p>
+                    <a:p>
+                      <a:pPr algn="just">
+                        <a:lnSpc>
+                          <a:spcPct val="107000"/>
+                        </a:lnSpc>
+                        <a:spcAft>
+                          <a:spcPts val="0"/>
+                        </a:spcAft>
+                      </a:pPr>
+                      <a:r>
+                        <a:rPr lang="es-ES" sz="1100" kern="100">
+                          <a:effectLst/>
+                        </a:rPr>
+                        <a:t>&lt; 5 años</a:t>
+                      </a:r>
+                      <a:endParaRPr lang="es-ES" sz="1100" kern="100">
+                        <a:effectLst/>
+                        <a:latin typeface="Calibri" panose="020F0502020204030204" pitchFamily="34" charset="0"/>
+                        <a:ea typeface="Calibri" panose="020F0502020204030204" pitchFamily="34" charset="0"/>
+                        <a:cs typeface="Arial" panose="020B0604020202020204" pitchFamily="34" charset="0"/>
+                      </a:endParaRPr>
+                    </a:p>
+                  </a:txBody>
+                  <a:tcPr marL="67793" marR="67793" marT="0" marB="0" anchor="ctr"/>
+                </a:tc>
+                <a:tc>
+                  <a:txBody>
+                    <a:bodyPr/>
+                    <a:lstStyle/>
+                    <a:p>
+                      <a:pPr marL="342900" lvl="0" indent="-342900" algn="just">
+                        <a:lnSpc>
+                          <a:spcPct val="107000"/>
+                        </a:lnSpc>
+                        <a:spcAft>
+                          <a:spcPts val="0"/>
+                        </a:spcAft>
+                        <a:buFont typeface="Wingdings" panose="05000000000000000000" pitchFamily="2" charset="2"/>
+                        <a:buChar char=""/>
+                      </a:pPr>
+                      <a:r>
+                        <a:rPr lang="es-ES" sz="1100" kern="100" dirty="0">
+                          <a:effectLst/>
+                        </a:rPr>
+                        <a:t>Hay que tener un año de </a:t>
+                      </a:r>
+                      <a:r>
+                        <a:rPr lang="es-ES" sz="1100" kern="100" dirty="0" smtClean="0">
+                          <a:effectLst/>
+                        </a:rPr>
+                        <a:t>antigüedad.</a:t>
+                      </a:r>
+                      <a:endParaRPr lang="es-ES" sz="1100" kern="100" dirty="0">
+                        <a:effectLst/>
+                      </a:endParaRPr>
+                    </a:p>
+                    <a:p>
+                      <a:pPr marL="342900" lvl="0" indent="-342900" algn="just">
+                        <a:lnSpc>
+                          <a:spcPct val="107000"/>
+                        </a:lnSpc>
+                        <a:spcAft>
+                          <a:spcPts val="0"/>
+                        </a:spcAft>
+                        <a:buFont typeface="Wingdings" panose="05000000000000000000" pitchFamily="2" charset="2"/>
+                        <a:buChar char=""/>
+                      </a:pPr>
+                      <a:r>
+                        <a:rPr lang="es-ES" sz="1100" kern="100" dirty="0" smtClean="0">
+                          <a:solidFill>
+                            <a:schemeClr val="accent2"/>
+                          </a:solidFill>
+                          <a:effectLst/>
+                        </a:rPr>
+                        <a:t>¡Ojo! </a:t>
+                      </a:r>
+                      <a:r>
+                        <a:rPr lang="es-ES" sz="1100" kern="100" dirty="0" smtClean="0">
+                          <a:effectLst/>
+                        </a:rPr>
+                        <a:t>No </a:t>
+                      </a:r>
+                      <a:r>
+                        <a:rPr lang="es-ES" sz="1100" kern="100" dirty="0">
+                          <a:effectLst/>
+                        </a:rPr>
+                        <a:t>computa a efectos de </a:t>
+                      </a:r>
+                      <a:r>
+                        <a:rPr lang="es-ES" sz="1100" kern="100" dirty="0" smtClean="0">
+                          <a:effectLst/>
+                        </a:rPr>
+                        <a:t>antigüedad.</a:t>
+                      </a:r>
+                    </a:p>
+                    <a:p>
+                      <a:pPr marL="342900" lvl="0" indent="-342900" algn="just">
+                        <a:lnSpc>
+                          <a:spcPct val="107000"/>
+                        </a:lnSpc>
+                        <a:spcAft>
+                          <a:spcPts val="0"/>
+                        </a:spcAft>
+                        <a:buFont typeface="Wingdings" panose="05000000000000000000" pitchFamily="2" charset="2"/>
+                        <a:buChar char=""/>
+                      </a:pPr>
+                      <a:r>
+                        <a:rPr lang="es-ES" sz="1100" kern="100" dirty="0" smtClean="0">
+                          <a:effectLst/>
+                        </a:rPr>
+                        <a:t>No </a:t>
+                      </a:r>
+                      <a:r>
+                        <a:rPr lang="es-ES" sz="1100" kern="100" dirty="0">
+                          <a:effectLst/>
+                        </a:rPr>
+                        <a:t>se reserva puesto de </a:t>
+                      </a:r>
+                      <a:r>
+                        <a:rPr lang="es-ES" sz="1100" kern="100" dirty="0" smtClean="0">
+                          <a:effectLst/>
+                        </a:rPr>
+                        <a:t>trabajo </a:t>
+                      </a:r>
+                      <a:r>
+                        <a:rPr lang="es-ES" sz="1100" kern="100" dirty="0" smtClean="0">
+                          <a:solidFill>
+                            <a:schemeClr val="accent2"/>
+                          </a:solidFill>
+                          <a:effectLst/>
+                        </a:rPr>
+                        <a:t>(en todo caso preferencia, pero</a:t>
+                      </a:r>
+                      <a:r>
+                        <a:rPr lang="es-ES" sz="1100" kern="100" baseline="0" dirty="0" smtClean="0">
+                          <a:solidFill>
+                            <a:schemeClr val="accent2"/>
+                          </a:solidFill>
+                          <a:effectLst/>
+                        </a:rPr>
+                        <a:t> no se reserva el puesto de trabajo).</a:t>
+                      </a:r>
+                      <a:endParaRPr lang="es-ES" sz="1100" kern="100" dirty="0">
+                        <a:solidFill>
+                          <a:schemeClr val="accent2"/>
+                        </a:solidFill>
+                        <a:effectLst/>
+                      </a:endParaRPr>
+                    </a:p>
+                    <a:p>
+                      <a:pPr marL="342900" lvl="0" indent="-342900" algn="just">
+                        <a:lnSpc>
+                          <a:spcPct val="107000"/>
+                        </a:lnSpc>
+                        <a:spcAft>
+                          <a:spcPts val="0"/>
+                        </a:spcAft>
+                        <a:buFont typeface="Wingdings" panose="05000000000000000000" pitchFamily="2" charset="2"/>
+                        <a:buChar char=""/>
+                      </a:pPr>
+                      <a:r>
+                        <a:rPr lang="es-ES" sz="1100" kern="100" dirty="0">
+                          <a:effectLst/>
+                        </a:rPr>
+                        <a:t>Se puede solicitar a los 4 años de </a:t>
+                      </a:r>
+                      <a:r>
+                        <a:rPr lang="es-ES" sz="1100" kern="100" dirty="0" smtClean="0">
+                          <a:effectLst/>
+                        </a:rPr>
+                        <a:t>nuevo.</a:t>
+                      </a:r>
+                      <a:endParaRPr lang="es-ES" sz="1100" kern="100" dirty="0">
+                        <a:effectLst/>
+                        <a:latin typeface="Calibri" panose="020F0502020204030204" pitchFamily="34" charset="0"/>
+                        <a:ea typeface="Calibri" panose="020F0502020204030204" pitchFamily="34" charset="0"/>
+                        <a:cs typeface="Arial" panose="020B0604020202020204" pitchFamily="34" charset="0"/>
+                      </a:endParaRPr>
+                    </a:p>
+                  </a:txBody>
+                  <a:tcPr marL="67793" marR="67793" marT="0" marB="0" anchor="ctr"/>
+                </a:tc>
+                <a:extLst>
+                  <a:ext uri="{0D108BD9-81ED-4DB2-BD59-A6C34878D82A}">
+                    <a16:rowId xmlns:a16="http://schemas.microsoft.com/office/drawing/2014/main" val="3620443059"/>
+                  </a:ext>
+                </a:extLst>
+              </a:tr>
+              <a:tr h="354659">
+                <a:tc>
+                  <a:txBody>
+                    <a:bodyPr/>
+                    <a:lstStyle/>
+                    <a:p>
+                      <a:pPr algn="ctr">
+                        <a:lnSpc>
+                          <a:spcPct val="107000"/>
+                        </a:lnSpc>
+                        <a:spcAft>
+                          <a:spcPts val="0"/>
+                        </a:spcAft>
+                      </a:pPr>
+                      <a:r>
+                        <a:rPr lang="es-ES" sz="1100" kern="100">
+                          <a:effectLst/>
+                        </a:rPr>
+                        <a:t>Forzosa</a:t>
+                      </a:r>
+                      <a:endParaRPr lang="es-ES" sz="1100" kern="100">
+                        <a:effectLst/>
+                        <a:latin typeface="Calibri" panose="020F0502020204030204" pitchFamily="34" charset="0"/>
+                        <a:ea typeface="Calibri" panose="020F0502020204030204" pitchFamily="34" charset="0"/>
+                        <a:cs typeface="Arial" panose="020B0604020202020204" pitchFamily="34" charset="0"/>
+                      </a:endParaRPr>
+                    </a:p>
+                  </a:txBody>
+                  <a:tcPr marL="67793" marR="67793" marT="0" marB="0" anchor="ctr"/>
+                </a:tc>
+                <a:tc>
+                  <a:txBody>
+                    <a:bodyPr/>
+                    <a:lstStyle/>
+                    <a:p>
+                      <a:pPr algn="ctr">
+                        <a:lnSpc>
+                          <a:spcPct val="107000"/>
+                        </a:lnSpc>
+                        <a:spcAft>
+                          <a:spcPts val="0"/>
+                        </a:spcAft>
+                      </a:pPr>
+                      <a:r>
+                        <a:rPr lang="es-ES" sz="1100" kern="100" dirty="0">
+                          <a:effectLst/>
+                        </a:rPr>
+                        <a:t>Elección para cargo </a:t>
+                      </a:r>
+                      <a:r>
+                        <a:rPr lang="es-ES" sz="1100" kern="100" dirty="0" smtClean="0">
+                          <a:effectLst/>
+                        </a:rPr>
+                        <a:t>público</a:t>
+                      </a:r>
+                      <a:r>
+                        <a:rPr lang="es-ES" sz="1100" kern="100" dirty="0">
+                          <a:effectLst/>
+                        </a:rPr>
+                        <a:t> </a:t>
+                      </a:r>
+                      <a:endParaRPr lang="es-ES" sz="1100" kern="100" dirty="0">
+                        <a:effectLst/>
+                        <a:latin typeface="Calibri" panose="020F0502020204030204" pitchFamily="34" charset="0"/>
+                        <a:ea typeface="Calibri" panose="020F0502020204030204" pitchFamily="34" charset="0"/>
+                        <a:cs typeface="Arial" panose="020B0604020202020204" pitchFamily="34" charset="0"/>
+                      </a:endParaRPr>
+                    </a:p>
+                  </a:txBody>
+                  <a:tcPr marL="67793" marR="67793" marT="0" marB="0" anchor="ctr"/>
+                </a:tc>
+                <a:tc>
+                  <a:txBody>
+                    <a:bodyPr/>
+                    <a:lstStyle/>
+                    <a:p>
+                      <a:pPr algn="ctr">
+                        <a:lnSpc>
+                          <a:spcPct val="107000"/>
+                        </a:lnSpc>
+                        <a:spcAft>
+                          <a:spcPts val="0"/>
+                        </a:spcAft>
+                      </a:pPr>
+                      <a:r>
+                        <a:rPr lang="es-ES" sz="1100" kern="100" dirty="0">
+                          <a:effectLst/>
+                        </a:rPr>
+                        <a:t>Mientras dure el cargo público</a:t>
+                      </a:r>
+                      <a:endParaRPr lang="es-ES" sz="1100" kern="100" dirty="0">
+                        <a:effectLst/>
+                        <a:latin typeface="Calibri" panose="020F0502020204030204" pitchFamily="34" charset="0"/>
+                        <a:ea typeface="Calibri" panose="020F0502020204030204" pitchFamily="34" charset="0"/>
+                        <a:cs typeface="Arial" panose="020B0604020202020204" pitchFamily="34" charset="0"/>
+                      </a:endParaRPr>
+                    </a:p>
+                  </a:txBody>
+                  <a:tcPr marL="67793" marR="67793" marT="0" marB="0" anchor="ctr"/>
+                </a:tc>
+                <a:tc>
+                  <a:txBody>
+                    <a:bodyPr/>
+                    <a:lstStyle/>
+                    <a:p>
+                      <a:pPr algn="just">
+                        <a:lnSpc>
+                          <a:spcPct val="107000"/>
+                        </a:lnSpc>
+                        <a:spcAft>
+                          <a:spcPts val="0"/>
+                        </a:spcAft>
+                      </a:pPr>
+                      <a:r>
+                        <a:rPr lang="es-ES" sz="1100" kern="100" dirty="0">
+                          <a:effectLst/>
+                        </a:rPr>
+                        <a:t>Computa para la antigüedad y se reserva el puesto de </a:t>
+                      </a:r>
+                      <a:r>
+                        <a:rPr lang="es-ES" sz="1100" kern="100" dirty="0" smtClean="0">
+                          <a:effectLst/>
+                        </a:rPr>
+                        <a:t>trabajo.</a:t>
+                      </a:r>
+                      <a:endParaRPr lang="es-ES" sz="1100" kern="100" dirty="0">
+                        <a:effectLst/>
+                        <a:latin typeface="Calibri" panose="020F0502020204030204" pitchFamily="34" charset="0"/>
+                        <a:ea typeface="Calibri" panose="020F0502020204030204" pitchFamily="34" charset="0"/>
+                        <a:cs typeface="Arial" panose="020B0604020202020204" pitchFamily="34" charset="0"/>
+                      </a:endParaRPr>
+                    </a:p>
+                  </a:txBody>
+                  <a:tcPr marL="67793" marR="67793" marT="0" marB="0" anchor="ctr"/>
+                </a:tc>
+                <a:extLst>
+                  <a:ext uri="{0D108BD9-81ED-4DB2-BD59-A6C34878D82A}">
+                    <a16:rowId xmlns:a16="http://schemas.microsoft.com/office/drawing/2014/main" val="2526697097"/>
+                  </a:ext>
+                </a:extLst>
+              </a:tr>
+              <a:tr h="709317">
+                <a:tc>
+                  <a:txBody>
+                    <a:bodyPr/>
+                    <a:lstStyle/>
+                    <a:p>
+                      <a:pPr marL="342900" lvl="0" indent="-342900" algn="just">
+                        <a:lnSpc>
+                          <a:spcPct val="107000"/>
+                        </a:lnSpc>
+                        <a:spcAft>
+                          <a:spcPts val="0"/>
+                        </a:spcAft>
+                        <a:buFont typeface="Symbol" panose="05050102010706020507" pitchFamily="18" charset="2"/>
+                        <a:buChar char=""/>
+                      </a:pPr>
+                      <a:r>
+                        <a:rPr lang="es-ES" sz="1100" kern="100">
+                          <a:effectLst/>
+                        </a:rPr>
+                        <a:t>Cuidado de hijo</a:t>
+                      </a:r>
+                    </a:p>
+                    <a:p>
+                      <a:pPr marL="342900" lvl="0" indent="-342900" algn="just">
+                        <a:lnSpc>
+                          <a:spcPct val="107000"/>
+                        </a:lnSpc>
+                        <a:spcAft>
+                          <a:spcPts val="0"/>
+                        </a:spcAft>
+                        <a:buFont typeface="Symbol" panose="05050102010706020507" pitchFamily="18" charset="2"/>
+                        <a:buChar char=""/>
+                      </a:pPr>
+                      <a:r>
+                        <a:rPr lang="es-ES" sz="1100" kern="100">
+                          <a:effectLst/>
+                        </a:rPr>
+                        <a:t>Cuidado de familiar</a:t>
+                      </a:r>
+                      <a:endParaRPr lang="es-ES" sz="1100" kern="100">
+                        <a:effectLst/>
+                        <a:latin typeface="Calibri" panose="020F0502020204030204" pitchFamily="34" charset="0"/>
+                        <a:ea typeface="Calibri" panose="020F0502020204030204" pitchFamily="34" charset="0"/>
+                        <a:cs typeface="Arial" panose="020B0604020202020204" pitchFamily="34" charset="0"/>
+                      </a:endParaRPr>
+                    </a:p>
+                  </a:txBody>
+                  <a:tcPr marL="67793" marR="67793" marT="0" marB="0" anchor="ctr"/>
+                </a:tc>
+                <a:tc>
+                  <a:txBody>
+                    <a:bodyPr/>
+                    <a:lstStyle/>
+                    <a:p>
+                      <a:pPr marL="342900" lvl="0" indent="-342900" algn="just">
+                        <a:lnSpc>
+                          <a:spcPct val="107000"/>
+                        </a:lnSpc>
+                        <a:spcAft>
+                          <a:spcPts val="0"/>
+                        </a:spcAft>
+                        <a:buFont typeface="Symbol" panose="05050102010706020507" pitchFamily="18" charset="2"/>
+                        <a:buChar char=""/>
+                      </a:pPr>
+                      <a:r>
+                        <a:rPr lang="es-ES" sz="1100" kern="100">
+                          <a:effectLst/>
+                        </a:rPr>
+                        <a:t>Nacimiento de hijos</a:t>
+                      </a:r>
+                    </a:p>
+                    <a:p>
+                      <a:pPr marL="342900" lvl="0" indent="-342900" algn="just">
+                        <a:lnSpc>
+                          <a:spcPct val="107000"/>
+                        </a:lnSpc>
+                        <a:spcAft>
+                          <a:spcPts val="0"/>
+                        </a:spcAft>
+                        <a:buFont typeface="Symbol" panose="05050102010706020507" pitchFamily="18" charset="2"/>
+                        <a:buChar char=""/>
+                      </a:pPr>
+                      <a:r>
+                        <a:rPr lang="es-ES" sz="1100" kern="100">
+                          <a:effectLst/>
+                        </a:rPr>
+                        <a:t>Cuidado de familiar dependiente hasta el segundo grado</a:t>
+                      </a:r>
+                      <a:endParaRPr lang="es-ES" sz="1100" kern="100">
+                        <a:effectLst/>
+                        <a:latin typeface="Calibri" panose="020F0502020204030204" pitchFamily="34" charset="0"/>
+                        <a:ea typeface="Calibri" panose="020F0502020204030204" pitchFamily="34" charset="0"/>
+                        <a:cs typeface="Arial" panose="020B0604020202020204" pitchFamily="34" charset="0"/>
+                      </a:endParaRPr>
+                    </a:p>
+                  </a:txBody>
+                  <a:tcPr marL="67793" marR="67793" marT="0" marB="0" anchor="ctr"/>
+                </a:tc>
+                <a:tc>
+                  <a:txBody>
+                    <a:bodyPr/>
+                    <a:lstStyle/>
+                    <a:p>
+                      <a:pPr marL="342900" lvl="0" indent="-342900" algn="just">
+                        <a:lnSpc>
+                          <a:spcPct val="107000"/>
+                        </a:lnSpc>
+                        <a:spcAft>
+                          <a:spcPts val="0"/>
+                        </a:spcAft>
+                        <a:buFont typeface="Symbol" panose="05050102010706020507" pitchFamily="18" charset="2"/>
+                        <a:buChar char=""/>
+                      </a:pPr>
+                      <a:r>
+                        <a:rPr lang="es-ES" sz="1100" kern="100">
+                          <a:effectLst/>
+                        </a:rPr>
+                        <a:t>Máximo 3 años</a:t>
+                      </a:r>
+                    </a:p>
+                    <a:p>
+                      <a:pPr marL="342900" lvl="0" indent="-342900" algn="just">
+                        <a:lnSpc>
+                          <a:spcPct val="107000"/>
+                        </a:lnSpc>
+                        <a:spcAft>
+                          <a:spcPts val="0"/>
+                        </a:spcAft>
+                        <a:buFont typeface="Symbol" panose="05050102010706020507" pitchFamily="18" charset="2"/>
+                        <a:buChar char=""/>
+                      </a:pPr>
+                      <a:r>
+                        <a:rPr lang="es-ES" sz="1100" kern="100">
+                          <a:effectLst/>
+                        </a:rPr>
+                        <a:t>Máximo 2 años</a:t>
+                      </a:r>
+                      <a:endParaRPr lang="es-ES" sz="1100" kern="100">
+                        <a:effectLst/>
+                        <a:latin typeface="Calibri" panose="020F0502020204030204" pitchFamily="34" charset="0"/>
+                        <a:ea typeface="Calibri" panose="020F0502020204030204" pitchFamily="34" charset="0"/>
+                        <a:cs typeface="Arial" panose="020B0604020202020204" pitchFamily="34" charset="0"/>
+                      </a:endParaRPr>
+                    </a:p>
+                  </a:txBody>
+                  <a:tcPr marL="67793" marR="67793" marT="0" marB="0" anchor="ctr"/>
+                </a:tc>
+                <a:tc>
+                  <a:txBody>
+                    <a:bodyPr/>
+                    <a:lstStyle/>
+                    <a:p>
+                      <a:pPr marL="342900" lvl="0" indent="-342900" algn="just">
+                        <a:lnSpc>
+                          <a:spcPct val="107000"/>
+                        </a:lnSpc>
+                        <a:spcAft>
+                          <a:spcPts val="0"/>
+                        </a:spcAft>
+                        <a:buFont typeface="Symbol" panose="05050102010706020507" pitchFamily="18" charset="2"/>
+                        <a:buChar char=""/>
+                      </a:pPr>
+                      <a:r>
+                        <a:rPr lang="es-ES" sz="1100" kern="100" dirty="0">
+                          <a:effectLst/>
+                        </a:rPr>
+                        <a:t>Computa para la antigüedad</a:t>
+                      </a:r>
+                    </a:p>
+                    <a:p>
+                      <a:pPr marL="342900" lvl="0" indent="-342900" algn="just">
+                        <a:lnSpc>
+                          <a:spcPct val="107000"/>
+                        </a:lnSpc>
+                        <a:spcAft>
+                          <a:spcPts val="0"/>
+                        </a:spcAft>
+                        <a:buFont typeface="Symbol" panose="05050102010706020507" pitchFamily="18" charset="2"/>
+                        <a:buChar char=""/>
+                      </a:pPr>
+                      <a:r>
+                        <a:rPr lang="es-ES" sz="1100" kern="100" dirty="0">
+                          <a:effectLst/>
+                        </a:rPr>
+                        <a:t>Se reserva el puesto el primer año, el segundo -y el tercero en su caso- solo la categoría profesional</a:t>
+                      </a:r>
+                      <a:endParaRPr lang="es-ES" sz="1100" kern="100" dirty="0">
+                        <a:effectLst/>
+                        <a:latin typeface="Calibri" panose="020F0502020204030204" pitchFamily="34" charset="0"/>
+                        <a:ea typeface="Calibri" panose="020F0502020204030204" pitchFamily="34" charset="0"/>
+                        <a:cs typeface="Arial" panose="020B0604020202020204" pitchFamily="34" charset="0"/>
+                      </a:endParaRPr>
+                    </a:p>
+                  </a:txBody>
+                  <a:tcPr marL="67793" marR="67793" marT="0" marB="0" anchor="ctr"/>
+                </a:tc>
+                <a:extLst>
+                  <a:ext uri="{0D108BD9-81ED-4DB2-BD59-A6C34878D82A}">
+                    <a16:rowId xmlns:a16="http://schemas.microsoft.com/office/drawing/2014/main" val="1693014229"/>
+                  </a:ext>
+                </a:extLst>
+              </a:tr>
+            </a:tbl>
+          </a:graphicData>
+        </a:graphic>
+      </p:graphicFrame>
+    </p:spTree>
+    <p:extLst>
+      <p:ext uri="{BB962C8B-B14F-4D97-AF65-F5344CB8AC3E}">
+        <p14:creationId xmlns:p14="http://schemas.microsoft.com/office/powerpoint/2010/main" val="4244472659"/>
+      </p:ext>
+    </p:extLst>
+  </p:cSld>
+  <p:clrMapOvr>
+    <a:masterClrMapping/>
+  </p:clrMapOvr>
+</p:sld>
+</file>
+
+<file path=ppt/slides/slide17.xml><?xml version="1.0" encoding="utf-8"?>
 <p:sld xmlns:a="http://schemas.openxmlformats.org/drawingml/2006/main" xmlns:r="http://schemas.openxmlformats.org/officeDocument/2006/relationships" xmlns:p="http://schemas.openxmlformats.org/presentationml/2006/main">
   <p:cSld>
     <p:bg>
@@ -43651,7 +45044,7 @@
                 <a16:creationId xmlns:a16="http://schemas.microsoft.com/office/drawing/2014/main" id="{5C9B446A-6343-4E56-90BA-061E4DDF0FFB}"/>
               </a:ext>
               <a:ext uri="{C183D7F6-B498-43B3-948B-1728B52AA6E4}">
-                <adec:decorative xmlns:adec="http://schemas.microsoft.com/office/drawing/2017/decorative" xmlns="" val="1"/>
+                <adec:decorative xmlns="" xmlns:adec="http://schemas.microsoft.com/office/drawing/2017/decorative" val="1"/>
               </a:ext>
             </a:extLst>
           </p:cNvPr>
@@ -43711,7 +45104,7 @@
                 <a16:creationId xmlns:a16="http://schemas.microsoft.com/office/drawing/2014/main" id="{3EC72A1B-03D3-499C-B4BF-AC68EEC22B10}"/>
               </a:ext>
               <a:ext uri="{C183D7F6-B498-43B3-948B-1728B52AA6E4}">
-                <adec:decorative xmlns:adec="http://schemas.microsoft.com/office/drawing/2017/decorative" xmlns="" val="1"/>
+                <adec:decorative xmlns="" xmlns:adec="http://schemas.microsoft.com/office/drawing/2017/decorative" val="1"/>
               </a:ext>
             </a:extLst>
           </p:cNvPr>
@@ -43883,7 +45276,7 @@
                 <a16:creationId xmlns:a16="http://schemas.microsoft.com/office/drawing/2014/main" id="{216322C2-3CF0-4D33-BF90-3F384CF6D232}"/>
               </a:ext>
               <a:ext uri="{C183D7F6-B498-43B3-948B-1728B52AA6E4}">
-                <adec:decorative xmlns:adec="http://schemas.microsoft.com/office/drawing/2017/decorative" xmlns="" val="1"/>
+                <adec:decorative xmlns="" xmlns:adec="http://schemas.microsoft.com/office/drawing/2017/decorative" val="1"/>
               </a:ext>
             </a:extLst>
           </p:cNvPr>
@@ -44081,7 +45474,7 @@
                 <a16:creationId xmlns:a16="http://schemas.microsoft.com/office/drawing/2014/main" id="{55D4142C-5077-457F-A6AD-3FECFDB39685}"/>
               </a:ext>
               <a:ext uri="{C183D7F6-B498-43B3-948B-1728B52AA6E4}">
-                <adec:decorative xmlns:adec="http://schemas.microsoft.com/office/drawing/2017/decorative" xmlns="" val="1"/>
+                <adec:decorative xmlns="" xmlns:adec="http://schemas.microsoft.com/office/drawing/2017/decorative" val="1"/>
               </a:ext>
             </a:extLst>
           </p:cNvPr>
@@ -44149,7 +45542,7 @@
                 <a16:creationId xmlns:a16="http://schemas.microsoft.com/office/drawing/2014/main" id="{7A5F0580-5EE9-419F-96EE-B6529EF6E7D0}"/>
               </a:ext>
               <a:ext uri="{C183D7F6-B498-43B3-948B-1728B52AA6E4}">
-                <adec:decorative xmlns:adec="http://schemas.microsoft.com/office/drawing/2017/decorative" xmlns="" val="1"/>
+                <adec:decorative xmlns="" xmlns:adec="http://schemas.microsoft.com/office/drawing/2017/decorative" val="1"/>
               </a:ext>
             </a:extLst>
           </p:cNvPr>
@@ -44244,8 +45637,21 @@
             </a:pPr>
             <a:r>
               <a:rPr lang="es-ES" sz="1700" dirty="0"/>
-              <a:t>Por acuerdo</a:t>
+              <a:t>Por </a:t>
             </a:r>
+            <a:r>
+              <a:rPr lang="es-ES" sz="1700" dirty="0" smtClean="0"/>
+              <a:t>acuerdo </a:t>
+            </a:r>
+            <a:r>
+              <a:rPr lang="es-ES" sz="1700" dirty="0" smtClean="0">
+                <a:solidFill>
+                  <a:schemeClr val="accent2"/>
+                </a:solidFill>
+              </a:rPr>
+              <a:t>(de ambas partes)</a:t>
+            </a:r>
+            <a:endParaRPr lang="es-ES" sz="1700" dirty="0"/>
           </a:p>
           <a:p>
             <a:pPr marL="342900" indent="-342900">
@@ -44261,8 +45667,25 @@
             </a:pPr>
             <a:r>
               <a:rPr lang="es-ES" sz="1700" dirty="0"/>
-              <a:t>Por voluntad del trabajador</a:t>
+              <a:t>Por voluntad del </a:t>
             </a:r>
+            <a:r>
+              <a:rPr lang="es-ES" sz="1700" dirty="0" smtClean="0"/>
+              <a:t>trabajador </a:t>
+            </a:r>
+            <a:r>
+              <a:rPr lang="es-ES" sz="1700" dirty="0" smtClean="0">
+                <a:solidFill>
+                  <a:schemeClr val="accent2"/>
+                </a:solidFill>
+              </a:rPr>
+              <a:t>(hay dos tipos)</a:t>
+            </a:r>
+            <a:endParaRPr lang="es-ES" sz="1700" dirty="0">
+              <a:solidFill>
+                <a:schemeClr val="accent2"/>
+              </a:solidFill>
+            </a:endParaRPr>
           </a:p>
           <a:p>
             <a:pPr marL="342900" indent="-342900">
@@ -44278,8 +45701,25 @@
             </a:pPr>
             <a:r>
               <a:rPr lang="es-ES" sz="1700" dirty="0"/>
-              <a:t>Por voluntad del empresario</a:t>
+              <a:t>Por voluntad del </a:t>
             </a:r>
+            <a:r>
+              <a:rPr lang="es-ES" sz="1700" dirty="0" smtClean="0"/>
+              <a:t>empresario </a:t>
+            </a:r>
+            <a:r>
+              <a:rPr lang="es-ES" sz="1700" dirty="0" smtClean="0">
+                <a:solidFill>
+                  <a:schemeClr val="accent2"/>
+                </a:solidFill>
+              </a:rPr>
+              <a:t>(El despido)</a:t>
+            </a:r>
+            <a:endParaRPr lang="es-ES" sz="1700" dirty="0">
+              <a:solidFill>
+                <a:schemeClr val="accent2"/>
+              </a:solidFill>
+            </a:endParaRPr>
           </a:p>
         </p:txBody>
       </p:sp>
@@ -44326,7 +45766,7 @@
 </p:sld>
 </file>
 
-<file path=ppt/slides/slide17.xml><?xml version="1.0" encoding="utf-8"?>
+<file path=ppt/slides/slide18.xml><?xml version="1.0" encoding="utf-8"?>
 <p:sld xmlns:a="http://schemas.openxmlformats.org/drawingml/2006/main" xmlns:r="http://schemas.openxmlformats.org/officeDocument/2006/relationships" xmlns:p="http://schemas.openxmlformats.org/presentationml/2006/main">
   <p:cSld>
     <p:bg>
@@ -44428,7 +45868,7 @@
                 <a16:creationId xmlns:a16="http://schemas.microsoft.com/office/drawing/2014/main" id="{BE589684-54CA-64D8-C963-5F19FF75BF72}"/>
               </a:ext>
               <a:ext uri="{C183D7F6-B498-43B3-948B-1728B52AA6E4}">
-                <adec:decorative xmlns:adec="http://schemas.microsoft.com/office/drawing/2017/decorative" xmlns="" val="1"/>
+                <adec:decorative xmlns="" xmlns:adec="http://schemas.microsoft.com/office/drawing/2017/decorative" val="1"/>
               </a:ext>
             </a:extLst>
           </p:cNvPr>
@@ -44459,7 +45899,7 @@
                   <a16:creationId xmlns:a16="http://schemas.microsoft.com/office/drawing/2014/main" id="{9B56B8E8-B789-DA4D-E4BE-03FA3165B3DE}"/>
                 </a:ext>
                 <a:ext uri="{C183D7F6-B498-43B3-948B-1728B52AA6E4}">
-                  <adec:decorative xmlns:adec="http://schemas.microsoft.com/office/drawing/2017/decorative" xmlns="" val="1"/>
+                  <adec:decorative xmlns="" xmlns:adec="http://schemas.microsoft.com/office/drawing/2017/decorative" val="1"/>
                 </a:ext>
               </a:extLst>
             </p:cNvPr>
@@ -44528,7 +45968,7 @@
                   <a16:creationId xmlns:a16="http://schemas.microsoft.com/office/drawing/2014/main" id="{2255D907-377D-0DF9-B4A4-4B44C46FBE3B}"/>
                 </a:ext>
                 <a:ext uri="{C183D7F6-B498-43B3-948B-1728B52AA6E4}">
-                  <adec:decorative xmlns:adec="http://schemas.microsoft.com/office/drawing/2017/decorative" xmlns="" val="1"/>
+                  <adec:decorative xmlns="" xmlns:adec="http://schemas.microsoft.com/office/drawing/2017/decorative" val="1"/>
                 </a:ext>
               </a:extLst>
             </p:cNvPr>
@@ -44630,8 +46070,25 @@
             </a:pPr>
             <a:r>
               <a:rPr lang="es-ES" sz="1700" dirty="0"/>
-              <a:t>Peculiaridad:</a:t>
+              <a:t>Peculiaridad</a:t>
             </a:r>
+            <a:r>
+              <a:rPr lang="es-ES" sz="1700" dirty="0" smtClean="0"/>
+              <a:t>: </a:t>
+            </a:r>
+            <a:r>
+              <a:rPr lang="es-ES" sz="1700" dirty="0" smtClean="0">
+                <a:solidFill>
+                  <a:schemeClr val="accent2"/>
+                </a:solidFill>
+              </a:rPr>
+              <a:t>Es de mutuo acuerdo. No hay indemnización ni derecho a pago (si finiquito).</a:t>
+            </a:r>
+            <a:endParaRPr lang="es-ES" sz="1700" dirty="0">
+              <a:solidFill>
+                <a:schemeClr val="accent2"/>
+              </a:solidFill>
+            </a:endParaRPr>
           </a:p>
           <a:p>
             <a:pPr algn="just">
@@ -44660,8 +46117,25 @@
             </a:pPr>
             <a:r>
               <a:rPr lang="es-ES" sz="1700" dirty="0"/>
-              <a:t>Solicitud de baja presentada por el trabajador.</a:t>
+              <a:t>Solicitud de baja presentada por el trabajador</a:t>
             </a:r>
+            <a:r>
+              <a:rPr lang="es-ES" sz="1700" dirty="0" smtClean="0"/>
+              <a:t>. </a:t>
+            </a:r>
+            <a:r>
+              <a:rPr lang="es-ES" sz="1700" dirty="0" smtClean="0">
+                <a:solidFill>
+                  <a:schemeClr val="accent2"/>
+                </a:solidFill>
+              </a:rPr>
+              <a:t>Y admitida por el empresario.</a:t>
+            </a:r>
+            <a:endParaRPr lang="es-ES" sz="1700" dirty="0">
+              <a:solidFill>
+                <a:schemeClr val="accent2"/>
+              </a:solidFill>
+            </a:endParaRPr>
           </a:p>
           <a:p>
             <a:pPr lvl="1" algn="just">
@@ -44705,7 +46179,7 @@
 </p:sld>
 </file>
 
-<file path=ppt/slides/slide18.xml><?xml version="1.0" encoding="utf-8"?>
+<file path=ppt/slides/slide19.xml><?xml version="1.0" encoding="utf-8"?>
 <p:sld xmlns:a="http://schemas.openxmlformats.org/drawingml/2006/main" xmlns:r="http://schemas.openxmlformats.org/officeDocument/2006/relationships" xmlns:p="http://schemas.openxmlformats.org/presentationml/2006/main">
   <p:cSld>
     <p:spTree>
@@ -44824,7 +46298,7 @@
         </p:spPr>
         <p:txBody>
           <a:bodyPr>
-            <a:normAutofit fontScale="92500" lnSpcReduction="20000"/>
+            <a:normAutofit fontScale="62500" lnSpcReduction="20000"/>
           </a:bodyPr>
           <a:lstStyle/>
           <a:p>
@@ -44853,9 +46327,22 @@
               <a:buChar char="•"/>
             </a:pPr>
             <a:r>
-              <a:rPr lang="es-ES" sz="1800" dirty="0"/>
-              <a:t>Concepto</a:t>
+              <a:rPr lang="es-ES" sz="1800" dirty="0" smtClean="0"/>
+              <a:t>Concepto: </a:t>
             </a:r>
+            <a:r>
+              <a:rPr lang="es-ES" sz="1800" dirty="0" smtClean="0">
+                <a:solidFill>
+                  <a:schemeClr val="accent2"/>
+                </a:solidFill>
+              </a:rPr>
+              <a:t>es la extinción por voluntad del trabajador pero cumpliendo los cumplimientos legales</a:t>
+            </a:r>
+            <a:endParaRPr lang="es-ES" sz="1800" dirty="0">
+              <a:solidFill>
+                <a:schemeClr val="accent2"/>
+              </a:solidFill>
+            </a:endParaRPr>
           </a:p>
           <a:p>
             <a:pPr marL="742950" lvl="1" indent="-285750">
@@ -44867,8 +46354,25 @@
             </a:pPr>
             <a:r>
               <a:rPr lang="es-ES" sz="1800" dirty="0"/>
-              <a:t>Derechos del trabajador</a:t>
+              <a:t>Derechos del </a:t>
             </a:r>
+            <a:r>
+              <a:rPr lang="es-ES" sz="1800" dirty="0" smtClean="0"/>
+              <a:t>trabajador: </a:t>
+            </a:r>
+            <a:r>
+              <a:rPr lang="es-ES" sz="1800" dirty="0" smtClean="0">
+                <a:solidFill>
+                  <a:schemeClr val="accent2"/>
+                </a:solidFill>
+              </a:rPr>
+              <a:t>No los hay (ni indemnización, ni paro)</a:t>
+            </a:r>
+            <a:endParaRPr lang="es-ES" sz="1800" dirty="0">
+              <a:solidFill>
+                <a:schemeClr val="accent2"/>
+              </a:solidFill>
+            </a:endParaRPr>
           </a:p>
           <a:p>
             <a:pPr marL="742950" lvl="1" indent="-285750">
@@ -44879,9 +46383,22 @@
               <a:buChar char="•"/>
             </a:pPr>
             <a:r>
-              <a:rPr lang="es-ES" sz="1800" dirty="0"/>
-              <a:t>Forma</a:t>
+              <a:rPr lang="es-ES" sz="1800" dirty="0" smtClean="0"/>
+              <a:t>Forma: </a:t>
             </a:r>
+            <a:r>
+              <a:rPr lang="es-ES" sz="1800" dirty="0" smtClean="0">
+                <a:solidFill>
+                  <a:schemeClr val="accent2"/>
+                </a:solidFill>
+              </a:rPr>
+              <a:t>No se exige por escrito pero es conveniente para que quede constancia, 15 días antes.</a:t>
+            </a:r>
+            <a:endParaRPr lang="es-ES" sz="1800" dirty="0">
+              <a:solidFill>
+                <a:schemeClr val="accent2"/>
+              </a:solidFill>
+            </a:endParaRPr>
           </a:p>
           <a:p>
             <a:pPr algn="ctr">
@@ -44909,9 +46426,22 @@
               <a:buChar char="•"/>
             </a:pPr>
             <a:r>
-              <a:rPr lang="es-ES" sz="1800" dirty="0"/>
-              <a:t>Concepto</a:t>
+              <a:rPr lang="es-ES" sz="1800" dirty="0" smtClean="0"/>
+              <a:t>Concepto: </a:t>
             </a:r>
+            <a:r>
+              <a:rPr lang="es-ES" sz="1800" dirty="0" smtClean="0">
+                <a:solidFill>
+                  <a:schemeClr val="accent2"/>
+                </a:solidFill>
+              </a:rPr>
+              <a:t>Me voy sin avisar. El empresario puede reclamar indemnización por daños y perjuicios.</a:t>
+            </a:r>
+            <a:endParaRPr lang="es-ES" sz="1800" dirty="0">
+              <a:solidFill>
+                <a:schemeClr val="accent2"/>
+              </a:solidFill>
+            </a:endParaRPr>
           </a:p>
           <a:p>
             <a:pPr marL="742950" lvl="1" indent="-285750">
@@ -44923,8 +46453,33 @@
             </a:pPr>
             <a:r>
               <a:rPr lang="es-ES" sz="1800" dirty="0"/>
-              <a:t>Derechos del trabajador</a:t>
+              <a:t>Derechos del </a:t>
             </a:r>
+            <a:r>
+              <a:rPr lang="es-ES" sz="1800" dirty="0"/>
+              <a:t>trabajador: </a:t>
+            </a:r>
+            <a:r>
+              <a:rPr lang="es-ES" sz="1800" dirty="0">
+                <a:solidFill>
+                  <a:schemeClr val="accent2"/>
+                </a:solidFill>
+              </a:rPr>
+              <a:t>No los hay (ni indemnización, ni paro</a:t>
+            </a:r>
+            <a:r>
+              <a:rPr lang="es-ES" sz="1800" dirty="0" smtClean="0">
+                <a:solidFill>
+                  <a:schemeClr val="accent2"/>
+                </a:solidFill>
+              </a:rPr>
+              <a:t>)</a:t>
+            </a:r>
+            <a:endParaRPr lang="es-ES" sz="1800" dirty="0">
+              <a:solidFill>
+                <a:schemeClr val="accent2"/>
+              </a:solidFill>
+            </a:endParaRPr>
           </a:p>
           <a:p>
             <a:pPr marL="285750" indent="-285750">
@@ -44943,7 +46498,7 @@
               </a:lnSpc>
             </a:pPr>
             <a:r>
-              <a:rPr lang="es-ES" sz="1800" b="1" dirty="0" err="1">
+              <a:rPr lang="es-ES" sz="1800" b="1" dirty="0" err="1" smtClean="0">
                 <a:solidFill>
                   <a:schemeClr val="accent2">
                     <a:lumMod val="75000"/>
@@ -44951,6 +46506,16 @@
                 </a:solidFill>
               </a:rPr>
               <a:t>Autodespido</a:t>
+            </a:r>
+            <a:r>
+              <a:rPr lang="es-ES" sz="1800" b="1" dirty="0" smtClean="0">
+                <a:solidFill>
+                  <a:schemeClr val="accent2">
+                    <a:lumMod val="75000"/>
+                  </a:schemeClr>
+                </a:solidFill>
+              </a:rPr>
+              <a:t> (concepto doctrinal)</a:t>
             </a:r>
             <a:endParaRPr lang="es-ES" sz="1800" b="1" dirty="0">
               <a:solidFill>
@@ -44969,9 +46534,18 @@
               <a:buChar char="•"/>
             </a:pPr>
             <a:r>
-              <a:rPr lang="es-ES" sz="1600" dirty="0"/>
-              <a:t>Concepto</a:t>
+              <a:rPr lang="es-ES" sz="1600" dirty="0" smtClean="0"/>
+              <a:t>Concepto: </a:t>
             </a:r>
+            <a:r>
+              <a:rPr lang="es-ES" sz="1600" dirty="0" smtClean="0">
+                <a:solidFill>
+                  <a:schemeClr val="accent2"/>
+                </a:solidFill>
+              </a:rPr>
+              <a:t>Mecanismo contemplado por ley en el caso de incumplimientos graves de un empresario. El trabajador podrá ir a la justicia y una vez que un juez declare el incumplimiento.</a:t>
+            </a:r>
+            <a:endParaRPr lang="es-ES" sz="1600" dirty="0"/>
           </a:p>
           <a:p>
             <a:pPr marL="742950" lvl="1" indent="-285750">
@@ -44982,9 +46556,22 @@
               <a:buChar char="•"/>
             </a:pPr>
             <a:r>
-              <a:rPr lang="es-ES" sz="1600" dirty="0"/>
-              <a:t>Indemnización</a:t>
+              <a:rPr lang="es-ES" sz="1600" dirty="0" smtClean="0"/>
+              <a:t>Indemnización:</a:t>
             </a:r>
+            <a:r>
+              <a:rPr lang="es-ES" sz="1600" dirty="0" smtClean="0">
+                <a:solidFill>
+                  <a:schemeClr val="accent2"/>
+                </a:solidFill>
+              </a:rPr>
+              <a:t> Derecho a indemnización por 33 días por año trabajado.</a:t>
+            </a:r>
+            <a:endParaRPr lang="es-ES" sz="1600" dirty="0">
+              <a:solidFill>
+                <a:schemeClr val="accent2"/>
+              </a:solidFill>
+            </a:endParaRPr>
           </a:p>
           <a:p>
             <a:pPr marL="742950" lvl="1" indent="-285750">
@@ -44995,9 +46582,10 @@
               <a:buChar char="•"/>
             </a:pPr>
             <a:r>
-              <a:rPr lang="es-ES" sz="1600" dirty="0"/>
-              <a:t>Forma</a:t>
+              <a:rPr lang="es-ES" sz="1600" dirty="0" smtClean="0"/>
+              <a:t>Forma:</a:t>
             </a:r>
+            <a:endParaRPr lang="es-ES" sz="1600" dirty="0"/>
           </a:p>
         </p:txBody>
       </p:sp>
@@ -45005,311 +46593,6 @@
     <p:extLst>
       <p:ext uri="{BB962C8B-B14F-4D97-AF65-F5344CB8AC3E}">
         <p14:creationId xmlns:p14="http://schemas.microsoft.com/office/powerpoint/2010/main" val="2028380460"/>
-      </p:ext>
-    </p:extLst>
-  </p:cSld>
-  <p:clrMapOvr>
-    <a:masterClrMapping/>
-  </p:clrMapOvr>
-</p:sld>
-</file>
-
-<file path=ppt/slides/slide19.xml><?xml version="1.0" encoding="utf-8"?>
-<p:sld xmlns:a="http://schemas.openxmlformats.org/drawingml/2006/main" xmlns:r="http://schemas.openxmlformats.org/officeDocument/2006/relationships" xmlns:p="http://schemas.openxmlformats.org/presentationml/2006/main">
-  <p:cSld>
-    <p:bg>
-      <p:bgPr>
-        <a:solidFill>
-          <a:schemeClr val="bg1"/>
-        </a:solidFill>
-        <a:effectLst/>
-      </p:bgPr>
-    </p:bg>
-    <p:spTree>
-      <p:nvGrpSpPr>
-        <p:cNvPr id="1" name=""/>
-        <p:cNvGrpSpPr/>
-        <p:nvPr/>
-      </p:nvGrpSpPr>
-      <p:grpSpPr>
-        <a:xfrm>
-          <a:off x="0" y="0"/>
-          <a:ext cx="0" cy="0"/>
-          <a:chOff x="0" y="0"/>
-          <a:chExt cx="0" cy="0"/>
-        </a:xfrm>
-      </p:grpSpPr>
-      <p:sp>
-        <p:nvSpPr>
-          <p:cNvPr id="2" name="Título 1">
-            <a:extLst>
-              <a:ext uri="{FF2B5EF4-FFF2-40B4-BE49-F238E27FC236}">
-                <a16:creationId xmlns:a16="http://schemas.microsoft.com/office/drawing/2014/main" id="{40FDB773-AD33-4294-BEFC-6BA366251E79}"/>
-              </a:ext>
-            </a:extLst>
-          </p:cNvPr>
-          <p:cNvSpPr>
-            <a:spLocks noGrp="1"/>
-          </p:cNvSpPr>
-          <p:nvPr>
-            <p:ph type="title"/>
-          </p:nvPr>
-        </p:nvSpPr>
-        <p:spPr>
-          <a:xfrm>
-            <a:off x="815734" y="720762"/>
-            <a:ext cx="8663546" cy="571391"/>
-          </a:xfrm>
-        </p:spPr>
-        <p:txBody>
-          <a:bodyPr anchor="t">
-            <a:normAutofit/>
-          </a:bodyPr>
-          <a:lstStyle/>
-          <a:p>
-            <a:r>
-              <a:rPr lang="es-ES" sz="2700" dirty="0"/>
-              <a:t>C: Extinción por voluntad del empresario: el despido</a:t>
-            </a:r>
-          </a:p>
-        </p:txBody>
-      </p:sp>
-      <p:pic>
-        <p:nvPicPr>
-          <p:cNvPr id="4" name="Imagen 3">
-            <a:extLst>
-              <a:ext uri="{FF2B5EF4-FFF2-40B4-BE49-F238E27FC236}">
-                <a16:creationId xmlns:a16="http://schemas.microsoft.com/office/drawing/2014/main" id="{8D6142A2-856C-47C0-BB6E-A679D2C95FEC}"/>
-              </a:ext>
-            </a:extLst>
-          </p:cNvPr>
-          <p:cNvPicPr>
-            <a:picLocks noChangeAspect="1"/>
-          </p:cNvPicPr>
-          <p:nvPr/>
-        </p:nvPicPr>
-        <p:blipFill rotWithShape="1">
-          <a:blip r:embed="rId2"/>
-          <a:srcRect l="33044" r="15362" b="-1"/>
-          <a:stretch/>
-        </p:blipFill>
-        <p:spPr>
-          <a:xfrm>
-            <a:off x="1173480" y="1804628"/>
-            <a:ext cx="3357880" cy="3520905"/>
-          </a:xfrm>
-          <a:prstGeom prst="rect">
-            <a:avLst/>
-          </a:prstGeom>
-        </p:spPr>
-      </p:pic>
-      <p:grpSp>
-        <p:nvGrpSpPr>
-          <p:cNvPr id="18" name="Group 17">
-            <a:extLst>
-              <a:ext uri="{FF2B5EF4-FFF2-40B4-BE49-F238E27FC236}">
-                <a16:creationId xmlns:a16="http://schemas.microsoft.com/office/drawing/2014/main" id="{9AF08BBE-71A7-AEFC-F970-93C6BF79B380}"/>
-              </a:ext>
-              <a:ext uri="{C183D7F6-B498-43B3-948B-1728B52AA6E4}">
-                <adec:decorative xmlns:adec="http://schemas.microsoft.com/office/drawing/2017/decorative" xmlns="" val="1"/>
-              </a:ext>
-            </a:extLst>
-          </p:cNvPr>
-          <p:cNvGrpSpPr>
-            <a:grpSpLocks noGrp="1" noUngrp="1" noRot="1" noChangeAspect="1" noMove="1" noResize="1"/>
-          </p:cNvGrpSpPr>
-          <p:nvPr>
-            <p:extLst>
-              <p:ext uri="{386F3935-93C4-4BCD-93E2-E3B085C9AB24}">
-                <p16:designElem xmlns:p16="http://schemas.microsoft.com/office/powerpoint/2015/main" val="1"/>
-              </p:ext>
-            </p:extLst>
-          </p:nvPr>
-        </p:nvGrpSpPr>
-        <p:grpSpPr>
-          <a:xfrm>
-            <a:off x="-5025" y="6737718"/>
-            <a:ext cx="12207200" cy="123363"/>
-            <a:chOff x="-5025" y="6737718"/>
-            <a:chExt cx="12207200" cy="123363"/>
-          </a:xfrm>
-        </p:grpSpPr>
-        <p:sp>
-          <p:nvSpPr>
-            <p:cNvPr id="19" name="Rectangle 18">
-              <a:extLst>
-                <a:ext uri="{FF2B5EF4-FFF2-40B4-BE49-F238E27FC236}">
-                  <a16:creationId xmlns:a16="http://schemas.microsoft.com/office/drawing/2014/main" id="{31C42412-D66A-A89A-CBAD-067355BA7437}"/>
-                </a:ext>
-                <a:ext uri="{C183D7F6-B498-43B3-948B-1728B52AA6E4}">
-                  <adec:decorative xmlns:adec="http://schemas.microsoft.com/office/drawing/2017/decorative" xmlns="" val="1"/>
-                </a:ext>
-              </a:extLst>
-            </p:cNvPr>
-            <p:cNvSpPr/>
-            <p:nvPr>
-              <p:extLst>
-                <p:ext uri="{386F3935-93C4-4BCD-93E2-E3B085C9AB24}">
-                  <p16:designElem xmlns:p16="http://schemas.microsoft.com/office/powerpoint/2015/main" val="1"/>
-                </p:ext>
-              </p:extLst>
-            </p:nvPr>
-          </p:nvSpPr>
-          <p:spPr>
-            <a:xfrm rot="5400000" flipH="1">
-              <a:off x="6036894" y="695800"/>
-              <a:ext cx="123362" cy="12207199"/>
-            </a:xfrm>
-            <a:prstGeom prst="rect">
-              <a:avLst/>
-            </a:prstGeom>
-            <a:gradFill>
-              <a:gsLst>
-                <a:gs pos="0">
-                  <a:schemeClr val="accent5"/>
-                </a:gs>
-                <a:gs pos="100000">
-                  <a:schemeClr val="accent2"/>
-                </a:gs>
-              </a:gsLst>
-              <a:lin ang="1800000" scaled="0"/>
-            </a:gradFill>
-            <a:ln>
-              <a:noFill/>
-            </a:ln>
-          </p:spPr>
-          <p:style>
-            <a:lnRef idx="2">
-              <a:schemeClr val="accent1">
-                <a:shade val="50000"/>
-              </a:schemeClr>
-            </a:lnRef>
-            <a:fillRef idx="1">
-              <a:schemeClr val="accent1"/>
-            </a:fillRef>
-            <a:effectRef idx="0">
-              <a:schemeClr val="accent1"/>
-            </a:effectRef>
-            <a:fontRef idx="minor">
-              <a:schemeClr val="lt1"/>
-            </a:fontRef>
-          </p:style>
-          <p:txBody>
-            <a:bodyPr rtlCol="0" anchor="ctr"/>
-            <a:lstStyle/>
-            <a:p>
-              <a:pPr algn="ctr"/>
-              <a:endParaRPr lang="en-US"/>
-            </a:p>
-          </p:txBody>
-        </p:sp>
-        <p:sp>
-          <p:nvSpPr>
-            <p:cNvPr id="20" name="Rectangle 19">
-              <a:extLst>
-                <a:ext uri="{FF2B5EF4-FFF2-40B4-BE49-F238E27FC236}">
-                  <a16:creationId xmlns:a16="http://schemas.microsoft.com/office/drawing/2014/main" id="{19F63095-BD54-33B2-6873-1DC4DF820D90}"/>
-                </a:ext>
-                <a:ext uri="{C183D7F6-B498-43B3-948B-1728B52AA6E4}">
-                  <adec:decorative xmlns:adec="http://schemas.microsoft.com/office/drawing/2017/decorative" xmlns="" val="1"/>
-                </a:ext>
-              </a:extLst>
-            </p:cNvPr>
-            <p:cNvSpPr/>
-            <p:nvPr>
-              <p:extLst>
-                <p:ext uri="{386F3935-93C4-4BCD-93E2-E3B085C9AB24}">
-                  <p16:designElem xmlns:p16="http://schemas.microsoft.com/office/powerpoint/2015/main" val="1"/>
-                </p:ext>
-              </p:extLst>
-            </p:nvPr>
-          </p:nvSpPr>
-          <p:spPr>
-            <a:xfrm rot="16200000">
-              <a:off x="9176406" y="3835311"/>
-              <a:ext cx="123362" cy="5928176"/>
-            </a:xfrm>
-            <a:prstGeom prst="rect">
-              <a:avLst/>
-            </a:prstGeom>
-            <a:gradFill>
-              <a:gsLst>
-                <a:gs pos="19000">
-                  <a:schemeClr val="accent5">
-                    <a:alpha val="0"/>
-                  </a:schemeClr>
-                </a:gs>
-                <a:gs pos="100000">
-                  <a:schemeClr val="accent5">
-                    <a:lumMod val="60000"/>
-                    <a:lumOff val="40000"/>
-                  </a:schemeClr>
-                </a:gs>
-              </a:gsLst>
-              <a:lin ang="600000" scaled="0"/>
-            </a:gradFill>
-            <a:ln>
-              <a:noFill/>
-            </a:ln>
-          </p:spPr>
-          <p:style>
-            <a:lnRef idx="2">
-              <a:schemeClr val="accent1">
-                <a:shade val="50000"/>
-              </a:schemeClr>
-            </a:lnRef>
-            <a:fillRef idx="1">
-              <a:schemeClr val="accent1"/>
-            </a:fillRef>
-            <a:effectRef idx="0">
-              <a:schemeClr val="accent1"/>
-            </a:effectRef>
-            <a:fontRef idx="minor">
-              <a:schemeClr val="lt1"/>
-            </a:fontRef>
-          </p:style>
-          <p:txBody>
-            <a:bodyPr rtlCol="0" anchor="ctr"/>
-            <a:lstStyle/>
-            <a:p>
-              <a:pPr algn="ctr"/>
-              <a:endParaRPr lang="en-US"/>
-            </a:p>
-          </p:txBody>
-        </p:sp>
-      </p:grpSp>
-      <p:graphicFrame>
-        <p:nvGraphicFramePr>
-          <p:cNvPr id="7" name="Diagrama 6">
-            <a:extLst>
-              <a:ext uri="{FF2B5EF4-FFF2-40B4-BE49-F238E27FC236}">
-                <a16:creationId xmlns:a16="http://schemas.microsoft.com/office/drawing/2014/main" id="{BF744625-AC49-14D7-EB4E-C102707BA10D}"/>
-              </a:ext>
-            </a:extLst>
-          </p:cNvPr>
-          <p:cNvGraphicFramePr/>
-          <p:nvPr>
-            <p:extLst>
-              <p:ext uri="{D42A27DB-BD31-4B8C-83A1-F6EECF244321}">
-                <p14:modId xmlns:p14="http://schemas.microsoft.com/office/powerpoint/2010/main" val="1104908390"/>
-              </p:ext>
-            </p:extLst>
-          </p:nvPr>
-        </p:nvGraphicFramePr>
-        <p:xfrm>
-          <a:off x="5852160" y="1859280"/>
-          <a:ext cx="4592320" cy="3466253"/>
-        </p:xfrm>
-        <a:graphic>
-          <a:graphicData uri="http://schemas.openxmlformats.org/drawingml/2006/diagram">
-            <dgm:relIds xmlns:dgm="http://schemas.openxmlformats.org/drawingml/2006/diagram" xmlns:r="http://schemas.openxmlformats.org/officeDocument/2006/relationships" r:dm="rId3" r:lo="rId4" r:qs="rId5" r:cs="rId6"/>
-          </a:graphicData>
-        </a:graphic>
-      </p:graphicFrame>
-    </p:spTree>
-    <p:extLst>
-      <p:ext uri="{BB962C8B-B14F-4D97-AF65-F5344CB8AC3E}">
-        <p14:creationId xmlns:p14="http://schemas.microsoft.com/office/powerpoint/2010/main" val="4057541541"/>
       </p:ext>
     </p:extLst>
   </p:cSld>
@@ -45352,7 +46635,7 @@
                 <a16:creationId xmlns:a16="http://schemas.microsoft.com/office/drawing/2014/main" id="{3ECBE1F1-D69B-4AFA-ABD5-8E41720EF6DE}"/>
               </a:ext>
               <a:ext uri="{C183D7F6-B498-43B3-948B-1728B52AA6E4}">
-                <adec:decorative xmlns:adec="http://schemas.microsoft.com/office/drawing/2017/decorative" xmlns="" val="1"/>
+                <adec:decorative xmlns="" xmlns:adec="http://schemas.microsoft.com/office/drawing/2017/decorative" val="1"/>
               </a:ext>
             </a:extLst>
           </p:cNvPr>
@@ -45441,7 +46724,7 @@
                 <a16:creationId xmlns:a16="http://schemas.microsoft.com/office/drawing/2014/main" id="{603A6265-E10C-4B85-9C20-E75FCAF9CC63}"/>
               </a:ext>
               <a:ext uri="{C183D7F6-B498-43B3-948B-1728B52AA6E4}">
-                <adec:decorative xmlns:adec="http://schemas.microsoft.com/office/drawing/2017/decorative" xmlns="" val="1"/>
+                <adec:decorative xmlns="" xmlns:adec="http://schemas.microsoft.com/office/drawing/2017/decorative" val="1"/>
               </a:ext>
             </a:extLst>
           </p:cNvPr>
@@ -45778,13 +47061,335 @@
       </p:grpSpPr>
       <p:sp>
         <p:nvSpPr>
+          <p:cNvPr id="2" name="Título 1">
+            <a:extLst>
+              <a:ext uri="{FF2B5EF4-FFF2-40B4-BE49-F238E27FC236}">
+                <a16:creationId xmlns:a16="http://schemas.microsoft.com/office/drawing/2014/main" id="{40FDB773-AD33-4294-BEFC-6BA366251E79}"/>
+              </a:ext>
+            </a:extLst>
+          </p:cNvPr>
+          <p:cNvSpPr>
+            <a:spLocks noGrp="1"/>
+          </p:cNvSpPr>
+          <p:nvPr>
+            <p:ph type="title"/>
+          </p:nvPr>
+        </p:nvSpPr>
+        <p:spPr>
+          <a:xfrm>
+            <a:off x="815734" y="720762"/>
+            <a:ext cx="8663546" cy="571391"/>
+          </a:xfrm>
+        </p:spPr>
+        <p:txBody>
+          <a:bodyPr anchor="t">
+            <a:normAutofit fontScale="90000"/>
+          </a:bodyPr>
+          <a:lstStyle/>
+          <a:p>
+            <a:r>
+              <a:rPr lang="es-ES" sz="2700" dirty="0"/>
+              <a:t>C: Extinción por voluntad del empresario: el </a:t>
+            </a:r>
+            <a:r>
+              <a:rPr lang="es-ES" sz="2700" dirty="0" smtClean="0"/>
+              <a:t>despido-&gt; </a:t>
+            </a:r>
+            <a:r>
+              <a:rPr lang="es-ES" sz="2700" dirty="0" smtClean="0">
+                <a:solidFill>
+                  <a:schemeClr val="accent2"/>
+                </a:solidFill>
+              </a:rPr>
+              <a:t>el despido no es libre, debe estar justificado</a:t>
+            </a:r>
+            <a:endParaRPr lang="es-ES" sz="2700" dirty="0">
+              <a:solidFill>
+                <a:schemeClr val="accent2"/>
+              </a:solidFill>
+            </a:endParaRPr>
+          </a:p>
+        </p:txBody>
+      </p:sp>
+      <p:pic>
+        <p:nvPicPr>
+          <p:cNvPr id="4" name="Imagen 3">
+            <a:extLst>
+              <a:ext uri="{FF2B5EF4-FFF2-40B4-BE49-F238E27FC236}">
+                <a16:creationId xmlns:a16="http://schemas.microsoft.com/office/drawing/2014/main" id="{8D6142A2-856C-47C0-BB6E-A679D2C95FEC}"/>
+              </a:ext>
+            </a:extLst>
+          </p:cNvPr>
+          <p:cNvPicPr>
+            <a:picLocks noChangeAspect="1"/>
+          </p:cNvPicPr>
+          <p:nvPr/>
+        </p:nvPicPr>
+        <p:blipFill rotWithShape="1">
+          <a:blip r:embed="rId2"/>
+          <a:srcRect l="33044" r="15362" b="-1"/>
+          <a:stretch/>
+        </p:blipFill>
+        <p:spPr>
+          <a:xfrm>
+            <a:off x="1173480" y="1804628"/>
+            <a:ext cx="3357880" cy="3520905"/>
+          </a:xfrm>
+          <a:prstGeom prst="rect">
+            <a:avLst/>
+          </a:prstGeom>
+        </p:spPr>
+      </p:pic>
+      <p:grpSp>
+        <p:nvGrpSpPr>
+          <p:cNvPr id="18" name="Group 17">
+            <a:extLst>
+              <a:ext uri="{FF2B5EF4-FFF2-40B4-BE49-F238E27FC236}">
+                <a16:creationId xmlns:a16="http://schemas.microsoft.com/office/drawing/2014/main" id="{9AF08BBE-71A7-AEFC-F970-93C6BF79B380}"/>
+              </a:ext>
+              <a:ext uri="{C183D7F6-B498-43B3-948B-1728B52AA6E4}">
+                <adec:decorative xmlns="" xmlns:adec="http://schemas.microsoft.com/office/drawing/2017/decorative" val="1"/>
+              </a:ext>
+            </a:extLst>
+          </p:cNvPr>
+          <p:cNvGrpSpPr>
+            <a:grpSpLocks noGrp="1" noUngrp="1" noRot="1" noChangeAspect="1" noMove="1" noResize="1"/>
+          </p:cNvGrpSpPr>
+          <p:nvPr>
+            <p:extLst>
+              <p:ext uri="{386F3935-93C4-4BCD-93E2-E3B085C9AB24}">
+                <p16:designElem xmlns:p16="http://schemas.microsoft.com/office/powerpoint/2015/main" val="1"/>
+              </p:ext>
+            </p:extLst>
+          </p:nvPr>
+        </p:nvGrpSpPr>
+        <p:grpSpPr>
+          <a:xfrm>
+            <a:off x="-5025" y="6737718"/>
+            <a:ext cx="12207200" cy="123363"/>
+            <a:chOff x="-5025" y="6737718"/>
+            <a:chExt cx="12207200" cy="123363"/>
+          </a:xfrm>
+        </p:grpSpPr>
+        <p:sp>
+          <p:nvSpPr>
+            <p:cNvPr id="19" name="Rectangle 18">
+              <a:extLst>
+                <a:ext uri="{FF2B5EF4-FFF2-40B4-BE49-F238E27FC236}">
+                  <a16:creationId xmlns:a16="http://schemas.microsoft.com/office/drawing/2014/main" id="{31C42412-D66A-A89A-CBAD-067355BA7437}"/>
+                </a:ext>
+                <a:ext uri="{C183D7F6-B498-43B3-948B-1728B52AA6E4}">
+                  <adec:decorative xmlns="" xmlns:adec="http://schemas.microsoft.com/office/drawing/2017/decorative" val="1"/>
+                </a:ext>
+              </a:extLst>
+            </p:cNvPr>
+            <p:cNvSpPr/>
+            <p:nvPr>
+              <p:extLst>
+                <p:ext uri="{386F3935-93C4-4BCD-93E2-E3B085C9AB24}">
+                  <p16:designElem xmlns:p16="http://schemas.microsoft.com/office/powerpoint/2015/main" val="1"/>
+                </p:ext>
+              </p:extLst>
+            </p:nvPr>
+          </p:nvSpPr>
+          <p:spPr>
+            <a:xfrm rot="5400000" flipH="1">
+              <a:off x="6036894" y="695800"/>
+              <a:ext cx="123362" cy="12207199"/>
+            </a:xfrm>
+            <a:prstGeom prst="rect">
+              <a:avLst/>
+            </a:prstGeom>
+            <a:gradFill>
+              <a:gsLst>
+                <a:gs pos="0">
+                  <a:schemeClr val="accent5"/>
+                </a:gs>
+                <a:gs pos="100000">
+                  <a:schemeClr val="accent2"/>
+                </a:gs>
+              </a:gsLst>
+              <a:lin ang="1800000" scaled="0"/>
+            </a:gradFill>
+            <a:ln>
+              <a:noFill/>
+            </a:ln>
+          </p:spPr>
+          <p:style>
+            <a:lnRef idx="2">
+              <a:schemeClr val="accent1">
+                <a:shade val="50000"/>
+              </a:schemeClr>
+            </a:lnRef>
+            <a:fillRef idx="1">
+              <a:schemeClr val="accent1"/>
+            </a:fillRef>
+            <a:effectRef idx="0">
+              <a:schemeClr val="accent1"/>
+            </a:effectRef>
+            <a:fontRef idx="minor">
+              <a:schemeClr val="lt1"/>
+            </a:fontRef>
+          </p:style>
+          <p:txBody>
+            <a:bodyPr rtlCol="0" anchor="ctr"/>
+            <a:lstStyle/>
+            <a:p>
+              <a:pPr algn="ctr"/>
+              <a:endParaRPr lang="en-US"/>
+            </a:p>
+          </p:txBody>
+        </p:sp>
+        <p:sp>
+          <p:nvSpPr>
+            <p:cNvPr id="20" name="Rectangle 19">
+              <a:extLst>
+                <a:ext uri="{FF2B5EF4-FFF2-40B4-BE49-F238E27FC236}">
+                  <a16:creationId xmlns:a16="http://schemas.microsoft.com/office/drawing/2014/main" id="{19F63095-BD54-33B2-6873-1DC4DF820D90}"/>
+                </a:ext>
+                <a:ext uri="{C183D7F6-B498-43B3-948B-1728B52AA6E4}">
+                  <adec:decorative xmlns="" xmlns:adec="http://schemas.microsoft.com/office/drawing/2017/decorative" val="1"/>
+                </a:ext>
+              </a:extLst>
+            </p:cNvPr>
+            <p:cNvSpPr/>
+            <p:nvPr>
+              <p:extLst>
+                <p:ext uri="{386F3935-93C4-4BCD-93E2-E3B085C9AB24}">
+                  <p16:designElem xmlns:p16="http://schemas.microsoft.com/office/powerpoint/2015/main" val="1"/>
+                </p:ext>
+              </p:extLst>
+            </p:nvPr>
+          </p:nvSpPr>
+          <p:spPr>
+            <a:xfrm rot="16200000">
+              <a:off x="9176406" y="3835311"/>
+              <a:ext cx="123362" cy="5928176"/>
+            </a:xfrm>
+            <a:prstGeom prst="rect">
+              <a:avLst/>
+            </a:prstGeom>
+            <a:gradFill>
+              <a:gsLst>
+                <a:gs pos="19000">
+                  <a:schemeClr val="accent5">
+                    <a:alpha val="0"/>
+                  </a:schemeClr>
+                </a:gs>
+                <a:gs pos="100000">
+                  <a:schemeClr val="accent5">
+                    <a:lumMod val="60000"/>
+                    <a:lumOff val="40000"/>
+                  </a:schemeClr>
+                </a:gs>
+              </a:gsLst>
+              <a:lin ang="600000" scaled="0"/>
+            </a:gradFill>
+            <a:ln>
+              <a:noFill/>
+            </a:ln>
+          </p:spPr>
+          <p:style>
+            <a:lnRef idx="2">
+              <a:schemeClr val="accent1">
+                <a:shade val="50000"/>
+              </a:schemeClr>
+            </a:lnRef>
+            <a:fillRef idx="1">
+              <a:schemeClr val="accent1"/>
+            </a:fillRef>
+            <a:effectRef idx="0">
+              <a:schemeClr val="accent1"/>
+            </a:effectRef>
+            <a:fontRef idx="minor">
+              <a:schemeClr val="lt1"/>
+            </a:fontRef>
+          </p:style>
+          <p:txBody>
+            <a:bodyPr rtlCol="0" anchor="ctr"/>
+            <a:lstStyle/>
+            <a:p>
+              <a:pPr algn="ctr"/>
+              <a:endParaRPr lang="en-US"/>
+            </a:p>
+          </p:txBody>
+        </p:sp>
+      </p:grpSp>
+      <p:graphicFrame>
+        <p:nvGraphicFramePr>
+          <p:cNvPr id="7" name="Diagrama 6">
+            <a:extLst>
+              <a:ext uri="{FF2B5EF4-FFF2-40B4-BE49-F238E27FC236}">
+                <a16:creationId xmlns:a16="http://schemas.microsoft.com/office/drawing/2014/main" id="{BF744625-AC49-14D7-EB4E-C102707BA10D}"/>
+              </a:ext>
+            </a:extLst>
+          </p:cNvPr>
+          <p:cNvGraphicFramePr/>
+          <p:nvPr>
+            <p:extLst>
+              <p:ext uri="{D42A27DB-BD31-4B8C-83A1-F6EECF244321}">
+                <p14:modId xmlns:p14="http://schemas.microsoft.com/office/powerpoint/2010/main" val="1104908390"/>
+              </p:ext>
+            </p:extLst>
+          </p:nvPr>
+        </p:nvGraphicFramePr>
+        <p:xfrm>
+          <a:off x="5852160" y="1859280"/>
+          <a:ext cx="4592320" cy="3466253"/>
+        </p:xfrm>
+        <a:graphic>
+          <a:graphicData uri="http://schemas.openxmlformats.org/drawingml/2006/diagram">
+            <dgm:relIds xmlns:dgm="http://schemas.openxmlformats.org/drawingml/2006/diagram" xmlns:r="http://schemas.openxmlformats.org/officeDocument/2006/relationships" r:dm="rId3" r:lo="rId4" r:qs="rId5" r:cs="rId6"/>
+          </a:graphicData>
+        </a:graphic>
+      </p:graphicFrame>
+    </p:spTree>
+    <p:extLst>
+      <p:ext uri="{BB962C8B-B14F-4D97-AF65-F5344CB8AC3E}">
+        <p14:creationId xmlns:p14="http://schemas.microsoft.com/office/powerpoint/2010/main" val="4057541541"/>
+      </p:ext>
+    </p:extLst>
+  </p:cSld>
+  <p:clrMapOvr>
+    <a:masterClrMapping/>
+  </p:clrMapOvr>
+</p:sld>
+</file>
+
+<file path=ppt/slides/slide21.xml><?xml version="1.0" encoding="utf-8"?>
+<p:sld xmlns:a="http://schemas.openxmlformats.org/drawingml/2006/main" xmlns:r="http://schemas.openxmlformats.org/officeDocument/2006/relationships" xmlns:p="http://schemas.openxmlformats.org/presentationml/2006/main">
+  <p:cSld>
+    <p:bg>
+      <p:bgPr>
+        <a:solidFill>
+          <a:schemeClr val="bg1"/>
+        </a:solidFill>
+        <a:effectLst/>
+      </p:bgPr>
+    </p:bg>
+    <p:spTree>
+      <p:nvGrpSpPr>
+        <p:cNvPr id="1" name=""/>
+        <p:cNvGrpSpPr/>
+        <p:nvPr/>
+      </p:nvGrpSpPr>
+      <p:grpSpPr>
+        <a:xfrm>
+          <a:off x="0" y="0"/>
+          <a:ext cx="0" cy="0"/>
+          <a:chOff x="0" y="0"/>
+          <a:chExt cx="0" cy="0"/>
+        </a:xfrm>
+      </p:grpSpPr>
+      <p:sp>
+        <p:nvSpPr>
           <p:cNvPr id="9" name="Rectangle 8">
             <a:extLst>
               <a:ext uri="{FF2B5EF4-FFF2-40B4-BE49-F238E27FC236}">
                 <a16:creationId xmlns:a16="http://schemas.microsoft.com/office/drawing/2014/main" id="{6753252F-4873-4F63-801D-CC719279A7D5}"/>
               </a:ext>
               <a:ext uri="{C183D7F6-B498-43B3-948B-1728B52AA6E4}">
-                <adec:decorative xmlns:adec="http://schemas.microsoft.com/office/drawing/2017/decorative" xmlns="" val="1"/>
+                <adec:decorative xmlns="" xmlns:adec="http://schemas.microsoft.com/office/drawing/2017/decorative" val="1"/>
               </a:ext>
             </a:extLst>
           </p:cNvPr>
@@ -45847,7 +47452,7 @@
                 <a16:creationId xmlns:a16="http://schemas.microsoft.com/office/drawing/2014/main" id="{047C8CCB-F95D-4249-92DD-651249D3535A}"/>
               </a:ext>
               <a:ext uri="{C183D7F6-B498-43B3-948B-1728B52AA6E4}">
-                <adec:decorative xmlns:adec="http://schemas.microsoft.com/office/drawing/2017/decorative" xmlns="" val="1"/>
+                <adec:decorative xmlns="" xmlns:adec="http://schemas.microsoft.com/office/drawing/2017/decorative" val="1"/>
               </a:ext>
             </a:extLst>
           </p:cNvPr>
@@ -45969,14 +47574,14 @@
           <p:nvPr>
             <p:extLst>
               <p:ext uri="{D42A27DB-BD31-4B8C-83A1-F6EECF244321}">
-                <p14:modId xmlns:p14="http://schemas.microsoft.com/office/powerpoint/2010/main" val="2882298781"/>
+                <p14:modId xmlns:p14="http://schemas.microsoft.com/office/powerpoint/2010/main" val="3753178295"/>
               </p:ext>
             </p:extLst>
           </p:nvPr>
         </p:nvGraphicFramePr>
         <p:xfrm>
-          <a:off x="6487160" y="455444"/>
-          <a:ext cx="5374640" cy="3849764"/>
+          <a:off x="6051665" y="455443"/>
+          <a:ext cx="5810135" cy="4241247"/>
         </p:xfrm>
         <a:graphic>
           <a:graphicData uri="http://schemas.openxmlformats.org/drawingml/2006/diagram">
@@ -46027,14 +47632,14 @@
           <p:nvPr>
             <p:extLst>
               <p:ext uri="{D42A27DB-BD31-4B8C-83A1-F6EECF244321}">
-                <p14:modId xmlns:p14="http://schemas.microsoft.com/office/powerpoint/2010/main" val="2505463649"/>
+                <p14:modId xmlns:p14="http://schemas.microsoft.com/office/powerpoint/2010/main" val="645653443"/>
               </p:ext>
             </p:extLst>
           </p:nvPr>
         </p:nvGraphicFramePr>
         <p:xfrm>
-          <a:off x="3392434" y="3429000"/>
-          <a:ext cx="4715933" cy="3134480"/>
+          <a:off x="3392434" y="3217025"/>
+          <a:ext cx="5069922" cy="3346455"/>
         </p:xfrm>
         <a:graphic>
           <a:graphicData uri="http://schemas.openxmlformats.org/drawingml/2006/diagram">
@@ -46055,7 +47660,7 @@
 </p:sld>
 </file>
 
-<file path=ppt/slides/slide21.xml><?xml version="1.0" encoding="utf-8"?>
+<file path=ppt/slides/slide22.xml><?xml version="1.0" encoding="utf-8"?>
 <p:sld xmlns:a="http://schemas.openxmlformats.org/drawingml/2006/main" xmlns:r="http://schemas.openxmlformats.org/officeDocument/2006/relationships" xmlns:p="http://schemas.openxmlformats.org/presentationml/2006/main">
   <p:cSld>
     <p:bg>
@@ -46088,7 +47693,7 @@
                 <a16:creationId xmlns:a16="http://schemas.microsoft.com/office/drawing/2014/main" id="{6753252F-4873-4F63-801D-CC719279A7D5}"/>
               </a:ext>
               <a:ext uri="{C183D7F6-B498-43B3-948B-1728B52AA6E4}">
-                <adec:decorative xmlns:adec="http://schemas.microsoft.com/office/drawing/2017/decorative" xmlns="" val="1"/>
+                <adec:decorative xmlns="" xmlns:adec="http://schemas.microsoft.com/office/drawing/2017/decorative" val="1"/>
               </a:ext>
             </a:extLst>
           </p:cNvPr>
@@ -46151,7 +47756,7 @@
                 <a16:creationId xmlns:a16="http://schemas.microsoft.com/office/drawing/2014/main" id="{047C8CCB-F95D-4249-92DD-651249D3535A}"/>
               </a:ext>
               <a:ext uri="{C183D7F6-B498-43B3-948B-1728B52AA6E4}">
-                <adec:decorative xmlns:adec="http://schemas.microsoft.com/office/drawing/2017/decorative" xmlns="" val="1"/>
+                <adec:decorative xmlns="" xmlns:adec="http://schemas.microsoft.com/office/drawing/2017/decorative" val="1"/>
               </a:ext>
             </a:extLst>
           </p:cNvPr>
@@ -46255,8 +47860,35 @@
                 <a:ea typeface="+mj-ea"/>
                 <a:cs typeface="+mj-cs"/>
               </a:rPr>
-              <a:t>DESPIDO DISCIPLINARIO</a:t>
+              <a:t>DESPIDO </a:t>
             </a:r>
+            <a:r>
+              <a:rPr lang="en-US" sz="2600" kern="1200" dirty="0" smtClean="0">
+                <a:latin typeface="+mj-lt"/>
+                <a:ea typeface="+mj-ea"/>
+                <a:cs typeface="+mj-cs"/>
+              </a:rPr>
+              <a:t>DISCIPLINARIO: </a:t>
+            </a:r>
+            <a:r>
+              <a:rPr lang="en-US" sz="1300" kern="1200" dirty="0" smtClean="0">
+                <a:solidFill>
+                  <a:schemeClr val="accent5"/>
+                </a:solidFill>
+                <a:latin typeface="+mj-lt"/>
+                <a:ea typeface="+mj-ea"/>
+                <a:cs typeface="+mj-cs"/>
+              </a:rPr>
+              <a:t>ES UNA SANCIÓN POR LO QUE NO HAY INDEMNIZACIÓN.</a:t>
+            </a:r>
+            <a:endParaRPr lang="en-US" sz="1300" kern="1200" dirty="0">
+              <a:solidFill>
+                <a:schemeClr val="accent5"/>
+              </a:solidFill>
+              <a:latin typeface="+mj-lt"/>
+              <a:ea typeface="+mj-ea"/>
+              <a:cs typeface="+mj-cs"/>
+            </a:endParaRPr>
           </a:p>
         </p:txBody>
       </p:sp>
@@ -46273,14 +47905,14 @@
           <p:nvPr>
             <p:extLst>
               <p:ext uri="{D42A27DB-BD31-4B8C-83A1-F6EECF244321}">
-                <p14:modId xmlns:p14="http://schemas.microsoft.com/office/powerpoint/2010/main" val="2134484170"/>
+                <p14:modId xmlns:p14="http://schemas.microsoft.com/office/powerpoint/2010/main" val="1311857224"/>
               </p:ext>
             </p:extLst>
           </p:nvPr>
         </p:nvGraphicFramePr>
         <p:xfrm>
-          <a:off x="2956560" y="604520"/>
-          <a:ext cx="6278880" cy="5648960"/>
+          <a:off x="2956559" y="332509"/>
+          <a:ext cx="7542416" cy="6292735"/>
         </p:xfrm>
         <a:graphic>
           <a:graphicData uri="http://schemas.openxmlformats.org/drawingml/2006/diagram">
@@ -46331,7 +47963,7 @@
 </p:sld>
 </file>
 
-<file path=ppt/slides/slide22.xml><?xml version="1.0" encoding="utf-8"?>
+<file path=ppt/slides/slide23.xml><?xml version="1.0" encoding="utf-8"?>
 <p:sld xmlns:a="http://schemas.openxmlformats.org/drawingml/2006/main" xmlns:r="http://schemas.openxmlformats.org/officeDocument/2006/relationships" xmlns:p="http://schemas.openxmlformats.org/presentationml/2006/main">
   <p:cSld>
     <p:bg>
@@ -46364,7 +47996,7 @@
                 <a16:creationId xmlns:a16="http://schemas.microsoft.com/office/drawing/2014/main" id="{45D37F4E-DDB4-456B-97E0-9937730A039F}"/>
               </a:ext>
               <a:ext uri="{C183D7F6-B498-43B3-948B-1728B52AA6E4}">
-                <adec:decorative xmlns:adec="http://schemas.microsoft.com/office/drawing/2017/decorative" xmlns="" val="1"/>
+                <adec:decorative xmlns="" xmlns:adec="http://schemas.microsoft.com/office/drawing/2017/decorative" val="1"/>
               </a:ext>
             </a:extLst>
           </p:cNvPr>
@@ -46459,7 +48091,7 @@
                 <a16:creationId xmlns:a16="http://schemas.microsoft.com/office/drawing/2014/main" id="{B2DD41CD-8F47-4F56-AD12-4E2FF7696987}"/>
               </a:ext>
               <a:ext uri="{C183D7F6-B498-43B3-948B-1728B52AA6E4}">
-                <adec:decorative xmlns:adec="http://schemas.microsoft.com/office/drawing/2017/decorative" xmlns="" val="1"/>
+                <adec:decorative xmlns="" xmlns:adec="http://schemas.microsoft.com/office/drawing/2017/decorative" val="1"/>
               </a:ext>
             </a:extLst>
           </p:cNvPr>
@@ -47076,7 +48708,7 @@
             <a:round/>
             <a:extLst>
               <a:ext uri="{C807C97D-BFC1-408E-A445-0C87EB9F89A2}">
-                <ask:lineSketchStyleProps xmlns:ask="http://schemas.microsoft.com/office/drawing/2018/sketchyshapes" xmlns="" sd="2727557108">
+                <ask:lineSketchStyleProps xmlns="" xmlns:ask="http://schemas.microsoft.com/office/drawing/2018/sketchyshapes" sd="2727557108">
                   <a:prstGeom prst="rect">
                     <a:avLst/>
                   </a:prstGeom>
@@ -47179,7 +48811,7 @@
                 <a16:creationId xmlns:a16="http://schemas.microsoft.com/office/drawing/2014/main" id="{E02F3C71-C981-4614-98EA-D6C494F8091E}"/>
               </a:ext>
               <a:ext uri="{C183D7F6-B498-43B3-948B-1728B52AA6E4}">
-                <adec:decorative xmlns:adec="http://schemas.microsoft.com/office/drawing/2017/decorative" xmlns="" val="1"/>
+                <adec:decorative xmlns="" xmlns:adec="http://schemas.microsoft.com/office/drawing/2017/decorative" val="1"/>
               </a:ext>
             </a:extLst>
           </p:cNvPr>
@@ -47812,7 +49444,7 @@
                 <a16:creationId xmlns:a16="http://schemas.microsoft.com/office/drawing/2014/main" id="{B51F6560-D61C-400F-B71A-3FDEBF451B22}"/>
               </a:ext>
               <a:ext uri="{C183D7F6-B498-43B3-948B-1728B52AA6E4}">
-                <adec:decorative xmlns:adec="http://schemas.microsoft.com/office/drawing/2017/decorative" xmlns="" val="1"/>
+                <adec:decorative xmlns="" xmlns:adec="http://schemas.microsoft.com/office/drawing/2017/decorative" val="1"/>
               </a:ext>
             </a:extLst>
           </p:cNvPr>
@@ -47888,7 +49520,7 @@
                 <a16:creationId xmlns:a16="http://schemas.microsoft.com/office/drawing/2014/main" id="{F938B951-7EFC-40A2-B198-E73D39DFB3FC}"/>
               </a:ext>
               <a:ext uri="{C183D7F6-B498-43B3-948B-1728B52AA6E4}">
-                <adec:decorative xmlns:adec="http://schemas.microsoft.com/office/drawing/2017/decorative" xmlns="" val="1"/>
+                <adec:decorative xmlns="" xmlns:adec="http://schemas.microsoft.com/office/drawing/2017/decorative" val="1"/>
               </a:ext>
             </a:extLst>
           </p:cNvPr>
@@ -47919,7 +49551,7 @@
                   <a16:creationId xmlns:a16="http://schemas.microsoft.com/office/drawing/2014/main" id="{92E4506E-6A0E-49A0-BC31-8CADBFF3ECCF}"/>
                 </a:ext>
                 <a:ext uri="{C183D7F6-B498-43B3-948B-1728B52AA6E4}">
-                  <adec:decorative xmlns:adec="http://schemas.microsoft.com/office/drawing/2017/decorative" xmlns="" val="1"/>
+                  <adec:decorative xmlns="" xmlns:adec="http://schemas.microsoft.com/office/drawing/2017/decorative" val="1"/>
                 </a:ext>
               </a:extLst>
             </p:cNvPr>
@@ -47982,7 +49614,7 @@
                   <a16:creationId xmlns:a16="http://schemas.microsoft.com/office/drawing/2014/main" id="{EEED4D51-65BF-4AEE-B596-7CB61A70B966}"/>
                 </a:ext>
                 <a:ext uri="{C183D7F6-B498-43B3-948B-1728B52AA6E4}">
-                  <adec:decorative xmlns:adec="http://schemas.microsoft.com/office/drawing/2017/decorative" xmlns="" val="1"/>
+                  <adec:decorative xmlns="" xmlns:adec="http://schemas.microsoft.com/office/drawing/2017/decorative" val="1"/>
                 </a:ext>
               </a:extLst>
             </p:cNvPr>
@@ -48415,7 +50047,7 @@
                 <a16:creationId xmlns:a16="http://schemas.microsoft.com/office/drawing/2014/main" id="{AFA67CD3-AB4E-4A7A-BEB8-53C445D8C44E}"/>
               </a:ext>
               <a:ext uri="{C183D7F6-B498-43B3-948B-1728B52AA6E4}">
-                <adec:decorative xmlns:adec="http://schemas.microsoft.com/office/drawing/2017/decorative" xmlns="" val="1"/>
+                <adec:decorative xmlns="" xmlns:adec="http://schemas.microsoft.com/office/drawing/2017/decorative" val="1"/>
               </a:ext>
             </a:extLst>
           </p:cNvPr>
@@ -48501,7 +50133,7 @@
                 <a16:creationId xmlns:a16="http://schemas.microsoft.com/office/drawing/2014/main" id="{07CF545F-9C2E-4446-97CD-AD92990C2B68}"/>
               </a:ext>
               <a:ext uri="{C183D7F6-B498-43B3-948B-1728B52AA6E4}">
-                <adec:decorative xmlns:adec="http://schemas.microsoft.com/office/drawing/2017/decorative" xmlns="" val="1"/>
+                <adec:decorative xmlns="" xmlns:adec="http://schemas.microsoft.com/office/drawing/2017/decorative" val="1"/>
               </a:ext>
             </a:extLst>
           </p:cNvPr>
@@ -48595,7 +50227,7 @@
                 <a16:creationId xmlns:a16="http://schemas.microsoft.com/office/drawing/2014/main" id="{339C8D78-A644-462F-B674-F440635E5353}"/>
               </a:ext>
               <a:ext uri="{C183D7F6-B498-43B3-948B-1728B52AA6E4}">
-                <adec:decorative xmlns:adec="http://schemas.microsoft.com/office/drawing/2017/decorative" xmlns="" val="1"/>
+                <adec:decorative xmlns="" xmlns:adec="http://schemas.microsoft.com/office/drawing/2017/decorative" val="1"/>
               </a:ext>
             </a:extLst>
           </p:cNvPr>
@@ -49264,7 +50896,7 @@
         </p:nvGraphicFramePr>
         <p:xfrm>
           <a:off x="561974" y="1396538"/>
-          <a:ext cx="5622695" cy="5122883"/>
+          <a:ext cx="5622695" cy="5130820"/>
         </p:xfrm>
         <a:graphic>
           <a:graphicData uri="http://schemas.openxmlformats.org/drawingml/2006/table">

--- a/PROGRAMACION/FOL/TEMA 3 FOL 2023 2024.pptx
+++ b/PROGRAMACION/FOL/TEMA 3 FOL 2023 2024.pptx
@@ -8733,8 +8733,21 @@
         <a:p>
           <a:r>
             <a:rPr lang="es-ES" dirty="0"/>
-            <a:t>(20 días)</a:t>
+            <a:t>(20 </a:t>
           </a:r>
+          <a:r>
+            <a:rPr lang="es-ES" dirty="0" smtClean="0">
+              <a:solidFill>
+                <a:schemeClr val="accent2"/>
+              </a:solidFill>
+            </a:rPr>
+            <a:t>días para recurrir</a:t>
+          </a:r>
+          <a:r>
+            <a:rPr lang="es-ES" dirty="0" smtClean="0"/>
+            <a:t>)</a:t>
+          </a:r>
+          <a:endParaRPr lang="es-ES" dirty="0"/>
         </a:p>
       </dgm:t>
     </dgm:pt>
@@ -8775,15 +8788,43 @@
         <a:lstStyle/>
         <a:p>
           <a:r>
+            <a:rPr lang="es-ES" dirty="0" smtClean="0">
+              <a:solidFill>
+                <a:schemeClr val="accent2"/>
+              </a:solidFill>
+            </a:rPr>
+            <a:t>1er paso: </a:t>
+          </a:r>
+          <a:r>
+            <a:rPr lang="es-ES" dirty="0" smtClean="0"/>
+            <a:t>Conciliación</a:t>
+          </a:r>
+          <a:endParaRPr lang="es-ES" dirty="0"/>
+        </a:p>
+        <a:p>
+          <a:r>
             <a:rPr lang="es-ES" dirty="0"/>
-            <a:t>Conciliación</a:t>
+            <a:t>(celebrarse en 15 días</a:t>
+          </a:r>
+          <a:r>
+            <a:rPr lang="es-ES" dirty="0" smtClean="0"/>
+            <a:t>)</a:t>
           </a:r>
         </a:p>
         <a:p>
           <a:r>
-            <a:rPr lang="es-ES" dirty="0"/>
-            <a:t>(celebrarse en 15 días)</a:t>
+            <a:rPr lang="es-ES" dirty="0" smtClean="0">
+              <a:solidFill>
+                <a:schemeClr val="accent2"/>
+              </a:solidFill>
+            </a:rPr>
+            <a:t>No es trámite judicial</a:t>
           </a:r>
+          <a:endParaRPr lang="es-ES" dirty="0">
+            <a:solidFill>
+              <a:schemeClr val="accent2"/>
+            </a:solidFill>
+          </a:endParaRPr>
         </a:p>
       </dgm:t>
     </dgm:pt>
@@ -8824,9 +8865,18 @@
         <a:lstStyle/>
         <a:p>
           <a:r>
-            <a:rPr lang="es-ES" dirty="0"/>
+            <a:rPr lang="es-ES" dirty="0" smtClean="0"/>
             <a:t>Acuerdo</a:t>
           </a:r>
+          <a:r>
+            <a:rPr lang="es-ES" dirty="0" smtClean="0">
+              <a:solidFill>
+                <a:schemeClr val="accent2"/>
+              </a:solidFill>
+            </a:rPr>
+            <a:t>: se acaba el procedimiento y no hay juicio.</a:t>
+          </a:r>
+          <a:endParaRPr lang="es-ES" dirty="0"/>
         </a:p>
       </dgm:t>
     </dgm:pt>
@@ -8861,8 +8911,25 @@
         <a:p>
           <a:r>
             <a:rPr lang="es-ES" dirty="0"/>
-            <a:t>Sin acuerdo</a:t>
+            <a:t>Sin </a:t>
           </a:r>
+          <a:r>
+            <a:rPr lang="es-ES" dirty="0" smtClean="0"/>
+            <a:t>acuerdo: </a:t>
+          </a:r>
+          <a:r>
+            <a:rPr lang="es-ES" dirty="0" smtClean="0">
+              <a:solidFill>
+                <a:schemeClr val="accent2"/>
+              </a:solidFill>
+            </a:rPr>
+            <a:t>entramos en magistratura de trabajo=vía judicial.</a:t>
+          </a:r>
+          <a:endParaRPr lang="es-ES" dirty="0">
+            <a:solidFill>
+              <a:schemeClr val="accent2"/>
+            </a:solidFill>
+          </a:endParaRPr>
         </a:p>
       </dgm:t>
     </dgm:pt>
@@ -8904,8 +8971,25 @@
         <a:p>
           <a:r>
             <a:rPr lang="es-ES" dirty="0"/>
-            <a:t>Despido procedente</a:t>
+            <a:t>Despido </a:t>
           </a:r>
+          <a:r>
+            <a:rPr lang="es-ES" dirty="0" smtClean="0"/>
+            <a:t>procedente: </a:t>
+          </a:r>
+          <a:r>
+            <a:rPr lang="es-ES" dirty="0" smtClean="0">
+              <a:solidFill>
+                <a:schemeClr val="accent2"/>
+              </a:solidFill>
+            </a:rPr>
+            <a:t>La empresa tenía razón (disciplinario u objetivo)</a:t>
+          </a:r>
+          <a:endParaRPr lang="es-ES" dirty="0">
+            <a:solidFill>
+              <a:schemeClr val="accent2"/>
+            </a:solidFill>
+          </a:endParaRPr>
         </a:p>
       </dgm:t>
     </dgm:pt>
@@ -8946,9 +9030,22 @@
         <a:lstStyle/>
         <a:p>
           <a:r>
-            <a:rPr lang="es-ES" dirty="0"/>
-            <a:t>Improcedente</a:t>
+            <a:rPr lang="es-ES" dirty="0" smtClean="0"/>
+            <a:t>Improcedente: </a:t>
           </a:r>
+          <a:r>
+            <a:rPr lang="es-ES" dirty="0" smtClean="0">
+              <a:solidFill>
+                <a:schemeClr val="accent2"/>
+              </a:solidFill>
+            </a:rPr>
+            <a:t>Se acepta la demanda del trabajador. La empresa en el plazo de 5 días tendrá que optar por una de estas 2 opciones: o readmitir al trabajador pagándole los salarios de tramitación (lo que debería haber cobrado mientras se haya alargado el proceso desde el despido) o indemnización de 33 días de salario por año trabajado y sin volver al puesto. Si es representante de los trabajadores, el trabajador es el que decide cual de las dos opciones realizar (seguir trabajando o cobrar).</a:t>
+          </a:r>
+          <a:endParaRPr lang="es-ES" dirty="0">
+            <a:solidFill>
+              <a:schemeClr val="accent2"/>
+            </a:solidFill>
+          </a:endParaRPr>
         </a:p>
       </dgm:t>
     </dgm:pt>
@@ -8988,9 +9085,22 @@
         <a:lstStyle/>
         <a:p>
           <a:r>
-            <a:rPr lang="es-ES" dirty="0"/>
-            <a:t>Nulo</a:t>
+            <a:rPr lang="es-ES" dirty="0" smtClean="0"/>
+            <a:t>Nulo: </a:t>
           </a:r>
+          <a:r>
+            <a:rPr lang="es-ES" dirty="0" smtClean="0">
+              <a:solidFill>
+                <a:schemeClr val="accent2"/>
+              </a:solidFill>
+            </a:rPr>
+            <a:t>Si en el despido se han lesionado  los derechos fundamentales (por embarazada, por religión, por raza, sexo, intimidad), será nulo, por lo que el trabajador será readmitido. Cobrará los salarios de tramitación.</a:t>
+          </a:r>
+          <a:endParaRPr lang="es-ES" dirty="0">
+            <a:solidFill>
+              <a:schemeClr val="accent2"/>
+            </a:solidFill>
+          </a:endParaRPr>
         </a:p>
       </dgm:t>
     </dgm:pt>
@@ -9265,7 +9375,7 @@
       <dgm:spPr/>
     </dgm:pt>
     <dgm:pt modelId="{8445D106-DD4D-4C41-BF3E-3E3AF4B75ADD}" type="pres">
-      <dgm:prSet presAssocID="{35ED6DF5-7372-47A3-B011-B26481537A04}" presName="rootText" presStyleLbl="node4" presStyleIdx="0" presStyleCnt="3">
+      <dgm:prSet presAssocID="{35ED6DF5-7372-47A3-B011-B26481537A04}" presName="rootText" presStyleLbl="node4" presStyleIdx="0" presStyleCnt="3" custScaleY="141008">
         <dgm:presLayoutVars>
           <dgm:chPref val="3"/>
         </dgm:presLayoutVars>
@@ -9322,7 +9432,7 @@
       <dgm:spPr/>
     </dgm:pt>
     <dgm:pt modelId="{48C465D3-0567-4473-B102-EDB49122192C}" type="pres">
-      <dgm:prSet presAssocID="{1C23F471-6795-4DD6-8A3C-92344A87EBAC}" presName="rootText" presStyleLbl="node4" presStyleIdx="1" presStyleCnt="3">
+      <dgm:prSet presAssocID="{1C23F471-6795-4DD6-8A3C-92344A87EBAC}" presName="rootText" presStyleLbl="node4" presStyleIdx="1" presStyleCnt="3" custScaleY="149493">
         <dgm:presLayoutVars>
           <dgm:chPref val="3"/>
         </dgm:presLayoutVars>
@@ -9379,7 +9489,7 @@
       <dgm:spPr/>
     </dgm:pt>
     <dgm:pt modelId="{68EACF5D-8DA5-4DDF-BEDF-427FE40C7E40}" type="pres">
-      <dgm:prSet presAssocID="{1C5BFBDA-5F53-46A8-8A50-D859A838A820}" presName="rootText" presStyleLbl="node4" presStyleIdx="2" presStyleCnt="3">
+      <dgm:prSet presAssocID="{1C5BFBDA-5F53-46A8-8A50-D859A838A820}" presName="rootText" presStyleLbl="node4" presStyleIdx="2" presStyleCnt="3" custScaleY="140914">
         <dgm:presLayoutVars>
           <dgm:chPref val="3"/>
         </dgm:presLayoutVars>
@@ -13964,8 +14074,8 @@
       </dsp:nvSpPr>
       <dsp:spPr>
         <a:xfrm>
-          <a:off x="7500870" y="2195885"/>
-          <a:ext cx="441081" cy="948326"/>
+          <a:off x="8612792" y="2664228"/>
+          <a:ext cx="506467" cy="1438403"/>
         </a:xfrm>
         <a:custGeom>
           <a:avLst/>
@@ -13979,13 +14089,13 @@
                 <a:pt x="0" y="0"/>
               </a:moveTo>
               <a:lnTo>
-                <a:pt x="220540" y="0"/>
+                <a:pt x="253233" y="0"/>
               </a:lnTo>
               <a:lnTo>
-                <a:pt x="220540" y="948326"/>
+                <a:pt x="253233" y="1438403"/>
               </a:lnTo>
               <a:lnTo>
-                <a:pt x="441081" y="948326"/>
+                <a:pt x="506467" y="1438403"/>
               </a:lnTo>
             </a:path>
           </a:pathLst>
@@ -14026,8 +14136,8 @@
       </dsp:nvSpPr>
       <dsp:spPr>
         <a:xfrm>
-          <a:off x="7500870" y="2150165"/>
-          <a:ext cx="441081" cy="91440"/>
+          <a:off x="8612792" y="2618509"/>
+          <a:ext cx="506467" cy="91440"/>
         </a:xfrm>
         <a:custGeom>
           <a:avLst/>
@@ -14041,7 +14151,13 @@
                 <a:pt x="0" y="45720"/>
               </a:moveTo>
               <a:lnTo>
-                <a:pt x="441081" y="45720"/>
+                <a:pt x="253233" y="45720"/>
+              </a:lnTo>
+              <a:lnTo>
+                <a:pt x="253233" y="46083"/>
+              </a:lnTo>
+              <a:lnTo>
+                <a:pt x="506467" y="46083"/>
               </a:lnTo>
             </a:path>
           </a:pathLst>
@@ -14082,8 +14198,8 @@
       </dsp:nvSpPr>
       <dsp:spPr>
         <a:xfrm>
-          <a:off x="7500870" y="1247559"/>
-          <a:ext cx="441081" cy="948326"/>
+          <a:off x="8612792" y="1226188"/>
+          <a:ext cx="506467" cy="1438040"/>
         </a:xfrm>
         <a:custGeom>
           <a:avLst/>
@@ -14094,16 +14210,16 @@
           <a:pathLst>
             <a:path>
               <a:moveTo>
-                <a:pt x="0" y="948326"/>
+                <a:pt x="0" y="1438040"/>
               </a:moveTo>
               <a:lnTo>
-                <a:pt x="220540" y="948326"/>
+                <a:pt x="253233" y="1438040"/>
               </a:lnTo>
               <a:lnTo>
-                <a:pt x="220540" y="0"/>
+                <a:pt x="253233" y="0"/>
               </a:lnTo>
               <a:lnTo>
-                <a:pt x="441081" y="0"/>
+                <a:pt x="506467" y="0"/>
               </a:lnTo>
             </a:path>
           </a:pathLst>
@@ -14144,8 +14260,8 @@
       </dsp:nvSpPr>
       <dsp:spPr>
         <a:xfrm>
-          <a:off x="4854379" y="1721722"/>
-          <a:ext cx="441081" cy="474163"/>
+          <a:off x="5573987" y="2119776"/>
+          <a:ext cx="506467" cy="544452"/>
         </a:xfrm>
         <a:custGeom>
           <a:avLst/>
@@ -14159,13 +14275,13 @@
                 <a:pt x="0" y="0"/>
               </a:moveTo>
               <a:lnTo>
-                <a:pt x="220540" y="0"/>
+                <a:pt x="253233" y="0"/>
               </a:lnTo>
               <a:lnTo>
-                <a:pt x="220540" y="474163"/>
+                <a:pt x="253233" y="544452"/>
               </a:lnTo>
               <a:lnTo>
-                <a:pt x="441081" y="474163"/>
+                <a:pt x="506467" y="544452"/>
               </a:lnTo>
             </a:path>
           </a:pathLst>
@@ -14206,8 +14322,8 @@
       </dsp:nvSpPr>
       <dsp:spPr>
         <a:xfrm>
-          <a:off x="4854379" y="1247559"/>
-          <a:ext cx="441081" cy="474163"/>
+          <a:off x="5573987" y="1575323"/>
+          <a:ext cx="506467" cy="544452"/>
         </a:xfrm>
         <a:custGeom>
           <a:avLst/>
@@ -14218,16 +14334,16 @@
           <a:pathLst>
             <a:path>
               <a:moveTo>
-                <a:pt x="0" y="474163"/>
+                <a:pt x="0" y="544452"/>
               </a:moveTo>
               <a:lnTo>
-                <a:pt x="220540" y="474163"/>
+                <a:pt x="253233" y="544452"/>
               </a:lnTo>
               <a:lnTo>
-                <a:pt x="220540" y="0"/>
+                <a:pt x="253233" y="0"/>
               </a:lnTo>
               <a:lnTo>
-                <a:pt x="441081" y="0"/>
+                <a:pt x="506467" y="0"/>
               </a:lnTo>
             </a:path>
           </a:pathLst>
@@ -14268,8 +14384,8 @@
       </dsp:nvSpPr>
       <dsp:spPr>
         <a:xfrm>
-          <a:off x="2207887" y="1676002"/>
-          <a:ext cx="441081" cy="91440"/>
+          <a:off x="2535182" y="2074056"/>
+          <a:ext cx="506467" cy="91440"/>
         </a:xfrm>
         <a:custGeom>
           <a:avLst/>
@@ -14283,7 +14399,7 @@
                 <a:pt x="0" y="45720"/>
               </a:moveTo>
               <a:lnTo>
-                <a:pt x="441081" y="45720"/>
+                <a:pt x="506467" y="45720"/>
               </a:lnTo>
             </a:path>
           </a:pathLst>
@@ -14324,8 +14440,8 @@
       </dsp:nvSpPr>
       <dsp:spPr>
         <a:xfrm>
-          <a:off x="2477" y="1385397"/>
-          <a:ext cx="2205409" cy="672649"/>
+          <a:off x="2845" y="1733594"/>
+          <a:ext cx="2532337" cy="772362"/>
         </a:xfrm>
         <a:prstGeom prst="rect">
           <a:avLst/>
@@ -14366,12 +14482,12 @@
         </a:fontRef>
       </dsp:style>
       <dsp:txBody>
-        <a:bodyPr spcFirstLastPara="0" vert="horz" wrap="square" lIns="11430" tIns="11430" rIns="11430" bIns="11430" numCol="1" spcCol="1270" anchor="ctr" anchorCtr="0">
+        <a:bodyPr spcFirstLastPara="0" vert="horz" wrap="square" lIns="5080" tIns="5080" rIns="5080" bIns="5080" numCol="1" spcCol="1270" anchor="ctr" anchorCtr="0">
           <a:noAutofit/>
         </a:bodyPr>
         <a:lstStyle/>
         <a:p>
-          <a:pPr lvl="0" algn="ctr" defTabSz="800100">
+          <a:pPr lvl="0" algn="ctr" defTabSz="355600">
             <a:lnSpc>
               <a:spcPct val="90000"/>
             </a:lnSpc>
@@ -14383,12 +14499,12 @@
             </a:spcAft>
           </a:pPr>
           <a:r>
-            <a:rPr lang="es-ES" sz="1800" kern="1200" dirty="0"/>
+            <a:rPr lang="es-ES" sz="800" kern="1200" dirty="0"/>
             <a:t>Despido</a:t>
           </a:r>
         </a:p>
         <a:p>
-          <a:pPr lvl="0" algn="ctr" defTabSz="800100">
+          <a:pPr lvl="0" algn="ctr" defTabSz="355600">
             <a:lnSpc>
               <a:spcPct val="90000"/>
             </a:lnSpc>
@@ -14400,14 +14516,27 @@
             </a:spcAft>
           </a:pPr>
           <a:r>
-            <a:rPr lang="es-ES" sz="1800" kern="1200" dirty="0"/>
-            <a:t>(20 días)</a:t>
+            <a:rPr lang="es-ES" sz="800" kern="1200" dirty="0"/>
+            <a:t>(20 </a:t>
           </a:r>
+          <a:r>
+            <a:rPr lang="es-ES" sz="800" kern="1200" dirty="0" smtClean="0">
+              <a:solidFill>
+                <a:schemeClr val="accent2"/>
+              </a:solidFill>
+            </a:rPr>
+            <a:t>días para recurrir</a:t>
+          </a:r>
+          <a:r>
+            <a:rPr lang="es-ES" sz="800" kern="1200" dirty="0" smtClean="0"/>
+            <a:t>)</a:t>
+          </a:r>
+          <a:endParaRPr lang="es-ES" sz="800" kern="1200" dirty="0"/>
         </a:p>
       </dsp:txBody>
       <dsp:txXfrm>
-        <a:off x="2477" y="1385397"/>
-        <a:ext cx="2205409" cy="672649"/>
+        <a:off x="2845" y="1733594"/>
+        <a:ext cx="2532337" cy="772362"/>
       </dsp:txXfrm>
     </dsp:sp>
     <dsp:sp modelId="{F3C92AF1-4121-4C1B-A871-0883A06B0FE5}">
@@ -14417,8 +14546,8 @@
       </dsp:nvSpPr>
       <dsp:spPr>
         <a:xfrm>
-          <a:off x="2648969" y="1385397"/>
-          <a:ext cx="2205409" cy="672649"/>
+          <a:off x="3041650" y="1733594"/>
+          <a:ext cx="2532337" cy="772362"/>
         </a:xfrm>
         <a:prstGeom prst="rect">
           <a:avLst/>
@@ -14459,12 +14588,12 @@
         </a:fontRef>
       </dsp:style>
       <dsp:txBody>
-        <a:bodyPr spcFirstLastPara="0" vert="horz" wrap="square" lIns="11430" tIns="11430" rIns="11430" bIns="11430" numCol="1" spcCol="1270" anchor="ctr" anchorCtr="0">
+        <a:bodyPr spcFirstLastPara="0" vert="horz" wrap="square" lIns="5080" tIns="5080" rIns="5080" bIns="5080" numCol="1" spcCol="1270" anchor="ctr" anchorCtr="0">
           <a:noAutofit/>
         </a:bodyPr>
         <a:lstStyle/>
         <a:p>
-          <a:pPr lvl="0" algn="ctr" defTabSz="800100">
+          <a:pPr lvl="0" algn="ctr" defTabSz="355600">
             <a:lnSpc>
               <a:spcPct val="90000"/>
             </a:lnSpc>
@@ -14476,12 +14605,21 @@
             </a:spcAft>
           </a:pPr>
           <a:r>
-            <a:rPr lang="es-ES" sz="1800" kern="1200" dirty="0"/>
+            <a:rPr lang="es-ES" sz="800" kern="1200" dirty="0" smtClean="0">
+              <a:solidFill>
+                <a:schemeClr val="accent2"/>
+              </a:solidFill>
+            </a:rPr>
+            <a:t>1er paso: </a:t>
+          </a:r>
+          <a:r>
+            <a:rPr lang="es-ES" sz="800" kern="1200" dirty="0" smtClean="0"/>
             <a:t>Conciliación</a:t>
           </a:r>
+          <a:endParaRPr lang="es-ES" sz="800" kern="1200" dirty="0"/>
         </a:p>
         <a:p>
-          <a:pPr lvl="0" algn="ctr" defTabSz="800100">
+          <a:pPr lvl="0" algn="ctr" defTabSz="355600">
             <a:lnSpc>
               <a:spcPct val="90000"/>
             </a:lnSpc>
@@ -14493,14 +14631,44 @@
             </a:spcAft>
           </a:pPr>
           <a:r>
-            <a:rPr lang="es-ES" sz="1800" kern="1200" dirty="0"/>
-            <a:t>(celebrarse en 15 días)</a:t>
+            <a:rPr lang="es-ES" sz="800" kern="1200" dirty="0"/>
+            <a:t>(celebrarse en 15 días</a:t>
           </a:r>
+          <a:r>
+            <a:rPr lang="es-ES" sz="800" kern="1200" dirty="0" smtClean="0"/>
+            <a:t>)</a:t>
+          </a:r>
+        </a:p>
+        <a:p>
+          <a:pPr lvl="0" algn="ctr" defTabSz="355600">
+            <a:lnSpc>
+              <a:spcPct val="90000"/>
+            </a:lnSpc>
+            <a:spcBef>
+              <a:spcPct val="0"/>
+            </a:spcBef>
+            <a:spcAft>
+              <a:spcPct val="35000"/>
+            </a:spcAft>
+          </a:pPr>
+          <a:r>
+            <a:rPr lang="es-ES" sz="800" kern="1200" dirty="0" smtClean="0">
+              <a:solidFill>
+                <a:schemeClr val="accent2"/>
+              </a:solidFill>
+            </a:rPr>
+            <a:t>No es trámite judicial</a:t>
+          </a:r>
+          <a:endParaRPr lang="es-ES" sz="800" kern="1200" dirty="0">
+            <a:solidFill>
+              <a:schemeClr val="accent2"/>
+            </a:solidFill>
+          </a:endParaRPr>
         </a:p>
       </dsp:txBody>
       <dsp:txXfrm>
-        <a:off x="2648969" y="1385397"/>
-        <a:ext cx="2205409" cy="672649"/>
+        <a:off x="3041650" y="1733594"/>
+        <a:ext cx="2532337" cy="772362"/>
       </dsp:txXfrm>
     </dsp:sp>
     <dsp:sp modelId="{3CE8D9E6-B14C-4C8F-B39B-448FA0C2E0D8}">
@@ -14510,8 +14678,8 @@
       </dsp:nvSpPr>
       <dsp:spPr>
         <a:xfrm>
-          <a:off x="5295460" y="911234"/>
-          <a:ext cx="2205409" cy="672649"/>
+          <a:off x="6080455" y="1189142"/>
+          <a:ext cx="2532337" cy="772362"/>
         </a:xfrm>
         <a:prstGeom prst="rect">
           <a:avLst/>
@@ -14552,12 +14720,12 @@
         </a:fontRef>
       </dsp:style>
       <dsp:txBody>
-        <a:bodyPr spcFirstLastPara="0" vert="horz" wrap="square" lIns="11430" tIns="11430" rIns="11430" bIns="11430" numCol="1" spcCol="1270" anchor="ctr" anchorCtr="0">
+        <a:bodyPr spcFirstLastPara="0" vert="horz" wrap="square" lIns="5080" tIns="5080" rIns="5080" bIns="5080" numCol="1" spcCol="1270" anchor="ctr" anchorCtr="0">
           <a:noAutofit/>
         </a:bodyPr>
         <a:lstStyle/>
         <a:p>
-          <a:pPr lvl="0" algn="ctr" defTabSz="800100">
+          <a:pPr lvl="0" algn="ctr" defTabSz="355600">
             <a:lnSpc>
               <a:spcPct val="90000"/>
             </a:lnSpc>
@@ -14569,14 +14737,23 @@
             </a:spcAft>
           </a:pPr>
           <a:r>
-            <a:rPr lang="es-ES" sz="1800" kern="1200" dirty="0"/>
+            <a:rPr lang="es-ES" sz="800" kern="1200" dirty="0" smtClean="0"/>
             <a:t>Acuerdo</a:t>
           </a:r>
+          <a:r>
+            <a:rPr lang="es-ES" sz="800" kern="1200" dirty="0" smtClean="0">
+              <a:solidFill>
+                <a:schemeClr val="accent2"/>
+              </a:solidFill>
+            </a:rPr>
+            <a:t>: se acaba el procedimiento y no hay juicio.</a:t>
+          </a:r>
+          <a:endParaRPr lang="es-ES" sz="800" kern="1200" dirty="0"/>
         </a:p>
       </dsp:txBody>
       <dsp:txXfrm>
-        <a:off x="5295460" y="911234"/>
-        <a:ext cx="2205409" cy="672649"/>
+        <a:off x="6080455" y="1189142"/>
+        <a:ext cx="2532337" cy="772362"/>
       </dsp:txXfrm>
     </dsp:sp>
     <dsp:sp modelId="{AFBC0167-BC7F-4B74-827D-33C82BDD9CD7}">
@@ -14586,8 +14763,8 @@
       </dsp:nvSpPr>
       <dsp:spPr>
         <a:xfrm>
-          <a:off x="5295460" y="1859560"/>
-          <a:ext cx="2205409" cy="672649"/>
+          <a:off x="6080455" y="2278047"/>
+          <a:ext cx="2532337" cy="772362"/>
         </a:xfrm>
         <a:prstGeom prst="rect">
           <a:avLst/>
@@ -14630,12 +14807,12 @@
         </a:fontRef>
       </dsp:style>
       <dsp:txBody>
-        <a:bodyPr spcFirstLastPara="0" vert="horz" wrap="square" lIns="11430" tIns="11430" rIns="11430" bIns="11430" numCol="1" spcCol="1270" anchor="ctr" anchorCtr="0">
+        <a:bodyPr spcFirstLastPara="0" vert="horz" wrap="square" lIns="5080" tIns="5080" rIns="5080" bIns="5080" numCol="1" spcCol="1270" anchor="ctr" anchorCtr="0">
           <a:noAutofit/>
         </a:bodyPr>
         <a:lstStyle/>
         <a:p>
-          <a:pPr lvl="0" algn="ctr" defTabSz="800100">
+          <a:pPr lvl="0" algn="ctr" defTabSz="355600">
             <a:lnSpc>
               <a:spcPct val="90000"/>
             </a:lnSpc>
@@ -14647,14 +14824,31 @@
             </a:spcAft>
           </a:pPr>
           <a:r>
-            <a:rPr lang="es-ES" sz="1800" kern="1200" dirty="0"/>
-            <a:t>Sin acuerdo</a:t>
+            <a:rPr lang="es-ES" sz="800" kern="1200" dirty="0"/>
+            <a:t>Sin </a:t>
           </a:r>
+          <a:r>
+            <a:rPr lang="es-ES" sz="800" kern="1200" dirty="0" smtClean="0"/>
+            <a:t>acuerdo: </a:t>
+          </a:r>
+          <a:r>
+            <a:rPr lang="es-ES" sz="800" kern="1200" dirty="0" smtClean="0">
+              <a:solidFill>
+                <a:schemeClr val="accent2"/>
+              </a:solidFill>
+            </a:rPr>
+            <a:t>entramos en magistratura de trabajo=vía judicial.</a:t>
+          </a:r>
+          <a:endParaRPr lang="es-ES" sz="800" kern="1200" dirty="0">
+            <a:solidFill>
+              <a:schemeClr val="accent2"/>
+            </a:solidFill>
+          </a:endParaRPr>
         </a:p>
       </dsp:txBody>
       <dsp:txXfrm>
-        <a:off x="5295460" y="1859560"/>
-        <a:ext cx="2205409" cy="672649"/>
+        <a:off x="6080455" y="2278047"/>
+        <a:ext cx="2532337" cy="772362"/>
       </dsp:txXfrm>
     </dsp:sp>
     <dsp:sp modelId="{8445D106-DD4D-4C41-BF3E-3E3AF4B75ADD}">
@@ -14664,8 +14858,8 @@
       </dsp:nvSpPr>
       <dsp:spPr>
         <a:xfrm>
-          <a:off x="7941952" y="911234"/>
-          <a:ext cx="2205409" cy="672649"/>
+          <a:off x="9119260" y="681642"/>
+          <a:ext cx="2532337" cy="1089093"/>
         </a:xfrm>
         <a:prstGeom prst="rect">
           <a:avLst/>
@@ -14706,12 +14900,12 @@
         </a:fontRef>
       </dsp:style>
       <dsp:txBody>
-        <a:bodyPr spcFirstLastPara="0" vert="horz" wrap="square" lIns="11430" tIns="11430" rIns="11430" bIns="11430" numCol="1" spcCol="1270" anchor="ctr" anchorCtr="0">
+        <a:bodyPr spcFirstLastPara="0" vert="horz" wrap="square" lIns="5080" tIns="5080" rIns="5080" bIns="5080" numCol="1" spcCol="1270" anchor="ctr" anchorCtr="0">
           <a:noAutofit/>
         </a:bodyPr>
         <a:lstStyle/>
         <a:p>
-          <a:pPr lvl="0" algn="ctr" defTabSz="800100">
+          <a:pPr lvl="0" algn="ctr" defTabSz="355600">
             <a:lnSpc>
               <a:spcPct val="90000"/>
             </a:lnSpc>
@@ -14723,14 +14917,31 @@
             </a:spcAft>
           </a:pPr>
           <a:r>
-            <a:rPr lang="es-ES" sz="1800" kern="1200" dirty="0"/>
-            <a:t>Despido procedente</a:t>
+            <a:rPr lang="es-ES" sz="800" kern="1200" dirty="0"/>
+            <a:t>Despido </a:t>
           </a:r>
+          <a:r>
+            <a:rPr lang="es-ES" sz="800" kern="1200" dirty="0" smtClean="0"/>
+            <a:t>procedente: </a:t>
+          </a:r>
+          <a:r>
+            <a:rPr lang="es-ES" sz="800" kern="1200" dirty="0" smtClean="0">
+              <a:solidFill>
+                <a:schemeClr val="accent2"/>
+              </a:solidFill>
+            </a:rPr>
+            <a:t>La empresa tenía razón (disciplinario u objetivo)</a:t>
+          </a:r>
+          <a:endParaRPr lang="es-ES" sz="800" kern="1200" dirty="0">
+            <a:solidFill>
+              <a:schemeClr val="accent2"/>
+            </a:solidFill>
+          </a:endParaRPr>
         </a:p>
       </dsp:txBody>
       <dsp:txXfrm>
-        <a:off x="7941952" y="911234"/>
-        <a:ext cx="2205409" cy="672649"/>
+        <a:off x="9119260" y="681642"/>
+        <a:ext cx="2532337" cy="1089093"/>
       </dsp:txXfrm>
     </dsp:sp>
     <dsp:sp modelId="{48C465D3-0567-4473-B102-EDB49122192C}">
@@ -14740,8 +14951,8 @@
       </dsp:nvSpPr>
       <dsp:spPr>
         <a:xfrm>
-          <a:off x="7941952" y="1859560"/>
-          <a:ext cx="2205409" cy="672649"/>
+          <a:off x="9119260" y="2087277"/>
+          <a:ext cx="2532337" cy="1154628"/>
         </a:xfrm>
         <a:prstGeom prst="rect">
           <a:avLst/>
@@ -14782,12 +14993,12 @@
         </a:fontRef>
       </dsp:style>
       <dsp:txBody>
-        <a:bodyPr spcFirstLastPara="0" vert="horz" wrap="square" lIns="11430" tIns="11430" rIns="11430" bIns="11430" numCol="1" spcCol="1270" anchor="ctr" anchorCtr="0">
+        <a:bodyPr spcFirstLastPara="0" vert="horz" wrap="square" lIns="5080" tIns="5080" rIns="5080" bIns="5080" numCol="1" spcCol="1270" anchor="ctr" anchorCtr="0">
           <a:noAutofit/>
         </a:bodyPr>
         <a:lstStyle/>
         <a:p>
-          <a:pPr lvl="0" algn="ctr" defTabSz="800100">
+          <a:pPr lvl="0" algn="ctr" defTabSz="355600">
             <a:lnSpc>
               <a:spcPct val="90000"/>
             </a:lnSpc>
@@ -14799,14 +15010,27 @@
             </a:spcAft>
           </a:pPr>
           <a:r>
-            <a:rPr lang="es-ES" sz="1800" kern="1200" dirty="0"/>
-            <a:t>Improcedente</a:t>
+            <a:rPr lang="es-ES" sz="800" kern="1200" dirty="0" smtClean="0"/>
+            <a:t>Improcedente: </a:t>
           </a:r>
+          <a:r>
+            <a:rPr lang="es-ES" sz="800" kern="1200" dirty="0" smtClean="0">
+              <a:solidFill>
+                <a:schemeClr val="accent2"/>
+              </a:solidFill>
+            </a:rPr>
+            <a:t>Se acepta la demanda del trabajador. La empresa en el plazo de 5 días tendrá que optar por una de estas 2 opciones: o readmitir al trabajador pagándole los salarios de tramitación (lo que debería haber cobrado mientras se haya alargado el proceso desde el despido) o indemnización de 33 días de salario por año trabajado y sin volver al puesto. Si es representante de los trabajadores, el trabajador es el que decide cual de las dos opciones realizar (seguir trabajando o cobrar).</a:t>
+          </a:r>
+          <a:endParaRPr lang="es-ES" sz="800" kern="1200" dirty="0">
+            <a:solidFill>
+              <a:schemeClr val="accent2"/>
+            </a:solidFill>
+          </a:endParaRPr>
         </a:p>
       </dsp:txBody>
       <dsp:txXfrm>
-        <a:off x="7941952" y="1859560"/>
-        <a:ext cx="2205409" cy="672649"/>
+        <a:off x="9119260" y="2087277"/>
+        <a:ext cx="2532337" cy="1154628"/>
       </dsp:txXfrm>
     </dsp:sp>
     <dsp:sp modelId="{68EACF5D-8DA5-4DDF-BEDF-427FE40C7E40}">
@@ -14816,8 +15040,8 @@
       </dsp:nvSpPr>
       <dsp:spPr>
         <a:xfrm>
-          <a:off x="7941952" y="2807886"/>
-          <a:ext cx="2205409" cy="672649"/>
+          <a:off x="9119260" y="3558448"/>
+          <a:ext cx="2532337" cy="1088367"/>
         </a:xfrm>
         <a:prstGeom prst="rect">
           <a:avLst/>
@@ -14857,12 +15081,12 @@
         </a:fontRef>
       </dsp:style>
       <dsp:txBody>
-        <a:bodyPr spcFirstLastPara="0" vert="horz" wrap="square" lIns="11430" tIns="11430" rIns="11430" bIns="11430" numCol="1" spcCol="1270" anchor="ctr" anchorCtr="0">
+        <a:bodyPr spcFirstLastPara="0" vert="horz" wrap="square" lIns="5080" tIns="5080" rIns="5080" bIns="5080" numCol="1" spcCol="1270" anchor="ctr" anchorCtr="0">
           <a:noAutofit/>
         </a:bodyPr>
         <a:lstStyle/>
         <a:p>
-          <a:pPr lvl="0" algn="ctr" defTabSz="800100">
+          <a:pPr lvl="0" algn="ctr" defTabSz="355600">
             <a:lnSpc>
               <a:spcPct val="90000"/>
             </a:lnSpc>
@@ -14874,14 +15098,27 @@
             </a:spcAft>
           </a:pPr>
           <a:r>
-            <a:rPr lang="es-ES" sz="1800" kern="1200" dirty="0"/>
-            <a:t>Nulo</a:t>
+            <a:rPr lang="es-ES" sz="800" kern="1200" dirty="0" smtClean="0"/>
+            <a:t>Nulo: </a:t>
           </a:r>
+          <a:r>
+            <a:rPr lang="es-ES" sz="800" kern="1200" dirty="0" smtClean="0">
+              <a:solidFill>
+                <a:schemeClr val="accent2"/>
+              </a:solidFill>
+            </a:rPr>
+            <a:t>Si en el despido se han lesionado  los derechos fundamentales (por embarazada, por religión, por raza, sexo, intimidad), será nulo, por lo que el trabajador será readmitido. Cobrará los salarios de tramitación.</a:t>
+          </a:r>
+          <a:endParaRPr lang="es-ES" sz="800" kern="1200" dirty="0">
+            <a:solidFill>
+              <a:schemeClr val="accent2"/>
+            </a:solidFill>
+          </a:endParaRPr>
         </a:p>
       </dsp:txBody>
       <dsp:txXfrm>
-        <a:off x="7941952" y="2807886"/>
-        <a:ext cx="2205409" cy="672649"/>
+        <a:off x="9119260" y="3558448"/>
+        <a:ext cx="2532337" cy="1088367"/>
       </dsp:txXfrm>
     </dsp:sp>
   </dsp:spTree>
@@ -35578,7 +35815,7 @@
           <a:p>
             <a:fld id="{A7F438C5-03A1-463E-A49A-4590B5EA2CF5}" type="datetimeFigureOut">
               <a:rPr lang="es-ES" smtClean="0"/>
-              <a:t>21/11/2023</a:t>
+              <a:t>22/11/2023</a:t>
             </a:fld>
             <a:endParaRPr lang="es-ES"/>
           </a:p>
@@ -35776,7 +36013,7 @@
           <a:p>
             <a:fld id="{A7F438C5-03A1-463E-A49A-4590B5EA2CF5}" type="datetimeFigureOut">
               <a:rPr lang="es-ES" smtClean="0"/>
-              <a:t>21/11/2023</a:t>
+              <a:t>22/11/2023</a:t>
             </a:fld>
             <a:endParaRPr lang="es-ES"/>
           </a:p>
@@ -35984,7 +36221,7 @@
           <a:p>
             <a:fld id="{A7F438C5-03A1-463E-A49A-4590B5EA2CF5}" type="datetimeFigureOut">
               <a:rPr lang="es-ES" smtClean="0"/>
-              <a:t>21/11/2023</a:t>
+              <a:t>22/11/2023</a:t>
             </a:fld>
             <a:endParaRPr lang="es-ES"/>
           </a:p>
@@ -36171,7 +36408,7 @@
           <a:p>
             <a:fld id="{A7F438C5-03A1-463E-A49A-4590B5EA2CF5}" type="datetimeFigureOut">
               <a:rPr lang="es-ES" smtClean="0"/>
-              <a:t>21/11/2023</a:t>
+              <a:t>22/11/2023</a:t>
             </a:fld>
             <a:endParaRPr lang="es-ES"/>
           </a:p>
@@ -36357,7 +36594,7 @@
           <a:p>
             <a:fld id="{A7F438C5-03A1-463E-A49A-4590B5EA2CF5}" type="datetimeFigureOut">
               <a:rPr lang="es-ES" smtClean="0"/>
-              <a:t>21/11/2023</a:t>
+              <a:t>22/11/2023</a:t>
             </a:fld>
             <a:endParaRPr lang="es-ES"/>
           </a:p>
@@ -36632,7 +36869,7 @@
           <a:p>
             <a:fld id="{A7F438C5-03A1-463E-A49A-4590B5EA2CF5}" type="datetimeFigureOut">
               <a:rPr lang="es-ES" smtClean="0"/>
-              <a:t>21/11/2023</a:t>
+              <a:t>22/11/2023</a:t>
             </a:fld>
             <a:endParaRPr lang="es-ES"/>
           </a:p>
@@ -36897,7 +37134,7 @@
           <a:p>
             <a:fld id="{A7F438C5-03A1-463E-A49A-4590B5EA2CF5}" type="datetimeFigureOut">
               <a:rPr lang="es-ES" smtClean="0"/>
-              <a:t>21/11/2023</a:t>
+              <a:t>22/11/2023</a:t>
             </a:fld>
             <a:endParaRPr lang="es-ES"/>
           </a:p>
@@ -37309,7 +37546,7 @@
           <a:p>
             <a:fld id="{A7F438C5-03A1-463E-A49A-4590B5EA2CF5}" type="datetimeFigureOut">
               <a:rPr lang="es-ES" smtClean="0"/>
-              <a:t>21/11/2023</a:t>
+              <a:t>22/11/2023</a:t>
             </a:fld>
             <a:endParaRPr lang="es-ES"/>
           </a:p>
@@ -37450,7 +37687,7 @@
           <a:p>
             <a:fld id="{A7F438C5-03A1-463E-A49A-4590B5EA2CF5}" type="datetimeFigureOut">
               <a:rPr lang="es-ES" smtClean="0"/>
-              <a:t>21/11/2023</a:t>
+              <a:t>22/11/2023</a:t>
             </a:fld>
             <a:endParaRPr lang="es-ES"/>
           </a:p>
@@ -37563,7 +37800,7 @@
           <a:p>
             <a:fld id="{A7F438C5-03A1-463E-A49A-4590B5EA2CF5}" type="datetimeFigureOut">
               <a:rPr lang="es-ES" smtClean="0"/>
-              <a:t>21/11/2023</a:t>
+              <a:t>22/11/2023</a:t>
             </a:fld>
             <a:endParaRPr lang="es-ES"/>
           </a:p>
@@ -37874,7 +38111,7 @@
           <a:p>
             <a:fld id="{A7F438C5-03A1-463E-A49A-4590B5EA2CF5}" type="datetimeFigureOut">
               <a:rPr lang="es-ES" smtClean="0"/>
-              <a:t>21/11/2023</a:t>
+              <a:t>22/11/2023</a:t>
             </a:fld>
             <a:endParaRPr lang="es-ES"/>
           </a:p>
@@ -38162,7 +38399,7 @@
           <a:p>
             <a:fld id="{A7F438C5-03A1-463E-A49A-4590B5EA2CF5}" type="datetimeFigureOut">
               <a:rPr lang="es-ES" smtClean="0"/>
-              <a:t>21/11/2023</a:t>
+              <a:t>22/11/2023</a:t>
             </a:fld>
             <a:endParaRPr lang="es-ES"/>
           </a:p>
@@ -38406,7 +38643,7 @@
           <a:p>
             <a:fld id="{A7F438C5-03A1-463E-A49A-4590B5EA2CF5}" type="datetimeFigureOut">
               <a:rPr lang="es-ES" smtClean="0"/>
-              <a:t>21/11/2023</a:t>
+              <a:t>22/11/2023</a:t>
             </a:fld>
             <a:endParaRPr lang="es-ES"/>
           </a:p>
@@ -38840,7 +39077,7 @@
                 <a16:creationId xmlns:a16="http://schemas.microsoft.com/office/drawing/2014/main" id="{4D327EF6-1201-4218-AA98-3DA5A0F48981}"/>
               </a:ext>
               <a:ext uri="{C183D7F6-B498-43B3-948B-1728B52AA6E4}">
-                <adec:decorative xmlns="" xmlns:adec="http://schemas.microsoft.com/office/drawing/2017/decorative" val="1"/>
+                <adec:decorative xmlns:adec="http://schemas.microsoft.com/office/drawing/2017/decorative" xmlns="" val="1"/>
               </a:ext>
             </a:extLst>
           </p:cNvPr>
@@ -38994,7 +39231,7 @@
                 <a16:creationId xmlns:a16="http://schemas.microsoft.com/office/drawing/2014/main" id="{9864AAEA-8DC4-4D15-864C-B53C5B4CCEE0}"/>
               </a:ext>
               <a:ext uri="{C183D7F6-B498-43B3-948B-1728B52AA6E4}">
-                <adec:decorative xmlns="" xmlns:adec="http://schemas.microsoft.com/office/drawing/2017/decorative" val="1"/>
+                <adec:decorative xmlns:adec="http://schemas.microsoft.com/office/drawing/2017/decorative" xmlns="" val="1"/>
               </a:ext>
             </a:extLst>
           </p:cNvPr>
@@ -39054,7 +39291,7 @@
                 <a16:creationId xmlns:a16="http://schemas.microsoft.com/office/drawing/2014/main" id="{E82F361B-984A-43B6-AFE8-1F14394284E4}"/>
               </a:ext>
               <a:ext uri="{C183D7F6-B498-43B3-948B-1728B52AA6E4}">
-                <adec:decorative xmlns="" xmlns:adec="http://schemas.microsoft.com/office/drawing/2017/decorative" val="1"/>
+                <adec:decorative xmlns:adec="http://schemas.microsoft.com/office/drawing/2017/decorative" xmlns="" val="1"/>
               </a:ext>
             </a:extLst>
           </p:cNvPr>
@@ -39166,7 +39403,7 @@
                 <a16:creationId xmlns:a16="http://schemas.microsoft.com/office/drawing/2014/main" id="{4F2A6A32-9ADF-4DD4-AEA5-0D1FF0F8B490}"/>
               </a:ext>
               <a:ext uri="{C183D7F6-B498-43B3-948B-1728B52AA6E4}">
-                <adec:decorative xmlns="" xmlns:adec="http://schemas.microsoft.com/office/drawing/2017/decorative" val="1"/>
+                <adec:decorative xmlns:adec="http://schemas.microsoft.com/office/drawing/2017/decorative" xmlns="" val="1"/>
               </a:ext>
             </a:extLst>
           </p:cNvPr>
@@ -39380,7 +39617,7 @@
                 <a16:creationId xmlns:a16="http://schemas.microsoft.com/office/drawing/2014/main" id="{AFA67CD3-AB4E-4A7A-BEB8-53C445D8C44E}"/>
               </a:ext>
               <a:ext uri="{C183D7F6-B498-43B3-948B-1728B52AA6E4}">
-                <adec:decorative xmlns="" xmlns:adec="http://schemas.microsoft.com/office/drawing/2017/decorative" val="1"/>
+                <adec:decorative xmlns:adec="http://schemas.microsoft.com/office/drawing/2017/decorative" xmlns="" val="1"/>
               </a:ext>
             </a:extLst>
           </p:cNvPr>
@@ -39466,7 +39703,7 @@
                 <a16:creationId xmlns:a16="http://schemas.microsoft.com/office/drawing/2014/main" id="{07CF545F-9C2E-4446-97CD-AD92990C2B68}"/>
               </a:ext>
               <a:ext uri="{C183D7F6-B498-43B3-948B-1728B52AA6E4}">
-                <adec:decorative xmlns="" xmlns:adec="http://schemas.microsoft.com/office/drawing/2017/decorative" val="1"/>
+                <adec:decorative xmlns:adec="http://schemas.microsoft.com/office/drawing/2017/decorative" xmlns="" val="1"/>
               </a:ext>
             </a:extLst>
           </p:cNvPr>
@@ -39544,7 +39781,7 @@
                 <a16:creationId xmlns:a16="http://schemas.microsoft.com/office/drawing/2014/main" id="{339C8D78-A644-462F-B674-F440635E5353}"/>
               </a:ext>
               <a:ext uri="{C183D7F6-B498-43B3-948B-1728B52AA6E4}">
-                <adec:decorative xmlns="" xmlns:adec="http://schemas.microsoft.com/office/drawing/2017/decorative" val="1"/>
+                <adec:decorative xmlns:adec="http://schemas.microsoft.com/office/drawing/2017/decorative" xmlns="" val="1"/>
               </a:ext>
             </a:extLst>
           </p:cNvPr>
@@ -39731,7 +39968,7 @@
                 <a14:useLocalDpi xmlns:a14="http://schemas.microsoft.com/office/drawing/2010/main" val="0"/>
               </a:ext>
               <a:ext uri="{96DAC541-7B7A-43D3-8B79-37D633B846F1}">
-                <asvg:svgBlip xmlns="" xmlns:asvg="http://schemas.microsoft.com/office/drawing/2016/SVG/main" r:embed="rId4"/>
+                <asvg:svgBlip xmlns:asvg="http://schemas.microsoft.com/office/drawing/2016/SVG/main" xmlns="" r:embed="rId4"/>
               </a:ext>
             </a:extLst>
           </a:blip>
@@ -39898,7 +40135,7 @@
                 <a16:creationId xmlns:a16="http://schemas.microsoft.com/office/drawing/2014/main" id="{3C915414-2809-4735-A560-0D5FE66700D8}"/>
               </a:ext>
               <a:ext uri="{C183D7F6-B498-43B3-948B-1728B52AA6E4}">
-                <adec:decorative xmlns="" xmlns:adec="http://schemas.microsoft.com/office/drawing/2017/decorative" val="1"/>
+                <adec:decorative xmlns:adec="http://schemas.microsoft.com/office/drawing/2017/decorative" xmlns="" val="1"/>
               </a:ext>
             </a:extLst>
           </p:cNvPr>
@@ -39963,7 +40200,7 @@
                 <a16:creationId xmlns:a16="http://schemas.microsoft.com/office/drawing/2014/main" id="{24413201-85BF-4680-A7D4-10CDBD03569C}"/>
               </a:ext>
               <a:ext uri="{C183D7F6-B498-43B3-948B-1728B52AA6E4}">
-                <adec:decorative xmlns="" xmlns:adec="http://schemas.microsoft.com/office/drawing/2017/decorative" val="1"/>
+                <adec:decorative xmlns:adec="http://schemas.microsoft.com/office/drawing/2017/decorative" xmlns="" val="1"/>
               </a:ext>
             </a:extLst>
           </p:cNvPr>
@@ -39994,7 +40231,7 @@
                   <a16:creationId xmlns:a16="http://schemas.microsoft.com/office/drawing/2014/main" id="{1F819D8C-C8E5-4336-9882-79FBF6555189}"/>
                 </a:ext>
                 <a:ext uri="{C183D7F6-B498-43B3-948B-1728B52AA6E4}">
-                  <adec:decorative xmlns="" xmlns:adec="http://schemas.microsoft.com/office/drawing/2017/decorative" val="1"/>
+                  <adec:decorative xmlns:adec="http://schemas.microsoft.com/office/drawing/2017/decorative" xmlns="" val="1"/>
                 </a:ext>
               </a:extLst>
             </p:cNvPr>
@@ -40044,7 +40281,7 @@
                   <a16:creationId xmlns:a16="http://schemas.microsoft.com/office/drawing/2014/main" id="{7D732480-09E4-401A-B2D9-E6C662FBCA29}"/>
                 </a:ext>
                 <a:ext uri="{C183D7F6-B498-43B3-948B-1728B52AA6E4}">
-                  <adec:decorative xmlns="" xmlns:adec="http://schemas.microsoft.com/office/drawing/2017/decorative" val="1"/>
+                  <adec:decorative xmlns:adec="http://schemas.microsoft.com/office/drawing/2017/decorative" xmlns="" val="1"/>
                 </a:ext>
               </a:extLst>
             </p:cNvPr>
@@ -40096,7 +40333,7 @@
                   <a16:creationId xmlns:a16="http://schemas.microsoft.com/office/drawing/2014/main" id="{87D8355C-E417-4D36-91FF-2CC1E1FE9FF3}"/>
                 </a:ext>
                 <a:ext uri="{C183D7F6-B498-43B3-948B-1728B52AA6E4}">
-                  <adec:decorative xmlns="" xmlns:adec="http://schemas.microsoft.com/office/drawing/2017/decorative" val="1"/>
+                  <adec:decorative xmlns:adec="http://schemas.microsoft.com/office/drawing/2017/decorative" xmlns="" val="1"/>
                 </a:ext>
               </a:extLst>
             </p:cNvPr>
@@ -40148,7 +40385,7 @@
                   <a16:creationId xmlns:a16="http://schemas.microsoft.com/office/drawing/2014/main" id="{6ADF7267-EAAE-43CE-ACEF-608328FB1787}"/>
                 </a:ext>
                 <a:ext uri="{C183D7F6-B498-43B3-948B-1728B52AA6E4}">
-                  <adec:decorative xmlns="" xmlns:adec="http://schemas.microsoft.com/office/drawing/2017/decorative" val="1"/>
+                  <adec:decorative xmlns:adec="http://schemas.microsoft.com/office/drawing/2017/decorative" xmlns="" val="1"/>
                 </a:ext>
               </a:extLst>
             </p:cNvPr>
@@ -40200,7 +40437,7 @@
                   <a16:creationId xmlns:a16="http://schemas.microsoft.com/office/drawing/2014/main" id="{54C901E2-0CDB-4316-B262-3B9E68F33502}"/>
                 </a:ext>
                 <a:ext uri="{C183D7F6-B498-43B3-948B-1728B52AA6E4}">
-                  <adec:decorative xmlns="" xmlns:adec="http://schemas.microsoft.com/office/drawing/2017/decorative" val="1"/>
+                  <adec:decorative xmlns:adec="http://schemas.microsoft.com/office/drawing/2017/decorative" xmlns="" val="1"/>
                 </a:ext>
               </a:extLst>
             </p:cNvPr>
@@ -40252,7 +40489,7 @@
                   <a16:creationId xmlns:a16="http://schemas.microsoft.com/office/drawing/2014/main" id="{D8F6D31A-084C-4F10-9A8F-A9645DFB7150}"/>
                 </a:ext>
                 <a:ext uri="{C183D7F6-B498-43B3-948B-1728B52AA6E4}">
-                  <adec:decorative xmlns="" xmlns:adec="http://schemas.microsoft.com/office/drawing/2017/decorative" val="1"/>
+                  <adec:decorative xmlns:adec="http://schemas.microsoft.com/office/drawing/2017/decorative" xmlns="" val="1"/>
                 </a:ext>
               </a:extLst>
             </p:cNvPr>
@@ -40304,7 +40541,7 @@
                   <a16:creationId xmlns:a16="http://schemas.microsoft.com/office/drawing/2014/main" id="{E38E09F0-F130-45B5-B0AF-7EF3F0172AD5}"/>
                 </a:ext>
                 <a:ext uri="{C183D7F6-B498-43B3-948B-1728B52AA6E4}">
-                  <adec:decorative xmlns="" xmlns:adec="http://schemas.microsoft.com/office/drawing/2017/decorative" val="1"/>
+                  <adec:decorative xmlns:adec="http://schemas.microsoft.com/office/drawing/2017/decorative" xmlns="" val="1"/>
                 </a:ext>
               </a:extLst>
             </p:cNvPr>
@@ -40356,7 +40593,7 @@
                   <a16:creationId xmlns:a16="http://schemas.microsoft.com/office/drawing/2014/main" id="{569330E2-17DA-4F0D-B377-6E4499C79A15}"/>
                 </a:ext>
                 <a:ext uri="{C183D7F6-B498-43B3-948B-1728B52AA6E4}">
-                  <adec:decorative xmlns="" xmlns:adec="http://schemas.microsoft.com/office/drawing/2017/decorative" val="1"/>
+                  <adec:decorative xmlns:adec="http://schemas.microsoft.com/office/drawing/2017/decorative" xmlns="" val="1"/>
                 </a:ext>
               </a:extLst>
             </p:cNvPr>
@@ -40408,7 +40645,7 @@
                   <a16:creationId xmlns:a16="http://schemas.microsoft.com/office/drawing/2014/main" id="{A3192707-5744-4C77-8CD6-D682F908009A}"/>
                 </a:ext>
                 <a:ext uri="{C183D7F6-B498-43B3-948B-1728B52AA6E4}">
-                  <adec:decorative xmlns="" xmlns:adec="http://schemas.microsoft.com/office/drawing/2017/decorative" val="1"/>
+                  <adec:decorative xmlns:adec="http://schemas.microsoft.com/office/drawing/2017/decorative" xmlns="" val="1"/>
                 </a:ext>
               </a:extLst>
             </p:cNvPr>
@@ -40460,7 +40697,7 @@
                   <a16:creationId xmlns:a16="http://schemas.microsoft.com/office/drawing/2014/main" id="{E367A44A-5DD0-43B5-B6DB-1CA3BC5AF0B2}"/>
                 </a:ext>
                 <a:ext uri="{C183D7F6-B498-43B3-948B-1728B52AA6E4}">
-                  <adec:decorative xmlns="" xmlns:adec="http://schemas.microsoft.com/office/drawing/2017/decorative" val="1"/>
+                  <adec:decorative xmlns:adec="http://schemas.microsoft.com/office/drawing/2017/decorative" xmlns="" val="1"/>
                 </a:ext>
               </a:extLst>
             </p:cNvPr>
@@ -40512,7 +40749,7 @@
                   <a16:creationId xmlns:a16="http://schemas.microsoft.com/office/drawing/2014/main" id="{280809D1-164B-4A0C-84BB-2AC46F3BDE52}"/>
                 </a:ext>
                 <a:ext uri="{C183D7F6-B498-43B3-948B-1728B52AA6E4}">
-                  <adec:decorative xmlns="" xmlns:adec="http://schemas.microsoft.com/office/drawing/2017/decorative" val="1"/>
+                  <adec:decorative xmlns:adec="http://schemas.microsoft.com/office/drawing/2017/decorative" xmlns="" val="1"/>
                 </a:ext>
               </a:extLst>
             </p:cNvPr>
@@ -40564,7 +40801,7 @@
                   <a16:creationId xmlns:a16="http://schemas.microsoft.com/office/drawing/2014/main" id="{E379EC94-3698-4695-8CE7-61DBDF5EE654}"/>
                 </a:ext>
                 <a:ext uri="{C183D7F6-B498-43B3-948B-1728B52AA6E4}">
-                  <adec:decorative xmlns="" xmlns:adec="http://schemas.microsoft.com/office/drawing/2017/decorative" val="1"/>
+                  <adec:decorative xmlns:adec="http://schemas.microsoft.com/office/drawing/2017/decorative" xmlns="" val="1"/>
                 </a:ext>
               </a:extLst>
             </p:cNvPr>
@@ -40616,7 +40853,7 @@
                   <a16:creationId xmlns:a16="http://schemas.microsoft.com/office/drawing/2014/main" id="{8755B95C-6A71-4D4F-8F48-B21F893E6FB1}"/>
                 </a:ext>
                 <a:ext uri="{C183D7F6-B498-43B3-948B-1728B52AA6E4}">
-                  <adec:decorative xmlns="" xmlns:adec="http://schemas.microsoft.com/office/drawing/2017/decorative" val="1"/>
+                  <adec:decorative xmlns:adec="http://schemas.microsoft.com/office/drawing/2017/decorative" xmlns="" val="1"/>
                 </a:ext>
               </a:extLst>
             </p:cNvPr>
@@ -40668,7 +40905,7 @@
                   <a16:creationId xmlns:a16="http://schemas.microsoft.com/office/drawing/2014/main" id="{6099C53A-E394-462E-BF63-1639A8E28318}"/>
                 </a:ext>
                 <a:ext uri="{C183D7F6-B498-43B3-948B-1728B52AA6E4}">
-                  <adec:decorative xmlns="" xmlns:adec="http://schemas.microsoft.com/office/drawing/2017/decorative" val="1"/>
+                  <adec:decorative xmlns:adec="http://schemas.microsoft.com/office/drawing/2017/decorative" xmlns="" val="1"/>
                 </a:ext>
               </a:extLst>
             </p:cNvPr>
@@ -40720,7 +40957,7 @@
                   <a16:creationId xmlns:a16="http://schemas.microsoft.com/office/drawing/2014/main" id="{9AC427FF-C3BE-45A0-9FB1-A6A4C8C4CD85}"/>
                 </a:ext>
                 <a:ext uri="{C183D7F6-B498-43B3-948B-1728B52AA6E4}">
-                  <adec:decorative xmlns="" xmlns:adec="http://schemas.microsoft.com/office/drawing/2017/decorative" val="1"/>
+                  <adec:decorative xmlns:adec="http://schemas.microsoft.com/office/drawing/2017/decorative" xmlns="" val="1"/>
                 </a:ext>
               </a:extLst>
             </p:cNvPr>
@@ -40772,7 +41009,7 @@
                   <a16:creationId xmlns:a16="http://schemas.microsoft.com/office/drawing/2014/main" id="{2B15D91A-BF52-4704-8F6B-A7C474618191}"/>
                 </a:ext>
                 <a:ext uri="{C183D7F6-B498-43B3-948B-1728B52AA6E4}">
-                  <adec:decorative xmlns="" xmlns:adec="http://schemas.microsoft.com/office/drawing/2017/decorative" val="1"/>
+                  <adec:decorative xmlns:adec="http://schemas.microsoft.com/office/drawing/2017/decorative" xmlns="" val="1"/>
                 </a:ext>
               </a:extLst>
             </p:cNvPr>
@@ -40824,7 +41061,7 @@
                   <a16:creationId xmlns:a16="http://schemas.microsoft.com/office/drawing/2014/main" id="{1D9241FD-0E0D-409B-A2AF-8F06ACB75778}"/>
                 </a:ext>
                 <a:ext uri="{C183D7F6-B498-43B3-948B-1728B52AA6E4}">
-                  <adec:decorative xmlns="" xmlns:adec="http://schemas.microsoft.com/office/drawing/2017/decorative" val="1"/>
+                  <adec:decorative xmlns:adec="http://schemas.microsoft.com/office/drawing/2017/decorative" xmlns="" val="1"/>
                 </a:ext>
               </a:extLst>
             </p:cNvPr>
@@ -40876,7 +41113,7 @@
                   <a16:creationId xmlns:a16="http://schemas.microsoft.com/office/drawing/2014/main" id="{F8B3D884-11F6-4FF3-82C2-1C2311451C61}"/>
                 </a:ext>
                 <a:ext uri="{C183D7F6-B498-43B3-948B-1728B52AA6E4}">
-                  <adec:decorative xmlns="" xmlns:adec="http://schemas.microsoft.com/office/drawing/2017/decorative" val="1"/>
+                  <adec:decorative xmlns:adec="http://schemas.microsoft.com/office/drawing/2017/decorative" xmlns="" val="1"/>
                 </a:ext>
               </a:extLst>
             </p:cNvPr>
@@ -40928,7 +41165,7 @@
                   <a16:creationId xmlns:a16="http://schemas.microsoft.com/office/drawing/2014/main" id="{A15AB342-981A-44B4-846D-B0B2394ACF01}"/>
                 </a:ext>
                 <a:ext uri="{C183D7F6-B498-43B3-948B-1728B52AA6E4}">
-                  <adec:decorative xmlns="" xmlns:adec="http://schemas.microsoft.com/office/drawing/2017/decorative" val="1"/>
+                  <adec:decorative xmlns:adec="http://schemas.microsoft.com/office/drawing/2017/decorative" xmlns="" val="1"/>
                 </a:ext>
               </a:extLst>
             </p:cNvPr>
@@ -40980,7 +41217,7 @@
                   <a16:creationId xmlns:a16="http://schemas.microsoft.com/office/drawing/2014/main" id="{872C80E7-0A00-4063-BEE2-6B6B446A4A72}"/>
                 </a:ext>
                 <a:ext uri="{C183D7F6-B498-43B3-948B-1728B52AA6E4}">
-                  <adec:decorative xmlns="" xmlns:adec="http://schemas.microsoft.com/office/drawing/2017/decorative" val="1"/>
+                  <adec:decorative xmlns:adec="http://schemas.microsoft.com/office/drawing/2017/decorative" xmlns="" val="1"/>
                 </a:ext>
               </a:extLst>
             </p:cNvPr>
@@ -41032,7 +41269,7 @@
                   <a16:creationId xmlns:a16="http://schemas.microsoft.com/office/drawing/2014/main" id="{CDDFAF9B-F940-4E8C-905E-31851E6E716D}"/>
                 </a:ext>
                 <a:ext uri="{C183D7F6-B498-43B3-948B-1728B52AA6E4}">
-                  <adec:decorative xmlns="" xmlns:adec="http://schemas.microsoft.com/office/drawing/2017/decorative" val="1"/>
+                  <adec:decorative xmlns:adec="http://schemas.microsoft.com/office/drawing/2017/decorative" xmlns="" val="1"/>
                 </a:ext>
               </a:extLst>
             </p:cNvPr>
@@ -41084,7 +41321,7 @@
                   <a16:creationId xmlns:a16="http://schemas.microsoft.com/office/drawing/2014/main" id="{DE75405B-4987-4ED0-838B-B550E11C50A7}"/>
                 </a:ext>
                 <a:ext uri="{C183D7F6-B498-43B3-948B-1728B52AA6E4}">
-                  <adec:decorative xmlns="" xmlns:adec="http://schemas.microsoft.com/office/drawing/2017/decorative" val="1"/>
+                  <adec:decorative xmlns:adec="http://schemas.microsoft.com/office/drawing/2017/decorative" xmlns="" val="1"/>
                 </a:ext>
               </a:extLst>
             </p:cNvPr>
@@ -41136,7 +41373,7 @@
                   <a16:creationId xmlns:a16="http://schemas.microsoft.com/office/drawing/2014/main" id="{2D23C412-06C7-4364-B5C1-6492A9D36BCD}"/>
                 </a:ext>
                 <a:ext uri="{C183D7F6-B498-43B3-948B-1728B52AA6E4}">
-                  <adec:decorative xmlns="" xmlns:adec="http://schemas.microsoft.com/office/drawing/2017/decorative" val="1"/>
+                  <adec:decorative xmlns:adec="http://schemas.microsoft.com/office/drawing/2017/decorative" xmlns="" val="1"/>
                 </a:ext>
               </a:extLst>
             </p:cNvPr>
@@ -41188,7 +41425,7 @@
                   <a16:creationId xmlns:a16="http://schemas.microsoft.com/office/drawing/2014/main" id="{3E558B2C-BA31-4EF6-AA51-34C38C4FAC19}"/>
                 </a:ext>
                 <a:ext uri="{C183D7F6-B498-43B3-948B-1728B52AA6E4}">
-                  <adec:decorative xmlns="" xmlns:adec="http://schemas.microsoft.com/office/drawing/2017/decorative" val="1"/>
+                  <adec:decorative xmlns:adec="http://schemas.microsoft.com/office/drawing/2017/decorative" xmlns="" val="1"/>
                 </a:ext>
               </a:extLst>
             </p:cNvPr>
@@ -41240,7 +41477,7 @@
                   <a16:creationId xmlns:a16="http://schemas.microsoft.com/office/drawing/2014/main" id="{49BF6B7B-33CA-48B1-A1DC-E4917FB89D99}"/>
                 </a:ext>
                 <a:ext uri="{C183D7F6-B498-43B3-948B-1728B52AA6E4}">
-                  <adec:decorative xmlns="" xmlns:adec="http://schemas.microsoft.com/office/drawing/2017/decorative" val="1"/>
+                  <adec:decorative xmlns:adec="http://schemas.microsoft.com/office/drawing/2017/decorative" xmlns="" val="1"/>
                 </a:ext>
               </a:extLst>
             </p:cNvPr>
@@ -41292,7 +41529,7 @@
                   <a16:creationId xmlns:a16="http://schemas.microsoft.com/office/drawing/2014/main" id="{B91E8E40-9C42-4E16-980F-D9B38872F361}"/>
                 </a:ext>
                 <a:ext uri="{C183D7F6-B498-43B3-948B-1728B52AA6E4}">
-                  <adec:decorative xmlns="" xmlns:adec="http://schemas.microsoft.com/office/drawing/2017/decorative" val="1"/>
+                  <adec:decorative xmlns:adec="http://schemas.microsoft.com/office/drawing/2017/decorative" xmlns="" val="1"/>
                 </a:ext>
               </a:extLst>
             </p:cNvPr>
@@ -41344,7 +41581,7 @@
                   <a16:creationId xmlns:a16="http://schemas.microsoft.com/office/drawing/2014/main" id="{6B7E3690-D803-4CC7-BA93-B51ACF040FBF}"/>
                 </a:ext>
                 <a:ext uri="{C183D7F6-B498-43B3-948B-1728B52AA6E4}">
-                  <adec:decorative xmlns="" xmlns:adec="http://schemas.microsoft.com/office/drawing/2017/decorative" val="1"/>
+                  <adec:decorative xmlns:adec="http://schemas.microsoft.com/office/drawing/2017/decorative" xmlns="" val="1"/>
                 </a:ext>
               </a:extLst>
             </p:cNvPr>
@@ -41432,7 +41669,7 @@
                 <a16:creationId xmlns:a16="http://schemas.microsoft.com/office/drawing/2014/main" id="{473E2575-93BA-49BD-A0BB-EBD45F7382A2}"/>
               </a:ext>
               <a:ext uri="{C183D7F6-B498-43B3-948B-1728B52AA6E4}">
-                <adec:decorative xmlns="" xmlns:adec="http://schemas.microsoft.com/office/drawing/2017/decorative" val="1"/>
+                <adec:decorative xmlns:adec="http://schemas.microsoft.com/office/drawing/2017/decorative" xmlns="" val="1"/>
               </a:ext>
             </a:extLst>
           </p:cNvPr>
@@ -41486,7 +41723,7 @@
                 <a16:creationId xmlns:a16="http://schemas.microsoft.com/office/drawing/2014/main" id="{FE32AE2A-5F1E-4AB5-96CD-95BBC7E8CBB1}"/>
               </a:ext>
               <a:ext uri="{C183D7F6-B498-43B3-948B-1728B52AA6E4}">
-                <adec:decorative xmlns="" xmlns:adec="http://schemas.microsoft.com/office/drawing/2017/decorative" val="1"/>
+                <adec:decorative xmlns:adec="http://schemas.microsoft.com/office/drawing/2017/decorative" xmlns="" val="1"/>
               </a:ext>
             </a:extLst>
           </p:cNvPr>
@@ -41540,7 +41777,7 @@
                 <a16:creationId xmlns:a16="http://schemas.microsoft.com/office/drawing/2014/main" id="{151E1EE1-5760-4F9F-919D-BBBE95CE8ED0}"/>
               </a:ext>
               <a:ext uri="{C183D7F6-B498-43B3-948B-1728B52AA6E4}">
-                <adec:decorative xmlns="" xmlns:adec="http://schemas.microsoft.com/office/drawing/2017/decorative" val="1"/>
+                <adec:decorative xmlns:adec="http://schemas.microsoft.com/office/drawing/2017/decorative" xmlns="" val="1"/>
               </a:ext>
             </a:extLst>
           </p:cNvPr>
@@ -41634,7 +41871,7 @@
                 <a16:creationId xmlns:a16="http://schemas.microsoft.com/office/drawing/2014/main" id="{D665D759-2DF8-4D47-8386-4BA28901A79D}"/>
               </a:ext>
               <a:ext uri="{C183D7F6-B498-43B3-948B-1728B52AA6E4}">
-                <adec:decorative xmlns="" xmlns:adec="http://schemas.microsoft.com/office/drawing/2017/decorative" val="1"/>
+                <adec:decorative xmlns:adec="http://schemas.microsoft.com/office/drawing/2017/decorative" xmlns="" val="1"/>
               </a:ext>
             </a:extLst>
           </p:cNvPr>
@@ -42282,7 +42519,7 @@
                 <a16:creationId xmlns:a16="http://schemas.microsoft.com/office/drawing/2014/main" id="{16C73AF9-0D33-5C66-5D79-0D0129904B31}"/>
               </a:ext>
               <a:ext uri="{C183D7F6-B498-43B3-948B-1728B52AA6E4}">
-                <adec:decorative xmlns="" xmlns:adec="http://schemas.microsoft.com/office/drawing/2017/decorative" val="1"/>
+                <adec:decorative xmlns:adec="http://schemas.microsoft.com/office/drawing/2017/decorative" xmlns="" val="1"/>
               </a:ext>
             </a:extLst>
           </p:cNvPr>
@@ -42313,7 +42550,7 @@
                   <a16:creationId xmlns:a16="http://schemas.microsoft.com/office/drawing/2014/main" id="{ED96FD6F-5EE9-36C7-C200-3111EF6D0152}"/>
                 </a:ext>
                 <a:ext uri="{C183D7F6-B498-43B3-948B-1728B52AA6E4}">
-                  <adec:decorative xmlns="" xmlns:adec="http://schemas.microsoft.com/office/drawing/2017/decorative" val="1"/>
+                  <adec:decorative xmlns:adec="http://schemas.microsoft.com/office/drawing/2017/decorative" xmlns="" val="1"/>
                 </a:ext>
               </a:extLst>
             </p:cNvPr>
@@ -42382,7 +42619,7 @@
                   <a16:creationId xmlns:a16="http://schemas.microsoft.com/office/drawing/2014/main" id="{62A39BB2-02C1-8A8B-8021-68446E04747F}"/>
                 </a:ext>
                 <a:ext uri="{C183D7F6-B498-43B3-948B-1728B52AA6E4}">
-                  <adec:decorative xmlns="" xmlns:adec="http://schemas.microsoft.com/office/drawing/2017/decorative" val="1"/>
+                  <adec:decorative xmlns:adec="http://schemas.microsoft.com/office/drawing/2017/decorative" xmlns="" val="1"/>
                 </a:ext>
               </a:extLst>
             </p:cNvPr>
@@ -42648,7 +42885,7 @@
                 <a16:creationId xmlns:a16="http://schemas.microsoft.com/office/drawing/2014/main" id="{16C73AF9-0D33-5C66-5D79-0D0129904B31}"/>
               </a:ext>
               <a:ext uri="{C183D7F6-B498-43B3-948B-1728B52AA6E4}">
-                <adec:decorative xmlns="" xmlns:adec="http://schemas.microsoft.com/office/drawing/2017/decorative" val="1"/>
+                <adec:decorative xmlns:adec="http://schemas.microsoft.com/office/drawing/2017/decorative" xmlns="" val="1"/>
               </a:ext>
             </a:extLst>
           </p:cNvPr>
@@ -42679,7 +42916,7 @@
                   <a16:creationId xmlns:a16="http://schemas.microsoft.com/office/drawing/2014/main" id="{ED96FD6F-5EE9-36C7-C200-3111EF6D0152}"/>
                 </a:ext>
                 <a:ext uri="{C183D7F6-B498-43B3-948B-1728B52AA6E4}">
-                  <adec:decorative xmlns="" xmlns:adec="http://schemas.microsoft.com/office/drawing/2017/decorative" val="1"/>
+                  <adec:decorative xmlns:adec="http://schemas.microsoft.com/office/drawing/2017/decorative" xmlns="" val="1"/>
                 </a:ext>
               </a:extLst>
             </p:cNvPr>
@@ -42748,7 +42985,7 @@
                   <a16:creationId xmlns:a16="http://schemas.microsoft.com/office/drawing/2014/main" id="{62A39BB2-02C1-8A8B-8021-68446E04747F}"/>
                 </a:ext>
                 <a:ext uri="{C183D7F6-B498-43B3-948B-1728B52AA6E4}">
-                  <adec:decorative xmlns="" xmlns:adec="http://schemas.microsoft.com/office/drawing/2017/decorative" val="1"/>
+                  <adec:decorative xmlns:adec="http://schemas.microsoft.com/office/drawing/2017/decorative" xmlns="" val="1"/>
                 </a:ext>
               </a:extLst>
             </p:cNvPr>
@@ -43335,7 +43572,7 @@
                 <a16:creationId xmlns:a16="http://schemas.microsoft.com/office/drawing/2014/main" id="{9AF08BBE-71A7-AEFC-F970-93C6BF79B380}"/>
               </a:ext>
               <a:ext uri="{C183D7F6-B498-43B3-948B-1728B52AA6E4}">
-                <adec:decorative xmlns="" xmlns:adec="http://schemas.microsoft.com/office/drawing/2017/decorative" val="1"/>
+                <adec:decorative xmlns:adec="http://schemas.microsoft.com/office/drawing/2017/decorative" xmlns="" val="1"/>
               </a:ext>
             </a:extLst>
           </p:cNvPr>
@@ -43366,7 +43603,7 @@
                   <a16:creationId xmlns:a16="http://schemas.microsoft.com/office/drawing/2014/main" id="{31C42412-D66A-A89A-CBAD-067355BA7437}"/>
                 </a:ext>
                 <a:ext uri="{C183D7F6-B498-43B3-948B-1728B52AA6E4}">
-                  <adec:decorative xmlns="" xmlns:adec="http://schemas.microsoft.com/office/drawing/2017/decorative" val="1"/>
+                  <adec:decorative xmlns:adec="http://schemas.microsoft.com/office/drawing/2017/decorative" xmlns="" val="1"/>
                 </a:ext>
               </a:extLst>
             </p:cNvPr>
@@ -43435,7 +43672,7 @@
                   <a16:creationId xmlns:a16="http://schemas.microsoft.com/office/drawing/2014/main" id="{19F63095-BD54-33B2-6873-1DC4DF820D90}"/>
                 </a:ext>
                 <a:ext uri="{C183D7F6-B498-43B3-948B-1728B52AA6E4}">
-                  <adec:decorative xmlns="" xmlns:adec="http://schemas.microsoft.com/office/drawing/2017/decorative" val="1"/>
+                  <adec:decorative xmlns:adec="http://schemas.microsoft.com/office/drawing/2017/decorative" xmlns="" val="1"/>
                 </a:ext>
               </a:extLst>
             </p:cNvPr>
@@ -43576,7 +43813,7 @@
                 <a16:creationId xmlns:a16="http://schemas.microsoft.com/office/drawing/2014/main" id="{B775CD93-9DF2-48CB-9F57-1BCA9A46C7FA}"/>
               </a:ext>
               <a:ext uri="{C183D7F6-B498-43B3-948B-1728B52AA6E4}">
-                <adec:decorative xmlns="" xmlns:adec="http://schemas.microsoft.com/office/drawing/2017/decorative" val="1"/>
+                <adec:decorative xmlns:adec="http://schemas.microsoft.com/office/drawing/2017/decorative" xmlns="" val="1"/>
               </a:ext>
             </a:extLst>
           </p:cNvPr>
@@ -43682,7 +43919,7 @@
                 <a16:creationId xmlns:a16="http://schemas.microsoft.com/office/drawing/2014/main" id="{E186B68C-84BC-4A6E-99D1-EE87483C1349}"/>
               </a:ext>
               <a:ext uri="{C183D7F6-B498-43B3-948B-1728B52AA6E4}">
-                <adec:decorative xmlns="" xmlns:adec="http://schemas.microsoft.com/office/drawing/2017/decorative" val="1"/>
+                <adec:decorative xmlns:adec="http://schemas.microsoft.com/office/drawing/2017/decorative" xmlns="" val="1"/>
               </a:ext>
             </a:extLst>
           </p:cNvPr>
@@ -43751,7 +43988,7 @@
                 <a16:creationId xmlns:a16="http://schemas.microsoft.com/office/drawing/2014/main" id="{6166C6D1-23AC-49C4-BA07-238E4E9F8CEB}"/>
               </a:ext>
               <a:ext uri="{C183D7F6-B498-43B3-948B-1728B52AA6E4}">
-                <adec:decorative xmlns="" xmlns:adec="http://schemas.microsoft.com/office/drawing/2017/decorative" val="1"/>
+                <adec:decorative xmlns:adec="http://schemas.microsoft.com/office/drawing/2017/decorative" xmlns="" val="1"/>
               </a:ext>
             </a:extLst>
           </p:cNvPr>
@@ -43818,7 +44055,7 @@
                 <a16:creationId xmlns:a16="http://schemas.microsoft.com/office/drawing/2014/main" id="{33A87B69-D1B1-4DA7-B224-F220FC5235E6}"/>
               </a:ext>
               <a:ext uri="{C183D7F6-B498-43B3-948B-1728B52AA6E4}">
-                <adec:decorative xmlns="" xmlns:adec="http://schemas.microsoft.com/office/drawing/2017/decorative" val="1"/>
+                <adec:decorative xmlns:adec="http://schemas.microsoft.com/office/drawing/2017/decorative" xmlns="" val="1"/>
               </a:ext>
             </a:extLst>
           </p:cNvPr>
@@ -43942,7 +44179,7 @@
                 <a16:creationId xmlns:a16="http://schemas.microsoft.com/office/drawing/2014/main" id="{1C091803-41C2-48E0-9228-5148460C7479}"/>
               </a:ext>
               <a:ext uri="{C183D7F6-B498-43B3-948B-1728B52AA6E4}">
-                <adec:decorative xmlns="" xmlns:adec="http://schemas.microsoft.com/office/drawing/2017/decorative" val="1"/>
+                <adec:decorative xmlns:adec="http://schemas.microsoft.com/office/drawing/2017/decorative" xmlns="" val="1"/>
               </a:ext>
             </a:extLst>
           </p:cNvPr>
@@ -44152,7 +44389,7 @@
         </p:nvGraphicFramePr>
         <p:xfrm>
           <a:off x="947649" y="2463799"/>
-          <a:ext cx="10066716" cy="2491139"/>
+          <a:ext cx="10066716" cy="2503193"/>
         </p:xfrm>
         <a:graphic>
           <a:graphicData uri="http://schemas.openxmlformats.org/drawingml/2006/table">
@@ -45044,7 +45281,7 @@
                 <a16:creationId xmlns:a16="http://schemas.microsoft.com/office/drawing/2014/main" id="{5C9B446A-6343-4E56-90BA-061E4DDF0FFB}"/>
               </a:ext>
               <a:ext uri="{C183D7F6-B498-43B3-948B-1728B52AA6E4}">
-                <adec:decorative xmlns="" xmlns:adec="http://schemas.microsoft.com/office/drawing/2017/decorative" val="1"/>
+                <adec:decorative xmlns:adec="http://schemas.microsoft.com/office/drawing/2017/decorative" xmlns="" val="1"/>
               </a:ext>
             </a:extLst>
           </p:cNvPr>
@@ -45104,7 +45341,7 @@
                 <a16:creationId xmlns:a16="http://schemas.microsoft.com/office/drawing/2014/main" id="{3EC72A1B-03D3-499C-B4BF-AC68EEC22B10}"/>
               </a:ext>
               <a:ext uri="{C183D7F6-B498-43B3-948B-1728B52AA6E4}">
-                <adec:decorative xmlns="" xmlns:adec="http://schemas.microsoft.com/office/drawing/2017/decorative" val="1"/>
+                <adec:decorative xmlns:adec="http://schemas.microsoft.com/office/drawing/2017/decorative" xmlns="" val="1"/>
               </a:ext>
             </a:extLst>
           </p:cNvPr>
@@ -45276,7 +45513,7 @@
                 <a16:creationId xmlns:a16="http://schemas.microsoft.com/office/drawing/2014/main" id="{216322C2-3CF0-4D33-BF90-3F384CF6D232}"/>
               </a:ext>
               <a:ext uri="{C183D7F6-B498-43B3-948B-1728B52AA6E4}">
-                <adec:decorative xmlns="" xmlns:adec="http://schemas.microsoft.com/office/drawing/2017/decorative" val="1"/>
+                <adec:decorative xmlns:adec="http://schemas.microsoft.com/office/drawing/2017/decorative" xmlns="" val="1"/>
               </a:ext>
             </a:extLst>
           </p:cNvPr>
@@ -45474,7 +45711,7 @@
                 <a16:creationId xmlns:a16="http://schemas.microsoft.com/office/drawing/2014/main" id="{55D4142C-5077-457F-A6AD-3FECFDB39685}"/>
               </a:ext>
               <a:ext uri="{C183D7F6-B498-43B3-948B-1728B52AA6E4}">
-                <adec:decorative xmlns="" xmlns:adec="http://schemas.microsoft.com/office/drawing/2017/decorative" val="1"/>
+                <adec:decorative xmlns:adec="http://schemas.microsoft.com/office/drawing/2017/decorative" xmlns="" val="1"/>
               </a:ext>
             </a:extLst>
           </p:cNvPr>
@@ -45542,7 +45779,7 @@
                 <a16:creationId xmlns:a16="http://schemas.microsoft.com/office/drawing/2014/main" id="{7A5F0580-5EE9-419F-96EE-B6529EF6E7D0}"/>
               </a:ext>
               <a:ext uri="{C183D7F6-B498-43B3-948B-1728B52AA6E4}">
-                <adec:decorative xmlns="" xmlns:adec="http://schemas.microsoft.com/office/drawing/2017/decorative" val="1"/>
+                <adec:decorative xmlns:adec="http://schemas.microsoft.com/office/drawing/2017/decorative" xmlns="" val="1"/>
               </a:ext>
             </a:extLst>
           </p:cNvPr>
@@ -45868,7 +46105,7 @@
                 <a16:creationId xmlns:a16="http://schemas.microsoft.com/office/drawing/2014/main" id="{BE589684-54CA-64D8-C963-5F19FF75BF72}"/>
               </a:ext>
               <a:ext uri="{C183D7F6-B498-43B3-948B-1728B52AA6E4}">
-                <adec:decorative xmlns="" xmlns:adec="http://schemas.microsoft.com/office/drawing/2017/decorative" val="1"/>
+                <adec:decorative xmlns:adec="http://schemas.microsoft.com/office/drawing/2017/decorative" xmlns="" val="1"/>
               </a:ext>
             </a:extLst>
           </p:cNvPr>
@@ -45899,7 +46136,7 @@
                   <a16:creationId xmlns:a16="http://schemas.microsoft.com/office/drawing/2014/main" id="{9B56B8E8-B789-DA4D-E4BE-03FA3165B3DE}"/>
                 </a:ext>
                 <a:ext uri="{C183D7F6-B498-43B3-948B-1728B52AA6E4}">
-                  <adec:decorative xmlns="" xmlns:adec="http://schemas.microsoft.com/office/drawing/2017/decorative" val="1"/>
+                  <adec:decorative xmlns:adec="http://schemas.microsoft.com/office/drawing/2017/decorative" xmlns="" val="1"/>
                 </a:ext>
               </a:extLst>
             </p:cNvPr>
@@ -45968,7 +46205,7 @@
                   <a16:creationId xmlns:a16="http://schemas.microsoft.com/office/drawing/2014/main" id="{2255D907-377D-0DF9-B4A4-4B44C46FBE3B}"/>
                 </a:ext>
                 <a:ext uri="{C183D7F6-B498-43B3-948B-1728B52AA6E4}">
-                  <adec:decorative xmlns="" xmlns:adec="http://schemas.microsoft.com/office/drawing/2017/decorative" val="1"/>
+                  <adec:decorative xmlns:adec="http://schemas.microsoft.com/office/drawing/2017/decorative" xmlns="" val="1"/>
                 </a:ext>
               </a:extLst>
             </p:cNvPr>
@@ -46453,11 +46690,7 @@
             </a:pPr>
             <a:r>
               <a:rPr lang="es-ES" sz="1800" dirty="0"/>
-              <a:t>Derechos del </a:t>
-            </a:r>
-            <a:r>
-              <a:rPr lang="es-ES" sz="1800" dirty="0"/>
-              <a:t>trabajador: </a:t>
+              <a:t>Derechos del trabajador: </a:t>
             </a:r>
             <a:r>
               <a:rPr lang="es-ES" sz="1800" dirty="0">
@@ -46635,7 +46868,7 @@
                 <a16:creationId xmlns:a16="http://schemas.microsoft.com/office/drawing/2014/main" id="{3ECBE1F1-D69B-4AFA-ABD5-8E41720EF6DE}"/>
               </a:ext>
               <a:ext uri="{C183D7F6-B498-43B3-948B-1728B52AA6E4}">
-                <adec:decorative xmlns="" xmlns:adec="http://schemas.microsoft.com/office/drawing/2017/decorative" val="1"/>
+                <adec:decorative xmlns:adec="http://schemas.microsoft.com/office/drawing/2017/decorative" xmlns="" val="1"/>
               </a:ext>
             </a:extLst>
           </p:cNvPr>
@@ -46724,7 +46957,7 @@
                 <a16:creationId xmlns:a16="http://schemas.microsoft.com/office/drawing/2014/main" id="{603A6265-E10C-4B85-9C20-E75FCAF9CC63}"/>
               </a:ext>
               <a:ext uri="{C183D7F6-B498-43B3-948B-1728B52AA6E4}">
-                <adec:decorative xmlns="" xmlns:adec="http://schemas.microsoft.com/office/drawing/2017/decorative" val="1"/>
+                <adec:decorative xmlns:adec="http://schemas.microsoft.com/office/drawing/2017/decorative" xmlns="" val="1"/>
               </a:ext>
             </a:extLst>
           </p:cNvPr>
@@ -47148,7 +47381,7 @@
                 <a16:creationId xmlns:a16="http://schemas.microsoft.com/office/drawing/2014/main" id="{9AF08BBE-71A7-AEFC-F970-93C6BF79B380}"/>
               </a:ext>
               <a:ext uri="{C183D7F6-B498-43B3-948B-1728B52AA6E4}">
-                <adec:decorative xmlns="" xmlns:adec="http://schemas.microsoft.com/office/drawing/2017/decorative" val="1"/>
+                <adec:decorative xmlns:adec="http://schemas.microsoft.com/office/drawing/2017/decorative" xmlns="" val="1"/>
               </a:ext>
             </a:extLst>
           </p:cNvPr>
@@ -47179,7 +47412,7 @@
                   <a16:creationId xmlns:a16="http://schemas.microsoft.com/office/drawing/2014/main" id="{31C42412-D66A-A89A-CBAD-067355BA7437}"/>
                 </a:ext>
                 <a:ext uri="{C183D7F6-B498-43B3-948B-1728B52AA6E4}">
-                  <adec:decorative xmlns="" xmlns:adec="http://schemas.microsoft.com/office/drawing/2017/decorative" val="1"/>
+                  <adec:decorative xmlns:adec="http://schemas.microsoft.com/office/drawing/2017/decorative" xmlns="" val="1"/>
                 </a:ext>
               </a:extLst>
             </p:cNvPr>
@@ -47248,7 +47481,7 @@
                   <a16:creationId xmlns:a16="http://schemas.microsoft.com/office/drawing/2014/main" id="{19F63095-BD54-33B2-6873-1DC4DF820D90}"/>
                 </a:ext>
                 <a:ext uri="{C183D7F6-B498-43B3-948B-1728B52AA6E4}">
-                  <adec:decorative xmlns="" xmlns:adec="http://schemas.microsoft.com/office/drawing/2017/decorative" val="1"/>
+                  <adec:decorative xmlns:adec="http://schemas.microsoft.com/office/drawing/2017/decorative" xmlns="" val="1"/>
                 </a:ext>
               </a:extLst>
             </p:cNvPr>
@@ -47389,7 +47622,7 @@
                 <a16:creationId xmlns:a16="http://schemas.microsoft.com/office/drawing/2014/main" id="{6753252F-4873-4F63-801D-CC719279A7D5}"/>
               </a:ext>
               <a:ext uri="{C183D7F6-B498-43B3-948B-1728B52AA6E4}">
-                <adec:decorative xmlns="" xmlns:adec="http://schemas.microsoft.com/office/drawing/2017/decorative" val="1"/>
+                <adec:decorative xmlns:adec="http://schemas.microsoft.com/office/drawing/2017/decorative" xmlns="" val="1"/>
               </a:ext>
             </a:extLst>
           </p:cNvPr>
@@ -47452,7 +47685,7 @@
                 <a16:creationId xmlns:a16="http://schemas.microsoft.com/office/drawing/2014/main" id="{047C8CCB-F95D-4249-92DD-651249D3535A}"/>
               </a:ext>
               <a:ext uri="{C183D7F6-B498-43B3-948B-1728B52AA6E4}">
-                <adec:decorative xmlns="" xmlns:adec="http://schemas.microsoft.com/office/drawing/2017/decorative" val="1"/>
+                <adec:decorative xmlns:adec="http://schemas.microsoft.com/office/drawing/2017/decorative" xmlns="" val="1"/>
               </a:ext>
             </a:extLst>
           </p:cNvPr>
@@ -47693,7 +47926,7 @@
                 <a16:creationId xmlns:a16="http://schemas.microsoft.com/office/drawing/2014/main" id="{6753252F-4873-4F63-801D-CC719279A7D5}"/>
               </a:ext>
               <a:ext uri="{C183D7F6-B498-43B3-948B-1728B52AA6E4}">
-                <adec:decorative xmlns="" xmlns:adec="http://schemas.microsoft.com/office/drawing/2017/decorative" val="1"/>
+                <adec:decorative xmlns:adec="http://schemas.microsoft.com/office/drawing/2017/decorative" xmlns="" val="1"/>
               </a:ext>
             </a:extLst>
           </p:cNvPr>
@@ -47756,7 +47989,7 @@
                 <a16:creationId xmlns:a16="http://schemas.microsoft.com/office/drawing/2014/main" id="{047C8CCB-F95D-4249-92DD-651249D3535A}"/>
               </a:ext>
               <a:ext uri="{C183D7F6-B498-43B3-948B-1728B52AA6E4}">
-                <adec:decorative xmlns="" xmlns:adec="http://schemas.microsoft.com/office/drawing/2017/decorative" val="1"/>
+                <adec:decorative xmlns:adec="http://schemas.microsoft.com/office/drawing/2017/decorative" xmlns="" val="1"/>
               </a:ext>
             </a:extLst>
           </p:cNvPr>
@@ -47996,7 +48229,7 @@
                 <a16:creationId xmlns:a16="http://schemas.microsoft.com/office/drawing/2014/main" id="{45D37F4E-DDB4-456B-97E0-9937730A039F}"/>
               </a:ext>
               <a:ext uri="{C183D7F6-B498-43B3-948B-1728B52AA6E4}">
-                <adec:decorative xmlns="" xmlns:adec="http://schemas.microsoft.com/office/drawing/2017/decorative" val="1"/>
+                <adec:decorative xmlns:adec="http://schemas.microsoft.com/office/drawing/2017/decorative" xmlns="" val="1"/>
               </a:ext>
             </a:extLst>
           </p:cNvPr>
@@ -48091,7 +48324,7 @@
                 <a16:creationId xmlns:a16="http://schemas.microsoft.com/office/drawing/2014/main" id="{B2DD41CD-8F47-4F56-AD12-4E2FF7696987}"/>
               </a:ext>
               <a:ext uri="{C183D7F6-B498-43B3-948B-1728B52AA6E4}">
-                <adec:decorative xmlns="" xmlns:adec="http://schemas.microsoft.com/office/drawing/2017/decorative" val="1"/>
+                <adec:decorative xmlns:adec="http://schemas.microsoft.com/office/drawing/2017/decorative" xmlns="" val="1"/>
               </a:ext>
             </a:extLst>
           </p:cNvPr>
@@ -48708,7 +48941,7 @@
             <a:round/>
             <a:extLst>
               <a:ext uri="{C807C97D-BFC1-408E-A445-0C87EB9F89A2}">
-                <ask:lineSketchStyleProps xmlns="" xmlns:ask="http://schemas.microsoft.com/office/drawing/2018/sketchyshapes" sd="2727557108">
+                <ask:lineSketchStyleProps xmlns:ask="http://schemas.microsoft.com/office/drawing/2018/sketchyshapes" xmlns="" sd="2727557108">
                   <a:prstGeom prst="rect">
                     <a:avLst/>
                   </a:prstGeom>
@@ -48758,14 +48991,14 @@
           <p:nvPr>
             <p:extLst>
               <p:ext uri="{D42A27DB-BD31-4B8C-83A1-F6EECF244321}">
-                <p14:modId xmlns:p14="http://schemas.microsoft.com/office/powerpoint/2010/main" val="2073225377"/>
+                <p14:modId xmlns:p14="http://schemas.microsoft.com/office/powerpoint/2010/main" val="3107630199"/>
               </p:ext>
             </p:extLst>
           </p:nvPr>
         </p:nvGraphicFramePr>
         <p:xfrm>
-          <a:off x="1087120" y="1911493"/>
-          <a:ext cx="10149840" cy="4391771"/>
+          <a:off x="267254" y="1446414"/>
+          <a:ext cx="11654443" cy="5328458"/>
         </p:xfrm>
         <a:graphic>
           <a:graphicData uri="http://schemas.openxmlformats.org/drawingml/2006/diagram">
@@ -48811,7 +49044,7 @@
                 <a16:creationId xmlns:a16="http://schemas.microsoft.com/office/drawing/2014/main" id="{E02F3C71-C981-4614-98EA-D6C494F8091E}"/>
               </a:ext>
               <a:ext uri="{C183D7F6-B498-43B3-948B-1728B52AA6E4}">
-                <adec:decorative xmlns="" xmlns:adec="http://schemas.microsoft.com/office/drawing/2017/decorative" val="1"/>
+                <adec:decorative xmlns:adec="http://schemas.microsoft.com/office/drawing/2017/decorative" xmlns="" val="1"/>
               </a:ext>
             </a:extLst>
           </p:cNvPr>
@@ -49444,7 +49677,7 @@
                 <a16:creationId xmlns:a16="http://schemas.microsoft.com/office/drawing/2014/main" id="{B51F6560-D61C-400F-B71A-3FDEBF451B22}"/>
               </a:ext>
               <a:ext uri="{C183D7F6-B498-43B3-948B-1728B52AA6E4}">
-                <adec:decorative xmlns="" xmlns:adec="http://schemas.microsoft.com/office/drawing/2017/decorative" val="1"/>
+                <adec:decorative xmlns:adec="http://schemas.microsoft.com/office/drawing/2017/decorative" xmlns="" val="1"/>
               </a:ext>
             </a:extLst>
           </p:cNvPr>
@@ -49520,7 +49753,7 @@
                 <a16:creationId xmlns:a16="http://schemas.microsoft.com/office/drawing/2014/main" id="{F938B951-7EFC-40A2-B198-E73D39DFB3FC}"/>
               </a:ext>
               <a:ext uri="{C183D7F6-B498-43B3-948B-1728B52AA6E4}">
-                <adec:decorative xmlns="" xmlns:adec="http://schemas.microsoft.com/office/drawing/2017/decorative" val="1"/>
+                <adec:decorative xmlns:adec="http://schemas.microsoft.com/office/drawing/2017/decorative" xmlns="" val="1"/>
               </a:ext>
             </a:extLst>
           </p:cNvPr>
@@ -49551,7 +49784,7 @@
                   <a16:creationId xmlns:a16="http://schemas.microsoft.com/office/drawing/2014/main" id="{92E4506E-6A0E-49A0-BC31-8CADBFF3ECCF}"/>
                 </a:ext>
                 <a:ext uri="{C183D7F6-B498-43B3-948B-1728B52AA6E4}">
-                  <adec:decorative xmlns="" xmlns:adec="http://schemas.microsoft.com/office/drawing/2017/decorative" val="1"/>
+                  <adec:decorative xmlns:adec="http://schemas.microsoft.com/office/drawing/2017/decorative" xmlns="" val="1"/>
                 </a:ext>
               </a:extLst>
             </p:cNvPr>
@@ -49614,7 +49847,7 @@
                   <a16:creationId xmlns:a16="http://schemas.microsoft.com/office/drawing/2014/main" id="{EEED4D51-65BF-4AEE-B596-7CB61A70B966}"/>
                 </a:ext>
                 <a:ext uri="{C183D7F6-B498-43B3-948B-1728B52AA6E4}">
-                  <adec:decorative xmlns="" xmlns:adec="http://schemas.microsoft.com/office/drawing/2017/decorative" val="1"/>
+                  <adec:decorative xmlns:adec="http://schemas.microsoft.com/office/drawing/2017/decorative" xmlns="" val="1"/>
                 </a:ext>
               </a:extLst>
             </p:cNvPr>
@@ -50047,7 +50280,7 @@
                 <a16:creationId xmlns:a16="http://schemas.microsoft.com/office/drawing/2014/main" id="{AFA67CD3-AB4E-4A7A-BEB8-53C445D8C44E}"/>
               </a:ext>
               <a:ext uri="{C183D7F6-B498-43B3-948B-1728B52AA6E4}">
-                <adec:decorative xmlns="" xmlns:adec="http://schemas.microsoft.com/office/drawing/2017/decorative" val="1"/>
+                <adec:decorative xmlns:adec="http://schemas.microsoft.com/office/drawing/2017/decorative" xmlns="" val="1"/>
               </a:ext>
             </a:extLst>
           </p:cNvPr>
@@ -50133,7 +50366,7 @@
                 <a16:creationId xmlns:a16="http://schemas.microsoft.com/office/drawing/2014/main" id="{07CF545F-9C2E-4446-97CD-AD92990C2B68}"/>
               </a:ext>
               <a:ext uri="{C183D7F6-B498-43B3-948B-1728B52AA6E4}">
-                <adec:decorative xmlns="" xmlns:adec="http://schemas.microsoft.com/office/drawing/2017/decorative" val="1"/>
+                <adec:decorative xmlns:adec="http://schemas.microsoft.com/office/drawing/2017/decorative" xmlns="" val="1"/>
               </a:ext>
             </a:extLst>
           </p:cNvPr>
@@ -50227,7 +50460,7 @@
                 <a16:creationId xmlns:a16="http://schemas.microsoft.com/office/drawing/2014/main" id="{339C8D78-A644-462F-B674-F440635E5353}"/>
               </a:ext>
               <a:ext uri="{C183D7F6-B498-43B3-948B-1728B52AA6E4}">
-                <adec:decorative xmlns="" xmlns:adec="http://schemas.microsoft.com/office/drawing/2017/decorative" val="1"/>
+                <adec:decorative xmlns:adec="http://schemas.microsoft.com/office/drawing/2017/decorative" xmlns="" val="1"/>
               </a:ext>
             </a:extLst>
           </p:cNvPr>

--- a/PROGRAMACION/FOL/TEMA 3 FOL 2023 2024.pptx
+++ b/PROGRAMACION/FOL/TEMA 3 FOL 2023 2024.pptx
@@ -8376,25 +8376,16 @@
           <a:pPr algn="just"/>
           <a:r>
             <a:rPr lang="es-ES" dirty="0"/>
-            <a:t>Fuerza </a:t>
+            <a:t>Fuerza mayor: </a:t>
           </a:r>
           <a:r>
-            <a:rPr lang="es-ES" dirty="0" smtClean="0"/>
-            <a:t>mayor: </a:t>
-          </a:r>
-          <a:r>
-            <a:rPr lang="es-ES" dirty="0" smtClean="0">
+            <a:rPr lang="es-ES" dirty="0">
               <a:solidFill>
                 <a:schemeClr val="accent2"/>
               </a:solidFill>
             </a:rPr>
             <a:t>Por imprevistos, es obligatorio.</a:t>
           </a:r>
-          <a:endParaRPr lang="es-ES" dirty="0">
-            <a:solidFill>
-              <a:schemeClr val="accent2"/>
-            </a:solidFill>
-          </a:endParaRPr>
         </a:p>
       </dgm:t>
     </dgm:pt>
@@ -8431,13 +8422,6 @@
         </dgm:presLayoutVars>
       </dgm:prSet>
       <dgm:spPr/>
-      <dgm:t>
-        <a:bodyPr/>
-        <a:lstStyle/>
-        <a:p>
-          <a:endParaRPr lang="es-ES"/>
-        </a:p>
-      </dgm:t>
     </dgm:pt>
     <dgm:pt modelId="{C8F1A128-50A9-4697-987B-42FF40038E43}" type="pres">
       <dgm:prSet presAssocID="{379225BD-B746-441F-A7BA-7CB7D3E0FC76}" presName="root1" presStyleCnt="0"/>
@@ -8450,13 +8434,6 @@
         </dgm:presLayoutVars>
       </dgm:prSet>
       <dgm:spPr/>
-      <dgm:t>
-        <a:bodyPr/>
-        <a:lstStyle/>
-        <a:p>
-          <a:endParaRPr lang="es-ES"/>
-        </a:p>
-      </dgm:t>
     </dgm:pt>
     <dgm:pt modelId="{E05EBA19-3877-4413-A948-240CDFDF011B}" type="pres">
       <dgm:prSet presAssocID="{379225BD-B746-441F-A7BA-7CB7D3E0FC76}" presName="level2hierChild" presStyleCnt="0"/>
@@ -8465,24 +8442,10 @@
     <dgm:pt modelId="{287AF18F-82E1-4CDE-B410-E3C9F86870B6}" type="pres">
       <dgm:prSet presAssocID="{83CC31CC-5738-41B1-8B67-B17B8D78E4AA}" presName="conn2-1" presStyleLbl="parChTrans1D2" presStyleIdx="0" presStyleCnt="2"/>
       <dgm:spPr/>
-      <dgm:t>
-        <a:bodyPr/>
-        <a:lstStyle/>
-        <a:p>
-          <a:endParaRPr lang="es-ES"/>
-        </a:p>
-      </dgm:t>
     </dgm:pt>
     <dgm:pt modelId="{7C5C1EE5-3DCB-48F9-BD96-DBA07A7B1B3A}" type="pres">
       <dgm:prSet presAssocID="{83CC31CC-5738-41B1-8B67-B17B8D78E4AA}" presName="connTx" presStyleLbl="parChTrans1D2" presStyleIdx="0" presStyleCnt="2"/>
       <dgm:spPr/>
-      <dgm:t>
-        <a:bodyPr/>
-        <a:lstStyle/>
-        <a:p>
-          <a:endParaRPr lang="es-ES"/>
-        </a:p>
-      </dgm:t>
     </dgm:pt>
     <dgm:pt modelId="{4583CD9C-7F20-45E6-8A75-B743E1CC564A}" type="pres">
       <dgm:prSet presAssocID="{710D22FA-9AC2-4326-8849-00B859FE1AEF}" presName="root2" presStyleCnt="0"/>
@@ -8495,13 +8458,6 @@
         </dgm:presLayoutVars>
       </dgm:prSet>
       <dgm:spPr/>
-      <dgm:t>
-        <a:bodyPr/>
-        <a:lstStyle/>
-        <a:p>
-          <a:endParaRPr lang="es-ES"/>
-        </a:p>
-      </dgm:t>
     </dgm:pt>
     <dgm:pt modelId="{9C2D28CB-8C8B-4C1A-BD92-EA60946CB830}" type="pres">
       <dgm:prSet presAssocID="{710D22FA-9AC2-4326-8849-00B859FE1AEF}" presName="level3hierChild" presStyleCnt="0"/>
@@ -8510,24 +8466,10 @@
     <dgm:pt modelId="{3BA4335A-F345-481F-B872-666DB0EC3144}" type="pres">
       <dgm:prSet presAssocID="{F8B0A218-4DAD-42B3-9CB5-ABA0E6112B37}" presName="conn2-1" presStyleLbl="parChTrans1D2" presStyleIdx="1" presStyleCnt="2"/>
       <dgm:spPr/>
-      <dgm:t>
-        <a:bodyPr/>
-        <a:lstStyle/>
-        <a:p>
-          <a:endParaRPr lang="es-ES"/>
-        </a:p>
-      </dgm:t>
     </dgm:pt>
     <dgm:pt modelId="{7759DF3D-3EE5-42B3-871D-7F19F9524EC4}" type="pres">
       <dgm:prSet presAssocID="{F8B0A218-4DAD-42B3-9CB5-ABA0E6112B37}" presName="connTx" presStyleLbl="parChTrans1D2" presStyleIdx="1" presStyleCnt="2"/>
       <dgm:spPr/>
-      <dgm:t>
-        <a:bodyPr/>
-        <a:lstStyle/>
-        <a:p>
-          <a:endParaRPr lang="es-ES"/>
-        </a:p>
-      </dgm:t>
     </dgm:pt>
     <dgm:pt modelId="{97D70054-6A81-4F11-AF9B-97EE61644013}" type="pres">
       <dgm:prSet presAssocID="{C6265BEB-8387-41BD-A7FA-FE2528D9E21B}" presName="root2" presStyleCnt="0"/>
@@ -8540,13 +8482,6 @@
         </dgm:presLayoutVars>
       </dgm:prSet>
       <dgm:spPr/>
-      <dgm:t>
-        <a:bodyPr/>
-        <a:lstStyle/>
-        <a:p>
-          <a:endParaRPr lang="es-ES"/>
-        </a:p>
-      </dgm:t>
     </dgm:pt>
     <dgm:pt modelId="{06ACE5B9-B726-41D4-83AD-CF8422D39A92}" type="pres">
       <dgm:prSet presAssocID="{C6265BEB-8387-41BD-A7FA-FE2528D9E21B}" presName="level3hierChild" presStyleCnt="0"/>
@@ -8555,24 +8490,10 @@
     <dgm:pt modelId="{A38CC8A2-9BA9-41A0-833C-B48DE32336FC}" type="pres">
       <dgm:prSet presAssocID="{66572481-B390-47D1-B3E7-62DE43850960}" presName="conn2-1" presStyleLbl="parChTrans1D3" presStyleIdx="0" presStyleCnt="2"/>
       <dgm:spPr/>
-      <dgm:t>
-        <a:bodyPr/>
-        <a:lstStyle/>
-        <a:p>
-          <a:endParaRPr lang="es-ES"/>
-        </a:p>
-      </dgm:t>
     </dgm:pt>
     <dgm:pt modelId="{D298DB72-836E-45B7-A882-31C069A6076A}" type="pres">
       <dgm:prSet presAssocID="{66572481-B390-47D1-B3E7-62DE43850960}" presName="connTx" presStyleLbl="parChTrans1D3" presStyleIdx="0" presStyleCnt="2"/>
       <dgm:spPr/>
-      <dgm:t>
-        <a:bodyPr/>
-        <a:lstStyle/>
-        <a:p>
-          <a:endParaRPr lang="es-ES"/>
-        </a:p>
-      </dgm:t>
     </dgm:pt>
     <dgm:pt modelId="{733A8C16-99A1-4B8F-89D0-AB3585D11FAD}" type="pres">
       <dgm:prSet presAssocID="{8B5D50C4-AC0B-4E8E-B0D6-DDA03D94DE69}" presName="root2" presStyleCnt="0"/>
@@ -8585,13 +8506,6 @@
         </dgm:presLayoutVars>
       </dgm:prSet>
       <dgm:spPr/>
-      <dgm:t>
-        <a:bodyPr/>
-        <a:lstStyle/>
-        <a:p>
-          <a:endParaRPr lang="es-ES"/>
-        </a:p>
-      </dgm:t>
     </dgm:pt>
     <dgm:pt modelId="{58F98885-B3B4-4834-9100-171A14F884D0}" type="pres">
       <dgm:prSet presAssocID="{8B5D50C4-AC0B-4E8E-B0D6-DDA03D94DE69}" presName="level3hierChild" presStyleCnt="0"/>
@@ -8600,24 +8514,10 @@
     <dgm:pt modelId="{AF9ECEFC-4EEB-4441-8989-C7831708BED1}" type="pres">
       <dgm:prSet presAssocID="{456608F2-7FA4-4499-87A3-C034D12FF46C}" presName="conn2-1" presStyleLbl="parChTrans1D3" presStyleIdx="1" presStyleCnt="2"/>
       <dgm:spPr/>
-      <dgm:t>
-        <a:bodyPr/>
-        <a:lstStyle/>
-        <a:p>
-          <a:endParaRPr lang="es-ES"/>
-        </a:p>
-      </dgm:t>
     </dgm:pt>
     <dgm:pt modelId="{1BC4CB69-B939-4566-A200-DE225C6E3CF7}" type="pres">
       <dgm:prSet presAssocID="{456608F2-7FA4-4499-87A3-C034D12FF46C}" presName="connTx" presStyleLbl="parChTrans1D3" presStyleIdx="1" presStyleCnt="2"/>
       <dgm:spPr/>
-      <dgm:t>
-        <a:bodyPr/>
-        <a:lstStyle/>
-        <a:p>
-          <a:endParaRPr lang="es-ES"/>
-        </a:p>
-      </dgm:t>
     </dgm:pt>
     <dgm:pt modelId="{361F55F0-D5C1-478F-8C36-037C4B4459E7}" type="pres">
       <dgm:prSet presAssocID="{0CCA112E-1F24-41CA-9BAA-B50D5499DA1C}" presName="root2" presStyleCnt="0"/>
@@ -8630,13 +8530,6 @@
         </dgm:presLayoutVars>
       </dgm:prSet>
       <dgm:spPr/>
-      <dgm:t>
-        <a:bodyPr/>
-        <a:lstStyle/>
-        <a:p>
-          <a:endParaRPr lang="es-ES"/>
-        </a:p>
-      </dgm:t>
     </dgm:pt>
     <dgm:pt modelId="{D1C7FF62-584C-4516-A185-74E4F7DA9D2F}" type="pres">
       <dgm:prSet presAssocID="{0CCA112E-1F24-41CA-9BAA-B50D5499DA1C}" presName="level3hierChild" presStyleCnt="0"/>
@@ -8644,25 +8537,25 @@
     </dgm:pt>
   </dgm:ptLst>
   <dgm:cxnLst>
-    <dgm:cxn modelId="{9F536405-8DA6-489F-863C-1BCAD25D386B}" type="presOf" srcId="{B0D111A3-F9CE-4A80-910B-D69C6B86F1E7}" destId="{C3C5A8E9-1A54-41D3-AC6A-99240B0E1678}" srcOrd="0" destOrd="0" presId="urn:microsoft.com/office/officeart/2008/layout/HorizontalMultiLevelHierarchy"/>
-    <dgm:cxn modelId="{A0CD8AE0-19FD-45D7-A042-64FA32EC167D}" type="presOf" srcId="{456608F2-7FA4-4499-87A3-C034D12FF46C}" destId="{1BC4CB69-B939-4566-A200-DE225C6E3CF7}" srcOrd="1" destOrd="0" presId="urn:microsoft.com/office/officeart/2008/layout/HorizontalMultiLevelHierarchy"/>
-    <dgm:cxn modelId="{1F2264C5-918D-476E-9411-3F97632C22B9}" type="presOf" srcId="{66572481-B390-47D1-B3E7-62DE43850960}" destId="{D298DB72-836E-45B7-A882-31C069A6076A}" srcOrd="1" destOrd="0" presId="urn:microsoft.com/office/officeart/2008/layout/HorizontalMultiLevelHierarchy"/>
-    <dgm:cxn modelId="{565CB67E-D491-494F-925D-B904B8FC6855}" srcId="{C6265BEB-8387-41BD-A7FA-FE2528D9E21B}" destId="{0CCA112E-1F24-41CA-9BAA-B50D5499DA1C}" srcOrd="1" destOrd="0" parTransId="{456608F2-7FA4-4499-87A3-C034D12FF46C}" sibTransId="{3D7786DB-7D68-4E13-9269-D78123C4E303}"/>
-    <dgm:cxn modelId="{71BBF643-F557-483D-A851-B168A1A70970}" srcId="{379225BD-B746-441F-A7BA-7CB7D3E0FC76}" destId="{C6265BEB-8387-41BD-A7FA-FE2528D9E21B}" srcOrd="1" destOrd="0" parTransId="{F8B0A218-4DAD-42B3-9CB5-ABA0E6112B37}" sibTransId="{C380FE06-303C-45B3-A80F-DF96FB3D10A7}"/>
-    <dgm:cxn modelId="{AA994D9B-5F2D-4002-B482-70B62F3CC36F}" type="presOf" srcId="{8B5D50C4-AC0B-4E8E-B0D6-DDA03D94DE69}" destId="{1D22AF16-E5E0-4F49-969E-B08A88BACB06}" srcOrd="0" destOrd="0" presId="urn:microsoft.com/office/officeart/2008/layout/HorizontalMultiLevelHierarchy"/>
-    <dgm:cxn modelId="{1F9C0F9A-35D2-4243-94E1-C20048C5422E}" type="presOf" srcId="{456608F2-7FA4-4499-87A3-C034D12FF46C}" destId="{AF9ECEFC-4EEB-4441-8989-C7831708BED1}" srcOrd="0" destOrd="0" presId="urn:microsoft.com/office/officeart/2008/layout/HorizontalMultiLevelHierarchy"/>
-    <dgm:cxn modelId="{FF92EE6F-C587-4B10-A858-641331F2FDF0}" type="presOf" srcId="{F8B0A218-4DAD-42B3-9CB5-ABA0E6112B37}" destId="{7759DF3D-3EE5-42B3-871D-7F19F9524EC4}" srcOrd="1" destOrd="0" presId="urn:microsoft.com/office/officeart/2008/layout/HorizontalMultiLevelHierarchy"/>
-    <dgm:cxn modelId="{FDF10BCD-02BA-4E26-94D1-39AE3D624AEB}" type="presOf" srcId="{F8B0A218-4DAD-42B3-9CB5-ABA0E6112B37}" destId="{3BA4335A-F345-481F-B872-666DB0EC3144}" srcOrd="0" destOrd="0" presId="urn:microsoft.com/office/officeart/2008/layout/HorizontalMultiLevelHierarchy"/>
-    <dgm:cxn modelId="{E5CFAF2E-27CC-4D49-AA73-EB2864906CCF}" type="presOf" srcId="{83CC31CC-5738-41B1-8B67-B17B8D78E4AA}" destId="{7C5C1EE5-3DCB-48F9-BD96-DBA07A7B1B3A}" srcOrd="1" destOrd="0" presId="urn:microsoft.com/office/officeart/2008/layout/HorizontalMultiLevelHierarchy"/>
-    <dgm:cxn modelId="{6EED220A-56C0-430A-8462-ACD61D4FF27A}" type="presOf" srcId="{710D22FA-9AC2-4326-8849-00B859FE1AEF}" destId="{95CA602C-EB56-48E0-B6FB-4899568FF9E3}" srcOrd="0" destOrd="0" presId="urn:microsoft.com/office/officeart/2008/layout/HorizontalMultiLevelHierarchy"/>
-    <dgm:cxn modelId="{7AB6503A-7397-4B85-BEF9-77B4C669CD79}" type="presOf" srcId="{66572481-B390-47D1-B3E7-62DE43850960}" destId="{A38CC8A2-9BA9-41A0-833C-B48DE32336FC}" srcOrd="0" destOrd="0" presId="urn:microsoft.com/office/officeart/2008/layout/HorizontalMultiLevelHierarchy"/>
-    <dgm:cxn modelId="{EB9B0DE9-D495-467F-B1DF-F24206B12F58}" type="presOf" srcId="{83CC31CC-5738-41B1-8B67-B17B8D78E4AA}" destId="{287AF18F-82E1-4CDE-B410-E3C9F86870B6}" srcOrd="0" destOrd="0" presId="urn:microsoft.com/office/officeart/2008/layout/HorizontalMultiLevelHierarchy"/>
-    <dgm:cxn modelId="{8CF93C67-C14B-47A1-8D03-EB8F3ACF07FD}" srcId="{B0D111A3-F9CE-4A80-910B-D69C6B86F1E7}" destId="{379225BD-B746-441F-A7BA-7CB7D3E0FC76}" srcOrd="0" destOrd="0" parTransId="{A8F8FD79-C2C5-4ADB-B203-ABB073ABFD91}" sibTransId="{F95B996A-0ED2-4372-B549-A0644734C0EE}"/>
-    <dgm:cxn modelId="{3B682DCB-E90A-41E6-9B63-6AF6EF8BDCD9}" srcId="{379225BD-B746-441F-A7BA-7CB7D3E0FC76}" destId="{710D22FA-9AC2-4326-8849-00B859FE1AEF}" srcOrd="0" destOrd="0" parTransId="{83CC31CC-5738-41B1-8B67-B17B8D78E4AA}" sibTransId="{AECD9E8A-0BE9-46A3-B6EF-487654EDD050}"/>
     <dgm:cxn modelId="{59CA7B02-08C2-47BC-AEC2-3FC6868EBCA9}" type="presOf" srcId="{379225BD-B746-441F-A7BA-7CB7D3E0FC76}" destId="{5B924885-D341-47F3-8513-227B5EE61DD3}" srcOrd="0" destOrd="0" presId="urn:microsoft.com/office/officeart/2008/layout/HorizontalMultiLevelHierarchy"/>
     <dgm:cxn modelId="{48CFF802-3C65-4659-BFCD-A74ABBA98558}" srcId="{C6265BEB-8387-41BD-A7FA-FE2528D9E21B}" destId="{8B5D50C4-AC0B-4E8E-B0D6-DDA03D94DE69}" srcOrd="0" destOrd="0" parTransId="{66572481-B390-47D1-B3E7-62DE43850960}" sibTransId="{67D50D05-6CAE-433C-81EC-C8D9D84D5DEE}"/>
+    <dgm:cxn modelId="{9F536405-8DA6-489F-863C-1BCAD25D386B}" type="presOf" srcId="{B0D111A3-F9CE-4A80-910B-D69C6B86F1E7}" destId="{C3C5A8E9-1A54-41D3-AC6A-99240B0E1678}" srcOrd="0" destOrd="0" presId="urn:microsoft.com/office/officeart/2008/layout/HorizontalMultiLevelHierarchy"/>
+    <dgm:cxn modelId="{6EED220A-56C0-430A-8462-ACD61D4FF27A}" type="presOf" srcId="{710D22FA-9AC2-4326-8849-00B859FE1AEF}" destId="{95CA602C-EB56-48E0-B6FB-4899568FF9E3}" srcOrd="0" destOrd="0" presId="urn:microsoft.com/office/officeart/2008/layout/HorizontalMultiLevelHierarchy"/>
+    <dgm:cxn modelId="{E5CFAF2E-27CC-4D49-AA73-EB2864906CCF}" type="presOf" srcId="{83CC31CC-5738-41B1-8B67-B17B8D78E4AA}" destId="{7C5C1EE5-3DCB-48F9-BD96-DBA07A7B1B3A}" srcOrd="1" destOrd="0" presId="urn:microsoft.com/office/officeart/2008/layout/HorizontalMultiLevelHierarchy"/>
+    <dgm:cxn modelId="{7AB6503A-7397-4B85-BEF9-77B4C669CD79}" type="presOf" srcId="{66572481-B390-47D1-B3E7-62DE43850960}" destId="{A38CC8A2-9BA9-41A0-833C-B48DE32336FC}" srcOrd="0" destOrd="0" presId="urn:microsoft.com/office/officeart/2008/layout/HorizontalMultiLevelHierarchy"/>
+    <dgm:cxn modelId="{71BBF643-F557-483D-A851-B168A1A70970}" srcId="{379225BD-B746-441F-A7BA-7CB7D3E0FC76}" destId="{C6265BEB-8387-41BD-A7FA-FE2528D9E21B}" srcOrd="1" destOrd="0" parTransId="{F8B0A218-4DAD-42B3-9CB5-ABA0E6112B37}" sibTransId="{C380FE06-303C-45B3-A80F-DF96FB3D10A7}"/>
+    <dgm:cxn modelId="{8CF93C67-C14B-47A1-8D03-EB8F3ACF07FD}" srcId="{B0D111A3-F9CE-4A80-910B-D69C6B86F1E7}" destId="{379225BD-B746-441F-A7BA-7CB7D3E0FC76}" srcOrd="0" destOrd="0" parTransId="{A8F8FD79-C2C5-4ADB-B203-ABB073ABFD91}" sibTransId="{F95B996A-0ED2-4372-B549-A0644734C0EE}"/>
+    <dgm:cxn modelId="{FF92EE6F-C587-4B10-A858-641331F2FDF0}" type="presOf" srcId="{F8B0A218-4DAD-42B3-9CB5-ABA0E6112B37}" destId="{7759DF3D-3EE5-42B3-871D-7F19F9524EC4}" srcOrd="1" destOrd="0" presId="urn:microsoft.com/office/officeart/2008/layout/HorizontalMultiLevelHierarchy"/>
+    <dgm:cxn modelId="{9A66BF54-2110-4695-BF12-C4868775C369}" type="presOf" srcId="{C6265BEB-8387-41BD-A7FA-FE2528D9E21B}" destId="{90140D1D-FE6D-400C-A7C0-F7A7F10E0431}" srcOrd="0" destOrd="0" presId="urn:microsoft.com/office/officeart/2008/layout/HorizontalMultiLevelHierarchy"/>
+    <dgm:cxn modelId="{565CB67E-D491-494F-925D-B904B8FC6855}" srcId="{C6265BEB-8387-41BD-A7FA-FE2528D9E21B}" destId="{0CCA112E-1F24-41CA-9BAA-B50D5499DA1C}" srcOrd="1" destOrd="0" parTransId="{456608F2-7FA4-4499-87A3-C034D12FF46C}" sibTransId="{3D7786DB-7D68-4E13-9269-D78123C4E303}"/>
+    <dgm:cxn modelId="{1F9C0F9A-35D2-4243-94E1-C20048C5422E}" type="presOf" srcId="{456608F2-7FA4-4499-87A3-C034D12FF46C}" destId="{AF9ECEFC-4EEB-4441-8989-C7831708BED1}" srcOrd="0" destOrd="0" presId="urn:microsoft.com/office/officeart/2008/layout/HorizontalMultiLevelHierarchy"/>
+    <dgm:cxn modelId="{AA994D9B-5F2D-4002-B482-70B62F3CC36F}" type="presOf" srcId="{8B5D50C4-AC0B-4E8E-B0D6-DDA03D94DE69}" destId="{1D22AF16-E5E0-4F49-969E-B08A88BACB06}" srcOrd="0" destOrd="0" presId="urn:microsoft.com/office/officeart/2008/layout/HorizontalMultiLevelHierarchy"/>
+    <dgm:cxn modelId="{1F2264C5-918D-476E-9411-3F97632C22B9}" type="presOf" srcId="{66572481-B390-47D1-B3E7-62DE43850960}" destId="{D298DB72-836E-45B7-A882-31C069A6076A}" srcOrd="1" destOrd="0" presId="urn:microsoft.com/office/officeart/2008/layout/HorizontalMultiLevelHierarchy"/>
+    <dgm:cxn modelId="{3B682DCB-E90A-41E6-9B63-6AF6EF8BDCD9}" srcId="{379225BD-B746-441F-A7BA-7CB7D3E0FC76}" destId="{710D22FA-9AC2-4326-8849-00B859FE1AEF}" srcOrd="0" destOrd="0" parTransId="{83CC31CC-5738-41B1-8B67-B17B8D78E4AA}" sibTransId="{AECD9E8A-0BE9-46A3-B6EF-487654EDD050}"/>
+    <dgm:cxn modelId="{FDF10BCD-02BA-4E26-94D1-39AE3D624AEB}" type="presOf" srcId="{F8B0A218-4DAD-42B3-9CB5-ABA0E6112B37}" destId="{3BA4335A-F345-481F-B872-666DB0EC3144}" srcOrd="0" destOrd="0" presId="urn:microsoft.com/office/officeart/2008/layout/HorizontalMultiLevelHierarchy"/>
+    <dgm:cxn modelId="{A0CD8AE0-19FD-45D7-A042-64FA32EC167D}" type="presOf" srcId="{456608F2-7FA4-4499-87A3-C034D12FF46C}" destId="{1BC4CB69-B939-4566-A200-DE225C6E3CF7}" srcOrd="1" destOrd="0" presId="urn:microsoft.com/office/officeart/2008/layout/HorizontalMultiLevelHierarchy"/>
+    <dgm:cxn modelId="{EB9B0DE9-D495-467F-B1DF-F24206B12F58}" type="presOf" srcId="{83CC31CC-5738-41B1-8B67-B17B8D78E4AA}" destId="{287AF18F-82E1-4CDE-B410-E3C9F86870B6}" srcOrd="0" destOrd="0" presId="urn:microsoft.com/office/officeart/2008/layout/HorizontalMultiLevelHierarchy"/>
     <dgm:cxn modelId="{781B04EC-60F2-4CE3-8B50-9CA300DC07A8}" type="presOf" srcId="{0CCA112E-1F24-41CA-9BAA-B50D5499DA1C}" destId="{FB17F173-63DE-499F-B9AC-C3C26FE80979}" srcOrd="0" destOrd="0" presId="urn:microsoft.com/office/officeart/2008/layout/HorizontalMultiLevelHierarchy"/>
-    <dgm:cxn modelId="{9A66BF54-2110-4695-BF12-C4868775C369}" type="presOf" srcId="{C6265BEB-8387-41BD-A7FA-FE2528D9E21B}" destId="{90140D1D-FE6D-400C-A7C0-F7A7F10E0431}" srcOrd="0" destOrd="0" presId="urn:microsoft.com/office/officeart/2008/layout/HorizontalMultiLevelHierarchy"/>
     <dgm:cxn modelId="{BF78377C-C6EE-4348-8ACE-5587597DF601}" type="presParOf" srcId="{C3C5A8E9-1A54-41D3-AC6A-99240B0E1678}" destId="{C8F1A128-50A9-4697-987B-42FF40038E43}" srcOrd="0" destOrd="0" presId="urn:microsoft.com/office/officeart/2008/layout/HorizontalMultiLevelHierarchy"/>
     <dgm:cxn modelId="{1E688461-E3A0-4956-BA69-AC41EA96D649}" type="presParOf" srcId="{C8F1A128-50A9-4697-987B-42FF40038E43}" destId="{5B924885-D341-47F3-8513-227B5EE61DD3}" srcOrd="0" destOrd="0" presId="urn:microsoft.com/office/officeart/2008/layout/HorizontalMultiLevelHierarchy"/>
     <dgm:cxn modelId="{02BD073E-1FE4-45D0-B1AA-DA11F0A7F233}" type="presParOf" srcId="{C8F1A128-50A9-4697-987B-42FF40038E43}" destId="{E05EBA19-3877-4413-A948-240CDFDF011B}" srcOrd="1" destOrd="0" presId="urn:microsoft.com/office/officeart/2008/layout/HorizontalMultiLevelHierarchy"/>
@@ -8736,7 +8629,7 @@
             <a:t>(20 </a:t>
           </a:r>
           <a:r>
-            <a:rPr lang="es-ES" dirty="0" smtClean="0">
+            <a:rPr lang="es-ES" dirty="0">
               <a:solidFill>
                 <a:schemeClr val="accent2"/>
               </a:solidFill>
@@ -8744,10 +8637,9 @@
             <a:t>días para recurrir</a:t>
           </a:r>
           <a:r>
-            <a:rPr lang="es-ES" dirty="0" smtClean="0"/>
+            <a:rPr lang="es-ES" dirty="0"/>
             <a:t>)</a:t>
           </a:r>
-          <a:endParaRPr lang="es-ES" dirty="0"/>
         </a:p>
       </dgm:t>
     </dgm:pt>
@@ -8788,7 +8680,7 @@
         <a:lstStyle/>
         <a:p>
           <a:r>
-            <a:rPr lang="es-ES" dirty="0" smtClean="0">
+            <a:rPr lang="es-ES" dirty="0">
               <a:solidFill>
                 <a:schemeClr val="accent2"/>
               </a:solidFill>
@@ -8796,35 +8688,25 @@
             <a:t>1er paso: </a:t>
           </a:r>
           <a:r>
-            <a:rPr lang="es-ES" dirty="0" smtClean="0"/>
+            <a:rPr lang="es-ES" dirty="0"/>
             <a:t>Conciliación</a:t>
           </a:r>
-          <a:endParaRPr lang="es-ES" dirty="0"/>
         </a:p>
         <a:p>
           <a:r>
             <a:rPr lang="es-ES" dirty="0"/>
-            <a:t>(celebrarse en 15 días</a:t>
-          </a:r>
-          <a:r>
-            <a:rPr lang="es-ES" dirty="0" smtClean="0"/>
-            <a:t>)</a:t>
+            <a:t>(celebrarse en 15 días)</a:t>
           </a:r>
         </a:p>
         <a:p>
           <a:r>
-            <a:rPr lang="es-ES" dirty="0" smtClean="0">
+            <a:rPr lang="es-ES" dirty="0">
               <a:solidFill>
                 <a:schemeClr val="accent2"/>
               </a:solidFill>
             </a:rPr>
             <a:t>No es trámite judicial</a:t>
           </a:r>
-          <a:endParaRPr lang="es-ES" dirty="0">
-            <a:solidFill>
-              <a:schemeClr val="accent2"/>
-            </a:solidFill>
-          </a:endParaRPr>
         </a:p>
       </dgm:t>
     </dgm:pt>
@@ -8865,11 +8747,11 @@
         <a:lstStyle/>
         <a:p>
           <a:r>
-            <a:rPr lang="es-ES" dirty="0" smtClean="0"/>
+            <a:rPr lang="es-ES" dirty="0"/>
             <a:t>Acuerdo</a:t>
           </a:r>
           <a:r>
-            <a:rPr lang="es-ES" dirty="0" smtClean="0">
+            <a:rPr lang="es-ES" dirty="0">
               <a:solidFill>
                 <a:schemeClr val="accent2"/>
               </a:solidFill>
@@ -8911,25 +8793,16 @@
         <a:p>
           <a:r>
             <a:rPr lang="es-ES" dirty="0"/>
-            <a:t>Sin </a:t>
+            <a:t>Sin acuerdo: </a:t>
           </a:r>
           <a:r>
-            <a:rPr lang="es-ES" dirty="0" smtClean="0"/>
-            <a:t>acuerdo: </a:t>
-          </a:r>
-          <a:r>
-            <a:rPr lang="es-ES" dirty="0" smtClean="0">
+            <a:rPr lang="es-ES" dirty="0">
               <a:solidFill>
                 <a:schemeClr val="accent2"/>
               </a:solidFill>
             </a:rPr>
             <a:t>entramos en magistratura de trabajo=vía judicial.</a:t>
           </a:r>
-          <a:endParaRPr lang="es-ES" dirty="0">
-            <a:solidFill>
-              <a:schemeClr val="accent2"/>
-            </a:solidFill>
-          </a:endParaRPr>
         </a:p>
       </dgm:t>
     </dgm:pt>
@@ -8971,25 +8844,16 @@
         <a:p>
           <a:r>
             <a:rPr lang="es-ES" dirty="0"/>
-            <a:t>Despido </a:t>
+            <a:t>Despido procedente: </a:t>
           </a:r>
           <a:r>
-            <a:rPr lang="es-ES" dirty="0" smtClean="0"/>
-            <a:t>procedente: </a:t>
-          </a:r>
-          <a:r>
-            <a:rPr lang="es-ES" dirty="0" smtClean="0">
+            <a:rPr lang="es-ES" dirty="0">
               <a:solidFill>
                 <a:schemeClr val="accent2"/>
               </a:solidFill>
             </a:rPr>
             <a:t>La empresa tenía razón (disciplinario u objetivo)</a:t>
           </a:r>
-          <a:endParaRPr lang="es-ES" dirty="0">
-            <a:solidFill>
-              <a:schemeClr val="accent2"/>
-            </a:solidFill>
-          </a:endParaRPr>
         </a:p>
       </dgm:t>
     </dgm:pt>
@@ -9030,22 +8894,17 @@
         <a:lstStyle/>
         <a:p>
           <a:r>
-            <a:rPr lang="es-ES" dirty="0" smtClean="0"/>
+            <a:rPr lang="es-ES" dirty="0"/>
             <a:t>Improcedente: </a:t>
           </a:r>
           <a:r>
-            <a:rPr lang="es-ES" dirty="0" smtClean="0">
+            <a:rPr lang="es-ES" dirty="0">
               <a:solidFill>
                 <a:schemeClr val="accent2"/>
               </a:solidFill>
             </a:rPr>
             <a:t>Se acepta la demanda del trabajador. La empresa en el plazo de 5 días tendrá que optar por una de estas 2 opciones: o readmitir al trabajador pagándole los salarios de tramitación (lo que debería haber cobrado mientras se haya alargado el proceso desde el despido) o indemnización de 33 días de salario por año trabajado y sin volver al puesto. Si es representante de los trabajadores, el trabajador es el que decide cual de las dos opciones realizar (seguir trabajando o cobrar).</a:t>
           </a:r>
-          <a:endParaRPr lang="es-ES" dirty="0">
-            <a:solidFill>
-              <a:schemeClr val="accent2"/>
-            </a:solidFill>
-          </a:endParaRPr>
         </a:p>
       </dgm:t>
     </dgm:pt>
@@ -9085,22 +8944,17 @@
         <a:lstStyle/>
         <a:p>
           <a:r>
-            <a:rPr lang="es-ES" dirty="0" smtClean="0"/>
+            <a:rPr lang="es-ES" dirty="0"/>
             <a:t>Nulo: </a:t>
           </a:r>
           <a:r>
-            <a:rPr lang="es-ES" dirty="0" smtClean="0">
+            <a:rPr lang="es-ES" dirty="0">
               <a:solidFill>
                 <a:schemeClr val="accent2"/>
               </a:solidFill>
             </a:rPr>
             <a:t>Si en el despido se han lesionado  los derechos fundamentales (por embarazada, por religión, por raza, sexo, intimidad), será nulo, por lo que el trabajador será readmitido. Cobrará los salarios de tramitación.</a:t>
           </a:r>
-          <a:endParaRPr lang="es-ES" dirty="0">
-            <a:solidFill>
-              <a:schemeClr val="accent2"/>
-            </a:solidFill>
-          </a:endParaRPr>
         </a:p>
       </dgm:t>
     </dgm:pt>
@@ -9138,13 +8992,6 @@
         </dgm:presLayoutVars>
       </dgm:prSet>
       <dgm:spPr/>
-      <dgm:t>
-        <a:bodyPr/>
-        <a:lstStyle/>
-        <a:p>
-          <a:endParaRPr lang="es-ES"/>
-        </a:p>
-      </dgm:t>
     </dgm:pt>
     <dgm:pt modelId="{03994188-F3CB-4AC6-9EB9-1D890A05BD43}" type="pres">
       <dgm:prSet presAssocID="{B0814801-8531-48F5-B9B0-6F22E5478BAA}" presName="hierRoot1" presStyleCnt="0">
@@ -9165,24 +9012,10 @@
         </dgm:presLayoutVars>
       </dgm:prSet>
       <dgm:spPr/>
-      <dgm:t>
-        <a:bodyPr/>
-        <a:lstStyle/>
-        <a:p>
-          <a:endParaRPr lang="es-ES"/>
-        </a:p>
-      </dgm:t>
     </dgm:pt>
     <dgm:pt modelId="{11E2E591-F5B9-42FC-9196-844B1D863E49}" type="pres">
       <dgm:prSet presAssocID="{B0814801-8531-48F5-B9B0-6F22E5478BAA}" presName="rootConnector1" presStyleLbl="node1" presStyleIdx="0" presStyleCnt="0"/>
       <dgm:spPr/>
-      <dgm:t>
-        <a:bodyPr/>
-        <a:lstStyle/>
-        <a:p>
-          <a:endParaRPr lang="es-ES"/>
-        </a:p>
-      </dgm:t>
     </dgm:pt>
     <dgm:pt modelId="{E4C01AA2-2E54-4051-888D-D19DB4F06EEC}" type="pres">
       <dgm:prSet presAssocID="{B0814801-8531-48F5-B9B0-6F22E5478BAA}" presName="hierChild2" presStyleCnt="0"/>
@@ -9191,13 +9024,6 @@
     <dgm:pt modelId="{3079B9ED-D70A-4253-9D9F-CACCF0E1B9D8}" type="pres">
       <dgm:prSet presAssocID="{CF736B8E-D81C-4FEA-A93F-629B4A433058}" presName="Name64" presStyleLbl="parChTrans1D2" presStyleIdx="0" presStyleCnt="1"/>
       <dgm:spPr/>
-      <dgm:t>
-        <a:bodyPr/>
-        <a:lstStyle/>
-        <a:p>
-          <a:endParaRPr lang="es-ES"/>
-        </a:p>
-      </dgm:t>
     </dgm:pt>
     <dgm:pt modelId="{A23C8593-FA90-4722-AC82-3DEEE5B8B56E}" type="pres">
       <dgm:prSet presAssocID="{53F47B54-BC30-4D0E-8165-62417C903CD2}" presName="hierRoot2" presStyleCnt="0">
@@ -9218,24 +9044,10 @@
         </dgm:presLayoutVars>
       </dgm:prSet>
       <dgm:spPr/>
-      <dgm:t>
-        <a:bodyPr/>
-        <a:lstStyle/>
-        <a:p>
-          <a:endParaRPr lang="es-ES"/>
-        </a:p>
-      </dgm:t>
     </dgm:pt>
     <dgm:pt modelId="{36A1C376-613C-49C8-A620-7AC4C2E1FFDF}" type="pres">
       <dgm:prSet presAssocID="{53F47B54-BC30-4D0E-8165-62417C903CD2}" presName="rootConnector" presStyleLbl="node2" presStyleIdx="0" presStyleCnt="1"/>
       <dgm:spPr/>
-      <dgm:t>
-        <a:bodyPr/>
-        <a:lstStyle/>
-        <a:p>
-          <a:endParaRPr lang="es-ES"/>
-        </a:p>
-      </dgm:t>
     </dgm:pt>
     <dgm:pt modelId="{A0F5A391-774B-44C6-9B58-793B692D188D}" type="pres">
       <dgm:prSet presAssocID="{53F47B54-BC30-4D0E-8165-62417C903CD2}" presName="hierChild4" presStyleCnt="0"/>
@@ -9244,13 +9056,6 @@
     <dgm:pt modelId="{45F739FD-1CBD-43F0-9774-6A48D1E12A73}" type="pres">
       <dgm:prSet presAssocID="{180CD30A-6C34-4199-B1C9-9315714AE793}" presName="Name64" presStyleLbl="parChTrans1D3" presStyleIdx="0" presStyleCnt="2"/>
       <dgm:spPr/>
-      <dgm:t>
-        <a:bodyPr/>
-        <a:lstStyle/>
-        <a:p>
-          <a:endParaRPr lang="es-ES"/>
-        </a:p>
-      </dgm:t>
     </dgm:pt>
     <dgm:pt modelId="{27CAA802-EEFC-40A3-BF9B-4CC4CDADB423}" type="pres">
       <dgm:prSet presAssocID="{CD7D9C37-3A1D-45A2-8420-8356A62CCBB5}" presName="hierRoot2" presStyleCnt="0">
@@ -9271,24 +9076,10 @@
         </dgm:presLayoutVars>
       </dgm:prSet>
       <dgm:spPr/>
-      <dgm:t>
-        <a:bodyPr/>
-        <a:lstStyle/>
-        <a:p>
-          <a:endParaRPr lang="es-ES"/>
-        </a:p>
-      </dgm:t>
     </dgm:pt>
     <dgm:pt modelId="{758401AA-EEF2-468A-911E-961FAE2AC701}" type="pres">
       <dgm:prSet presAssocID="{CD7D9C37-3A1D-45A2-8420-8356A62CCBB5}" presName="rootConnector" presStyleLbl="node3" presStyleIdx="0" presStyleCnt="2"/>
       <dgm:spPr/>
-      <dgm:t>
-        <a:bodyPr/>
-        <a:lstStyle/>
-        <a:p>
-          <a:endParaRPr lang="es-ES"/>
-        </a:p>
-      </dgm:t>
     </dgm:pt>
     <dgm:pt modelId="{CB6623E5-E41C-4725-84AC-F03DBE6EA790}" type="pres">
       <dgm:prSet presAssocID="{CD7D9C37-3A1D-45A2-8420-8356A62CCBB5}" presName="hierChild4" presStyleCnt="0"/>
@@ -9301,13 +9092,6 @@
     <dgm:pt modelId="{BD63EE5B-C93C-4903-8C11-77D6F547114C}" type="pres">
       <dgm:prSet presAssocID="{AA3E645D-33CE-4101-94AB-155FBCF9870F}" presName="Name64" presStyleLbl="parChTrans1D3" presStyleIdx="1" presStyleCnt="2"/>
       <dgm:spPr/>
-      <dgm:t>
-        <a:bodyPr/>
-        <a:lstStyle/>
-        <a:p>
-          <a:endParaRPr lang="es-ES"/>
-        </a:p>
-      </dgm:t>
     </dgm:pt>
     <dgm:pt modelId="{2668BF93-B9EE-4201-909C-FD1BE2B9817B}" type="pres">
       <dgm:prSet presAssocID="{4453EE2B-AEF9-48FC-B2A4-5F5099564595}" presName="hierRoot2" presStyleCnt="0">
@@ -9328,24 +9112,10 @@
         </dgm:presLayoutVars>
       </dgm:prSet>
       <dgm:spPr/>
-      <dgm:t>
-        <a:bodyPr/>
-        <a:lstStyle/>
-        <a:p>
-          <a:endParaRPr lang="es-ES"/>
-        </a:p>
-      </dgm:t>
     </dgm:pt>
     <dgm:pt modelId="{CA49DB5A-F3CF-4144-AE2F-15813585D2BF}" type="pres">
       <dgm:prSet presAssocID="{4453EE2B-AEF9-48FC-B2A4-5F5099564595}" presName="rootConnector" presStyleLbl="node3" presStyleIdx="1" presStyleCnt="2"/>
       <dgm:spPr/>
-      <dgm:t>
-        <a:bodyPr/>
-        <a:lstStyle/>
-        <a:p>
-          <a:endParaRPr lang="es-ES"/>
-        </a:p>
-      </dgm:t>
     </dgm:pt>
     <dgm:pt modelId="{7B8834BB-1552-4697-BBCE-4231DE22F6C9}" type="pres">
       <dgm:prSet presAssocID="{4453EE2B-AEF9-48FC-B2A4-5F5099564595}" presName="hierChild4" presStyleCnt="0"/>
@@ -9354,13 +9124,6 @@
     <dgm:pt modelId="{4F33B8D4-BEC5-4828-82D6-C26A80BCBC66}" type="pres">
       <dgm:prSet presAssocID="{48718AE6-F927-4B01-8ED9-8A20153AD702}" presName="Name64" presStyleLbl="parChTrans1D4" presStyleIdx="0" presStyleCnt="3"/>
       <dgm:spPr/>
-      <dgm:t>
-        <a:bodyPr/>
-        <a:lstStyle/>
-        <a:p>
-          <a:endParaRPr lang="es-ES"/>
-        </a:p>
-      </dgm:t>
     </dgm:pt>
     <dgm:pt modelId="{6B4CC0DC-3842-4BF9-A728-C0D6CAB1FFDB}" type="pres">
       <dgm:prSet presAssocID="{35ED6DF5-7372-47A3-B011-B26481537A04}" presName="hierRoot2" presStyleCnt="0">
@@ -9381,24 +9144,10 @@
         </dgm:presLayoutVars>
       </dgm:prSet>
       <dgm:spPr/>
-      <dgm:t>
-        <a:bodyPr/>
-        <a:lstStyle/>
-        <a:p>
-          <a:endParaRPr lang="es-ES"/>
-        </a:p>
-      </dgm:t>
     </dgm:pt>
     <dgm:pt modelId="{52CAE71B-17CD-48C3-9C3E-93054D55BC26}" type="pres">
       <dgm:prSet presAssocID="{35ED6DF5-7372-47A3-B011-B26481537A04}" presName="rootConnector" presStyleLbl="node4" presStyleIdx="0" presStyleCnt="3"/>
       <dgm:spPr/>
-      <dgm:t>
-        <a:bodyPr/>
-        <a:lstStyle/>
-        <a:p>
-          <a:endParaRPr lang="es-ES"/>
-        </a:p>
-      </dgm:t>
     </dgm:pt>
     <dgm:pt modelId="{2FFC6DB5-CED9-4553-A79F-A406597DC10C}" type="pres">
       <dgm:prSet presAssocID="{35ED6DF5-7372-47A3-B011-B26481537A04}" presName="hierChild4" presStyleCnt="0"/>
@@ -9411,13 +9160,6 @@
     <dgm:pt modelId="{A2783072-4085-481F-B335-09F69C9F09BB}" type="pres">
       <dgm:prSet presAssocID="{835BE82D-EF6D-4A51-9FD9-6415BC089D78}" presName="Name64" presStyleLbl="parChTrans1D4" presStyleIdx="1" presStyleCnt="3"/>
       <dgm:spPr/>
-      <dgm:t>
-        <a:bodyPr/>
-        <a:lstStyle/>
-        <a:p>
-          <a:endParaRPr lang="es-ES"/>
-        </a:p>
-      </dgm:t>
     </dgm:pt>
     <dgm:pt modelId="{ABB469A2-FC39-4C7F-97A8-BC1F0F1C0B01}" type="pres">
       <dgm:prSet presAssocID="{1C23F471-6795-4DD6-8A3C-92344A87EBAC}" presName="hierRoot2" presStyleCnt="0">
@@ -9438,24 +9180,10 @@
         </dgm:presLayoutVars>
       </dgm:prSet>
       <dgm:spPr/>
-      <dgm:t>
-        <a:bodyPr/>
-        <a:lstStyle/>
-        <a:p>
-          <a:endParaRPr lang="es-ES"/>
-        </a:p>
-      </dgm:t>
     </dgm:pt>
     <dgm:pt modelId="{C9B324F4-B295-470E-A2B7-A98C2CF64502}" type="pres">
       <dgm:prSet presAssocID="{1C23F471-6795-4DD6-8A3C-92344A87EBAC}" presName="rootConnector" presStyleLbl="node4" presStyleIdx="1" presStyleCnt="3"/>
       <dgm:spPr/>
-      <dgm:t>
-        <a:bodyPr/>
-        <a:lstStyle/>
-        <a:p>
-          <a:endParaRPr lang="es-ES"/>
-        </a:p>
-      </dgm:t>
     </dgm:pt>
     <dgm:pt modelId="{64988C15-91BE-4020-B504-CE862146420D}" type="pres">
       <dgm:prSet presAssocID="{1C23F471-6795-4DD6-8A3C-92344A87EBAC}" presName="hierChild4" presStyleCnt="0"/>
@@ -9468,13 +9196,6 @@
     <dgm:pt modelId="{597710A5-1235-42D9-9D6D-5E300B6680E6}" type="pres">
       <dgm:prSet presAssocID="{8D8BAB1D-63AD-417B-9667-8612C844BCAC}" presName="Name64" presStyleLbl="parChTrans1D4" presStyleIdx="2" presStyleCnt="3"/>
       <dgm:spPr/>
-      <dgm:t>
-        <a:bodyPr/>
-        <a:lstStyle/>
-        <a:p>
-          <a:endParaRPr lang="es-ES"/>
-        </a:p>
-      </dgm:t>
     </dgm:pt>
     <dgm:pt modelId="{3B424AA3-3E0A-48C6-8BDB-54702F1B05E4}" type="pres">
       <dgm:prSet presAssocID="{1C5BFBDA-5F53-46A8-8A50-D859A838A820}" presName="hierRoot2" presStyleCnt="0">
@@ -9495,24 +9216,10 @@
         </dgm:presLayoutVars>
       </dgm:prSet>
       <dgm:spPr/>
-      <dgm:t>
-        <a:bodyPr/>
-        <a:lstStyle/>
-        <a:p>
-          <a:endParaRPr lang="es-ES"/>
-        </a:p>
-      </dgm:t>
     </dgm:pt>
     <dgm:pt modelId="{4FCD5DF7-B92E-4532-B0EB-AAA45299BCEC}" type="pres">
       <dgm:prSet presAssocID="{1C5BFBDA-5F53-46A8-8A50-D859A838A820}" presName="rootConnector" presStyleLbl="node4" presStyleIdx="2" presStyleCnt="3"/>
       <dgm:spPr/>
-      <dgm:t>
-        <a:bodyPr/>
-        <a:lstStyle/>
-        <a:p>
-          <a:endParaRPr lang="es-ES"/>
-        </a:p>
-      </dgm:t>
     </dgm:pt>
     <dgm:pt modelId="{393A625D-1B73-4280-B389-09A48326C976}" type="pres">
       <dgm:prSet presAssocID="{1C5BFBDA-5F53-46A8-8A50-D859A838A820}" presName="hierChild4" presStyleCnt="0"/>
@@ -9536,34 +9243,34 @@
     </dgm:pt>
   </dgm:ptLst>
   <dgm:cxnLst>
+    <dgm:cxn modelId="{FA6D7C05-E6F0-4317-986A-700BEB90E34C}" type="presOf" srcId="{35ED6DF5-7372-47A3-B011-B26481537A04}" destId="{52CAE71B-17CD-48C3-9C3E-93054D55BC26}" srcOrd="1" destOrd="0" presId="urn:microsoft.com/office/officeart/2009/3/layout/HorizontalOrganizationChart"/>
+    <dgm:cxn modelId="{8A4AB909-48DD-420E-9210-78CAA02E1225}" type="presOf" srcId="{CF736B8E-D81C-4FEA-A93F-629B4A433058}" destId="{3079B9ED-D70A-4253-9D9F-CACCF0E1B9D8}" srcOrd="0" destOrd="0" presId="urn:microsoft.com/office/officeart/2009/3/layout/HorizontalOrganizationChart"/>
+    <dgm:cxn modelId="{31A0D424-FFA9-4C03-861C-29854465159C}" type="presOf" srcId="{180CD30A-6C34-4199-B1C9-9315714AE793}" destId="{45F739FD-1CBD-43F0-9774-6A48D1E12A73}" srcOrd="0" destOrd="0" presId="urn:microsoft.com/office/officeart/2009/3/layout/HorizontalOrganizationChart"/>
+    <dgm:cxn modelId="{DC174E27-480C-43D1-B659-45C6DB4CE5DB}" type="presOf" srcId="{48718AE6-F927-4B01-8ED9-8A20153AD702}" destId="{4F33B8D4-BEC5-4828-82D6-C26A80BCBC66}" srcOrd="0" destOrd="0" presId="urn:microsoft.com/office/officeart/2009/3/layout/HorizontalOrganizationChart"/>
     <dgm:cxn modelId="{A08CD328-6BF6-4874-9305-628112867F15}" type="presOf" srcId="{835BE82D-EF6D-4A51-9FD9-6415BC089D78}" destId="{A2783072-4085-481F-B335-09F69C9F09BB}" srcOrd="0" destOrd="0" presId="urn:microsoft.com/office/officeart/2009/3/layout/HorizontalOrganizationChart"/>
+    <dgm:cxn modelId="{B126E62A-3523-44B6-B876-E694844CFA63}" srcId="{4453EE2B-AEF9-48FC-B2A4-5F5099564595}" destId="{35ED6DF5-7372-47A3-B011-B26481537A04}" srcOrd="0" destOrd="0" parTransId="{48718AE6-F927-4B01-8ED9-8A20153AD702}" sibTransId="{88441322-2478-4CF1-A8DA-516641E31E7D}"/>
     <dgm:cxn modelId="{D44A8B2B-364B-446D-BA80-AAFA1185B52A}" type="presOf" srcId="{CD7D9C37-3A1D-45A2-8420-8356A62CCBB5}" destId="{758401AA-EEF2-468A-911E-961FAE2AC701}" srcOrd="1" destOrd="0" presId="urn:microsoft.com/office/officeart/2009/3/layout/HorizontalOrganizationChart"/>
+    <dgm:cxn modelId="{8A574867-1B14-4A3F-A0C1-7E0B55AC22D3}" srcId="{4453EE2B-AEF9-48FC-B2A4-5F5099564595}" destId="{1C5BFBDA-5F53-46A8-8A50-D859A838A820}" srcOrd="2" destOrd="0" parTransId="{8D8BAB1D-63AD-417B-9667-8612C844BCAC}" sibTransId="{F169BA33-1226-4DE0-8EB9-FAB58BD3309A}"/>
+    <dgm:cxn modelId="{AA9A0268-F55D-4892-880A-5E0DF06DA246}" type="presOf" srcId="{1C5BFBDA-5F53-46A8-8A50-D859A838A820}" destId="{4FCD5DF7-B92E-4532-B0EB-AAA45299BCEC}" srcOrd="1" destOrd="0" presId="urn:microsoft.com/office/officeart/2009/3/layout/HorizontalOrganizationChart"/>
+    <dgm:cxn modelId="{F1809149-012D-4FC9-A160-BCA438140B7E}" srcId="{4453EE2B-AEF9-48FC-B2A4-5F5099564595}" destId="{1C23F471-6795-4DD6-8A3C-92344A87EBAC}" srcOrd="1" destOrd="0" parTransId="{835BE82D-EF6D-4A51-9FD9-6415BC089D78}" sibTransId="{3AAB76CE-1196-4324-8D08-941EC39177F4}"/>
+    <dgm:cxn modelId="{63E4FE69-EC16-4A71-91BA-9769BD12CCFA}" srcId="{B0814801-8531-48F5-B9B0-6F22E5478BAA}" destId="{53F47B54-BC30-4D0E-8165-62417C903CD2}" srcOrd="0" destOrd="0" parTransId="{CF736B8E-D81C-4FEA-A93F-629B4A433058}" sibTransId="{1D2AF2F5-03A8-4D8F-8C3A-2FEB35D878E8}"/>
+    <dgm:cxn modelId="{23090E6D-6FFD-4F43-88DD-B574AFE92DCC}" srcId="{53F47B54-BC30-4D0E-8165-62417C903CD2}" destId="{CD7D9C37-3A1D-45A2-8420-8356A62CCBB5}" srcOrd="0" destOrd="0" parTransId="{180CD30A-6C34-4199-B1C9-9315714AE793}" sibTransId="{3AE45FD3-C906-416C-A4DF-421EFB878A20}"/>
     <dgm:cxn modelId="{5D6C396D-D688-4788-A921-49017DC87A9C}" srcId="{53F47B54-BC30-4D0E-8165-62417C903CD2}" destId="{4453EE2B-AEF9-48FC-B2A4-5F5099564595}" srcOrd="1" destOrd="0" parTransId="{AA3E645D-33CE-4101-94AB-155FBCF9870F}" sibTransId="{2175FA11-649D-4963-9884-AA359F3B3644}"/>
-    <dgm:cxn modelId="{63E4FE69-EC16-4A71-91BA-9769BD12CCFA}" srcId="{B0814801-8531-48F5-B9B0-6F22E5478BAA}" destId="{53F47B54-BC30-4D0E-8165-62417C903CD2}" srcOrd="0" destOrd="0" parTransId="{CF736B8E-D81C-4FEA-A93F-629B4A433058}" sibTransId="{1D2AF2F5-03A8-4D8F-8C3A-2FEB35D878E8}"/>
-    <dgm:cxn modelId="{11DCECB5-BF2B-4940-9242-2F6597307B5F}" type="presOf" srcId="{1C23F471-6795-4DD6-8A3C-92344A87EBAC}" destId="{C9B324F4-B295-470E-A2B7-A98C2CF64502}" srcOrd="1" destOrd="0" presId="urn:microsoft.com/office/officeart/2009/3/layout/HorizontalOrganizationChart"/>
-    <dgm:cxn modelId="{8A574867-1B14-4A3F-A0C1-7E0B55AC22D3}" srcId="{4453EE2B-AEF9-48FC-B2A4-5F5099564595}" destId="{1C5BFBDA-5F53-46A8-8A50-D859A838A820}" srcOrd="2" destOrd="0" parTransId="{8D8BAB1D-63AD-417B-9667-8612C844BCAC}" sibTransId="{F169BA33-1226-4DE0-8EB9-FAB58BD3309A}"/>
-    <dgm:cxn modelId="{23090E6D-6FFD-4F43-88DD-B574AFE92DCC}" srcId="{53F47B54-BC30-4D0E-8165-62417C903CD2}" destId="{CD7D9C37-3A1D-45A2-8420-8356A62CCBB5}" srcOrd="0" destOrd="0" parTransId="{180CD30A-6C34-4199-B1C9-9315714AE793}" sibTransId="{3AE45FD3-C906-416C-A4DF-421EFB878A20}"/>
     <dgm:cxn modelId="{29C4624F-3BEE-4500-ADB2-F2DF363CB446}" type="presOf" srcId="{53F47B54-BC30-4D0E-8165-62417C903CD2}" destId="{F3C92AF1-4121-4C1B-A871-0883A06B0FE5}" srcOrd="0" destOrd="0" presId="urn:microsoft.com/office/officeart/2009/3/layout/HorizontalOrganizationChart"/>
-    <dgm:cxn modelId="{AED26AEA-FED7-4128-8DC9-21AA03A41F15}" type="presOf" srcId="{B0814801-8531-48F5-B9B0-6F22E5478BAA}" destId="{11E2E591-F5B9-42FC-9196-844B1D863E49}" srcOrd="1" destOrd="0" presId="urn:microsoft.com/office/officeart/2009/3/layout/HorizontalOrganizationChart"/>
-    <dgm:cxn modelId="{8A4AB909-48DD-420E-9210-78CAA02E1225}" type="presOf" srcId="{CF736B8E-D81C-4FEA-A93F-629B4A433058}" destId="{3079B9ED-D70A-4253-9D9F-CACCF0E1B9D8}" srcOrd="0" destOrd="0" presId="urn:microsoft.com/office/officeart/2009/3/layout/HorizontalOrganizationChart"/>
-    <dgm:cxn modelId="{5BA61BBA-496C-41C6-B633-BB2CC674A501}" type="presOf" srcId="{B0814801-8531-48F5-B9B0-6F22E5478BAA}" destId="{64BCA5EA-B211-418C-871A-63573396F05F}" srcOrd="0" destOrd="0" presId="urn:microsoft.com/office/officeart/2009/3/layout/HorizontalOrganizationChart"/>
+    <dgm:cxn modelId="{D5F1E651-306F-479A-986D-EA8A842D1160}" type="presOf" srcId="{53F47B54-BC30-4D0E-8165-62417C903CD2}" destId="{36A1C376-613C-49C8-A620-7AC4C2E1FFDF}" srcOrd="1" destOrd="0" presId="urn:microsoft.com/office/officeart/2009/3/layout/HorizontalOrganizationChart"/>
+    <dgm:cxn modelId="{C42BDF59-F497-40B0-B9AD-6D4ED5A9DCF3}" type="presOf" srcId="{AA3E645D-33CE-4101-94AB-155FBCF9870F}" destId="{BD63EE5B-C93C-4903-8C11-77D6F547114C}" srcOrd="0" destOrd="0" presId="urn:microsoft.com/office/officeart/2009/3/layout/HorizontalOrganizationChart"/>
     <dgm:cxn modelId="{1987D490-21D0-451E-B685-11BF205A2F31}" srcId="{1FB7B355-555F-42E0-ABA3-3CAD271DCFA6}" destId="{B0814801-8531-48F5-B9B0-6F22E5478BAA}" srcOrd="0" destOrd="0" parTransId="{CD4B2248-10E7-4E63-8CD5-3CAA009D554E}" sibTransId="{3C316331-180B-43A5-96FF-33B709C2E2D6}"/>
-    <dgm:cxn modelId="{A72CDDB0-CE34-4230-A4E4-BC041B74A439}" type="presOf" srcId="{35ED6DF5-7372-47A3-B011-B26481537A04}" destId="{8445D106-DD4D-4C41-BF3E-3E3AF4B75ADD}" srcOrd="0" destOrd="0" presId="urn:microsoft.com/office/officeart/2009/3/layout/HorizontalOrganizationChart"/>
-    <dgm:cxn modelId="{31A0D424-FFA9-4C03-861C-29854465159C}" type="presOf" srcId="{180CD30A-6C34-4199-B1C9-9315714AE793}" destId="{45F739FD-1CBD-43F0-9774-6A48D1E12A73}" srcOrd="0" destOrd="0" presId="urn:microsoft.com/office/officeart/2009/3/layout/HorizontalOrganizationChart"/>
-    <dgm:cxn modelId="{FA6D7C05-E6F0-4317-986A-700BEB90E34C}" type="presOf" srcId="{35ED6DF5-7372-47A3-B011-B26481537A04}" destId="{52CAE71B-17CD-48C3-9C3E-93054D55BC26}" srcOrd="1" destOrd="0" presId="urn:microsoft.com/office/officeart/2009/3/layout/HorizontalOrganizationChart"/>
-    <dgm:cxn modelId="{AA9A0268-F55D-4892-880A-5E0DF06DA246}" type="presOf" srcId="{1C5BFBDA-5F53-46A8-8A50-D859A838A820}" destId="{4FCD5DF7-B92E-4532-B0EB-AAA45299BCEC}" srcOrd="1" destOrd="0" presId="urn:microsoft.com/office/officeart/2009/3/layout/HorizontalOrganizationChart"/>
-    <dgm:cxn modelId="{AD574DCF-706B-45CF-841D-C105299AD2DD}" type="presOf" srcId="{1C23F471-6795-4DD6-8A3C-92344A87EBAC}" destId="{48C465D3-0567-4473-B102-EDB49122192C}" srcOrd="0" destOrd="0" presId="urn:microsoft.com/office/officeart/2009/3/layout/HorizontalOrganizationChart"/>
-    <dgm:cxn modelId="{1F0AC2C8-D935-4AB8-A5AC-F53D81DE2284}" type="presOf" srcId="{4453EE2B-AEF9-48FC-B2A4-5F5099564595}" destId="{CA49DB5A-F3CF-4144-AE2F-15813585D2BF}" srcOrd="1" destOrd="0" presId="urn:microsoft.com/office/officeart/2009/3/layout/HorizontalOrganizationChart"/>
-    <dgm:cxn modelId="{DC174E27-480C-43D1-B659-45C6DB4CE5DB}" type="presOf" srcId="{48718AE6-F927-4B01-8ED9-8A20153AD702}" destId="{4F33B8D4-BEC5-4828-82D6-C26A80BCBC66}" srcOrd="0" destOrd="0" presId="urn:microsoft.com/office/officeart/2009/3/layout/HorizontalOrganizationChart"/>
     <dgm:cxn modelId="{868E5297-A1EF-48BA-876E-F9BB126FB0EA}" type="presOf" srcId="{8D8BAB1D-63AD-417B-9667-8612C844BCAC}" destId="{597710A5-1235-42D9-9D6D-5E300B6680E6}" srcOrd="0" destOrd="0" presId="urn:microsoft.com/office/officeart/2009/3/layout/HorizontalOrganizationChart"/>
     <dgm:cxn modelId="{C34B95AA-7C44-4A68-892B-C01BA4041BBD}" type="presOf" srcId="{4453EE2B-AEF9-48FC-B2A4-5F5099564595}" destId="{AFBC0167-BC7F-4B74-827D-33C82BDD9CD7}" srcOrd="0" destOrd="0" presId="urn:microsoft.com/office/officeart/2009/3/layout/HorizontalOrganizationChart"/>
-    <dgm:cxn modelId="{D5F1E651-306F-479A-986D-EA8A842D1160}" type="presOf" srcId="{53F47B54-BC30-4D0E-8165-62417C903CD2}" destId="{36A1C376-613C-49C8-A620-7AC4C2E1FFDF}" srcOrd="1" destOrd="0" presId="urn:microsoft.com/office/officeart/2009/3/layout/HorizontalOrganizationChart"/>
+    <dgm:cxn modelId="{A72CDDB0-CE34-4230-A4E4-BC041B74A439}" type="presOf" srcId="{35ED6DF5-7372-47A3-B011-B26481537A04}" destId="{8445D106-DD4D-4C41-BF3E-3E3AF4B75ADD}" srcOrd="0" destOrd="0" presId="urn:microsoft.com/office/officeart/2009/3/layout/HorizontalOrganizationChart"/>
+    <dgm:cxn modelId="{E8B07BB3-9C52-40BA-BD62-43E75FF1AD33}" type="presOf" srcId="{CD7D9C37-3A1D-45A2-8420-8356A62CCBB5}" destId="{3CE8D9E6-B14C-4C8F-B39B-448FA0C2E0D8}" srcOrd="0" destOrd="0" presId="urn:microsoft.com/office/officeart/2009/3/layout/HorizontalOrganizationChart"/>
+    <dgm:cxn modelId="{11DCECB5-BF2B-4940-9242-2F6597307B5F}" type="presOf" srcId="{1C23F471-6795-4DD6-8A3C-92344A87EBAC}" destId="{C9B324F4-B295-470E-A2B7-A98C2CF64502}" srcOrd="1" destOrd="0" presId="urn:microsoft.com/office/officeart/2009/3/layout/HorizontalOrganizationChart"/>
+    <dgm:cxn modelId="{5BA61BBA-496C-41C6-B633-BB2CC674A501}" type="presOf" srcId="{B0814801-8531-48F5-B9B0-6F22E5478BAA}" destId="{64BCA5EA-B211-418C-871A-63573396F05F}" srcOrd="0" destOrd="0" presId="urn:microsoft.com/office/officeart/2009/3/layout/HorizontalOrganizationChart"/>
+    <dgm:cxn modelId="{1F0AC2C8-D935-4AB8-A5AC-F53D81DE2284}" type="presOf" srcId="{4453EE2B-AEF9-48FC-B2A4-5F5099564595}" destId="{CA49DB5A-F3CF-4144-AE2F-15813585D2BF}" srcOrd="1" destOrd="0" presId="urn:microsoft.com/office/officeart/2009/3/layout/HorizontalOrganizationChart"/>
     <dgm:cxn modelId="{C90502CB-901A-4563-8CE5-080A87D7CB97}" type="presOf" srcId="{1C5BFBDA-5F53-46A8-8A50-D859A838A820}" destId="{68EACF5D-8DA5-4DDF-BEDF-427FE40C7E40}" srcOrd="0" destOrd="0" presId="urn:microsoft.com/office/officeart/2009/3/layout/HorizontalOrganizationChart"/>
-    <dgm:cxn modelId="{C42BDF59-F497-40B0-B9AD-6D4ED5A9DCF3}" type="presOf" srcId="{AA3E645D-33CE-4101-94AB-155FBCF9870F}" destId="{BD63EE5B-C93C-4903-8C11-77D6F547114C}" srcOrd="0" destOrd="0" presId="urn:microsoft.com/office/officeart/2009/3/layout/HorizontalOrganizationChart"/>
+    <dgm:cxn modelId="{AD574DCF-706B-45CF-841D-C105299AD2DD}" type="presOf" srcId="{1C23F471-6795-4DD6-8A3C-92344A87EBAC}" destId="{48C465D3-0567-4473-B102-EDB49122192C}" srcOrd="0" destOrd="0" presId="urn:microsoft.com/office/officeart/2009/3/layout/HorizontalOrganizationChart"/>
     <dgm:cxn modelId="{2DC7FED2-205C-4A62-A68D-3F8832CCD9BA}" type="presOf" srcId="{1FB7B355-555F-42E0-ABA3-3CAD271DCFA6}" destId="{AE0BEA0A-B312-49AB-B365-EF1DA0FBE749}" srcOrd="0" destOrd="0" presId="urn:microsoft.com/office/officeart/2009/3/layout/HorizontalOrganizationChart"/>
-    <dgm:cxn modelId="{E8B07BB3-9C52-40BA-BD62-43E75FF1AD33}" type="presOf" srcId="{CD7D9C37-3A1D-45A2-8420-8356A62CCBB5}" destId="{3CE8D9E6-B14C-4C8F-B39B-448FA0C2E0D8}" srcOrd="0" destOrd="0" presId="urn:microsoft.com/office/officeart/2009/3/layout/HorizontalOrganizationChart"/>
-    <dgm:cxn modelId="{F1809149-012D-4FC9-A160-BCA438140B7E}" srcId="{4453EE2B-AEF9-48FC-B2A4-5F5099564595}" destId="{1C23F471-6795-4DD6-8A3C-92344A87EBAC}" srcOrd="1" destOrd="0" parTransId="{835BE82D-EF6D-4A51-9FD9-6415BC089D78}" sibTransId="{3AAB76CE-1196-4324-8D08-941EC39177F4}"/>
-    <dgm:cxn modelId="{B126E62A-3523-44B6-B876-E694844CFA63}" srcId="{4453EE2B-AEF9-48FC-B2A4-5F5099564595}" destId="{35ED6DF5-7372-47A3-B011-B26481537A04}" srcOrd="0" destOrd="0" parTransId="{48718AE6-F927-4B01-8ED9-8A20153AD702}" sibTransId="{88441322-2478-4CF1-A8DA-516641E31E7D}"/>
+    <dgm:cxn modelId="{AED26AEA-FED7-4128-8DC9-21AA03A41F15}" type="presOf" srcId="{B0814801-8531-48F5-B9B0-6F22E5478BAA}" destId="{11E2E591-F5B9-42FC-9196-844B1D863E49}" srcOrd="1" destOrd="0" presId="urn:microsoft.com/office/officeart/2009/3/layout/HorizontalOrganizationChart"/>
     <dgm:cxn modelId="{584A9372-9BFD-408E-A022-273C76B0081F}" type="presParOf" srcId="{AE0BEA0A-B312-49AB-B365-EF1DA0FBE749}" destId="{03994188-F3CB-4AC6-9EB9-1D890A05BD43}" srcOrd="0" destOrd="0" presId="urn:microsoft.com/office/officeart/2009/3/layout/HorizontalOrganizationChart"/>
     <dgm:cxn modelId="{CB863286-B2DF-4D5C-B6A2-BEB251759D81}" type="presParOf" srcId="{03994188-F3CB-4AC6-9EB9-1D890A05BD43}" destId="{5533A339-3A0C-4465-9ECD-7A2EB7C3F403}" srcOrd="0" destOrd="0" presId="urn:microsoft.com/office/officeart/2009/3/layout/HorizontalOrganizationChart"/>
     <dgm:cxn modelId="{07A782D7-70A2-4447-A30A-34D4C709D88D}" type="presParOf" srcId="{5533A339-3A0C-4465-9ECD-7A2EB7C3F403}" destId="{64BCA5EA-B211-418C-871A-63573396F05F}" srcOrd="0" destOrd="0" presId="urn:microsoft.com/office/officeart/2009/3/layout/HorizontalOrganizationChart"/>
@@ -9687,7 +9394,7 @@
         <a:lstStyle/>
         <a:p>
           <a:r>
-            <a:rPr lang="es-ES" dirty="0" smtClean="0">
+            <a:rPr lang="es-ES" dirty="0">
               <a:solidFill>
                 <a:schemeClr val="accent2"/>
               </a:solidFill>
@@ -9697,12 +9404,8 @@
         </a:p>
         <a:p>
           <a:r>
-            <a:rPr lang="es-ES" dirty="0" smtClean="0"/>
-            <a:t>Aceptar </a:t>
-          </a:r>
-          <a:r>
             <a:rPr lang="es-ES" dirty="0"/>
-            <a:t>el traslado</a:t>
+            <a:t>Aceptar el traslado</a:t>
           </a:r>
         </a:p>
       </dgm:t>
@@ -9738,14 +9441,10 @@
         <a:p>
           <a:r>
             <a:rPr lang="es-ES" dirty="0"/>
-            <a:t>Oponerse y extinguir el </a:t>
+            <a:t>Oponerse y extinguir el contrato </a:t>
           </a:r>
           <a:r>
-            <a:rPr lang="es-ES" dirty="0" smtClean="0"/>
-            <a:t>contrato </a:t>
-          </a:r>
-          <a:r>
-            <a:rPr lang="es-ES" dirty="0" smtClean="0">
+            <a:rPr lang="es-ES" dirty="0">
               <a:solidFill>
                 <a:schemeClr val="accent2"/>
               </a:solidFill>
@@ -9753,7 +9452,7 @@
             <a:t>Tengo derecho a indemnización de 20 días de salario por año trabajado. Necesito conocer antigüedad y salario diario. </a:t>
           </a:r>
           <a:r>
-            <a:rPr lang="es-ES" dirty="0" err="1" smtClean="0">
+            <a:rPr lang="es-ES" dirty="0" err="1">
               <a:solidFill>
                 <a:schemeClr val="accent2"/>
               </a:solidFill>
@@ -9761,18 +9460,13 @@
             <a:t>Ej</a:t>
           </a:r>
           <a:r>
-            <a:rPr lang="es-ES" dirty="0" smtClean="0">
+            <a:rPr lang="es-ES" dirty="0">
               <a:solidFill>
                 <a:schemeClr val="accent2"/>
               </a:solidFill>
             </a:rPr>
             <a:t>: 100€diariosX10 años X20 días al año=20000€.</a:t>
           </a:r>
-          <a:endParaRPr lang="es-ES" dirty="0">
-            <a:solidFill>
-              <a:schemeClr val="accent2"/>
-            </a:solidFill>
-          </a:endParaRPr>
         </a:p>
       </dgm:t>
     </dgm:pt>
@@ -9807,25 +9501,16 @@
         <a:p>
           <a:r>
             <a:rPr lang="es-ES" dirty="0"/>
-            <a:t>Oponerse y acudir a los </a:t>
+            <a:t>Oponerse y acudir a los tribunales: </a:t>
           </a:r>
           <a:r>
-            <a:rPr lang="es-ES" dirty="0" smtClean="0"/>
-            <a:t>tribunales: </a:t>
-          </a:r>
-          <a:r>
-            <a:rPr lang="es-ES" dirty="0" smtClean="0">
+            <a:rPr lang="es-ES" dirty="0">
               <a:solidFill>
                 <a:schemeClr val="accent2"/>
               </a:solidFill>
             </a:rPr>
             <a:t>Podría volver a mi puesto original si me dan la razón los tribunales.</a:t>
           </a:r>
-          <a:endParaRPr lang="es-ES" dirty="0">
-            <a:solidFill>
-              <a:schemeClr val="accent2"/>
-            </a:solidFill>
-          </a:endParaRPr>
         </a:p>
       </dgm:t>
     </dgm:pt>
@@ -9862,13 +9547,6 @@
         </dgm:presLayoutVars>
       </dgm:prSet>
       <dgm:spPr/>
-      <dgm:t>
-        <a:bodyPr/>
-        <a:lstStyle/>
-        <a:p>
-          <a:endParaRPr lang="es-ES"/>
-        </a:p>
-      </dgm:t>
     </dgm:pt>
     <dgm:pt modelId="{AE049B34-808D-4F02-89CA-34AB9974B14A}" type="pres">
       <dgm:prSet presAssocID="{D7574746-66B0-4970-847E-CD396FB386D8}" presName="root1" presStyleCnt="0"/>
@@ -9881,13 +9559,6 @@
         </dgm:presLayoutVars>
       </dgm:prSet>
       <dgm:spPr/>
-      <dgm:t>
-        <a:bodyPr/>
-        <a:lstStyle/>
-        <a:p>
-          <a:endParaRPr lang="es-ES"/>
-        </a:p>
-      </dgm:t>
     </dgm:pt>
     <dgm:pt modelId="{6CE539C9-0BD6-48D4-9134-10FFA528E539}" type="pres">
       <dgm:prSet presAssocID="{D7574746-66B0-4970-847E-CD396FB386D8}" presName="level2hierChild" presStyleCnt="0"/>
@@ -9896,24 +9567,10 @@
     <dgm:pt modelId="{F88EAA99-1E1D-4FE8-9FAE-99F8C15B475D}" type="pres">
       <dgm:prSet presAssocID="{755E190D-6AFD-41D1-B0AF-889A20248BB8}" presName="conn2-1" presStyleLbl="parChTrans1D2" presStyleIdx="0" presStyleCnt="3"/>
       <dgm:spPr/>
-      <dgm:t>
-        <a:bodyPr/>
-        <a:lstStyle/>
-        <a:p>
-          <a:endParaRPr lang="es-ES"/>
-        </a:p>
-      </dgm:t>
     </dgm:pt>
     <dgm:pt modelId="{577007AF-3F67-423C-959D-12E1EDC9E4BC}" type="pres">
       <dgm:prSet presAssocID="{755E190D-6AFD-41D1-B0AF-889A20248BB8}" presName="connTx" presStyleLbl="parChTrans1D2" presStyleIdx="0" presStyleCnt="3"/>
       <dgm:spPr/>
-      <dgm:t>
-        <a:bodyPr/>
-        <a:lstStyle/>
-        <a:p>
-          <a:endParaRPr lang="es-ES"/>
-        </a:p>
-      </dgm:t>
     </dgm:pt>
     <dgm:pt modelId="{7BB44E65-5174-4E61-8949-98A42408FCC3}" type="pres">
       <dgm:prSet presAssocID="{3F838F48-3BDD-42A2-A2C7-9DF0635CCFFF}" presName="root2" presStyleCnt="0"/>
@@ -9926,13 +9583,6 @@
         </dgm:presLayoutVars>
       </dgm:prSet>
       <dgm:spPr/>
-      <dgm:t>
-        <a:bodyPr/>
-        <a:lstStyle/>
-        <a:p>
-          <a:endParaRPr lang="es-ES"/>
-        </a:p>
-      </dgm:t>
     </dgm:pt>
     <dgm:pt modelId="{BAE43139-2A28-4755-BE5A-8847A4D9ACA6}" type="pres">
       <dgm:prSet presAssocID="{3F838F48-3BDD-42A2-A2C7-9DF0635CCFFF}" presName="level3hierChild" presStyleCnt="0"/>
@@ -9941,24 +9591,10 @@
     <dgm:pt modelId="{DD5FBFB2-866B-4DAB-9E5A-E187F7F7BA95}" type="pres">
       <dgm:prSet presAssocID="{D4788237-EDB6-405C-8940-7BE93498F306}" presName="conn2-1" presStyleLbl="parChTrans1D2" presStyleIdx="1" presStyleCnt="3"/>
       <dgm:spPr/>
-      <dgm:t>
-        <a:bodyPr/>
-        <a:lstStyle/>
-        <a:p>
-          <a:endParaRPr lang="es-ES"/>
-        </a:p>
-      </dgm:t>
     </dgm:pt>
     <dgm:pt modelId="{31E731A1-A2C0-4EB8-90E1-DDFCB836A0A5}" type="pres">
       <dgm:prSet presAssocID="{D4788237-EDB6-405C-8940-7BE93498F306}" presName="connTx" presStyleLbl="parChTrans1D2" presStyleIdx="1" presStyleCnt="3"/>
       <dgm:spPr/>
-      <dgm:t>
-        <a:bodyPr/>
-        <a:lstStyle/>
-        <a:p>
-          <a:endParaRPr lang="es-ES"/>
-        </a:p>
-      </dgm:t>
     </dgm:pt>
     <dgm:pt modelId="{C5DF29D5-9A47-46DD-8B3D-F14E0BF57E39}" type="pres">
       <dgm:prSet presAssocID="{CFDDCB34-23E0-470B-AA84-F523556FB1C5}" presName="root2" presStyleCnt="0"/>
@@ -9971,13 +9607,6 @@
         </dgm:presLayoutVars>
       </dgm:prSet>
       <dgm:spPr/>
-      <dgm:t>
-        <a:bodyPr/>
-        <a:lstStyle/>
-        <a:p>
-          <a:endParaRPr lang="es-ES"/>
-        </a:p>
-      </dgm:t>
     </dgm:pt>
     <dgm:pt modelId="{77870968-B83E-41CE-9327-CB8614719ED8}" type="pres">
       <dgm:prSet presAssocID="{CFDDCB34-23E0-470B-AA84-F523556FB1C5}" presName="level3hierChild" presStyleCnt="0"/>
@@ -9986,24 +9615,10 @@
     <dgm:pt modelId="{8EDAC3DC-D128-4D73-8129-9426DCA05A2B}" type="pres">
       <dgm:prSet presAssocID="{5C3FFB47-EB14-4868-A26D-DF51082E44C2}" presName="conn2-1" presStyleLbl="parChTrans1D2" presStyleIdx="2" presStyleCnt="3"/>
       <dgm:spPr/>
-      <dgm:t>
-        <a:bodyPr/>
-        <a:lstStyle/>
-        <a:p>
-          <a:endParaRPr lang="es-ES"/>
-        </a:p>
-      </dgm:t>
     </dgm:pt>
     <dgm:pt modelId="{3C3C7E6A-2D38-4B53-BDBF-B9CC4ED9D75B}" type="pres">
       <dgm:prSet presAssocID="{5C3FFB47-EB14-4868-A26D-DF51082E44C2}" presName="connTx" presStyleLbl="parChTrans1D2" presStyleIdx="2" presStyleCnt="3"/>
       <dgm:spPr/>
-      <dgm:t>
-        <a:bodyPr/>
-        <a:lstStyle/>
-        <a:p>
-          <a:endParaRPr lang="es-ES"/>
-        </a:p>
-      </dgm:t>
     </dgm:pt>
     <dgm:pt modelId="{B96D0EF6-3CC3-46AC-8803-563345B5F6FF}" type="pres">
       <dgm:prSet presAssocID="{A120DAAA-6962-456B-BC5C-DBC40C99B38A}" presName="root2" presStyleCnt="0"/>
@@ -10016,13 +9631,6 @@
         </dgm:presLayoutVars>
       </dgm:prSet>
       <dgm:spPr/>
-      <dgm:t>
-        <a:bodyPr/>
-        <a:lstStyle/>
-        <a:p>
-          <a:endParaRPr lang="es-ES"/>
-        </a:p>
-      </dgm:t>
     </dgm:pt>
     <dgm:pt modelId="{5A975A81-3307-4A72-B3BB-4B4456A4F94B}" type="pres">
       <dgm:prSet presAssocID="{A120DAAA-6962-456B-BC5C-DBC40C99B38A}" presName="level3hierChild" presStyleCnt="0"/>
@@ -10030,21 +9638,21 @@
     </dgm:pt>
   </dgm:ptLst>
   <dgm:cxnLst>
+    <dgm:cxn modelId="{27CF8710-4B62-46D0-82D2-0426AAC717A8}" type="presOf" srcId="{D4788237-EDB6-405C-8940-7BE93498F306}" destId="{31E731A1-A2C0-4EB8-90E1-DDFCB836A0A5}" srcOrd="1" destOrd="0" presId="urn:microsoft.com/office/officeart/2005/8/layout/hierarchy2"/>
+    <dgm:cxn modelId="{1D128C17-0728-4B7E-9381-DAD015290849}" type="presOf" srcId="{755E190D-6AFD-41D1-B0AF-889A20248BB8}" destId="{577007AF-3F67-423C-959D-12E1EDC9E4BC}" srcOrd="1" destOrd="0" presId="urn:microsoft.com/office/officeart/2005/8/layout/hierarchy2"/>
+    <dgm:cxn modelId="{B5CBA81F-1555-47CD-9848-F7E97D8B888D}" srcId="{D7574746-66B0-4970-847E-CD396FB386D8}" destId="{3F838F48-3BDD-42A2-A2C7-9DF0635CCFFF}" srcOrd="0" destOrd="0" parTransId="{755E190D-6AFD-41D1-B0AF-889A20248BB8}" sibTransId="{4BC4AC1C-4BE4-4C9C-A08E-848D84C08E5D}"/>
+    <dgm:cxn modelId="{964A4130-0ABD-4042-8612-E1F6800D3570}" type="presOf" srcId="{3A8481A6-C223-4EB4-8EF8-41DF70713461}" destId="{D7F764DB-E7F4-4990-9FAB-D5785C44D197}" srcOrd="0" destOrd="0" presId="urn:microsoft.com/office/officeart/2005/8/layout/hierarchy2"/>
+    <dgm:cxn modelId="{D6B5DA5E-AF5D-4EDB-B1E7-95525ABB2274}" srcId="{D7574746-66B0-4970-847E-CD396FB386D8}" destId="{CFDDCB34-23E0-470B-AA84-F523556FB1C5}" srcOrd="1" destOrd="0" parTransId="{D4788237-EDB6-405C-8940-7BE93498F306}" sibTransId="{5B2F49CF-A37D-447A-B5F0-42F24CFE4828}"/>
+    <dgm:cxn modelId="{11C91F49-583C-4BA5-AFB6-3E148D8AE57E}" type="presOf" srcId="{5C3FFB47-EB14-4868-A26D-DF51082E44C2}" destId="{8EDAC3DC-D128-4D73-8129-9426DCA05A2B}" srcOrd="0" destOrd="0" presId="urn:microsoft.com/office/officeart/2005/8/layout/hierarchy2"/>
+    <dgm:cxn modelId="{E9B08E6F-ACBB-4978-B7D4-9A2F8D8106F0}" type="presOf" srcId="{D7574746-66B0-4970-847E-CD396FB386D8}" destId="{CBB13932-86EC-4777-8763-4994ECED638A}" srcOrd="0" destOrd="0" presId="urn:microsoft.com/office/officeart/2005/8/layout/hierarchy2"/>
+    <dgm:cxn modelId="{4FE9F751-4653-48C6-898E-A62C937851A0}" srcId="{D7574746-66B0-4970-847E-CD396FB386D8}" destId="{A120DAAA-6962-456B-BC5C-DBC40C99B38A}" srcOrd="2" destOrd="0" parTransId="{5C3FFB47-EB14-4868-A26D-DF51082E44C2}" sibTransId="{8E0D2E83-D32D-41BA-ABDC-105F73067D7F}"/>
     <dgm:cxn modelId="{A2AF6D7E-E653-4338-8550-89677F8962D7}" srcId="{3A8481A6-C223-4EB4-8EF8-41DF70713461}" destId="{D7574746-66B0-4970-847E-CD396FB386D8}" srcOrd="0" destOrd="0" parTransId="{16A63E5B-4893-4FFE-914A-2569A73D6054}" sibTransId="{187B99A3-ED0F-4EA6-9336-6DEC98717B25}"/>
-    <dgm:cxn modelId="{E9B08E6F-ACBB-4978-B7D4-9A2F8D8106F0}" type="presOf" srcId="{D7574746-66B0-4970-847E-CD396FB386D8}" destId="{CBB13932-86EC-4777-8763-4994ECED638A}" srcOrd="0" destOrd="0" presId="urn:microsoft.com/office/officeart/2005/8/layout/hierarchy2"/>
-    <dgm:cxn modelId="{D6B5DA5E-AF5D-4EDB-B1E7-95525ABB2274}" srcId="{D7574746-66B0-4970-847E-CD396FB386D8}" destId="{CFDDCB34-23E0-470B-AA84-F523556FB1C5}" srcOrd="1" destOrd="0" parTransId="{D4788237-EDB6-405C-8940-7BE93498F306}" sibTransId="{5B2F49CF-A37D-447A-B5F0-42F24CFE4828}"/>
-    <dgm:cxn modelId="{964A4130-0ABD-4042-8612-E1F6800D3570}" type="presOf" srcId="{3A8481A6-C223-4EB4-8EF8-41DF70713461}" destId="{D7F764DB-E7F4-4990-9FAB-D5785C44D197}" srcOrd="0" destOrd="0" presId="urn:microsoft.com/office/officeart/2005/8/layout/hierarchy2"/>
-    <dgm:cxn modelId="{27CF8710-4B62-46D0-82D2-0426AAC717A8}" type="presOf" srcId="{D4788237-EDB6-405C-8940-7BE93498F306}" destId="{31E731A1-A2C0-4EB8-90E1-DDFCB836A0A5}" srcOrd="1" destOrd="0" presId="urn:microsoft.com/office/officeart/2005/8/layout/hierarchy2"/>
-    <dgm:cxn modelId="{B5CBA81F-1555-47CD-9848-F7E97D8B888D}" srcId="{D7574746-66B0-4970-847E-CD396FB386D8}" destId="{3F838F48-3BDD-42A2-A2C7-9DF0635CCFFF}" srcOrd="0" destOrd="0" parTransId="{755E190D-6AFD-41D1-B0AF-889A20248BB8}" sibTransId="{4BC4AC1C-4BE4-4C9C-A08E-848D84C08E5D}"/>
+    <dgm:cxn modelId="{06B52782-8096-4A2A-9275-1DA1FD748A86}" type="presOf" srcId="{CFDDCB34-23E0-470B-AA84-F523556FB1C5}" destId="{14D5E894-16A6-4B43-ACA7-4DFA85A6DD1D}" srcOrd="0" destOrd="0" presId="urn:microsoft.com/office/officeart/2005/8/layout/hierarchy2"/>
+    <dgm:cxn modelId="{91068A9B-CBA3-498C-B77A-D2260F350412}" type="presOf" srcId="{3F838F48-3BDD-42A2-A2C7-9DF0635CCFFF}" destId="{C3257237-F1C9-4F4C-A955-5B6EA16F32D2}" srcOrd="0" destOrd="0" presId="urn:microsoft.com/office/officeart/2005/8/layout/hierarchy2"/>
+    <dgm:cxn modelId="{FECCED9B-6F91-459B-8BAE-11939766C8C2}" type="presOf" srcId="{755E190D-6AFD-41D1-B0AF-889A20248BB8}" destId="{F88EAA99-1E1D-4FE8-9FAE-99F8C15B475D}" srcOrd="0" destOrd="0" presId="urn:microsoft.com/office/officeart/2005/8/layout/hierarchy2"/>
     <dgm:cxn modelId="{D4EA4AB9-E820-4F2C-9ACA-4C668F967EE0}" type="presOf" srcId="{5C3FFB47-EB14-4868-A26D-DF51082E44C2}" destId="{3C3C7E6A-2D38-4B53-BDBF-B9CC4ED9D75B}" srcOrd="1" destOrd="0" presId="urn:microsoft.com/office/officeart/2005/8/layout/hierarchy2"/>
-    <dgm:cxn modelId="{1D128C17-0728-4B7E-9381-DAD015290849}" type="presOf" srcId="{755E190D-6AFD-41D1-B0AF-889A20248BB8}" destId="{577007AF-3F67-423C-959D-12E1EDC9E4BC}" srcOrd="1" destOrd="0" presId="urn:microsoft.com/office/officeart/2005/8/layout/hierarchy2"/>
-    <dgm:cxn modelId="{FECCED9B-6F91-459B-8BAE-11939766C8C2}" type="presOf" srcId="{755E190D-6AFD-41D1-B0AF-889A20248BB8}" destId="{F88EAA99-1E1D-4FE8-9FAE-99F8C15B475D}" srcOrd="0" destOrd="0" presId="urn:microsoft.com/office/officeart/2005/8/layout/hierarchy2"/>
-    <dgm:cxn modelId="{4FE9F751-4653-48C6-898E-A62C937851A0}" srcId="{D7574746-66B0-4970-847E-CD396FB386D8}" destId="{A120DAAA-6962-456B-BC5C-DBC40C99B38A}" srcOrd="2" destOrd="0" parTransId="{5C3FFB47-EB14-4868-A26D-DF51082E44C2}" sibTransId="{8E0D2E83-D32D-41BA-ABDC-105F73067D7F}"/>
     <dgm:cxn modelId="{901B62E9-DB46-49BE-BD43-B247261B1FFF}" type="presOf" srcId="{D4788237-EDB6-405C-8940-7BE93498F306}" destId="{DD5FBFB2-866B-4DAB-9E5A-E187F7F7BA95}" srcOrd="0" destOrd="0" presId="urn:microsoft.com/office/officeart/2005/8/layout/hierarchy2"/>
-    <dgm:cxn modelId="{91068A9B-CBA3-498C-B77A-D2260F350412}" type="presOf" srcId="{3F838F48-3BDD-42A2-A2C7-9DF0635CCFFF}" destId="{C3257237-F1C9-4F4C-A955-5B6EA16F32D2}" srcOrd="0" destOrd="0" presId="urn:microsoft.com/office/officeart/2005/8/layout/hierarchy2"/>
-    <dgm:cxn modelId="{11C91F49-583C-4BA5-AFB6-3E148D8AE57E}" type="presOf" srcId="{5C3FFB47-EB14-4868-A26D-DF51082E44C2}" destId="{8EDAC3DC-D128-4D73-8129-9426DCA05A2B}" srcOrd="0" destOrd="0" presId="urn:microsoft.com/office/officeart/2005/8/layout/hierarchy2"/>
     <dgm:cxn modelId="{C7EDD7FD-5B1C-4929-AF5F-AF8EB27DFDC6}" type="presOf" srcId="{A120DAAA-6962-456B-BC5C-DBC40C99B38A}" destId="{367124F5-39B4-452A-B559-C800A5D27F1D}" srcOrd="0" destOrd="0" presId="urn:microsoft.com/office/officeart/2005/8/layout/hierarchy2"/>
-    <dgm:cxn modelId="{06B52782-8096-4A2A-9275-1DA1FD748A86}" type="presOf" srcId="{CFDDCB34-23E0-470B-AA84-F523556FB1C5}" destId="{14D5E894-16A6-4B43-ACA7-4DFA85A6DD1D}" srcOrd="0" destOrd="0" presId="urn:microsoft.com/office/officeart/2005/8/layout/hierarchy2"/>
     <dgm:cxn modelId="{E069D161-0D96-483E-88A7-6E019DCD99CA}" type="presParOf" srcId="{D7F764DB-E7F4-4990-9FAB-D5785C44D197}" destId="{AE049B34-808D-4F02-89CA-34AB9974B14A}" srcOrd="0" destOrd="0" presId="urn:microsoft.com/office/officeart/2005/8/layout/hierarchy2"/>
     <dgm:cxn modelId="{A0BA9627-66BD-4F20-B887-F742844A6BDA}" type="presParOf" srcId="{AE049B34-808D-4F02-89CA-34AB9974B14A}" destId="{CBB13932-86EC-4777-8763-4994ECED638A}" srcOrd="0" destOrd="0" presId="urn:microsoft.com/office/officeart/2005/8/layout/hierarchy2"/>
     <dgm:cxn modelId="{DAE43687-A808-4352-8EA7-E96BBEEED916}" type="presParOf" srcId="{AE049B34-808D-4F02-89CA-34AB9974B14A}" destId="{6CE539C9-0BD6-48D4-9134-10FFA528E539}" srcOrd="1" destOrd="0" presId="urn:microsoft.com/office/officeart/2005/8/layout/hierarchy2"/>
@@ -10298,35 +9906,14 @@
         </dgm:presLayoutVars>
       </dgm:prSet>
       <dgm:spPr/>
-      <dgm:t>
-        <a:bodyPr/>
-        <a:lstStyle/>
-        <a:p>
-          <a:endParaRPr lang="es-ES"/>
-        </a:p>
-      </dgm:t>
     </dgm:pt>
     <dgm:pt modelId="{261C8CDE-3639-4DE4-880F-CC5F8FFEE2F1}" type="pres">
       <dgm:prSet presAssocID="{C6365AC2-3329-49F3-A75D-76A69EB9F288}" presName="centerShape" presStyleLbl="node0" presStyleIdx="0" presStyleCnt="1"/>
       <dgm:spPr/>
-      <dgm:t>
-        <a:bodyPr/>
-        <a:lstStyle/>
-        <a:p>
-          <a:endParaRPr lang="es-ES"/>
-        </a:p>
-      </dgm:t>
     </dgm:pt>
     <dgm:pt modelId="{B1A7940F-3F9F-47A7-859F-C2337D8BD168}" type="pres">
       <dgm:prSet presAssocID="{F8AEE7CF-88D0-48B1-9BDE-402E194A60AF}" presName="parTrans" presStyleLbl="bgSibTrans2D1" presStyleIdx="0" presStyleCnt="4"/>
       <dgm:spPr/>
-      <dgm:t>
-        <a:bodyPr/>
-        <a:lstStyle/>
-        <a:p>
-          <a:endParaRPr lang="es-ES"/>
-        </a:p>
-      </dgm:t>
     </dgm:pt>
     <dgm:pt modelId="{E890FDA6-77E8-4E74-B150-63327ED17E42}" type="pres">
       <dgm:prSet presAssocID="{8D07B5F7-78F9-4D68-9C6C-64F33DD0C173}" presName="node" presStyleLbl="node1" presStyleIdx="0" presStyleCnt="4">
@@ -10335,24 +9922,10 @@
         </dgm:presLayoutVars>
       </dgm:prSet>
       <dgm:spPr/>
-      <dgm:t>
-        <a:bodyPr/>
-        <a:lstStyle/>
-        <a:p>
-          <a:endParaRPr lang="es-ES"/>
-        </a:p>
-      </dgm:t>
     </dgm:pt>
     <dgm:pt modelId="{D759B10F-B79D-497A-8F84-8172BA60915E}" type="pres">
       <dgm:prSet presAssocID="{9FA3CE2F-6017-4037-A40A-D31833411DFB}" presName="parTrans" presStyleLbl="bgSibTrans2D1" presStyleIdx="1" presStyleCnt="4"/>
       <dgm:spPr/>
-      <dgm:t>
-        <a:bodyPr/>
-        <a:lstStyle/>
-        <a:p>
-          <a:endParaRPr lang="es-ES"/>
-        </a:p>
-      </dgm:t>
     </dgm:pt>
     <dgm:pt modelId="{BA8DB7F3-D732-44A4-818F-095BAFB3C8A7}" type="pres">
       <dgm:prSet presAssocID="{922CE4DA-007C-40AF-BECA-7BB7EA4BF5C6}" presName="node" presStyleLbl="node1" presStyleIdx="1" presStyleCnt="4">
@@ -10361,24 +9934,10 @@
         </dgm:presLayoutVars>
       </dgm:prSet>
       <dgm:spPr/>
-      <dgm:t>
-        <a:bodyPr/>
-        <a:lstStyle/>
-        <a:p>
-          <a:endParaRPr lang="es-ES"/>
-        </a:p>
-      </dgm:t>
     </dgm:pt>
     <dgm:pt modelId="{183987E6-E372-4FE0-A869-C94038D8CFA9}" type="pres">
       <dgm:prSet presAssocID="{8BE5374E-B12A-45E0-8F52-47F05F884C22}" presName="parTrans" presStyleLbl="bgSibTrans2D1" presStyleIdx="2" presStyleCnt="4"/>
       <dgm:spPr/>
-      <dgm:t>
-        <a:bodyPr/>
-        <a:lstStyle/>
-        <a:p>
-          <a:endParaRPr lang="es-ES"/>
-        </a:p>
-      </dgm:t>
     </dgm:pt>
     <dgm:pt modelId="{C0F0A2CC-A3D1-4A27-8D38-3B041536630A}" type="pres">
       <dgm:prSet presAssocID="{CD62B09B-6346-4BFF-9E50-07166A00EF1C}" presName="node" presStyleLbl="node1" presStyleIdx="2" presStyleCnt="4">
@@ -10387,24 +9946,10 @@
         </dgm:presLayoutVars>
       </dgm:prSet>
       <dgm:spPr/>
-      <dgm:t>
-        <a:bodyPr/>
-        <a:lstStyle/>
-        <a:p>
-          <a:endParaRPr lang="es-ES"/>
-        </a:p>
-      </dgm:t>
     </dgm:pt>
     <dgm:pt modelId="{4761E782-9481-4230-82E2-17200F14B9EC}" type="pres">
       <dgm:prSet presAssocID="{82089FC6-332C-4770-9E0C-9016BB2D56C1}" presName="parTrans" presStyleLbl="bgSibTrans2D1" presStyleIdx="3" presStyleCnt="4"/>
       <dgm:spPr/>
-      <dgm:t>
-        <a:bodyPr/>
-        <a:lstStyle/>
-        <a:p>
-          <a:endParaRPr lang="es-ES"/>
-        </a:p>
-      </dgm:t>
     </dgm:pt>
     <dgm:pt modelId="{07C069A1-ABD6-4E02-8AA3-5768D003BCEC}" type="pres">
       <dgm:prSet presAssocID="{804F42EB-68A5-44DA-81B4-210895908AF9}" presName="node" presStyleLbl="node1" presStyleIdx="3" presStyleCnt="4">
@@ -10413,31 +9958,24 @@
         </dgm:presLayoutVars>
       </dgm:prSet>
       <dgm:spPr/>
-      <dgm:t>
-        <a:bodyPr/>
-        <a:lstStyle/>
-        <a:p>
-          <a:endParaRPr lang="es-ES"/>
-        </a:p>
-      </dgm:t>
     </dgm:pt>
   </dgm:ptLst>
   <dgm:cxnLst>
+    <dgm:cxn modelId="{9C8D2100-98D4-4276-96D8-52CB267D1286}" type="presOf" srcId="{82089FC6-332C-4770-9E0C-9016BB2D56C1}" destId="{4761E782-9481-4230-82E2-17200F14B9EC}" srcOrd="0" destOrd="0" presId="urn:microsoft.com/office/officeart/2005/8/layout/radial4"/>
+    <dgm:cxn modelId="{CED92502-5003-423D-BA8A-04A008311D58}" type="presOf" srcId="{C6365AC2-3329-49F3-A75D-76A69EB9F288}" destId="{261C8CDE-3639-4DE4-880F-CC5F8FFEE2F1}" srcOrd="0" destOrd="0" presId="urn:microsoft.com/office/officeart/2005/8/layout/radial4"/>
+    <dgm:cxn modelId="{0E3E7303-AE1C-4DEC-9131-085DDC66CB9D}" type="presOf" srcId="{F8AEE7CF-88D0-48B1-9BDE-402E194A60AF}" destId="{B1A7940F-3F9F-47A7-859F-C2337D8BD168}" srcOrd="0" destOrd="0" presId="urn:microsoft.com/office/officeart/2005/8/layout/radial4"/>
+    <dgm:cxn modelId="{F5688005-FDEE-4263-A3FC-B471CBE2FDBC}" type="presOf" srcId="{922CE4DA-007C-40AF-BECA-7BB7EA4BF5C6}" destId="{BA8DB7F3-D732-44A4-818F-095BAFB3C8A7}" srcOrd="0" destOrd="0" presId="urn:microsoft.com/office/officeart/2005/8/layout/radial4"/>
+    <dgm:cxn modelId="{80F8022F-7F94-4A5C-8FB7-492A0C489496}" srcId="{C6365AC2-3329-49F3-A75D-76A69EB9F288}" destId="{CD62B09B-6346-4BFF-9E50-07166A00EF1C}" srcOrd="2" destOrd="0" parTransId="{8BE5374E-B12A-45E0-8F52-47F05F884C22}" sibTransId="{2E2697E2-F30E-4AD3-8B67-4B5991E83903}"/>
+    <dgm:cxn modelId="{1BAFAC33-B639-438B-AC1A-A166BC85CDDF}" srcId="{AF21D1F5-736A-4B4D-BEBA-AE738B4C6E54}" destId="{C6365AC2-3329-49F3-A75D-76A69EB9F288}" srcOrd="0" destOrd="0" parTransId="{1CE54B46-0DDE-4B4C-B71D-0CE167A26D8B}" sibTransId="{BCC3A8DA-2FBB-412C-959B-8B9555F67B63}"/>
     <dgm:cxn modelId="{2DC04E34-85F9-4CCB-B30B-480C6801791F}" type="presOf" srcId="{804F42EB-68A5-44DA-81B4-210895908AF9}" destId="{07C069A1-ABD6-4E02-8AA3-5768D003BCEC}" srcOrd="0" destOrd="0" presId="urn:microsoft.com/office/officeart/2005/8/layout/radial4"/>
-    <dgm:cxn modelId="{63257BCF-12BC-4B56-AAC7-4BC46EC95E24}" type="presOf" srcId="{8D07B5F7-78F9-4D68-9C6C-64F33DD0C173}" destId="{E890FDA6-77E8-4E74-B150-63327ED17E42}" srcOrd="0" destOrd="0" presId="urn:microsoft.com/office/officeart/2005/8/layout/radial4"/>
+    <dgm:cxn modelId="{5844F04B-3E11-4A6F-AF66-DF3B2D07494A}" type="presOf" srcId="{9FA3CE2F-6017-4037-A40A-D31833411DFB}" destId="{D759B10F-B79D-497A-8F84-8172BA60915E}" srcOrd="0" destOrd="0" presId="urn:microsoft.com/office/officeart/2005/8/layout/radial4"/>
     <dgm:cxn modelId="{8413BA6F-C387-49A2-895C-FE164AE6F312}" type="presOf" srcId="{8BE5374E-B12A-45E0-8F52-47F05F884C22}" destId="{183987E6-E372-4FE0-A869-C94038D8CFA9}" srcOrd="0" destOrd="0" presId="urn:microsoft.com/office/officeart/2005/8/layout/radial4"/>
-    <dgm:cxn modelId="{8E1B38CA-F488-4D7F-A3C2-244F87A27561}" srcId="{C6365AC2-3329-49F3-A75D-76A69EB9F288}" destId="{922CE4DA-007C-40AF-BECA-7BB7EA4BF5C6}" srcOrd="1" destOrd="0" parTransId="{9FA3CE2F-6017-4037-A40A-D31833411DFB}" sibTransId="{0B3D7624-6635-45A8-9BF7-C70C67A98B8F}"/>
-    <dgm:cxn modelId="{CED92502-5003-423D-BA8A-04A008311D58}" type="presOf" srcId="{C6365AC2-3329-49F3-A75D-76A69EB9F288}" destId="{261C8CDE-3639-4DE4-880F-CC5F8FFEE2F1}" srcOrd="0" destOrd="0" presId="urn:microsoft.com/office/officeart/2005/8/layout/radial4"/>
-    <dgm:cxn modelId="{80F8022F-7F94-4A5C-8FB7-492A0C489496}" srcId="{C6365AC2-3329-49F3-A75D-76A69EB9F288}" destId="{CD62B09B-6346-4BFF-9E50-07166A00EF1C}" srcOrd="2" destOrd="0" parTransId="{8BE5374E-B12A-45E0-8F52-47F05F884C22}" sibTransId="{2E2697E2-F30E-4AD3-8B67-4B5991E83903}"/>
-    <dgm:cxn modelId="{F5688005-FDEE-4263-A3FC-B471CBE2FDBC}" type="presOf" srcId="{922CE4DA-007C-40AF-BECA-7BB7EA4BF5C6}" destId="{BA8DB7F3-D732-44A4-818F-095BAFB3C8A7}" srcOrd="0" destOrd="0" presId="urn:microsoft.com/office/officeart/2005/8/layout/radial4"/>
-    <dgm:cxn modelId="{D73B26EF-436B-43C9-BBFC-7C2F1840C734}" type="presOf" srcId="{AF21D1F5-736A-4B4D-BEBA-AE738B4C6E54}" destId="{F793AC36-7672-4264-B0E0-352570499CA1}" srcOrd="0" destOrd="0" presId="urn:microsoft.com/office/officeart/2005/8/layout/radial4"/>
     <dgm:cxn modelId="{955CF09C-2F07-4C7A-9429-7BE0A09DFF5E}" srcId="{C6365AC2-3329-49F3-A75D-76A69EB9F288}" destId="{804F42EB-68A5-44DA-81B4-210895908AF9}" srcOrd="3" destOrd="0" parTransId="{82089FC6-332C-4770-9E0C-9016BB2D56C1}" sibTransId="{0F748596-3C2E-4255-882D-ED352153026B}"/>
     <dgm:cxn modelId="{4D7353A6-0831-4D37-BE85-43A361A3DA13}" type="presOf" srcId="{CD62B09B-6346-4BFF-9E50-07166A00EF1C}" destId="{C0F0A2CC-A3D1-4A27-8D38-3B041536630A}" srcOrd="0" destOrd="0" presId="urn:microsoft.com/office/officeart/2005/8/layout/radial4"/>
-    <dgm:cxn modelId="{1BAFAC33-B639-438B-AC1A-A166BC85CDDF}" srcId="{AF21D1F5-736A-4B4D-BEBA-AE738B4C6E54}" destId="{C6365AC2-3329-49F3-A75D-76A69EB9F288}" srcOrd="0" destOrd="0" parTransId="{1CE54B46-0DDE-4B4C-B71D-0CE167A26D8B}" sibTransId="{BCC3A8DA-2FBB-412C-959B-8B9555F67B63}"/>
-    <dgm:cxn modelId="{5844F04B-3E11-4A6F-AF66-DF3B2D07494A}" type="presOf" srcId="{9FA3CE2F-6017-4037-A40A-D31833411DFB}" destId="{D759B10F-B79D-497A-8F84-8172BA60915E}" srcOrd="0" destOrd="0" presId="urn:microsoft.com/office/officeart/2005/8/layout/radial4"/>
-    <dgm:cxn modelId="{9C8D2100-98D4-4276-96D8-52CB267D1286}" type="presOf" srcId="{82089FC6-332C-4770-9E0C-9016BB2D56C1}" destId="{4761E782-9481-4230-82E2-17200F14B9EC}" srcOrd="0" destOrd="0" presId="urn:microsoft.com/office/officeart/2005/8/layout/radial4"/>
-    <dgm:cxn modelId="{0E3E7303-AE1C-4DEC-9131-085DDC66CB9D}" type="presOf" srcId="{F8AEE7CF-88D0-48B1-9BDE-402E194A60AF}" destId="{B1A7940F-3F9F-47A7-859F-C2337D8BD168}" srcOrd="0" destOrd="0" presId="urn:microsoft.com/office/officeart/2005/8/layout/radial4"/>
     <dgm:cxn modelId="{7DA70CB6-6C57-4605-AE64-AA9D0678FB6F}" srcId="{C6365AC2-3329-49F3-A75D-76A69EB9F288}" destId="{8D07B5F7-78F9-4D68-9C6C-64F33DD0C173}" srcOrd="0" destOrd="0" parTransId="{F8AEE7CF-88D0-48B1-9BDE-402E194A60AF}" sibTransId="{76199705-B765-4BA7-A766-F046231C62C8}"/>
+    <dgm:cxn modelId="{8E1B38CA-F488-4D7F-A3C2-244F87A27561}" srcId="{C6365AC2-3329-49F3-A75D-76A69EB9F288}" destId="{922CE4DA-007C-40AF-BECA-7BB7EA4BF5C6}" srcOrd="1" destOrd="0" parTransId="{9FA3CE2F-6017-4037-A40A-D31833411DFB}" sibTransId="{0B3D7624-6635-45A8-9BF7-C70C67A98B8F}"/>
+    <dgm:cxn modelId="{63257BCF-12BC-4B56-AAC7-4BC46EC95E24}" type="presOf" srcId="{8D07B5F7-78F9-4D68-9C6C-64F33DD0C173}" destId="{E890FDA6-77E8-4E74-B150-63327ED17E42}" srcOrd="0" destOrd="0" presId="urn:microsoft.com/office/officeart/2005/8/layout/radial4"/>
+    <dgm:cxn modelId="{D73B26EF-436B-43C9-BBFC-7C2F1840C734}" type="presOf" srcId="{AF21D1F5-736A-4B4D-BEBA-AE738B4C6E54}" destId="{F793AC36-7672-4264-B0E0-352570499CA1}" srcOrd="0" destOrd="0" presId="urn:microsoft.com/office/officeart/2005/8/layout/radial4"/>
     <dgm:cxn modelId="{72CF12A5-958D-4EC8-93A1-8B50EE2554EB}" type="presParOf" srcId="{F793AC36-7672-4264-B0E0-352570499CA1}" destId="{261C8CDE-3639-4DE4-880F-CC5F8FFEE2F1}" srcOrd="0" destOrd="0" presId="urn:microsoft.com/office/officeart/2005/8/layout/radial4"/>
     <dgm:cxn modelId="{CD0E7DD8-974D-4EE9-86C1-11A791AF4D92}" type="presParOf" srcId="{F793AC36-7672-4264-B0E0-352570499CA1}" destId="{B1A7940F-3F9F-47A7-859F-C2337D8BD168}" srcOrd="1" destOrd="0" presId="urn:microsoft.com/office/officeart/2005/8/layout/radial4"/>
     <dgm:cxn modelId="{A71CC89F-F699-4AD4-BCD2-A0A398CE8265}" type="presParOf" srcId="{F793AC36-7672-4264-B0E0-352570499CA1}" destId="{E890FDA6-77E8-4E74-B150-63327ED17E42}" srcOrd="2" destOrd="0" presId="urn:microsoft.com/office/officeart/2005/8/layout/radial4"/>
@@ -10546,11 +10084,11 @@
             <a:t>A. </a:t>
           </a:r>
           <a:r>
-            <a:rPr lang="es-ES" dirty="0" smtClean="0"/>
+            <a:rPr lang="es-ES" dirty="0"/>
             <a:t>Aceptar </a:t>
           </a:r>
           <a:r>
-            <a:rPr lang="es-ES" u="sng" dirty="0" smtClean="0">
+            <a:rPr lang="es-ES" u="sng" dirty="0">
               <a:solidFill>
                 <a:schemeClr val="accent2"/>
               </a:solidFill>
@@ -10558,12 +10096,8 @@
             <a:t>la modificación </a:t>
           </a:r>
           <a:r>
-            <a:rPr lang="es-ES" dirty="0" smtClean="0"/>
-            <a:t>y </a:t>
-          </a:r>
-          <a:r>
             <a:rPr lang="es-ES" dirty="0"/>
-            <a:t>no recurrir</a:t>
+            <a:t>y no recurrir</a:t>
           </a:r>
         </a:p>
       </dgm:t>
@@ -10688,25 +10222,16 @@
           <a:pPr algn="just"/>
           <a:r>
             <a:rPr lang="es-ES" sz="1600" dirty="0"/>
-            <a:t>Cuando afecta a la jornada, el horario, los turnos o la remuneración o una movilidad funcional que excede los límites </a:t>
+            <a:t>Cuando afecta a la jornada, el horario, los turnos o la remuneración o una movilidad funcional que excede los límites estudiados. </a:t>
           </a:r>
           <a:r>
-            <a:rPr lang="es-ES" sz="1600" dirty="0" smtClean="0"/>
-            <a:t>estudiados. </a:t>
-          </a:r>
-          <a:r>
-            <a:rPr lang="es-ES" sz="1600" dirty="0" smtClean="0">
+            <a:rPr lang="es-ES" sz="1600" dirty="0">
               <a:solidFill>
                 <a:schemeClr val="accent2"/>
               </a:solidFill>
             </a:rPr>
             <a:t>Con indemnización de 20 días por año trabajado.</a:t>
           </a:r>
-          <a:endParaRPr lang="es-ES" sz="1600" dirty="0">
-            <a:solidFill>
-              <a:schemeClr val="accent2"/>
-            </a:solidFill>
-          </a:endParaRPr>
         </a:p>
       </dgm:t>
     </dgm:pt>
@@ -10744,13 +10269,6 @@
         </dgm:presLayoutVars>
       </dgm:prSet>
       <dgm:spPr/>
-      <dgm:t>
-        <a:bodyPr/>
-        <a:lstStyle/>
-        <a:p>
-          <a:endParaRPr lang="es-ES"/>
-        </a:p>
-      </dgm:t>
     </dgm:pt>
     <dgm:pt modelId="{53A08BC6-7C0B-4C3C-A0B0-D6876D93085F}" type="pres">
       <dgm:prSet presAssocID="{D7574746-66B0-4970-847E-CD396FB386D8}" presName="hierRoot1" presStyleCnt="0">
@@ -10771,24 +10289,10 @@
         </dgm:presLayoutVars>
       </dgm:prSet>
       <dgm:spPr/>
-      <dgm:t>
-        <a:bodyPr/>
-        <a:lstStyle/>
-        <a:p>
-          <a:endParaRPr lang="es-ES"/>
-        </a:p>
-      </dgm:t>
     </dgm:pt>
     <dgm:pt modelId="{5609ADB4-F624-437F-AC3B-A9F4828CE637}" type="pres">
       <dgm:prSet presAssocID="{D7574746-66B0-4970-847E-CD396FB386D8}" presName="rootConnector1" presStyleLbl="node1" presStyleIdx="0" presStyleCnt="0"/>
       <dgm:spPr/>
-      <dgm:t>
-        <a:bodyPr/>
-        <a:lstStyle/>
-        <a:p>
-          <a:endParaRPr lang="es-ES"/>
-        </a:p>
-      </dgm:t>
     </dgm:pt>
     <dgm:pt modelId="{EE1CF52E-8BF8-4793-987F-55F6D8C053BD}" type="pres">
       <dgm:prSet presAssocID="{D7574746-66B0-4970-847E-CD396FB386D8}" presName="hierChild2" presStyleCnt="0"/>
@@ -10797,13 +10301,6 @@
     <dgm:pt modelId="{250D8332-2152-4B6C-8E10-A1CEAF56364C}" type="pres">
       <dgm:prSet presAssocID="{755E190D-6AFD-41D1-B0AF-889A20248BB8}" presName="Name37" presStyleLbl="parChTrans1D2" presStyleIdx="0" presStyleCnt="3"/>
       <dgm:spPr/>
-      <dgm:t>
-        <a:bodyPr/>
-        <a:lstStyle/>
-        <a:p>
-          <a:endParaRPr lang="es-ES"/>
-        </a:p>
-      </dgm:t>
     </dgm:pt>
     <dgm:pt modelId="{F7C57EF6-F33F-4B39-B4AC-3E2D74453C7E}" type="pres">
       <dgm:prSet presAssocID="{3F838F48-3BDD-42A2-A2C7-9DF0635CCFFF}" presName="hierRoot2" presStyleCnt="0">
@@ -10824,24 +10321,10 @@
         </dgm:presLayoutVars>
       </dgm:prSet>
       <dgm:spPr/>
-      <dgm:t>
-        <a:bodyPr/>
-        <a:lstStyle/>
-        <a:p>
-          <a:endParaRPr lang="es-ES"/>
-        </a:p>
-      </dgm:t>
     </dgm:pt>
     <dgm:pt modelId="{E06EFE10-08D8-4A85-BE73-76F89BEE3388}" type="pres">
       <dgm:prSet presAssocID="{3F838F48-3BDD-42A2-A2C7-9DF0635CCFFF}" presName="rootConnector" presStyleLbl="node2" presStyleIdx="0" presStyleCnt="3"/>
       <dgm:spPr/>
-      <dgm:t>
-        <a:bodyPr/>
-        <a:lstStyle/>
-        <a:p>
-          <a:endParaRPr lang="es-ES"/>
-        </a:p>
-      </dgm:t>
     </dgm:pt>
     <dgm:pt modelId="{FB3C5798-3F27-4455-83BB-420E7BD38DB2}" type="pres">
       <dgm:prSet presAssocID="{3F838F48-3BDD-42A2-A2C7-9DF0635CCFFF}" presName="hierChild4" presStyleCnt="0"/>
@@ -10854,13 +10337,6 @@
     <dgm:pt modelId="{E4EFEFEE-1133-445E-B0CD-CF67315CAA45}" type="pres">
       <dgm:prSet presAssocID="{D4788237-EDB6-405C-8940-7BE93498F306}" presName="Name37" presStyleLbl="parChTrans1D2" presStyleIdx="1" presStyleCnt="3"/>
       <dgm:spPr/>
-      <dgm:t>
-        <a:bodyPr/>
-        <a:lstStyle/>
-        <a:p>
-          <a:endParaRPr lang="es-ES"/>
-        </a:p>
-      </dgm:t>
     </dgm:pt>
     <dgm:pt modelId="{640231A1-70B2-4A66-A9CD-C3EE938F26F4}" type="pres">
       <dgm:prSet presAssocID="{CFDDCB34-23E0-470B-AA84-F523556FB1C5}" presName="hierRoot2" presStyleCnt="0">
@@ -10881,24 +10357,10 @@
         </dgm:presLayoutVars>
       </dgm:prSet>
       <dgm:spPr/>
-      <dgm:t>
-        <a:bodyPr/>
-        <a:lstStyle/>
-        <a:p>
-          <a:endParaRPr lang="es-ES"/>
-        </a:p>
-      </dgm:t>
     </dgm:pt>
     <dgm:pt modelId="{C4CE8D4D-9208-45AD-B2A6-A4865C19C686}" type="pres">
       <dgm:prSet presAssocID="{CFDDCB34-23E0-470B-AA84-F523556FB1C5}" presName="rootConnector" presStyleLbl="node2" presStyleIdx="1" presStyleCnt="3"/>
       <dgm:spPr/>
-      <dgm:t>
-        <a:bodyPr/>
-        <a:lstStyle/>
-        <a:p>
-          <a:endParaRPr lang="es-ES"/>
-        </a:p>
-      </dgm:t>
     </dgm:pt>
     <dgm:pt modelId="{C2232A96-0A2C-47F6-9E54-2055CBF41D1E}" type="pres">
       <dgm:prSet presAssocID="{CFDDCB34-23E0-470B-AA84-F523556FB1C5}" presName="hierChild4" presStyleCnt="0"/>
@@ -10911,13 +10373,6 @@
     <dgm:pt modelId="{F308462B-5C16-418F-98C7-935DF9CA2402}" type="pres">
       <dgm:prSet presAssocID="{5C3FFB47-EB14-4868-A26D-DF51082E44C2}" presName="Name37" presStyleLbl="parChTrans1D2" presStyleIdx="2" presStyleCnt="3"/>
       <dgm:spPr/>
-      <dgm:t>
-        <a:bodyPr/>
-        <a:lstStyle/>
-        <a:p>
-          <a:endParaRPr lang="es-ES"/>
-        </a:p>
-      </dgm:t>
     </dgm:pt>
     <dgm:pt modelId="{0C24255F-5B2D-4535-A7C4-46DE47EAEAAF}" type="pres">
       <dgm:prSet presAssocID="{A120DAAA-6962-456B-BC5C-DBC40C99B38A}" presName="hierRoot2" presStyleCnt="0">
@@ -10938,24 +10393,10 @@
         </dgm:presLayoutVars>
       </dgm:prSet>
       <dgm:spPr/>
-      <dgm:t>
-        <a:bodyPr/>
-        <a:lstStyle/>
-        <a:p>
-          <a:endParaRPr lang="es-ES"/>
-        </a:p>
-      </dgm:t>
     </dgm:pt>
     <dgm:pt modelId="{D2076CF1-BA6A-4A26-BCB4-C2E291A6350F}" type="pres">
       <dgm:prSet presAssocID="{A120DAAA-6962-456B-BC5C-DBC40C99B38A}" presName="rootConnector" presStyleLbl="node2" presStyleIdx="2" presStyleCnt="3"/>
       <dgm:spPr/>
-      <dgm:t>
-        <a:bodyPr/>
-        <a:lstStyle/>
-        <a:p>
-          <a:endParaRPr lang="es-ES"/>
-        </a:p>
-      </dgm:t>
     </dgm:pt>
     <dgm:pt modelId="{463D2C40-F803-49DE-872E-6B94D7EBE561}" type="pres">
       <dgm:prSet presAssocID="{A120DAAA-6962-456B-BC5C-DBC40C99B38A}" presName="hierChild4" presStyleCnt="0"/>
@@ -10968,13 +10409,6 @@
     <dgm:pt modelId="{C612A7BE-5E3F-4DF4-8A4D-7829E9F74B5F}" type="pres">
       <dgm:prSet presAssocID="{0DC12E2D-8719-4EAC-9E94-16F9A42C89BB}" presName="Name111" presStyleLbl="parChTrans1D3" presStyleIdx="0" presStyleCnt="1"/>
       <dgm:spPr/>
-      <dgm:t>
-        <a:bodyPr/>
-        <a:lstStyle/>
-        <a:p>
-          <a:endParaRPr lang="es-ES"/>
-        </a:p>
-      </dgm:t>
     </dgm:pt>
     <dgm:pt modelId="{21FB33D4-8BC0-4C71-9E51-0AD48DBC1E96}" type="pres">
       <dgm:prSet presAssocID="{BF5770EB-0513-45E2-B2B9-ACFC7EE6936E}" presName="hierRoot3" presStyleCnt="0">
@@ -10995,24 +10429,10 @@
         </dgm:presLayoutVars>
       </dgm:prSet>
       <dgm:spPr/>
-      <dgm:t>
-        <a:bodyPr/>
-        <a:lstStyle/>
-        <a:p>
-          <a:endParaRPr lang="es-ES"/>
-        </a:p>
-      </dgm:t>
     </dgm:pt>
     <dgm:pt modelId="{A501CF21-4E83-4376-AE85-65AC3968C2C0}" type="pres">
       <dgm:prSet presAssocID="{BF5770EB-0513-45E2-B2B9-ACFC7EE6936E}" presName="rootConnector3" presStyleLbl="asst2" presStyleIdx="0" presStyleCnt="1"/>
       <dgm:spPr/>
-      <dgm:t>
-        <a:bodyPr/>
-        <a:lstStyle/>
-        <a:p>
-          <a:endParaRPr lang="es-ES"/>
-        </a:p>
-      </dgm:t>
     </dgm:pt>
     <dgm:pt modelId="{69FEE85B-2D6A-49CA-B5C6-59109CF00195}" type="pres">
       <dgm:prSet presAssocID="{BF5770EB-0513-45E2-B2B9-ACFC7EE6936E}" presName="hierChild6" presStyleCnt="0"/>
@@ -11028,26 +10448,26 @@
     </dgm:pt>
   </dgm:ptLst>
   <dgm:cxnLst>
-    <dgm:cxn modelId="{44D196CC-CCF9-4808-B4B5-06776BC3DAC6}" type="presOf" srcId="{BF5770EB-0513-45E2-B2B9-ACFC7EE6936E}" destId="{5D6386F1-2378-4A61-BBAE-792EDC5AF047}" srcOrd="0" destOrd="0" presId="urn:microsoft.com/office/officeart/2005/8/layout/orgChart1"/>
-    <dgm:cxn modelId="{4FE9F751-4653-48C6-898E-A62C937851A0}" srcId="{D7574746-66B0-4970-847E-CD396FB386D8}" destId="{A120DAAA-6962-456B-BC5C-DBC40C99B38A}" srcOrd="2" destOrd="0" parTransId="{5C3FFB47-EB14-4868-A26D-DF51082E44C2}" sibTransId="{8E0D2E83-D32D-41BA-ABDC-105F73067D7F}"/>
-    <dgm:cxn modelId="{45174B65-7BF3-4188-988B-0255E0F1D766}" type="presOf" srcId="{5C3FFB47-EB14-4868-A26D-DF51082E44C2}" destId="{F308462B-5C16-418F-98C7-935DF9CA2402}" srcOrd="0" destOrd="0" presId="urn:microsoft.com/office/officeart/2005/8/layout/orgChart1"/>
-    <dgm:cxn modelId="{E117A0FE-6EF8-4861-8FC7-263E178109E7}" type="presOf" srcId="{755E190D-6AFD-41D1-B0AF-889A20248BB8}" destId="{250D8332-2152-4B6C-8E10-A1CEAF56364C}" srcOrd="0" destOrd="0" presId="urn:microsoft.com/office/officeart/2005/8/layout/orgChart1"/>
-    <dgm:cxn modelId="{86C0EFD2-D081-478E-8EAE-B062366C6AAA}" type="presOf" srcId="{CFDDCB34-23E0-470B-AA84-F523556FB1C5}" destId="{D7F737D7-A712-4989-B423-59E2D0FC76EB}" srcOrd="0" destOrd="0" presId="urn:microsoft.com/office/officeart/2005/8/layout/orgChart1"/>
-    <dgm:cxn modelId="{5F688C26-D007-42CC-B2F3-09B66A14CE6D}" type="presOf" srcId="{0DC12E2D-8719-4EAC-9E94-16F9A42C89BB}" destId="{C612A7BE-5E3F-4DF4-8A4D-7829E9F74B5F}" srcOrd="0" destOrd="0" presId="urn:microsoft.com/office/officeart/2005/8/layout/orgChart1"/>
-    <dgm:cxn modelId="{17C5CEB1-ECE8-4E13-9A03-936201E1D80D}" type="presOf" srcId="{D7574746-66B0-4970-847E-CD396FB386D8}" destId="{71301C3E-6C4B-4B62-8AC9-777434BFB248}" srcOrd="0" destOrd="0" presId="urn:microsoft.com/office/officeart/2005/8/layout/orgChart1"/>
-    <dgm:cxn modelId="{445DBC93-D05A-4DA8-8D87-24E9485EF755}" type="presOf" srcId="{3F838F48-3BDD-42A2-A2C7-9DF0635CCFFF}" destId="{E06EFE10-08D8-4A85-BE73-76F89BEE3388}" srcOrd="1" destOrd="0" presId="urn:microsoft.com/office/officeart/2005/8/layout/orgChart1"/>
-    <dgm:cxn modelId="{0FCC3D72-2B2C-4E70-A226-2CDCFD891E8B}" type="presOf" srcId="{3A8481A6-C223-4EB4-8EF8-41DF70713461}" destId="{540AC1D8-7F43-4F0E-8EEC-D126DEB7CB88}" srcOrd="0" destOrd="0" presId="urn:microsoft.com/office/officeart/2005/8/layout/orgChart1"/>
-    <dgm:cxn modelId="{14FB9BBD-691B-4BDB-A8D6-372E093B29B7}" type="presOf" srcId="{D7574746-66B0-4970-847E-CD396FB386D8}" destId="{5609ADB4-F624-437F-AC3B-A9F4828CE637}" srcOrd="1" destOrd="0" presId="urn:microsoft.com/office/officeart/2005/8/layout/orgChart1"/>
-    <dgm:cxn modelId="{4018CB59-D6CA-4329-BAAD-0E54B389FA90}" type="presOf" srcId="{A120DAAA-6962-456B-BC5C-DBC40C99B38A}" destId="{D2076CF1-BA6A-4A26-BCB4-C2E291A6350F}" srcOrd="1" destOrd="0" presId="urn:microsoft.com/office/officeart/2005/8/layout/orgChart1"/>
-    <dgm:cxn modelId="{A2AF6D7E-E653-4338-8550-89677F8962D7}" srcId="{3A8481A6-C223-4EB4-8EF8-41DF70713461}" destId="{D7574746-66B0-4970-847E-CD396FB386D8}" srcOrd="0" destOrd="0" parTransId="{16A63E5B-4893-4FFE-914A-2569A73D6054}" sibTransId="{187B99A3-ED0F-4EA6-9336-6DEC98717B25}"/>
-    <dgm:cxn modelId="{5304E9AE-C4CE-4F5D-9D87-64366DC0FC1B}" type="presOf" srcId="{A120DAAA-6962-456B-BC5C-DBC40C99B38A}" destId="{406054F4-20E3-4EFA-AF0B-3E1F9636D9DD}" srcOrd="0" destOrd="0" presId="urn:microsoft.com/office/officeart/2005/8/layout/orgChart1"/>
+    <dgm:cxn modelId="{EA073518-E97D-45BD-984D-A20150CDE643}" srcId="{A120DAAA-6962-456B-BC5C-DBC40C99B38A}" destId="{BF5770EB-0513-45E2-B2B9-ACFC7EE6936E}" srcOrd="0" destOrd="0" parTransId="{0DC12E2D-8719-4EAC-9E94-16F9A42C89BB}" sibTransId="{D681409A-BC55-4A97-86E4-C2E89476D834}"/>
     <dgm:cxn modelId="{7F95A21C-FF6A-4091-ACE1-13312E6920A4}" type="presOf" srcId="{CFDDCB34-23E0-470B-AA84-F523556FB1C5}" destId="{C4CE8D4D-9208-45AD-B2A6-A4865C19C686}" srcOrd="1" destOrd="0" presId="urn:microsoft.com/office/officeart/2005/8/layout/orgChart1"/>
     <dgm:cxn modelId="{B5CBA81F-1555-47CD-9848-F7E97D8B888D}" srcId="{D7574746-66B0-4970-847E-CD396FB386D8}" destId="{3F838F48-3BDD-42A2-A2C7-9DF0635CCFFF}" srcOrd="0" destOrd="0" parTransId="{755E190D-6AFD-41D1-B0AF-889A20248BB8}" sibTransId="{4BC4AC1C-4BE4-4C9C-A08E-848D84C08E5D}"/>
+    <dgm:cxn modelId="{5F688C26-D007-42CC-B2F3-09B66A14CE6D}" type="presOf" srcId="{0DC12E2D-8719-4EAC-9E94-16F9A42C89BB}" destId="{C612A7BE-5E3F-4DF4-8A4D-7829E9F74B5F}" srcOrd="0" destOrd="0" presId="urn:microsoft.com/office/officeart/2005/8/layout/orgChart1"/>
+    <dgm:cxn modelId="{D6B5DA5E-AF5D-4EDB-B1E7-95525ABB2274}" srcId="{D7574746-66B0-4970-847E-CD396FB386D8}" destId="{CFDDCB34-23E0-470B-AA84-F523556FB1C5}" srcOrd="1" destOrd="0" parTransId="{D4788237-EDB6-405C-8940-7BE93498F306}" sibTransId="{5B2F49CF-A37D-447A-B5F0-42F24CFE4828}"/>
+    <dgm:cxn modelId="{45174B65-7BF3-4188-988B-0255E0F1D766}" type="presOf" srcId="{5C3FFB47-EB14-4868-A26D-DF51082E44C2}" destId="{F308462B-5C16-418F-98C7-935DF9CA2402}" srcOrd="0" destOrd="0" presId="urn:microsoft.com/office/officeart/2005/8/layout/orgChart1"/>
     <dgm:cxn modelId="{7CA1B46C-A09C-401B-87EA-A5057DABC8F6}" type="presOf" srcId="{3F838F48-3BDD-42A2-A2C7-9DF0635CCFFF}" destId="{29097CE3-DB5F-41B4-ABDC-631A0501FACF}" srcOrd="0" destOrd="0" presId="urn:microsoft.com/office/officeart/2005/8/layout/orgChart1"/>
-    <dgm:cxn modelId="{D6B5DA5E-AF5D-4EDB-B1E7-95525ABB2274}" srcId="{D7574746-66B0-4970-847E-CD396FB386D8}" destId="{CFDDCB34-23E0-470B-AA84-F523556FB1C5}" srcOrd="1" destOrd="0" parTransId="{D4788237-EDB6-405C-8940-7BE93498F306}" sibTransId="{5B2F49CF-A37D-447A-B5F0-42F24CFE4828}"/>
-    <dgm:cxn modelId="{EA073518-E97D-45BD-984D-A20150CDE643}" srcId="{A120DAAA-6962-456B-BC5C-DBC40C99B38A}" destId="{BF5770EB-0513-45E2-B2B9-ACFC7EE6936E}" srcOrd="0" destOrd="0" parTransId="{0DC12E2D-8719-4EAC-9E94-16F9A42C89BB}" sibTransId="{D681409A-BC55-4A97-86E4-C2E89476D834}"/>
+    <dgm:cxn modelId="{4FE9F751-4653-48C6-898E-A62C937851A0}" srcId="{D7574746-66B0-4970-847E-CD396FB386D8}" destId="{A120DAAA-6962-456B-BC5C-DBC40C99B38A}" srcOrd="2" destOrd="0" parTransId="{5C3FFB47-EB14-4868-A26D-DF51082E44C2}" sibTransId="{8E0D2E83-D32D-41BA-ABDC-105F73067D7F}"/>
+    <dgm:cxn modelId="{0FCC3D72-2B2C-4E70-A226-2CDCFD891E8B}" type="presOf" srcId="{3A8481A6-C223-4EB4-8EF8-41DF70713461}" destId="{540AC1D8-7F43-4F0E-8EEC-D126DEB7CB88}" srcOrd="0" destOrd="0" presId="urn:microsoft.com/office/officeart/2005/8/layout/orgChart1"/>
+    <dgm:cxn modelId="{58335D72-EE06-429E-B357-06E82D3A0783}" type="presOf" srcId="{D4788237-EDB6-405C-8940-7BE93498F306}" destId="{E4EFEFEE-1133-445E-B0CD-CF67315CAA45}" srcOrd="0" destOrd="0" presId="urn:microsoft.com/office/officeart/2005/8/layout/orgChart1"/>
+    <dgm:cxn modelId="{4018CB59-D6CA-4329-BAAD-0E54B389FA90}" type="presOf" srcId="{A120DAAA-6962-456B-BC5C-DBC40C99B38A}" destId="{D2076CF1-BA6A-4A26-BCB4-C2E291A6350F}" srcOrd="1" destOrd="0" presId="urn:microsoft.com/office/officeart/2005/8/layout/orgChart1"/>
     <dgm:cxn modelId="{547D0C7C-007A-468E-9953-FDBD244FB864}" type="presOf" srcId="{BF5770EB-0513-45E2-B2B9-ACFC7EE6936E}" destId="{A501CF21-4E83-4376-AE85-65AC3968C2C0}" srcOrd="1" destOrd="0" presId="urn:microsoft.com/office/officeart/2005/8/layout/orgChart1"/>
-    <dgm:cxn modelId="{58335D72-EE06-429E-B357-06E82D3A0783}" type="presOf" srcId="{D4788237-EDB6-405C-8940-7BE93498F306}" destId="{E4EFEFEE-1133-445E-B0CD-CF67315CAA45}" srcOrd="0" destOrd="0" presId="urn:microsoft.com/office/officeart/2005/8/layout/orgChart1"/>
+    <dgm:cxn modelId="{A2AF6D7E-E653-4338-8550-89677F8962D7}" srcId="{3A8481A6-C223-4EB4-8EF8-41DF70713461}" destId="{D7574746-66B0-4970-847E-CD396FB386D8}" srcOrd="0" destOrd="0" parTransId="{16A63E5B-4893-4FFE-914A-2569A73D6054}" sibTransId="{187B99A3-ED0F-4EA6-9336-6DEC98717B25}"/>
+    <dgm:cxn modelId="{445DBC93-D05A-4DA8-8D87-24E9485EF755}" type="presOf" srcId="{3F838F48-3BDD-42A2-A2C7-9DF0635CCFFF}" destId="{E06EFE10-08D8-4A85-BE73-76F89BEE3388}" srcOrd="1" destOrd="0" presId="urn:microsoft.com/office/officeart/2005/8/layout/orgChart1"/>
+    <dgm:cxn modelId="{5304E9AE-C4CE-4F5D-9D87-64366DC0FC1B}" type="presOf" srcId="{A120DAAA-6962-456B-BC5C-DBC40C99B38A}" destId="{406054F4-20E3-4EFA-AF0B-3E1F9636D9DD}" srcOrd="0" destOrd="0" presId="urn:microsoft.com/office/officeart/2005/8/layout/orgChart1"/>
+    <dgm:cxn modelId="{17C5CEB1-ECE8-4E13-9A03-936201E1D80D}" type="presOf" srcId="{D7574746-66B0-4970-847E-CD396FB386D8}" destId="{71301C3E-6C4B-4B62-8AC9-777434BFB248}" srcOrd="0" destOrd="0" presId="urn:microsoft.com/office/officeart/2005/8/layout/orgChart1"/>
+    <dgm:cxn modelId="{14FB9BBD-691B-4BDB-A8D6-372E093B29B7}" type="presOf" srcId="{D7574746-66B0-4970-847E-CD396FB386D8}" destId="{5609ADB4-F624-437F-AC3B-A9F4828CE637}" srcOrd="1" destOrd="0" presId="urn:microsoft.com/office/officeart/2005/8/layout/orgChart1"/>
+    <dgm:cxn modelId="{44D196CC-CCF9-4808-B4B5-06776BC3DAC6}" type="presOf" srcId="{BF5770EB-0513-45E2-B2B9-ACFC7EE6936E}" destId="{5D6386F1-2378-4A61-BBAE-792EDC5AF047}" srcOrd="0" destOrd="0" presId="urn:microsoft.com/office/officeart/2005/8/layout/orgChart1"/>
+    <dgm:cxn modelId="{86C0EFD2-D081-478E-8EAE-B062366C6AAA}" type="presOf" srcId="{CFDDCB34-23E0-470B-AA84-F523556FB1C5}" destId="{D7F737D7-A712-4989-B423-59E2D0FC76EB}" srcOrd="0" destOrd="0" presId="urn:microsoft.com/office/officeart/2005/8/layout/orgChart1"/>
+    <dgm:cxn modelId="{E117A0FE-6EF8-4861-8FC7-263E178109E7}" type="presOf" srcId="{755E190D-6AFD-41D1-B0AF-889A20248BB8}" destId="{250D8332-2152-4B6C-8E10-A1CEAF56364C}" srcOrd="0" destOrd="0" presId="urn:microsoft.com/office/officeart/2005/8/layout/orgChart1"/>
     <dgm:cxn modelId="{B4E4E4FF-C6F1-4B0C-88EB-9C9475BC363D}" type="presParOf" srcId="{540AC1D8-7F43-4F0E-8EEC-D126DEB7CB88}" destId="{53A08BC6-7C0B-4C3C-A0B0-D6876D93085F}" srcOrd="0" destOrd="0" presId="urn:microsoft.com/office/officeart/2005/8/layout/orgChart1"/>
     <dgm:cxn modelId="{D2E4BCDE-7B16-408F-AC83-F9A0AA055B5A}" type="presParOf" srcId="{53A08BC6-7C0B-4C3C-A0B0-D6876D93085F}" destId="{16B8ACF8-4A65-400E-80C0-A0B53D039F1E}" srcOrd="0" destOrd="0" presId="urn:microsoft.com/office/officeart/2005/8/layout/orgChart1"/>
     <dgm:cxn modelId="{992CE973-2A7C-4AD6-9608-CDCC06024692}" type="presParOf" srcId="{16B8ACF8-4A65-400E-80C0-A0B53D039F1E}" destId="{71301C3E-6C4B-4B62-8AC9-777434BFB248}" srcOrd="0" destOrd="0" presId="urn:microsoft.com/office/officeart/2005/8/layout/orgChart1"/>
@@ -11233,13 +10653,6 @@
         </dgm:presLayoutVars>
       </dgm:prSet>
       <dgm:spPr/>
-      <dgm:t>
-        <a:bodyPr/>
-        <a:lstStyle/>
-        <a:p>
-          <a:endParaRPr lang="es-ES"/>
-        </a:p>
-      </dgm:t>
     </dgm:pt>
     <dgm:pt modelId="{6386C681-021F-4B6F-826E-F60887C4F28E}" type="pres">
       <dgm:prSet presAssocID="{22034B1A-FD87-41CD-BF89-680FAA455593}" presName="sibTrans" presStyleCnt="0"/>
@@ -11252,13 +10665,6 @@
         </dgm:presLayoutVars>
       </dgm:prSet>
       <dgm:spPr/>
-      <dgm:t>
-        <a:bodyPr/>
-        <a:lstStyle/>
-        <a:p>
-          <a:endParaRPr lang="es-ES"/>
-        </a:p>
-      </dgm:t>
     </dgm:pt>
     <dgm:pt modelId="{E6497E5E-95DB-4633-81D2-B967A4787FA2}" type="pres">
       <dgm:prSet presAssocID="{5B661DB9-5E11-4BF7-B630-C7B0F7ACBAE3}" presName="sibTrans" presStyleCnt="0"/>
@@ -11271,23 +10677,16 @@
         </dgm:presLayoutVars>
       </dgm:prSet>
       <dgm:spPr/>
-      <dgm:t>
-        <a:bodyPr/>
-        <a:lstStyle/>
-        <a:p>
-          <a:endParaRPr lang="es-ES"/>
-        </a:p>
-      </dgm:t>
     </dgm:pt>
   </dgm:ptLst>
   <dgm:cxnLst>
+    <dgm:cxn modelId="{9A477B10-320D-4505-951A-0F698AF8A4C5}" srcId="{826716DB-4010-43E7-86EA-5F179CA1358B}" destId="{5A635654-2173-4EE6-AF20-A3613751A3EB}" srcOrd="0" destOrd="0" parTransId="{F3EC503B-7742-4097-99C2-FD90C870F91E}" sibTransId="{22034B1A-FD87-41CD-BF89-680FAA455593}"/>
+    <dgm:cxn modelId="{1BD66021-06F7-42B7-B023-1723929A7646}" srcId="{826716DB-4010-43E7-86EA-5F179CA1358B}" destId="{F013B54F-7C5C-44D0-8B5E-0CC9E8E59374}" srcOrd="1" destOrd="0" parTransId="{1FEE65DE-0228-40AD-B698-97672A350C1B}" sibTransId="{5B661DB9-5E11-4BF7-B630-C7B0F7ACBAE3}"/>
+    <dgm:cxn modelId="{659F2762-BEDD-42FF-90C7-3753E1180A1A}" type="presOf" srcId="{826716DB-4010-43E7-86EA-5F179CA1358B}" destId="{40ADB27A-077E-40B9-8523-BC399A510B39}" srcOrd="0" destOrd="0" presId="urn:microsoft.com/office/officeart/2005/8/layout/hProcess9"/>
+    <dgm:cxn modelId="{19B25275-A65B-4221-97E4-D10C720CA372}" type="presOf" srcId="{F013B54F-7C5C-44D0-8B5E-0CC9E8E59374}" destId="{7D72ED42-9EB9-41DF-8D4A-5E7A36982DE0}" srcOrd="0" destOrd="0" presId="urn:microsoft.com/office/officeart/2005/8/layout/hProcess9"/>
+    <dgm:cxn modelId="{D41BC65A-22F5-4A97-83C3-325871272478}" type="presOf" srcId="{5A635654-2173-4EE6-AF20-A3613751A3EB}" destId="{0AC27510-4F3E-4977-B883-50AA732DCAF0}" srcOrd="0" destOrd="0" presId="urn:microsoft.com/office/officeart/2005/8/layout/hProcess9"/>
+    <dgm:cxn modelId="{82A9789D-F86B-43AB-BCF2-E52422618E6C}" srcId="{826716DB-4010-43E7-86EA-5F179CA1358B}" destId="{8065C94E-99EC-4C8A-AE54-54F8B8AA5EC0}" srcOrd="2" destOrd="0" parTransId="{F2290DC8-BA8F-4F27-9603-B38F6EF62D43}" sibTransId="{D18C4A1D-EEC9-4427-8BB8-A336E4C29D11}"/>
     <dgm:cxn modelId="{FC3E3AA8-A567-407F-A9CB-CBD7F74384E9}" type="presOf" srcId="{8065C94E-99EC-4C8A-AE54-54F8B8AA5EC0}" destId="{EE62F084-B596-4018-93F0-26E3D0C6469F}" srcOrd="0" destOrd="0" presId="urn:microsoft.com/office/officeart/2005/8/layout/hProcess9"/>
-    <dgm:cxn modelId="{82A9789D-F86B-43AB-BCF2-E52422618E6C}" srcId="{826716DB-4010-43E7-86EA-5F179CA1358B}" destId="{8065C94E-99EC-4C8A-AE54-54F8B8AA5EC0}" srcOrd="2" destOrd="0" parTransId="{F2290DC8-BA8F-4F27-9603-B38F6EF62D43}" sibTransId="{D18C4A1D-EEC9-4427-8BB8-A336E4C29D11}"/>
-    <dgm:cxn modelId="{659F2762-BEDD-42FF-90C7-3753E1180A1A}" type="presOf" srcId="{826716DB-4010-43E7-86EA-5F179CA1358B}" destId="{40ADB27A-077E-40B9-8523-BC399A510B39}" srcOrd="0" destOrd="0" presId="urn:microsoft.com/office/officeart/2005/8/layout/hProcess9"/>
-    <dgm:cxn modelId="{D41BC65A-22F5-4A97-83C3-325871272478}" type="presOf" srcId="{5A635654-2173-4EE6-AF20-A3613751A3EB}" destId="{0AC27510-4F3E-4977-B883-50AA732DCAF0}" srcOrd="0" destOrd="0" presId="urn:microsoft.com/office/officeart/2005/8/layout/hProcess9"/>
-    <dgm:cxn modelId="{19B25275-A65B-4221-97E4-D10C720CA372}" type="presOf" srcId="{F013B54F-7C5C-44D0-8B5E-0CC9E8E59374}" destId="{7D72ED42-9EB9-41DF-8D4A-5E7A36982DE0}" srcOrd="0" destOrd="0" presId="urn:microsoft.com/office/officeart/2005/8/layout/hProcess9"/>
-    <dgm:cxn modelId="{1BD66021-06F7-42B7-B023-1723929A7646}" srcId="{826716DB-4010-43E7-86EA-5F179CA1358B}" destId="{F013B54F-7C5C-44D0-8B5E-0CC9E8E59374}" srcOrd="1" destOrd="0" parTransId="{1FEE65DE-0228-40AD-B698-97672A350C1B}" sibTransId="{5B661DB9-5E11-4BF7-B630-C7B0F7ACBAE3}"/>
-    <dgm:cxn modelId="{9A477B10-320D-4505-951A-0F698AF8A4C5}" srcId="{826716DB-4010-43E7-86EA-5F179CA1358B}" destId="{5A635654-2173-4EE6-AF20-A3613751A3EB}" srcOrd="0" destOrd="0" parTransId="{F3EC503B-7742-4097-99C2-FD90C870F91E}" sibTransId="{22034B1A-FD87-41CD-BF89-680FAA455593}"/>
     <dgm:cxn modelId="{0E32324D-DC5F-4079-957F-1CFAE8CC1D3D}" type="presParOf" srcId="{40ADB27A-077E-40B9-8523-BC399A510B39}" destId="{43A86783-1287-4B84-95F6-68C201E94B4B}" srcOrd="0" destOrd="0" presId="urn:microsoft.com/office/officeart/2005/8/layout/hProcess9"/>
     <dgm:cxn modelId="{B27D3F80-F727-4BAB-8BB7-346E5E46FB49}" type="presParOf" srcId="{40ADB27A-077E-40B9-8523-BC399A510B39}" destId="{50331EDE-3C2E-4D63-AE12-9F19EE425D38}" srcOrd="1" destOrd="0" presId="urn:microsoft.com/office/officeart/2005/8/layout/hProcess9"/>
     <dgm:cxn modelId="{B3ED3461-F150-4858-8EEE-2871CC89C974}" type="presParOf" srcId="{50331EDE-3C2E-4D63-AE12-9F19EE425D38}" destId="{0AC27510-4F3E-4977-B883-50AA732DCAF0}" srcOrd="0" destOrd="0" presId="urn:microsoft.com/office/officeart/2005/8/layout/hProcess9"/>
@@ -11445,13 +10844,6 @@
         </dgm:presLayoutVars>
       </dgm:prSet>
       <dgm:spPr/>
-      <dgm:t>
-        <a:bodyPr/>
-        <a:lstStyle/>
-        <a:p>
-          <a:endParaRPr lang="es-ES"/>
-        </a:p>
-      </dgm:t>
     </dgm:pt>
     <dgm:pt modelId="{54FFECFF-862F-474A-B641-A09D2FA8ECA4}" type="pres">
       <dgm:prSet presAssocID="{4956EFB5-3F59-423D-B210-34FB904BF03A}" presName="vertOne" presStyleCnt="0"/>
@@ -11464,13 +10856,6 @@
         </dgm:presLayoutVars>
       </dgm:prSet>
       <dgm:spPr/>
-      <dgm:t>
-        <a:bodyPr/>
-        <a:lstStyle/>
-        <a:p>
-          <a:endParaRPr lang="es-ES"/>
-        </a:p>
-      </dgm:t>
     </dgm:pt>
     <dgm:pt modelId="{342DF49A-062B-4D72-A784-4B1A6E4BD00E}" type="pres">
       <dgm:prSet presAssocID="{4956EFB5-3F59-423D-B210-34FB904BF03A}" presName="parTransOne" presStyleCnt="0"/>
@@ -11491,13 +10876,6 @@
         </dgm:presLayoutVars>
       </dgm:prSet>
       <dgm:spPr/>
-      <dgm:t>
-        <a:bodyPr/>
-        <a:lstStyle/>
-        <a:p>
-          <a:endParaRPr lang="es-ES"/>
-        </a:p>
-      </dgm:t>
     </dgm:pt>
     <dgm:pt modelId="{D5E94F90-7AE2-4DC5-ABAB-7A9B9379C277}" type="pres">
       <dgm:prSet presAssocID="{3E96A968-9AB6-4EAC-BB08-259F8C92AF60}" presName="horzTwo" presStyleCnt="0"/>
@@ -11518,13 +10896,6 @@
         </dgm:presLayoutVars>
       </dgm:prSet>
       <dgm:spPr/>
-      <dgm:t>
-        <a:bodyPr/>
-        <a:lstStyle/>
-        <a:p>
-          <a:endParaRPr lang="es-ES"/>
-        </a:p>
-      </dgm:t>
     </dgm:pt>
     <dgm:pt modelId="{6E7C982F-93C8-4CD6-93B9-8E67C5156509}" type="pres">
       <dgm:prSet presAssocID="{68736F73-1153-47B9-BD63-7C791AA5CAC3}" presName="horzTwo" presStyleCnt="0"/>
@@ -11532,13 +10903,13 @@
     </dgm:pt>
   </dgm:ptLst>
   <dgm:cxnLst>
-    <dgm:cxn modelId="{399F708F-7123-45D9-ABD2-460E0F637C70}" srcId="{4956EFB5-3F59-423D-B210-34FB904BF03A}" destId="{68736F73-1153-47B9-BD63-7C791AA5CAC3}" srcOrd="1" destOrd="0" parTransId="{AB983029-41BE-4B8A-9D91-A6E8873FB2C8}" sibTransId="{4F40F3E3-5E80-4FD4-9674-B4E13FE9AC78}"/>
-    <dgm:cxn modelId="{A0B0B1AC-D128-42C1-A8F3-3277D70F69F6}" srcId="{4956EFB5-3F59-423D-B210-34FB904BF03A}" destId="{3E96A968-9AB6-4EAC-BB08-259F8C92AF60}" srcOrd="0" destOrd="0" parTransId="{588C6638-950F-4227-8DFA-F107E687E400}" sibTransId="{4F5EC66D-E5F9-402F-AB17-6D8FA23F14F1}"/>
-    <dgm:cxn modelId="{46BBC2DB-B821-4425-BD6B-04D4A07A5636}" srcId="{5651F380-835D-47DD-96EF-0C3C7CA400E7}" destId="{4956EFB5-3F59-423D-B210-34FB904BF03A}" srcOrd="0" destOrd="0" parTransId="{D9C47905-A14A-40D5-A9A9-2937BACA21C9}" sibTransId="{52A85F45-AF3B-4664-972F-3D3A36A2948F}"/>
-    <dgm:cxn modelId="{4340799F-2633-4E0F-BEDF-A3D74F732528}" type="presOf" srcId="{5651F380-835D-47DD-96EF-0C3C7CA400E7}" destId="{3779E83A-A00E-4147-B832-B5E81F441336}" srcOrd="0" destOrd="0" presId="urn:microsoft.com/office/officeart/2005/8/layout/hierarchy4"/>
     <dgm:cxn modelId="{AE52500B-84AD-4D57-951B-829DFFEFF532}" type="presOf" srcId="{3E96A968-9AB6-4EAC-BB08-259F8C92AF60}" destId="{2440B8B5-9CFD-475F-BE5C-90D30C051B7A}" srcOrd="0" destOrd="0" presId="urn:microsoft.com/office/officeart/2005/8/layout/hierarchy4"/>
     <dgm:cxn modelId="{724D3917-CFB0-4D59-86CF-83E2CC1FFF5F}" type="presOf" srcId="{68736F73-1153-47B9-BD63-7C791AA5CAC3}" destId="{D004748A-6241-406B-938E-75ECEF358650}" srcOrd="0" destOrd="0" presId="urn:microsoft.com/office/officeart/2005/8/layout/hierarchy4"/>
     <dgm:cxn modelId="{F14C3129-1F12-48E2-8563-DC9DCF084FAF}" type="presOf" srcId="{4956EFB5-3F59-423D-B210-34FB904BF03A}" destId="{5AC2E959-DA0E-4E12-95E5-72A63F0632E7}" srcOrd="0" destOrd="0" presId="urn:microsoft.com/office/officeart/2005/8/layout/hierarchy4"/>
+    <dgm:cxn modelId="{399F708F-7123-45D9-ABD2-460E0F637C70}" srcId="{4956EFB5-3F59-423D-B210-34FB904BF03A}" destId="{68736F73-1153-47B9-BD63-7C791AA5CAC3}" srcOrd="1" destOrd="0" parTransId="{AB983029-41BE-4B8A-9D91-A6E8873FB2C8}" sibTransId="{4F40F3E3-5E80-4FD4-9674-B4E13FE9AC78}"/>
+    <dgm:cxn modelId="{4340799F-2633-4E0F-BEDF-A3D74F732528}" type="presOf" srcId="{5651F380-835D-47DD-96EF-0C3C7CA400E7}" destId="{3779E83A-A00E-4147-B832-B5E81F441336}" srcOrd="0" destOrd="0" presId="urn:microsoft.com/office/officeart/2005/8/layout/hierarchy4"/>
+    <dgm:cxn modelId="{A0B0B1AC-D128-42C1-A8F3-3277D70F69F6}" srcId="{4956EFB5-3F59-423D-B210-34FB904BF03A}" destId="{3E96A968-9AB6-4EAC-BB08-259F8C92AF60}" srcOrd="0" destOrd="0" parTransId="{588C6638-950F-4227-8DFA-F107E687E400}" sibTransId="{4F5EC66D-E5F9-402F-AB17-6D8FA23F14F1}"/>
+    <dgm:cxn modelId="{46BBC2DB-B821-4425-BD6B-04D4A07A5636}" srcId="{5651F380-835D-47DD-96EF-0C3C7CA400E7}" destId="{4956EFB5-3F59-423D-B210-34FB904BF03A}" srcOrd="0" destOrd="0" parTransId="{D9C47905-A14A-40D5-A9A9-2937BACA21C9}" sibTransId="{52A85F45-AF3B-4664-972F-3D3A36A2948F}"/>
     <dgm:cxn modelId="{6BB46CD4-367C-49AB-85AA-CAF6D73DE620}" type="presParOf" srcId="{3779E83A-A00E-4147-B832-B5E81F441336}" destId="{54FFECFF-862F-474A-B641-A09D2FA8ECA4}" srcOrd="0" destOrd="0" presId="urn:microsoft.com/office/officeart/2005/8/layout/hierarchy4"/>
     <dgm:cxn modelId="{80228094-4DAC-45B7-9EAE-6BFC1F42B65A}" type="presParOf" srcId="{54FFECFF-862F-474A-B641-A09D2FA8ECA4}" destId="{5AC2E959-DA0E-4E12-95E5-72A63F0632E7}" srcOrd="0" destOrd="0" presId="urn:microsoft.com/office/officeart/2005/8/layout/hierarchy4"/>
     <dgm:cxn modelId="{8998E882-4C3B-4812-BC7B-8994CCE74F86}" type="presParOf" srcId="{54FFECFF-862F-474A-B641-A09D2FA8ECA4}" destId="{342DF49A-062B-4D72-A784-4B1A6E4BD00E}" srcOrd="1" destOrd="0" presId="urn:microsoft.com/office/officeart/2005/8/layout/hierarchy4"/>
@@ -11589,22 +10960,17 @@
         <a:lstStyle/>
         <a:p>
           <a:r>
-            <a:rPr lang="es-ES" dirty="0" smtClean="0"/>
+            <a:rPr lang="es-ES" dirty="0"/>
             <a:t>Causas: </a:t>
           </a:r>
           <a:r>
-            <a:rPr lang="es-ES" dirty="0" smtClean="0">
+            <a:rPr lang="es-ES" dirty="0">
               <a:solidFill>
                 <a:schemeClr val="accent5"/>
               </a:solidFill>
             </a:rPr>
             <a:t>Es constatable y demostrable, OBJETIVOS.</a:t>
           </a:r>
-          <a:endParaRPr lang="es-ES" dirty="0">
-            <a:solidFill>
-              <a:schemeClr val="accent5"/>
-            </a:solidFill>
-          </a:endParaRPr>
         </a:p>
       </dgm:t>
     </dgm:pt>
@@ -11638,11 +11004,11 @@
         <a:lstStyle/>
         <a:p>
           <a:r>
-            <a:rPr lang="es-ES" dirty="0" smtClean="0"/>
+            <a:rPr lang="es-ES" dirty="0"/>
             <a:t>Ineptitud</a:t>
           </a:r>
           <a:r>
-            <a:rPr lang="es-ES" dirty="0" smtClean="0">
+            <a:rPr lang="es-ES" dirty="0">
               <a:solidFill>
                 <a:schemeClr val="accent2"/>
               </a:solidFill>
@@ -11684,14 +11050,10 @@
         <a:p>
           <a:r>
             <a:rPr lang="es-ES" dirty="0"/>
-            <a:t>Falta de </a:t>
+            <a:t>Falta de presupuesto: </a:t>
           </a:r>
           <a:r>
-            <a:rPr lang="es-ES" dirty="0" smtClean="0"/>
-            <a:t>presupuesto: </a:t>
-          </a:r>
-          <a:r>
-            <a:rPr lang="es-ES" dirty="0" smtClean="0">
+            <a:rPr lang="es-ES" dirty="0">
               <a:solidFill>
                 <a:schemeClr val="accent2"/>
               </a:solidFill>
@@ -11733,25 +11095,16 @@
         <a:p>
           <a:r>
             <a:rPr lang="es-ES" dirty="0"/>
-            <a:t>Causas técnicas, económicas u </a:t>
+            <a:t>Causas técnicas, económicas u organizativas: </a:t>
           </a:r>
           <a:r>
-            <a:rPr lang="es-ES" dirty="0" smtClean="0"/>
-            <a:t>organizativas: </a:t>
-          </a:r>
-          <a:r>
-            <a:rPr lang="es-ES" dirty="0" smtClean="0">
+            <a:rPr lang="es-ES" dirty="0">
               <a:solidFill>
                 <a:schemeClr val="accent2"/>
               </a:solidFill>
             </a:rPr>
             <a:t>ERES y ERTES, así como despidos por causas activas.</a:t>
           </a:r>
-          <a:endParaRPr lang="es-ES" dirty="0">
-            <a:solidFill>
-              <a:schemeClr val="accent2"/>
-            </a:solidFill>
-          </a:endParaRPr>
         </a:p>
       </dgm:t>
     </dgm:pt>
@@ -11786,33 +11139,20 @@
         <a:p>
           <a:r>
             <a:rPr lang="es-ES" dirty="0"/>
-            <a:t>Falta de adaptación a modificaciones </a:t>
+            <a:t>Falta de adaptación a modificaciones técnicas: </a:t>
           </a:r>
           <a:r>
-            <a:rPr lang="es-ES" dirty="0" err="1" smtClean="0"/>
-            <a:t>técnicas:</a:t>
-          </a:r>
-          <a:r>
-            <a:rPr lang="es-ES" dirty="0" err="1" smtClean="0">
+            <a:rPr lang="es-ES" dirty="0">
               <a:solidFill>
                 <a:schemeClr val="accent2"/>
               </a:solidFill>
             </a:rPr>
-            <a:t>Tiene</a:t>
+            <a:t>Tiene que haber transcurrido 2 meses entre la bonificación o el curso de formación que explique esa preparación.</a:t>
           </a:r>
           <a:r>
-            <a:rPr lang="es-ES" dirty="0" smtClean="0">
-              <a:solidFill>
-                <a:schemeClr val="accent2"/>
-              </a:solidFill>
-            </a:rPr>
-            <a:t> que haber transcurrido 2 meses entre la bonificación o el curso de formación que explique esa preparación.</a:t>
-          </a:r>
-          <a:r>
-            <a:rPr lang="es-ES" dirty="0" smtClean="0"/>
+            <a:rPr lang="es-ES" dirty="0"/>
             <a:t> </a:t>
           </a:r>
-          <a:endParaRPr lang="es-ES" dirty="0"/>
         </a:p>
       </dgm:t>
     </dgm:pt>
@@ -11849,13 +11189,6 @@
         </dgm:presLayoutVars>
       </dgm:prSet>
       <dgm:spPr/>
-      <dgm:t>
-        <a:bodyPr/>
-        <a:lstStyle/>
-        <a:p>
-          <a:endParaRPr lang="es-ES"/>
-        </a:p>
-      </dgm:t>
     </dgm:pt>
     <dgm:pt modelId="{C2AE7736-A9BB-4C06-A94D-DD8026EF3CF6}" type="pres">
       <dgm:prSet presAssocID="{D274E3EB-6F9B-4110-A2E3-C954228DE181}" presName="root1" presStyleCnt="0"/>
@@ -11868,13 +11201,6 @@
         </dgm:presLayoutVars>
       </dgm:prSet>
       <dgm:spPr/>
-      <dgm:t>
-        <a:bodyPr/>
-        <a:lstStyle/>
-        <a:p>
-          <a:endParaRPr lang="es-ES"/>
-        </a:p>
-      </dgm:t>
     </dgm:pt>
     <dgm:pt modelId="{DD6B3CF8-8D9E-4C35-BD60-6FD413CE7831}" type="pres">
       <dgm:prSet presAssocID="{D274E3EB-6F9B-4110-A2E3-C954228DE181}" presName="level2hierChild" presStyleCnt="0"/>
@@ -11883,24 +11209,10 @@
     <dgm:pt modelId="{ABE742C3-422F-478B-A44D-0E07C56E4967}" type="pres">
       <dgm:prSet presAssocID="{07A96743-C7FE-4D41-B6BE-7AA6084EC4D3}" presName="conn2-1" presStyleLbl="parChTrans1D2" presStyleIdx="0" presStyleCnt="4"/>
       <dgm:spPr/>
-      <dgm:t>
-        <a:bodyPr/>
-        <a:lstStyle/>
-        <a:p>
-          <a:endParaRPr lang="es-ES"/>
-        </a:p>
-      </dgm:t>
     </dgm:pt>
     <dgm:pt modelId="{26585A79-752E-48D3-90A0-372AA8A895BC}" type="pres">
       <dgm:prSet presAssocID="{07A96743-C7FE-4D41-B6BE-7AA6084EC4D3}" presName="connTx" presStyleLbl="parChTrans1D2" presStyleIdx="0" presStyleCnt="4"/>
       <dgm:spPr/>
-      <dgm:t>
-        <a:bodyPr/>
-        <a:lstStyle/>
-        <a:p>
-          <a:endParaRPr lang="es-ES"/>
-        </a:p>
-      </dgm:t>
     </dgm:pt>
     <dgm:pt modelId="{66819D2A-E344-4769-9ECB-F8C9DD9AEEFA}" type="pres">
       <dgm:prSet presAssocID="{BA666FAA-2088-4778-AEFC-B691B8A1353C}" presName="root2" presStyleCnt="0"/>
@@ -11913,13 +11225,6 @@
         </dgm:presLayoutVars>
       </dgm:prSet>
       <dgm:spPr/>
-      <dgm:t>
-        <a:bodyPr/>
-        <a:lstStyle/>
-        <a:p>
-          <a:endParaRPr lang="es-ES"/>
-        </a:p>
-      </dgm:t>
     </dgm:pt>
     <dgm:pt modelId="{6F19F6A7-B9F7-41D5-8FFE-1E0A0DC201B6}" type="pres">
       <dgm:prSet presAssocID="{BA666FAA-2088-4778-AEFC-B691B8A1353C}" presName="level3hierChild" presStyleCnt="0"/>
@@ -11928,24 +11233,10 @@
     <dgm:pt modelId="{1DE4D102-94AE-473F-B132-6BF5DB50AAF5}" type="pres">
       <dgm:prSet presAssocID="{79BF784A-CDC0-4AE1-B8BC-6C8D163F60FC}" presName="conn2-1" presStyleLbl="parChTrans1D2" presStyleIdx="1" presStyleCnt="4"/>
       <dgm:spPr/>
-      <dgm:t>
-        <a:bodyPr/>
-        <a:lstStyle/>
-        <a:p>
-          <a:endParaRPr lang="es-ES"/>
-        </a:p>
-      </dgm:t>
     </dgm:pt>
     <dgm:pt modelId="{9904AF3E-2D4F-4381-B3C2-A586A8C1DE9D}" type="pres">
       <dgm:prSet presAssocID="{79BF784A-CDC0-4AE1-B8BC-6C8D163F60FC}" presName="connTx" presStyleLbl="parChTrans1D2" presStyleIdx="1" presStyleCnt="4"/>
       <dgm:spPr/>
-      <dgm:t>
-        <a:bodyPr/>
-        <a:lstStyle/>
-        <a:p>
-          <a:endParaRPr lang="es-ES"/>
-        </a:p>
-      </dgm:t>
     </dgm:pt>
     <dgm:pt modelId="{DEABAC72-C50B-459C-B2E4-3D0431D80DA6}" type="pres">
       <dgm:prSet presAssocID="{6870FB63-2CBA-45E7-A261-ADCEAA6670BD}" presName="root2" presStyleCnt="0"/>
@@ -11958,13 +11249,6 @@
         </dgm:presLayoutVars>
       </dgm:prSet>
       <dgm:spPr/>
-      <dgm:t>
-        <a:bodyPr/>
-        <a:lstStyle/>
-        <a:p>
-          <a:endParaRPr lang="es-ES"/>
-        </a:p>
-      </dgm:t>
     </dgm:pt>
     <dgm:pt modelId="{6DBB2192-AB58-4AAE-83F8-6FEBAD6D83ED}" type="pres">
       <dgm:prSet presAssocID="{6870FB63-2CBA-45E7-A261-ADCEAA6670BD}" presName="level3hierChild" presStyleCnt="0"/>
@@ -11973,24 +11257,10 @@
     <dgm:pt modelId="{93DF4630-DE7F-4E6B-9CD9-B412BB4FC092}" type="pres">
       <dgm:prSet presAssocID="{81EA3D6F-3162-4689-8B9A-A0249388EAC2}" presName="conn2-1" presStyleLbl="parChTrans1D2" presStyleIdx="2" presStyleCnt="4"/>
       <dgm:spPr/>
-      <dgm:t>
-        <a:bodyPr/>
-        <a:lstStyle/>
-        <a:p>
-          <a:endParaRPr lang="es-ES"/>
-        </a:p>
-      </dgm:t>
     </dgm:pt>
     <dgm:pt modelId="{7D8B2D91-7EC3-48F4-A71D-606D0C5EF5B0}" type="pres">
       <dgm:prSet presAssocID="{81EA3D6F-3162-4689-8B9A-A0249388EAC2}" presName="connTx" presStyleLbl="parChTrans1D2" presStyleIdx="2" presStyleCnt="4"/>
       <dgm:spPr/>
-      <dgm:t>
-        <a:bodyPr/>
-        <a:lstStyle/>
-        <a:p>
-          <a:endParaRPr lang="es-ES"/>
-        </a:p>
-      </dgm:t>
     </dgm:pt>
     <dgm:pt modelId="{2835DDE0-ACFC-4672-A4AF-A944B3397882}" type="pres">
       <dgm:prSet presAssocID="{C1E42510-A827-454D-8E35-675E1BFC2085}" presName="root2" presStyleCnt="0"/>
@@ -12003,13 +11273,6 @@
         </dgm:presLayoutVars>
       </dgm:prSet>
       <dgm:spPr/>
-      <dgm:t>
-        <a:bodyPr/>
-        <a:lstStyle/>
-        <a:p>
-          <a:endParaRPr lang="es-ES"/>
-        </a:p>
-      </dgm:t>
     </dgm:pt>
     <dgm:pt modelId="{D8A1E2B8-65BD-4460-B4A0-7A0CACB6285A}" type="pres">
       <dgm:prSet presAssocID="{C1E42510-A827-454D-8E35-675E1BFC2085}" presName="level3hierChild" presStyleCnt="0"/>
@@ -12018,24 +11281,10 @@
     <dgm:pt modelId="{A2567BC8-D663-42B5-BF0B-70DC3F0E0CA2}" type="pres">
       <dgm:prSet presAssocID="{5742B385-0533-483D-991D-F151845F493B}" presName="conn2-1" presStyleLbl="parChTrans1D2" presStyleIdx="3" presStyleCnt="4"/>
       <dgm:spPr/>
-      <dgm:t>
-        <a:bodyPr/>
-        <a:lstStyle/>
-        <a:p>
-          <a:endParaRPr lang="es-ES"/>
-        </a:p>
-      </dgm:t>
     </dgm:pt>
     <dgm:pt modelId="{CABAEBBA-22D5-4CAD-88F1-90D3F405CDF4}" type="pres">
       <dgm:prSet presAssocID="{5742B385-0533-483D-991D-F151845F493B}" presName="connTx" presStyleLbl="parChTrans1D2" presStyleIdx="3" presStyleCnt="4"/>
       <dgm:spPr/>
-      <dgm:t>
-        <a:bodyPr/>
-        <a:lstStyle/>
-        <a:p>
-          <a:endParaRPr lang="es-ES"/>
-        </a:p>
-      </dgm:t>
     </dgm:pt>
     <dgm:pt modelId="{FD594505-D375-4E5A-B154-F771E1E7A954}" type="pres">
       <dgm:prSet presAssocID="{387A513E-2958-4BA1-9E75-D948FDACB4D7}" presName="root2" presStyleCnt="0"/>
@@ -12048,13 +11297,6 @@
         </dgm:presLayoutVars>
       </dgm:prSet>
       <dgm:spPr/>
-      <dgm:t>
-        <a:bodyPr/>
-        <a:lstStyle/>
-        <a:p>
-          <a:endParaRPr lang="es-ES"/>
-        </a:p>
-      </dgm:t>
     </dgm:pt>
     <dgm:pt modelId="{1D9F5720-3209-4826-9BB1-AE8643C1DCED}" type="pres">
       <dgm:prSet presAssocID="{387A513E-2958-4BA1-9E75-D948FDACB4D7}" presName="level3hierChild" presStyleCnt="0"/>
@@ -12062,25 +11304,25 @@
     </dgm:pt>
   </dgm:ptLst>
   <dgm:cxnLst>
+    <dgm:cxn modelId="{67664103-A0CF-4977-B08E-0241A13EB97A}" type="presOf" srcId="{07A96743-C7FE-4D41-B6BE-7AA6084EC4D3}" destId="{26585A79-752E-48D3-90A0-372AA8A895BC}" srcOrd="1" destOrd="0" presId="urn:microsoft.com/office/officeart/2005/8/layout/hierarchy2"/>
+    <dgm:cxn modelId="{75310F0E-2F36-41DE-AE6E-7711087B2BA3}" srcId="{D274E3EB-6F9B-4110-A2E3-C954228DE181}" destId="{6870FB63-2CBA-45E7-A261-ADCEAA6670BD}" srcOrd="1" destOrd="0" parTransId="{79BF784A-CDC0-4AE1-B8BC-6C8D163F60FC}" sibTransId="{A477EEBF-86AB-4626-A0AC-B6EEA3CCC6F7}"/>
+    <dgm:cxn modelId="{869C5311-B187-49B6-A736-F5E53029CACD}" type="presOf" srcId="{5742B385-0533-483D-991D-F151845F493B}" destId="{CABAEBBA-22D5-4CAD-88F1-90D3F405CDF4}" srcOrd="1" destOrd="0" presId="urn:microsoft.com/office/officeart/2005/8/layout/hierarchy2"/>
+    <dgm:cxn modelId="{B731A713-EFDF-4206-8819-BB33969A5365}" srcId="{D274E3EB-6F9B-4110-A2E3-C954228DE181}" destId="{BA666FAA-2088-4778-AEFC-B691B8A1353C}" srcOrd="0" destOrd="0" parTransId="{07A96743-C7FE-4D41-B6BE-7AA6084EC4D3}" sibTransId="{E8045916-64CE-4672-B831-68B8CFA95353}"/>
+    <dgm:cxn modelId="{AF96A020-0F1F-4EBF-95C8-CBF467D5D028}" type="presOf" srcId="{07A96743-C7FE-4D41-B6BE-7AA6084EC4D3}" destId="{ABE742C3-422F-478B-A44D-0E07C56E4967}" srcOrd="0" destOrd="0" presId="urn:microsoft.com/office/officeart/2005/8/layout/hierarchy2"/>
+    <dgm:cxn modelId="{F3B69D21-B6E9-4F8D-83AC-A13921664FA1}" type="presOf" srcId="{BA666FAA-2088-4778-AEFC-B691B8A1353C}" destId="{122EEA67-1A19-47E7-9FC3-2E14C69B2870}" srcOrd="0" destOrd="0" presId="urn:microsoft.com/office/officeart/2005/8/layout/hierarchy2"/>
+    <dgm:cxn modelId="{2C36C93B-41F0-4BC9-BECF-FE9667B0B028}" type="presOf" srcId="{5742B385-0533-483D-991D-F151845F493B}" destId="{A2567BC8-D663-42B5-BF0B-70DC3F0E0CA2}" srcOrd="0" destOrd="0" presId="urn:microsoft.com/office/officeart/2005/8/layout/hierarchy2"/>
+    <dgm:cxn modelId="{E69CDF66-9373-401F-B2DE-48714731AFC8}" type="presOf" srcId="{6870FB63-2CBA-45E7-A261-ADCEAA6670BD}" destId="{AACB3B1A-F078-4493-A0A3-0B505AF88AC8}" srcOrd="0" destOrd="0" presId="urn:microsoft.com/office/officeart/2005/8/layout/hierarchy2"/>
+    <dgm:cxn modelId="{638C9D48-0716-4A3F-A4AB-F6D404574B5D}" srcId="{D274E3EB-6F9B-4110-A2E3-C954228DE181}" destId="{387A513E-2958-4BA1-9E75-D948FDACB4D7}" srcOrd="3" destOrd="0" parTransId="{5742B385-0533-483D-991D-F151845F493B}" sibTransId="{685512B9-49E7-4083-A054-4F34E5B55B1A}"/>
+    <dgm:cxn modelId="{ADDF456C-3894-400D-95E1-CD5AA8CD2205}" type="presOf" srcId="{81EA3D6F-3162-4689-8B9A-A0249388EAC2}" destId="{7D8B2D91-7EC3-48F4-A71D-606D0C5EF5B0}" srcOrd="1" destOrd="0" presId="urn:microsoft.com/office/officeart/2005/8/layout/hierarchy2"/>
+    <dgm:cxn modelId="{04C70498-48B5-4457-9008-8746411435C3}" type="presOf" srcId="{9770B858-B54B-4204-A14C-D22BC98418DA}" destId="{E5FF643B-0E3F-4D88-8254-BB6C7F5E9794}" srcOrd="0" destOrd="0" presId="urn:microsoft.com/office/officeart/2005/8/layout/hierarchy2"/>
     <dgm:cxn modelId="{B88D5D98-085F-451F-BDA2-27C2788BF23F}" type="presOf" srcId="{79BF784A-CDC0-4AE1-B8BC-6C8D163F60FC}" destId="{1DE4D102-94AE-473F-B132-6BF5DB50AAF5}" srcOrd="0" destOrd="0" presId="urn:microsoft.com/office/officeart/2005/8/layout/hierarchy2"/>
-    <dgm:cxn modelId="{E69CDF66-9373-401F-B2DE-48714731AFC8}" type="presOf" srcId="{6870FB63-2CBA-45E7-A261-ADCEAA6670BD}" destId="{AACB3B1A-F078-4493-A0A3-0B505AF88AC8}" srcOrd="0" destOrd="0" presId="urn:microsoft.com/office/officeart/2005/8/layout/hierarchy2"/>
-    <dgm:cxn modelId="{2C36C93B-41F0-4BC9-BECF-FE9667B0B028}" type="presOf" srcId="{5742B385-0533-483D-991D-F151845F493B}" destId="{A2567BC8-D663-42B5-BF0B-70DC3F0E0CA2}" srcOrd="0" destOrd="0" presId="urn:microsoft.com/office/officeart/2005/8/layout/hierarchy2"/>
+    <dgm:cxn modelId="{24BBFCBF-6715-406E-A18C-5887B692860C}" type="presOf" srcId="{C1E42510-A827-454D-8E35-675E1BFC2085}" destId="{9B7F4E03-BCB2-448C-B434-D71934BB4E43}" srcOrd="0" destOrd="0" presId="urn:microsoft.com/office/officeart/2005/8/layout/hierarchy2"/>
     <dgm:cxn modelId="{8D0458D0-1E90-4F69-B474-73F6E463E7CC}" type="presOf" srcId="{79BF784A-CDC0-4AE1-B8BC-6C8D163F60FC}" destId="{9904AF3E-2D4F-4381-B3C2-A586A8C1DE9D}" srcOrd="1" destOrd="0" presId="urn:microsoft.com/office/officeart/2005/8/layout/hierarchy2"/>
-    <dgm:cxn modelId="{24BBFCBF-6715-406E-A18C-5887B692860C}" type="presOf" srcId="{C1E42510-A827-454D-8E35-675E1BFC2085}" destId="{9B7F4E03-BCB2-448C-B434-D71934BB4E43}" srcOrd="0" destOrd="0" presId="urn:microsoft.com/office/officeart/2005/8/layout/hierarchy2"/>
-    <dgm:cxn modelId="{869C5311-B187-49B6-A736-F5E53029CACD}" type="presOf" srcId="{5742B385-0533-483D-991D-F151845F493B}" destId="{CABAEBBA-22D5-4CAD-88F1-90D3F405CDF4}" srcOrd="1" destOrd="0" presId="urn:microsoft.com/office/officeart/2005/8/layout/hierarchy2"/>
-    <dgm:cxn modelId="{AF96A020-0F1F-4EBF-95C8-CBF467D5D028}" type="presOf" srcId="{07A96743-C7FE-4D41-B6BE-7AA6084EC4D3}" destId="{ABE742C3-422F-478B-A44D-0E07C56E4967}" srcOrd="0" destOrd="0" presId="urn:microsoft.com/office/officeart/2005/8/layout/hierarchy2"/>
-    <dgm:cxn modelId="{ADDF456C-3894-400D-95E1-CD5AA8CD2205}" type="presOf" srcId="{81EA3D6F-3162-4689-8B9A-A0249388EAC2}" destId="{7D8B2D91-7EC3-48F4-A71D-606D0C5EF5B0}" srcOrd="1" destOrd="0" presId="urn:microsoft.com/office/officeart/2005/8/layout/hierarchy2"/>
+    <dgm:cxn modelId="{7FA468D2-531A-4896-A8EB-EC75C0C63175}" type="presOf" srcId="{81EA3D6F-3162-4689-8B9A-A0249388EAC2}" destId="{93DF4630-DE7F-4E6B-9CD9-B412BB4FC092}" srcOrd="0" destOrd="0" presId="urn:microsoft.com/office/officeart/2005/8/layout/hierarchy2"/>
+    <dgm:cxn modelId="{E1015DD4-7E32-4FB8-B14E-271BF362EE63}" type="presOf" srcId="{387A513E-2958-4BA1-9E75-D948FDACB4D7}" destId="{AFC7AC5E-49DA-4ABA-B4CC-325B8F24C8C7}" srcOrd="0" destOrd="0" presId="urn:microsoft.com/office/officeart/2005/8/layout/hierarchy2"/>
+    <dgm:cxn modelId="{2911DAE1-3075-4534-B1ED-555B94707362}" srcId="{D274E3EB-6F9B-4110-A2E3-C954228DE181}" destId="{C1E42510-A827-454D-8E35-675E1BFC2085}" srcOrd="2" destOrd="0" parTransId="{81EA3D6F-3162-4689-8B9A-A0249388EAC2}" sibTransId="{3F5DA641-0175-4C59-A5F5-09A0F3320284}"/>
     <dgm:cxn modelId="{B8E940E7-5BEC-4FEC-9238-952F54394B76}" type="presOf" srcId="{D274E3EB-6F9B-4110-A2E3-C954228DE181}" destId="{2AECBE68-2C1A-49F9-89BA-50C5A4A3A6D3}" srcOrd="0" destOrd="0" presId="urn:microsoft.com/office/officeart/2005/8/layout/hierarchy2"/>
-    <dgm:cxn modelId="{67664103-A0CF-4977-B08E-0241A13EB97A}" type="presOf" srcId="{07A96743-C7FE-4D41-B6BE-7AA6084EC4D3}" destId="{26585A79-752E-48D3-90A0-372AA8A895BC}" srcOrd="1" destOrd="0" presId="urn:microsoft.com/office/officeart/2005/8/layout/hierarchy2"/>
-    <dgm:cxn modelId="{04C70498-48B5-4457-9008-8746411435C3}" type="presOf" srcId="{9770B858-B54B-4204-A14C-D22BC98418DA}" destId="{E5FF643B-0E3F-4D88-8254-BB6C7F5E9794}" srcOrd="0" destOrd="0" presId="urn:microsoft.com/office/officeart/2005/8/layout/hierarchy2"/>
-    <dgm:cxn modelId="{7FA468D2-531A-4896-A8EB-EC75C0C63175}" type="presOf" srcId="{81EA3D6F-3162-4689-8B9A-A0249388EAC2}" destId="{93DF4630-DE7F-4E6B-9CD9-B412BB4FC092}" srcOrd="0" destOrd="0" presId="urn:microsoft.com/office/officeart/2005/8/layout/hierarchy2"/>
-    <dgm:cxn modelId="{2911DAE1-3075-4534-B1ED-555B94707362}" srcId="{D274E3EB-6F9B-4110-A2E3-C954228DE181}" destId="{C1E42510-A827-454D-8E35-675E1BFC2085}" srcOrd="2" destOrd="0" parTransId="{81EA3D6F-3162-4689-8B9A-A0249388EAC2}" sibTransId="{3F5DA641-0175-4C59-A5F5-09A0F3320284}"/>
-    <dgm:cxn modelId="{E1015DD4-7E32-4FB8-B14E-271BF362EE63}" type="presOf" srcId="{387A513E-2958-4BA1-9E75-D948FDACB4D7}" destId="{AFC7AC5E-49DA-4ABA-B4CC-325B8F24C8C7}" srcOrd="0" destOrd="0" presId="urn:microsoft.com/office/officeart/2005/8/layout/hierarchy2"/>
-    <dgm:cxn modelId="{F3B69D21-B6E9-4F8D-83AC-A13921664FA1}" type="presOf" srcId="{BA666FAA-2088-4778-AEFC-B691B8A1353C}" destId="{122EEA67-1A19-47E7-9FC3-2E14C69B2870}" srcOrd="0" destOrd="0" presId="urn:microsoft.com/office/officeart/2005/8/layout/hierarchy2"/>
     <dgm:cxn modelId="{980213F3-5210-4304-BB03-D82C7A07060A}" srcId="{9770B858-B54B-4204-A14C-D22BC98418DA}" destId="{D274E3EB-6F9B-4110-A2E3-C954228DE181}" srcOrd="0" destOrd="0" parTransId="{82E9D50E-6D2E-47EE-939B-AB328C18B5F3}" sibTransId="{3C6534DA-BB06-4C72-B6AA-E4185A6DD558}"/>
-    <dgm:cxn modelId="{638C9D48-0716-4A3F-A4AB-F6D404574B5D}" srcId="{D274E3EB-6F9B-4110-A2E3-C954228DE181}" destId="{387A513E-2958-4BA1-9E75-D948FDACB4D7}" srcOrd="3" destOrd="0" parTransId="{5742B385-0533-483D-991D-F151845F493B}" sibTransId="{685512B9-49E7-4083-A054-4F34E5B55B1A}"/>
-    <dgm:cxn modelId="{B731A713-EFDF-4206-8819-BB33969A5365}" srcId="{D274E3EB-6F9B-4110-A2E3-C954228DE181}" destId="{BA666FAA-2088-4778-AEFC-B691B8A1353C}" srcOrd="0" destOrd="0" parTransId="{07A96743-C7FE-4D41-B6BE-7AA6084EC4D3}" sibTransId="{E8045916-64CE-4672-B831-68B8CFA95353}"/>
-    <dgm:cxn modelId="{75310F0E-2F36-41DE-AE6E-7711087B2BA3}" srcId="{D274E3EB-6F9B-4110-A2E3-C954228DE181}" destId="{6870FB63-2CBA-45E7-A261-ADCEAA6670BD}" srcOrd="1" destOrd="0" parTransId="{79BF784A-CDC0-4AE1-B8BC-6C8D163F60FC}" sibTransId="{A477EEBF-86AB-4626-A0AC-B6EEA3CCC6F7}"/>
     <dgm:cxn modelId="{823046CE-9B84-4033-9985-BBF13CC87140}" type="presParOf" srcId="{E5FF643B-0E3F-4D88-8254-BB6C7F5E9794}" destId="{C2AE7736-A9BB-4C06-A94D-DD8026EF3CF6}" srcOrd="0" destOrd="0" presId="urn:microsoft.com/office/officeart/2005/8/layout/hierarchy2"/>
     <dgm:cxn modelId="{BFA29303-5507-4F07-B79B-AA5C9F261B96}" type="presParOf" srcId="{C2AE7736-A9BB-4C06-A94D-DD8026EF3CF6}" destId="{2AECBE68-2C1A-49F9-89BA-50C5A4A3A6D3}" srcOrd="0" destOrd="0" presId="urn:microsoft.com/office/officeart/2005/8/layout/hierarchy2"/>
     <dgm:cxn modelId="{1A41E482-603E-4B16-AA45-B44F870FAEB6}" type="presParOf" srcId="{C2AE7736-A9BB-4C06-A94D-DD8026EF3CF6}" destId="{DD6B3CF8-8D9E-4C35-BD60-6FD413CE7831}" srcOrd="1" destOrd="0" presId="urn:microsoft.com/office/officeart/2005/8/layout/hierarchy2"/>
@@ -12180,11 +11422,11 @@
         <a:lstStyle/>
         <a:p>
           <a:r>
-            <a:rPr lang="es-ES" dirty="0" smtClean="0"/>
+            <a:rPr lang="es-ES" dirty="0"/>
             <a:t>Comunicación </a:t>
           </a:r>
           <a:r>
-            <a:rPr lang="es-ES" dirty="0" smtClean="0">
+            <a:rPr lang="es-ES" dirty="0">
               <a:solidFill>
                 <a:schemeClr val="accent2"/>
               </a:solidFill>
@@ -12193,25 +11435,16 @@
           </a:r>
           <a:r>
             <a:rPr lang="es-ES" dirty="0"/>
-            <a:t>y </a:t>
+            <a:t>y preaviso </a:t>
           </a:r>
           <a:r>
-            <a:rPr lang="es-ES" dirty="0" smtClean="0"/>
-            <a:t>preaviso </a:t>
-          </a:r>
-          <a:r>
-            <a:rPr lang="es-ES" dirty="0" smtClean="0">
+            <a:rPr lang="es-ES" dirty="0">
               <a:solidFill>
                 <a:schemeClr val="accent2"/>
               </a:solidFill>
             </a:rPr>
             <a:t>DE 15 DÍAS</a:t>
           </a:r>
-          <a:endParaRPr lang="es-ES" dirty="0">
-            <a:solidFill>
-              <a:schemeClr val="accent2"/>
-            </a:solidFill>
-          </a:endParaRPr>
         </a:p>
       </dgm:t>
     </dgm:pt>
@@ -12245,22 +11478,17 @@
         <a:lstStyle/>
         <a:p>
           <a:r>
-            <a:rPr lang="es-ES" dirty="0" smtClean="0"/>
+            <a:rPr lang="es-ES" dirty="0"/>
             <a:t>Indemnización </a:t>
           </a:r>
           <a:r>
-            <a:rPr lang="es-ES" dirty="0" smtClean="0">
+            <a:rPr lang="es-ES" dirty="0">
               <a:solidFill>
                 <a:schemeClr val="accent2"/>
               </a:solidFill>
             </a:rPr>
             <a:t>20 DIAS DE SALARIO POR AÑO TRABAJADO </a:t>
           </a:r>
-          <a:endParaRPr lang="es-ES" dirty="0">
-            <a:solidFill>
-              <a:schemeClr val="accent2"/>
-            </a:solidFill>
-          </a:endParaRPr>
         </a:p>
       </dgm:t>
     </dgm:pt>
@@ -12294,22 +11522,17 @@
         <a:lstStyle/>
         <a:p>
           <a:r>
-            <a:rPr lang="es-ES" dirty="0" smtClean="0"/>
+            <a:rPr lang="es-ES" dirty="0"/>
             <a:t>Licencia: </a:t>
           </a:r>
           <a:r>
-            <a:rPr lang="es-ES" dirty="0" smtClean="0">
+            <a:rPr lang="es-ES" dirty="0">
               <a:solidFill>
                 <a:schemeClr val="accent2"/>
               </a:solidFill>
             </a:rPr>
             <a:t>PERMISO RETRIBUIDO DE 6 HORAS A LA SEMANA PARA BÚSQUEDA DE TRABAJO DURANTE ESOS 15 DÍAS.</a:t>
           </a:r>
-          <a:endParaRPr lang="es-ES" dirty="0">
-            <a:solidFill>
-              <a:schemeClr val="accent2"/>
-            </a:solidFill>
-          </a:endParaRPr>
         </a:p>
       </dgm:t>
     </dgm:pt>
@@ -12345,35 +11568,14 @@
         </dgm:presLayoutVars>
       </dgm:prSet>
       <dgm:spPr/>
-      <dgm:t>
-        <a:bodyPr/>
-        <a:lstStyle/>
-        <a:p>
-          <a:endParaRPr lang="es-ES"/>
-        </a:p>
-      </dgm:t>
     </dgm:pt>
     <dgm:pt modelId="{D3A26FA2-27B3-4376-986D-715278D394B5}" type="pres">
       <dgm:prSet presAssocID="{8EB60C23-736B-4DC8-8CAA-C3D52964FB67}" presName="centerShape" presStyleLbl="node0" presStyleIdx="0" presStyleCnt="1"/>
       <dgm:spPr/>
-      <dgm:t>
-        <a:bodyPr/>
-        <a:lstStyle/>
-        <a:p>
-          <a:endParaRPr lang="es-ES"/>
-        </a:p>
-      </dgm:t>
     </dgm:pt>
     <dgm:pt modelId="{56F48C7C-3766-4EE1-9546-EFD3F38022F1}" type="pres">
       <dgm:prSet presAssocID="{2A7D1A9F-92D6-4F0E-B941-41EF739A58D9}" presName="parTrans" presStyleLbl="bgSibTrans2D1" presStyleIdx="0" presStyleCnt="3"/>
       <dgm:spPr/>
-      <dgm:t>
-        <a:bodyPr/>
-        <a:lstStyle/>
-        <a:p>
-          <a:endParaRPr lang="es-ES"/>
-        </a:p>
-      </dgm:t>
     </dgm:pt>
     <dgm:pt modelId="{56940CCA-CBE3-43AD-8B20-B3636C30DF86}" type="pres">
       <dgm:prSet presAssocID="{B96E4F98-C479-48E0-B554-088561711FF8}" presName="node" presStyleLbl="node1" presStyleIdx="0" presStyleCnt="3">
@@ -12382,24 +11584,10 @@
         </dgm:presLayoutVars>
       </dgm:prSet>
       <dgm:spPr/>
-      <dgm:t>
-        <a:bodyPr/>
-        <a:lstStyle/>
-        <a:p>
-          <a:endParaRPr lang="es-ES"/>
-        </a:p>
-      </dgm:t>
     </dgm:pt>
     <dgm:pt modelId="{610E5F45-9587-4524-801B-4F46BF8E0C6B}" type="pres">
       <dgm:prSet presAssocID="{49B4F23E-D266-4269-ABDE-0826C284E5ED}" presName="parTrans" presStyleLbl="bgSibTrans2D1" presStyleIdx="1" presStyleCnt="3"/>
       <dgm:spPr/>
-      <dgm:t>
-        <a:bodyPr/>
-        <a:lstStyle/>
-        <a:p>
-          <a:endParaRPr lang="es-ES"/>
-        </a:p>
-      </dgm:t>
     </dgm:pt>
     <dgm:pt modelId="{D48588B3-3050-4B77-9973-F0C030101CD4}" type="pres">
       <dgm:prSet presAssocID="{6C1E7D9C-7F97-4CA3-8AEA-5DAF45F551AD}" presName="node" presStyleLbl="node1" presStyleIdx="1" presStyleCnt="3">
@@ -12408,24 +11596,10 @@
         </dgm:presLayoutVars>
       </dgm:prSet>
       <dgm:spPr/>
-      <dgm:t>
-        <a:bodyPr/>
-        <a:lstStyle/>
-        <a:p>
-          <a:endParaRPr lang="es-ES"/>
-        </a:p>
-      </dgm:t>
     </dgm:pt>
     <dgm:pt modelId="{35BEEC0D-7B93-4330-8AC1-D7B7DC3AD786}" type="pres">
       <dgm:prSet presAssocID="{0EFB8A5E-A34B-4ED9-86E7-5F6796B4305E}" presName="parTrans" presStyleLbl="bgSibTrans2D1" presStyleIdx="2" presStyleCnt="3"/>
       <dgm:spPr/>
-      <dgm:t>
-        <a:bodyPr/>
-        <a:lstStyle/>
-        <a:p>
-          <a:endParaRPr lang="es-ES"/>
-        </a:p>
-      </dgm:t>
     </dgm:pt>
     <dgm:pt modelId="{7A505604-F98D-44AF-B12F-21FD336CAE5F}" type="pres">
       <dgm:prSet presAssocID="{6E71818F-A8AF-4FAC-BE76-57DACE3DA220}" presName="node" presStyleLbl="node1" presStyleIdx="2" presStyleCnt="3">
@@ -12434,28 +11608,21 @@
         </dgm:presLayoutVars>
       </dgm:prSet>
       <dgm:spPr/>
-      <dgm:t>
-        <a:bodyPr/>
-        <a:lstStyle/>
-        <a:p>
-          <a:endParaRPr lang="es-ES"/>
-        </a:p>
-      </dgm:t>
     </dgm:pt>
   </dgm:ptLst>
   <dgm:cxnLst>
+    <dgm:cxn modelId="{7F127026-87A9-496D-ABFF-9757C18628CB}" type="presOf" srcId="{8EB60C23-736B-4DC8-8CAA-C3D52964FB67}" destId="{D3A26FA2-27B3-4376-986D-715278D394B5}" srcOrd="0" destOrd="0" presId="urn:microsoft.com/office/officeart/2005/8/layout/radial4"/>
+    <dgm:cxn modelId="{394F1B35-DC2B-4B0C-B6A8-7BE9465C756D}" type="presOf" srcId="{49B4F23E-D266-4269-ABDE-0826C284E5ED}" destId="{610E5F45-9587-4524-801B-4F46BF8E0C6B}" srcOrd="0" destOrd="0" presId="urn:microsoft.com/office/officeart/2005/8/layout/radial4"/>
+    <dgm:cxn modelId="{51ED7D5C-3120-435E-A415-89C157FE7DA6}" type="presOf" srcId="{2A7D1A9F-92D6-4F0E-B941-41EF739A58D9}" destId="{56F48C7C-3766-4EE1-9546-EFD3F38022F1}" srcOrd="0" destOrd="0" presId="urn:microsoft.com/office/officeart/2005/8/layout/radial4"/>
+    <dgm:cxn modelId="{96AFC444-8409-4A95-AF1B-6A82379FC1F2}" type="presOf" srcId="{B96E4F98-C479-48E0-B554-088561711FF8}" destId="{56940CCA-CBE3-43AD-8B20-B3636C30DF86}" srcOrd="0" destOrd="0" presId="urn:microsoft.com/office/officeart/2005/8/layout/radial4"/>
+    <dgm:cxn modelId="{AF603970-E16D-471D-BFC3-C73601C8A853}" srcId="{AD02EB01-D5C9-45B4-8FA0-C0E551FE6D9A}" destId="{8EB60C23-736B-4DC8-8CAA-C3D52964FB67}" srcOrd="0" destOrd="0" parTransId="{EB025120-2F69-4598-B5D5-E9267140A628}" sibTransId="{2A0E52C6-F5E0-4F69-ADFC-E5C29A835E57}"/>
+    <dgm:cxn modelId="{C64C4676-76DF-4A6A-933F-3677A4EA812B}" type="presOf" srcId="{0EFB8A5E-A34B-4ED9-86E7-5F6796B4305E}" destId="{35BEEC0D-7B93-4330-8AC1-D7B7DC3AD786}" srcOrd="0" destOrd="0" presId="urn:microsoft.com/office/officeart/2005/8/layout/radial4"/>
     <dgm:cxn modelId="{9B275385-C8A4-4A41-906E-8F07860198EA}" type="presOf" srcId="{6E71818F-A8AF-4FAC-BE76-57DACE3DA220}" destId="{7A505604-F98D-44AF-B12F-21FD336CAE5F}" srcOrd="0" destOrd="0" presId="urn:microsoft.com/office/officeart/2005/8/layout/radial4"/>
     <dgm:cxn modelId="{9A6BC5B1-967B-47DC-A9F7-1F05CF63DCDF}" type="presOf" srcId="{AD02EB01-D5C9-45B4-8FA0-C0E551FE6D9A}" destId="{F9E45623-EA89-49D1-AF12-DB43DA6B21E1}" srcOrd="0" destOrd="0" presId="urn:microsoft.com/office/officeart/2005/8/layout/radial4"/>
-    <dgm:cxn modelId="{51ED7D5C-3120-435E-A415-89C157FE7DA6}" type="presOf" srcId="{2A7D1A9F-92D6-4F0E-B941-41EF739A58D9}" destId="{56F48C7C-3766-4EE1-9546-EFD3F38022F1}" srcOrd="0" destOrd="0" presId="urn:microsoft.com/office/officeart/2005/8/layout/radial4"/>
-    <dgm:cxn modelId="{AF603970-E16D-471D-BFC3-C73601C8A853}" srcId="{AD02EB01-D5C9-45B4-8FA0-C0E551FE6D9A}" destId="{8EB60C23-736B-4DC8-8CAA-C3D52964FB67}" srcOrd="0" destOrd="0" parTransId="{EB025120-2F69-4598-B5D5-E9267140A628}" sibTransId="{2A0E52C6-F5E0-4F69-ADFC-E5C29A835E57}"/>
     <dgm:cxn modelId="{2B07FCBF-77B2-4FF9-90CA-1D33A03885CF}" srcId="{8EB60C23-736B-4DC8-8CAA-C3D52964FB67}" destId="{6C1E7D9C-7F97-4CA3-8AEA-5DAF45F551AD}" srcOrd="1" destOrd="0" parTransId="{49B4F23E-D266-4269-ABDE-0826C284E5ED}" sibTransId="{98AF1EAB-C7F5-4FDB-8CE7-6DD0B878D3A1}"/>
+    <dgm:cxn modelId="{2D4032C2-5E5B-4C43-86E7-580B6D442231}" type="presOf" srcId="{6C1E7D9C-7F97-4CA3-8AEA-5DAF45F551AD}" destId="{D48588B3-3050-4B77-9973-F0C030101CD4}" srcOrd="0" destOrd="0" presId="urn:microsoft.com/office/officeart/2005/8/layout/radial4"/>
     <dgm:cxn modelId="{F37038D7-8D66-4779-9C0F-B8F9AF3A346A}" srcId="{8EB60C23-736B-4DC8-8CAA-C3D52964FB67}" destId="{6E71818F-A8AF-4FAC-BE76-57DACE3DA220}" srcOrd="2" destOrd="0" parTransId="{0EFB8A5E-A34B-4ED9-86E7-5F6796B4305E}" sibTransId="{8DC8B200-5F4F-4D22-8DC0-34C5C1A48688}"/>
     <dgm:cxn modelId="{CD5E91F7-1164-4435-A62D-EFB450E0272B}" srcId="{8EB60C23-736B-4DC8-8CAA-C3D52964FB67}" destId="{B96E4F98-C479-48E0-B554-088561711FF8}" srcOrd="0" destOrd="0" parTransId="{2A7D1A9F-92D6-4F0E-B941-41EF739A58D9}" sibTransId="{11BAEC10-966F-4C92-8C48-823CFCD09340}"/>
-    <dgm:cxn modelId="{C64C4676-76DF-4A6A-933F-3677A4EA812B}" type="presOf" srcId="{0EFB8A5E-A34B-4ED9-86E7-5F6796B4305E}" destId="{35BEEC0D-7B93-4330-8AC1-D7B7DC3AD786}" srcOrd="0" destOrd="0" presId="urn:microsoft.com/office/officeart/2005/8/layout/radial4"/>
-    <dgm:cxn modelId="{394F1B35-DC2B-4B0C-B6A8-7BE9465C756D}" type="presOf" srcId="{49B4F23E-D266-4269-ABDE-0826C284E5ED}" destId="{610E5F45-9587-4524-801B-4F46BF8E0C6B}" srcOrd="0" destOrd="0" presId="urn:microsoft.com/office/officeart/2005/8/layout/radial4"/>
-    <dgm:cxn modelId="{7F127026-87A9-496D-ABFF-9757C18628CB}" type="presOf" srcId="{8EB60C23-736B-4DC8-8CAA-C3D52964FB67}" destId="{D3A26FA2-27B3-4376-986D-715278D394B5}" srcOrd="0" destOrd="0" presId="urn:microsoft.com/office/officeart/2005/8/layout/radial4"/>
-    <dgm:cxn modelId="{2D4032C2-5E5B-4C43-86E7-580B6D442231}" type="presOf" srcId="{6C1E7D9C-7F97-4CA3-8AEA-5DAF45F551AD}" destId="{D48588B3-3050-4B77-9973-F0C030101CD4}" srcOrd="0" destOrd="0" presId="urn:microsoft.com/office/officeart/2005/8/layout/radial4"/>
-    <dgm:cxn modelId="{96AFC444-8409-4A95-AF1B-6A82379FC1F2}" type="presOf" srcId="{B96E4F98-C479-48E0-B554-088561711FF8}" destId="{56940CCA-CBE3-43AD-8B20-B3636C30DF86}" srcOrd="0" destOrd="0" presId="urn:microsoft.com/office/officeart/2005/8/layout/radial4"/>
     <dgm:cxn modelId="{03142170-21FD-4B75-85E9-894200195A81}" type="presParOf" srcId="{F9E45623-EA89-49D1-AF12-DB43DA6B21E1}" destId="{D3A26FA2-27B3-4376-986D-715278D394B5}" srcOrd="0" destOrd="0" presId="urn:microsoft.com/office/officeart/2005/8/layout/radial4"/>
     <dgm:cxn modelId="{F953D66F-A410-4EB4-AC4A-D331E19408C3}" type="presParOf" srcId="{F9E45623-EA89-49D1-AF12-DB43DA6B21E1}" destId="{56F48C7C-3766-4EE1-9546-EFD3F38022F1}" srcOrd="1" destOrd="0" presId="urn:microsoft.com/office/officeart/2005/8/layout/radial4"/>
     <dgm:cxn modelId="{7EC12B48-8299-47B6-A98D-0546384C4CCD}" type="presParOf" srcId="{F9E45623-EA89-49D1-AF12-DB43DA6B21E1}" destId="{56940CCA-CBE3-43AD-8B20-B3636C30DF86}" srcOrd="2" destOrd="0" presId="urn:microsoft.com/office/officeart/2005/8/layout/radial4"/>
@@ -12533,25 +11700,16 @@
         <a:p>
           <a:r>
             <a:rPr lang="es-ES" dirty="0"/>
-            <a:t>Faltas no justificadas de asistencia o </a:t>
+            <a:t>Faltas no justificadas de asistencia o puntualidad </a:t>
           </a:r>
           <a:r>
-            <a:rPr lang="es-ES" dirty="0" smtClean="0"/>
-            <a:t>puntualidad </a:t>
-          </a:r>
-          <a:r>
-            <a:rPr lang="es-ES" dirty="0" smtClean="0">
+            <a:rPr lang="es-ES" dirty="0">
               <a:solidFill>
                 <a:schemeClr val="accent2"/>
               </a:solidFill>
             </a:rPr>
             <a:t>TIENE QUE SER REITERADA</a:t>
           </a:r>
-          <a:endParaRPr lang="es-ES" dirty="0">
-            <a:solidFill>
-              <a:schemeClr val="accent2"/>
-            </a:solidFill>
-          </a:endParaRPr>
         </a:p>
       </dgm:t>
     </dgm:pt>
@@ -12586,25 +11744,16 @@
         <a:p>
           <a:r>
             <a:rPr lang="es-ES" dirty="0"/>
-            <a:t>Lesión de la buena </a:t>
+            <a:t>Lesión de la buena fe: </a:t>
           </a:r>
           <a:r>
-            <a:rPr lang="es-ES" dirty="0" smtClean="0"/>
-            <a:t>fe: </a:t>
-          </a:r>
-          <a:r>
-            <a:rPr lang="es-ES" dirty="0" smtClean="0">
+            <a:rPr lang="es-ES" dirty="0">
               <a:solidFill>
                 <a:schemeClr val="accent2"/>
               </a:solidFill>
             </a:rPr>
             <a:t>ENGAÑOS.</a:t>
           </a:r>
-          <a:endParaRPr lang="es-ES" dirty="0">
-            <a:solidFill>
-              <a:schemeClr val="accent2"/>
-            </a:solidFill>
-          </a:endParaRPr>
         </a:p>
       </dgm:t>
     </dgm:pt>
@@ -12638,22 +11787,17 @@
         <a:lstStyle/>
         <a:p>
           <a:r>
-            <a:rPr lang="es-ES" dirty="0" smtClean="0"/>
+            <a:rPr lang="es-ES" dirty="0"/>
             <a:t>Ofensas: </a:t>
           </a:r>
           <a:r>
-            <a:rPr lang="es-ES" dirty="0" smtClean="0">
+            <a:rPr lang="es-ES" dirty="0">
               <a:solidFill>
                 <a:schemeClr val="accent2"/>
               </a:solidFill>
             </a:rPr>
             <a:t>¡OJO! PUEDE SER FUERA DEL PUESTO DEL TRABAJO</a:t>
           </a:r>
-          <a:endParaRPr lang="es-ES" dirty="0">
-            <a:solidFill>
-              <a:schemeClr val="accent2"/>
-            </a:solidFill>
-          </a:endParaRPr>
         </a:p>
       </dgm:t>
     </dgm:pt>
@@ -12687,11 +11831,11 @@
         <a:lstStyle/>
         <a:p>
           <a:r>
-            <a:rPr lang="es-ES" dirty="0" smtClean="0"/>
+            <a:rPr lang="es-ES" dirty="0"/>
             <a:t>Desobediencia: </a:t>
           </a:r>
           <a:r>
-            <a:rPr lang="es-ES" dirty="0" smtClean="0">
+            <a:rPr lang="es-ES" dirty="0">
               <a:solidFill>
                 <a:schemeClr val="accent2"/>
               </a:solidFill>
@@ -12733,14 +11877,10 @@
         <a:p>
           <a:r>
             <a:rPr lang="es-ES" dirty="0"/>
-            <a:t>Disminución del </a:t>
+            <a:t>Disminución del rendimiento: </a:t>
           </a:r>
           <a:r>
-            <a:rPr lang="es-ES" dirty="0" smtClean="0"/>
-            <a:t>rendimiento: </a:t>
-          </a:r>
-          <a:r>
-            <a:rPr lang="es-ES" dirty="0" smtClean="0">
+            <a:rPr lang="es-ES" dirty="0">
               <a:solidFill>
                 <a:schemeClr val="accent2"/>
               </a:solidFill>
@@ -12748,10 +11888,9 @@
             <a:t>DEMOSTRABLE</a:t>
           </a:r>
           <a:r>
-            <a:rPr lang="es-ES" dirty="0" smtClean="0"/>
+            <a:rPr lang="es-ES" dirty="0"/>
             <a:t>.</a:t>
           </a:r>
-          <a:endParaRPr lang="es-ES" dirty="0"/>
         </a:p>
       </dgm:t>
     </dgm:pt>
@@ -12785,11 +11924,11 @@
         <a:lstStyle/>
         <a:p>
           <a:r>
-            <a:rPr lang="es-ES" dirty="0" smtClean="0"/>
+            <a:rPr lang="es-ES" dirty="0"/>
             <a:t>Embriaguez </a:t>
           </a:r>
           <a:r>
-            <a:rPr lang="es-ES" dirty="0" smtClean="0">
+            <a:rPr lang="es-ES" dirty="0">
               <a:solidFill>
                 <a:schemeClr val="accent2"/>
               </a:solidFill>
@@ -12833,10 +11972,9 @@
         <a:lstStyle/>
         <a:p>
           <a:r>
-            <a:rPr lang="es-ES" dirty="0" smtClean="0"/>
+            <a:rPr lang="es-ES" dirty="0"/>
             <a:t>Acoso: </a:t>
           </a:r>
-          <a:endParaRPr lang="es-ES" dirty="0"/>
         </a:p>
       </dgm:t>
     </dgm:pt>
@@ -12873,13 +12011,6 @@
         </dgm:presLayoutVars>
       </dgm:prSet>
       <dgm:spPr/>
-      <dgm:t>
-        <a:bodyPr/>
-        <a:lstStyle/>
-        <a:p>
-          <a:endParaRPr lang="es-ES"/>
-        </a:p>
-      </dgm:t>
     </dgm:pt>
     <dgm:pt modelId="{CBCE9311-E6D3-4808-B1DE-04F6F7C43654}" type="pres">
       <dgm:prSet presAssocID="{D274E3EB-6F9B-4110-A2E3-C954228DE181}" presName="root1" presStyleCnt="0"/>
@@ -12892,13 +12023,6 @@
         </dgm:presLayoutVars>
       </dgm:prSet>
       <dgm:spPr/>
-      <dgm:t>
-        <a:bodyPr/>
-        <a:lstStyle/>
-        <a:p>
-          <a:endParaRPr lang="es-ES"/>
-        </a:p>
-      </dgm:t>
     </dgm:pt>
     <dgm:pt modelId="{AB64D648-078B-4E41-A487-DCD4706B78BE}" type="pres">
       <dgm:prSet presAssocID="{D274E3EB-6F9B-4110-A2E3-C954228DE181}" presName="level2hierChild" presStyleCnt="0"/>
@@ -12907,24 +12031,10 @@
     <dgm:pt modelId="{6C1542E1-61B5-454E-B9A5-B509F20820CB}" type="pres">
       <dgm:prSet presAssocID="{07A96743-C7FE-4D41-B6BE-7AA6084EC4D3}" presName="conn2-1" presStyleLbl="parChTrans1D2" presStyleIdx="0" presStyleCnt="7"/>
       <dgm:spPr/>
-      <dgm:t>
-        <a:bodyPr/>
-        <a:lstStyle/>
-        <a:p>
-          <a:endParaRPr lang="es-ES"/>
-        </a:p>
-      </dgm:t>
     </dgm:pt>
     <dgm:pt modelId="{149268B8-F0A7-4603-820C-B31C2A586FA7}" type="pres">
       <dgm:prSet presAssocID="{07A96743-C7FE-4D41-B6BE-7AA6084EC4D3}" presName="connTx" presStyleLbl="parChTrans1D2" presStyleIdx="0" presStyleCnt="7"/>
       <dgm:spPr/>
-      <dgm:t>
-        <a:bodyPr/>
-        <a:lstStyle/>
-        <a:p>
-          <a:endParaRPr lang="es-ES"/>
-        </a:p>
-      </dgm:t>
     </dgm:pt>
     <dgm:pt modelId="{C06A4F4C-71BB-4DF8-908A-91BFADBBB5D0}" type="pres">
       <dgm:prSet presAssocID="{BA666FAA-2088-4778-AEFC-B691B8A1353C}" presName="root2" presStyleCnt="0"/>
@@ -12937,13 +12047,6 @@
         </dgm:presLayoutVars>
       </dgm:prSet>
       <dgm:spPr/>
-      <dgm:t>
-        <a:bodyPr/>
-        <a:lstStyle/>
-        <a:p>
-          <a:endParaRPr lang="es-ES"/>
-        </a:p>
-      </dgm:t>
     </dgm:pt>
     <dgm:pt modelId="{55DDBB68-6D61-41BE-930B-92C515432A6C}" type="pres">
       <dgm:prSet presAssocID="{BA666FAA-2088-4778-AEFC-B691B8A1353C}" presName="level3hierChild" presStyleCnt="0"/>
@@ -12952,24 +12055,10 @@
     <dgm:pt modelId="{5427463C-2BF3-434A-8C26-87F0928F2452}" type="pres">
       <dgm:prSet presAssocID="{79BF784A-CDC0-4AE1-B8BC-6C8D163F60FC}" presName="conn2-1" presStyleLbl="parChTrans1D2" presStyleIdx="1" presStyleCnt="7"/>
       <dgm:spPr/>
-      <dgm:t>
-        <a:bodyPr/>
-        <a:lstStyle/>
-        <a:p>
-          <a:endParaRPr lang="es-ES"/>
-        </a:p>
-      </dgm:t>
     </dgm:pt>
     <dgm:pt modelId="{F3C79711-CA10-431E-83EB-0B890B02FC26}" type="pres">
       <dgm:prSet presAssocID="{79BF784A-CDC0-4AE1-B8BC-6C8D163F60FC}" presName="connTx" presStyleLbl="parChTrans1D2" presStyleIdx="1" presStyleCnt="7"/>
       <dgm:spPr/>
-      <dgm:t>
-        <a:bodyPr/>
-        <a:lstStyle/>
-        <a:p>
-          <a:endParaRPr lang="es-ES"/>
-        </a:p>
-      </dgm:t>
     </dgm:pt>
     <dgm:pt modelId="{8B61C20A-FFF3-422F-BBB6-6C26A3277060}" type="pres">
       <dgm:prSet presAssocID="{6870FB63-2CBA-45E7-A261-ADCEAA6670BD}" presName="root2" presStyleCnt="0"/>
@@ -12982,13 +12071,6 @@
         </dgm:presLayoutVars>
       </dgm:prSet>
       <dgm:spPr/>
-      <dgm:t>
-        <a:bodyPr/>
-        <a:lstStyle/>
-        <a:p>
-          <a:endParaRPr lang="es-ES"/>
-        </a:p>
-      </dgm:t>
     </dgm:pt>
     <dgm:pt modelId="{2F3A50CC-D781-4C00-8F3D-7AB67C452683}" type="pres">
       <dgm:prSet presAssocID="{6870FB63-2CBA-45E7-A261-ADCEAA6670BD}" presName="level3hierChild" presStyleCnt="0"/>
@@ -12997,24 +12079,10 @@
     <dgm:pt modelId="{E4BDFBF6-CD3F-4EDC-84D4-945499D7E230}" type="pres">
       <dgm:prSet presAssocID="{81EA3D6F-3162-4689-8B9A-A0249388EAC2}" presName="conn2-1" presStyleLbl="parChTrans1D2" presStyleIdx="2" presStyleCnt="7"/>
       <dgm:spPr/>
-      <dgm:t>
-        <a:bodyPr/>
-        <a:lstStyle/>
-        <a:p>
-          <a:endParaRPr lang="es-ES"/>
-        </a:p>
-      </dgm:t>
     </dgm:pt>
     <dgm:pt modelId="{3AA638AB-46C0-4834-8FE0-8CFFD2849800}" type="pres">
       <dgm:prSet presAssocID="{81EA3D6F-3162-4689-8B9A-A0249388EAC2}" presName="connTx" presStyleLbl="parChTrans1D2" presStyleIdx="2" presStyleCnt="7"/>
       <dgm:spPr/>
-      <dgm:t>
-        <a:bodyPr/>
-        <a:lstStyle/>
-        <a:p>
-          <a:endParaRPr lang="es-ES"/>
-        </a:p>
-      </dgm:t>
     </dgm:pt>
     <dgm:pt modelId="{652AA8C1-CF5D-483E-A533-9E9D31604C3B}" type="pres">
       <dgm:prSet presAssocID="{C1E42510-A827-454D-8E35-675E1BFC2085}" presName="root2" presStyleCnt="0"/>
@@ -13027,13 +12095,6 @@
         </dgm:presLayoutVars>
       </dgm:prSet>
       <dgm:spPr/>
-      <dgm:t>
-        <a:bodyPr/>
-        <a:lstStyle/>
-        <a:p>
-          <a:endParaRPr lang="es-ES"/>
-        </a:p>
-      </dgm:t>
     </dgm:pt>
     <dgm:pt modelId="{0A2AFC29-08A4-4060-A0ED-183E178D5CDE}" type="pres">
       <dgm:prSet presAssocID="{C1E42510-A827-454D-8E35-675E1BFC2085}" presName="level3hierChild" presStyleCnt="0"/>
@@ -13042,24 +12103,10 @@
     <dgm:pt modelId="{41F54B91-BE45-4141-8C82-FAF4C52F39AC}" type="pres">
       <dgm:prSet presAssocID="{5742B385-0533-483D-991D-F151845F493B}" presName="conn2-1" presStyleLbl="parChTrans1D2" presStyleIdx="3" presStyleCnt="7"/>
       <dgm:spPr/>
-      <dgm:t>
-        <a:bodyPr/>
-        <a:lstStyle/>
-        <a:p>
-          <a:endParaRPr lang="es-ES"/>
-        </a:p>
-      </dgm:t>
     </dgm:pt>
     <dgm:pt modelId="{CA3A07BC-27DC-4F21-AB5B-C68CEFF62B3D}" type="pres">
       <dgm:prSet presAssocID="{5742B385-0533-483D-991D-F151845F493B}" presName="connTx" presStyleLbl="parChTrans1D2" presStyleIdx="3" presStyleCnt="7"/>
       <dgm:spPr/>
-      <dgm:t>
-        <a:bodyPr/>
-        <a:lstStyle/>
-        <a:p>
-          <a:endParaRPr lang="es-ES"/>
-        </a:p>
-      </dgm:t>
     </dgm:pt>
     <dgm:pt modelId="{EF962E9A-773E-419E-93F5-1910063CB0FF}" type="pres">
       <dgm:prSet presAssocID="{387A513E-2958-4BA1-9E75-D948FDACB4D7}" presName="root2" presStyleCnt="0"/>
@@ -13072,13 +12119,6 @@
         </dgm:presLayoutVars>
       </dgm:prSet>
       <dgm:spPr/>
-      <dgm:t>
-        <a:bodyPr/>
-        <a:lstStyle/>
-        <a:p>
-          <a:endParaRPr lang="es-ES"/>
-        </a:p>
-      </dgm:t>
     </dgm:pt>
     <dgm:pt modelId="{92EC1FEB-B569-4F2A-BF8D-C3CA6C1EE088}" type="pres">
       <dgm:prSet presAssocID="{387A513E-2958-4BA1-9E75-D948FDACB4D7}" presName="level3hierChild" presStyleCnt="0"/>
@@ -13087,24 +12127,10 @@
     <dgm:pt modelId="{D194056A-5F15-4263-B647-FE34B268BA1F}" type="pres">
       <dgm:prSet presAssocID="{47A4D176-7EBF-4348-9AFC-1BBFBE26C502}" presName="conn2-1" presStyleLbl="parChTrans1D2" presStyleIdx="4" presStyleCnt="7"/>
       <dgm:spPr/>
-      <dgm:t>
-        <a:bodyPr/>
-        <a:lstStyle/>
-        <a:p>
-          <a:endParaRPr lang="es-ES"/>
-        </a:p>
-      </dgm:t>
     </dgm:pt>
     <dgm:pt modelId="{B3FDECB7-1984-4392-8B3F-F5931C7FF36C}" type="pres">
       <dgm:prSet presAssocID="{47A4D176-7EBF-4348-9AFC-1BBFBE26C502}" presName="connTx" presStyleLbl="parChTrans1D2" presStyleIdx="4" presStyleCnt="7"/>
       <dgm:spPr/>
-      <dgm:t>
-        <a:bodyPr/>
-        <a:lstStyle/>
-        <a:p>
-          <a:endParaRPr lang="es-ES"/>
-        </a:p>
-      </dgm:t>
     </dgm:pt>
     <dgm:pt modelId="{EAE5746C-96BA-4C5C-ABE7-B884F449102F}" type="pres">
       <dgm:prSet presAssocID="{FEE5E88C-70FF-4F7C-A2CB-3D1EAFDA72C8}" presName="root2" presStyleCnt="0"/>
@@ -13117,13 +12143,6 @@
         </dgm:presLayoutVars>
       </dgm:prSet>
       <dgm:spPr/>
-      <dgm:t>
-        <a:bodyPr/>
-        <a:lstStyle/>
-        <a:p>
-          <a:endParaRPr lang="es-ES"/>
-        </a:p>
-      </dgm:t>
     </dgm:pt>
     <dgm:pt modelId="{0B23F8D9-539C-4DB4-A87F-7778FE3DCBC3}" type="pres">
       <dgm:prSet presAssocID="{FEE5E88C-70FF-4F7C-A2CB-3D1EAFDA72C8}" presName="level3hierChild" presStyleCnt="0"/>
@@ -13132,24 +12151,10 @@
     <dgm:pt modelId="{A96E31BE-B69D-4248-90E4-57FC884DC1AE}" type="pres">
       <dgm:prSet presAssocID="{41C5451D-00D2-479A-B47C-240E1ECBF68F}" presName="conn2-1" presStyleLbl="parChTrans1D2" presStyleIdx="5" presStyleCnt="7"/>
       <dgm:spPr/>
-      <dgm:t>
-        <a:bodyPr/>
-        <a:lstStyle/>
-        <a:p>
-          <a:endParaRPr lang="es-ES"/>
-        </a:p>
-      </dgm:t>
     </dgm:pt>
     <dgm:pt modelId="{99930211-29D2-46DA-9A49-00B6A4F1E2CB}" type="pres">
       <dgm:prSet presAssocID="{41C5451D-00D2-479A-B47C-240E1ECBF68F}" presName="connTx" presStyleLbl="parChTrans1D2" presStyleIdx="5" presStyleCnt="7"/>
       <dgm:spPr/>
-      <dgm:t>
-        <a:bodyPr/>
-        <a:lstStyle/>
-        <a:p>
-          <a:endParaRPr lang="es-ES"/>
-        </a:p>
-      </dgm:t>
     </dgm:pt>
     <dgm:pt modelId="{F57026A4-FC05-413A-B1C6-0AE8645F3B1A}" type="pres">
       <dgm:prSet presAssocID="{29247F6E-D03C-466D-A318-77882FA11AE9}" presName="root2" presStyleCnt="0"/>
@@ -13162,13 +12167,6 @@
         </dgm:presLayoutVars>
       </dgm:prSet>
       <dgm:spPr/>
-      <dgm:t>
-        <a:bodyPr/>
-        <a:lstStyle/>
-        <a:p>
-          <a:endParaRPr lang="es-ES"/>
-        </a:p>
-      </dgm:t>
     </dgm:pt>
     <dgm:pt modelId="{546DDFA1-1DFC-448F-A11F-572614639190}" type="pres">
       <dgm:prSet presAssocID="{29247F6E-D03C-466D-A318-77882FA11AE9}" presName="level3hierChild" presStyleCnt="0"/>
@@ -13177,24 +12175,10 @@
     <dgm:pt modelId="{ED244053-CE8D-4B3C-8974-4FAB9A69FB9D}" type="pres">
       <dgm:prSet presAssocID="{0BEDD0CE-9339-4221-9A00-A0BBAFEAAC06}" presName="conn2-1" presStyleLbl="parChTrans1D2" presStyleIdx="6" presStyleCnt="7"/>
       <dgm:spPr/>
-      <dgm:t>
-        <a:bodyPr/>
-        <a:lstStyle/>
-        <a:p>
-          <a:endParaRPr lang="es-ES"/>
-        </a:p>
-      </dgm:t>
     </dgm:pt>
     <dgm:pt modelId="{7721C54D-CBDA-4D34-B8F5-1D52B88932C2}" type="pres">
       <dgm:prSet presAssocID="{0BEDD0CE-9339-4221-9A00-A0BBAFEAAC06}" presName="connTx" presStyleLbl="parChTrans1D2" presStyleIdx="6" presStyleCnt="7"/>
       <dgm:spPr/>
-      <dgm:t>
-        <a:bodyPr/>
-        <a:lstStyle/>
-        <a:p>
-          <a:endParaRPr lang="es-ES"/>
-        </a:p>
-      </dgm:t>
     </dgm:pt>
     <dgm:pt modelId="{F44E9CC0-08DA-416F-B2FD-A07A79D27B61}" type="pres">
       <dgm:prSet presAssocID="{7A2A06E4-1518-4755-B66A-E59F3C0AAFA2}" presName="root2" presStyleCnt="0"/>
@@ -13207,13 +12191,6 @@
         </dgm:presLayoutVars>
       </dgm:prSet>
       <dgm:spPr/>
-      <dgm:t>
-        <a:bodyPr/>
-        <a:lstStyle/>
-        <a:p>
-          <a:endParaRPr lang="es-ES"/>
-        </a:p>
-      </dgm:t>
     </dgm:pt>
     <dgm:pt modelId="{6FFDE2EE-472D-4711-B45B-5B4AD672AC23}" type="pres">
       <dgm:prSet presAssocID="{7A2A06E4-1518-4755-B66A-E59F3C0AAFA2}" presName="level3hierChild" presStyleCnt="0"/>
@@ -13221,37 +12198,37 @@
     </dgm:pt>
   </dgm:ptLst>
   <dgm:cxnLst>
+    <dgm:cxn modelId="{93661A01-ABEE-4E53-BA04-57FA2C98979D}" type="presOf" srcId="{5742B385-0533-483D-991D-F151845F493B}" destId="{41F54B91-BE45-4141-8C82-FAF4C52F39AC}" srcOrd="0" destOrd="0" presId="urn:microsoft.com/office/officeart/2008/layout/HorizontalMultiLevelHierarchy"/>
+    <dgm:cxn modelId="{0DE2390C-E3D4-460C-9F08-F24E43834B4B}" type="presOf" srcId="{0BEDD0CE-9339-4221-9A00-A0BBAFEAAC06}" destId="{7721C54D-CBDA-4D34-B8F5-1D52B88932C2}" srcOrd="1" destOrd="0" presId="urn:microsoft.com/office/officeart/2008/layout/HorizontalMultiLevelHierarchy"/>
+    <dgm:cxn modelId="{534D770D-932A-45CE-808B-CEC518637953}" type="presOf" srcId="{81EA3D6F-3162-4689-8B9A-A0249388EAC2}" destId="{3AA638AB-46C0-4834-8FE0-8CFFD2849800}" srcOrd="1" destOrd="0" presId="urn:microsoft.com/office/officeart/2008/layout/HorizontalMultiLevelHierarchy"/>
+    <dgm:cxn modelId="{75310F0E-2F36-41DE-AE6E-7711087B2BA3}" srcId="{D274E3EB-6F9B-4110-A2E3-C954228DE181}" destId="{6870FB63-2CBA-45E7-A261-ADCEAA6670BD}" srcOrd="1" destOrd="0" parTransId="{79BF784A-CDC0-4AE1-B8BC-6C8D163F60FC}" sibTransId="{A477EEBF-86AB-4626-A0AC-B6EEA3CCC6F7}"/>
+    <dgm:cxn modelId="{EDC48813-9481-4582-882A-D60109A2070A}" type="presOf" srcId="{07A96743-C7FE-4D41-B6BE-7AA6084EC4D3}" destId="{6C1542E1-61B5-454E-B9A5-B509F20820CB}" srcOrd="0" destOrd="0" presId="urn:microsoft.com/office/officeart/2008/layout/HorizontalMultiLevelHierarchy"/>
+    <dgm:cxn modelId="{B731A713-EFDF-4206-8819-BB33969A5365}" srcId="{D274E3EB-6F9B-4110-A2E3-C954228DE181}" destId="{BA666FAA-2088-4778-AEFC-B691B8A1353C}" srcOrd="0" destOrd="0" parTransId="{07A96743-C7FE-4D41-B6BE-7AA6084EC4D3}" sibTransId="{E8045916-64CE-4672-B831-68B8CFA95353}"/>
+    <dgm:cxn modelId="{0119F918-7410-4FD9-942F-57E0FE8352C6}" type="presOf" srcId="{C1E42510-A827-454D-8E35-675E1BFC2085}" destId="{CCFF9BAA-4E64-470D-A99A-C0C2FA540B0A}" srcOrd="0" destOrd="0" presId="urn:microsoft.com/office/officeart/2008/layout/HorizontalMultiLevelHierarchy"/>
+    <dgm:cxn modelId="{BEE99623-676C-4ED7-AF3E-4DA2EAC19C6C}" type="presOf" srcId="{387A513E-2958-4BA1-9E75-D948FDACB4D7}" destId="{0E62210B-19F9-4D72-A383-D3B57A9142B6}" srcOrd="0" destOrd="0" presId="urn:microsoft.com/office/officeart/2008/layout/HorizontalMultiLevelHierarchy"/>
+    <dgm:cxn modelId="{B992B624-CFA9-4BBE-BC32-32BB1962E545}" type="presOf" srcId="{6870FB63-2CBA-45E7-A261-ADCEAA6670BD}" destId="{0E1F7500-632D-4ACA-82B3-CC81476BC5F0}" srcOrd="0" destOrd="0" presId="urn:microsoft.com/office/officeart/2008/layout/HorizontalMultiLevelHierarchy"/>
+    <dgm:cxn modelId="{17FB0926-26C9-41B5-8363-158FE9C037E9}" type="presOf" srcId="{47A4D176-7EBF-4348-9AFC-1BBFBE26C502}" destId="{B3FDECB7-1984-4392-8B3F-F5931C7FF36C}" srcOrd="1" destOrd="0" presId="urn:microsoft.com/office/officeart/2008/layout/HorizontalMultiLevelHierarchy"/>
+    <dgm:cxn modelId="{2C611227-B921-4A51-A478-FC009F70B420}" type="presOf" srcId="{7A2A06E4-1518-4755-B66A-E59F3C0AAFA2}" destId="{0A34673E-29D6-42DA-BCD7-FA9EB4708D74}" srcOrd="0" destOrd="0" presId="urn:microsoft.com/office/officeart/2008/layout/HorizontalMultiLevelHierarchy"/>
+    <dgm:cxn modelId="{9293832A-3992-41E5-A39E-3824DDE81C60}" type="presOf" srcId="{29247F6E-D03C-466D-A318-77882FA11AE9}" destId="{6ED76A72-053D-4BBF-A98C-B27E339DFB47}" srcOrd="0" destOrd="0" presId="urn:microsoft.com/office/officeart/2008/layout/HorizontalMultiLevelHierarchy"/>
+    <dgm:cxn modelId="{E199F43F-7CA5-416A-8342-80581C7318EF}" type="presOf" srcId="{79BF784A-CDC0-4AE1-B8BC-6C8D163F60FC}" destId="{F3C79711-CA10-431E-83EB-0B890B02FC26}" srcOrd="1" destOrd="0" presId="urn:microsoft.com/office/officeart/2008/layout/HorizontalMultiLevelHierarchy"/>
+    <dgm:cxn modelId="{638C9D48-0716-4A3F-A4AB-F6D404574B5D}" srcId="{D274E3EB-6F9B-4110-A2E3-C954228DE181}" destId="{387A513E-2958-4BA1-9E75-D948FDACB4D7}" srcOrd="3" destOrd="0" parTransId="{5742B385-0533-483D-991D-F151845F493B}" sibTransId="{685512B9-49E7-4083-A054-4F34E5B55B1A}"/>
+    <dgm:cxn modelId="{A2F6796B-DDF2-4A57-8172-CFF1D29F682A}" type="presOf" srcId="{9770B858-B54B-4204-A14C-D22BC98418DA}" destId="{12AE0CCF-1E83-4D77-BFC8-05A8210012FB}" srcOrd="0" destOrd="0" presId="urn:microsoft.com/office/officeart/2008/layout/HorizontalMultiLevelHierarchy"/>
+    <dgm:cxn modelId="{9CC68D6C-32B8-4AA8-9B50-AC1C2A824B98}" type="presOf" srcId="{0BEDD0CE-9339-4221-9A00-A0BBAFEAAC06}" destId="{ED244053-CE8D-4B3C-8974-4FAB9A69FB9D}" srcOrd="0" destOrd="0" presId="urn:microsoft.com/office/officeart/2008/layout/HorizontalMultiLevelHierarchy"/>
+    <dgm:cxn modelId="{9EB6706F-B826-480F-B89E-66C0061BEFEE}" srcId="{D274E3EB-6F9B-4110-A2E3-C954228DE181}" destId="{FEE5E88C-70FF-4F7C-A2CB-3D1EAFDA72C8}" srcOrd="4" destOrd="0" parTransId="{47A4D176-7EBF-4348-9AFC-1BBFBE26C502}" sibTransId="{60EFB3FE-5772-43DD-BB95-A70286F24D6B}"/>
+    <dgm:cxn modelId="{0C8F84A6-C24D-4A18-BD56-B57BF27D64FA}" type="presOf" srcId="{07A96743-C7FE-4D41-B6BE-7AA6084EC4D3}" destId="{149268B8-F0A7-4603-820C-B31C2A586FA7}" srcOrd="1" destOrd="0" presId="urn:microsoft.com/office/officeart/2008/layout/HorizontalMultiLevelHierarchy"/>
+    <dgm:cxn modelId="{1CE31EAC-4237-4DF6-A0D6-25F8612AA900}" type="presOf" srcId="{FEE5E88C-70FF-4F7C-A2CB-3D1EAFDA72C8}" destId="{157698DD-AC31-4F2B-A2CD-B4CC4C59E579}" srcOrd="0" destOrd="0" presId="urn:microsoft.com/office/officeart/2008/layout/HorizontalMultiLevelHierarchy"/>
+    <dgm:cxn modelId="{D923C4B8-3B5A-4DB6-8C5B-E329692BCB68}" srcId="{D274E3EB-6F9B-4110-A2E3-C954228DE181}" destId="{29247F6E-D03C-466D-A318-77882FA11AE9}" srcOrd="5" destOrd="0" parTransId="{41C5451D-00D2-479A-B47C-240E1ECBF68F}" sibTransId="{D30A462D-FE47-4628-94B3-E33FC58FC1C7}"/>
+    <dgm:cxn modelId="{249E52BD-5C8B-4529-91A9-91F97276986A}" type="presOf" srcId="{5742B385-0533-483D-991D-F151845F493B}" destId="{CA3A07BC-27DC-4F21-AB5B-C68CEFF62B3D}" srcOrd="1" destOrd="0" presId="urn:microsoft.com/office/officeart/2008/layout/HorizontalMultiLevelHierarchy"/>
+    <dgm:cxn modelId="{1BA220C2-22E8-49A3-9CB1-220270DF92FE}" type="presOf" srcId="{41C5451D-00D2-479A-B47C-240E1ECBF68F}" destId="{A96E31BE-B69D-4248-90E4-57FC884DC1AE}" srcOrd="0" destOrd="0" presId="urn:microsoft.com/office/officeart/2008/layout/HorizontalMultiLevelHierarchy"/>
+    <dgm:cxn modelId="{5D584DC6-370F-4F99-B4AC-D5B8414AB69A}" srcId="{D274E3EB-6F9B-4110-A2E3-C954228DE181}" destId="{7A2A06E4-1518-4755-B66A-E59F3C0AAFA2}" srcOrd="6" destOrd="0" parTransId="{0BEDD0CE-9339-4221-9A00-A0BBAFEAAC06}" sibTransId="{DA29A459-D292-4535-9272-8C9DCB97B02B}"/>
+    <dgm:cxn modelId="{A82774D0-A68C-4A7B-9E80-6E329455257C}" type="presOf" srcId="{D274E3EB-6F9B-4110-A2E3-C954228DE181}" destId="{AD63324D-7AD3-484F-8069-73923C0080C3}" srcOrd="0" destOrd="0" presId="urn:microsoft.com/office/officeart/2008/layout/HorizontalMultiLevelHierarchy"/>
+    <dgm:cxn modelId="{807557DB-0CDC-49A0-9111-67E860D09783}" type="presOf" srcId="{81EA3D6F-3162-4689-8B9A-A0249388EAC2}" destId="{E4BDFBF6-CD3F-4EDC-84D4-945499D7E230}" srcOrd="0" destOrd="0" presId="urn:microsoft.com/office/officeart/2008/layout/HorizontalMultiLevelHierarchy"/>
+    <dgm:cxn modelId="{CC0F87DC-1D4E-467D-967B-86399A6E7F88}" type="presOf" srcId="{47A4D176-7EBF-4348-9AFC-1BBFBE26C502}" destId="{D194056A-5F15-4263-B647-FE34B268BA1F}" srcOrd="0" destOrd="0" presId="urn:microsoft.com/office/officeart/2008/layout/HorizontalMultiLevelHierarchy"/>
+    <dgm:cxn modelId="{2911DAE1-3075-4534-B1ED-555B94707362}" srcId="{D274E3EB-6F9B-4110-A2E3-C954228DE181}" destId="{C1E42510-A827-454D-8E35-675E1BFC2085}" srcOrd="2" destOrd="0" parTransId="{81EA3D6F-3162-4689-8B9A-A0249388EAC2}" sibTransId="{3F5DA641-0175-4C59-A5F5-09A0F3320284}"/>
+    <dgm:cxn modelId="{57F1B0E3-B038-4FA1-B6D6-092461AC5546}" type="presOf" srcId="{79BF784A-CDC0-4AE1-B8BC-6C8D163F60FC}" destId="{5427463C-2BF3-434A-8C26-87F0928F2452}" srcOrd="0" destOrd="0" presId="urn:microsoft.com/office/officeart/2008/layout/HorizontalMultiLevelHierarchy"/>
+    <dgm:cxn modelId="{980213F3-5210-4304-BB03-D82C7A07060A}" srcId="{9770B858-B54B-4204-A14C-D22BC98418DA}" destId="{D274E3EB-6F9B-4110-A2E3-C954228DE181}" srcOrd="0" destOrd="0" parTransId="{82E9D50E-6D2E-47EE-939B-AB328C18B5F3}" sibTransId="{3C6534DA-BB06-4C72-B6AA-E4185A6DD558}"/>
     <dgm:cxn modelId="{86956EFB-7D42-4A68-AC5E-B67A7A0D8A82}" type="presOf" srcId="{BA666FAA-2088-4778-AEFC-B691B8A1353C}" destId="{6272166E-FFDE-4E63-B5B5-F06FCA0B66AB}" srcOrd="0" destOrd="0" presId="urn:microsoft.com/office/officeart/2008/layout/HorizontalMultiLevelHierarchy"/>
-    <dgm:cxn modelId="{638C9D48-0716-4A3F-A4AB-F6D404574B5D}" srcId="{D274E3EB-6F9B-4110-A2E3-C954228DE181}" destId="{387A513E-2958-4BA1-9E75-D948FDACB4D7}" srcOrd="3" destOrd="0" parTransId="{5742B385-0533-483D-991D-F151845F493B}" sibTransId="{685512B9-49E7-4083-A054-4F34E5B55B1A}"/>
-    <dgm:cxn modelId="{5D584DC6-370F-4F99-B4AC-D5B8414AB69A}" srcId="{D274E3EB-6F9B-4110-A2E3-C954228DE181}" destId="{7A2A06E4-1518-4755-B66A-E59F3C0AAFA2}" srcOrd="6" destOrd="0" parTransId="{0BEDD0CE-9339-4221-9A00-A0BBAFEAAC06}" sibTransId="{DA29A459-D292-4535-9272-8C9DCB97B02B}"/>
     <dgm:cxn modelId="{B9BA31FF-A18C-4968-A961-BC4ED6064A0A}" type="presOf" srcId="{41C5451D-00D2-479A-B47C-240E1ECBF68F}" destId="{99930211-29D2-46DA-9A49-00B6A4F1E2CB}" srcOrd="1" destOrd="0" presId="urn:microsoft.com/office/officeart/2008/layout/HorizontalMultiLevelHierarchy"/>
-    <dgm:cxn modelId="{57F1B0E3-B038-4FA1-B6D6-092461AC5546}" type="presOf" srcId="{79BF784A-CDC0-4AE1-B8BC-6C8D163F60FC}" destId="{5427463C-2BF3-434A-8C26-87F0928F2452}" srcOrd="0" destOrd="0" presId="urn:microsoft.com/office/officeart/2008/layout/HorizontalMultiLevelHierarchy"/>
-    <dgm:cxn modelId="{1BA220C2-22E8-49A3-9CB1-220270DF92FE}" type="presOf" srcId="{41C5451D-00D2-479A-B47C-240E1ECBF68F}" destId="{A96E31BE-B69D-4248-90E4-57FC884DC1AE}" srcOrd="0" destOrd="0" presId="urn:microsoft.com/office/officeart/2008/layout/HorizontalMultiLevelHierarchy"/>
-    <dgm:cxn modelId="{980213F3-5210-4304-BB03-D82C7A07060A}" srcId="{9770B858-B54B-4204-A14C-D22BC98418DA}" destId="{D274E3EB-6F9B-4110-A2E3-C954228DE181}" srcOrd="0" destOrd="0" parTransId="{82E9D50E-6D2E-47EE-939B-AB328C18B5F3}" sibTransId="{3C6534DA-BB06-4C72-B6AA-E4185A6DD558}"/>
-    <dgm:cxn modelId="{1CE31EAC-4237-4DF6-A0D6-25F8612AA900}" type="presOf" srcId="{FEE5E88C-70FF-4F7C-A2CB-3D1EAFDA72C8}" destId="{157698DD-AC31-4F2B-A2CD-B4CC4C59E579}" srcOrd="0" destOrd="0" presId="urn:microsoft.com/office/officeart/2008/layout/HorizontalMultiLevelHierarchy"/>
-    <dgm:cxn modelId="{CC0F87DC-1D4E-467D-967B-86399A6E7F88}" type="presOf" srcId="{47A4D176-7EBF-4348-9AFC-1BBFBE26C502}" destId="{D194056A-5F15-4263-B647-FE34B268BA1F}" srcOrd="0" destOrd="0" presId="urn:microsoft.com/office/officeart/2008/layout/HorizontalMultiLevelHierarchy"/>
-    <dgm:cxn modelId="{93661A01-ABEE-4E53-BA04-57FA2C98979D}" type="presOf" srcId="{5742B385-0533-483D-991D-F151845F493B}" destId="{41F54B91-BE45-4141-8C82-FAF4C52F39AC}" srcOrd="0" destOrd="0" presId="urn:microsoft.com/office/officeart/2008/layout/HorizontalMultiLevelHierarchy"/>
-    <dgm:cxn modelId="{E199F43F-7CA5-416A-8342-80581C7318EF}" type="presOf" srcId="{79BF784A-CDC0-4AE1-B8BC-6C8D163F60FC}" destId="{F3C79711-CA10-431E-83EB-0B890B02FC26}" srcOrd="1" destOrd="0" presId="urn:microsoft.com/office/officeart/2008/layout/HorizontalMultiLevelHierarchy"/>
-    <dgm:cxn modelId="{EDC48813-9481-4582-882A-D60109A2070A}" type="presOf" srcId="{07A96743-C7FE-4D41-B6BE-7AA6084EC4D3}" destId="{6C1542E1-61B5-454E-B9A5-B509F20820CB}" srcOrd="0" destOrd="0" presId="urn:microsoft.com/office/officeart/2008/layout/HorizontalMultiLevelHierarchy"/>
-    <dgm:cxn modelId="{9293832A-3992-41E5-A39E-3824DDE81C60}" type="presOf" srcId="{29247F6E-D03C-466D-A318-77882FA11AE9}" destId="{6ED76A72-053D-4BBF-A98C-B27E339DFB47}" srcOrd="0" destOrd="0" presId="urn:microsoft.com/office/officeart/2008/layout/HorizontalMultiLevelHierarchy"/>
-    <dgm:cxn modelId="{17FB0926-26C9-41B5-8363-158FE9C037E9}" type="presOf" srcId="{47A4D176-7EBF-4348-9AFC-1BBFBE26C502}" destId="{B3FDECB7-1984-4392-8B3F-F5931C7FF36C}" srcOrd="1" destOrd="0" presId="urn:microsoft.com/office/officeart/2008/layout/HorizontalMultiLevelHierarchy"/>
-    <dgm:cxn modelId="{534D770D-932A-45CE-808B-CEC518637953}" type="presOf" srcId="{81EA3D6F-3162-4689-8B9A-A0249388EAC2}" destId="{3AA638AB-46C0-4834-8FE0-8CFFD2849800}" srcOrd="1" destOrd="0" presId="urn:microsoft.com/office/officeart/2008/layout/HorizontalMultiLevelHierarchy"/>
-    <dgm:cxn modelId="{9EB6706F-B826-480F-B89E-66C0061BEFEE}" srcId="{D274E3EB-6F9B-4110-A2E3-C954228DE181}" destId="{FEE5E88C-70FF-4F7C-A2CB-3D1EAFDA72C8}" srcOrd="4" destOrd="0" parTransId="{47A4D176-7EBF-4348-9AFC-1BBFBE26C502}" sibTransId="{60EFB3FE-5772-43DD-BB95-A70286F24D6B}"/>
-    <dgm:cxn modelId="{A82774D0-A68C-4A7B-9E80-6E329455257C}" type="presOf" srcId="{D274E3EB-6F9B-4110-A2E3-C954228DE181}" destId="{AD63324D-7AD3-484F-8069-73923C0080C3}" srcOrd="0" destOrd="0" presId="urn:microsoft.com/office/officeart/2008/layout/HorizontalMultiLevelHierarchy"/>
-    <dgm:cxn modelId="{0119F918-7410-4FD9-942F-57E0FE8352C6}" type="presOf" srcId="{C1E42510-A827-454D-8E35-675E1BFC2085}" destId="{CCFF9BAA-4E64-470D-A99A-C0C2FA540B0A}" srcOrd="0" destOrd="0" presId="urn:microsoft.com/office/officeart/2008/layout/HorizontalMultiLevelHierarchy"/>
-    <dgm:cxn modelId="{249E52BD-5C8B-4529-91A9-91F97276986A}" type="presOf" srcId="{5742B385-0533-483D-991D-F151845F493B}" destId="{CA3A07BC-27DC-4F21-AB5B-C68CEFF62B3D}" srcOrd="1" destOrd="0" presId="urn:microsoft.com/office/officeart/2008/layout/HorizontalMultiLevelHierarchy"/>
-    <dgm:cxn modelId="{BEE99623-676C-4ED7-AF3E-4DA2EAC19C6C}" type="presOf" srcId="{387A513E-2958-4BA1-9E75-D948FDACB4D7}" destId="{0E62210B-19F9-4D72-A383-D3B57A9142B6}" srcOrd="0" destOrd="0" presId="urn:microsoft.com/office/officeart/2008/layout/HorizontalMultiLevelHierarchy"/>
-    <dgm:cxn modelId="{0DE2390C-E3D4-460C-9F08-F24E43834B4B}" type="presOf" srcId="{0BEDD0CE-9339-4221-9A00-A0BBAFEAAC06}" destId="{7721C54D-CBDA-4D34-B8F5-1D52B88932C2}" srcOrd="1" destOrd="0" presId="urn:microsoft.com/office/officeart/2008/layout/HorizontalMultiLevelHierarchy"/>
-    <dgm:cxn modelId="{A2F6796B-DDF2-4A57-8172-CFF1D29F682A}" type="presOf" srcId="{9770B858-B54B-4204-A14C-D22BC98418DA}" destId="{12AE0CCF-1E83-4D77-BFC8-05A8210012FB}" srcOrd="0" destOrd="0" presId="urn:microsoft.com/office/officeart/2008/layout/HorizontalMultiLevelHierarchy"/>
-    <dgm:cxn modelId="{2C611227-B921-4A51-A478-FC009F70B420}" type="presOf" srcId="{7A2A06E4-1518-4755-B66A-E59F3C0AAFA2}" destId="{0A34673E-29D6-42DA-BCD7-FA9EB4708D74}" srcOrd="0" destOrd="0" presId="urn:microsoft.com/office/officeart/2008/layout/HorizontalMultiLevelHierarchy"/>
-    <dgm:cxn modelId="{807557DB-0CDC-49A0-9111-67E860D09783}" type="presOf" srcId="{81EA3D6F-3162-4689-8B9A-A0249388EAC2}" destId="{E4BDFBF6-CD3F-4EDC-84D4-945499D7E230}" srcOrd="0" destOrd="0" presId="urn:microsoft.com/office/officeart/2008/layout/HorizontalMultiLevelHierarchy"/>
-    <dgm:cxn modelId="{9CC68D6C-32B8-4AA8-9B50-AC1C2A824B98}" type="presOf" srcId="{0BEDD0CE-9339-4221-9A00-A0BBAFEAAC06}" destId="{ED244053-CE8D-4B3C-8974-4FAB9A69FB9D}" srcOrd="0" destOrd="0" presId="urn:microsoft.com/office/officeart/2008/layout/HorizontalMultiLevelHierarchy"/>
-    <dgm:cxn modelId="{0C8F84A6-C24D-4A18-BD56-B57BF27D64FA}" type="presOf" srcId="{07A96743-C7FE-4D41-B6BE-7AA6084EC4D3}" destId="{149268B8-F0A7-4603-820C-B31C2A586FA7}" srcOrd="1" destOrd="0" presId="urn:microsoft.com/office/officeart/2008/layout/HorizontalMultiLevelHierarchy"/>
-    <dgm:cxn modelId="{B731A713-EFDF-4206-8819-BB33969A5365}" srcId="{D274E3EB-6F9B-4110-A2E3-C954228DE181}" destId="{BA666FAA-2088-4778-AEFC-B691B8A1353C}" srcOrd="0" destOrd="0" parTransId="{07A96743-C7FE-4D41-B6BE-7AA6084EC4D3}" sibTransId="{E8045916-64CE-4672-B831-68B8CFA95353}"/>
-    <dgm:cxn modelId="{2911DAE1-3075-4534-B1ED-555B94707362}" srcId="{D274E3EB-6F9B-4110-A2E3-C954228DE181}" destId="{C1E42510-A827-454D-8E35-675E1BFC2085}" srcOrd="2" destOrd="0" parTransId="{81EA3D6F-3162-4689-8B9A-A0249388EAC2}" sibTransId="{3F5DA641-0175-4C59-A5F5-09A0F3320284}"/>
-    <dgm:cxn modelId="{B992B624-CFA9-4BBE-BC32-32BB1962E545}" type="presOf" srcId="{6870FB63-2CBA-45E7-A261-ADCEAA6670BD}" destId="{0E1F7500-632D-4ACA-82B3-CC81476BC5F0}" srcOrd="0" destOrd="0" presId="urn:microsoft.com/office/officeart/2008/layout/HorizontalMultiLevelHierarchy"/>
-    <dgm:cxn modelId="{D923C4B8-3B5A-4DB6-8C5B-E329692BCB68}" srcId="{D274E3EB-6F9B-4110-A2E3-C954228DE181}" destId="{29247F6E-D03C-466D-A318-77882FA11AE9}" srcOrd="5" destOrd="0" parTransId="{41C5451D-00D2-479A-B47C-240E1ECBF68F}" sibTransId="{D30A462D-FE47-4628-94B3-E33FC58FC1C7}"/>
-    <dgm:cxn modelId="{75310F0E-2F36-41DE-AE6E-7711087B2BA3}" srcId="{D274E3EB-6F9B-4110-A2E3-C954228DE181}" destId="{6870FB63-2CBA-45E7-A261-ADCEAA6670BD}" srcOrd="1" destOrd="0" parTransId="{79BF784A-CDC0-4AE1-B8BC-6C8D163F60FC}" sibTransId="{A477EEBF-86AB-4626-A0AC-B6EEA3CCC6F7}"/>
     <dgm:cxn modelId="{64DF6D92-0826-4F3F-ABB6-5CB177593C02}" type="presParOf" srcId="{12AE0CCF-1E83-4D77-BFC8-05A8210012FB}" destId="{CBCE9311-E6D3-4808-B1DE-04F6F7C43654}" srcOrd="0" destOrd="0" presId="urn:microsoft.com/office/officeart/2008/layout/HorizontalMultiLevelHierarchy"/>
     <dgm:cxn modelId="{86525B16-D54A-4E13-B1D4-B47C696B6EC6}" type="presParOf" srcId="{CBCE9311-E6D3-4808-B1DE-04F6F7C43654}" destId="{AD63324D-7AD3-484F-8069-73923C0080C3}" srcOrd="0" destOrd="0" presId="urn:microsoft.com/office/officeart/2008/layout/HorizontalMultiLevelHierarchy"/>
     <dgm:cxn modelId="{8B83FAAE-C527-49AF-8F65-5430048299F6}" type="presParOf" srcId="{CBCE9311-E6D3-4808-B1DE-04F6F7C43654}" destId="{AB64D648-078B-4E41-A487-DCD4706B78BE}" srcOrd="1" destOrd="0" presId="urn:microsoft.com/office/officeart/2008/layout/HorizontalMultiLevelHierarchy"/>
@@ -13376,7 +12353,7 @@
         </a:bodyPr>
         <a:lstStyle/>
         <a:p>
-          <a:pPr lvl="0" algn="ctr" defTabSz="222250">
+          <a:pPr marL="0" lvl="0" indent="0" algn="ctr" defTabSz="222250">
             <a:lnSpc>
               <a:spcPct val="90000"/>
             </a:lnSpc>
@@ -13386,6 +12363,7 @@
             <a:spcAft>
               <a:spcPct val="35000"/>
             </a:spcAft>
+            <a:buNone/>
           </a:pPr>
           <a:endParaRPr lang="es-ES" sz="500" kern="1200"/>
         </a:p>
@@ -13462,7 +12440,7 @@
         </a:bodyPr>
         <a:lstStyle/>
         <a:p>
-          <a:pPr lvl="0" algn="ctr" defTabSz="222250">
+          <a:pPr marL="0" lvl="0" indent="0" algn="ctr" defTabSz="222250">
             <a:lnSpc>
               <a:spcPct val="90000"/>
             </a:lnSpc>
@@ -13472,6 +12450,7 @@
             <a:spcAft>
               <a:spcPct val="35000"/>
             </a:spcAft>
+            <a:buNone/>
           </a:pPr>
           <a:endParaRPr lang="es-ES" sz="500" kern="1200"/>
         </a:p>
@@ -13548,7 +12527,7 @@
         </a:bodyPr>
         <a:lstStyle/>
         <a:p>
-          <a:pPr lvl="0" algn="ctr" defTabSz="222250">
+          <a:pPr marL="0" lvl="0" indent="0" algn="ctr" defTabSz="222250">
             <a:lnSpc>
               <a:spcPct val="90000"/>
             </a:lnSpc>
@@ -13558,6 +12537,7 @@
             <a:spcAft>
               <a:spcPct val="35000"/>
             </a:spcAft>
+            <a:buNone/>
           </a:pPr>
           <a:endParaRPr lang="es-ES" sz="500" kern="1200"/>
         </a:p>
@@ -13634,7 +12614,7 @@
         </a:bodyPr>
         <a:lstStyle/>
         <a:p>
-          <a:pPr lvl="0" algn="ctr" defTabSz="222250">
+          <a:pPr marL="0" lvl="0" indent="0" algn="ctr" defTabSz="222250">
             <a:lnSpc>
               <a:spcPct val="90000"/>
             </a:lnSpc>
@@ -13644,6 +12624,7 @@
             <a:spcAft>
               <a:spcPct val="35000"/>
             </a:spcAft>
+            <a:buNone/>
           </a:pPr>
           <a:endParaRPr lang="es-ES" sz="500" kern="1200"/>
         </a:p>
@@ -13704,7 +12685,7 @@
         </a:bodyPr>
         <a:lstStyle/>
         <a:p>
-          <a:pPr lvl="0" algn="ctr" defTabSz="1377950">
+          <a:pPr marL="0" lvl="0" indent="0" algn="ctr" defTabSz="1377950">
             <a:lnSpc>
               <a:spcPct val="90000"/>
             </a:lnSpc>
@@ -13714,6 +12695,7 @@
             <a:spcAft>
               <a:spcPct val="35000"/>
             </a:spcAft>
+            <a:buNone/>
           </a:pPr>
           <a:r>
             <a:rPr lang="es-ES" sz="3100" kern="1200" dirty="0"/>
@@ -13782,7 +12764,7 @@
         </a:bodyPr>
         <a:lstStyle/>
         <a:p>
-          <a:pPr lvl="0" algn="ctr" defTabSz="577850">
+          <a:pPr marL="0" lvl="0" indent="0" algn="ctr" defTabSz="577850">
             <a:lnSpc>
               <a:spcPct val="90000"/>
             </a:lnSpc>
@@ -13792,6 +12774,7 @@
             <a:spcAft>
               <a:spcPct val="35000"/>
             </a:spcAft>
+            <a:buNone/>
           </a:pPr>
           <a:r>
             <a:rPr lang="es-ES" sz="1300" kern="1200" dirty="0"/>
@@ -13860,7 +12843,7 @@
         </a:bodyPr>
         <a:lstStyle/>
         <a:p>
-          <a:pPr lvl="0" algn="ctr" defTabSz="577850">
+          <a:pPr marL="0" lvl="0" indent="0" algn="ctr" defTabSz="577850">
             <a:lnSpc>
               <a:spcPct val="90000"/>
             </a:lnSpc>
@@ -13870,6 +12853,7 @@
             <a:spcAft>
               <a:spcPct val="35000"/>
             </a:spcAft>
+            <a:buNone/>
           </a:pPr>
           <a:r>
             <a:rPr lang="es-ES" sz="1300" kern="1200"/>
@@ -13938,7 +12922,7 @@
         </a:bodyPr>
         <a:lstStyle/>
         <a:p>
-          <a:pPr lvl="0" algn="ctr" defTabSz="577850">
+          <a:pPr marL="0" lvl="0" indent="0" algn="ctr" defTabSz="577850">
             <a:lnSpc>
               <a:spcPct val="90000"/>
             </a:lnSpc>
@@ -13948,6 +12932,7 @@
             <a:spcAft>
               <a:spcPct val="35000"/>
             </a:spcAft>
+            <a:buNone/>
           </a:pPr>
           <a:r>
             <a:rPr lang="es-ES" sz="1300" kern="1200" dirty="0"/>
@@ -14016,7 +13001,7 @@
         </a:bodyPr>
         <a:lstStyle/>
         <a:p>
-          <a:pPr lvl="0" algn="just" defTabSz="577850">
+          <a:pPr marL="0" lvl="0" indent="0" algn="just" defTabSz="577850">
             <a:lnSpc>
               <a:spcPct val="90000"/>
             </a:lnSpc>
@@ -14026,28 +13011,20 @@
             <a:spcAft>
               <a:spcPct val="35000"/>
             </a:spcAft>
+            <a:buNone/>
           </a:pPr>
           <a:r>
             <a:rPr lang="es-ES" sz="1300" kern="1200" dirty="0"/>
-            <a:t>Fuerza </a:t>
+            <a:t>Fuerza mayor: </a:t>
           </a:r>
           <a:r>
-            <a:rPr lang="es-ES" sz="1300" kern="1200" dirty="0" smtClean="0"/>
-            <a:t>mayor: </a:t>
-          </a:r>
-          <a:r>
-            <a:rPr lang="es-ES" sz="1300" kern="1200" dirty="0" smtClean="0">
+            <a:rPr lang="es-ES" sz="1300" kern="1200" dirty="0">
               <a:solidFill>
                 <a:schemeClr val="accent2"/>
               </a:solidFill>
             </a:rPr>
             <a:t>Por imprevistos, es obligatorio.</a:t>
           </a:r>
-          <a:endParaRPr lang="es-ES" sz="1300" kern="1200" dirty="0">
-            <a:solidFill>
-              <a:schemeClr val="accent2"/>
-            </a:solidFill>
-          </a:endParaRPr>
         </a:p>
       </dsp:txBody>
       <dsp:txXfrm>
@@ -14487,7 +13464,7 @@
         </a:bodyPr>
         <a:lstStyle/>
         <a:p>
-          <a:pPr lvl="0" algn="ctr" defTabSz="355600">
+          <a:pPr marL="0" lvl="0" indent="0" algn="ctr" defTabSz="355600">
             <a:lnSpc>
               <a:spcPct val="90000"/>
             </a:lnSpc>
@@ -14497,6 +13474,7 @@
             <a:spcAft>
               <a:spcPct val="35000"/>
             </a:spcAft>
+            <a:buNone/>
           </a:pPr>
           <a:r>
             <a:rPr lang="es-ES" sz="800" kern="1200" dirty="0"/>
@@ -14504,7 +13482,7 @@
           </a:r>
         </a:p>
         <a:p>
-          <a:pPr lvl="0" algn="ctr" defTabSz="355600">
+          <a:pPr marL="0" lvl="0" indent="0" algn="ctr" defTabSz="355600">
             <a:lnSpc>
               <a:spcPct val="90000"/>
             </a:lnSpc>
@@ -14514,13 +13492,14 @@
             <a:spcAft>
               <a:spcPct val="35000"/>
             </a:spcAft>
+            <a:buNone/>
           </a:pPr>
           <a:r>
             <a:rPr lang="es-ES" sz="800" kern="1200" dirty="0"/>
             <a:t>(20 </a:t>
           </a:r>
           <a:r>
-            <a:rPr lang="es-ES" sz="800" kern="1200" dirty="0" smtClean="0">
+            <a:rPr lang="es-ES" sz="800" kern="1200" dirty="0">
               <a:solidFill>
                 <a:schemeClr val="accent2"/>
               </a:solidFill>
@@ -14528,10 +13507,9 @@
             <a:t>días para recurrir</a:t>
           </a:r>
           <a:r>
-            <a:rPr lang="es-ES" sz="800" kern="1200" dirty="0" smtClean="0"/>
+            <a:rPr lang="es-ES" sz="800" kern="1200" dirty="0"/>
             <a:t>)</a:t>
           </a:r>
-          <a:endParaRPr lang="es-ES" sz="800" kern="1200" dirty="0"/>
         </a:p>
       </dsp:txBody>
       <dsp:txXfrm>
@@ -14593,7 +13571,7 @@
         </a:bodyPr>
         <a:lstStyle/>
         <a:p>
-          <a:pPr lvl="0" algn="ctr" defTabSz="355600">
+          <a:pPr marL="0" lvl="0" indent="0" algn="ctr" defTabSz="355600">
             <a:lnSpc>
               <a:spcPct val="90000"/>
             </a:lnSpc>
@@ -14603,9 +13581,10 @@
             <a:spcAft>
               <a:spcPct val="35000"/>
             </a:spcAft>
+            <a:buNone/>
           </a:pPr>
           <a:r>
-            <a:rPr lang="es-ES" sz="800" kern="1200" dirty="0" smtClean="0">
+            <a:rPr lang="es-ES" sz="800" kern="1200" dirty="0">
               <a:solidFill>
                 <a:schemeClr val="accent2"/>
               </a:solidFill>
@@ -14613,13 +13592,12 @@
             <a:t>1er paso: </a:t>
           </a:r>
           <a:r>
-            <a:rPr lang="es-ES" sz="800" kern="1200" dirty="0" smtClean="0"/>
+            <a:rPr lang="es-ES" sz="800" kern="1200" dirty="0"/>
             <a:t>Conciliación</a:t>
           </a:r>
-          <a:endParaRPr lang="es-ES" sz="800" kern="1200" dirty="0"/>
         </a:p>
         <a:p>
-          <a:pPr lvl="0" algn="ctr" defTabSz="355600">
+          <a:pPr marL="0" lvl="0" indent="0" algn="ctr" defTabSz="355600">
             <a:lnSpc>
               <a:spcPct val="90000"/>
             </a:lnSpc>
@@ -14629,18 +13607,15 @@
             <a:spcAft>
               <a:spcPct val="35000"/>
             </a:spcAft>
+            <a:buNone/>
           </a:pPr>
           <a:r>
             <a:rPr lang="es-ES" sz="800" kern="1200" dirty="0"/>
-            <a:t>(celebrarse en 15 días</a:t>
-          </a:r>
-          <a:r>
-            <a:rPr lang="es-ES" sz="800" kern="1200" dirty="0" smtClean="0"/>
-            <a:t>)</a:t>
+            <a:t>(celebrarse en 15 días)</a:t>
           </a:r>
         </a:p>
         <a:p>
-          <a:pPr lvl="0" algn="ctr" defTabSz="355600">
+          <a:pPr marL="0" lvl="0" indent="0" algn="ctr" defTabSz="355600">
             <a:lnSpc>
               <a:spcPct val="90000"/>
             </a:lnSpc>
@@ -14650,20 +13625,16 @@
             <a:spcAft>
               <a:spcPct val="35000"/>
             </a:spcAft>
+            <a:buNone/>
           </a:pPr>
           <a:r>
-            <a:rPr lang="es-ES" sz="800" kern="1200" dirty="0" smtClean="0">
+            <a:rPr lang="es-ES" sz="800" kern="1200" dirty="0">
               <a:solidFill>
                 <a:schemeClr val="accent2"/>
               </a:solidFill>
             </a:rPr>
             <a:t>No es trámite judicial</a:t>
           </a:r>
-          <a:endParaRPr lang="es-ES" sz="800" kern="1200" dirty="0">
-            <a:solidFill>
-              <a:schemeClr val="accent2"/>
-            </a:solidFill>
-          </a:endParaRPr>
         </a:p>
       </dsp:txBody>
       <dsp:txXfrm>
@@ -14725,7 +13696,7 @@
         </a:bodyPr>
         <a:lstStyle/>
         <a:p>
-          <a:pPr lvl="0" algn="ctr" defTabSz="355600">
+          <a:pPr marL="0" lvl="0" indent="0" algn="ctr" defTabSz="355600">
             <a:lnSpc>
               <a:spcPct val="90000"/>
             </a:lnSpc>
@@ -14735,13 +13706,14 @@
             <a:spcAft>
               <a:spcPct val="35000"/>
             </a:spcAft>
+            <a:buNone/>
           </a:pPr>
           <a:r>
-            <a:rPr lang="es-ES" sz="800" kern="1200" dirty="0" smtClean="0"/>
+            <a:rPr lang="es-ES" sz="800" kern="1200" dirty="0"/>
             <a:t>Acuerdo</a:t>
           </a:r>
           <a:r>
-            <a:rPr lang="es-ES" sz="800" kern="1200" dirty="0" smtClean="0">
+            <a:rPr lang="es-ES" sz="800" kern="1200" dirty="0">
               <a:solidFill>
                 <a:schemeClr val="accent2"/>
               </a:solidFill>
@@ -14812,7 +13784,7 @@
         </a:bodyPr>
         <a:lstStyle/>
         <a:p>
-          <a:pPr lvl="0" algn="ctr" defTabSz="355600">
+          <a:pPr marL="0" lvl="0" indent="0" algn="ctr" defTabSz="355600">
             <a:lnSpc>
               <a:spcPct val="90000"/>
             </a:lnSpc>
@@ -14822,28 +13794,20 @@
             <a:spcAft>
               <a:spcPct val="35000"/>
             </a:spcAft>
+            <a:buNone/>
           </a:pPr>
           <a:r>
             <a:rPr lang="es-ES" sz="800" kern="1200" dirty="0"/>
-            <a:t>Sin </a:t>
+            <a:t>Sin acuerdo: </a:t>
           </a:r>
           <a:r>
-            <a:rPr lang="es-ES" sz="800" kern="1200" dirty="0" smtClean="0"/>
-            <a:t>acuerdo: </a:t>
-          </a:r>
-          <a:r>
-            <a:rPr lang="es-ES" sz="800" kern="1200" dirty="0" smtClean="0">
+            <a:rPr lang="es-ES" sz="800" kern="1200" dirty="0">
               <a:solidFill>
                 <a:schemeClr val="accent2"/>
               </a:solidFill>
             </a:rPr>
             <a:t>entramos en magistratura de trabajo=vía judicial.</a:t>
           </a:r>
-          <a:endParaRPr lang="es-ES" sz="800" kern="1200" dirty="0">
-            <a:solidFill>
-              <a:schemeClr val="accent2"/>
-            </a:solidFill>
-          </a:endParaRPr>
         </a:p>
       </dsp:txBody>
       <dsp:txXfrm>
@@ -14905,7 +13869,7 @@
         </a:bodyPr>
         <a:lstStyle/>
         <a:p>
-          <a:pPr lvl="0" algn="ctr" defTabSz="355600">
+          <a:pPr marL="0" lvl="0" indent="0" algn="ctr" defTabSz="355600">
             <a:lnSpc>
               <a:spcPct val="90000"/>
             </a:lnSpc>
@@ -14915,28 +13879,20 @@
             <a:spcAft>
               <a:spcPct val="35000"/>
             </a:spcAft>
+            <a:buNone/>
           </a:pPr>
           <a:r>
             <a:rPr lang="es-ES" sz="800" kern="1200" dirty="0"/>
-            <a:t>Despido </a:t>
+            <a:t>Despido procedente: </a:t>
           </a:r>
           <a:r>
-            <a:rPr lang="es-ES" sz="800" kern="1200" dirty="0" smtClean="0"/>
-            <a:t>procedente: </a:t>
-          </a:r>
-          <a:r>
-            <a:rPr lang="es-ES" sz="800" kern="1200" dirty="0" smtClean="0">
+            <a:rPr lang="es-ES" sz="800" kern="1200" dirty="0">
               <a:solidFill>
                 <a:schemeClr val="accent2"/>
               </a:solidFill>
             </a:rPr>
             <a:t>La empresa tenía razón (disciplinario u objetivo)</a:t>
           </a:r>
-          <a:endParaRPr lang="es-ES" sz="800" kern="1200" dirty="0">
-            <a:solidFill>
-              <a:schemeClr val="accent2"/>
-            </a:solidFill>
-          </a:endParaRPr>
         </a:p>
       </dsp:txBody>
       <dsp:txXfrm>
@@ -14998,7 +13954,7 @@
         </a:bodyPr>
         <a:lstStyle/>
         <a:p>
-          <a:pPr lvl="0" algn="ctr" defTabSz="355600">
+          <a:pPr marL="0" lvl="0" indent="0" algn="ctr" defTabSz="355600">
             <a:lnSpc>
               <a:spcPct val="90000"/>
             </a:lnSpc>
@@ -15008,24 +13964,20 @@
             <a:spcAft>
               <a:spcPct val="35000"/>
             </a:spcAft>
+            <a:buNone/>
           </a:pPr>
           <a:r>
-            <a:rPr lang="es-ES" sz="800" kern="1200" dirty="0" smtClean="0"/>
+            <a:rPr lang="es-ES" sz="800" kern="1200" dirty="0"/>
             <a:t>Improcedente: </a:t>
           </a:r>
           <a:r>
-            <a:rPr lang="es-ES" sz="800" kern="1200" dirty="0" smtClean="0">
+            <a:rPr lang="es-ES" sz="800" kern="1200" dirty="0">
               <a:solidFill>
                 <a:schemeClr val="accent2"/>
               </a:solidFill>
             </a:rPr>
             <a:t>Se acepta la demanda del trabajador. La empresa en el plazo de 5 días tendrá que optar por una de estas 2 opciones: o readmitir al trabajador pagándole los salarios de tramitación (lo que debería haber cobrado mientras se haya alargado el proceso desde el despido) o indemnización de 33 días de salario por año trabajado y sin volver al puesto. Si es representante de los trabajadores, el trabajador es el que decide cual de las dos opciones realizar (seguir trabajando o cobrar).</a:t>
           </a:r>
-          <a:endParaRPr lang="es-ES" sz="800" kern="1200" dirty="0">
-            <a:solidFill>
-              <a:schemeClr val="accent2"/>
-            </a:solidFill>
-          </a:endParaRPr>
         </a:p>
       </dsp:txBody>
       <dsp:txXfrm>
@@ -15086,7 +14038,7 @@
         </a:bodyPr>
         <a:lstStyle/>
         <a:p>
-          <a:pPr lvl="0" algn="ctr" defTabSz="355600">
+          <a:pPr marL="0" lvl="0" indent="0" algn="ctr" defTabSz="355600">
             <a:lnSpc>
               <a:spcPct val="90000"/>
             </a:lnSpc>
@@ -15096,24 +14048,20 @@
             <a:spcAft>
               <a:spcPct val="35000"/>
             </a:spcAft>
+            <a:buNone/>
           </a:pPr>
           <a:r>
-            <a:rPr lang="es-ES" sz="800" kern="1200" dirty="0" smtClean="0"/>
+            <a:rPr lang="es-ES" sz="800" kern="1200" dirty="0"/>
             <a:t>Nulo: </a:t>
           </a:r>
           <a:r>
-            <a:rPr lang="es-ES" sz="800" kern="1200" dirty="0" smtClean="0">
+            <a:rPr lang="es-ES" sz="800" kern="1200" dirty="0">
               <a:solidFill>
                 <a:schemeClr val="accent2"/>
               </a:solidFill>
             </a:rPr>
             <a:t>Si en el despido se han lesionado  los derechos fundamentales (por embarazada, por religión, por raza, sexo, intimidad), será nulo, por lo que el trabajador será readmitido. Cobrará los salarios de tramitación.</a:t>
           </a:r>
-          <a:endParaRPr lang="es-ES" sz="800" kern="1200" dirty="0">
-            <a:solidFill>
-              <a:schemeClr val="accent2"/>
-            </a:solidFill>
-          </a:endParaRPr>
         </a:p>
       </dsp:txBody>
       <dsp:txXfrm>
@@ -15191,7 +14139,7 @@
         </a:bodyPr>
         <a:lstStyle/>
         <a:p>
-          <a:pPr lvl="0" algn="ctr" defTabSz="444500">
+          <a:pPr marL="0" lvl="0" indent="0" algn="ctr" defTabSz="444500">
             <a:lnSpc>
               <a:spcPct val="90000"/>
             </a:lnSpc>
@@ -15201,6 +14149,7 @@
             <a:spcAft>
               <a:spcPct val="35000"/>
             </a:spcAft>
+            <a:buNone/>
           </a:pPr>
           <a:r>
             <a:rPr lang="es-ES" sz="1000" b="1" kern="1200" dirty="0"/>
@@ -15208,7 +14157,7 @@
           </a:r>
         </a:p>
         <a:p>
-          <a:pPr lvl="0" algn="ctr" defTabSz="444500">
+          <a:pPr marL="0" lvl="0" indent="0" algn="ctr" defTabSz="444500">
             <a:lnSpc>
               <a:spcPct val="90000"/>
             </a:lnSpc>
@@ -15218,6 +14167,7 @@
             <a:spcAft>
               <a:spcPct val="35000"/>
             </a:spcAft>
+            <a:buNone/>
           </a:pPr>
           <a:r>
             <a:rPr lang="es-ES" sz="1000" kern="1200" dirty="0"/>
@@ -15291,7 +14241,7 @@
         </a:bodyPr>
         <a:lstStyle/>
         <a:p>
-          <a:pPr lvl="0" algn="ctr" defTabSz="222250">
+          <a:pPr marL="0" lvl="0" indent="0" algn="ctr" defTabSz="222250">
             <a:lnSpc>
               <a:spcPct val="90000"/>
             </a:lnSpc>
@@ -15301,6 +14251,7 @@
             <a:spcAft>
               <a:spcPct val="35000"/>
             </a:spcAft>
+            <a:buNone/>
           </a:pPr>
           <a:endParaRPr lang="es-ES" sz="500" kern="1200"/>
         </a:p>
@@ -15368,7 +14319,7 @@
         </a:bodyPr>
         <a:lstStyle/>
         <a:p>
-          <a:pPr lvl="0" algn="ctr" defTabSz="444500">
+          <a:pPr marL="0" lvl="0" indent="0" algn="ctr" defTabSz="444500">
             <a:lnSpc>
               <a:spcPct val="90000"/>
             </a:lnSpc>
@@ -15378,9 +14329,10 @@
             <a:spcAft>
               <a:spcPct val="35000"/>
             </a:spcAft>
+            <a:buNone/>
           </a:pPr>
           <a:r>
-            <a:rPr lang="es-ES" sz="1000" kern="1200" dirty="0" smtClean="0">
+            <a:rPr lang="es-ES" sz="1000" kern="1200" dirty="0">
               <a:solidFill>
                 <a:schemeClr val="accent2"/>
               </a:solidFill>
@@ -15389,7 +14341,7 @@
           </a:r>
         </a:p>
         <a:p>
-          <a:pPr lvl="0" algn="ctr" defTabSz="444500">
+          <a:pPr marL="0" lvl="0" indent="0" algn="ctr" defTabSz="444500">
             <a:lnSpc>
               <a:spcPct val="90000"/>
             </a:lnSpc>
@@ -15399,14 +14351,11 @@
             <a:spcAft>
               <a:spcPct val="35000"/>
             </a:spcAft>
+            <a:buNone/>
           </a:pPr>
           <a:r>
-            <a:rPr lang="es-ES" sz="1000" kern="1200" dirty="0" smtClean="0"/>
-            <a:t>Aceptar </a:t>
-          </a:r>
-          <a:r>
             <a:rPr lang="es-ES" sz="1000" kern="1200" dirty="0"/>
-            <a:t>el traslado</a:t>
+            <a:t>Aceptar el traslado</a:t>
           </a:r>
         </a:p>
       </dsp:txBody>
@@ -15476,7 +14425,7 @@
         </a:bodyPr>
         <a:lstStyle/>
         <a:p>
-          <a:pPr lvl="0" algn="ctr" defTabSz="222250">
+          <a:pPr marL="0" lvl="0" indent="0" algn="ctr" defTabSz="222250">
             <a:lnSpc>
               <a:spcPct val="90000"/>
             </a:lnSpc>
@@ -15486,6 +14435,7 @@
             <a:spcAft>
               <a:spcPct val="35000"/>
             </a:spcAft>
+            <a:buNone/>
           </a:pPr>
           <a:endParaRPr lang="es-ES" sz="500" kern="1200"/>
         </a:p>
@@ -15553,7 +14503,7 @@
         </a:bodyPr>
         <a:lstStyle/>
         <a:p>
-          <a:pPr lvl="0" algn="ctr" defTabSz="444500">
+          <a:pPr marL="0" lvl="0" indent="0" algn="ctr" defTabSz="444500">
             <a:lnSpc>
               <a:spcPct val="90000"/>
             </a:lnSpc>
@@ -15563,17 +14513,14 @@
             <a:spcAft>
               <a:spcPct val="35000"/>
             </a:spcAft>
+            <a:buNone/>
           </a:pPr>
           <a:r>
             <a:rPr lang="es-ES" sz="1000" kern="1200" dirty="0"/>
-            <a:t>Oponerse y extinguir el </a:t>
+            <a:t>Oponerse y extinguir el contrato </a:t>
           </a:r>
           <a:r>
-            <a:rPr lang="es-ES" sz="1000" kern="1200" dirty="0" smtClean="0"/>
-            <a:t>contrato </a:t>
-          </a:r>
-          <a:r>
-            <a:rPr lang="es-ES" sz="1000" kern="1200" dirty="0" smtClean="0">
+            <a:rPr lang="es-ES" sz="1000" kern="1200" dirty="0">
               <a:solidFill>
                 <a:schemeClr val="accent2"/>
               </a:solidFill>
@@ -15581,7 +14528,7 @@
             <a:t>Tengo derecho a indemnización de 20 días de salario por año trabajado. Necesito conocer antigüedad y salario diario. </a:t>
           </a:r>
           <a:r>
-            <a:rPr lang="es-ES" sz="1000" kern="1200" dirty="0" err="1" smtClean="0">
+            <a:rPr lang="es-ES" sz="1000" kern="1200" dirty="0" err="1">
               <a:solidFill>
                 <a:schemeClr val="accent2"/>
               </a:solidFill>
@@ -15589,18 +14536,13 @@
             <a:t>Ej</a:t>
           </a:r>
           <a:r>
-            <a:rPr lang="es-ES" sz="1000" kern="1200" dirty="0" smtClean="0">
+            <a:rPr lang="es-ES" sz="1000" kern="1200" dirty="0">
               <a:solidFill>
                 <a:schemeClr val="accent2"/>
               </a:solidFill>
             </a:rPr>
             <a:t>: 100€diariosX10 años X20 días al año=20000€.</a:t>
           </a:r>
-          <a:endParaRPr lang="es-ES" sz="1000" kern="1200" dirty="0">
-            <a:solidFill>
-              <a:schemeClr val="accent2"/>
-            </a:solidFill>
-          </a:endParaRPr>
         </a:p>
       </dsp:txBody>
       <dsp:txXfrm>
@@ -15669,7 +14611,7 @@
         </a:bodyPr>
         <a:lstStyle/>
         <a:p>
-          <a:pPr lvl="0" algn="ctr" defTabSz="222250">
+          <a:pPr marL="0" lvl="0" indent="0" algn="ctr" defTabSz="222250">
             <a:lnSpc>
               <a:spcPct val="90000"/>
             </a:lnSpc>
@@ -15679,6 +14621,7 @@
             <a:spcAft>
               <a:spcPct val="35000"/>
             </a:spcAft>
+            <a:buNone/>
           </a:pPr>
           <a:endParaRPr lang="es-ES" sz="500" kern="1200"/>
         </a:p>
@@ -15746,7 +14689,7 @@
         </a:bodyPr>
         <a:lstStyle/>
         <a:p>
-          <a:pPr lvl="0" algn="ctr" defTabSz="444500">
+          <a:pPr marL="0" lvl="0" indent="0" algn="ctr" defTabSz="444500">
             <a:lnSpc>
               <a:spcPct val="90000"/>
             </a:lnSpc>
@@ -15756,28 +14699,20 @@
             <a:spcAft>
               <a:spcPct val="35000"/>
             </a:spcAft>
+            <a:buNone/>
           </a:pPr>
           <a:r>
             <a:rPr lang="es-ES" sz="1000" kern="1200" dirty="0"/>
-            <a:t>Oponerse y acudir a los </a:t>
+            <a:t>Oponerse y acudir a los tribunales: </a:t>
           </a:r>
           <a:r>
-            <a:rPr lang="es-ES" sz="1000" kern="1200" dirty="0" smtClean="0"/>
-            <a:t>tribunales: </a:t>
-          </a:r>
-          <a:r>
-            <a:rPr lang="es-ES" sz="1000" kern="1200" dirty="0" smtClean="0">
+            <a:rPr lang="es-ES" sz="1000" kern="1200" dirty="0">
               <a:solidFill>
                 <a:schemeClr val="accent2"/>
               </a:solidFill>
             </a:rPr>
             <a:t>Podría volver a mi puesto original si me dan la razón los tribunales.</a:t>
           </a:r>
-          <a:endParaRPr lang="es-ES" sz="1000" kern="1200" dirty="0">
-            <a:solidFill>
-              <a:schemeClr val="accent2"/>
-            </a:solidFill>
-          </a:endParaRPr>
         </a:p>
       </dsp:txBody>
       <dsp:txXfrm>
@@ -15853,7 +14788,7 @@
         </a:bodyPr>
         <a:lstStyle/>
         <a:p>
-          <a:pPr lvl="0" algn="ctr" defTabSz="889000">
+          <a:pPr marL="0" lvl="0" indent="0" algn="ctr" defTabSz="889000">
             <a:lnSpc>
               <a:spcPct val="90000"/>
             </a:lnSpc>
@@ -15863,6 +14798,7 @@
             <a:spcAft>
               <a:spcPct val="35000"/>
             </a:spcAft>
+            <a:buNone/>
           </a:pPr>
           <a:r>
             <a:rPr lang="es-ES" sz="2000" b="1" kern="1200" dirty="0">
@@ -15976,7 +14912,7 @@
         </a:bodyPr>
         <a:lstStyle/>
         <a:p>
-          <a:pPr lvl="0" algn="ctr" defTabSz="622300">
+          <a:pPr marL="0" lvl="0" indent="0" algn="ctr" defTabSz="622300">
             <a:lnSpc>
               <a:spcPct val="90000"/>
             </a:lnSpc>
@@ -15986,6 +14922,7 @@
             <a:spcAft>
               <a:spcPct val="35000"/>
             </a:spcAft>
+            <a:buNone/>
           </a:pPr>
           <a:r>
             <a:rPr lang="es-ES" sz="1400" kern="1200" dirty="0"/>
@@ -16095,7 +15032,7 @@
         </a:bodyPr>
         <a:lstStyle/>
         <a:p>
-          <a:pPr lvl="0" algn="ctr" defTabSz="622300">
+          <a:pPr marL="0" lvl="0" indent="0" algn="ctr" defTabSz="622300">
             <a:lnSpc>
               <a:spcPct val="90000"/>
             </a:lnSpc>
@@ -16105,6 +15042,7 @@
             <a:spcAft>
               <a:spcPct val="35000"/>
             </a:spcAft>
+            <a:buNone/>
           </a:pPr>
           <a:r>
             <a:rPr lang="es-ES" sz="1400" kern="1200" dirty="0"/>
@@ -16214,7 +15152,7 @@
         </a:bodyPr>
         <a:lstStyle/>
         <a:p>
-          <a:pPr lvl="0" algn="ctr" defTabSz="622300">
+          <a:pPr marL="0" lvl="0" indent="0" algn="ctr" defTabSz="622300">
             <a:lnSpc>
               <a:spcPct val="90000"/>
             </a:lnSpc>
@@ -16224,6 +15162,7 @@
             <a:spcAft>
               <a:spcPct val="35000"/>
             </a:spcAft>
+            <a:buNone/>
           </a:pPr>
           <a:r>
             <a:rPr lang="es-ES" sz="1400" kern="1200" dirty="0"/>
@@ -16333,7 +15272,7 @@
         </a:bodyPr>
         <a:lstStyle/>
         <a:p>
-          <a:pPr lvl="0" algn="ctr" defTabSz="622300">
+          <a:pPr marL="0" lvl="0" indent="0" algn="ctr" defTabSz="622300">
             <a:lnSpc>
               <a:spcPct val="90000"/>
             </a:lnSpc>
@@ -16343,6 +15282,7 @@
             <a:spcAft>
               <a:spcPct val="35000"/>
             </a:spcAft>
+            <a:buNone/>
           </a:pPr>
           <a:r>
             <a:rPr lang="es-ES" sz="1400" kern="1200" dirty="0"/>
@@ -16668,7 +15608,7 @@
         </a:bodyPr>
         <a:lstStyle/>
         <a:p>
-          <a:pPr lvl="0" algn="ctr" defTabSz="755650">
+          <a:pPr marL="0" lvl="0" indent="0" algn="ctr" defTabSz="755650">
             <a:lnSpc>
               <a:spcPct val="90000"/>
             </a:lnSpc>
@@ -16678,6 +15618,7 @@
             <a:spcAft>
               <a:spcPct val="35000"/>
             </a:spcAft>
+            <a:buNone/>
           </a:pPr>
           <a:r>
             <a:rPr lang="es-ES" sz="1700" b="1" u="sng" kern="1200" dirty="0">
@@ -16689,7 +15630,7 @@
           </a:r>
         </a:p>
         <a:p>
-          <a:pPr lvl="0" algn="ctr" defTabSz="755650">
+          <a:pPr marL="0" lvl="0" indent="0" algn="ctr" defTabSz="755650">
             <a:lnSpc>
               <a:spcPct val="90000"/>
             </a:lnSpc>
@@ -16699,6 +15640,7 @@
             <a:spcAft>
               <a:spcPct val="35000"/>
             </a:spcAft>
+            <a:buNone/>
           </a:pPr>
           <a:r>
             <a:rPr lang="es-ES" sz="1700" kern="1200" dirty="0"/>
@@ -16779,7 +15721,7 @@
         </a:bodyPr>
         <a:lstStyle/>
         <a:p>
-          <a:pPr lvl="0" algn="ctr" defTabSz="755650">
+          <a:pPr marL="0" lvl="0" indent="0" algn="ctr" defTabSz="755650">
             <a:lnSpc>
               <a:spcPct val="90000"/>
             </a:lnSpc>
@@ -16789,6 +15731,7 @@
             <a:spcAft>
               <a:spcPct val="35000"/>
             </a:spcAft>
+            <a:buNone/>
           </a:pPr>
           <a:r>
             <a:rPr lang="es-ES" sz="1700" b="1" kern="1200" dirty="0">
@@ -16799,11 +15742,11 @@
             <a:t>A. </a:t>
           </a:r>
           <a:r>
-            <a:rPr lang="es-ES" sz="1700" kern="1200" dirty="0" smtClean="0"/>
+            <a:rPr lang="es-ES" sz="1700" kern="1200" dirty="0"/>
             <a:t>Aceptar </a:t>
           </a:r>
           <a:r>
-            <a:rPr lang="es-ES" sz="1700" u="sng" kern="1200" dirty="0" smtClean="0">
+            <a:rPr lang="es-ES" sz="1700" u="sng" kern="1200" dirty="0">
               <a:solidFill>
                 <a:schemeClr val="accent2"/>
               </a:solidFill>
@@ -16811,12 +15754,8 @@
             <a:t>la modificación </a:t>
           </a:r>
           <a:r>
-            <a:rPr lang="es-ES" sz="1700" kern="1200" dirty="0" smtClean="0"/>
-            <a:t>y </a:t>
-          </a:r>
-          <a:r>
             <a:rPr lang="es-ES" sz="1700" kern="1200" dirty="0"/>
-            <a:t>no recurrir</a:t>
+            <a:t>y no recurrir</a:t>
           </a:r>
         </a:p>
       </dsp:txBody>
@@ -16881,7 +15820,7 @@
         </a:bodyPr>
         <a:lstStyle/>
         <a:p>
-          <a:pPr lvl="0" algn="ctr" defTabSz="755650">
+          <a:pPr marL="0" lvl="0" indent="0" algn="ctr" defTabSz="755650">
             <a:lnSpc>
               <a:spcPct val="90000"/>
             </a:lnSpc>
@@ -16891,6 +15830,7 @@
             <a:spcAft>
               <a:spcPct val="35000"/>
             </a:spcAft>
+            <a:buNone/>
           </a:pPr>
           <a:r>
             <a:rPr lang="es-ES" sz="1700" b="1" kern="1200" dirty="0">
@@ -16967,7 +15907,7 @@
         </a:bodyPr>
         <a:lstStyle/>
         <a:p>
-          <a:pPr lvl="0" algn="ctr" defTabSz="755650">
+          <a:pPr marL="0" lvl="0" indent="0" algn="ctr" defTabSz="755650">
             <a:lnSpc>
               <a:spcPct val="90000"/>
             </a:lnSpc>
@@ -16977,6 +15917,7 @@
             <a:spcAft>
               <a:spcPct val="35000"/>
             </a:spcAft>
+            <a:buNone/>
           </a:pPr>
           <a:r>
             <a:rPr lang="es-ES" sz="1700" b="1" kern="1200" dirty="0">
@@ -17053,7 +15994,7 @@
         </a:bodyPr>
         <a:lstStyle/>
         <a:p>
-          <a:pPr lvl="0" algn="just" defTabSz="711200">
+          <a:pPr marL="0" lvl="0" indent="0" algn="just" defTabSz="711200">
             <a:lnSpc>
               <a:spcPct val="90000"/>
             </a:lnSpc>
@@ -17063,28 +16004,20 @@
             <a:spcAft>
               <a:spcPct val="35000"/>
             </a:spcAft>
+            <a:buNone/>
           </a:pPr>
           <a:r>
             <a:rPr lang="es-ES" sz="1600" kern="1200" dirty="0"/>
-            <a:t>Cuando afecta a la jornada, el horario, los turnos o la remuneración o una movilidad funcional que excede los límites </a:t>
+            <a:t>Cuando afecta a la jornada, el horario, los turnos o la remuneración o una movilidad funcional que excede los límites estudiados. </a:t>
           </a:r>
           <a:r>
-            <a:rPr lang="es-ES" sz="1600" kern="1200" dirty="0" smtClean="0"/>
-            <a:t>estudiados. </a:t>
-          </a:r>
-          <a:r>
-            <a:rPr lang="es-ES" sz="1600" kern="1200" dirty="0" smtClean="0">
+            <a:rPr lang="es-ES" sz="1600" kern="1200" dirty="0">
               <a:solidFill>
                 <a:schemeClr val="accent2"/>
               </a:solidFill>
             </a:rPr>
             <a:t>Con indemnización de 20 días por año trabajado.</a:t>
           </a:r>
-          <a:endParaRPr lang="es-ES" sz="1600" kern="1200" dirty="0">
-            <a:solidFill>
-              <a:schemeClr val="accent2"/>
-            </a:solidFill>
-          </a:endParaRPr>
         </a:p>
       </dsp:txBody>
       <dsp:txXfrm>
@@ -17200,7 +16133,7 @@
         </a:bodyPr>
         <a:lstStyle/>
         <a:p>
-          <a:pPr lvl="0" algn="ctr" defTabSz="977900">
+          <a:pPr marL="0" lvl="0" indent="0" algn="ctr" defTabSz="977900">
             <a:lnSpc>
               <a:spcPct val="90000"/>
             </a:lnSpc>
@@ -17210,6 +16143,7 @@
             <a:spcAft>
               <a:spcPct val="35000"/>
             </a:spcAft>
+            <a:buNone/>
           </a:pPr>
           <a:r>
             <a:rPr lang="es-ES" sz="2200" kern="1200" dirty="0"/>
@@ -17278,7 +16212,7 @@
         </a:bodyPr>
         <a:lstStyle/>
         <a:p>
-          <a:pPr lvl="0" algn="ctr" defTabSz="977900">
+          <a:pPr marL="0" lvl="0" indent="0" algn="ctr" defTabSz="977900">
             <a:lnSpc>
               <a:spcPct val="90000"/>
             </a:lnSpc>
@@ -17288,6 +16222,7 @@
             <a:spcAft>
               <a:spcPct val="35000"/>
             </a:spcAft>
+            <a:buNone/>
           </a:pPr>
           <a:r>
             <a:rPr lang="es-ES" sz="2200" kern="1200" dirty="0"/>
@@ -17356,7 +16291,7 @@
         </a:bodyPr>
         <a:lstStyle/>
         <a:p>
-          <a:pPr lvl="0" algn="ctr" defTabSz="977900">
+          <a:pPr marL="0" lvl="0" indent="0" algn="ctr" defTabSz="977900">
             <a:lnSpc>
               <a:spcPct val="90000"/>
             </a:lnSpc>
@@ -17366,6 +16301,7 @@
             <a:spcAft>
               <a:spcPct val="35000"/>
             </a:spcAft>
+            <a:buNone/>
           </a:pPr>
           <a:r>
             <a:rPr lang="es-ES" sz="2200" kern="1200" dirty="0" err="1"/>
@@ -17446,7 +16382,7 @@
         </a:bodyPr>
         <a:lstStyle/>
         <a:p>
-          <a:pPr lvl="0" algn="ctr" defTabSz="1778000">
+          <a:pPr marL="0" lvl="0" indent="0" algn="ctr" defTabSz="1778000">
             <a:lnSpc>
               <a:spcPct val="90000"/>
             </a:lnSpc>
@@ -17456,6 +16392,7 @@
             <a:spcAft>
               <a:spcPct val="35000"/>
             </a:spcAft>
+            <a:buNone/>
           </a:pPr>
           <a:r>
             <a:rPr lang="es-ES" sz="4000" kern="1200" dirty="0"/>
@@ -17526,7 +16463,7 @@
         </a:bodyPr>
         <a:lstStyle/>
         <a:p>
-          <a:pPr lvl="0" algn="ctr" defTabSz="889000">
+          <a:pPr marL="0" lvl="0" indent="0" algn="ctr" defTabSz="889000">
             <a:lnSpc>
               <a:spcPct val="90000"/>
             </a:lnSpc>
@@ -17536,6 +16473,7 @@
             <a:spcAft>
               <a:spcPct val="35000"/>
             </a:spcAft>
+            <a:buNone/>
           </a:pPr>
           <a:r>
             <a:rPr lang="es-ES" sz="2000" kern="1200" dirty="0"/>
@@ -17606,7 +16544,7 @@
         </a:bodyPr>
         <a:lstStyle/>
         <a:p>
-          <a:pPr lvl="0" algn="ctr" defTabSz="889000">
+          <a:pPr marL="0" lvl="0" indent="0" algn="ctr" defTabSz="889000">
             <a:lnSpc>
               <a:spcPct val="90000"/>
             </a:lnSpc>
@@ -17616,6 +16554,7 @@
             <a:spcAft>
               <a:spcPct val="35000"/>
             </a:spcAft>
+            <a:buNone/>
           </a:pPr>
           <a:r>
             <a:rPr lang="es-ES" sz="2000" kern="1200" dirty="0"/>
@@ -17695,7 +16634,7 @@
         </a:bodyPr>
         <a:lstStyle/>
         <a:p>
-          <a:pPr lvl="0" algn="ctr" defTabSz="444500">
+          <a:pPr marL="0" lvl="0" indent="0" algn="ctr" defTabSz="444500">
             <a:lnSpc>
               <a:spcPct val="90000"/>
             </a:lnSpc>
@@ -17705,24 +16644,20 @@
             <a:spcAft>
               <a:spcPct val="35000"/>
             </a:spcAft>
+            <a:buNone/>
           </a:pPr>
           <a:r>
-            <a:rPr lang="es-ES" sz="1000" kern="1200" dirty="0" smtClean="0"/>
+            <a:rPr lang="es-ES" sz="1000" kern="1200" dirty="0"/>
             <a:t>Causas: </a:t>
           </a:r>
           <a:r>
-            <a:rPr lang="es-ES" sz="1000" kern="1200" dirty="0" smtClean="0">
+            <a:rPr lang="es-ES" sz="1000" kern="1200" dirty="0">
               <a:solidFill>
                 <a:schemeClr val="accent5"/>
               </a:solidFill>
             </a:rPr>
             <a:t>Es constatable y demostrable, OBJETIVOS.</a:t>
           </a:r>
-          <a:endParaRPr lang="es-ES" sz="1000" kern="1200" dirty="0">
-            <a:solidFill>
-              <a:schemeClr val="accent5"/>
-            </a:solidFill>
-          </a:endParaRPr>
         </a:p>
       </dsp:txBody>
       <dsp:txXfrm>
@@ -17791,7 +16726,7 @@
         </a:bodyPr>
         <a:lstStyle/>
         <a:p>
-          <a:pPr lvl="0" algn="ctr" defTabSz="266700">
+          <a:pPr marL="0" lvl="0" indent="0" algn="ctr" defTabSz="266700">
             <a:lnSpc>
               <a:spcPct val="90000"/>
             </a:lnSpc>
@@ -17801,6 +16736,7 @@
             <a:spcAft>
               <a:spcPct val="35000"/>
             </a:spcAft>
+            <a:buNone/>
           </a:pPr>
           <a:endParaRPr lang="es-ES" sz="600" kern="1200"/>
         </a:p>
@@ -17868,7 +16804,7 @@
         </a:bodyPr>
         <a:lstStyle/>
         <a:p>
-          <a:pPr lvl="0" algn="ctr" defTabSz="444500">
+          <a:pPr marL="0" lvl="0" indent="0" algn="ctr" defTabSz="444500">
             <a:lnSpc>
               <a:spcPct val="90000"/>
             </a:lnSpc>
@@ -17878,13 +16814,14 @@
             <a:spcAft>
               <a:spcPct val="35000"/>
             </a:spcAft>
+            <a:buNone/>
           </a:pPr>
           <a:r>
-            <a:rPr lang="es-ES" sz="1000" kern="1200" dirty="0" smtClean="0"/>
+            <a:rPr lang="es-ES" sz="1000" kern="1200" dirty="0"/>
             <a:t>Ineptitud</a:t>
           </a:r>
           <a:r>
-            <a:rPr lang="es-ES" sz="1000" kern="1200" dirty="0" smtClean="0">
+            <a:rPr lang="es-ES" sz="1000" kern="1200" dirty="0">
               <a:solidFill>
                 <a:schemeClr val="accent2"/>
               </a:solidFill>
@@ -17960,7 +16897,7 @@
         </a:bodyPr>
         <a:lstStyle/>
         <a:p>
-          <a:pPr lvl="0" algn="ctr" defTabSz="222250">
+          <a:pPr marL="0" lvl="0" indent="0" algn="ctr" defTabSz="222250">
             <a:lnSpc>
               <a:spcPct val="90000"/>
             </a:lnSpc>
@@ -17970,6 +16907,7 @@
             <a:spcAft>
               <a:spcPct val="35000"/>
             </a:spcAft>
+            <a:buNone/>
           </a:pPr>
           <a:endParaRPr lang="es-ES" sz="500" kern="1200"/>
         </a:p>
@@ -18037,7 +16975,7 @@
         </a:bodyPr>
         <a:lstStyle/>
         <a:p>
-          <a:pPr lvl="0" algn="ctr" defTabSz="444500">
+          <a:pPr marL="0" lvl="0" indent="0" algn="ctr" defTabSz="444500">
             <a:lnSpc>
               <a:spcPct val="90000"/>
             </a:lnSpc>
@@ -18047,36 +16985,24 @@
             <a:spcAft>
               <a:spcPct val="35000"/>
             </a:spcAft>
+            <a:buNone/>
           </a:pPr>
           <a:r>
             <a:rPr lang="es-ES" sz="1000" kern="1200" dirty="0"/>
-            <a:t>Falta de adaptación a modificaciones </a:t>
+            <a:t>Falta de adaptación a modificaciones técnicas: </a:t>
           </a:r>
           <a:r>
-            <a:rPr lang="es-ES" sz="1000" kern="1200" dirty="0" err="1" smtClean="0"/>
-            <a:t>técnicas:</a:t>
-          </a:r>
-          <a:r>
-            <a:rPr lang="es-ES" sz="1000" kern="1200" dirty="0" err="1" smtClean="0">
+            <a:rPr lang="es-ES" sz="1000" kern="1200" dirty="0">
               <a:solidFill>
                 <a:schemeClr val="accent2"/>
               </a:solidFill>
             </a:rPr>
-            <a:t>Tiene</a:t>
+            <a:t>Tiene que haber transcurrido 2 meses entre la bonificación o el curso de formación que explique esa preparación.</a:t>
           </a:r>
           <a:r>
-            <a:rPr lang="es-ES" sz="1000" kern="1200" dirty="0" smtClean="0">
-              <a:solidFill>
-                <a:schemeClr val="accent2"/>
-              </a:solidFill>
-            </a:rPr>
-            <a:t> que haber transcurrido 2 meses entre la bonificación o el curso de formación que explique esa preparación.</a:t>
-          </a:r>
-          <a:r>
-            <a:rPr lang="es-ES" sz="1000" kern="1200" dirty="0" smtClean="0"/>
+            <a:rPr lang="es-ES" sz="1000" kern="1200" dirty="0"/>
             <a:t> </a:t>
           </a:r>
-          <a:endParaRPr lang="es-ES" sz="1000" kern="1200" dirty="0"/>
         </a:p>
       </dsp:txBody>
       <dsp:txXfrm>
@@ -18145,7 +17071,7 @@
         </a:bodyPr>
         <a:lstStyle/>
         <a:p>
-          <a:pPr lvl="0" algn="ctr" defTabSz="222250">
+          <a:pPr marL="0" lvl="0" indent="0" algn="ctr" defTabSz="222250">
             <a:lnSpc>
               <a:spcPct val="90000"/>
             </a:lnSpc>
@@ -18155,6 +17081,7 @@
             <a:spcAft>
               <a:spcPct val="35000"/>
             </a:spcAft>
+            <a:buNone/>
           </a:pPr>
           <a:endParaRPr lang="es-ES" sz="500" kern="1200"/>
         </a:p>
@@ -18222,7 +17149,7 @@
         </a:bodyPr>
         <a:lstStyle/>
         <a:p>
-          <a:pPr lvl="0" algn="ctr" defTabSz="444500">
+          <a:pPr marL="0" lvl="0" indent="0" algn="ctr" defTabSz="444500">
             <a:lnSpc>
               <a:spcPct val="90000"/>
             </a:lnSpc>
@@ -18232,28 +17159,20 @@
             <a:spcAft>
               <a:spcPct val="35000"/>
             </a:spcAft>
+            <a:buNone/>
           </a:pPr>
           <a:r>
             <a:rPr lang="es-ES" sz="1000" kern="1200" dirty="0"/>
-            <a:t>Causas técnicas, económicas u </a:t>
+            <a:t>Causas técnicas, económicas u organizativas: </a:t>
           </a:r>
           <a:r>
-            <a:rPr lang="es-ES" sz="1000" kern="1200" dirty="0" smtClean="0"/>
-            <a:t>organizativas: </a:t>
-          </a:r>
-          <a:r>
-            <a:rPr lang="es-ES" sz="1000" kern="1200" dirty="0" smtClean="0">
+            <a:rPr lang="es-ES" sz="1000" kern="1200" dirty="0">
               <a:solidFill>
                 <a:schemeClr val="accent2"/>
               </a:solidFill>
             </a:rPr>
             <a:t>ERES y ERTES, así como despidos por causas activas.</a:t>
           </a:r>
-          <a:endParaRPr lang="es-ES" sz="1000" kern="1200" dirty="0">
-            <a:solidFill>
-              <a:schemeClr val="accent2"/>
-            </a:solidFill>
-          </a:endParaRPr>
         </a:p>
       </dsp:txBody>
       <dsp:txXfrm>
@@ -18322,7 +17241,7 @@
         </a:bodyPr>
         <a:lstStyle/>
         <a:p>
-          <a:pPr lvl="0" algn="ctr" defTabSz="266700">
+          <a:pPr marL="0" lvl="0" indent="0" algn="ctr" defTabSz="266700">
             <a:lnSpc>
               <a:spcPct val="90000"/>
             </a:lnSpc>
@@ -18332,6 +17251,7 @@
             <a:spcAft>
               <a:spcPct val="35000"/>
             </a:spcAft>
+            <a:buNone/>
           </a:pPr>
           <a:endParaRPr lang="es-ES" sz="600" kern="1200"/>
         </a:p>
@@ -18399,7 +17319,7 @@
         </a:bodyPr>
         <a:lstStyle/>
         <a:p>
-          <a:pPr lvl="0" algn="ctr" defTabSz="444500">
+          <a:pPr marL="0" lvl="0" indent="0" algn="ctr" defTabSz="444500">
             <a:lnSpc>
               <a:spcPct val="90000"/>
             </a:lnSpc>
@@ -18409,17 +17329,14 @@
             <a:spcAft>
               <a:spcPct val="35000"/>
             </a:spcAft>
+            <a:buNone/>
           </a:pPr>
           <a:r>
             <a:rPr lang="es-ES" sz="1000" kern="1200" dirty="0"/>
-            <a:t>Falta de </a:t>
+            <a:t>Falta de presupuesto: </a:t>
           </a:r>
           <a:r>
-            <a:rPr lang="es-ES" sz="1000" kern="1200" dirty="0" smtClean="0"/>
-            <a:t>presupuesto: </a:t>
-          </a:r>
-          <a:r>
-            <a:rPr lang="es-ES" sz="1000" kern="1200" dirty="0" smtClean="0">
+            <a:rPr lang="es-ES" sz="1000" kern="1200" dirty="0">
               <a:solidFill>
                 <a:schemeClr val="accent2"/>
               </a:solidFill>
@@ -18500,7 +17417,7 @@
         </a:bodyPr>
         <a:lstStyle/>
         <a:p>
-          <a:pPr lvl="0" algn="ctr" defTabSz="844550">
+          <a:pPr marL="0" lvl="0" indent="0" algn="ctr" defTabSz="844550">
             <a:lnSpc>
               <a:spcPct val="90000"/>
             </a:lnSpc>
@@ -18510,6 +17427,7 @@
             <a:spcAft>
               <a:spcPct val="35000"/>
             </a:spcAft>
+            <a:buNone/>
           </a:pPr>
           <a:r>
             <a:rPr lang="es-ES" sz="1900" kern="1200" dirty="0"/>
@@ -18625,7 +17543,7 @@
         </a:bodyPr>
         <a:lstStyle/>
         <a:p>
-          <a:pPr lvl="0" algn="ctr" defTabSz="488950">
+          <a:pPr marL="0" lvl="0" indent="0" algn="ctr" defTabSz="488950">
             <a:lnSpc>
               <a:spcPct val="90000"/>
             </a:lnSpc>
@@ -18635,13 +17553,14 @@
             <a:spcAft>
               <a:spcPct val="35000"/>
             </a:spcAft>
+            <a:buNone/>
           </a:pPr>
           <a:r>
-            <a:rPr lang="es-ES" sz="1100" kern="1200" dirty="0" smtClean="0"/>
+            <a:rPr lang="es-ES" sz="1100" kern="1200" dirty="0"/>
             <a:t>Comunicación </a:t>
           </a:r>
           <a:r>
-            <a:rPr lang="es-ES" sz="1100" kern="1200" dirty="0" smtClean="0">
+            <a:rPr lang="es-ES" sz="1100" kern="1200" dirty="0">
               <a:solidFill>
                 <a:schemeClr val="accent2"/>
               </a:solidFill>
@@ -18650,25 +17569,16 @@
           </a:r>
           <a:r>
             <a:rPr lang="es-ES" sz="1100" kern="1200" dirty="0"/>
-            <a:t>y </a:t>
+            <a:t>y preaviso </a:t>
           </a:r>
           <a:r>
-            <a:rPr lang="es-ES" sz="1100" kern="1200" dirty="0" smtClean="0"/>
-            <a:t>preaviso </a:t>
-          </a:r>
-          <a:r>
-            <a:rPr lang="es-ES" sz="1100" kern="1200" dirty="0" smtClean="0">
+            <a:rPr lang="es-ES" sz="1100" kern="1200" dirty="0">
               <a:solidFill>
                 <a:schemeClr val="accent2"/>
               </a:solidFill>
             </a:rPr>
             <a:t>DE 15 DÍAS</a:t>
           </a:r>
-          <a:endParaRPr lang="es-ES" sz="1100" kern="1200" dirty="0">
-            <a:solidFill>
-              <a:schemeClr val="accent2"/>
-            </a:solidFill>
-          </a:endParaRPr>
         </a:p>
       </dsp:txBody>
       <dsp:txXfrm>
@@ -18779,7 +17689,7 @@
         </a:bodyPr>
         <a:lstStyle/>
         <a:p>
-          <a:pPr lvl="0" algn="ctr" defTabSz="488950">
+          <a:pPr marL="0" lvl="0" indent="0" algn="ctr" defTabSz="488950">
             <a:lnSpc>
               <a:spcPct val="90000"/>
             </a:lnSpc>
@@ -18789,24 +17699,20 @@
             <a:spcAft>
               <a:spcPct val="35000"/>
             </a:spcAft>
+            <a:buNone/>
           </a:pPr>
           <a:r>
-            <a:rPr lang="es-ES" sz="1100" kern="1200" dirty="0" smtClean="0"/>
+            <a:rPr lang="es-ES" sz="1100" kern="1200" dirty="0"/>
             <a:t>Indemnización </a:t>
           </a:r>
           <a:r>
-            <a:rPr lang="es-ES" sz="1100" kern="1200" dirty="0" smtClean="0">
+            <a:rPr lang="es-ES" sz="1100" kern="1200" dirty="0">
               <a:solidFill>
                 <a:schemeClr val="accent2"/>
               </a:solidFill>
             </a:rPr>
             <a:t>20 DIAS DE SALARIO POR AÑO TRABAJADO </a:t>
           </a:r>
-          <a:endParaRPr lang="es-ES" sz="1100" kern="1200" dirty="0">
-            <a:solidFill>
-              <a:schemeClr val="accent2"/>
-            </a:solidFill>
-          </a:endParaRPr>
         </a:p>
       </dsp:txBody>
       <dsp:txXfrm>
@@ -18917,7 +17823,7 @@
         </a:bodyPr>
         <a:lstStyle/>
         <a:p>
-          <a:pPr lvl="0" algn="ctr" defTabSz="488950">
+          <a:pPr marL="0" lvl="0" indent="0" algn="ctr" defTabSz="488950">
             <a:lnSpc>
               <a:spcPct val="90000"/>
             </a:lnSpc>
@@ -18927,24 +17833,20 @@
             <a:spcAft>
               <a:spcPct val="35000"/>
             </a:spcAft>
+            <a:buNone/>
           </a:pPr>
           <a:r>
-            <a:rPr lang="es-ES" sz="1100" kern="1200" dirty="0" smtClean="0"/>
+            <a:rPr lang="es-ES" sz="1100" kern="1200" dirty="0"/>
             <a:t>Licencia: </a:t>
           </a:r>
           <a:r>
-            <a:rPr lang="es-ES" sz="1100" kern="1200" dirty="0" smtClean="0">
+            <a:rPr lang="es-ES" sz="1100" kern="1200" dirty="0">
               <a:solidFill>
                 <a:schemeClr val="accent2"/>
               </a:solidFill>
             </a:rPr>
             <a:t>PERMISO RETRIBUIDO DE 6 HORAS A LA SEMANA PARA BÚSQUEDA DE TRABAJO DURANTE ESOS 15 DÍAS.</a:t>
           </a:r>
-          <a:endParaRPr lang="es-ES" sz="1100" kern="1200" dirty="0">
-            <a:solidFill>
-              <a:schemeClr val="accent2"/>
-            </a:solidFill>
-          </a:endParaRPr>
         </a:p>
       </dsp:txBody>
       <dsp:txXfrm>
@@ -19031,7 +17933,7 @@
         </a:bodyPr>
         <a:lstStyle/>
         <a:p>
-          <a:pPr lvl="0" algn="ctr" defTabSz="444500">
+          <a:pPr marL="0" lvl="0" indent="0" algn="ctr" defTabSz="444500">
             <a:lnSpc>
               <a:spcPct val="90000"/>
             </a:lnSpc>
@@ -19041,6 +17943,7 @@
             <a:spcAft>
               <a:spcPct val="35000"/>
             </a:spcAft>
+            <a:buNone/>
           </a:pPr>
           <a:endParaRPr lang="es-ES" sz="1000" kern="1200"/>
         </a:p>
@@ -19117,7 +18020,7 @@
         </a:bodyPr>
         <a:lstStyle/>
         <a:p>
-          <a:pPr lvl="0" algn="ctr" defTabSz="266700">
+          <a:pPr marL="0" lvl="0" indent="0" algn="ctr" defTabSz="266700">
             <a:lnSpc>
               <a:spcPct val="90000"/>
             </a:lnSpc>
@@ -19127,6 +18030,7 @@
             <a:spcAft>
               <a:spcPct val="35000"/>
             </a:spcAft>
+            <a:buNone/>
           </a:pPr>
           <a:endParaRPr lang="es-ES" sz="600" kern="1200"/>
         </a:p>
@@ -19203,7 +18107,7 @@
         </a:bodyPr>
         <a:lstStyle/>
         <a:p>
-          <a:pPr lvl="0" algn="ctr" defTabSz="222250">
+          <a:pPr marL="0" lvl="0" indent="0" algn="ctr" defTabSz="222250">
             <a:lnSpc>
               <a:spcPct val="90000"/>
             </a:lnSpc>
@@ -19213,6 +18117,7 @@
             <a:spcAft>
               <a:spcPct val="35000"/>
             </a:spcAft>
+            <a:buNone/>
           </a:pPr>
           <a:endParaRPr lang="es-ES" sz="500" kern="1200"/>
         </a:p>
@@ -19283,7 +18188,7 @@
         </a:bodyPr>
         <a:lstStyle/>
         <a:p>
-          <a:pPr lvl="0" algn="ctr" defTabSz="222250">
+          <a:pPr marL="0" lvl="0" indent="0" algn="ctr" defTabSz="222250">
             <a:lnSpc>
               <a:spcPct val="90000"/>
             </a:lnSpc>
@@ -19293,6 +18198,7 @@
             <a:spcAft>
               <a:spcPct val="35000"/>
             </a:spcAft>
+            <a:buNone/>
           </a:pPr>
           <a:endParaRPr lang="es-ES" sz="500" kern="1200"/>
         </a:p>
@@ -19369,7 +18275,7 @@
         </a:bodyPr>
         <a:lstStyle/>
         <a:p>
-          <a:pPr lvl="0" algn="ctr" defTabSz="222250">
+          <a:pPr marL="0" lvl="0" indent="0" algn="ctr" defTabSz="222250">
             <a:lnSpc>
               <a:spcPct val="90000"/>
             </a:lnSpc>
@@ -19379,6 +18285,7 @@
             <a:spcAft>
               <a:spcPct val="35000"/>
             </a:spcAft>
+            <a:buNone/>
           </a:pPr>
           <a:endParaRPr lang="es-ES" sz="500" kern="1200"/>
         </a:p>
@@ -19455,7 +18362,7 @@
         </a:bodyPr>
         <a:lstStyle/>
         <a:p>
-          <a:pPr lvl="0" algn="ctr" defTabSz="266700">
+          <a:pPr marL="0" lvl="0" indent="0" algn="ctr" defTabSz="266700">
             <a:lnSpc>
               <a:spcPct val="90000"/>
             </a:lnSpc>
@@ -19465,6 +18372,7 @@
             <a:spcAft>
               <a:spcPct val="35000"/>
             </a:spcAft>
+            <a:buNone/>
           </a:pPr>
           <a:endParaRPr lang="es-ES" sz="600" kern="1200"/>
         </a:p>
@@ -19541,7 +18449,7 @@
         </a:bodyPr>
         <a:lstStyle/>
         <a:p>
-          <a:pPr lvl="0" algn="ctr" defTabSz="444500">
+          <a:pPr marL="0" lvl="0" indent="0" algn="ctr" defTabSz="444500">
             <a:lnSpc>
               <a:spcPct val="90000"/>
             </a:lnSpc>
@@ -19551,6 +18459,7 @@
             <a:spcAft>
               <a:spcPct val="35000"/>
             </a:spcAft>
+            <a:buNone/>
           </a:pPr>
           <a:endParaRPr lang="es-ES" sz="1000" kern="1200"/>
         </a:p>
@@ -19643,7 +18552,7 @@
         </a:bodyPr>
         <a:lstStyle/>
         <a:p>
-          <a:pPr lvl="0" algn="ctr" defTabSz="2133600">
+          <a:pPr marL="0" lvl="0" indent="0" algn="ctr" defTabSz="2133600">
             <a:lnSpc>
               <a:spcPct val="90000"/>
             </a:lnSpc>
@@ -19653,6 +18562,7 @@
             <a:spcAft>
               <a:spcPct val="35000"/>
             </a:spcAft>
+            <a:buNone/>
           </a:pPr>
           <a:r>
             <a:rPr lang="es-ES" sz="4800" kern="1200" dirty="0"/>
@@ -19748,7 +18658,7 @@
         </a:bodyPr>
         <a:lstStyle/>
         <a:p>
-          <a:pPr lvl="0" algn="ctr" defTabSz="755650">
+          <a:pPr marL="0" lvl="0" indent="0" algn="ctr" defTabSz="755650">
             <a:lnSpc>
               <a:spcPct val="90000"/>
             </a:lnSpc>
@@ -19758,28 +18668,20 @@
             <a:spcAft>
               <a:spcPct val="35000"/>
             </a:spcAft>
+            <a:buNone/>
           </a:pPr>
           <a:r>
             <a:rPr lang="es-ES" sz="1700" kern="1200" dirty="0"/>
-            <a:t>Faltas no justificadas de asistencia o </a:t>
+            <a:t>Faltas no justificadas de asistencia o puntualidad </a:t>
           </a:r>
           <a:r>
-            <a:rPr lang="es-ES" sz="1700" kern="1200" dirty="0" smtClean="0"/>
-            <a:t>puntualidad </a:t>
-          </a:r>
-          <a:r>
-            <a:rPr lang="es-ES" sz="1700" kern="1200" dirty="0" smtClean="0">
+            <a:rPr lang="es-ES" sz="1700" kern="1200" dirty="0">
               <a:solidFill>
                 <a:schemeClr val="accent2"/>
               </a:solidFill>
             </a:rPr>
             <a:t>TIENE QUE SER REITERADA</a:t>
           </a:r>
-          <a:endParaRPr lang="es-ES" sz="1700" kern="1200" dirty="0">
-            <a:solidFill>
-              <a:schemeClr val="accent2"/>
-            </a:solidFill>
-          </a:endParaRPr>
         </a:p>
       </dsp:txBody>
       <dsp:txXfrm>
@@ -19870,7 +18772,7 @@
         </a:bodyPr>
         <a:lstStyle/>
         <a:p>
-          <a:pPr lvl="0" algn="ctr" defTabSz="755650">
+          <a:pPr marL="0" lvl="0" indent="0" algn="ctr" defTabSz="755650">
             <a:lnSpc>
               <a:spcPct val="90000"/>
             </a:lnSpc>
@@ -19880,13 +18782,14 @@
             <a:spcAft>
               <a:spcPct val="35000"/>
             </a:spcAft>
+            <a:buNone/>
           </a:pPr>
           <a:r>
-            <a:rPr lang="es-ES" sz="1700" kern="1200" dirty="0" smtClean="0"/>
+            <a:rPr lang="es-ES" sz="1700" kern="1200" dirty="0"/>
             <a:t>Desobediencia: </a:t>
           </a:r>
           <a:r>
-            <a:rPr lang="es-ES" sz="1700" kern="1200" dirty="0" smtClean="0">
+            <a:rPr lang="es-ES" sz="1700" kern="1200" dirty="0">
               <a:solidFill>
                 <a:schemeClr val="accent2"/>
               </a:solidFill>
@@ -19984,7 +18887,7 @@
         </a:bodyPr>
         <a:lstStyle/>
         <a:p>
-          <a:pPr lvl="0" algn="ctr" defTabSz="755650">
+          <a:pPr marL="0" lvl="0" indent="0" algn="ctr" defTabSz="755650">
             <a:lnSpc>
               <a:spcPct val="90000"/>
             </a:lnSpc>
@@ -19994,24 +18897,20 @@
             <a:spcAft>
               <a:spcPct val="35000"/>
             </a:spcAft>
+            <a:buNone/>
           </a:pPr>
           <a:r>
-            <a:rPr lang="es-ES" sz="1700" kern="1200" dirty="0" smtClean="0"/>
+            <a:rPr lang="es-ES" sz="1700" kern="1200" dirty="0"/>
             <a:t>Ofensas: </a:t>
           </a:r>
           <a:r>
-            <a:rPr lang="es-ES" sz="1700" kern="1200" dirty="0" smtClean="0">
+            <a:rPr lang="es-ES" sz="1700" kern="1200" dirty="0">
               <a:solidFill>
                 <a:schemeClr val="accent2"/>
               </a:solidFill>
             </a:rPr>
             <a:t>¡OJO! PUEDE SER FUERA DEL PUESTO DEL TRABAJO</a:t>
           </a:r>
-          <a:endParaRPr lang="es-ES" sz="1700" kern="1200" dirty="0">
-            <a:solidFill>
-              <a:schemeClr val="accent2"/>
-            </a:solidFill>
-          </a:endParaRPr>
         </a:p>
       </dsp:txBody>
       <dsp:txXfrm>
@@ -20102,7 +19001,7 @@
         </a:bodyPr>
         <a:lstStyle/>
         <a:p>
-          <a:pPr lvl="0" algn="ctr" defTabSz="755650">
+          <a:pPr marL="0" lvl="0" indent="0" algn="ctr" defTabSz="755650">
             <a:lnSpc>
               <a:spcPct val="90000"/>
             </a:lnSpc>
@@ -20112,28 +19011,20 @@
             <a:spcAft>
               <a:spcPct val="35000"/>
             </a:spcAft>
+            <a:buNone/>
           </a:pPr>
           <a:r>
             <a:rPr lang="es-ES" sz="1700" kern="1200" dirty="0"/>
-            <a:t>Lesión de la buena </a:t>
+            <a:t>Lesión de la buena fe: </a:t>
           </a:r>
           <a:r>
-            <a:rPr lang="es-ES" sz="1700" kern="1200" dirty="0" smtClean="0"/>
-            <a:t>fe: </a:t>
-          </a:r>
-          <a:r>
-            <a:rPr lang="es-ES" sz="1700" kern="1200" dirty="0" smtClean="0">
+            <a:rPr lang="es-ES" sz="1700" kern="1200" dirty="0">
               <a:solidFill>
                 <a:schemeClr val="accent2"/>
               </a:solidFill>
             </a:rPr>
             <a:t>ENGAÑOS.</a:t>
           </a:r>
-          <a:endParaRPr lang="es-ES" sz="1700" kern="1200" dirty="0">
-            <a:solidFill>
-              <a:schemeClr val="accent2"/>
-            </a:solidFill>
-          </a:endParaRPr>
         </a:p>
       </dsp:txBody>
       <dsp:txXfrm>
@@ -20224,7 +19115,7 @@
         </a:bodyPr>
         <a:lstStyle/>
         <a:p>
-          <a:pPr lvl="0" algn="ctr" defTabSz="755650">
+          <a:pPr marL="0" lvl="0" indent="0" algn="ctr" defTabSz="755650">
             <a:lnSpc>
               <a:spcPct val="90000"/>
             </a:lnSpc>
@@ -20234,17 +19125,14 @@
             <a:spcAft>
               <a:spcPct val="35000"/>
             </a:spcAft>
+            <a:buNone/>
           </a:pPr>
           <a:r>
             <a:rPr lang="es-ES" sz="1700" kern="1200" dirty="0"/>
-            <a:t>Disminución del </a:t>
+            <a:t>Disminución del rendimiento: </a:t>
           </a:r>
           <a:r>
-            <a:rPr lang="es-ES" sz="1700" kern="1200" dirty="0" smtClean="0"/>
-            <a:t>rendimiento: </a:t>
-          </a:r>
-          <a:r>
-            <a:rPr lang="es-ES" sz="1700" kern="1200" dirty="0" smtClean="0">
+            <a:rPr lang="es-ES" sz="1700" kern="1200" dirty="0">
               <a:solidFill>
                 <a:schemeClr val="accent2"/>
               </a:solidFill>
@@ -20252,10 +19140,9 @@
             <a:t>DEMOSTRABLE</a:t>
           </a:r>
           <a:r>
-            <a:rPr lang="es-ES" sz="1700" kern="1200" dirty="0" smtClean="0"/>
+            <a:rPr lang="es-ES" sz="1700" kern="1200" dirty="0"/>
             <a:t>.</a:t>
           </a:r>
-          <a:endParaRPr lang="es-ES" sz="1700" kern="1200" dirty="0"/>
         </a:p>
       </dsp:txBody>
       <dsp:txXfrm>
@@ -20346,7 +19233,7 @@
         </a:bodyPr>
         <a:lstStyle/>
         <a:p>
-          <a:pPr lvl="0" algn="ctr" defTabSz="755650">
+          <a:pPr marL="0" lvl="0" indent="0" algn="ctr" defTabSz="755650">
             <a:lnSpc>
               <a:spcPct val="90000"/>
             </a:lnSpc>
@@ -20356,13 +19243,14 @@
             <a:spcAft>
               <a:spcPct val="35000"/>
             </a:spcAft>
+            <a:buNone/>
           </a:pPr>
           <a:r>
-            <a:rPr lang="es-ES" sz="1700" kern="1200" dirty="0" smtClean="0"/>
+            <a:rPr lang="es-ES" sz="1700" kern="1200" dirty="0"/>
             <a:t>Embriaguez </a:t>
           </a:r>
           <a:r>
-            <a:rPr lang="es-ES" sz="1700" kern="1200" dirty="0" smtClean="0">
+            <a:rPr lang="es-ES" sz="1700" kern="1200" dirty="0">
               <a:solidFill>
                 <a:schemeClr val="accent2"/>
               </a:solidFill>
@@ -20463,7 +19351,7 @@
         </a:bodyPr>
         <a:lstStyle/>
         <a:p>
-          <a:pPr lvl="0" algn="ctr" defTabSz="755650">
+          <a:pPr marL="0" lvl="0" indent="0" algn="ctr" defTabSz="755650">
             <a:lnSpc>
               <a:spcPct val="90000"/>
             </a:lnSpc>
@@ -20473,12 +19361,12 @@
             <a:spcAft>
               <a:spcPct val="35000"/>
             </a:spcAft>
+            <a:buNone/>
           </a:pPr>
           <a:r>
-            <a:rPr lang="es-ES" sz="1700" kern="1200" dirty="0" smtClean="0"/>
+            <a:rPr lang="es-ES" sz="1700" kern="1200" dirty="0"/>
             <a:t>Acoso: </a:t>
           </a:r>
-          <a:endParaRPr lang="es-ES" sz="1700" kern="1200" dirty="0"/>
         </a:p>
       </dsp:txBody>
       <dsp:txXfrm>
@@ -35815,7 +34703,7 @@
           <a:p>
             <a:fld id="{A7F438C5-03A1-463E-A49A-4590B5EA2CF5}" type="datetimeFigureOut">
               <a:rPr lang="es-ES" smtClean="0"/>
-              <a:t>22/11/2023</a:t>
+              <a:t>27/11/2023</a:t>
             </a:fld>
             <a:endParaRPr lang="es-ES"/>
           </a:p>
@@ -36013,7 +34901,7 @@
           <a:p>
             <a:fld id="{A7F438C5-03A1-463E-A49A-4590B5EA2CF5}" type="datetimeFigureOut">
               <a:rPr lang="es-ES" smtClean="0"/>
-              <a:t>22/11/2023</a:t>
+              <a:t>27/11/2023</a:t>
             </a:fld>
             <a:endParaRPr lang="es-ES"/>
           </a:p>
@@ -36221,7 +35109,7 @@
           <a:p>
             <a:fld id="{A7F438C5-03A1-463E-A49A-4590B5EA2CF5}" type="datetimeFigureOut">
               <a:rPr lang="es-ES" smtClean="0"/>
-              <a:t>22/11/2023</a:t>
+              <a:t>27/11/2023</a:t>
             </a:fld>
             <a:endParaRPr lang="es-ES"/>
           </a:p>
@@ -36408,7 +35296,7 @@
           <a:p>
             <a:fld id="{A7F438C5-03A1-463E-A49A-4590B5EA2CF5}" type="datetimeFigureOut">
               <a:rPr lang="es-ES" smtClean="0"/>
-              <a:t>22/11/2023</a:t>
+              <a:t>27/11/2023</a:t>
             </a:fld>
             <a:endParaRPr lang="es-ES"/>
           </a:p>
@@ -36594,7 +35482,7 @@
           <a:p>
             <a:fld id="{A7F438C5-03A1-463E-A49A-4590B5EA2CF5}" type="datetimeFigureOut">
               <a:rPr lang="es-ES" smtClean="0"/>
-              <a:t>22/11/2023</a:t>
+              <a:t>27/11/2023</a:t>
             </a:fld>
             <a:endParaRPr lang="es-ES"/>
           </a:p>
@@ -36869,7 +35757,7 @@
           <a:p>
             <a:fld id="{A7F438C5-03A1-463E-A49A-4590B5EA2CF5}" type="datetimeFigureOut">
               <a:rPr lang="es-ES" smtClean="0"/>
-              <a:t>22/11/2023</a:t>
+              <a:t>27/11/2023</a:t>
             </a:fld>
             <a:endParaRPr lang="es-ES"/>
           </a:p>
@@ -37134,7 +36022,7 @@
           <a:p>
             <a:fld id="{A7F438C5-03A1-463E-A49A-4590B5EA2CF5}" type="datetimeFigureOut">
               <a:rPr lang="es-ES" smtClean="0"/>
-              <a:t>22/11/2023</a:t>
+              <a:t>27/11/2023</a:t>
             </a:fld>
             <a:endParaRPr lang="es-ES"/>
           </a:p>
@@ -37546,7 +36434,7 @@
           <a:p>
             <a:fld id="{A7F438C5-03A1-463E-A49A-4590B5EA2CF5}" type="datetimeFigureOut">
               <a:rPr lang="es-ES" smtClean="0"/>
-              <a:t>22/11/2023</a:t>
+              <a:t>27/11/2023</a:t>
             </a:fld>
             <a:endParaRPr lang="es-ES"/>
           </a:p>
@@ -37687,7 +36575,7 @@
           <a:p>
             <a:fld id="{A7F438C5-03A1-463E-A49A-4590B5EA2CF5}" type="datetimeFigureOut">
               <a:rPr lang="es-ES" smtClean="0"/>
-              <a:t>22/11/2023</a:t>
+              <a:t>27/11/2023</a:t>
             </a:fld>
             <a:endParaRPr lang="es-ES"/>
           </a:p>
@@ -37800,7 +36688,7 @@
           <a:p>
             <a:fld id="{A7F438C5-03A1-463E-A49A-4590B5EA2CF5}" type="datetimeFigureOut">
               <a:rPr lang="es-ES" smtClean="0"/>
-              <a:t>22/11/2023</a:t>
+              <a:t>27/11/2023</a:t>
             </a:fld>
             <a:endParaRPr lang="es-ES"/>
           </a:p>
@@ -38111,7 +36999,7 @@
           <a:p>
             <a:fld id="{A7F438C5-03A1-463E-A49A-4590B5EA2CF5}" type="datetimeFigureOut">
               <a:rPr lang="es-ES" smtClean="0"/>
-              <a:t>22/11/2023</a:t>
+              <a:t>27/11/2023</a:t>
             </a:fld>
             <a:endParaRPr lang="es-ES"/>
           </a:p>
@@ -38399,7 +37287,7 @@
           <a:p>
             <a:fld id="{A7F438C5-03A1-463E-A49A-4590B5EA2CF5}" type="datetimeFigureOut">
               <a:rPr lang="es-ES" smtClean="0"/>
-              <a:t>22/11/2023</a:t>
+              <a:t>27/11/2023</a:t>
             </a:fld>
             <a:endParaRPr lang="es-ES"/>
           </a:p>
@@ -38643,7 +37531,7 @@
           <a:p>
             <a:fld id="{A7F438C5-03A1-463E-A49A-4590B5EA2CF5}" type="datetimeFigureOut">
               <a:rPr lang="es-ES" smtClean="0"/>
-              <a:t>22/11/2023</a:t>
+              <a:t>27/11/2023</a:t>
             </a:fld>
             <a:endParaRPr lang="es-ES"/>
           </a:p>
@@ -39077,7 +37965,7 @@
                 <a16:creationId xmlns:a16="http://schemas.microsoft.com/office/drawing/2014/main" id="{4D327EF6-1201-4218-AA98-3DA5A0F48981}"/>
               </a:ext>
               <a:ext uri="{C183D7F6-B498-43B3-948B-1728B52AA6E4}">
-                <adec:decorative xmlns:adec="http://schemas.microsoft.com/office/drawing/2017/decorative" xmlns="" val="1"/>
+                <adec:decorative xmlns:adec="http://schemas.microsoft.com/office/drawing/2017/decorative" val="1"/>
               </a:ext>
             </a:extLst>
           </p:cNvPr>
@@ -39231,7 +38119,7 @@
                 <a16:creationId xmlns:a16="http://schemas.microsoft.com/office/drawing/2014/main" id="{9864AAEA-8DC4-4D15-864C-B53C5B4CCEE0}"/>
               </a:ext>
               <a:ext uri="{C183D7F6-B498-43B3-948B-1728B52AA6E4}">
-                <adec:decorative xmlns:adec="http://schemas.microsoft.com/office/drawing/2017/decorative" xmlns="" val="1"/>
+                <adec:decorative xmlns:adec="http://schemas.microsoft.com/office/drawing/2017/decorative" val="1"/>
               </a:ext>
             </a:extLst>
           </p:cNvPr>
@@ -39291,7 +38179,7 @@
                 <a16:creationId xmlns:a16="http://schemas.microsoft.com/office/drawing/2014/main" id="{E82F361B-984A-43B6-AFE8-1F14394284E4}"/>
               </a:ext>
               <a:ext uri="{C183D7F6-B498-43B3-948B-1728B52AA6E4}">
-                <adec:decorative xmlns:adec="http://schemas.microsoft.com/office/drawing/2017/decorative" xmlns="" val="1"/>
+                <adec:decorative xmlns:adec="http://schemas.microsoft.com/office/drawing/2017/decorative" val="1"/>
               </a:ext>
             </a:extLst>
           </p:cNvPr>
@@ -39403,7 +38291,7 @@
                 <a16:creationId xmlns:a16="http://schemas.microsoft.com/office/drawing/2014/main" id="{4F2A6A32-9ADF-4DD4-AEA5-0D1FF0F8B490}"/>
               </a:ext>
               <a:ext uri="{C183D7F6-B498-43B3-948B-1728B52AA6E4}">
-                <adec:decorative xmlns:adec="http://schemas.microsoft.com/office/drawing/2017/decorative" xmlns="" val="1"/>
+                <adec:decorative xmlns:adec="http://schemas.microsoft.com/office/drawing/2017/decorative" val="1"/>
               </a:ext>
             </a:extLst>
           </p:cNvPr>
@@ -39617,7 +38505,7 @@
                 <a16:creationId xmlns:a16="http://schemas.microsoft.com/office/drawing/2014/main" id="{AFA67CD3-AB4E-4A7A-BEB8-53C445D8C44E}"/>
               </a:ext>
               <a:ext uri="{C183D7F6-B498-43B3-948B-1728B52AA6E4}">
-                <adec:decorative xmlns:adec="http://schemas.microsoft.com/office/drawing/2017/decorative" xmlns="" val="1"/>
+                <adec:decorative xmlns:adec="http://schemas.microsoft.com/office/drawing/2017/decorative" val="1"/>
               </a:ext>
             </a:extLst>
           </p:cNvPr>
@@ -39703,7 +38591,7 @@
                 <a16:creationId xmlns:a16="http://schemas.microsoft.com/office/drawing/2014/main" id="{07CF545F-9C2E-4446-97CD-AD92990C2B68}"/>
               </a:ext>
               <a:ext uri="{C183D7F6-B498-43B3-948B-1728B52AA6E4}">
-                <adec:decorative xmlns:adec="http://schemas.microsoft.com/office/drawing/2017/decorative" xmlns="" val="1"/>
+                <adec:decorative xmlns:adec="http://schemas.microsoft.com/office/drawing/2017/decorative" val="1"/>
               </a:ext>
             </a:extLst>
           </p:cNvPr>
@@ -39781,7 +38669,7 @@
                 <a16:creationId xmlns:a16="http://schemas.microsoft.com/office/drawing/2014/main" id="{339C8D78-A644-462F-B674-F440635E5353}"/>
               </a:ext>
               <a:ext uri="{C183D7F6-B498-43B3-948B-1728B52AA6E4}">
-                <adec:decorative xmlns:adec="http://schemas.microsoft.com/office/drawing/2017/decorative" xmlns="" val="1"/>
+                <adec:decorative xmlns:adec="http://schemas.microsoft.com/office/drawing/2017/decorative" val="1"/>
               </a:ext>
             </a:extLst>
           </p:cNvPr>
@@ -39968,7 +38856,7 @@
                 <a14:useLocalDpi xmlns:a14="http://schemas.microsoft.com/office/drawing/2010/main" val="0"/>
               </a:ext>
               <a:ext uri="{96DAC541-7B7A-43D3-8B79-37D633B846F1}">
-                <asvg:svgBlip xmlns:asvg="http://schemas.microsoft.com/office/drawing/2016/SVG/main" xmlns="" r:embed="rId4"/>
+                <asvg:svgBlip xmlns:asvg="http://schemas.microsoft.com/office/drawing/2016/SVG/main" r:embed="rId4"/>
               </a:ext>
             </a:extLst>
           </a:blip>
@@ -40025,18 +38913,13 @@
               <a:buNone/>
             </a:pPr>
             <a:r>
-              <a:rPr lang="es-ES" sz="2000" dirty="0" smtClean="0">
+              <a:rPr lang="es-ES" sz="2000" dirty="0">
                 <a:solidFill>
                   <a:schemeClr val="accent2"/>
                 </a:solidFill>
               </a:rPr>
               <a:t>74 horas.</a:t>
             </a:r>
-            <a:endParaRPr lang="es-ES" sz="2000" dirty="0">
-              <a:solidFill>
-                <a:schemeClr val="accent2"/>
-              </a:solidFill>
-            </a:endParaRPr>
           </a:p>
           <a:p>
             <a:pPr marL="0" indent="0">
@@ -40048,15 +38931,7 @@
                   <a:srgbClr val="000000"/>
                 </a:solidFill>
               </a:rPr>
-              <a:t>2.- ¿Hasta cuando podrá compensar por descansos las horas del 20 de enero</a:t>
-            </a:r>
-            <a:r>
-              <a:rPr lang="es-ES" sz="2000" dirty="0" smtClean="0">
-                <a:solidFill>
-                  <a:srgbClr val="000000"/>
-                </a:solidFill>
-              </a:rPr>
-              <a:t>?</a:t>
+              <a:t>2.- ¿Hasta cuando podrá compensar por descansos las horas del 20 de enero?</a:t>
             </a:r>
           </a:p>
           <a:p>
@@ -40064,18 +38939,13 @@
               <a:buNone/>
             </a:pPr>
             <a:r>
-              <a:rPr lang="es-ES" sz="2000" dirty="0" smtClean="0">
+              <a:rPr lang="es-ES" sz="2000" dirty="0">
                 <a:solidFill>
                   <a:schemeClr val="accent2"/>
                 </a:solidFill>
               </a:rPr>
               <a:t>Hasta el 20 de mayo.</a:t>
             </a:r>
-            <a:endParaRPr lang="es-ES" sz="2000" dirty="0">
-              <a:solidFill>
-                <a:schemeClr val="accent2"/>
-              </a:solidFill>
-            </a:endParaRPr>
           </a:p>
           <a:p>
             <a:pPr marL="0" indent="0">
@@ -40135,7 +39005,7 @@
                 <a16:creationId xmlns:a16="http://schemas.microsoft.com/office/drawing/2014/main" id="{3C915414-2809-4735-A560-0D5FE66700D8}"/>
               </a:ext>
               <a:ext uri="{C183D7F6-B498-43B3-948B-1728B52AA6E4}">
-                <adec:decorative xmlns:adec="http://schemas.microsoft.com/office/drawing/2017/decorative" xmlns="" val="1"/>
+                <adec:decorative xmlns:adec="http://schemas.microsoft.com/office/drawing/2017/decorative" val="1"/>
               </a:ext>
             </a:extLst>
           </p:cNvPr>
@@ -40200,7 +39070,7 @@
                 <a16:creationId xmlns:a16="http://schemas.microsoft.com/office/drawing/2014/main" id="{24413201-85BF-4680-A7D4-10CDBD03569C}"/>
               </a:ext>
               <a:ext uri="{C183D7F6-B498-43B3-948B-1728B52AA6E4}">
-                <adec:decorative xmlns:adec="http://schemas.microsoft.com/office/drawing/2017/decorative" xmlns="" val="1"/>
+                <adec:decorative xmlns:adec="http://schemas.microsoft.com/office/drawing/2017/decorative" val="1"/>
               </a:ext>
             </a:extLst>
           </p:cNvPr>
@@ -40231,7 +39101,7 @@
                   <a16:creationId xmlns:a16="http://schemas.microsoft.com/office/drawing/2014/main" id="{1F819D8C-C8E5-4336-9882-79FBF6555189}"/>
                 </a:ext>
                 <a:ext uri="{C183D7F6-B498-43B3-948B-1728B52AA6E4}">
-                  <adec:decorative xmlns:adec="http://schemas.microsoft.com/office/drawing/2017/decorative" xmlns="" val="1"/>
+                  <adec:decorative xmlns:adec="http://schemas.microsoft.com/office/drawing/2017/decorative" val="1"/>
                 </a:ext>
               </a:extLst>
             </p:cNvPr>
@@ -40281,7 +39151,7 @@
                   <a16:creationId xmlns:a16="http://schemas.microsoft.com/office/drawing/2014/main" id="{7D732480-09E4-401A-B2D9-E6C662FBCA29}"/>
                 </a:ext>
                 <a:ext uri="{C183D7F6-B498-43B3-948B-1728B52AA6E4}">
-                  <adec:decorative xmlns:adec="http://schemas.microsoft.com/office/drawing/2017/decorative" xmlns="" val="1"/>
+                  <adec:decorative xmlns:adec="http://schemas.microsoft.com/office/drawing/2017/decorative" val="1"/>
                 </a:ext>
               </a:extLst>
             </p:cNvPr>
@@ -40333,7 +39203,7 @@
                   <a16:creationId xmlns:a16="http://schemas.microsoft.com/office/drawing/2014/main" id="{87D8355C-E417-4D36-91FF-2CC1E1FE9FF3}"/>
                 </a:ext>
                 <a:ext uri="{C183D7F6-B498-43B3-948B-1728B52AA6E4}">
-                  <adec:decorative xmlns:adec="http://schemas.microsoft.com/office/drawing/2017/decorative" xmlns="" val="1"/>
+                  <adec:decorative xmlns:adec="http://schemas.microsoft.com/office/drawing/2017/decorative" val="1"/>
                 </a:ext>
               </a:extLst>
             </p:cNvPr>
@@ -40385,7 +39255,7 @@
                   <a16:creationId xmlns:a16="http://schemas.microsoft.com/office/drawing/2014/main" id="{6ADF7267-EAAE-43CE-ACEF-608328FB1787}"/>
                 </a:ext>
                 <a:ext uri="{C183D7F6-B498-43B3-948B-1728B52AA6E4}">
-                  <adec:decorative xmlns:adec="http://schemas.microsoft.com/office/drawing/2017/decorative" xmlns="" val="1"/>
+                  <adec:decorative xmlns:adec="http://schemas.microsoft.com/office/drawing/2017/decorative" val="1"/>
                 </a:ext>
               </a:extLst>
             </p:cNvPr>
@@ -40437,7 +39307,7 @@
                   <a16:creationId xmlns:a16="http://schemas.microsoft.com/office/drawing/2014/main" id="{54C901E2-0CDB-4316-B262-3B9E68F33502}"/>
                 </a:ext>
                 <a:ext uri="{C183D7F6-B498-43B3-948B-1728B52AA6E4}">
-                  <adec:decorative xmlns:adec="http://schemas.microsoft.com/office/drawing/2017/decorative" xmlns="" val="1"/>
+                  <adec:decorative xmlns:adec="http://schemas.microsoft.com/office/drawing/2017/decorative" val="1"/>
                 </a:ext>
               </a:extLst>
             </p:cNvPr>
@@ -40489,7 +39359,7 @@
                   <a16:creationId xmlns:a16="http://schemas.microsoft.com/office/drawing/2014/main" id="{D8F6D31A-084C-4F10-9A8F-A9645DFB7150}"/>
                 </a:ext>
                 <a:ext uri="{C183D7F6-B498-43B3-948B-1728B52AA6E4}">
-                  <adec:decorative xmlns:adec="http://schemas.microsoft.com/office/drawing/2017/decorative" xmlns="" val="1"/>
+                  <adec:decorative xmlns:adec="http://schemas.microsoft.com/office/drawing/2017/decorative" val="1"/>
                 </a:ext>
               </a:extLst>
             </p:cNvPr>
@@ -40541,7 +39411,7 @@
                   <a16:creationId xmlns:a16="http://schemas.microsoft.com/office/drawing/2014/main" id="{E38E09F0-F130-45B5-B0AF-7EF3F0172AD5}"/>
                 </a:ext>
                 <a:ext uri="{C183D7F6-B498-43B3-948B-1728B52AA6E4}">
-                  <adec:decorative xmlns:adec="http://schemas.microsoft.com/office/drawing/2017/decorative" xmlns="" val="1"/>
+                  <adec:decorative xmlns:adec="http://schemas.microsoft.com/office/drawing/2017/decorative" val="1"/>
                 </a:ext>
               </a:extLst>
             </p:cNvPr>
@@ -40593,7 +39463,7 @@
                   <a16:creationId xmlns:a16="http://schemas.microsoft.com/office/drawing/2014/main" id="{569330E2-17DA-4F0D-B377-6E4499C79A15}"/>
                 </a:ext>
                 <a:ext uri="{C183D7F6-B498-43B3-948B-1728B52AA6E4}">
-                  <adec:decorative xmlns:adec="http://schemas.microsoft.com/office/drawing/2017/decorative" xmlns="" val="1"/>
+                  <adec:decorative xmlns:adec="http://schemas.microsoft.com/office/drawing/2017/decorative" val="1"/>
                 </a:ext>
               </a:extLst>
             </p:cNvPr>
@@ -40645,7 +39515,7 @@
                   <a16:creationId xmlns:a16="http://schemas.microsoft.com/office/drawing/2014/main" id="{A3192707-5744-4C77-8CD6-D682F908009A}"/>
                 </a:ext>
                 <a:ext uri="{C183D7F6-B498-43B3-948B-1728B52AA6E4}">
-                  <adec:decorative xmlns:adec="http://schemas.microsoft.com/office/drawing/2017/decorative" xmlns="" val="1"/>
+                  <adec:decorative xmlns:adec="http://schemas.microsoft.com/office/drawing/2017/decorative" val="1"/>
                 </a:ext>
               </a:extLst>
             </p:cNvPr>
@@ -40697,7 +39567,7 @@
                   <a16:creationId xmlns:a16="http://schemas.microsoft.com/office/drawing/2014/main" id="{E367A44A-5DD0-43B5-B6DB-1CA3BC5AF0B2}"/>
                 </a:ext>
                 <a:ext uri="{C183D7F6-B498-43B3-948B-1728B52AA6E4}">
-                  <adec:decorative xmlns:adec="http://schemas.microsoft.com/office/drawing/2017/decorative" xmlns="" val="1"/>
+                  <adec:decorative xmlns:adec="http://schemas.microsoft.com/office/drawing/2017/decorative" val="1"/>
                 </a:ext>
               </a:extLst>
             </p:cNvPr>
@@ -40749,7 +39619,7 @@
                   <a16:creationId xmlns:a16="http://schemas.microsoft.com/office/drawing/2014/main" id="{280809D1-164B-4A0C-84BB-2AC46F3BDE52}"/>
                 </a:ext>
                 <a:ext uri="{C183D7F6-B498-43B3-948B-1728B52AA6E4}">
-                  <adec:decorative xmlns:adec="http://schemas.microsoft.com/office/drawing/2017/decorative" xmlns="" val="1"/>
+                  <adec:decorative xmlns:adec="http://schemas.microsoft.com/office/drawing/2017/decorative" val="1"/>
                 </a:ext>
               </a:extLst>
             </p:cNvPr>
@@ -40801,7 +39671,7 @@
                   <a16:creationId xmlns:a16="http://schemas.microsoft.com/office/drawing/2014/main" id="{E379EC94-3698-4695-8CE7-61DBDF5EE654}"/>
                 </a:ext>
                 <a:ext uri="{C183D7F6-B498-43B3-948B-1728B52AA6E4}">
-                  <adec:decorative xmlns:adec="http://schemas.microsoft.com/office/drawing/2017/decorative" xmlns="" val="1"/>
+                  <adec:decorative xmlns:adec="http://schemas.microsoft.com/office/drawing/2017/decorative" val="1"/>
                 </a:ext>
               </a:extLst>
             </p:cNvPr>
@@ -40853,7 +39723,7 @@
                   <a16:creationId xmlns:a16="http://schemas.microsoft.com/office/drawing/2014/main" id="{8755B95C-6A71-4D4F-8F48-B21F893E6FB1}"/>
                 </a:ext>
                 <a:ext uri="{C183D7F6-B498-43B3-948B-1728B52AA6E4}">
-                  <adec:decorative xmlns:adec="http://schemas.microsoft.com/office/drawing/2017/decorative" xmlns="" val="1"/>
+                  <adec:decorative xmlns:adec="http://schemas.microsoft.com/office/drawing/2017/decorative" val="1"/>
                 </a:ext>
               </a:extLst>
             </p:cNvPr>
@@ -40905,7 +39775,7 @@
                   <a16:creationId xmlns:a16="http://schemas.microsoft.com/office/drawing/2014/main" id="{6099C53A-E394-462E-BF63-1639A8E28318}"/>
                 </a:ext>
                 <a:ext uri="{C183D7F6-B498-43B3-948B-1728B52AA6E4}">
-                  <adec:decorative xmlns:adec="http://schemas.microsoft.com/office/drawing/2017/decorative" xmlns="" val="1"/>
+                  <adec:decorative xmlns:adec="http://schemas.microsoft.com/office/drawing/2017/decorative" val="1"/>
                 </a:ext>
               </a:extLst>
             </p:cNvPr>
@@ -40957,7 +39827,7 @@
                   <a16:creationId xmlns:a16="http://schemas.microsoft.com/office/drawing/2014/main" id="{9AC427FF-C3BE-45A0-9FB1-A6A4C8C4CD85}"/>
                 </a:ext>
                 <a:ext uri="{C183D7F6-B498-43B3-948B-1728B52AA6E4}">
-                  <adec:decorative xmlns:adec="http://schemas.microsoft.com/office/drawing/2017/decorative" xmlns="" val="1"/>
+                  <adec:decorative xmlns:adec="http://schemas.microsoft.com/office/drawing/2017/decorative" val="1"/>
                 </a:ext>
               </a:extLst>
             </p:cNvPr>
@@ -41009,7 +39879,7 @@
                   <a16:creationId xmlns:a16="http://schemas.microsoft.com/office/drawing/2014/main" id="{2B15D91A-BF52-4704-8F6B-A7C474618191}"/>
                 </a:ext>
                 <a:ext uri="{C183D7F6-B498-43B3-948B-1728B52AA6E4}">
-                  <adec:decorative xmlns:adec="http://schemas.microsoft.com/office/drawing/2017/decorative" xmlns="" val="1"/>
+                  <adec:decorative xmlns:adec="http://schemas.microsoft.com/office/drawing/2017/decorative" val="1"/>
                 </a:ext>
               </a:extLst>
             </p:cNvPr>
@@ -41061,7 +39931,7 @@
                   <a16:creationId xmlns:a16="http://schemas.microsoft.com/office/drawing/2014/main" id="{1D9241FD-0E0D-409B-A2AF-8F06ACB75778}"/>
                 </a:ext>
                 <a:ext uri="{C183D7F6-B498-43B3-948B-1728B52AA6E4}">
-                  <adec:decorative xmlns:adec="http://schemas.microsoft.com/office/drawing/2017/decorative" xmlns="" val="1"/>
+                  <adec:decorative xmlns:adec="http://schemas.microsoft.com/office/drawing/2017/decorative" val="1"/>
                 </a:ext>
               </a:extLst>
             </p:cNvPr>
@@ -41113,7 +39983,7 @@
                   <a16:creationId xmlns:a16="http://schemas.microsoft.com/office/drawing/2014/main" id="{F8B3D884-11F6-4FF3-82C2-1C2311451C61}"/>
                 </a:ext>
                 <a:ext uri="{C183D7F6-B498-43B3-948B-1728B52AA6E4}">
-                  <adec:decorative xmlns:adec="http://schemas.microsoft.com/office/drawing/2017/decorative" xmlns="" val="1"/>
+                  <adec:decorative xmlns:adec="http://schemas.microsoft.com/office/drawing/2017/decorative" val="1"/>
                 </a:ext>
               </a:extLst>
             </p:cNvPr>
@@ -41165,7 +40035,7 @@
                   <a16:creationId xmlns:a16="http://schemas.microsoft.com/office/drawing/2014/main" id="{A15AB342-981A-44B4-846D-B0B2394ACF01}"/>
                 </a:ext>
                 <a:ext uri="{C183D7F6-B498-43B3-948B-1728B52AA6E4}">
-                  <adec:decorative xmlns:adec="http://schemas.microsoft.com/office/drawing/2017/decorative" xmlns="" val="1"/>
+                  <adec:decorative xmlns:adec="http://schemas.microsoft.com/office/drawing/2017/decorative" val="1"/>
                 </a:ext>
               </a:extLst>
             </p:cNvPr>
@@ -41217,7 +40087,7 @@
                   <a16:creationId xmlns:a16="http://schemas.microsoft.com/office/drawing/2014/main" id="{872C80E7-0A00-4063-BEE2-6B6B446A4A72}"/>
                 </a:ext>
                 <a:ext uri="{C183D7F6-B498-43B3-948B-1728B52AA6E4}">
-                  <adec:decorative xmlns:adec="http://schemas.microsoft.com/office/drawing/2017/decorative" xmlns="" val="1"/>
+                  <adec:decorative xmlns:adec="http://schemas.microsoft.com/office/drawing/2017/decorative" val="1"/>
                 </a:ext>
               </a:extLst>
             </p:cNvPr>
@@ -41269,7 +40139,7 @@
                   <a16:creationId xmlns:a16="http://schemas.microsoft.com/office/drawing/2014/main" id="{CDDFAF9B-F940-4E8C-905E-31851E6E716D}"/>
                 </a:ext>
                 <a:ext uri="{C183D7F6-B498-43B3-948B-1728B52AA6E4}">
-                  <adec:decorative xmlns:adec="http://schemas.microsoft.com/office/drawing/2017/decorative" xmlns="" val="1"/>
+                  <adec:decorative xmlns:adec="http://schemas.microsoft.com/office/drawing/2017/decorative" val="1"/>
                 </a:ext>
               </a:extLst>
             </p:cNvPr>
@@ -41321,7 +40191,7 @@
                   <a16:creationId xmlns:a16="http://schemas.microsoft.com/office/drawing/2014/main" id="{DE75405B-4987-4ED0-838B-B550E11C50A7}"/>
                 </a:ext>
                 <a:ext uri="{C183D7F6-B498-43B3-948B-1728B52AA6E4}">
-                  <adec:decorative xmlns:adec="http://schemas.microsoft.com/office/drawing/2017/decorative" xmlns="" val="1"/>
+                  <adec:decorative xmlns:adec="http://schemas.microsoft.com/office/drawing/2017/decorative" val="1"/>
                 </a:ext>
               </a:extLst>
             </p:cNvPr>
@@ -41373,7 +40243,7 @@
                   <a16:creationId xmlns:a16="http://schemas.microsoft.com/office/drawing/2014/main" id="{2D23C412-06C7-4364-B5C1-6492A9D36BCD}"/>
                 </a:ext>
                 <a:ext uri="{C183D7F6-B498-43B3-948B-1728B52AA6E4}">
-                  <adec:decorative xmlns:adec="http://schemas.microsoft.com/office/drawing/2017/decorative" xmlns="" val="1"/>
+                  <adec:decorative xmlns:adec="http://schemas.microsoft.com/office/drawing/2017/decorative" val="1"/>
                 </a:ext>
               </a:extLst>
             </p:cNvPr>
@@ -41425,7 +40295,7 @@
                   <a16:creationId xmlns:a16="http://schemas.microsoft.com/office/drawing/2014/main" id="{3E558B2C-BA31-4EF6-AA51-34C38C4FAC19}"/>
                 </a:ext>
                 <a:ext uri="{C183D7F6-B498-43B3-948B-1728B52AA6E4}">
-                  <adec:decorative xmlns:adec="http://schemas.microsoft.com/office/drawing/2017/decorative" xmlns="" val="1"/>
+                  <adec:decorative xmlns:adec="http://schemas.microsoft.com/office/drawing/2017/decorative" val="1"/>
                 </a:ext>
               </a:extLst>
             </p:cNvPr>
@@ -41477,7 +40347,7 @@
                   <a16:creationId xmlns:a16="http://schemas.microsoft.com/office/drawing/2014/main" id="{49BF6B7B-33CA-48B1-A1DC-E4917FB89D99}"/>
                 </a:ext>
                 <a:ext uri="{C183D7F6-B498-43B3-948B-1728B52AA6E4}">
-                  <adec:decorative xmlns:adec="http://schemas.microsoft.com/office/drawing/2017/decorative" xmlns="" val="1"/>
+                  <adec:decorative xmlns:adec="http://schemas.microsoft.com/office/drawing/2017/decorative" val="1"/>
                 </a:ext>
               </a:extLst>
             </p:cNvPr>
@@ -41529,7 +40399,7 @@
                   <a16:creationId xmlns:a16="http://schemas.microsoft.com/office/drawing/2014/main" id="{B91E8E40-9C42-4E16-980F-D9B38872F361}"/>
                 </a:ext>
                 <a:ext uri="{C183D7F6-B498-43B3-948B-1728B52AA6E4}">
-                  <adec:decorative xmlns:adec="http://schemas.microsoft.com/office/drawing/2017/decorative" xmlns="" val="1"/>
+                  <adec:decorative xmlns:adec="http://schemas.microsoft.com/office/drawing/2017/decorative" val="1"/>
                 </a:ext>
               </a:extLst>
             </p:cNvPr>
@@ -41581,7 +40451,7 @@
                   <a16:creationId xmlns:a16="http://schemas.microsoft.com/office/drawing/2014/main" id="{6B7E3690-D803-4CC7-BA93-B51ACF040FBF}"/>
                 </a:ext>
                 <a:ext uri="{C183D7F6-B498-43B3-948B-1728B52AA6E4}">
-                  <adec:decorative xmlns:adec="http://schemas.microsoft.com/office/drawing/2017/decorative" xmlns="" val="1"/>
+                  <adec:decorative xmlns:adec="http://schemas.microsoft.com/office/drawing/2017/decorative" val="1"/>
                 </a:ext>
               </a:extLst>
             </p:cNvPr>
@@ -41669,7 +40539,7 @@
                 <a16:creationId xmlns:a16="http://schemas.microsoft.com/office/drawing/2014/main" id="{473E2575-93BA-49BD-A0BB-EBD45F7382A2}"/>
               </a:ext>
               <a:ext uri="{C183D7F6-B498-43B3-948B-1728B52AA6E4}">
-                <adec:decorative xmlns:adec="http://schemas.microsoft.com/office/drawing/2017/decorative" xmlns="" val="1"/>
+                <adec:decorative xmlns:adec="http://schemas.microsoft.com/office/drawing/2017/decorative" val="1"/>
               </a:ext>
             </a:extLst>
           </p:cNvPr>
@@ -41723,7 +40593,7 @@
                 <a16:creationId xmlns:a16="http://schemas.microsoft.com/office/drawing/2014/main" id="{FE32AE2A-5F1E-4AB5-96CD-95BBC7E8CBB1}"/>
               </a:ext>
               <a:ext uri="{C183D7F6-B498-43B3-948B-1728B52AA6E4}">
-                <adec:decorative xmlns:adec="http://schemas.microsoft.com/office/drawing/2017/decorative" xmlns="" val="1"/>
+                <adec:decorative xmlns:adec="http://schemas.microsoft.com/office/drawing/2017/decorative" val="1"/>
               </a:ext>
             </a:extLst>
           </p:cNvPr>
@@ -41777,7 +40647,7 @@
                 <a16:creationId xmlns:a16="http://schemas.microsoft.com/office/drawing/2014/main" id="{151E1EE1-5760-4F9F-919D-BBBE95CE8ED0}"/>
               </a:ext>
               <a:ext uri="{C183D7F6-B498-43B3-948B-1728B52AA6E4}">
-                <adec:decorative xmlns:adec="http://schemas.microsoft.com/office/drawing/2017/decorative" xmlns="" val="1"/>
+                <adec:decorative xmlns:adec="http://schemas.microsoft.com/office/drawing/2017/decorative" val="1"/>
               </a:ext>
             </a:extLst>
           </p:cNvPr>
@@ -41871,7 +40741,7 @@
                 <a16:creationId xmlns:a16="http://schemas.microsoft.com/office/drawing/2014/main" id="{D665D759-2DF8-4D47-8386-4BA28901A79D}"/>
               </a:ext>
               <a:ext uri="{C183D7F6-B498-43B3-948B-1728B52AA6E4}">
-                <adec:decorative xmlns:adec="http://schemas.microsoft.com/office/drawing/2017/decorative" xmlns="" val="1"/>
+                <adec:decorative xmlns:adec="http://schemas.microsoft.com/office/drawing/2017/decorative" val="1"/>
               </a:ext>
             </a:extLst>
           </p:cNvPr>
@@ -41968,7 +40838,7 @@
               <a:buNone/>
             </a:pPr>
             <a:r>
-              <a:rPr lang="es-ES" sz="1800" dirty="0" smtClean="0"/>
+              <a:rPr lang="es-ES" sz="1800" dirty="0"/>
               <a:t>Pueden ser por 3 motivos:</a:t>
             </a:r>
           </a:p>
@@ -41980,30 +40850,17 @@
               <a:buNone/>
             </a:pPr>
             <a:r>
-              <a:rPr lang="es-ES" sz="1800" dirty="0" smtClean="0"/>
-              <a:t>A</a:t>
+              <a:rPr lang="es-ES" sz="1800" dirty="0"/>
+              <a:t>A. Movilidad funcional: </a:t>
             </a:r>
             <a:r>
-              <a:rPr lang="es-ES" sz="1800" dirty="0"/>
-              <a:t>. Movilidad </a:t>
-            </a:r>
-            <a:r>
-              <a:rPr lang="es-ES" sz="1800" dirty="0" smtClean="0"/>
-              <a:t>funcional: </a:t>
-            </a:r>
-            <a:r>
-              <a:rPr lang="es-ES" sz="1800" dirty="0" smtClean="0">
+              <a:rPr lang="es-ES" sz="1800" dirty="0">
                 <a:solidFill>
                   <a:schemeClr val="accent2"/>
                 </a:solidFill>
               </a:rPr>
               <a:t>Cambio de actividad o funciones.</a:t>
             </a:r>
-            <a:endParaRPr lang="es-ES" sz="1800" dirty="0">
-              <a:solidFill>
-                <a:schemeClr val="accent2"/>
-              </a:solidFill>
-            </a:endParaRPr>
           </a:p>
           <a:p>
             <a:pPr lvl="1">
@@ -42058,25 +40915,16 @@
             </a:pPr>
             <a:r>
               <a:rPr lang="es-ES" sz="1800" dirty="0"/>
-              <a:t>B. Movilidad </a:t>
+              <a:t>B. Movilidad geográfica: </a:t>
             </a:r>
             <a:r>
-              <a:rPr lang="es-ES" sz="1800" dirty="0" smtClean="0"/>
-              <a:t>geográfica: </a:t>
-            </a:r>
-            <a:r>
-              <a:rPr lang="es-ES" sz="1800" dirty="0" smtClean="0">
+              <a:rPr lang="es-ES" sz="1800" dirty="0">
                 <a:solidFill>
                   <a:schemeClr val="accent2"/>
                 </a:solidFill>
               </a:rPr>
               <a:t>desplazamiento</a:t>
             </a:r>
-            <a:endParaRPr lang="es-ES" sz="1800" dirty="0">
-              <a:solidFill>
-                <a:schemeClr val="accent2"/>
-              </a:solidFill>
-            </a:endParaRPr>
           </a:p>
           <a:p>
             <a:pPr lvl="1">
@@ -42273,14 +41121,10 @@
             </a:pPr>
             <a:r>
               <a:rPr lang="es-ES" sz="1600" dirty="0"/>
-              <a:t>Causa</a:t>
+              <a:t>Causa: </a:t>
             </a:r>
             <a:r>
-              <a:rPr lang="es-ES" sz="1600" dirty="0" smtClean="0"/>
-              <a:t>: </a:t>
-            </a:r>
-            <a:r>
-              <a:rPr lang="es-ES" sz="1600" dirty="0" smtClean="0">
+              <a:rPr lang="es-ES" sz="1600" dirty="0">
                 <a:solidFill>
                   <a:schemeClr val="accent2"/>
                 </a:solidFill>
@@ -42296,22 +41140,17 @@
               </a:lnSpc>
             </a:pPr>
             <a:r>
-              <a:rPr lang="es-ES" sz="1600" dirty="0" smtClean="0"/>
+              <a:rPr lang="es-ES" sz="1600" dirty="0"/>
               <a:t>Retribución: </a:t>
             </a:r>
             <a:r>
-              <a:rPr lang="es-ES" sz="1600" dirty="0" smtClean="0">
+              <a:rPr lang="es-ES" sz="1600" dirty="0">
                 <a:solidFill>
                   <a:schemeClr val="accent2"/>
                 </a:solidFill>
               </a:rPr>
               <a:t>La misma, no afecta.</a:t>
             </a:r>
-            <a:endParaRPr lang="es-ES" sz="1600" dirty="0">
-              <a:solidFill>
-                <a:schemeClr val="accent2"/>
-              </a:solidFill>
-            </a:endParaRPr>
           </a:p>
           <a:p>
             <a:pPr algn="just">
@@ -42334,14 +41173,10 @@
             </a:pPr>
             <a:r>
               <a:rPr lang="es-ES" sz="1600" dirty="0"/>
-              <a:t>Causas</a:t>
+              <a:t>Causas: </a:t>
             </a:r>
             <a:r>
-              <a:rPr lang="es-ES" sz="1600" dirty="0" smtClean="0"/>
-              <a:t>: </a:t>
-            </a:r>
-            <a:r>
-              <a:rPr lang="es-ES" sz="1600" dirty="0" smtClean="0">
+              <a:rPr lang="es-ES" sz="1600" dirty="0">
                 <a:solidFill>
                   <a:schemeClr val="accent2"/>
                 </a:solidFill>
@@ -42358,14 +41193,10 @@
             </a:pPr>
             <a:r>
               <a:rPr lang="es-ES" sz="1600" dirty="0"/>
-              <a:t>Límite temporal</a:t>
+              <a:t>Límite temporal: </a:t>
             </a:r>
             <a:r>
-              <a:rPr lang="es-ES" sz="1600" dirty="0" smtClean="0"/>
-              <a:t>: </a:t>
-            </a:r>
-            <a:r>
-              <a:rPr lang="es-ES" sz="1600" dirty="0" smtClean="0">
+              <a:rPr lang="es-ES" sz="1600" dirty="0">
                 <a:solidFill>
                   <a:schemeClr val="accent2"/>
                 </a:solidFill>
@@ -42382,14 +41213,10 @@
             </a:pPr>
             <a:r>
               <a:rPr lang="es-ES" sz="1600" dirty="0"/>
-              <a:t>Información</a:t>
+              <a:t>Información: </a:t>
             </a:r>
             <a:r>
-              <a:rPr lang="es-ES" sz="1600" dirty="0" smtClean="0"/>
-              <a:t>: </a:t>
-            </a:r>
-            <a:r>
-              <a:rPr lang="es-ES" sz="1600" dirty="0" smtClean="0">
+              <a:rPr lang="es-ES" sz="1600" dirty="0">
                 <a:solidFill>
                   <a:schemeClr val="accent2"/>
                 </a:solidFill>
@@ -42423,25 +41250,16 @@
             </a:r>
             <a:r>
               <a:rPr lang="es-ES" sz="1600" dirty="0"/>
-              <a:t>: duración y </a:t>
+              <a:t>: duración y salario. </a:t>
             </a:r>
             <a:r>
-              <a:rPr lang="es-ES" sz="1600" dirty="0" smtClean="0"/>
-              <a:t>salario. </a:t>
-            </a:r>
-            <a:r>
-              <a:rPr lang="es-ES" sz="1600" dirty="0" smtClean="0">
+              <a:rPr lang="es-ES" sz="1600" dirty="0">
                 <a:solidFill>
                   <a:schemeClr val="accent2"/>
                 </a:solidFill>
               </a:rPr>
               <a:t>Por el tiempo imprescindible pero el salario será el de mi grupo superior.</a:t>
             </a:r>
-            <a:endParaRPr lang="es-ES" sz="1600" dirty="0">
-              <a:solidFill>
-                <a:schemeClr val="accent2"/>
-              </a:solidFill>
-            </a:endParaRPr>
           </a:p>
           <a:p>
             <a:pPr marL="1714500" lvl="3" indent="-342900" algn="just">
@@ -42457,14 +41275,10 @@
             </a:r>
             <a:r>
               <a:rPr lang="es-ES" sz="1600" dirty="0"/>
-              <a:t>: </a:t>
+              <a:t>: Salario </a:t>
             </a:r>
             <a:r>
-              <a:rPr lang="es-ES" sz="1600" dirty="0" smtClean="0"/>
-              <a:t>Salario </a:t>
-            </a:r>
-            <a:r>
-              <a:rPr lang="es-ES" sz="1600" dirty="0" smtClean="0">
+              <a:rPr lang="es-ES" sz="1600" dirty="0">
                 <a:solidFill>
                   <a:schemeClr val="accent2"/>
                 </a:solidFill>
@@ -42472,15 +41286,11 @@
               <a:t>el del grupo superior y el trabajador tendrá derecho a un ascenso si la mo</a:t>
             </a:r>
             <a:r>
-              <a:rPr lang="es-ES" sz="1600" dirty="0" smtClean="0"/>
-              <a:t>vilidad es </a:t>
+              <a:rPr lang="es-ES" sz="1600" dirty="0"/>
+              <a:t>vilidad es superior a 6 meses en un año u 8 </a:t>
             </a:r>
             <a:r>
-              <a:rPr lang="es-ES" sz="1600" dirty="0"/>
-              <a:t>superior a 6 meses en un año u 8 </a:t>
-            </a:r>
-            <a:r>
-              <a:rPr lang="es-ES" sz="1600" dirty="0" smtClean="0">
+              <a:rPr lang="es-ES" sz="1600" dirty="0">
                 <a:solidFill>
                   <a:schemeClr val="accent2"/>
                 </a:solidFill>
@@ -42488,19 +41298,11 @@
               <a:t>meses</a:t>
             </a:r>
             <a:r>
-              <a:rPr lang="es-ES" sz="1600" dirty="0" smtClean="0"/>
-              <a:t> </a:t>
+              <a:rPr lang="es-ES" sz="1600" dirty="0"/>
+              <a:t> durante dos años.</a:t>
             </a:r>
             <a:r>
-              <a:rPr lang="es-ES" sz="1600" dirty="0"/>
-              <a:t>durante </a:t>
-            </a:r>
-            <a:r>
-              <a:rPr lang="es-ES" sz="1600" dirty="0" smtClean="0"/>
-              <a:t>dos años.</a:t>
-            </a:r>
-            <a:r>
-              <a:rPr lang="es-ES" sz="1600" dirty="0" smtClean="0">
+              <a:rPr lang="es-ES" sz="1600" dirty="0">
                 <a:solidFill>
                   <a:schemeClr val="accent2"/>
                 </a:solidFill>
@@ -42519,7 +41321,7 @@
                 <a16:creationId xmlns:a16="http://schemas.microsoft.com/office/drawing/2014/main" id="{16C73AF9-0D33-5C66-5D79-0D0129904B31}"/>
               </a:ext>
               <a:ext uri="{C183D7F6-B498-43B3-948B-1728B52AA6E4}">
-                <adec:decorative xmlns:adec="http://schemas.microsoft.com/office/drawing/2017/decorative" xmlns="" val="1"/>
+                <adec:decorative xmlns:adec="http://schemas.microsoft.com/office/drawing/2017/decorative" val="1"/>
               </a:ext>
             </a:extLst>
           </p:cNvPr>
@@ -42550,7 +41352,7 @@
                   <a16:creationId xmlns:a16="http://schemas.microsoft.com/office/drawing/2014/main" id="{ED96FD6F-5EE9-36C7-C200-3111EF6D0152}"/>
                 </a:ext>
                 <a:ext uri="{C183D7F6-B498-43B3-948B-1728B52AA6E4}">
-                  <adec:decorative xmlns:adec="http://schemas.microsoft.com/office/drawing/2017/decorative" xmlns="" val="1"/>
+                  <adec:decorative xmlns:adec="http://schemas.microsoft.com/office/drawing/2017/decorative" val="1"/>
                 </a:ext>
               </a:extLst>
             </p:cNvPr>
@@ -42619,7 +41421,7 @@
                   <a16:creationId xmlns:a16="http://schemas.microsoft.com/office/drawing/2014/main" id="{62A39BB2-02C1-8A8B-8021-68446E04747F}"/>
                 </a:ext>
                 <a:ext uri="{C183D7F6-B498-43B3-948B-1728B52AA6E4}">
-                  <adec:decorative xmlns:adec="http://schemas.microsoft.com/office/drawing/2017/decorative" xmlns="" val="1"/>
+                  <adec:decorative xmlns:adec="http://schemas.microsoft.com/office/drawing/2017/decorative" val="1"/>
                 </a:ext>
               </a:extLst>
             </p:cNvPr>
@@ -42762,25 +41564,16 @@
             </a:pPr>
             <a:r>
               <a:rPr lang="es-ES" sz="3200" b="1" dirty="0"/>
-              <a:t>B. Movilidad </a:t>
+              <a:t>B. Movilidad geográfica: </a:t>
             </a:r>
             <a:r>
-              <a:rPr lang="es-ES" sz="3200" b="1" dirty="0" smtClean="0"/>
-              <a:t>geográfica: </a:t>
-            </a:r>
-            <a:r>
-              <a:rPr lang="es-ES" sz="1800" b="1" dirty="0" smtClean="0">
+              <a:rPr lang="es-ES" sz="1800" b="1" dirty="0">
                 <a:solidFill>
                   <a:schemeClr val="accent2"/>
                 </a:solidFill>
               </a:rPr>
               <a:t>Motivos, pueden ser técnicos, organizativas o económicas</a:t>
             </a:r>
-            <a:endParaRPr lang="es-ES" sz="1800" b="1" dirty="0">
-              <a:solidFill>
-                <a:schemeClr val="accent2"/>
-              </a:solidFill>
-            </a:endParaRPr>
           </a:p>
         </p:txBody>
       </p:sp>
@@ -42844,18 +41637,13 @@
               <a:t>¿Cuándo se produce? </a:t>
             </a:r>
             <a:r>
-              <a:rPr lang="es-ES" sz="1600" b="1" dirty="0" smtClean="0">
+              <a:rPr lang="es-ES" sz="1600" b="1" dirty="0">
                 <a:solidFill>
                   <a:schemeClr val="accent2"/>
                 </a:solidFill>
               </a:rPr>
               <a:t>Menos de 12 meses en un periodo de tres años.</a:t>
             </a:r>
-            <a:endParaRPr lang="es-ES" sz="1600" b="1" dirty="0">
-              <a:solidFill>
-                <a:schemeClr val="accent2"/>
-              </a:solidFill>
-            </a:endParaRPr>
           </a:p>
           <a:p>
             <a:pPr marL="0" indent="0">
@@ -42885,7 +41673,7 @@
                 <a16:creationId xmlns:a16="http://schemas.microsoft.com/office/drawing/2014/main" id="{16C73AF9-0D33-5C66-5D79-0D0129904B31}"/>
               </a:ext>
               <a:ext uri="{C183D7F6-B498-43B3-948B-1728B52AA6E4}">
-                <adec:decorative xmlns:adec="http://schemas.microsoft.com/office/drawing/2017/decorative" xmlns="" val="1"/>
+                <adec:decorative xmlns:adec="http://schemas.microsoft.com/office/drawing/2017/decorative" val="1"/>
               </a:ext>
             </a:extLst>
           </p:cNvPr>
@@ -42916,7 +41704,7 @@
                   <a16:creationId xmlns:a16="http://schemas.microsoft.com/office/drawing/2014/main" id="{ED96FD6F-5EE9-36C7-C200-3111EF6D0152}"/>
                 </a:ext>
                 <a:ext uri="{C183D7F6-B498-43B3-948B-1728B52AA6E4}">
-                  <adec:decorative xmlns:adec="http://schemas.microsoft.com/office/drawing/2017/decorative" xmlns="" val="1"/>
+                  <adec:decorative xmlns:adec="http://schemas.microsoft.com/office/drawing/2017/decorative" val="1"/>
                 </a:ext>
               </a:extLst>
             </p:cNvPr>
@@ -42985,7 +41773,7 @@
                   <a16:creationId xmlns:a16="http://schemas.microsoft.com/office/drawing/2014/main" id="{62A39BB2-02C1-8A8B-8021-68446E04747F}"/>
                 </a:ext>
                 <a:ext uri="{C183D7F6-B498-43B3-948B-1728B52AA6E4}">
-                  <adec:decorative xmlns:adec="http://schemas.microsoft.com/office/drawing/2017/decorative" xmlns="" val="1"/>
+                  <adec:decorative xmlns:adec="http://schemas.microsoft.com/office/drawing/2017/decorative" val="1"/>
                 </a:ext>
               </a:extLst>
             </p:cNvPr>
@@ -43271,25 +42059,16 @@
             </a:r>
             <a:r>
               <a:rPr lang="es-ES" sz="1600" dirty="0"/>
-              <a:t>+ 12 meses en un periodo de tres años</a:t>
+              <a:t>+ 12 meses en un periodo de tres años. </a:t>
             </a:r>
             <a:r>
-              <a:rPr lang="es-ES" sz="1600" dirty="0" smtClean="0"/>
-              <a:t>. </a:t>
-            </a:r>
-            <a:r>
-              <a:rPr lang="es-ES" sz="1600" dirty="0" smtClean="0">
+              <a:rPr lang="es-ES" sz="1600" dirty="0">
                 <a:solidFill>
                   <a:schemeClr val="accent2"/>
                 </a:solidFill>
               </a:rPr>
               <a:t>Puedo ir y volver.</a:t>
             </a:r>
-            <a:endParaRPr lang="es-ES" sz="1600" dirty="0">
-              <a:solidFill>
-                <a:schemeClr val="accent2"/>
-              </a:solidFill>
-            </a:endParaRPr>
           </a:p>
           <a:p>
             <a:pPr marL="457200" lvl="1" indent="0" algn="just">
@@ -43546,14 +42325,10 @@
             </a:pPr>
             <a:r>
               <a:rPr lang="es-ES" sz="2000" b="1" dirty="0"/>
-              <a:t>¿Cuándo se produce</a:t>
+              <a:t>¿Cuándo se produce? </a:t>
             </a:r>
             <a:r>
-              <a:rPr lang="es-ES" sz="2000" b="1" dirty="0" smtClean="0"/>
-              <a:t>? </a:t>
-            </a:r>
-            <a:r>
-              <a:rPr lang="es-ES" sz="1800" dirty="0" smtClean="0">
+              <a:rPr lang="es-ES" sz="1800" dirty="0">
                 <a:solidFill>
                   <a:schemeClr val="accent2"/>
                 </a:solidFill>
@@ -43572,7 +42347,7 @@
                 <a16:creationId xmlns:a16="http://schemas.microsoft.com/office/drawing/2014/main" id="{9AF08BBE-71A7-AEFC-F970-93C6BF79B380}"/>
               </a:ext>
               <a:ext uri="{C183D7F6-B498-43B3-948B-1728B52AA6E4}">
-                <adec:decorative xmlns:adec="http://schemas.microsoft.com/office/drawing/2017/decorative" xmlns="" val="1"/>
+                <adec:decorative xmlns:adec="http://schemas.microsoft.com/office/drawing/2017/decorative" val="1"/>
               </a:ext>
             </a:extLst>
           </p:cNvPr>
@@ -43603,7 +42378,7 @@
                   <a16:creationId xmlns:a16="http://schemas.microsoft.com/office/drawing/2014/main" id="{31C42412-D66A-A89A-CBAD-067355BA7437}"/>
                 </a:ext>
                 <a:ext uri="{C183D7F6-B498-43B3-948B-1728B52AA6E4}">
-                  <adec:decorative xmlns:adec="http://schemas.microsoft.com/office/drawing/2017/decorative" xmlns="" val="1"/>
+                  <adec:decorative xmlns:adec="http://schemas.microsoft.com/office/drawing/2017/decorative" val="1"/>
                 </a:ext>
               </a:extLst>
             </p:cNvPr>
@@ -43672,7 +42447,7 @@
                   <a16:creationId xmlns:a16="http://schemas.microsoft.com/office/drawing/2014/main" id="{19F63095-BD54-33B2-6873-1DC4DF820D90}"/>
                 </a:ext>
                 <a:ext uri="{C183D7F6-B498-43B3-948B-1728B52AA6E4}">
-                  <adec:decorative xmlns:adec="http://schemas.microsoft.com/office/drawing/2017/decorative" xmlns="" val="1"/>
+                  <adec:decorative xmlns:adec="http://schemas.microsoft.com/office/drawing/2017/decorative" val="1"/>
                 </a:ext>
               </a:extLst>
             </p:cNvPr>
@@ -43813,7 +42588,7 @@
                 <a16:creationId xmlns:a16="http://schemas.microsoft.com/office/drawing/2014/main" id="{B775CD93-9DF2-48CB-9F57-1BCA9A46C7FA}"/>
               </a:ext>
               <a:ext uri="{C183D7F6-B498-43B3-948B-1728B52AA6E4}">
-                <adec:decorative xmlns:adec="http://schemas.microsoft.com/office/drawing/2017/decorative" xmlns="" val="1"/>
+                <adec:decorative xmlns:adec="http://schemas.microsoft.com/office/drawing/2017/decorative" val="1"/>
               </a:ext>
             </a:extLst>
           </p:cNvPr>
@@ -43919,7 +42694,7 @@
                 <a16:creationId xmlns:a16="http://schemas.microsoft.com/office/drawing/2014/main" id="{E186B68C-84BC-4A6E-99D1-EE87483C1349}"/>
               </a:ext>
               <a:ext uri="{C183D7F6-B498-43B3-948B-1728B52AA6E4}">
-                <adec:decorative xmlns:adec="http://schemas.microsoft.com/office/drawing/2017/decorative" xmlns="" val="1"/>
+                <adec:decorative xmlns:adec="http://schemas.microsoft.com/office/drawing/2017/decorative" val="1"/>
               </a:ext>
             </a:extLst>
           </p:cNvPr>
@@ -43988,7 +42763,7 @@
                 <a16:creationId xmlns:a16="http://schemas.microsoft.com/office/drawing/2014/main" id="{6166C6D1-23AC-49C4-BA07-238E4E9F8CEB}"/>
               </a:ext>
               <a:ext uri="{C183D7F6-B498-43B3-948B-1728B52AA6E4}">
-                <adec:decorative xmlns:adec="http://schemas.microsoft.com/office/drawing/2017/decorative" xmlns="" val="1"/>
+                <adec:decorative xmlns:adec="http://schemas.microsoft.com/office/drawing/2017/decorative" val="1"/>
               </a:ext>
             </a:extLst>
           </p:cNvPr>
@@ -44055,7 +42830,7 @@
                 <a16:creationId xmlns:a16="http://schemas.microsoft.com/office/drawing/2014/main" id="{33A87B69-D1B1-4DA7-B224-F220FC5235E6}"/>
               </a:ext>
               <a:ext uri="{C183D7F6-B498-43B3-948B-1728B52AA6E4}">
-                <adec:decorative xmlns:adec="http://schemas.microsoft.com/office/drawing/2017/decorative" xmlns="" val="1"/>
+                <adec:decorative xmlns:adec="http://schemas.microsoft.com/office/drawing/2017/decorative" val="1"/>
               </a:ext>
             </a:extLst>
           </p:cNvPr>
@@ -44179,7 +42954,7 @@
                 <a16:creationId xmlns:a16="http://schemas.microsoft.com/office/drawing/2014/main" id="{1C091803-41C2-48E0-9228-5148460C7479}"/>
               </a:ext>
               <a:ext uri="{C183D7F6-B498-43B3-948B-1728B52AA6E4}">
-                <adec:decorative xmlns:adec="http://schemas.microsoft.com/office/drawing/2017/decorative" xmlns="" val="1"/>
+                <adec:decorative xmlns:adec="http://schemas.microsoft.com/office/drawing/2017/decorative" val="1"/>
               </a:ext>
             </a:extLst>
           </p:cNvPr>
@@ -44271,25 +43046,25 @@
           <a:p>
             <a:pPr algn="just"/>
             <a:r>
-              <a:rPr lang="es-ES" sz="1800" dirty="0" smtClean="0"/>
+              <a:rPr lang="es-ES" sz="1800" dirty="0"/>
               <a:t>Interrupción temporal del contrato del trabajo, con la idea de que se reanude.</a:t>
             </a:r>
           </a:p>
           <a:p>
             <a:pPr algn="just"/>
             <a:r>
-              <a:rPr lang="es-ES" sz="1800" dirty="0" smtClean="0"/>
+              <a:rPr lang="es-ES" sz="1800" dirty="0"/>
               <a:t>Las obligaciones quedan suspendidas durante la suspensión, por lo que ni el trabajador trabaja, ni la empresa paga.</a:t>
             </a:r>
           </a:p>
           <a:p>
             <a:pPr algn="just"/>
             <a:r>
-              <a:rPr lang="es-ES" sz="1800" dirty="0" smtClean="0"/>
+              <a:rPr lang="es-ES" sz="1800" dirty="0"/>
               <a:t>Incapacidades, Huelgas, </a:t>
             </a:r>
             <a:r>
-              <a:rPr lang="es-ES" sz="1800" dirty="0" smtClean="0">
+              <a:rPr lang="es-ES" sz="1800" dirty="0">
                 <a:solidFill>
                   <a:schemeClr val="accent2"/>
                 </a:solidFill>
@@ -44298,18 +43073,14 @@
             </a:r>
             <a:r>
               <a:rPr lang="es-ES" sz="1800" dirty="0"/>
-              <a:t>.</a:t>
-            </a:r>
-            <a:r>
-              <a:rPr lang="es-ES" sz="1800" dirty="0" smtClean="0"/>
-              <a:t> </a:t>
+              <a:t>. </a:t>
             </a:r>
           </a:p>
           <a:p>
             <a:pPr marL="0" indent="0" algn="just">
               <a:buNone/>
             </a:pPr>
-            <a:endParaRPr lang="es-ES" sz="1800" dirty="0" smtClean="0"/>
+            <a:endParaRPr lang="es-ES" sz="1800" dirty="0"/>
           </a:p>
           <a:p>
             <a:endParaRPr lang="es-ES" sz="1800" dirty="0"/>
@@ -44365,10 +43136,9 @@
           <a:lstStyle/>
           <a:p>
             <a:r>
-              <a:rPr lang="es-ES" dirty="0" smtClean="0"/>
+              <a:rPr lang="es-ES" dirty="0"/>
               <a:t>EXCEDENCIAS</a:t>
             </a:r>
-            <a:endParaRPr lang="es-ES" dirty="0"/>
           </a:p>
         </p:txBody>
       </p:sp>
@@ -44389,7 +43159,7 @@
         </p:nvGraphicFramePr>
         <p:xfrm>
           <a:off x="947649" y="2463799"/>
-          <a:ext cx="10066716" cy="2503193"/>
+          <a:ext cx="10066716" cy="2484964"/>
         </p:xfrm>
         <a:graphic>
           <a:graphicData uri="http://schemas.openxmlformats.org/drawingml/2006/table">
@@ -44743,55 +43513,7 @@
                         <a:rPr lang="es-ES" sz="1100" kern="100" dirty="0">
                           <a:effectLst/>
                         </a:rPr>
-                        <a:t>Hay que tener un año de </a:t>
-                      </a:r>
-                      <a:r>
-                        <a:rPr lang="es-ES" sz="1100" kern="100" dirty="0" smtClean="0">
-                          <a:effectLst/>
-                        </a:rPr>
-                        <a:t>antigüedad.</a:t>
-                      </a:r>
-                      <a:endParaRPr lang="es-ES" sz="1100" kern="100" dirty="0">
-                        <a:effectLst/>
-                      </a:endParaRPr>
-                    </a:p>
-                    <a:p>
-                      <a:pPr marL="342900" lvl="0" indent="-342900" algn="just">
-                        <a:lnSpc>
-                          <a:spcPct val="107000"/>
-                        </a:lnSpc>
-                        <a:spcAft>
-                          <a:spcPts val="0"/>
-                        </a:spcAft>
-                        <a:buFont typeface="Wingdings" panose="05000000000000000000" pitchFamily="2" charset="2"/>
-                        <a:buChar char=""/>
-                      </a:pPr>
-                      <a:r>
-                        <a:rPr lang="es-ES" sz="1100" kern="100" dirty="0" smtClean="0">
-                          <a:solidFill>
-                            <a:schemeClr val="accent2"/>
-                          </a:solidFill>
-                          <a:effectLst/>
-                        </a:rPr>
-                        <a:t>¡Ojo! </a:t>
-                      </a:r>
-                      <a:r>
-                        <a:rPr lang="es-ES" sz="1100" kern="100" dirty="0" smtClean="0">
-                          <a:effectLst/>
-                        </a:rPr>
-                        <a:t>No </a:t>
-                      </a:r>
-                      <a:r>
-                        <a:rPr lang="es-ES" sz="1100" kern="100" dirty="0">
-                          <a:effectLst/>
-                        </a:rPr>
-                        <a:t>computa a efectos de </a:t>
-                      </a:r>
-                      <a:r>
-                        <a:rPr lang="es-ES" sz="1100" kern="100" dirty="0" smtClean="0">
-                          <a:effectLst/>
-                        </a:rPr>
-                        <a:t>antigüedad.</a:t>
+                        <a:t>Hay que tener un año de antigüedad.</a:t>
                       </a:r>
                     </a:p>
                     <a:p>
@@ -44806,25 +43528,40 @@
                         <a:buChar char=""/>
                       </a:pPr>
                       <a:r>
-                        <a:rPr lang="es-ES" sz="1100" kern="100" dirty="0" smtClean="0">
+                        <a:rPr lang="es-ES" sz="1100" kern="100" dirty="0">
+                          <a:solidFill>
+                            <a:schemeClr val="accent2"/>
+                          </a:solidFill>
                           <a:effectLst/>
                         </a:rPr>
-                        <a:t>No </a:t>
+                        <a:t>¡Ojo! </a:t>
                       </a:r>
                       <a:r>
                         <a:rPr lang="es-ES" sz="1100" kern="100" dirty="0">
                           <a:effectLst/>
                         </a:rPr>
-                        <a:t>se reserva puesto de </a:t>
+                        <a:t>No computa a efectos de antigüedad.</a:t>
+                      </a:r>
+                    </a:p>
+                    <a:p>
+                      <a:pPr marL="342900" lvl="0" indent="-342900" algn="just">
+                        <a:lnSpc>
+                          <a:spcPct val="107000"/>
+                        </a:lnSpc>
+                        <a:spcAft>
+                          <a:spcPts val="0"/>
+                        </a:spcAft>
+                        <a:buFont typeface="Wingdings" panose="05000000000000000000" pitchFamily="2" charset="2"/>
+                        <a:buChar char=""/>
+                      </a:pPr>
+                      <a:r>
+                        <a:rPr lang="es-ES" sz="1100" kern="100" dirty="0">
+                          <a:effectLst/>
+                        </a:rPr>
+                        <a:t>No se reserva puesto de trabajo </a:t>
                       </a:r>
                       <a:r>
-                        <a:rPr lang="es-ES" sz="1100" kern="100" dirty="0" smtClean="0">
-                          <a:effectLst/>
-                        </a:rPr>
-                        <a:t>trabajo </a:t>
-                      </a:r>
-                      <a:r>
-                        <a:rPr lang="es-ES" sz="1100" kern="100" dirty="0" smtClean="0">
+                        <a:rPr lang="es-ES" sz="1100" kern="100" dirty="0">
                           <a:solidFill>
                             <a:schemeClr val="accent2"/>
                           </a:solidFill>
@@ -44833,7 +43570,7 @@
                         <a:t>(en todo caso preferencia, pero</a:t>
                       </a:r>
                       <a:r>
-                        <a:rPr lang="es-ES" sz="1100" kern="100" baseline="0" dirty="0" smtClean="0">
+                        <a:rPr lang="es-ES" sz="1100" kern="100" baseline="0" dirty="0">
                           <a:solidFill>
                             <a:schemeClr val="accent2"/>
                           </a:solidFill>
@@ -44863,13 +43600,7 @@
                         <a:rPr lang="es-ES" sz="1100" kern="100" dirty="0">
                           <a:effectLst/>
                         </a:rPr>
-                        <a:t>Se puede solicitar a los 4 años de </a:t>
-                      </a:r>
-                      <a:r>
-                        <a:rPr lang="es-ES" sz="1100" kern="100" dirty="0" smtClean="0">
-                          <a:effectLst/>
-                        </a:rPr>
-                        <a:t>nuevo.</a:t>
+                        <a:t>Se puede solicitar a los 4 años de nuevo.</a:t>
                       </a:r>
                       <a:endParaRPr lang="es-ES" sz="1100" kern="100" dirty="0">
                         <a:effectLst/>
@@ -44934,19 +43665,7 @@
                         <a:rPr lang="es-ES" sz="1100" kern="100" dirty="0">
                           <a:effectLst/>
                         </a:rPr>
-                        <a:t>Elección para cargo </a:t>
-                      </a:r>
-                      <a:r>
-                        <a:rPr lang="es-ES" sz="1100" kern="100" dirty="0" smtClean="0">
-                          <a:effectLst/>
-                        </a:rPr>
-                        <a:t>público</a:t>
-                      </a:r>
-                      <a:r>
-                        <a:rPr lang="es-ES" sz="1100" kern="100" dirty="0">
-                          <a:effectLst/>
-                        </a:rPr>
-                        <a:t> </a:t>
+                        <a:t>Elección para cargo público </a:t>
                       </a:r>
                       <a:endParaRPr lang="es-ES" sz="1100" kern="100" dirty="0">
                         <a:effectLst/>
@@ -45004,13 +43723,7 @@
                         <a:rPr lang="es-ES" sz="1100" kern="100" dirty="0">
                           <a:effectLst/>
                         </a:rPr>
-                        <a:t>Computa para la antigüedad y se reserva el puesto de </a:t>
-                      </a:r>
-                      <a:r>
-                        <a:rPr lang="es-ES" sz="1100" kern="100" dirty="0" smtClean="0">
-                          <a:effectLst/>
-                        </a:rPr>
-                        <a:t>trabajo.</a:t>
+                        <a:t>Computa para la antigüedad y se reserva el puesto de trabajo.</a:t>
                       </a:r>
                       <a:endParaRPr lang="es-ES" sz="1100" kern="100" dirty="0">
                         <a:effectLst/>
@@ -45281,7 +43994,7 @@
                 <a16:creationId xmlns:a16="http://schemas.microsoft.com/office/drawing/2014/main" id="{5C9B446A-6343-4E56-90BA-061E4DDF0FFB}"/>
               </a:ext>
               <a:ext uri="{C183D7F6-B498-43B3-948B-1728B52AA6E4}">
-                <adec:decorative xmlns:adec="http://schemas.microsoft.com/office/drawing/2017/decorative" xmlns="" val="1"/>
+                <adec:decorative xmlns:adec="http://schemas.microsoft.com/office/drawing/2017/decorative" val="1"/>
               </a:ext>
             </a:extLst>
           </p:cNvPr>
@@ -45341,7 +44054,7 @@
                 <a16:creationId xmlns:a16="http://schemas.microsoft.com/office/drawing/2014/main" id="{3EC72A1B-03D3-499C-B4BF-AC68EEC22B10}"/>
               </a:ext>
               <a:ext uri="{C183D7F6-B498-43B3-948B-1728B52AA6E4}">
-                <adec:decorative xmlns:adec="http://schemas.microsoft.com/office/drawing/2017/decorative" xmlns="" val="1"/>
+                <adec:decorative xmlns:adec="http://schemas.microsoft.com/office/drawing/2017/decorative" val="1"/>
               </a:ext>
             </a:extLst>
           </p:cNvPr>
@@ -45513,7 +44226,7 @@
                 <a16:creationId xmlns:a16="http://schemas.microsoft.com/office/drawing/2014/main" id="{216322C2-3CF0-4D33-BF90-3F384CF6D232}"/>
               </a:ext>
               <a:ext uri="{C183D7F6-B498-43B3-948B-1728B52AA6E4}">
-                <adec:decorative xmlns:adec="http://schemas.microsoft.com/office/drawing/2017/decorative" xmlns="" val="1"/>
+                <adec:decorative xmlns:adec="http://schemas.microsoft.com/office/drawing/2017/decorative" val="1"/>
               </a:ext>
             </a:extLst>
           </p:cNvPr>
@@ -45711,7 +44424,7 @@
                 <a16:creationId xmlns:a16="http://schemas.microsoft.com/office/drawing/2014/main" id="{55D4142C-5077-457F-A6AD-3FECFDB39685}"/>
               </a:ext>
               <a:ext uri="{C183D7F6-B498-43B3-948B-1728B52AA6E4}">
-                <adec:decorative xmlns:adec="http://schemas.microsoft.com/office/drawing/2017/decorative" xmlns="" val="1"/>
+                <adec:decorative xmlns:adec="http://schemas.microsoft.com/office/drawing/2017/decorative" val="1"/>
               </a:ext>
             </a:extLst>
           </p:cNvPr>
@@ -45779,7 +44492,7 @@
                 <a16:creationId xmlns:a16="http://schemas.microsoft.com/office/drawing/2014/main" id="{7A5F0580-5EE9-419F-96EE-B6529EF6E7D0}"/>
               </a:ext>
               <a:ext uri="{C183D7F6-B498-43B3-948B-1728B52AA6E4}">
-                <adec:decorative xmlns:adec="http://schemas.microsoft.com/office/drawing/2017/decorative" xmlns="" val="1"/>
+                <adec:decorative xmlns:adec="http://schemas.microsoft.com/office/drawing/2017/decorative" val="1"/>
               </a:ext>
             </a:extLst>
           </p:cNvPr>
@@ -45874,14 +44587,10 @@
             </a:pPr>
             <a:r>
               <a:rPr lang="es-ES" sz="1700" dirty="0"/>
-              <a:t>Por </a:t>
+              <a:t>Por acuerdo </a:t>
             </a:r>
             <a:r>
-              <a:rPr lang="es-ES" sz="1700" dirty="0" smtClean="0"/>
-              <a:t>acuerdo </a:t>
-            </a:r>
-            <a:r>
-              <a:rPr lang="es-ES" sz="1700" dirty="0" smtClean="0">
+              <a:rPr lang="es-ES" sz="1700" dirty="0">
                 <a:solidFill>
                   <a:schemeClr val="accent2"/>
                 </a:solidFill>
@@ -45904,25 +44613,16 @@
             </a:pPr>
             <a:r>
               <a:rPr lang="es-ES" sz="1700" dirty="0"/>
-              <a:t>Por voluntad del </a:t>
+              <a:t>Por voluntad del trabajador </a:t>
             </a:r>
             <a:r>
-              <a:rPr lang="es-ES" sz="1700" dirty="0" smtClean="0"/>
-              <a:t>trabajador </a:t>
-            </a:r>
-            <a:r>
-              <a:rPr lang="es-ES" sz="1700" dirty="0" smtClean="0">
+              <a:rPr lang="es-ES" sz="1700" dirty="0">
                 <a:solidFill>
                   <a:schemeClr val="accent2"/>
                 </a:solidFill>
               </a:rPr>
               <a:t>(hay dos tipos)</a:t>
             </a:r>
-            <a:endParaRPr lang="es-ES" sz="1700" dirty="0">
-              <a:solidFill>
-                <a:schemeClr val="accent2"/>
-              </a:solidFill>
-            </a:endParaRPr>
           </a:p>
           <a:p>
             <a:pPr marL="342900" indent="-342900">
@@ -45938,25 +44638,16 @@
             </a:pPr>
             <a:r>
               <a:rPr lang="es-ES" sz="1700" dirty="0"/>
-              <a:t>Por voluntad del </a:t>
+              <a:t>Por voluntad del empresario </a:t>
             </a:r>
             <a:r>
-              <a:rPr lang="es-ES" sz="1700" dirty="0" smtClean="0"/>
-              <a:t>empresario </a:t>
-            </a:r>
-            <a:r>
-              <a:rPr lang="es-ES" sz="1700" dirty="0" smtClean="0">
+              <a:rPr lang="es-ES" sz="1700" dirty="0">
                 <a:solidFill>
                   <a:schemeClr val="accent2"/>
                 </a:solidFill>
               </a:rPr>
               <a:t>(El despido)</a:t>
             </a:r>
-            <a:endParaRPr lang="es-ES" sz="1700" dirty="0">
-              <a:solidFill>
-                <a:schemeClr val="accent2"/>
-              </a:solidFill>
-            </a:endParaRPr>
           </a:p>
         </p:txBody>
       </p:sp>
@@ -46105,7 +44796,7 @@
                 <a16:creationId xmlns:a16="http://schemas.microsoft.com/office/drawing/2014/main" id="{BE589684-54CA-64D8-C963-5F19FF75BF72}"/>
               </a:ext>
               <a:ext uri="{C183D7F6-B498-43B3-948B-1728B52AA6E4}">
-                <adec:decorative xmlns:adec="http://schemas.microsoft.com/office/drawing/2017/decorative" xmlns="" val="1"/>
+                <adec:decorative xmlns:adec="http://schemas.microsoft.com/office/drawing/2017/decorative" val="1"/>
               </a:ext>
             </a:extLst>
           </p:cNvPr>
@@ -46136,7 +44827,7 @@
                   <a16:creationId xmlns:a16="http://schemas.microsoft.com/office/drawing/2014/main" id="{9B56B8E8-B789-DA4D-E4BE-03FA3165B3DE}"/>
                 </a:ext>
                 <a:ext uri="{C183D7F6-B498-43B3-948B-1728B52AA6E4}">
-                  <adec:decorative xmlns:adec="http://schemas.microsoft.com/office/drawing/2017/decorative" xmlns="" val="1"/>
+                  <adec:decorative xmlns:adec="http://schemas.microsoft.com/office/drawing/2017/decorative" val="1"/>
                 </a:ext>
               </a:extLst>
             </p:cNvPr>
@@ -46205,7 +44896,7 @@
                   <a16:creationId xmlns:a16="http://schemas.microsoft.com/office/drawing/2014/main" id="{2255D907-377D-0DF9-B4A4-4B44C46FBE3B}"/>
                 </a:ext>
                 <a:ext uri="{C183D7F6-B498-43B3-948B-1728B52AA6E4}">
-                  <adec:decorative xmlns:adec="http://schemas.microsoft.com/office/drawing/2017/decorative" xmlns="" val="1"/>
+                  <adec:decorative xmlns:adec="http://schemas.microsoft.com/office/drawing/2017/decorative" val="1"/>
                 </a:ext>
               </a:extLst>
             </p:cNvPr>
@@ -46307,25 +44998,16 @@
             </a:pPr>
             <a:r>
               <a:rPr lang="es-ES" sz="1700" dirty="0"/>
-              <a:t>Peculiaridad</a:t>
+              <a:t>Peculiaridad: </a:t>
             </a:r>
             <a:r>
-              <a:rPr lang="es-ES" sz="1700" dirty="0" smtClean="0"/>
-              <a:t>: </a:t>
-            </a:r>
-            <a:r>
-              <a:rPr lang="es-ES" sz="1700" dirty="0" smtClean="0">
+              <a:rPr lang="es-ES" sz="1700" dirty="0">
                 <a:solidFill>
                   <a:schemeClr val="accent2"/>
                 </a:solidFill>
               </a:rPr>
-              <a:t>Es de mutuo acuerdo. No hay indemnización ni derecho a pago (si finiquito).</a:t>
+              <a:t>Es de mutuo acuerdo. No hay indemnización ni derecho a paro (si finiquito).</a:t>
             </a:r>
-            <a:endParaRPr lang="es-ES" sz="1700" dirty="0">
-              <a:solidFill>
-                <a:schemeClr val="accent2"/>
-              </a:solidFill>
-            </a:endParaRPr>
           </a:p>
           <a:p>
             <a:pPr algn="just">
@@ -46354,25 +45036,16 @@
             </a:pPr>
             <a:r>
               <a:rPr lang="es-ES" sz="1700" dirty="0"/>
-              <a:t>Solicitud de baja presentada por el trabajador</a:t>
+              <a:t>Solicitud de baja presentada por el trabajador. </a:t>
             </a:r>
             <a:r>
-              <a:rPr lang="es-ES" sz="1700" dirty="0" smtClean="0"/>
-              <a:t>. </a:t>
-            </a:r>
-            <a:r>
-              <a:rPr lang="es-ES" sz="1700" dirty="0" smtClean="0">
+              <a:rPr lang="es-ES" sz="1700" dirty="0">
                 <a:solidFill>
                   <a:schemeClr val="accent2"/>
                 </a:solidFill>
               </a:rPr>
               <a:t>Y admitida por el empresario.</a:t>
             </a:r>
-            <a:endParaRPr lang="es-ES" sz="1700" dirty="0">
-              <a:solidFill>
-                <a:schemeClr val="accent2"/>
-              </a:solidFill>
-            </a:endParaRPr>
           </a:p>
           <a:p>
             <a:pPr lvl="1" algn="just">
@@ -46564,22 +45237,17 @@
               <a:buChar char="•"/>
             </a:pPr>
             <a:r>
-              <a:rPr lang="es-ES" sz="1800" dirty="0" smtClean="0"/>
+              <a:rPr lang="es-ES" sz="1800" dirty="0"/>
               <a:t>Concepto: </a:t>
             </a:r>
             <a:r>
-              <a:rPr lang="es-ES" sz="1800" dirty="0" smtClean="0">
+              <a:rPr lang="es-ES" sz="1800" dirty="0">
                 <a:solidFill>
                   <a:schemeClr val="accent2"/>
                 </a:solidFill>
               </a:rPr>
               <a:t>es la extinción por voluntad del trabajador pero cumpliendo los cumplimientos legales</a:t>
             </a:r>
-            <a:endParaRPr lang="es-ES" sz="1800" dirty="0">
-              <a:solidFill>
-                <a:schemeClr val="accent2"/>
-              </a:solidFill>
-            </a:endParaRPr>
           </a:p>
           <a:p>
             <a:pPr marL="742950" lvl="1" indent="-285750">
@@ -46591,25 +45259,16 @@
             </a:pPr>
             <a:r>
               <a:rPr lang="es-ES" sz="1800" dirty="0"/>
-              <a:t>Derechos del </a:t>
+              <a:t>Derechos del trabajador: </a:t>
             </a:r>
             <a:r>
-              <a:rPr lang="es-ES" sz="1800" dirty="0" smtClean="0"/>
-              <a:t>trabajador: </a:t>
-            </a:r>
-            <a:r>
-              <a:rPr lang="es-ES" sz="1800" dirty="0" smtClean="0">
+              <a:rPr lang="es-ES" sz="1800" dirty="0">
                 <a:solidFill>
                   <a:schemeClr val="accent2"/>
                 </a:solidFill>
               </a:rPr>
               <a:t>No los hay (ni indemnización, ni paro)</a:t>
             </a:r>
-            <a:endParaRPr lang="es-ES" sz="1800" dirty="0">
-              <a:solidFill>
-                <a:schemeClr val="accent2"/>
-              </a:solidFill>
-            </a:endParaRPr>
           </a:p>
           <a:p>
             <a:pPr marL="742950" lvl="1" indent="-285750">
@@ -46620,22 +45279,17 @@
               <a:buChar char="•"/>
             </a:pPr>
             <a:r>
-              <a:rPr lang="es-ES" sz="1800" dirty="0" smtClean="0"/>
+              <a:rPr lang="es-ES" sz="1800" dirty="0"/>
               <a:t>Forma: </a:t>
             </a:r>
             <a:r>
-              <a:rPr lang="es-ES" sz="1800" dirty="0" smtClean="0">
+              <a:rPr lang="es-ES" sz="1800" dirty="0">
                 <a:solidFill>
                   <a:schemeClr val="accent2"/>
                 </a:solidFill>
               </a:rPr>
               <a:t>No se exige por escrito pero es conveniente para que quede constancia, 15 días antes.</a:t>
             </a:r>
-            <a:endParaRPr lang="es-ES" sz="1800" dirty="0">
-              <a:solidFill>
-                <a:schemeClr val="accent2"/>
-              </a:solidFill>
-            </a:endParaRPr>
           </a:p>
           <a:p>
             <a:pPr algn="ctr">
@@ -46663,22 +45317,17 @@
               <a:buChar char="•"/>
             </a:pPr>
             <a:r>
-              <a:rPr lang="es-ES" sz="1800" dirty="0" smtClean="0"/>
+              <a:rPr lang="es-ES" sz="1800" dirty="0"/>
               <a:t>Concepto: </a:t>
             </a:r>
             <a:r>
-              <a:rPr lang="es-ES" sz="1800" dirty="0" smtClean="0">
+              <a:rPr lang="es-ES" sz="1800" dirty="0">
                 <a:solidFill>
                   <a:schemeClr val="accent2"/>
                 </a:solidFill>
               </a:rPr>
               <a:t>Me voy sin avisar. El empresario puede reclamar indemnización por daños y perjuicios.</a:t>
             </a:r>
-            <a:endParaRPr lang="es-ES" sz="1800" dirty="0">
-              <a:solidFill>
-                <a:schemeClr val="accent2"/>
-              </a:solidFill>
-            </a:endParaRPr>
           </a:p>
           <a:p>
             <a:pPr marL="742950" lvl="1" indent="-285750">
@@ -46698,21 +45347,8 @@
                   <a:schemeClr val="accent2"/>
                 </a:solidFill>
               </a:rPr>
-              <a:t>No los hay (ni indemnización, ni paro</a:t>
+              <a:t>No los hay (ni indemnización, ni paro)</a:t>
             </a:r>
-            <a:r>
-              <a:rPr lang="es-ES" sz="1800" dirty="0" smtClean="0">
-                <a:solidFill>
-                  <a:schemeClr val="accent2"/>
-                </a:solidFill>
-              </a:rPr>
-              <a:t>)</a:t>
-            </a:r>
-            <a:endParaRPr lang="es-ES" sz="1800" dirty="0">
-              <a:solidFill>
-                <a:schemeClr val="accent2"/>
-              </a:solidFill>
-            </a:endParaRPr>
           </a:p>
           <a:p>
             <a:pPr marL="285750" indent="-285750">
@@ -46731,7 +45367,7 @@
               </a:lnSpc>
             </a:pPr>
             <a:r>
-              <a:rPr lang="es-ES" sz="1800" b="1" dirty="0" err="1" smtClean="0">
+              <a:rPr lang="es-ES" sz="1800" b="1" dirty="0" err="1">
                 <a:solidFill>
                   <a:schemeClr val="accent2">
                     <a:lumMod val="75000"/>
@@ -46741,7 +45377,7 @@
               <a:t>Autodespido</a:t>
             </a:r>
             <a:r>
-              <a:rPr lang="es-ES" sz="1800" b="1" dirty="0" smtClean="0">
+              <a:rPr lang="es-ES" sz="1800" b="1" dirty="0">
                 <a:solidFill>
                   <a:schemeClr val="accent2">
                     <a:lumMod val="75000"/>
@@ -46750,13 +45386,6 @@
               </a:rPr>
               <a:t> (concepto doctrinal)</a:t>
             </a:r>
-            <a:endParaRPr lang="es-ES" sz="1800" b="1" dirty="0">
-              <a:solidFill>
-                <a:schemeClr val="accent2">
-                  <a:lumMod val="75000"/>
-                </a:schemeClr>
-              </a:solidFill>
-            </a:endParaRPr>
           </a:p>
           <a:p>
             <a:pPr marL="742950" lvl="1" indent="-285750">
@@ -46767,11 +45396,11 @@
               <a:buChar char="•"/>
             </a:pPr>
             <a:r>
-              <a:rPr lang="es-ES" sz="1600" dirty="0" smtClean="0"/>
+              <a:rPr lang="es-ES" sz="1600" dirty="0"/>
               <a:t>Concepto: </a:t>
             </a:r>
             <a:r>
-              <a:rPr lang="es-ES" sz="1600" dirty="0" smtClean="0">
+              <a:rPr lang="es-ES" sz="1600" dirty="0">
                 <a:solidFill>
                   <a:schemeClr val="accent2"/>
                 </a:solidFill>
@@ -46789,22 +45418,17 @@
               <a:buChar char="•"/>
             </a:pPr>
             <a:r>
-              <a:rPr lang="es-ES" sz="1600" dirty="0" smtClean="0"/>
+              <a:rPr lang="es-ES" sz="1600" dirty="0"/>
               <a:t>Indemnización:</a:t>
             </a:r>
             <a:r>
-              <a:rPr lang="es-ES" sz="1600" dirty="0" smtClean="0">
+              <a:rPr lang="es-ES" sz="1600" dirty="0">
                 <a:solidFill>
                   <a:schemeClr val="accent2"/>
                 </a:solidFill>
               </a:rPr>
               <a:t> Derecho a indemnización por 33 días por año trabajado.</a:t>
             </a:r>
-            <a:endParaRPr lang="es-ES" sz="1600" dirty="0">
-              <a:solidFill>
-                <a:schemeClr val="accent2"/>
-              </a:solidFill>
-            </a:endParaRPr>
           </a:p>
           <a:p>
             <a:pPr marL="742950" lvl="1" indent="-285750">
@@ -46815,10 +45439,9 @@
               <a:buChar char="•"/>
             </a:pPr>
             <a:r>
-              <a:rPr lang="es-ES" sz="1600" dirty="0" smtClean="0"/>
+              <a:rPr lang="es-ES" sz="1600" dirty="0"/>
               <a:t>Forma:</a:t>
             </a:r>
-            <a:endParaRPr lang="es-ES" sz="1600" dirty="0"/>
           </a:p>
         </p:txBody>
       </p:sp>
@@ -46868,7 +45491,7 @@
                 <a16:creationId xmlns:a16="http://schemas.microsoft.com/office/drawing/2014/main" id="{3ECBE1F1-D69B-4AFA-ABD5-8E41720EF6DE}"/>
               </a:ext>
               <a:ext uri="{C183D7F6-B498-43B3-948B-1728B52AA6E4}">
-                <adec:decorative xmlns:adec="http://schemas.microsoft.com/office/drawing/2017/decorative" xmlns="" val="1"/>
+                <adec:decorative xmlns:adec="http://schemas.microsoft.com/office/drawing/2017/decorative" val="1"/>
               </a:ext>
             </a:extLst>
           </p:cNvPr>
@@ -46957,7 +45580,7 @@
                 <a16:creationId xmlns:a16="http://schemas.microsoft.com/office/drawing/2014/main" id="{603A6265-E10C-4B85-9C20-E75FCAF9CC63}"/>
               </a:ext>
               <a:ext uri="{C183D7F6-B498-43B3-948B-1728B52AA6E4}">
-                <adec:decorative xmlns:adec="http://schemas.microsoft.com/office/drawing/2017/decorative" xmlns="" val="1"/>
+                <adec:decorative xmlns:adec="http://schemas.microsoft.com/office/drawing/2017/decorative" val="1"/>
               </a:ext>
             </a:extLst>
           </p:cNvPr>
@@ -47322,25 +45945,16 @@
           <a:p>
             <a:r>
               <a:rPr lang="es-ES" sz="2700" dirty="0"/>
-              <a:t>C: Extinción por voluntad del empresario: el </a:t>
+              <a:t>C: Extinción por voluntad del empresario: el despido-&gt; </a:t>
             </a:r>
             <a:r>
-              <a:rPr lang="es-ES" sz="2700" dirty="0" smtClean="0"/>
-              <a:t>despido-&gt; </a:t>
-            </a:r>
-            <a:r>
-              <a:rPr lang="es-ES" sz="2700" dirty="0" smtClean="0">
+              <a:rPr lang="es-ES" sz="2700" dirty="0">
                 <a:solidFill>
                   <a:schemeClr val="accent2"/>
                 </a:solidFill>
               </a:rPr>
               <a:t>el despido no es libre, debe estar justificado</a:t>
             </a:r>
-            <a:endParaRPr lang="es-ES" sz="2700" dirty="0">
-              <a:solidFill>
-                <a:schemeClr val="accent2"/>
-              </a:solidFill>
-            </a:endParaRPr>
           </a:p>
         </p:txBody>
       </p:sp>
@@ -47381,7 +45995,7 @@
                 <a16:creationId xmlns:a16="http://schemas.microsoft.com/office/drawing/2014/main" id="{9AF08BBE-71A7-AEFC-F970-93C6BF79B380}"/>
               </a:ext>
               <a:ext uri="{C183D7F6-B498-43B3-948B-1728B52AA6E4}">
-                <adec:decorative xmlns:adec="http://schemas.microsoft.com/office/drawing/2017/decorative" xmlns="" val="1"/>
+                <adec:decorative xmlns:adec="http://schemas.microsoft.com/office/drawing/2017/decorative" val="1"/>
               </a:ext>
             </a:extLst>
           </p:cNvPr>
@@ -47412,7 +46026,7 @@
                   <a16:creationId xmlns:a16="http://schemas.microsoft.com/office/drawing/2014/main" id="{31C42412-D66A-A89A-CBAD-067355BA7437}"/>
                 </a:ext>
                 <a:ext uri="{C183D7F6-B498-43B3-948B-1728B52AA6E4}">
-                  <adec:decorative xmlns:adec="http://schemas.microsoft.com/office/drawing/2017/decorative" xmlns="" val="1"/>
+                  <adec:decorative xmlns:adec="http://schemas.microsoft.com/office/drawing/2017/decorative" val="1"/>
                 </a:ext>
               </a:extLst>
             </p:cNvPr>
@@ -47481,7 +46095,7 @@
                   <a16:creationId xmlns:a16="http://schemas.microsoft.com/office/drawing/2014/main" id="{19F63095-BD54-33B2-6873-1DC4DF820D90}"/>
                 </a:ext>
                 <a:ext uri="{C183D7F6-B498-43B3-948B-1728B52AA6E4}">
-                  <adec:decorative xmlns:adec="http://schemas.microsoft.com/office/drawing/2017/decorative" xmlns="" val="1"/>
+                  <adec:decorative xmlns:adec="http://schemas.microsoft.com/office/drawing/2017/decorative" val="1"/>
                 </a:ext>
               </a:extLst>
             </p:cNvPr>
@@ -47622,7 +46236,7 @@
                 <a16:creationId xmlns:a16="http://schemas.microsoft.com/office/drawing/2014/main" id="{6753252F-4873-4F63-801D-CC719279A7D5}"/>
               </a:ext>
               <a:ext uri="{C183D7F6-B498-43B3-948B-1728B52AA6E4}">
-                <adec:decorative xmlns:adec="http://schemas.microsoft.com/office/drawing/2017/decorative" xmlns="" val="1"/>
+                <adec:decorative xmlns:adec="http://schemas.microsoft.com/office/drawing/2017/decorative" val="1"/>
               </a:ext>
             </a:extLst>
           </p:cNvPr>
@@ -47685,7 +46299,7 @@
                 <a16:creationId xmlns:a16="http://schemas.microsoft.com/office/drawing/2014/main" id="{047C8CCB-F95D-4249-92DD-651249D3535A}"/>
               </a:ext>
               <a:ext uri="{C183D7F6-B498-43B3-948B-1728B52AA6E4}">
-                <adec:decorative xmlns:adec="http://schemas.microsoft.com/office/drawing/2017/decorative" xmlns="" val="1"/>
+                <adec:decorative xmlns:adec="http://schemas.microsoft.com/office/drawing/2017/decorative" val="1"/>
               </a:ext>
             </a:extLst>
           </p:cNvPr>
@@ -47807,7 +46421,7 @@
           <p:nvPr>
             <p:extLst>
               <p:ext uri="{D42A27DB-BD31-4B8C-83A1-F6EECF244321}">
-                <p14:modId xmlns:p14="http://schemas.microsoft.com/office/powerpoint/2010/main" val="3753178295"/>
+                <p14:modId xmlns:p14="http://schemas.microsoft.com/office/powerpoint/2010/main" val="4198927777"/>
               </p:ext>
             </p:extLst>
           </p:nvPr>
@@ -47926,7 +46540,7 @@
                 <a16:creationId xmlns:a16="http://schemas.microsoft.com/office/drawing/2014/main" id="{6753252F-4873-4F63-801D-CC719279A7D5}"/>
               </a:ext>
               <a:ext uri="{C183D7F6-B498-43B3-948B-1728B52AA6E4}">
-                <adec:decorative xmlns:adec="http://schemas.microsoft.com/office/drawing/2017/decorative" xmlns="" val="1"/>
+                <adec:decorative xmlns:adec="http://schemas.microsoft.com/office/drawing/2017/decorative" val="1"/>
               </a:ext>
             </a:extLst>
           </p:cNvPr>
@@ -47989,7 +46603,7 @@
                 <a16:creationId xmlns:a16="http://schemas.microsoft.com/office/drawing/2014/main" id="{047C8CCB-F95D-4249-92DD-651249D3535A}"/>
               </a:ext>
               <a:ext uri="{C183D7F6-B498-43B3-948B-1728B52AA6E4}">
-                <adec:decorative xmlns:adec="http://schemas.microsoft.com/office/drawing/2017/decorative" xmlns="" val="1"/>
+                <adec:decorative xmlns:adec="http://schemas.microsoft.com/office/drawing/2017/decorative" val="1"/>
               </a:ext>
             </a:extLst>
           </p:cNvPr>
@@ -48093,18 +46707,10 @@
                 <a:ea typeface="+mj-ea"/>
                 <a:cs typeface="+mj-cs"/>
               </a:rPr>
-              <a:t>DESPIDO </a:t>
+              <a:t>DESPIDO DISCIPLINARIO: </a:t>
             </a:r>
             <a:r>
-              <a:rPr lang="en-US" sz="2600" kern="1200" dirty="0" smtClean="0">
-                <a:latin typeface="+mj-lt"/>
-                <a:ea typeface="+mj-ea"/>
-                <a:cs typeface="+mj-cs"/>
-              </a:rPr>
-              <a:t>DISCIPLINARIO: </a:t>
-            </a:r>
-            <a:r>
-              <a:rPr lang="en-US" sz="1300" kern="1200" dirty="0" smtClean="0">
+              <a:rPr lang="en-US" sz="1300" kern="1200" dirty="0">
                 <a:solidFill>
                   <a:schemeClr val="accent5"/>
                 </a:solidFill>
@@ -48114,14 +46720,6 @@
               </a:rPr>
               <a:t>ES UNA SANCIÓN POR LO QUE NO HAY INDEMNIZACIÓN.</a:t>
             </a:r>
-            <a:endParaRPr lang="en-US" sz="1300" kern="1200" dirty="0">
-              <a:solidFill>
-                <a:schemeClr val="accent5"/>
-              </a:solidFill>
-              <a:latin typeface="+mj-lt"/>
-              <a:ea typeface="+mj-ea"/>
-              <a:cs typeface="+mj-cs"/>
-            </a:endParaRPr>
           </a:p>
         </p:txBody>
       </p:sp>
@@ -48229,7 +46827,7 @@
                 <a16:creationId xmlns:a16="http://schemas.microsoft.com/office/drawing/2014/main" id="{45D37F4E-DDB4-456B-97E0-9937730A039F}"/>
               </a:ext>
               <a:ext uri="{C183D7F6-B498-43B3-948B-1728B52AA6E4}">
-                <adec:decorative xmlns:adec="http://schemas.microsoft.com/office/drawing/2017/decorative" xmlns="" val="1"/>
+                <adec:decorative xmlns:adec="http://schemas.microsoft.com/office/drawing/2017/decorative" val="1"/>
               </a:ext>
             </a:extLst>
           </p:cNvPr>
@@ -48324,7 +46922,7 @@
                 <a16:creationId xmlns:a16="http://schemas.microsoft.com/office/drawing/2014/main" id="{B2DD41CD-8F47-4F56-AD12-4E2FF7696987}"/>
               </a:ext>
               <a:ext uri="{C183D7F6-B498-43B3-948B-1728B52AA6E4}">
-                <adec:decorative xmlns:adec="http://schemas.microsoft.com/office/drawing/2017/decorative" xmlns="" val="1"/>
+                <adec:decorative xmlns:adec="http://schemas.microsoft.com/office/drawing/2017/decorative" val="1"/>
               </a:ext>
             </a:extLst>
           </p:cNvPr>
@@ -48941,7 +47539,7 @@
             <a:round/>
             <a:extLst>
               <a:ext uri="{C807C97D-BFC1-408E-A445-0C87EB9F89A2}">
-                <ask:lineSketchStyleProps xmlns:ask="http://schemas.microsoft.com/office/drawing/2018/sketchyshapes" xmlns="" sd="2727557108">
+                <ask:lineSketchStyleProps xmlns:ask="http://schemas.microsoft.com/office/drawing/2018/sketchyshapes" sd="2727557108">
                   <a:prstGeom prst="rect">
                     <a:avLst/>
                   </a:prstGeom>
@@ -49044,7 +47642,7 @@
                 <a16:creationId xmlns:a16="http://schemas.microsoft.com/office/drawing/2014/main" id="{E02F3C71-C981-4614-98EA-D6C494F8091E}"/>
               </a:ext>
               <a:ext uri="{C183D7F6-B498-43B3-948B-1728B52AA6E4}">
-                <adec:decorative xmlns:adec="http://schemas.microsoft.com/office/drawing/2017/decorative" xmlns="" val="1"/>
+                <adec:decorative xmlns:adec="http://schemas.microsoft.com/office/drawing/2017/decorative" val="1"/>
               </a:ext>
             </a:extLst>
           </p:cNvPr>
@@ -49171,18 +47769,13 @@
               <a:t>Definición: </a:t>
             </a:r>
             <a:r>
-              <a:rPr lang="es-ES" sz="2000" dirty="0" smtClean="0">
+              <a:rPr lang="es-ES" sz="2000" dirty="0">
                 <a:solidFill>
                   <a:schemeClr val="accent2"/>
                 </a:solidFill>
               </a:rPr>
               <a:t>Tiempo efectivo de trabajo</a:t>
             </a:r>
-            <a:endParaRPr lang="es-ES" sz="2000" dirty="0">
-              <a:solidFill>
-                <a:schemeClr val="accent2"/>
-              </a:solidFill>
-            </a:endParaRPr>
           </a:p>
           <a:p>
             <a:pPr algn="just"/>
@@ -49192,14 +47785,10 @@
             <a:pPr algn="just"/>
             <a:r>
               <a:rPr lang="es-ES" sz="2000" dirty="0"/>
-              <a:t>Duración máxima</a:t>
+              <a:t>Duración máxima: </a:t>
             </a:r>
             <a:r>
-              <a:rPr lang="es-ES" sz="2000" dirty="0" smtClean="0"/>
-              <a:t>: </a:t>
-            </a:r>
-            <a:r>
-              <a:rPr lang="es-ES" sz="2000" dirty="0" smtClean="0">
+              <a:rPr lang="es-ES" sz="2000" dirty="0">
                 <a:solidFill>
                   <a:schemeClr val="accent2"/>
                 </a:solidFill>
@@ -49210,22 +47799,17 @@
           <a:p>
             <a:pPr algn="just"/>
             <a:r>
-              <a:rPr lang="es-ES" sz="2000" dirty="0" smtClean="0"/>
+              <a:rPr lang="es-ES" sz="2000" dirty="0"/>
               <a:t>Jornada laboral diaria máxima: </a:t>
             </a:r>
             <a:r>
-              <a:rPr lang="es-ES" sz="2000" dirty="0" smtClean="0">
+              <a:rPr lang="es-ES" sz="2000" dirty="0">
                 <a:solidFill>
                   <a:schemeClr val="accent2"/>
                 </a:solidFill>
               </a:rPr>
               <a:t>9 horas máxima. Las restantes serían extras.</a:t>
             </a:r>
-            <a:endParaRPr lang="es-ES" sz="2000" dirty="0">
-              <a:solidFill>
-                <a:schemeClr val="accent2"/>
-              </a:solidFill>
-            </a:endParaRPr>
           </a:p>
           <a:p>
             <a:pPr algn="just"/>
@@ -49235,25 +47819,16 @@
             <a:pPr algn="just"/>
             <a:r>
               <a:rPr lang="es-ES" sz="2000" dirty="0"/>
-              <a:t>Registro diario (desde mayo 2019</a:t>
+              <a:t>Registro diario (desde mayo 2019): </a:t>
             </a:r>
             <a:r>
-              <a:rPr lang="es-ES" sz="2000" dirty="0" smtClean="0"/>
-              <a:t>): </a:t>
-            </a:r>
-            <a:r>
-              <a:rPr lang="es-ES" sz="2000" dirty="0" smtClean="0">
+              <a:rPr lang="es-ES" sz="2000" dirty="0">
                 <a:solidFill>
                   <a:schemeClr val="accent2"/>
                 </a:solidFill>
               </a:rPr>
               <a:t>Salida y entrada. Es obligatorio desde 2019.</a:t>
             </a:r>
-            <a:endParaRPr lang="es-ES" sz="2000" dirty="0">
-              <a:solidFill>
-                <a:schemeClr val="accent2"/>
-              </a:solidFill>
-            </a:endParaRPr>
           </a:p>
           <a:p>
             <a:pPr algn="just"/>
@@ -49263,14 +47838,10 @@
             <a:pPr algn="just"/>
             <a:r>
               <a:rPr lang="es-ES" sz="2000" dirty="0"/>
-              <a:t>No se considera tiempo de </a:t>
+              <a:t>No se considera tiempo de trabajo: </a:t>
             </a:r>
             <a:r>
-              <a:rPr lang="es-ES" sz="2000" dirty="0" smtClean="0"/>
-              <a:t>trabajo: </a:t>
-            </a:r>
-            <a:r>
-              <a:rPr lang="es-ES" sz="2000" dirty="0" smtClean="0">
+              <a:rPr lang="es-ES" sz="2000" dirty="0">
                 <a:solidFill>
                   <a:schemeClr val="accent2"/>
                 </a:solidFill>
@@ -49278,7 +47849,7 @@
               <a:t>Los descansos durante la jornada, </a:t>
             </a:r>
             <a:r>
-              <a:rPr lang="es-ES" sz="2000" u="sng" dirty="0" smtClean="0">
+              <a:rPr lang="es-ES" sz="2000" u="sng" dirty="0">
                 <a:solidFill>
                   <a:schemeClr val="accent2"/>
                 </a:solidFill>
@@ -49286,35 +47857,22 @@
               <a:t>salvo que el convenio colectivo </a:t>
             </a:r>
             <a:r>
-              <a:rPr lang="es-ES" sz="2000" dirty="0" smtClean="0">
+              <a:rPr lang="es-ES" sz="2000" dirty="0">
                 <a:solidFill>
                   <a:schemeClr val="accent2"/>
                 </a:solidFill>
               </a:rPr>
               <a:t>diga otra cosa. El cambiarse de ropa tampoco es tiempo de trabajo.</a:t>
             </a:r>
-            <a:endParaRPr lang="es-ES" sz="2000" dirty="0">
-              <a:solidFill>
-                <a:schemeClr val="accent2"/>
-              </a:solidFill>
-            </a:endParaRPr>
           </a:p>
           <a:p>
             <a:pPr algn="just"/>
             <a:r>
-              <a:rPr lang="es-ES" sz="2000" dirty="0" smtClean="0"/>
-              <a:t>Periodos </a:t>
+              <a:rPr lang="es-ES" sz="2000" dirty="0"/>
+              <a:t>Periodos de descanso: </a:t>
             </a:r>
             <a:r>
-              <a:rPr lang="es-ES" sz="2000" dirty="0"/>
-              <a:t>de descanso</a:t>
-            </a:r>
-            <a:r>
-              <a:rPr lang="es-ES" sz="2000" dirty="0" smtClean="0"/>
-              <a:t>: </a:t>
-            </a:r>
-            <a:r>
-              <a:rPr lang="es-ES" sz="2000" dirty="0" smtClean="0">
+              <a:rPr lang="es-ES" sz="2000" dirty="0">
                 <a:solidFill>
                   <a:schemeClr val="accent2"/>
                 </a:solidFill>
@@ -49325,7 +47883,7 @@
           <a:p>
             <a:pPr algn="just"/>
             <a:r>
-              <a:rPr lang="es-ES" sz="2000" dirty="0" smtClean="0">
+              <a:rPr lang="es-ES" sz="2000" dirty="0">
                 <a:solidFill>
                   <a:schemeClr val="accent2"/>
                 </a:solidFill>
@@ -49336,7 +47894,7 @@
           <a:p>
             <a:pPr algn="just"/>
             <a:r>
-              <a:rPr lang="es-ES" sz="2000" dirty="0" smtClean="0">
+              <a:rPr lang="es-ES" sz="2000" dirty="0">
                 <a:solidFill>
                   <a:schemeClr val="accent2"/>
                 </a:solidFill>
@@ -49347,7 +47905,7 @@
           <a:p>
             <a:pPr algn="just"/>
             <a:r>
-              <a:rPr lang="es-ES" sz="2000" dirty="0" smtClean="0">
+              <a:rPr lang="es-ES" sz="2000" dirty="0">
                 <a:solidFill>
                   <a:schemeClr val="accent2"/>
                 </a:solidFill>
@@ -49360,14 +47918,10 @@
             <a:pPr algn="just"/>
             <a:r>
               <a:rPr lang="es-ES" sz="2000" dirty="0"/>
-              <a:t>Distribución irregular de la jornada de trabajo</a:t>
+              <a:t>Distribución irregular de la jornada de trabajo: </a:t>
             </a:r>
             <a:r>
-              <a:rPr lang="es-ES" sz="2000" dirty="0" smtClean="0"/>
-              <a:t>: </a:t>
-            </a:r>
-            <a:r>
-              <a:rPr lang="es-ES" sz="2000" dirty="0" smtClean="0">
+              <a:rPr lang="es-ES" sz="2000" dirty="0">
                 <a:solidFill>
                   <a:schemeClr val="accent2"/>
                 </a:solidFill>
@@ -49380,14 +47934,10 @@
             <a:pPr algn="just"/>
             <a:r>
               <a:rPr lang="es-ES" sz="2000" dirty="0"/>
-              <a:t>Jornadas especiales</a:t>
+              <a:t>Jornadas especiales: </a:t>
             </a:r>
             <a:r>
-              <a:rPr lang="es-ES" sz="2000" dirty="0" smtClean="0"/>
-              <a:t>: </a:t>
-            </a:r>
-            <a:r>
-              <a:rPr lang="es-ES" sz="2000" dirty="0" smtClean="0">
+              <a:rPr lang="es-ES" sz="2000" dirty="0">
                 <a:solidFill>
                   <a:schemeClr val="accent2"/>
                 </a:solidFill>
@@ -49395,7 +47945,7 @@
               <a:t>Indicada para determinadas profesiones (son excepciones). Ejemplo: Transportistas, vigilantes de seguridad. También los privados y sanitarios. Bomberos, </a:t>
             </a:r>
             <a:r>
-              <a:rPr lang="es-ES" sz="2000" dirty="0" err="1" smtClean="0">
+              <a:rPr lang="es-ES" sz="2000" dirty="0" err="1">
                 <a:solidFill>
                   <a:schemeClr val="accent2"/>
                 </a:solidFill>
@@ -49403,18 +47953,13 @@
               <a:t>Policias</a:t>
             </a:r>
             <a:r>
-              <a:rPr lang="es-ES" sz="2000" dirty="0" smtClean="0">
+              <a:rPr lang="es-ES" sz="2000" dirty="0">
                 <a:solidFill>
                   <a:schemeClr val="accent2"/>
                 </a:solidFill>
               </a:rPr>
               <a:t>, Guardias Forestales.</a:t>
             </a:r>
-            <a:endParaRPr lang="es-ES" sz="2000" dirty="0">
-              <a:solidFill>
-                <a:schemeClr val="accent2"/>
-              </a:solidFill>
-            </a:endParaRPr>
           </a:p>
           <a:p>
             <a:endParaRPr lang="es-ES" sz="1700" dirty="0"/>
@@ -49677,7 +48222,7 @@
                 <a16:creationId xmlns:a16="http://schemas.microsoft.com/office/drawing/2014/main" id="{B51F6560-D61C-400F-B71A-3FDEBF451B22}"/>
               </a:ext>
               <a:ext uri="{C183D7F6-B498-43B3-948B-1728B52AA6E4}">
-                <adec:decorative xmlns:adec="http://schemas.microsoft.com/office/drawing/2017/decorative" xmlns="" val="1"/>
+                <adec:decorative xmlns:adec="http://schemas.microsoft.com/office/drawing/2017/decorative" val="1"/>
               </a:ext>
             </a:extLst>
           </p:cNvPr>
@@ -49753,7 +48298,7 @@
                 <a16:creationId xmlns:a16="http://schemas.microsoft.com/office/drawing/2014/main" id="{F938B951-7EFC-40A2-B198-E73D39DFB3FC}"/>
               </a:ext>
               <a:ext uri="{C183D7F6-B498-43B3-948B-1728B52AA6E4}">
-                <adec:decorative xmlns:adec="http://schemas.microsoft.com/office/drawing/2017/decorative" xmlns="" val="1"/>
+                <adec:decorative xmlns:adec="http://schemas.microsoft.com/office/drawing/2017/decorative" val="1"/>
               </a:ext>
             </a:extLst>
           </p:cNvPr>
@@ -49784,7 +48329,7 @@
                   <a16:creationId xmlns:a16="http://schemas.microsoft.com/office/drawing/2014/main" id="{92E4506E-6A0E-49A0-BC31-8CADBFF3ECCF}"/>
                 </a:ext>
                 <a:ext uri="{C183D7F6-B498-43B3-948B-1728B52AA6E4}">
-                  <adec:decorative xmlns:adec="http://schemas.microsoft.com/office/drawing/2017/decorative" xmlns="" val="1"/>
+                  <adec:decorative xmlns:adec="http://schemas.microsoft.com/office/drawing/2017/decorative" val="1"/>
                 </a:ext>
               </a:extLst>
             </p:cNvPr>
@@ -49847,7 +48392,7 @@
                   <a16:creationId xmlns:a16="http://schemas.microsoft.com/office/drawing/2014/main" id="{EEED4D51-65BF-4AEE-B596-7CB61A70B966}"/>
                 </a:ext>
                 <a:ext uri="{C183D7F6-B498-43B3-948B-1728B52AA6E4}">
-                  <adec:decorative xmlns:adec="http://schemas.microsoft.com/office/drawing/2017/decorative" xmlns="" val="1"/>
+                  <adec:decorative xmlns:adec="http://schemas.microsoft.com/office/drawing/2017/decorative" val="1"/>
                 </a:ext>
               </a:extLst>
             </p:cNvPr>
@@ -50072,10 +48617,9 @@
           <a:lstStyle/>
           <a:p>
             <a:r>
-              <a:rPr lang="es-ES" dirty="0" smtClean="0"/>
+              <a:rPr lang="es-ES" dirty="0"/>
               <a:t>El trabajador nocturno cobra el plus de nocturnidad.</a:t>
             </a:r>
-            <a:endParaRPr lang="es-ES" dirty="0"/>
           </a:p>
         </p:txBody>
       </p:sp>
@@ -50280,7 +48824,7 @@
                 <a16:creationId xmlns:a16="http://schemas.microsoft.com/office/drawing/2014/main" id="{AFA67CD3-AB4E-4A7A-BEB8-53C445D8C44E}"/>
               </a:ext>
               <a:ext uri="{C183D7F6-B498-43B3-948B-1728B52AA6E4}">
-                <adec:decorative xmlns:adec="http://schemas.microsoft.com/office/drawing/2017/decorative" xmlns="" val="1"/>
+                <adec:decorative xmlns:adec="http://schemas.microsoft.com/office/drawing/2017/decorative" val="1"/>
               </a:ext>
             </a:extLst>
           </p:cNvPr>
@@ -50366,7 +48910,7 @@
                 <a16:creationId xmlns:a16="http://schemas.microsoft.com/office/drawing/2014/main" id="{07CF545F-9C2E-4446-97CD-AD92990C2B68}"/>
               </a:ext>
               <a:ext uri="{C183D7F6-B498-43B3-948B-1728B52AA6E4}">
-                <adec:decorative xmlns:adec="http://schemas.microsoft.com/office/drawing/2017/decorative" xmlns="" val="1"/>
+                <adec:decorative xmlns:adec="http://schemas.microsoft.com/office/drawing/2017/decorative" val="1"/>
               </a:ext>
             </a:extLst>
           </p:cNvPr>
@@ -50460,7 +49004,7 @@
                 <a16:creationId xmlns:a16="http://schemas.microsoft.com/office/drawing/2014/main" id="{339C8D78-A644-462F-B674-F440635E5353}"/>
               </a:ext>
               <a:ext uri="{C183D7F6-B498-43B3-948B-1728B52AA6E4}">
-                <adec:decorative xmlns:adec="http://schemas.microsoft.com/office/drawing/2017/decorative" xmlns="" val="1"/>
+                <adec:decorative xmlns:adec="http://schemas.microsoft.com/office/drawing/2017/decorative" val="1"/>
               </a:ext>
             </a:extLst>
           </p:cNvPr>
@@ -50712,14 +49256,10 @@
             </a:pPr>
             <a:r>
               <a:rPr lang="es-ES" dirty="0"/>
-              <a:t>Límite</a:t>
+              <a:t>Límite: </a:t>
             </a:r>
             <a:r>
-              <a:rPr lang="es-ES" dirty="0" smtClean="0"/>
-              <a:t>: </a:t>
-            </a:r>
-            <a:r>
-              <a:rPr lang="es-ES" dirty="0" smtClean="0">
+              <a:rPr lang="es-ES" dirty="0">
                 <a:solidFill>
                   <a:schemeClr val="accent2"/>
                 </a:solidFill>
@@ -50735,25 +49275,16 @@
             </a:pPr>
             <a:r>
               <a:rPr lang="es-ES" dirty="0"/>
-              <a:t>¿Cómo se pagan</a:t>
+              <a:t>¿Cómo se pagan? </a:t>
             </a:r>
             <a:r>
-              <a:rPr lang="es-ES" dirty="0" smtClean="0"/>
-              <a:t>? </a:t>
-            </a:r>
-            <a:r>
-              <a:rPr lang="es-ES" dirty="0" smtClean="0">
+              <a:rPr lang="es-ES" dirty="0">
                 <a:solidFill>
                   <a:schemeClr val="accent2"/>
                 </a:solidFill>
               </a:rPr>
               <a:t>Se pagan de 2 maneras. Con dinero (nunca inferior a la hora unitaria) o se puede compensar con descansos. Si una hora extra se compensa con descanso,  no contará para el límite de las 80 horas.</a:t>
             </a:r>
-            <a:endParaRPr lang="es-ES" dirty="0">
-              <a:solidFill>
-                <a:schemeClr val="accent2"/>
-              </a:solidFill>
-            </a:endParaRPr>
           </a:p>
           <a:p>
             <a:pPr marL="285750" indent="-285750" algn="just">
@@ -50761,22 +49292,17 @@
               <a:buChar char="•"/>
             </a:pPr>
             <a:r>
-              <a:rPr lang="es-ES" dirty="0" smtClean="0"/>
+              <a:rPr lang="es-ES" dirty="0"/>
               <a:t>Prohibición: </a:t>
             </a:r>
             <a:r>
-              <a:rPr lang="es-ES" dirty="0" smtClean="0">
+              <a:rPr lang="es-ES" dirty="0">
                 <a:solidFill>
                   <a:schemeClr val="accent2"/>
                 </a:solidFill>
               </a:rPr>
               <a:t>No pueden hacerlas los menores de edad, ni los trabajadores nocturnos, los contratados a tiempo parcial, ni los formativos.</a:t>
             </a:r>
-            <a:endParaRPr lang="es-ES" dirty="0">
-              <a:solidFill>
-                <a:schemeClr val="accent2"/>
-              </a:solidFill>
-            </a:endParaRPr>
           </a:p>
         </p:txBody>
       </p:sp>
@@ -50876,19 +49402,7 @@
               <a:rPr lang="es-ES" altLang="es-ES" sz="2600" dirty="0">
                 <a:ea typeface="ＭＳ Ｐゴシック" panose="020B0600070205080204" pitchFamily="34" charset="-128"/>
               </a:rPr>
-              <a:t>Juan trabaja  en unas instalaciones deportivas privadas. Durante el mes de noviembre ha realizado 12 horas extras de forma voluntaria. Cuatro las ha compensado el 1 de diciembre. El convenio colectivo de SU SECTOR, establece que la hora ordinaria se cobra a 7, 04 €, mientras que la hora extra se cobra a 10,56 €</a:t>
-            </a:r>
-            <a:r>
-              <a:rPr lang="es-ES" altLang="es-ES" sz="2600" dirty="0" smtClean="0">
-                <a:ea typeface="ＭＳ Ｐゴシック" panose="020B0600070205080204" pitchFamily="34" charset="-128"/>
-              </a:rPr>
-              <a:t>.</a:t>
-            </a:r>
-            <a:r>
-              <a:rPr lang="es-ES" altLang="es-ES" sz="2600" dirty="0">
-                <a:ea typeface="ＭＳ Ｐゴシック" panose="020B0600070205080204" pitchFamily="34" charset="-128"/>
-              </a:rPr>
-              <a:t/>
+              <a:t>Juan trabaja  en unas instalaciones deportivas privadas. Durante el mes de noviembre ha realizado 12 horas extras de forma voluntaria. Cuatro las ha compensado el 1 de diciembre. El convenio colectivo de SU SECTOR, establece que la hora ordinaria se cobra a 7, 04 €, mientras que la hora extra se cobra a 10,56 €.</a:t>
             </a:r>
             <a:br>
               <a:rPr lang="es-ES" altLang="es-ES" sz="2600" dirty="0">
@@ -50899,13 +49413,7 @@
               <a:rPr lang="es-ES" altLang="es-ES" sz="2600" dirty="0">
                 <a:ea typeface="ＭＳ Ｐゴシック" panose="020B0600070205080204" pitchFamily="34" charset="-128"/>
               </a:rPr>
-              <a:t>¿Cuántas horas extra deberá cobrar? Calcula su importe</a:t>
-            </a:r>
-            <a:r>
-              <a:rPr lang="es-ES" altLang="es-ES" sz="2600" dirty="0" smtClean="0">
-                <a:ea typeface="ＭＳ Ｐゴシック" panose="020B0600070205080204" pitchFamily="34" charset="-128"/>
-              </a:rPr>
-              <a:t>.</a:t>
+              <a:t>¿Cuántas horas extra deberá cobrar? Calcula su importe.</a:t>
             </a:r>
           </a:p>
           <a:p>
@@ -50916,19 +49424,13 @@
               <a:buNone/>
             </a:pPr>
             <a:r>
-              <a:rPr lang="es-ES" altLang="es-ES" sz="2600" dirty="0" smtClean="0">
+              <a:rPr lang="es-ES" altLang="es-ES" sz="2600" dirty="0">
                 <a:solidFill>
                   <a:schemeClr val="accent2"/>
                 </a:solidFill>
                 <a:ea typeface="ＭＳ Ｐゴシック" panose="020B0600070205080204" pitchFamily="34" charset="-128"/>
               </a:rPr>
               <a:t>8 * 10,56= 84,48 €</a:t>
-            </a:r>
-            <a:r>
-              <a:rPr lang="es-ES" altLang="es-ES" sz="2600" dirty="0">
-                <a:ea typeface="ＭＳ Ｐゴシック" panose="020B0600070205080204" pitchFamily="34" charset="-128"/>
-              </a:rPr>
-              <a:t/>
             </a:r>
             <a:br>
               <a:rPr lang="es-ES" altLang="es-ES" sz="2600" dirty="0">
@@ -50939,13 +49441,7 @@
               <a:rPr lang="es-ES" altLang="es-ES" sz="2600" dirty="0">
                 <a:ea typeface="ＭＳ Ｐゴシック" panose="020B0600070205080204" pitchFamily="34" charset="-128"/>
               </a:rPr>
-              <a:t>¿Qué plazo tiene para compensar las horas extras por descanso</a:t>
-            </a:r>
-            <a:r>
-              <a:rPr lang="es-ES" altLang="es-ES" sz="2600" dirty="0" smtClean="0">
-                <a:ea typeface="ＭＳ Ｐゴシック" panose="020B0600070205080204" pitchFamily="34" charset="-128"/>
-              </a:rPr>
-              <a:t>?</a:t>
+              <a:t>¿Qué plazo tiene para compensar las horas extras por descanso?</a:t>
             </a:r>
           </a:p>
           <a:p>
@@ -50961,29 +49457,7 @@
                   <a:schemeClr val="accent2"/>
                 </a:solidFill>
               </a:rPr>
-              <a:t>D</a:t>
-            </a:r>
-            <a:r>
-              <a:rPr lang="es-ES" dirty="0" smtClean="0">
-                <a:solidFill>
-                  <a:schemeClr val="accent2"/>
-                </a:solidFill>
-              </a:rPr>
-              <a:t>entro </a:t>
-            </a:r>
-            <a:r>
-              <a:rPr lang="es-ES" dirty="0">
-                <a:solidFill>
-                  <a:schemeClr val="accent2"/>
-                </a:solidFill>
-              </a:rPr>
-              <a:t>de los cuatro meses siguientes a su realización</a:t>
-            </a:r>
-            <a:r>
-              <a:rPr lang="es-ES" altLang="es-ES" sz="2600" dirty="0">
-                <a:ea typeface="ＭＳ Ｐゴシック" panose="020B0600070205080204" pitchFamily="34" charset="-128"/>
-              </a:rPr>
-              <a:t/>
+              <a:t>Dentro de los cuatro meses siguientes a su realización</a:t>
             </a:r>
             <a:br>
               <a:rPr lang="es-ES" altLang="es-ES" sz="2600" dirty="0">
@@ -50994,13 +49468,7 @@
               <a:rPr lang="es-ES" altLang="es-ES" sz="2600" dirty="0">
                 <a:ea typeface="ＭＳ Ｐゴシック" panose="020B0600070205080204" pitchFamily="34" charset="-128"/>
               </a:rPr>
-              <a:t>¿Cuántas horas podrá hacer hasta final de año si además de las que realizó en noviembre hizo en septiembre 10 y en octubre otras 10 que fueron pagadas</a:t>
-            </a:r>
-            <a:r>
-              <a:rPr lang="es-ES" altLang="es-ES" sz="2600" dirty="0" smtClean="0">
-                <a:ea typeface="ＭＳ Ｐゴシック" panose="020B0600070205080204" pitchFamily="34" charset="-128"/>
-              </a:rPr>
-              <a:t>?</a:t>
+              <a:t>¿Cuántas horas podrá hacer hasta final de año si además de las que realizó en noviembre hizo en septiembre 10 y en octubre otras 10 que fueron pagadas?</a:t>
             </a:r>
           </a:p>
           <a:p>
@@ -51011,19 +49479,13 @@
               <a:buNone/>
             </a:pPr>
             <a:r>
-              <a:rPr lang="es-ES" altLang="es-ES" sz="2600" dirty="0" smtClean="0">
+              <a:rPr lang="es-ES" altLang="es-ES" sz="2600" dirty="0">
                 <a:solidFill>
                   <a:schemeClr val="accent2"/>
                 </a:solidFill>
                 <a:ea typeface="ＭＳ Ｐゴシック" panose="020B0600070205080204" pitchFamily="34" charset="-128"/>
               </a:rPr>
               <a:t>52 horas.</a:t>
-            </a:r>
-            <a:r>
-              <a:rPr lang="es-ES" altLang="es-ES" sz="1800" dirty="0">
-                <a:ea typeface="ＭＳ Ｐゴシック" panose="020B0600070205080204" pitchFamily="34" charset="-128"/>
-              </a:rPr>
-              <a:t/>
             </a:r>
             <a:br>
               <a:rPr lang="es-ES" altLang="es-ES" sz="1800" dirty="0">
@@ -51129,7 +49591,7 @@
         </p:nvGraphicFramePr>
         <p:xfrm>
           <a:off x="561974" y="1396538"/>
-          <a:ext cx="5622695" cy="5130820"/>
+          <a:ext cx="5622695" cy="5099072"/>
         </p:xfrm>
         <a:graphic>
           <a:graphicData uri="http://schemas.openxmlformats.org/drawingml/2006/table">
@@ -51308,13 +49770,7 @@
                         <a:rPr lang="es-ES" sz="1100" kern="100" dirty="0">
                           <a:effectLst/>
                         </a:rPr>
-                        <a:t>Reducción general de la </a:t>
-                      </a:r>
-                      <a:r>
-                        <a:rPr lang="es-ES" sz="1100" kern="100" dirty="0" smtClean="0">
-                          <a:effectLst/>
-                        </a:rPr>
-                        <a:t>jornada ( Se aprobó en octubre)</a:t>
+                        <a:t>Reducción general de la jornada ( Se aprobó en octubre)</a:t>
                       </a:r>
                       <a:endParaRPr lang="es-ES" sz="1100" kern="100" dirty="0">
                         <a:effectLst/>
@@ -51619,16 +50075,10 @@
                         <a:rPr lang="es-ES" sz="1100" kern="100" dirty="0">
                           <a:effectLst/>
                         </a:rPr>
-                        <a:t>Reducción proporcional </a:t>
+                        <a:t>Reducción proporcional salario </a:t>
                       </a:r>
                       <a:r>
-                        <a:rPr lang="es-ES" sz="1100" kern="100" dirty="0" smtClean="0">
-                          <a:effectLst/>
-                        </a:rPr>
-                        <a:t>salario </a:t>
-                      </a:r>
-                      <a:r>
-                        <a:rPr lang="es-ES" sz="1100" kern="100" baseline="0" dirty="0" smtClean="0">
+                        <a:rPr lang="es-ES" sz="1100" kern="100" baseline="0" dirty="0">
                           <a:effectLst/>
                         </a:rPr>
                         <a:t>a la reducción de la jornada.</a:t>
@@ -52336,13 +50786,8 @@
                       <a:pPr algn="ctr"/>
                       <a:r>
                         <a:rPr lang="es-ES" dirty="0"/>
-                        <a:t>PERMISOS </a:t>
+                        <a:t>PERMISOS RETRIBUIDOS (Ha cambiado este verano)</a:t>
                       </a:r>
-                      <a:r>
-                        <a:rPr lang="es-ES" dirty="0" smtClean="0"/>
-                        <a:t>RETRIBUIDOS (Ha cambiado este verano)</a:t>
-                      </a:r>
-                      <a:endParaRPr lang="es-ES" dirty="0"/>
                     </a:p>
                   </a:txBody>
                   <a:tcPr anchor="ctr"/>
@@ -52364,11 +50809,11 @@
                         <a:buChar char="•"/>
                       </a:pPr>
                       <a:r>
-                        <a:rPr lang="es-ES" sz="1600" dirty="0" smtClean="0"/>
+                        <a:rPr lang="es-ES" sz="1600" dirty="0"/>
                         <a:t>Matrimonio </a:t>
                       </a:r>
                       <a:r>
-                        <a:rPr lang="es-ES" sz="1600" dirty="0" smtClean="0">
+                        <a:rPr lang="es-ES" sz="1600" dirty="0">
                           <a:solidFill>
                             <a:schemeClr val="accent3">
                               <a:lumMod val="75000"/>
@@ -52378,7 +50823,7 @@
                         <a:t>(quince días</a:t>
                       </a:r>
                       <a:r>
-                        <a:rPr lang="es-ES" sz="1600" baseline="0" dirty="0" smtClean="0">
+                        <a:rPr lang="es-ES" sz="1600" baseline="0" dirty="0">
                           <a:solidFill>
                             <a:schemeClr val="accent3">
                               <a:lumMod val="75000"/>
@@ -52416,14 +50861,10 @@
                       </a:pPr>
                       <a:r>
                         <a:rPr lang="es-ES" sz="1600" dirty="0"/>
-                        <a:t>Accidente o enfermedad graves, hospitalización o intervención quirúrgica sin hospitalización que precise reposo domiciliario del cónyuge, pareja de hecho o parientes hasta el segundo grado por consanguineidad o </a:t>
+                        <a:t>Accidente o enfermedad graves, hospitalización o intervención quirúrgica sin hospitalización que precise reposo domiciliario del cónyuge, pareja de hecho o parientes hasta el segundo grado por consanguineidad o afinidad </a:t>
                       </a:r>
                       <a:r>
-                        <a:rPr lang="es-ES" sz="1600" dirty="0" smtClean="0"/>
-                        <a:t>afinidad </a:t>
-                      </a:r>
-                      <a:r>
-                        <a:rPr lang="es-ES" sz="1600" dirty="0" smtClean="0">
+                        <a:rPr lang="es-ES" sz="1600" dirty="0">
                           <a:solidFill>
                             <a:schemeClr val="accent3">
                               <a:lumMod val="75000"/>
@@ -52433,7 +50874,7 @@
                         <a:t>(5 días, antes 2 o cuatro si</a:t>
                       </a:r>
                       <a:r>
-                        <a:rPr lang="es-ES" sz="1600" baseline="0" dirty="0" smtClean="0">
+                        <a:rPr lang="es-ES" sz="1600" baseline="0" dirty="0">
                           <a:solidFill>
                             <a:schemeClr val="accent3">
                               <a:lumMod val="75000"/>
@@ -52443,7 +50884,7 @@
                         <a:t> eran desplazamiento. Ahora además se cuentan días hábiles y puedo elegir cuándo cogerlos</a:t>
                       </a:r>
                       <a:r>
-                        <a:rPr lang="es-ES" sz="1600" dirty="0" smtClean="0">
+                        <a:rPr lang="es-ES" sz="1600" dirty="0">
                           <a:solidFill>
                             <a:schemeClr val="accent3">
                               <a:lumMod val="75000"/>
@@ -52475,14 +50916,10 @@
                       </a:pPr>
                       <a:r>
                         <a:rPr lang="es-ES" sz="1600" dirty="0"/>
-                        <a:t>Fallecimiento cónyuge, pareja de hecho o parientes hasta el segundo grado por consanguineidad o </a:t>
+                        <a:t>Fallecimiento cónyuge, pareja de hecho o parientes hasta el segundo grado por consanguineidad o afinidad </a:t>
                       </a:r>
                       <a:r>
-                        <a:rPr lang="es-ES" sz="1600" dirty="0" smtClean="0"/>
-                        <a:t>afinidad </a:t>
-                      </a:r>
-                      <a:r>
-                        <a:rPr lang="es-ES" sz="1600" dirty="0" smtClean="0">
+                        <a:rPr lang="es-ES" sz="1600" dirty="0">
                           <a:solidFill>
                             <a:schemeClr val="accent3">
                               <a:lumMod val="75000"/>
@@ -52492,7 +50929,7 @@
                         <a:t>(2 o 4 días dependiendo de si</a:t>
                       </a:r>
                       <a:r>
-                        <a:rPr lang="es-ES" sz="1600" baseline="0" dirty="0" smtClean="0">
+                        <a:rPr lang="es-ES" sz="1600" baseline="0" dirty="0">
                           <a:solidFill>
                             <a:schemeClr val="accent3">
                               <a:lumMod val="75000"/>
@@ -52530,14 +50967,10 @@
                       </a:pPr>
                       <a:r>
                         <a:rPr lang="es-ES" sz="1600" dirty="0"/>
-                        <a:t>Traslado de </a:t>
+                        <a:t>Traslado de domicilio </a:t>
                       </a:r>
                       <a:r>
-                        <a:rPr lang="es-ES" sz="1600" dirty="0" smtClean="0"/>
-                        <a:t>domicilio </a:t>
-                      </a:r>
-                      <a:r>
-                        <a:rPr lang="es-ES" sz="1600" dirty="0" smtClean="0">
+                        <a:rPr lang="es-ES" sz="1600" dirty="0">
                           <a:solidFill>
                             <a:schemeClr val="accent3">
                               <a:lumMod val="75000"/>
@@ -52546,13 +50979,6 @@
                         </a:rPr>
                         <a:t>(1 día)</a:t>
                       </a:r>
-                      <a:endParaRPr lang="es-ES" sz="1600" dirty="0">
-                        <a:solidFill>
-                          <a:schemeClr val="accent3">
-                            <a:lumMod val="75000"/>
-                          </a:schemeClr>
-                        </a:solidFill>
-                      </a:endParaRPr>
                     </a:p>
                   </a:txBody>
                   <a:tcPr/>
@@ -52575,14 +51001,10 @@
                       </a:pPr>
                       <a:r>
                         <a:rPr lang="es-ES" sz="1600" dirty="0"/>
-                        <a:t>Deber de carácter </a:t>
+                        <a:t>Deber de carácter público </a:t>
                       </a:r>
                       <a:r>
-                        <a:rPr lang="es-ES" sz="1600" dirty="0" smtClean="0"/>
-                        <a:t>público </a:t>
-                      </a:r>
-                      <a:r>
-                        <a:rPr lang="es-ES" sz="1600" dirty="0" smtClean="0">
+                        <a:rPr lang="es-ES" sz="1600" dirty="0">
                           <a:solidFill>
                             <a:schemeClr val="accent3">
                               <a:lumMod val="75000"/>
@@ -52592,7 +51014,7 @@
                         <a:t>(mesa electoral,</a:t>
                       </a:r>
                       <a:r>
-                        <a:rPr lang="es-ES" sz="1600" baseline="0" dirty="0" smtClean="0">
+                        <a:rPr lang="es-ES" sz="1600" baseline="0" dirty="0">
                           <a:solidFill>
                             <a:schemeClr val="accent3">
                               <a:lumMod val="75000"/>
@@ -52630,14 +51052,10 @@
                       </a:pPr>
                       <a:r>
                         <a:rPr lang="es-ES" sz="1600" dirty="0"/>
-                        <a:t>Funciones </a:t>
+                        <a:t>Funciones sindicales </a:t>
                       </a:r>
                       <a:r>
-                        <a:rPr lang="es-ES" sz="1600" dirty="0" smtClean="0"/>
-                        <a:t>sindicales </a:t>
-                      </a:r>
-                      <a:r>
-                        <a:rPr lang="es-ES" sz="1600" dirty="0" smtClean="0">
+                        <a:rPr lang="es-ES" sz="1600" dirty="0">
                           <a:solidFill>
                             <a:schemeClr val="accent3">
                               <a:lumMod val="75000"/>
@@ -52647,7 +51065,7 @@
                         <a:t>( Lo que establezca</a:t>
                       </a:r>
                       <a:r>
-                        <a:rPr lang="es-ES" sz="1600" baseline="0" dirty="0" smtClean="0">
+                        <a:rPr lang="es-ES" sz="1600" baseline="0" dirty="0">
                           <a:solidFill>
                             <a:schemeClr val="accent3">
                               <a:lumMod val="75000"/>
@@ -52685,18 +51103,14 @@
                       </a:pPr>
                       <a:r>
                         <a:rPr lang="es-ES" sz="1600" dirty="0"/>
-                        <a:t>Exámenes para la obtención de título </a:t>
+                        <a:t>Exámenes para la obtención de título académico</a:t>
                       </a:r>
                       <a:r>
-                        <a:rPr lang="es-ES" sz="1600" dirty="0" smtClean="0"/>
-                        <a:t>académico</a:t>
-                      </a:r>
-                      <a:r>
-                        <a:rPr lang="es-ES" sz="1600" baseline="0" dirty="0" smtClean="0"/>
+                        <a:rPr lang="es-ES" sz="1600" baseline="0" dirty="0"/>
                         <a:t>. </a:t>
                       </a:r>
                       <a:r>
-                        <a:rPr lang="es-ES" sz="1600" baseline="0" dirty="0" smtClean="0">
+                        <a:rPr lang="es-ES" sz="1600" baseline="0" dirty="0">
                           <a:solidFill>
                             <a:schemeClr val="accent3">
                               <a:lumMod val="75000"/>
@@ -52928,7 +51342,7 @@
                     <a:p>
                       <a:pPr algn="just"/>
                       <a:r>
-                        <a:rPr lang="es-ES" dirty="0" smtClean="0">
+                        <a:rPr lang="es-ES" dirty="0">
                           <a:solidFill>
                             <a:schemeClr val="accent3">
                               <a:lumMod val="75000"/>
@@ -52937,13 +51351,6 @@
                         </a:rPr>
                         <a:t>30 días naturales (2,5 días por mes trabajado)</a:t>
                       </a:r>
-                      <a:endParaRPr lang="es-ES" dirty="0">
-                        <a:solidFill>
-                          <a:schemeClr val="accent3">
-                            <a:lumMod val="75000"/>
-                          </a:schemeClr>
-                        </a:solidFill>
-                      </a:endParaRPr>
                     </a:p>
                   </a:txBody>
                   <a:tcPr/>
@@ -52983,7 +51390,7 @@
                     <a:p>
                       <a:pPr algn="just"/>
                       <a:r>
-                        <a:rPr lang="es-ES" dirty="0" smtClean="0">
+                        <a:rPr lang="es-ES" dirty="0">
                           <a:solidFill>
                             <a:schemeClr val="accent3">
                               <a:lumMod val="75000"/>
@@ -52993,7 +51400,7 @@
                         <a:t>Mismo año en el que se devengan, es decir, cuando se generan (algunos convenios</a:t>
                       </a:r>
                       <a:r>
-                        <a:rPr lang="es-ES" baseline="0" dirty="0" smtClean="0">
+                        <a:rPr lang="es-ES" baseline="0" dirty="0">
                           <a:solidFill>
                             <a:schemeClr val="accent3">
                               <a:lumMod val="75000"/>
@@ -53048,7 +51455,7 @@
                     <a:p>
                       <a:pPr algn="just"/>
                       <a:r>
-                        <a:rPr lang="es-ES" dirty="0" smtClean="0">
+                        <a:rPr lang="es-ES" dirty="0">
                           <a:solidFill>
                             <a:schemeClr val="accent3">
                               <a:lumMod val="75000"/>
@@ -53057,13 +51464,6 @@
                         </a:rPr>
                         <a:t>Conocerlo al menos con dos meses de antelación.</a:t>
                       </a:r>
-                      <a:endParaRPr lang="es-ES" dirty="0">
-                        <a:solidFill>
-                          <a:schemeClr val="accent3">
-                            <a:lumMod val="75000"/>
-                          </a:schemeClr>
-                        </a:solidFill>
-                      </a:endParaRPr>
                     </a:p>
                   </a:txBody>
                   <a:tcPr/>
@@ -53103,7 +51503,7 @@
                     <a:p>
                       <a:pPr algn="just"/>
                       <a:r>
-                        <a:rPr lang="es-ES" dirty="0" smtClean="0">
+                        <a:rPr lang="es-ES" dirty="0">
                           <a:solidFill>
                             <a:schemeClr val="accent3">
                               <a:lumMod val="75000"/>
@@ -53112,13 +51512,6 @@
                         </a:rPr>
                         <a:t>Son pagadas.</a:t>
                       </a:r>
-                      <a:endParaRPr lang="es-ES" dirty="0">
-                        <a:solidFill>
-                          <a:schemeClr val="accent3">
-                            <a:lumMod val="75000"/>
-                          </a:schemeClr>
-                        </a:solidFill>
-                      </a:endParaRPr>
                     </a:p>
                   </a:txBody>
                   <a:tcPr/>
@@ -53174,20 +51567,12 @@
                     <a:p>
                       <a:pPr algn="l"/>
                       <a:r>
-                        <a:rPr lang="es-ES" dirty="0" smtClean="0">
-                          <a:solidFill>
-                            <a:schemeClr val="tx2"/>
-                          </a:solidFill>
-                        </a:rPr>
-                        <a:t>Pincha </a:t>
-                      </a:r>
-                      <a:r>
                         <a:rPr lang="es-ES" dirty="0">
                           <a:solidFill>
                             <a:schemeClr val="tx2"/>
                           </a:solidFill>
                         </a:rPr>
-                        <a:t>en </a:t>
+                        <a:t>Pincha en </a:t>
                       </a:r>
                       <a:r>
                         <a:rPr lang="es-ES" dirty="0">
@@ -53204,48 +51589,19 @@
                             <a:schemeClr val="tx2"/>
                           </a:solidFill>
                         </a:rPr>
-                        <a:t>para conocer el calendario laboral en Andalucía para este año</a:t>
-                      </a:r>
-                      <a:r>
-                        <a:rPr lang="es-ES" dirty="0" smtClean="0">
-                          <a:solidFill>
-                            <a:schemeClr val="tx2"/>
-                          </a:solidFill>
-                        </a:rPr>
-                        <a:t>.</a:t>
+                        <a:t>para conocer el calendario laboral en Andalucía para este año.</a:t>
                       </a:r>
                     </a:p>
                     <a:p>
                       <a:pPr algn="l"/>
                       <a:r>
-                        <a:rPr lang="es-ES" dirty="0" smtClean="0">
+                        <a:rPr lang="es-ES" dirty="0">
                           <a:solidFill>
                             <a:schemeClr val="accent2"/>
                           </a:solidFill>
                         </a:rPr>
                         <a:t>Tenemos 14 festivos.</a:t>
                       </a:r>
-                      <a:endParaRPr lang="es-ES" dirty="0">
-                        <a:solidFill>
-                          <a:schemeClr val="accent2"/>
-                        </a:solidFill>
-                      </a:endParaRPr>
-                    </a:p>
-                    <a:p>
-                      <a:pPr algn="l"/>
-                      <a:r>
-                        <a:rPr lang="es-ES" dirty="0" smtClean="0">
-                          <a:solidFill>
-                            <a:schemeClr val="tx2"/>
-                          </a:solidFill>
-                        </a:rPr>
-                        <a:t>En España</a:t>
-                      </a:r>
-                      <a:endParaRPr lang="es-ES" dirty="0">
-                        <a:solidFill>
-                          <a:schemeClr val="tx2"/>
-                        </a:solidFill>
-                      </a:endParaRPr>
                     </a:p>
                     <a:p>
                       <a:pPr algn="l"/>
@@ -53255,18 +51611,21 @@
                             <a:schemeClr val="tx2"/>
                           </a:solidFill>
                         </a:rPr>
-                        <a:t>1.- ¿Qué días son festivos insustituibles en todo el territorio nacional</a:t>
+                        <a:t>En España</a:t>
                       </a:r>
+                    </a:p>
+                    <a:p>
+                      <a:pPr algn="l"/>
                       <a:r>
-                        <a:rPr lang="es-ES" dirty="0" smtClean="0">
+                        <a:rPr lang="es-ES" dirty="0">
                           <a:solidFill>
                             <a:schemeClr val="tx2"/>
                           </a:solidFill>
                         </a:rPr>
-                        <a:t>? </a:t>
+                        <a:t>1.- ¿Qué días son festivos insustituibles en todo el territorio nacional? </a:t>
                       </a:r>
                       <a:r>
-                        <a:rPr lang="es-ES" dirty="0" smtClean="0">
+                        <a:rPr lang="es-ES" dirty="0">
                           <a:solidFill>
                             <a:schemeClr val="accent2"/>
                           </a:solidFill>
@@ -53274,7 +51633,7 @@
                         <a:t>(Estatuto de los</a:t>
                       </a:r>
                       <a:r>
-                        <a:rPr lang="es-ES" baseline="0" dirty="0" smtClean="0">
+                        <a:rPr lang="es-ES" baseline="0" dirty="0">
                           <a:solidFill>
                             <a:schemeClr val="accent2"/>
                           </a:solidFill>
@@ -53282,7 +51641,7 @@
                         <a:t> trabajadores) </a:t>
                       </a:r>
                       <a:r>
-                        <a:rPr lang="es-ES" dirty="0" smtClean="0">
+                        <a:rPr lang="es-ES" dirty="0">
                           <a:solidFill>
                             <a:schemeClr val="accent2"/>
                           </a:solidFill>
@@ -53293,7 +51652,7 @@
                     <a:p>
                       <a:pPr algn="l"/>
                       <a:r>
-                        <a:rPr lang="es-ES" dirty="0" smtClean="0">
+                        <a:rPr lang="es-ES" dirty="0">
                           <a:solidFill>
                             <a:schemeClr val="accent2"/>
                           </a:solidFill>
@@ -53301,7 +51660,7 @@
                         <a:t>(BOE 2024) 6 enero,</a:t>
                       </a:r>
                       <a:r>
-                        <a:rPr lang="es-ES" baseline="0" dirty="0" smtClean="0">
+                        <a:rPr lang="es-ES" baseline="0" dirty="0">
                           <a:solidFill>
                             <a:schemeClr val="accent2"/>
                           </a:solidFill>
@@ -53322,18 +51681,10 @@
                             <a:schemeClr val="tx2"/>
                           </a:solidFill>
                         </a:rPr>
-                        <a:t>2.- ¿Qué días son los festivos fijados por Andalucía</a:t>
+                        <a:t>2.- ¿Qué días son los festivos fijados por Andalucía? </a:t>
                       </a:r>
                       <a:r>
-                        <a:rPr lang="es-ES" dirty="0" smtClean="0">
-                          <a:solidFill>
-                            <a:schemeClr val="tx2"/>
-                          </a:solidFill>
-                        </a:rPr>
-                        <a:t>? </a:t>
-                      </a:r>
-                      <a:r>
-                        <a:rPr lang="es-ES" dirty="0" smtClean="0">
+                        <a:rPr lang="es-ES" dirty="0">
                           <a:solidFill>
                             <a:schemeClr val="accent2"/>
                           </a:solidFill>
@@ -53341,7 +51692,7 @@
                         <a:t>28 febrero, 28 marzo (jueves santo), 9 de</a:t>
                       </a:r>
                       <a:r>
-                        <a:rPr lang="es-ES" baseline="0" dirty="0" smtClean="0">
+                        <a:rPr lang="es-ES" baseline="0" dirty="0">
                           <a:solidFill>
                             <a:schemeClr val="accent2"/>
                           </a:solidFill>
@@ -53365,7 +51716,7 @@
                         <a:t>3.- ¿Qué días son fiesta local en Sevilla? </a:t>
                       </a:r>
                       <a:r>
-                        <a:rPr lang="es-ES" dirty="0" smtClean="0">
+                        <a:rPr lang="es-ES" dirty="0">
                           <a:solidFill>
                             <a:schemeClr val="accent2"/>
                           </a:solidFill>
@@ -53373,7 +51724,7 @@
                         <a:t>2 locales:</a:t>
                       </a:r>
                       <a:r>
-                        <a:rPr lang="es-ES" baseline="0" dirty="0" smtClean="0">
+                        <a:rPr lang="es-ES" baseline="0" dirty="0">
                           <a:solidFill>
                             <a:schemeClr val="accent2"/>
                           </a:solidFill>
